--- a/Seminar Management und Controlling/Controlling in kleinen und mittleren Unternehmen.pptx
+++ b/Seminar Management und Controlling/Controlling in kleinen und mittleren Unternehmen.pptx
@@ -17,6 +17,9 @@
     <p:sldId id="268" r:id="rId11"/>
     <p:sldId id="269" r:id="rId12"/>
     <p:sldId id="270" r:id="rId13"/>
+    <p:sldId id="271" r:id="rId14"/>
+    <p:sldId id="272" r:id="rId15"/>
+    <p:sldId id="273" r:id="rId16"/>
   </p:sldIdLst>
   <p:sldSz cx="12192000" cy="6858000"/>
   <p:notesSz cx="6858000" cy="9144000"/>
@@ -132,6 +135,9 @@
             <p14:sldId id="268"/>
             <p14:sldId id="269"/>
             <p14:sldId id="270"/>
+            <p14:sldId id="271"/>
+            <p14:sldId id="272"/>
+            <p14:sldId id="273"/>
           </p14:sldIdLst>
         </p14:section>
       </p14:sectionLst>
@@ -3291,6 +3297,1500 @@
     <dgm:fillClrLst meth="repeat">
       <a:schemeClr val="accent6">
         <a:tint val="40000"/>
+      </a:schemeClr>
+    </dgm:fillClrLst>
+    <dgm:linClrLst meth="repeat">
+      <a:schemeClr val="lt1"/>
+    </dgm:linClrLst>
+    <dgm:effectClrLst/>
+    <dgm:txLinClrLst/>
+    <dgm:txFillClrLst meth="repeat">
+      <a:schemeClr val="dk1"/>
+    </dgm:txFillClrLst>
+    <dgm:txEffectClrLst/>
+  </dgm:styleLbl>
+  <dgm:styleLbl name="revTx">
+    <dgm:fillClrLst meth="repeat">
+      <a:schemeClr val="lt1">
+        <a:alpha val="0"/>
+      </a:schemeClr>
+    </dgm:fillClrLst>
+    <dgm:linClrLst meth="repeat">
+      <a:schemeClr val="dk1">
+        <a:alpha val="0"/>
+      </a:schemeClr>
+    </dgm:linClrLst>
+    <dgm:effectClrLst/>
+    <dgm:txLinClrLst/>
+    <dgm:txFillClrLst meth="repeat">
+      <a:schemeClr val="tx1"/>
+    </dgm:txFillClrLst>
+    <dgm:txEffectClrLst/>
+  </dgm:styleLbl>
+</dgm:colorsDef>
+</file>
+
+<file path=ppt/diagrams/colors5.xml><?xml version="1.0" encoding="utf-8"?>
+<dgm:colorsDef xmlns:dgm="http://schemas.openxmlformats.org/drawingml/2006/diagram" xmlns:a="http://schemas.openxmlformats.org/drawingml/2006/main" uniqueId="urn:microsoft.com/office/officeart/2005/8/colors/accent6_2">
+  <dgm:title val=""/>
+  <dgm:desc val=""/>
+  <dgm:catLst>
+    <dgm:cat type="accent6" pri="11200"/>
+  </dgm:catLst>
+  <dgm:styleLbl name="node0">
+    <dgm:fillClrLst meth="repeat">
+      <a:schemeClr val="accent6"/>
+    </dgm:fillClrLst>
+    <dgm:linClrLst meth="repeat">
+      <a:schemeClr val="lt1"/>
+    </dgm:linClrLst>
+    <dgm:effectClrLst/>
+    <dgm:txLinClrLst/>
+    <dgm:txFillClrLst/>
+    <dgm:txEffectClrLst/>
+  </dgm:styleLbl>
+  <dgm:styleLbl name="node1">
+    <dgm:fillClrLst meth="repeat">
+      <a:schemeClr val="accent6"/>
+    </dgm:fillClrLst>
+    <dgm:linClrLst meth="repeat">
+      <a:schemeClr val="lt1"/>
+    </dgm:linClrLst>
+    <dgm:effectClrLst/>
+    <dgm:txLinClrLst/>
+    <dgm:txFillClrLst/>
+    <dgm:txEffectClrLst/>
+  </dgm:styleLbl>
+  <dgm:styleLbl name="alignNode1">
+    <dgm:fillClrLst meth="repeat">
+      <a:schemeClr val="accent6"/>
+    </dgm:fillClrLst>
+    <dgm:linClrLst meth="repeat">
+      <a:schemeClr val="accent6"/>
+    </dgm:linClrLst>
+    <dgm:effectClrLst/>
+    <dgm:txLinClrLst/>
+    <dgm:txFillClrLst/>
+    <dgm:txEffectClrLst/>
+  </dgm:styleLbl>
+  <dgm:styleLbl name="lnNode1">
+    <dgm:fillClrLst meth="repeat">
+      <a:schemeClr val="accent6"/>
+    </dgm:fillClrLst>
+    <dgm:linClrLst meth="repeat">
+      <a:schemeClr val="lt1"/>
+    </dgm:linClrLst>
+    <dgm:effectClrLst/>
+    <dgm:txLinClrLst/>
+    <dgm:txFillClrLst/>
+    <dgm:txEffectClrLst/>
+  </dgm:styleLbl>
+  <dgm:styleLbl name="vennNode1">
+    <dgm:fillClrLst meth="repeat">
+      <a:schemeClr val="accent6">
+        <a:alpha val="50000"/>
+      </a:schemeClr>
+    </dgm:fillClrLst>
+    <dgm:linClrLst meth="repeat">
+      <a:schemeClr val="lt1"/>
+    </dgm:linClrLst>
+    <dgm:effectClrLst/>
+    <dgm:txLinClrLst/>
+    <dgm:txFillClrLst/>
+    <dgm:txEffectClrLst/>
+  </dgm:styleLbl>
+  <dgm:styleLbl name="node2">
+    <dgm:fillClrLst meth="repeat">
+      <a:schemeClr val="accent6"/>
+    </dgm:fillClrLst>
+    <dgm:linClrLst meth="repeat">
+      <a:schemeClr val="lt1"/>
+    </dgm:linClrLst>
+    <dgm:effectClrLst/>
+    <dgm:txLinClrLst/>
+    <dgm:txFillClrLst/>
+    <dgm:txEffectClrLst/>
+  </dgm:styleLbl>
+  <dgm:styleLbl name="node3">
+    <dgm:fillClrLst meth="repeat">
+      <a:schemeClr val="accent6"/>
+    </dgm:fillClrLst>
+    <dgm:linClrLst meth="repeat">
+      <a:schemeClr val="lt1"/>
+    </dgm:linClrLst>
+    <dgm:effectClrLst/>
+    <dgm:txLinClrLst/>
+    <dgm:txFillClrLst/>
+    <dgm:txEffectClrLst/>
+  </dgm:styleLbl>
+  <dgm:styleLbl name="node4">
+    <dgm:fillClrLst meth="repeat">
+      <a:schemeClr val="accent6"/>
+    </dgm:fillClrLst>
+    <dgm:linClrLst meth="repeat">
+      <a:schemeClr val="lt1"/>
+    </dgm:linClrLst>
+    <dgm:effectClrLst/>
+    <dgm:txLinClrLst/>
+    <dgm:txFillClrLst/>
+    <dgm:txEffectClrLst/>
+  </dgm:styleLbl>
+  <dgm:styleLbl name="fgImgPlace1">
+    <dgm:fillClrLst meth="repeat">
+      <a:schemeClr val="accent6">
+        <a:tint val="50000"/>
+      </a:schemeClr>
+    </dgm:fillClrLst>
+    <dgm:linClrLst meth="repeat">
+      <a:schemeClr val="lt1"/>
+    </dgm:linClrLst>
+    <dgm:effectClrLst/>
+    <dgm:txLinClrLst/>
+    <dgm:txFillClrLst meth="repeat">
+      <a:schemeClr val="lt1"/>
+    </dgm:txFillClrLst>
+    <dgm:txEffectClrLst/>
+  </dgm:styleLbl>
+  <dgm:styleLbl name="alignImgPlace1">
+    <dgm:fillClrLst meth="repeat">
+      <a:schemeClr val="accent6">
+        <a:tint val="50000"/>
+      </a:schemeClr>
+    </dgm:fillClrLst>
+    <dgm:linClrLst meth="repeat">
+      <a:schemeClr val="lt1"/>
+    </dgm:linClrLst>
+    <dgm:effectClrLst/>
+    <dgm:txLinClrLst/>
+    <dgm:txFillClrLst meth="repeat">
+      <a:schemeClr val="lt1"/>
+    </dgm:txFillClrLst>
+    <dgm:txEffectClrLst/>
+  </dgm:styleLbl>
+  <dgm:styleLbl name="bgImgPlace1">
+    <dgm:fillClrLst meth="repeat">
+      <a:schemeClr val="accent6">
+        <a:tint val="50000"/>
+      </a:schemeClr>
+    </dgm:fillClrLst>
+    <dgm:linClrLst meth="repeat">
+      <a:schemeClr val="lt1"/>
+    </dgm:linClrLst>
+    <dgm:effectClrLst/>
+    <dgm:txLinClrLst/>
+    <dgm:txFillClrLst meth="repeat">
+      <a:schemeClr val="lt1"/>
+    </dgm:txFillClrLst>
+    <dgm:txEffectClrLst/>
+  </dgm:styleLbl>
+  <dgm:styleLbl name="sibTrans2D1">
+    <dgm:fillClrLst meth="repeat">
+      <a:schemeClr val="accent6">
+        <a:tint val="60000"/>
+      </a:schemeClr>
+    </dgm:fillClrLst>
+    <dgm:linClrLst meth="repeat">
+      <a:schemeClr val="accent6">
+        <a:tint val="60000"/>
+      </a:schemeClr>
+    </dgm:linClrLst>
+    <dgm:effectClrLst/>
+    <dgm:txLinClrLst/>
+    <dgm:txFillClrLst/>
+    <dgm:txEffectClrLst/>
+  </dgm:styleLbl>
+  <dgm:styleLbl name="fgSibTrans2D1">
+    <dgm:fillClrLst meth="repeat">
+      <a:schemeClr val="accent6">
+        <a:tint val="60000"/>
+      </a:schemeClr>
+    </dgm:fillClrLst>
+    <dgm:linClrLst meth="repeat">
+      <a:schemeClr val="accent6">
+        <a:tint val="60000"/>
+      </a:schemeClr>
+    </dgm:linClrLst>
+    <dgm:effectClrLst/>
+    <dgm:txLinClrLst/>
+    <dgm:txFillClrLst/>
+    <dgm:txEffectClrLst/>
+  </dgm:styleLbl>
+  <dgm:styleLbl name="bgSibTrans2D1">
+    <dgm:fillClrLst meth="repeat">
+      <a:schemeClr val="accent6">
+        <a:tint val="60000"/>
+      </a:schemeClr>
+    </dgm:fillClrLst>
+    <dgm:linClrLst meth="repeat">
+      <a:schemeClr val="accent6">
+        <a:tint val="60000"/>
+      </a:schemeClr>
+    </dgm:linClrLst>
+    <dgm:effectClrLst/>
+    <dgm:txLinClrLst/>
+    <dgm:txFillClrLst/>
+    <dgm:txEffectClrLst/>
+  </dgm:styleLbl>
+  <dgm:styleLbl name="sibTrans1D1">
+    <dgm:fillClrLst meth="repeat">
+      <a:schemeClr val="accent6"/>
+    </dgm:fillClrLst>
+    <dgm:linClrLst meth="repeat">
+      <a:schemeClr val="accent6"/>
+    </dgm:linClrLst>
+    <dgm:effectClrLst/>
+    <dgm:txLinClrLst/>
+    <dgm:txFillClrLst meth="repeat">
+      <a:schemeClr val="tx1"/>
+    </dgm:txFillClrLst>
+    <dgm:txEffectClrLst/>
+  </dgm:styleLbl>
+  <dgm:styleLbl name="callout">
+    <dgm:fillClrLst meth="repeat">
+      <a:schemeClr val="accent6"/>
+    </dgm:fillClrLst>
+    <dgm:linClrLst meth="repeat">
+      <a:schemeClr val="accent6">
+        <a:tint val="50000"/>
+      </a:schemeClr>
+    </dgm:linClrLst>
+    <dgm:effectClrLst/>
+    <dgm:txLinClrLst/>
+    <dgm:txFillClrLst meth="repeat">
+      <a:schemeClr val="tx1"/>
+    </dgm:txFillClrLst>
+    <dgm:txEffectClrLst/>
+  </dgm:styleLbl>
+  <dgm:styleLbl name="asst0">
+    <dgm:fillClrLst meth="repeat">
+      <a:schemeClr val="accent6"/>
+    </dgm:fillClrLst>
+    <dgm:linClrLst meth="repeat">
+      <a:schemeClr val="lt1"/>
+    </dgm:linClrLst>
+    <dgm:effectClrLst/>
+    <dgm:txLinClrLst/>
+    <dgm:txFillClrLst/>
+    <dgm:txEffectClrLst/>
+  </dgm:styleLbl>
+  <dgm:styleLbl name="asst1">
+    <dgm:fillClrLst meth="repeat">
+      <a:schemeClr val="accent6"/>
+    </dgm:fillClrLst>
+    <dgm:linClrLst meth="repeat">
+      <a:schemeClr val="lt1"/>
+    </dgm:linClrLst>
+    <dgm:effectClrLst/>
+    <dgm:txLinClrLst/>
+    <dgm:txFillClrLst/>
+    <dgm:txEffectClrLst/>
+  </dgm:styleLbl>
+  <dgm:styleLbl name="asst2">
+    <dgm:fillClrLst meth="repeat">
+      <a:schemeClr val="accent6"/>
+    </dgm:fillClrLst>
+    <dgm:linClrLst meth="repeat">
+      <a:schemeClr val="lt1"/>
+    </dgm:linClrLst>
+    <dgm:effectClrLst/>
+    <dgm:txLinClrLst/>
+    <dgm:txFillClrLst/>
+    <dgm:txEffectClrLst/>
+  </dgm:styleLbl>
+  <dgm:styleLbl name="asst3">
+    <dgm:fillClrLst meth="repeat">
+      <a:schemeClr val="accent6"/>
+    </dgm:fillClrLst>
+    <dgm:linClrLst meth="repeat">
+      <a:schemeClr val="lt1"/>
+    </dgm:linClrLst>
+    <dgm:effectClrLst/>
+    <dgm:txLinClrLst/>
+    <dgm:txFillClrLst/>
+    <dgm:txEffectClrLst/>
+  </dgm:styleLbl>
+  <dgm:styleLbl name="asst4">
+    <dgm:fillClrLst meth="repeat">
+      <a:schemeClr val="accent6"/>
+    </dgm:fillClrLst>
+    <dgm:linClrLst meth="repeat">
+      <a:schemeClr val="lt1"/>
+    </dgm:linClrLst>
+    <dgm:effectClrLst/>
+    <dgm:txLinClrLst/>
+    <dgm:txFillClrLst/>
+    <dgm:txEffectClrLst/>
+  </dgm:styleLbl>
+  <dgm:styleLbl name="parChTrans2D1">
+    <dgm:fillClrLst meth="repeat">
+      <a:schemeClr val="accent6">
+        <a:tint val="60000"/>
+      </a:schemeClr>
+    </dgm:fillClrLst>
+    <dgm:linClrLst meth="repeat">
+      <a:schemeClr val="accent6">
+        <a:tint val="60000"/>
+      </a:schemeClr>
+    </dgm:linClrLst>
+    <dgm:effectClrLst/>
+    <dgm:txLinClrLst/>
+    <dgm:txFillClrLst meth="repeat">
+      <a:schemeClr val="lt1"/>
+    </dgm:txFillClrLst>
+    <dgm:txEffectClrLst/>
+  </dgm:styleLbl>
+  <dgm:styleLbl name="parChTrans2D2">
+    <dgm:fillClrLst meth="repeat">
+      <a:schemeClr val="accent6"/>
+    </dgm:fillClrLst>
+    <dgm:linClrLst meth="repeat">
+      <a:schemeClr val="accent6"/>
+    </dgm:linClrLst>
+    <dgm:effectClrLst/>
+    <dgm:txLinClrLst/>
+    <dgm:txFillClrLst meth="repeat">
+      <a:schemeClr val="lt1"/>
+    </dgm:txFillClrLst>
+    <dgm:txEffectClrLst/>
+  </dgm:styleLbl>
+  <dgm:styleLbl name="parChTrans2D3">
+    <dgm:fillClrLst meth="repeat">
+      <a:schemeClr val="accent6"/>
+    </dgm:fillClrLst>
+    <dgm:linClrLst meth="repeat">
+      <a:schemeClr val="accent6"/>
+    </dgm:linClrLst>
+    <dgm:effectClrLst/>
+    <dgm:txLinClrLst/>
+    <dgm:txFillClrLst meth="repeat">
+      <a:schemeClr val="lt1"/>
+    </dgm:txFillClrLst>
+    <dgm:txEffectClrLst/>
+  </dgm:styleLbl>
+  <dgm:styleLbl name="parChTrans2D4">
+    <dgm:fillClrLst meth="repeat">
+      <a:schemeClr val="accent6"/>
+    </dgm:fillClrLst>
+    <dgm:linClrLst meth="repeat">
+      <a:schemeClr val="accent6"/>
+    </dgm:linClrLst>
+    <dgm:effectClrLst/>
+    <dgm:txLinClrLst/>
+    <dgm:txFillClrLst meth="repeat">
+      <a:schemeClr val="lt1"/>
+    </dgm:txFillClrLst>
+    <dgm:txEffectClrLst/>
+  </dgm:styleLbl>
+  <dgm:styleLbl name="parChTrans1D1">
+    <dgm:fillClrLst meth="repeat">
+      <a:schemeClr val="accent6"/>
+    </dgm:fillClrLst>
+    <dgm:linClrLst meth="repeat">
+      <a:schemeClr val="accent6">
+        <a:shade val="60000"/>
+      </a:schemeClr>
+    </dgm:linClrLst>
+    <dgm:effectClrLst/>
+    <dgm:txLinClrLst/>
+    <dgm:txFillClrLst meth="repeat">
+      <a:schemeClr val="tx1"/>
+    </dgm:txFillClrLst>
+    <dgm:txEffectClrLst/>
+  </dgm:styleLbl>
+  <dgm:styleLbl name="parChTrans1D2">
+    <dgm:fillClrLst meth="repeat">
+      <a:schemeClr val="accent6"/>
+    </dgm:fillClrLst>
+    <dgm:linClrLst meth="repeat">
+      <a:schemeClr val="accent6">
+        <a:shade val="60000"/>
+      </a:schemeClr>
+    </dgm:linClrLst>
+    <dgm:effectClrLst/>
+    <dgm:txLinClrLst/>
+    <dgm:txFillClrLst meth="repeat">
+      <a:schemeClr val="tx1"/>
+    </dgm:txFillClrLst>
+    <dgm:txEffectClrLst/>
+  </dgm:styleLbl>
+  <dgm:styleLbl name="parChTrans1D3">
+    <dgm:fillClrLst meth="repeat">
+      <a:schemeClr val="accent6"/>
+    </dgm:fillClrLst>
+    <dgm:linClrLst meth="repeat">
+      <a:schemeClr val="accent6">
+        <a:shade val="80000"/>
+      </a:schemeClr>
+    </dgm:linClrLst>
+    <dgm:effectClrLst/>
+    <dgm:txLinClrLst/>
+    <dgm:txFillClrLst meth="repeat">
+      <a:schemeClr val="tx1"/>
+    </dgm:txFillClrLst>
+    <dgm:txEffectClrLst/>
+  </dgm:styleLbl>
+  <dgm:styleLbl name="parChTrans1D4">
+    <dgm:fillClrLst meth="repeat">
+      <a:schemeClr val="accent6"/>
+    </dgm:fillClrLst>
+    <dgm:linClrLst meth="repeat">
+      <a:schemeClr val="accent6">
+        <a:shade val="80000"/>
+      </a:schemeClr>
+    </dgm:linClrLst>
+    <dgm:effectClrLst/>
+    <dgm:txLinClrLst/>
+    <dgm:txFillClrLst meth="repeat">
+      <a:schemeClr val="tx1"/>
+    </dgm:txFillClrLst>
+    <dgm:txEffectClrLst/>
+  </dgm:styleLbl>
+  <dgm:styleLbl name="fgAcc1">
+    <dgm:fillClrLst meth="repeat">
+      <a:schemeClr val="lt1">
+        <a:alpha val="90000"/>
+      </a:schemeClr>
+    </dgm:fillClrLst>
+    <dgm:linClrLst meth="repeat">
+      <a:schemeClr val="accent6"/>
+    </dgm:linClrLst>
+    <dgm:effectClrLst/>
+    <dgm:txLinClrLst/>
+    <dgm:txFillClrLst meth="repeat">
+      <a:schemeClr val="dk1"/>
+    </dgm:txFillClrLst>
+    <dgm:txEffectClrLst/>
+  </dgm:styleLbl>
+  <dgm:styleLbl name="conFgAcc1">
+    <dgm:fillClrLst meth="repeat">
+      <a:schemeClr val="lt1">
+        <a:alpha val="90000"/>
+      </a:schemeClr>
+    </dgm:fillClrLst>
+    <dgm:linClrLst meth="repeat">
+      <a:schemeClr val="accent6"/>
+    </dgm:linClrLst>
+    <dgm:effectClrLst/>
+    <dgm:txLinClrLst/>
+    <dgm:txFillClrLst meth="repeat">
+      <a:schemeClr val="dk1"/>
+    </dgm:txFillClrLst>
+    <dgm:txEffectClrLst/>
+  </dgm:styleLbl>
+  <dgm:styleLbl name="alignAcc1">
+    <dgm:fillClrLst meth="repeat">
+      <a:schemeClr val="lt1">
+        <a:alpha val="90000"/>
+      </a:schemeClr>
+    </dgm:fillClrLst>
+    <dgm:linClrLst meth="repeat">
+      <a:schemeClr val="accent6"/>
+    </dgm:linClrLst>
+    <dgm:effectClrLst/>
+    <dgm:txLinClrLst/>
+    <dgm:txFillClrLst meth="repeat">
+      <a:schemeClr val="dk1"/>
+    </dgm:txFillClrLst>
+    <dgm:txEffectClrLst/>
+  </dgm:styleLbl>
+  <dgm:styleLbl name="trAlignAcc1">
+    <dgm:fillClrLst meth="repeat">
+      <a:schemeClr val="lt1">
+        <a:alpha val="40000"/>
+      </a:schemeClr>
+    </dgm:fillClrLst>
+    <dgm:linClrLst meth="repeat">
+      <a:schemeClr val="accent6"/>
+    </dgm:linClrLst>
+    <dgm:effectClrLst/>
+    <dgm:txLinClrLst/>
+    <dgm:txFillClrLst meth="repeat">
+      <a:schemeClr val="dk1"/>
+    </dgm:txFillClrLst>
+    <dgm:txEffectClrLst/>
+  </dgm:styleLbl>
+  <dgm:styleLbl name="bgAcc1">
+    <dgm:fillClrLst meth="repeat">
+      <a:schemeClr val="lt1">
+        <a:alpha val="90000"/>
+      </a:schemeClr>
+    </dgm:fillClrLst>
+    <dgm:linClrLst meth="repeat">
+      <a:schemeClr val="accent6"/>
+    </dgm:linClrLst>
+    <dgm:effectClrLst/>
+    <dgm:txLinClrLst/>
+    <dgm:txFillClrLst meth="repeat">
+      <a:schemeClr val="dk1"/>
+    </dgm:txFillClrLst>
+    <dgm:txEffectClrLst/>
+  </dgm:styleLbl>
+  <dgm:styleLbl name="solidFgAcc1">
+    <dgm:fillClrLst meth="repeat">
+      <a:schemeClr val="lt1"/>
+    </dgm:fillClrLst>
+    <dgm:linClrLst meth="repeat">
+      <a:schemeClr val="accent6"/>
+    </dgm:linClrLst>
+    <dgm:effectClrLst/>
+    <dgm:txLinClrLst/>
+    <dgm:txFillClrLst meth="repeat">
+      <a:schemeClr val="dk1"/>
+    </dgm:txFillClrLst>
+    <dgm:txEffectClrLst/>
+  </dgm:styleLbl>
+  <dgm:styleLbl name="solidAlignAcc1">
+    <dgm:fillClrLst meth="repeat">
+      <a:schemeClr val="lt1"/>
+    </dgm:fillClrLst>
+    <dgm:linClrLst meth="repeat">
+      <a:schemeClr val="accent6"/>
+    </dgm:linClrLst>
+    <dgm:effectClrLst/>
+    <dgm:txLinClrLst/>
+    <dgm:txFillClrLst meth="repeat">
+      <a:schemeClr val="dk1"/>
+    </dgm:txFillClrLst>
+    <dgm:txEffectClrLst/>
+  </dgm:styleLbl>
+  <dgm:styleLbl name="solidBgAcc1">
+    <dgm:fillClrLst meth="repeat">
+      <a:schemeClr val="lt1"/>
+    </dgm:fillClrLst>
+    <dgm:linClrLst meth="repeat">
+      <a:schemeClr val="accent6"/>
+    </dgm:linClrLst>
+    <dgm:effectClrLst/>
+    <dgm:txLinClrLst/>
+    <dgm:txFillClrLst meth="repeat">
+      <a:schemeClr val="dk1"/>
+    </dgm:txFillClrLst>
+    <dgm:txEffectClrLst/>
+  </dgm:styleLbl>
+  <dgm:styleLbl name="fgAccFollowNode1">
+    <dgm:fillClrLst meth="repeat">
+      <a:schemeClr val="accent6">
+        <a:alpha val="90000"/>
+        <a:tint val="40000"/>
+      </a:schemeClr>
+    </dgm:fillClrLst>
+    <dgm:linClrLst meth="repeat">
+      <a:schemeClr val="accent6">
+        <a:alpha val="90000"/>
+        <a:tint val="40000"/>
+      </a:schemeClr>
+    </dgm:linClrLst>
+    <dgm:effectClrLst/>
+    <dgm:txLinClrLst/>
+    <dgm:txFillClrLst meth="repeat">
+      <a:schemeClr val="dk1"/>
+    </dgm:txFillClrLst>
+    <dgm:txEffectClrLst/>
+  </dgm:styleLbl>
+  <dgm:styleLbl name="alignAccFollowNode1">
+    <dgm:fillClrLst meth="repeat">
+      <a:schemeClr val="accent6">
+        <a:alpha val="90000"/>
+        <a:tint val="40000"/>
+      </a:schemeClr>
+    </dgm:fillClrLst>
+    <dgm:linClrLst meth="repeat">
+      <a:schemeClr val="accent6">
+        <a:alpha val="90000"/>
+        <a:tint val="40000"/>
+      </a:schemeClr>
+    </dgm:linClrLst>
+    <dgm:effectClrLst/>
+    <dgm:txLinClrLst/>
+    <dgm:txFillClrLst meth="repeat">
+      <a:schemeClr val="dk1"/>
+    </dgm:txFillClrLst>
+    <dgm:txEffectClrLst/>
+  </dgm:styleLbl>
+  <dgm:styleLbl name="bgAccFollowNode1">
+    <dgm:fillClrLst meth="repeat">
+      <a:schemeClr val="accent6">
+        <a:alpha val="90000"/>
+        <a:tint val="40000"/>
+      </a:schemeClr>
+    </dgm:fillClrLst>
+    <dgm:linClrLst meth="repeat">
+      <a:schemeClr val="accent6">
+        <a:alpha val="90000"/>
+        <a:tint val="40000"/>
+      </a:schemeClr>
+    </dgm:linClrLst>
+    <dgm:effectClrLst/>
+    <dgm:txLinClrLst/>
+    <dgm:txFillClrLst meth="repeat">
+      <a:schemeClr val="dk1"/>
+    </dgm:txFillClrLst>
+    <dgm:txEffectClrLst/>
+  </dgm:styleLbl>
+  <dgm:styleLbl name="fgAcc0">
+    <dgm:fillClrLst meth="repeat">
+      <a:schemeClr val="lt1">
+        <a:alpha val="90000"/>
+      </a:schemeClr>
+    </dgm:fillClrLst>
+    <dgm:linClrLst meth="repeat">
+      <a:schemeClr val="accent6"/>
+    </dgm:linClrLst>
+    <dgm:effectClrLst/>
+    <dgm:txLinClrLst/>
+    <dgm:txFillClrLst meth="repeat">
+      <a:schemeClr val="dk1"/>
+    </dgm:txFillClrLst>
+    <dgm:txEffectClrLst/>
+  </dgm:styleLbl>
+  <dgm:styleLbl name="fgAcc2">
+    <dgm:fillClrLst meth="repeat">
+      <a:schemeClr val="lt1">
+        <a:alpha val="90000"/>
+      </a:schemeClr>
+    </dgm:fillClrLst>
+    <dgm:linClrLst meth="repeat">
+      <a:schemeClr val="accent6"/>
+    </dgm:linClrLst>
+    <dgm:effectClrLst/>
+    <dgm:txLinClrLst/>
+    <dgm:txFillClrLst meth="repeat">
+      <a:schemeClr val="dk1"/>
+    </dgm:txFillClrLst>
+    <dgm:txEffectClrLst/>
+  </dgm:styleLbl>
+  <dgm:styleLbl name="fgAcc3">
+    <dgm:fillClrLst meth="repeat">
+      <a:schemeClr val="lt1">
+        <a:alpha val="90000"/>
+      </a:schemeClr>
+    </dgm:fillClrLst>
+    <dgm:linClrLst meth="repeat">
+      <a:schemeClr val="accent6"/>
+    </dgm:linClrLst>
+    <dgm:effectClrLst/>
+    <dgm:txLinClrLst/>
+    <dgm:txFillClrLst meth="repeat">
+      <a:schemeClr val="dk1"/>
+    </dgm:txFillClrLst>
+    <dgm:txEffectClrLst/>
+  </dgm:styleLbl>
+  <dgm:styleLbl name="fgAcc4">
+    <dgm:fillClrLst meth="repeat">
+      <a:schemeClr val="lt1">
+        <a:alpha val="90000"/>
+      </a:schemeClr>
+    </dgm:fillClrLst>
+    <dgm:linClrLst meth="repeat">
+      <a:schemeClr val="accent6"/>
+    </dgm:linClrLst>
+    <dgm:effectClrLst/>
+    <dgm:txLinClrLst/>
+    <dgm:txFillClrLst meth="repeat">
+      <a:schemeClr val="dk1"/>
+    </dgm:txFillClrLst>
+    <dgm:txEffectClrLst/>
+  </dgm:styleLbl>
+  <dgm:styleLbl name="bgShp">
+    <dgm:fillClrLst meth="repeat">
+      <a:schemeClr val="accent6">
+        <a:tint val="40000"/>
+      </a:schemeClr>
+    </dgm:fillClrLst>
+    <dgm:linClrLst meth="repeat">
+      <a:schemeClr val="accent6"/>
+    </dgm:linClrLst>
+    <dgm:effectClrLst/>
+    <dgm:txLinClrLst/>
+    <dgm:txFillClrLst meth="repeat">
+      <a:schemeClr val="dk1"/>
+    </dgm:txFillClrLst>
+    <dgm:txEffectClrLst/>
+  </dgm:styleLbl>
+  <dgm:styleLbl name="dkBgShp">
+    <dgm:fillClrLst meth="repeat">
+      <a:schemeClr val="accent6">
+        <a:shade val="80000"/>
+      </a:schemeClr>
+    </dgm:fillClrLst>
+    <dgm:linClrLst meth="repeat">
+      <a:schemeClr val="accent6"/>
+    </dgm:linClrLst>
+    <dgm:effectClrLst/>
+    <dgm:txLinClrLst/>
+    <dgm:txFillClrLst meth="repeat">
+      <a:schemeClr val="lt1"/>
+    </dgm:txFillClrLst>
+    <dgm:txEffectClrLst/>
+  </dgm:styleLbl>
+  <dgm:styleLbl name="trBgShp">
+    <dgm:fillClrLst meth="repeat">
+      <a:schemeClr val="accent6">
+        <a:tint val="50000"/>
+        <a:alpha val="40000"/>
+      </a:schemeClr>
+    </dgm:fillClrLst>
+    <dgm:linClrLst meth="repeat">
+      <a:schemeClr val="accent6"/>
+    </dgm:linClrLst>
+    <dgm:effectClrLst/>
+    <dgm:txLinClrLst/>
+    <dgm:txFillClrLst meth="repeat">
+      <a:schemeClr val="lt1"/>
+    </dgm:txFillClrLst>
+    <dgm:txEffectClrLst/>
+  </dgm:styleLbl>
+  <dgm:styleLbl name="fgShp">
+    <dgm:fillClrLst meth="repeat">
+      <a:schemeClr val="accent6">
+        <a:tint val="60000"/>
+      </a:schemeClr>
+    </dgm:fillClrLst>
+    <dgm:linClrLst meth="repeat">
+      <a:schemeClr val="lt1"/>
+    </dgm:linClrLst>
+    <dgm:effectClrLst/>
+    <dgm:txLinClrLst/>
+    <dgm:txFillClrLst meth="repeat">
+      <a:schemeClr val="dk1"/>
+    </dgm:txFillClrLst>
+    <dgm:txEffectClrLst/>
+  </dgm:styleLbl>
+  <dgm:styleLbl name="revTx">
+    <dgm:fillClrLst meth="repeat">
+      <a:schemeClr val="lt1">
+        <a:alpha val="0"/>
+      </a:schemeClr>
+    </dgm:fillClrLst>
+    <dgm:linClrLst meth="repeat">
+      <a:schemeClr val="dk1">
+        <a:alpha val="0"/>
+      </a:schemeClr>
+    </dgm:linClrLst>
+    <dgm:effectClrLst/>
+    <dgm:txLinClrLst/>
+    <dgm:txFillClrLst meth="repeat">
+      <a:schemeClr val="tx1"/>
+    </dgm:txFillClrLst>
+    <dgm:txEffectClrLst/>
+  </dgm:styleLbl>
+</dgm:colorsDef>
+</file>
+
+<file path=ppt/diagrams/colors6.xml><?xml version="1.0" encoding="utf-8"?>
+<dgm:colorsDef xmlns:dgm="http://schemas.openxmlformats.org/drawingml/2006/diagram" xmlns:a="http://schemas.openxmlformats.org/drawingml/2006/main" uniqueId="urn:microsoft.com/office/officeart/2005/8/colors/accent6_2">
+  <dgm:title val=""/>
+  <dgm:desc val=""/>
+  <dgm:catLst>
+    <dgm:cat type="accent6" pri="11200"/>
+  </dgm:catLst>
+  <dgm:styleLbl name="node0">
+    <dgm:fillClrLst meth="repeat">
+      <a:schemeClr val="accent6"/>
+    </dgm:fillClrLst>
+    <dgm:linClrLst meth="repeat">
+      <a:schemeClr val="lt1"/>
+    </dgm:linClrLst>
+    <dgm:effectClrLst/>
+    <dgm:txLinClrLst/>
+    <dgm:txFillClrLst/>
+    <dgm:txEffectClrLst/>
+  </dgm:styleLbl>
+  <dgm:styleLbl name="node1">
+    <dgm:fillClrLst meth="repeat">
+      <a:schemeClr val="accent6"/>
+    </dgm:fillClrLst>
+    <dgm:linClrLst meth="repeat">
+      <a:schemeClr val="lt1"/>
+    </dgm:linClrLst>
+    <dgm:effectClrLst/>
+    <dgm:txLinClrLst/>
+    <dgm:txFillClrLst/>
+    <dgm:txEffectClrLst/>
+  </dgm:styleLbl>
+  <dgm:styleLbl name="alignNode1">
+    <dgm:fillClrLst meth="repeat">
+      <a:schemeClr val="accent6"/>
+    </dgm:fillClrLst>
+    <dgm:linClrLst meth="repeat">
+      <a:schemeClr val="accent6"/>
+    </dgm:linClrLst>
+    <dgm:effectClrLst/>
+    <dgm:txLinClrLst/>
+    <dgm:txFillClrLst/>
+    <dgm:txEffectClrLst/>
+  </dgm:styleLbl>
+  <dgm:styleLbl name="lnNode1">
+    <dgm:fillClrLst meth="repeat">
+      <a:schemeClr val="accent6"/>
+    </dgm:fillClrLst>
+    <dgm:linClrLst meth="repeat">
+      <a:schemeClr val="lt1"/>
+    </dgm:linClrLst>
+    <dgm:effectClrLst/>
+    <dgm:txLinClrLst/>
+    <dgm:txFillClrLst/>
+    <dgm:txEffectClrLst/>
+  </dgm:styleLbl>
+  <dgm:styleLbl name="vennNode1">
+    <dgm:fillClrLst meth="repeat">
+      <a:schemeClr val="accent6">
+        <a:alpha val="50000"/>
+      </a:schemeClr>
+    </dgm:fillClrLst>
+    <dgm:linClrLst meth="repeat">
+      <a:schemeClr val="lt1"/>
+    </dgm:linClrLst>
+    <dgm:effectClrLst/>
+    <dgm:txLinClrLst/>
+    <dgm:txFillClrLst/>
+    <dgm:txEffectClrLst/>
+  </dgm:styleLbl>
+  <dgm:styleLbl name="node2">
+    <dgm:fillClrLst meth="repeat">
+      <a:schemeClr val="accent6"/>
+    </dgm:fillClrLst>
+    <dgm:linClrLst meth="repeat">
+      <a:schemeClr val="lt1"/>
+    </dgm:linClrLst>
+    <dgm:effectClrLst/>
+    <dgm:txLinClrLst/>
+    <dgm:txFillClrLst/>
+    <dgm:txEffectClrLst/>
+  </dgm:styleLbl>
+  <dgm:styleLbl name="node3">
+    <dgm:fillClrLst meth="repeat">
+      <a:schemeClr val="accent6"/>
+    </dgm:fillClrLst>
+    <dgm:linClrLst meth="repeat">
+      <a:schemeClr val="lt1"/>
+    </dgm:linClrLst>
+    <dgm:effectClrLst/>
+    <dgm:txLinClrLst/>
+    <dgm:txFillClrLst/>
+    <dgm:txEffectClrLst/>
+  </dgm:styleLbl>
+  <dgm:styleLbl name="node4">
+    <dgm:fillClrLst meth="repeat">
+      <a:schemeClr val="accent6"/>
+    </dgm:fillClrLst>
+    <dgm:linClrLst meth="repeat">
+      <a:schemeClr val="lt1"/>
+    </dgm:linClrLst>
+    <dgm:effectClrLst/>
+    <dgm:txLinClrLst/>
+    <dgm:txFillClrLst/>
+    <dgm:txEffectClrLst/>
+  </dgm:styleLbl>
+  <dgm:styleLbl name="fgImgPlace1">
+    <dgm:fillClrLst meth="repeat">
+      <a:schemeClr val="accent6">
+        <a:tint val="50000"/>
+      </a:schemeClr>
+    </dgm:fillClrLst>
+    <dgm:linClrLst meth="repeat">
+      <a:schemeClr val="lt1"/>
+    </dgm:linClrLst>
+    <dgm:effectClrLst/>
+    <dgm:txLinClrLst/>
+    <dgm:txFillClrLst meth="repeat">
+      <a:schemeClr val="lt1"/>
+    </dgm:txFillClrLst>
+    <dgm:txEffectClrLst/>
+  </dgm:styleLbl>
+  <dgm:styleLbl name="alignImgPlace1">
+    <dgm:fillClrLst meth="repeat">
+      <a:schemeClr val="accent6">
+        <a:tint val="50000"/>
+      </a:schemeClr>
+    </dgm:fillClrLst>
+    <dgm:linClrLst meth="repeat">
+      <a:schemeClr val="lt1"/>
+    </dgm:linClrLst>
+    <dgm:effectClrLst/>
+    <dgm:txLinClrLst/>
+    <dgm:txFillClrLst meth="repeat">
+      <a:schemeClr val="lt1"/>
+    </dgm:txFillClrLst>
+    <dgm:txEffectClrLst/>
+  </dgm:styleLbl>
+  <dgm:styleLbl name="bgImgPlace1">
+    <dgm:fillClrLst meth="repeat">
+      <a:schemeClr val="accent6">
+        <a:tint val="50000"/>
+      </a:schemeClr>
+    </dgm:fillClrLst>
+    <dgm:linClrLst meth="repeat">
+      <a:schemeClr val="lt1"/>
+    </dgm:linClrLst>
+    <dgm:effectClrLst/>
+    <dgm:txLinClrLst/>
+    <dgm:txFillClrLst meth="repeat">
+      <a:schemeClr val="lt1"/>
+    </dgm:txFillClrLst>
+    <dgm:txEffectClrLst/>
+  </dgm:styleLbl>
+  <dgm:styleLbl name="sibTrans2D1">
+    <dgm:fillClrLst meth="repeat">
+      <a:schemeClr val="accent6">
+        <a:tint val="60000"/>
+      </a:schemeClr>
+    </dgm:fillClrLst>
+    <dgm:linClrLst meth="repeat">
+      <a:schemeClr val="accent6">
+        <a:tint val="60000"/>
+      </a:schemeClr>
+    </dgm:linClrLst>
+    <dgm:effectClrLst/>
+    <dgm:txLinClrLst/>
+    <dgm:txFillClrLst/>
+    <dgm:txEffectClrLst/>
+  </dgm:styleLbl>
+  <dgm:styleLbl name="fgSibTrans2D1">
+    <dgm:fillClrLst meth="repeat">
+      <a:schemeClr val="accent6">
+        <a:tint val="60000"/>
+      </a:schemeClr>
+    </dgm:fillClrLst>
+    <dgm:linClrLst meth="repeat">
+      <a:schemeClr val="accent6">
+        <a:tint val="60000"/>
+      </a:schemeClr>
+    </dgm:linClrLst>
+    <dgm:effectClrLst/>
+    <dgm:txLinClrLst/>
+    <dgm:txFillClrLst/>
+    <dgm:txEffectClrLst/>
+  </dgm:styleLbl>
+  <dgm:styleLbl name="bgSibTrans2D1">
+    <dgm:fillClrLst meth="repeat">
+      <a:schemeClr val="accent6">
+        <a:tint val="60000"/>
+      </a:schemeClr>
+    </dgm:fillClrLst>
+    <dgm:linClrLst meth="repeat">
+      <a:schemeClr val="accent6">
+        <a:tint val="60000"/>
+      </a:schemeClr>
+    </dgm:linClrLst>
+    <dgm:effectClrLst/>
+    <dgm:txLinClrLst/>
+    <dgm:txFillClrLst/>
+    <dgm:txEffectClrLst/>
+  </dgm:styleLbl>
+  <dgm:styleLbl name="sibTrans1D1">
+    <dgm:fillClrLst meth="repeat">
+      <a:schemeClr val="accent6"/>
+    </dgm:fillClrLst>
+    <dgm:linClrLst meth="repeat">
+      <a:schemeClr val="accent6"/>
+    </dgm:linClrLst>
+    <dgm:effectClrLst/>
+    <dgm:txLinClrLst/>
+    <dgm:txFillClrLst meth="repeat">
+      <a:schemeClr val="tx1"/>
+    </dgm:txFillClrLst>
+    <dgm:txEffectClrLst/>
+  </dgm:styleLbl>
+  <dgm:styleLbl name="callout">
+    <dgm:fillClrLst meth="repeat">
+      <a:schemeClr val="accent6"/>
+    </dgm:fillClrLst>
+    <dgm:linClrLst meth="repeat">
+      <a:schemeClr val="accent6">
+        <a:tint val="50000"/>
+      </a:schemeClr>
+    </dgm:linClrLst>
+    <dgm:effectClrLst/>
+    <dgm:txLinClrLst/>
+    <dgm:txFillClrLst meth="repeat">
+      <a:schemeClr val="tx1"/>
+    </dgm:txFillClrLst>
+    <dgm:txEffectClrLst/>
+  </dgm:styleLbl>
+  <dgm:styleLbl name="asst0">
+    <dgm:fillClrLst meth="repeat">
+      <a:schemeClr val="accent6"/>
+    </dgm:fillClrLst>
+    <dgm:linClrLst meth="repeat">
+      <a:schemeClr val="lt1"/>
+    </dgm:linClrLst>
+    <dgm:effectClrLst/>
+    <dgm:txLinClrLst/>
+    <dgm:txFillClrLst/>
+    <dgm:txEffectClrLst/>
+  </dgm:styleLbl>
+  <dgm:styleLbl name="asst1">
+    <dgm:fillClrLst meth="repeat">
+      <a:schemeClr val="accent6"/>
+    </dgm:fillClrLst>
+    <dgm:linClrLst meth="repeat">
+      <a:schemeClr val="lt1"/>
+    </dgm:linClrLst>
+    <dgm:effectClrLst/>
+    <dgm:txLinClrLst/>
+    <dgm:txFillClrLst/>
+    <dgm:txEffectClrLst/>
+  </dgm:styleLbl>
+  <dgm:styleLbl name="asst2">
+    <dgm:fillClrLst meth="repeat">
+      <a:schemeClr val="accent6"/>
+    </dgm:fillClrLst>
+    <dgm:linClrLst meth="repeat">
+      <a:schemeClr val="lt1"/>
+    </dgm:linClrLst>
+    <dgm:effectClrLst/>
+    <dgm:txLinClrLst/>
+    <dgm:txFillClrLst/>
+    <dgm:txEffectClrLst/>
+  </dgm:styleLbl>
+  <dgm:styleLbl name="asst3">
+    <dgm:fillClrLst meth="repeat">
+      <a:schemeClr val="accent6"/>
+    </dgm:fillClrLst>
+    <dgm:linClrLst meth="repeat">
+      <a:schemeClr val="lt1"/>
+    </dgm:linClrLst>
+    <dgm:effectClrLst/>
+    <dgm:txLinClrLst/>
+    <dgm:txFillClrLst/>
+    <dgm:txEffectClrLst/>
+  </dgm:styleLbl>
+  <dgm:styleLbl name="asst4">
+    <dgm:fillClrLst meth="repeat">
+      <a:schemeClr val="accent6"/>
+    </dgm:fillClrLst>
+    <dgm:linClrLst meth="repeat">
+      <a:schemeClr val="lt1"/>
+    </dgm:linClrLst>
+    <dgm:effectClrLst/>
+    <dgm:txLinClrLst/>
+    <dgm:txFillClrLst/>
+    <dgm:txEffectClrLst/>
+  </dgm:styleLbl>
+  <dgm:styleLbl name="parChTrans2D1">
+    <dgm:fillClrLst meth="repeat">
+      <a:schemeClr val="accent6">
+        <a:tint val="60000"/>
+      </a:schemeClr>
+    </dgm:fillClrLst>
+    <dgm:linClrLst meth="repeat">
+      <a:schemeClr val="accent6">
+        <a:tint val="60000"/>
+      </a:schemeClr>
+    </dgm:linClrLst>
+    <dgm:effectClrLst/>
+    <dgm:txLinClrLst/>
+    <dgm:txFillClrLst meth="repeat">
+      <a:schemeClr val="lt1"/>
+    </dgm:txFillClrLst>
+    <dgm:txEffectClrLst/>
+  </dgm:styleLbl>
+  <dgm:styleLbl name="parChTrans2D2">
+    <dgm:fillClrLst meth="repeat">
+      <a:schemeClr val="accent6"/>
+    </dgm:fillClrLst>
+    <dgm:linClrLst meth="repeat">
+      <a:schemeClr val="accent6"/>
+    </dgm:linClrLst>
+    <dgm:effectClrLst/>
+    <dgm:txLinClrLst/>
+    <dgm:txFillClrLst meth="repeat">
+      <a:schemeClr val="lt1"/>
+    </dgm:txFillClrLst>
+    <dgm:txEffectClrLst/>
+  </dgm:styleLbl>
+  <dgm:styleLbl name="parChTrans2D3">
+    <dgm:fillClrLst meth="repeat">
+      <a:schemeClr val="accent6"/>
+    </dgm:fillClrLst>
+    <dgm:linClrLst meth="repeat">
+      <a:schemeClr val="accent6"/>
+    </dgm:linClrLst>
+    <dgm:effectClrLst/>
+    <dgm:txLinClrLst/>
+    <dgm:txFillClrLst meth="repeat">
+      <a:schemeClr val="lt1"/>
+    </dgm:txFillClrLst>
+    <dgm:txEffectClrLst/>
+  </dgm:styleLbl>
+  <dgm:styleLbl name="parChTrans2D4">
+    <dgm:fillClrLst meth="repeat">
+      <a:schemeClr val="accent6"/>
+    </dgm:fillClrLst>
+    <dgm:linClrLst meth="repeat">
+      <a:schemeClr val="accent6"/>
+    </dgm:linClrLst>
+    <dgm:effectClrLst/>
+    <dgm:txLinClrLst/>
+    <dgm:txFillClrLst meth="repeat">
+      <a:schemeClr val="lt1"/>
+    </dgm:txFillClrLst>
+    <dgm:txEffectClrLst/>
+  </dgm:styleLbl>
+  <dgm:styleLbl name="parChTrans1D1">
+    <dgm:fillClrLst meth="repeat">
+      <a:schemeClr val="accent6"/>
+    </dgm:fillClrLst>
+    <dgm:linClrLst meth="repeat">
+      <a:schemeClr val="accent6">
+        <a:shade val="60000"/>
+      </a:schemeClr>
+    </dgm:linClrLst>
+    <dgm:effectClrLst/>
+    <dgm:txLinClrLst/>
+    <dgm:txFillClrLst meth="repeat">
+      <a:schemeClr val="tx1"/>
+    </dgm:txFillClrLst>
+    <dgm:txEffectClrLst/>
+  </dgm:styleLbl>
+  <dgm:styleLbl name="parChTrans1D2">
+    <dgm:fillClrLst meth="repeat">
+      <a:schemeClr val="accent6"/>
+    </dgm:fillClrLst>
+    <dgm:linClrLst meth="repeat">
+      <a:schemeClr val="accent6">
+        <a:shade val="60000"/>
+      </a:schemeClr>
+    </dgm:linClrLst>
+    <dgm:effectClrLst/>
+    <dgm:txLinClrLst/>
+    <dgm:txFillClrLst meth="repeat">
+      <a:schemeClr val="tx1"/>
+    </dgm:txFillClrLst>
+    <dgm:txEffectClrLst/>
+  </dgm:styleLbl>
+  <dgm:styleLbl name="parChTrans1D3">
+    <dgm:fillClrLst meth="repeat">
+      <a:schemeClr val="accent6"/>
+    </dgm:fillClrLst>
+    <dgm:linClrLst meth="repeat">
+      <a:schemeClr val="accent6">
+        <a:shade val="80000"/>
+      </a:schemeClr>
+    </dgm:linClrLst>
+    <dgm:effectClrLst/>
+    <dgm:txLinClrLst/>
+    <dgm:txFillClrLst meth="repeat">
+      <a:schemeClr val="tx1"/>
+    </dgm:txFillClrLst>
+    <dgm:txEffectClrLst/>
+  </dgm:styleLbl>
+  <dgm:styleLbl name="parChTrans1D4">
+    <dgm:fillClrLst meth="repeat">
+      <a:schemeClr val="accent6"/>
+    </dgm:fillClrLst>
+    <dgm:linClrLst meth="repeat">
+      <a:schemeClr val="accent6">
+        <a:shade val="80000"/>
+      </a:schemeClr>
+    </dgm:linClrLst>
+    <dgm:effectClrLst/>
+    <dgm:txLinClrLst/>
+    <dgm:txFillClrLst meth="repeat">
+      <a:schemeClr val="tx1"/>
+    </dgm:txFillClrLst>
+    <dgm:txEffectClrLst/>
+  </dgm:styleLbl>
+  <dgm:styleLbl name="fgAcc1">
+    <dgm:fillClrLst meth="repeat">
+      <a:schemeClr val="lt1">
+        <a:alpha val="90000"/>
+      </a:schemeClr>
+    </dgm:fillClrLst>
+    <dgm:linClrLst meth="repeat">
+      <a:schemeClr val="accent6"/>
+    </dgm:linClrLst>
+    <dgm:effectClrLst/>
+    <dgm:txLinClrLst/>
+    <dgm:txFillClrLst meth="repeat">
+      <a:schemeClr val="dk1"/>
+    </dgm:txFillClrLst>
+    <dgm:txEffectClrLst/>
+  </dgm:styleLbl>
+  <dgm:styleLbl name="conFgAcc1">
+    <dgm:fillClrLst meth="repeat">
+      <a:schemeClr val="lt1">
+        <a:alpha val="90000"/>
+      </a:schemeClr>
+    </dgm:fillClrLst>
+    <dgm:linClrLst meth="repeat">
+      <a:schemeClr val="accent6"/>
+    </dgm:linClrLst>
+    <dgm:effectClrLst/>
+    <dgm:txLinClrLst/>
+    <dgm:txFillClrLst meth="repeat">
+      <a:schemeClr val="dk1"/>
+    </dgm:txFillClrLst>
+    <dgm:txEffectClrLst/>
+  </dgm:styleLbl>
+  <dgm:styleLbl name="alignAcc1">
+    <dgm:fillClrLst meth="repeat">
+      <a:schemeClr val="lt1">
+        <a:alpha val="90000"/>
+      </a:schemeClr>
+    </dgm:fillClrLst>
+    <dgm:linClrLst meth="repeat">
+      <a:schemeClr val="accent6"/>
+    </dgm:linClrLst>
+    <dgm:effectClrLst/>
+    <dgm:txLinClrLst/>
+    <dgm:txFillClrLst meth="repeat">
+      <a:schemeClr val="dk1"/>
+    </dgm:txFillClrLst>
+    <dgm:txEffectClrLst/>
+  </dgm:styleLbl>
+  <dgm:styleLbl name="trAlignAcc1">
+    <dgm:fillClrLst meth="repeat">
+      <a:schemeClr val="lt1">
+        <a:alpha val="40000"/>
+      </a:schemeClr>
+    </dgm:fillClrLst>
+    <dgm:linClrLst meth="repeat">
+      <a:schemeClr val="accent6"/>
+    </dgm:linClrLst>
+    <dgm:effectClrLst/>
+    <dgm:txLinClrLst/>
+    <dgm:txFillClrLst meth="repeat">
+      <a:schemeClr val="dk1"/>
+    </dgm:txFillClrLst>
+    <dgm:txEffectClrLst/>
+  </dgm:styleLbl>
+  <dgm:styleLbl name="bgAcc1">
+    <dgm:fillClrLst meth="repeat">
+      <a:schemeClr val="lt1">
+        <a:alpha val="90000"/>
+      </a:schemeClr>
+    </dgm:fillClrLst>
+    <dgm:linClrLst meth="repeat">
+      <a:schemeClr val="accent6"/>
+    </dgm:linClrLst>
+    <dgm:effectClrLst/>
+    <dgm:txLinClrLst/>
+    <dgm:txFillClrLst meth="repeat">
+      <a:schemeClr val="dk1"/>
+    </dgm:txFillClrLst>
+    <dgm:txEffectClrLst/>
+  </dgm:styleLbl>
+  <dgm:styleLbl name="solidFgAcc1">
+    <dgm:fillClrLst meth="repeat">
+      <a:schemeClr val="lt1"/>
+    </dgm:fillClrLst>
+    <dgm:linClrLst meth="repeat">
+      <a:schemeClr val="accent6"/>
+    </dgm:linClrLst>
+    <dgm:effectClrLst/>
+    <dgm:txLinClrLst/>
+    <dgm:txFillClrLst meth="repeat">
+      <a:schemeClr val="dk1"/>
+    </dgm:txFillClrLst>
+    <dgm:txEffectClrLst/>
+  </dgm:styleLbl>
+  <dgm:styleLbl name="solidAlignAcc1">
+    <dgm:fillClrLst meth="repeat">
+      <a:schemeClr val="lt1"/>
+    </dgm:fillClrLst>
+    <dgm:linClrLst meth="repeat">
+      <a:schemeClr val="accent6"/>
+    </dgm:linClrLst>
+    <dgm:effectClrLst/>
+    <dgm:txLinClrLst/>
+    <dgm:txFillClrLst meth="repeat">
+      <a:schemeClr val="dk1"/>
+    </dgm:txFillClrLst>
+    <dgm:txEffectClrLst/>
+  </dgm:styleLbl>
+  <dgm:styleLbl name="solidBgAcc1">
+    <dgm:fillClrLst meth="repeat">
+      <a:schemeClr val="lt1"/>
+    </dgm:fillClrLst>
+    <dgm:linClrLst meth="repeat">
+      <a:schemeClr val="accent6"/>
+    </dgm:linClrLst>
+    <dgm:effectClrLst/>
+    <dgm:txLinClrLst/>
+    <dgm:txFillClrLst meth="repeat">
+      <a:schemeClr val="dk1"/>
+    </dgm:txFillClrLst>
+    <dgm:txEffectClrLst/>
+  </dgm:styleLbl>
+  <dgm:styleLbl name="fgAccFollowNode1">
+    <dgm:fillClrLst meth="repeat">
+      <a:schemeClr val="accent6">
+        <a:alpha val="90000"/>
+        <a:tint val="40000"/>
+      </a:schemeClr>
+    </dgm:fillClrLst>
+    <dgm:linClrLst meth="repeat">
+      <a:schemeClr val="accent6">
+        <a:alpha val="90000"/>
+        <a:tint val="40000"/>
+      </a:schemeClr>
+    </dgm:linClrLst>
+    <dgm:effectClrLst/>
+    <dgm:txLinClrLst/>
+    <dgm:txFillClrLst meth="repeat">
+      <a:schemeClr val="dk1"/>
+    </dgm:txFillClrLst>
+    <dgm:txEffectClrLst/>
+  </dgm:styleLbl>
+  <dgm:styleLbl name="alignAccFollowNode1">
+    <dgm:fillClrLst meth="repeat">
+      <a:schemeClr val="accent6">
+        <a:alpha val="90000"/>
+        <a:tint val="40000"/>
+      </a:schemeClr>
+    </dgm:fillClrLst>
+    <dgm:linClrLst meth="repeat">
+      <a:schemeClr val="accent6">
+        <a:alpha val="90000"/>
+        <a:tint val="40000"/>
+      </a:schemeClr>
+    </dgm:linClrLst>
+    <dgm:effectClrLst/>
+    <dgm:txLinClrLst/>
+    <dgm:txFillClrLst meth="repeat">
+      <a:schemeClr val="dk1"/>
+    </dgm:txFillClrLst>
+    <dgm:txEffectClrLst/>
+  </dgm:styleLbl>
+  <dgm:styleLbl name="bgAccFollowNode1">
+    <dgm:fillClrLst meth="repeat">
+      <a:schemeClr val="accent6">
+        <a:alpha val="90000"/>
+        <a:tint val="40000"/>
+      </a:schemeClr>
+    </dgm:fillClrLst>
+    <dgm:linClrLst meth="repeat">
+      <a:schemeClr val="accent6">
+        <a:alpha val="90000"/>
+        <a:tint val="40000"/>
+      </a:schemeClr>
+    </dgm:linClrLst>
+    <dgm:effectClrLst/>
+    <dgm:txLinClrLst/>
+    <dgm:txFillClrLst meth="repeat">
+      <a:schemeClr val="dk1"/>
+    </dgm:txFillClrLst>
+    <dgm:txEffectClrLst/>
+  </dgm:styleLbl>
+  <dgm:styleLbl name="fgAcc0">
+    <dgm:fillClrLst meth="repeat">
+      <a:schemeClr val="lt1">
+        <a:alpha val="90000"/>
+      </a:schemeClr>
+    </dgm:fillClrLst>
+    <dgm:linClrLst meth="repeat">
+      <a:schemeClr val="accent6"/>
+    </dgm:linClrLst>
+    <dgm:effectClrLst/>
+    <dgm:txLinClrLst/>
+    <dgm:txFillClrLst meth="repeat">
+      <a:schemeClr val="dk1"/>
+    </dgm:txFillClrLst>
+    <dgm:txEffectClrLst/>
+  </dgm:styleLbl>
+  <dgm:styleLbl name="fgAcc2">
+    <dgm:fillClrLst meth="repeat">
+      <a:schemeClr val="lt1">
+        <a:alpha val="90000"/>
+      </a:schemeClr>
+    </dgm:fillClrLst>
+    <dgm:linClrLst meth="repeat">
+      <a:schemeClr val="accent6"/>
+    </dgm:linClrLst>
+    <dgm:effectClrLst/>
+    <dgm:txLinClrLst/>
+    <dgm:txFillClrLst meth="repeat">
+      <a:schemeClr val="dk1"/>
+    </dgm:txFillClrLst>
+    <dgm:txEffectClrLst/>
+  </dgm:styleLbl>
+  <dgm:styleLbl name="fgAcc3">
+    <dgm:fillClrLst meth="repeat">
+      <a:schemeClr val="lt1">
+        <a:alpha val="90000"/>
+      </a:schemeClr>
+    </dgm:fillClrLst>
+    <dgm:linClrLst meth="repeat">
+      <a:schemeClr val="accent6"/>
+    </dgm:linClrLst>
+    <dgm:effectClrLst/>
+    <dgm:txLinClrLst/>
+    <dgm:txFillClrLst meth="repeat">
+      <a:schemeClr val="dk1"/>
+    </dgm:txFillClrLst>
+    <dgm:txEffectClrLst/>
+  </dgm:styleLbl>
+  <dgm:styleLbl name="fgAcc4">
+    <dgm:fillClrLst meth="repeat">
+      <a:schemeClr val="lt1">
+        <a:alpha val="90000"/>
+      </a:schemeClr>
+    </dgm:fillClrLst>
+    <dgm:linClrLst meth="repeat">
+      <a:schemeClr val="accent6"/>
+    </dgm:linClrLst>
+    <dgm:effectClrLst/>
+    <dgm:txLinClrLst/>
+    <dgm:txFillClrLst meth="repeat">
+      <a:schemeClr val="dk1"/>
+    </dgm:txFillClrLst>
+    <dgm:txEffectClrLst/>
+  </dgm:styleLbl>
+  <dgm:styleLbl name="bgShp">
+    <dgm:fillClrLst meth="repeat">
+      <a:schemeClr val="accent6">
+        <a:tint val="40000"/>
+      </a:schemeClr>
+    </dgm:fillClrLst>
+    <dgm:linClrLst meth="repeat">
+      <a:schemeClr val="accent6"/>
+    </dgm:linClrLst>
+    <dgm:effectClrLst/>
+    <dgm:txLinClrLst/>
+    <dgm:txFillClrLst meth="repeat">
+      <a:schemeClr val="dk1"/>
+    </dgm:txFillClrLst>
+    <dgm:txEffectClrLst/>
+  </dgm:styleLbl>
+  <dgm:styleLbl name="dkBgShp">
+    <dgm:fillClrLst meth="repeat">
+      <a:schemeClr val="accent6">
+        <a:shade val="80000"/>
+      </a:schemeClr>
+    </dgm:fillClrLst>
+    <dgm:linClrLst meth="repeat">
+      <a:schemeClr val="accent6"/>
+    </dgm:linClrLst>
+    <dgm:effectClrLst/>
+    <dgm:txLinClrLst/>
+    <dgm:txFillClrLst meth="repeat">
+      <a:schemeClr val="lt1"/>
+    </dgm:txFillClrLst>
+    <dgm:txEffectClrLst/>
+  </dgm:styleLbl>
+  <dgm:styleLbl name="trBgShp">
+    <dgm:fillClrLst meth="repeat">
+      <a:schemeClr val="accent6">
+        <a:tint val="50000"/>
+        <a:alpha val="40000"/>
+      </a:schemeClr>
+    </dgm:fillClrLst>
+    <dgm:linClrLst meth="repeat">
+      <a:schemeClr val="accent6"/>
+    </dgm:linClrLst>
+    <dgm:effectClrLst/>
+    <dgm:txLinClrLst/>
+    <dgm:txFillClrLst meth="repeat">
+      <a:schemeClr val="lt1"/>
+    </dgm:txFillClrLst>
+    <dgm:txEffectClrLst/>
+  </dgm:styleLbl>
+  <dgm:styleLbl name="fgShp">
+    <dgm:fillClrLst meth="repeat">
+      <a:schemeClr val="accent6">
+        <a:tint val="60000"/>
       </a:schemeClr>
     </dgm:fillClrLst>
     <dgm:linClrLst meth="repeat">
@@ -4692,6 +6192,13 @@
         </dgm:presLayoutVars>
       </dgm:prSet>
       <dgm:spPr/>
+      <dgm:t>
+        <a:bodyPr/>
+        <a:lstStyle/>
+        <a:p>
+          <a:endParaRPr lang="de-DE"/>
+        </a:p>
+      </dgm:t>
     </dgm:pt>
     <dgm:pt modelId="{BC6EEC29-C3AF-4EEB-AF20-E559332FD5CF}" type="pres">
       <dgm:prSet presAssocID="{C291C6C6-4911-4C16-AAD3-C052E73F3A85}" presName="singleCycle" presStyleCnt="0"/>
@@ -4716,6 +6223,13 @@
     <dgm:pt modelId="{438D0CD0-5303-4EAD-BAD7-21CF0FF3C06A}" type="pres">
       <dgm:prSet presAssocID="{EC1D9348-798F-45D9-9DDE-2E2D6D84B295}" presName="Name56" presStyleLbl="parChTrans1D2" presStyleIdx="0" presStyleCnt="6"/>
       <dgm:spPr/>
+      <dgm:t>
+        <a:bodyPr/>
+        <a:lstStyle/>
+        <a:p>
+          <a:endParaRPr lang="de-DE"/>
+        </a:p>
+      </dgm:t>
     </dgm:pt>
     <dgm:pt modelId="{35D7A347-31AF-4844-A4C4-F932A9A173F3}" type="pres">
       <dgm:prSet presAssocID="{F24395FB-AEB2-4552-B5F2-5FBA803350F9}" presName="text0" presStyleLbl="node1" presStyleIdx="1" presStyleCnt="7" custScaleX="182535" custRadScaleRad="59230" custRadScaleInc="1092">
@@ -4735,6 +6249,13 @@
     <dgm:pt modelId="{535DA3CB-A0F1-4725-8789-B74D9FB1EE3D}" type="pres">
       <dgm:prSet presAssocID="{4979B727-4A1A-4F89-A44B-237805BC09E2}" presName="Name56" presStyleLbl="parChTrans1D2" presStyleIdx="1" presStyleCnt="6"/>
       <dgm:spPr/>
+      <dgm:t>
+        <a:bodyPr/>
+        <a:lstStyle/>
+        <a:p>
+          <a:endParaRPr lang="de-DE"/>
+        </a:p>
+      </dgm:t>
     </dgm:pt>
     <dgm:pt modelId="{4BDC6EE6-ADAE-493D-96EB-6C751F8B89EC}" type="pres">
       <dgm:prSet presAssocID="{AB92F2AC-7137-420A-8E92-D6DEDE93D628}" presName="text0" presStyleLbl="node1" presStyleIdx="2" presStyleCnt="7" custScaleX="182535" custRadScaleRad="94368" custRadScaleInc="24052">
@@ -4754,6 +6275,13 @@
     <dgm:pt modelId="{2E7BF77E-AC46-4069-B667-CB5D42459ED7}" type="pres">
       <dgm:prSet presAssocID="{21F133B7-A95B-425B-BC72-614FDA0AE7A5}" presName="Name56" presStyleLbl="parChTrans1D2" presStyleIdx="2" presStyleCnt="6"/>
       <dgm:spPr/>
+      <dgm:t>
+        <a:bodyPr/>
+        <a:lstStyle/>
+        <a:p>
+          <a:endParaRPr lang="de-DE"/>
+        </a:p>
+      </dgm:t>
     </dgm:pt>
     <dgm:pt modelId="{FEA92EAF-65DA-43CA-8665-A708910D5F6B}" type="pres">
       <dgm:prSet presAssocID="{70CB066D-B400-46AA-B1AE-689F0870065F}" presName="text0" presStyleLbl="node1" presStyleIdx="3" presStyleCnt="7" custScaleX="182535" custRadScaleRad="93570" custRadScaleInc="-28029">
@@ -4773,6 +6301,13 @@
     <dgm:pt modelId="{C2C6AF27-9EFD-4F66-8B8F-20BDF721C755}" type="pres">
       <dgm:prSet presAssocID="{60927AED-68AC-4953-A359-D593D973E8F2}" presName="Name56" presStyleLbl="parChTrans1D2" presStyleIdx="3" presStyleCnt="6"/>
       <dgm:spPr/>
+      <dgm:t>
+        <a:bodyPr/>
+        <a:lstStyle/>
+        <a:p>
+          <a:endParaRPr lang="de-DE"/>
+        </a:p>
+      </dgm:t>
     </dgm:pt>
     <dgm:pt modelId="{8D211490-9729-4745-87C5-724BDC44E9CE}" type="pres">
       <dgm:prSet presAssocID="{96ABC9ED-A0A4-4037-9CEB-A91EFB2E8D69}" presName="text0" presStyleLbl="node1" presStyleIdx="4" presStyleCnt="7" custScaleX="182535" custRadScaleRad="56867" custRadScaleInc="10485">
@@ -4792,6 +6327,13 @@
     <dgm:pt modelId="{44710474-5C7B-4EAF-9AB8-24B0D60D0D47}" type="pres">
       <dgm:prSet presAssocID="{9595B066-CAAD-4FC9-AA3A-2839E9272AD8}" presName="Name56" presStyleLbl="parChTrans1D2" presStyleIdx="4" presStyleCnt="6"/>
       <dgm:spPr/>
+      <dgm:t>
+        <a:bodyPr/>
+        <a:lstStyle/>
+        <a:p>
+          <a:endParaRPr lang="de-DE"/>
+        </a:p>
+      </dgm:t>
     </dgm:pt>
     <dgm:pt modelId="{BA1E4003-28A4-4E5D-ACA6-F09EBCFC5148}" type="pres">
       <dgm:prSet presAssocID="{15F2676F-B234-4317-838C-EDCFF44CDDD5}" presName="text0" presStyleLbl="node1" presStyleIdx="5" presStyleCnt="7" custScaleX="182535" custRadScaleRad="99064" custRadScaleInc="24983">
@@ -4800,10 +6342,24 @@
         </dgm:presLayoutVars>
       </dgm:prSet>
       <dgm:spPr/>
+      <dgm:t>
+        <a:bodyPr/>
+        <a:lstStyle/>
+        <a:p>
+          <a:endParaRPr lang="de-DE"/>
+        </a:p>
+      </dgm:t>
     </dgm:pt>
     <dgm:pt modelId="{FCC77543-AF27-4BD0-AF60-CFD24CA1C66C}" type="pres">
       <dgm:prSet presAssocID="{84E32116-690F-4DFF-8B5A-96C134685462}" presName="Name56" presStyleLbl="parChTrans1D2" presStyleIdx="5" presStyleCnt="6"/>
       <dgm:spPr/>
+      <dgm:t>
+        <a:bodyPr/>
+        <a:lstStyle/>
+        <a:p>
+          <a:endParaRPr lang="de-DE"/>
+        </a:p>
+      </dgm:t>
     </dgm:pt>
     <dgm:pt modelId="{C3DBEBAF-3D80-4F0A-B32F-0B6FF2DB5C44}" type="pres">
       <dgm:prSet presAssocID="{6CA34F61-EC1D-4248-B781-672A0B742FE3}" presName="text0" presStyleLbl="node1" presStyleIdx="6" presStyleCnt="7" custScaleX="182535" custRadScaleRad="97250" custRadScaleInc="-26423">
@@ -4829,8 +6385,8 @@
     <dgm:cxn modelId="{AD6B7B2F-43EC-4440-9E9A-DB3F2F64A602}" type="presOf" srcId="{60927AED-68AC-4953-A359-D593D973E8F2}" destId="{C2C6AF27-9EFD-4F66-8B8F-20BDF721C755}" srcOrd="0" destOrd="0" presId="urn:microsoft.com/office/officeart/2008/layout/RadialCluster"/>
     <dgm:cxn modelId="{B11CAB43-70A9-4661-818C-E42A73667165}" srcId="{C291C6C6-4911-4C16-AAD3-C052E73F3A85}" destId="{AB92F2AC-7137-420A-8E92-D6DEDE93D628}" srcOrd="1" destOrd="0" parTransId="{4979B727-4A1A-4F89-A44B-237805BC09E2}" sibTransId="{845DBB74-672A-445D-B6FE-0A683E61F831}"/>
     <dgm:cxn modelId="{95D8E976-20B0-4E07-8856-22FDA041B192}" srcId="{C291C6C6-4911-4C16-AAD3-C052E73F3A85}" destId="{15F2676F-B234-4317-838C-EDCFF44CDDD5}" srcOrd="4" destOrd="0" parTransId="{9595B066-CAAD-4FC9-AA3A-2839E9272AD8}" sibTransId="{7C3C8F5C-118E-45DC-8628-70A8BF8434CF}"/>
+    <dgm:cxn modelId="{86A096E6-C3D8-4A6D-8C80-F369CB96C077}" type="presOf" srcId="{4979B727-4A1A-4F89-A44B-237805BC09E2}" destId="{535DA3CB-A0F1-4725-8789-B74D9FB1EE3D}" srcOrd="0" destOrd="0" presId="urn:microsoft.com/office/officeart/2008/layout/RadialCluster"/>
     <dgm:cxn modelId="{B3B14E22-C290-4665-B990-09A4F03C8553}" type="presOf" srcId="{21F133B7-A95B-425B-BC72-614FDA0AE7A5}" destId="{2E7BF77E-AC46-4069-B667-CB5D42459ED7}" srcOrd="0" destOrd="0" presId="urn:microsoft.com/office/officeart/2008/layout/RadialCluster"/>
-    <dgm:cxn modelId="{86A096E6-C3D8-4A6D-8C80-F369CB96C077}" type="presOf" srcId="{4979B727-4A1A-4F89-A44B-237805BC09E2}" destId="{535DA3CB-A0F1-4725-8789-B74D9FB1EE3D}" srcOrd="0" destOrd="0" presId="urn:microsoft.com/office/officeart/2008/layout/RadialCluster"/>
     <dgm:cxn modelId="{C534257E-6BC6-4A45-84DD-EEFDF112983C}" type="presOf" srcId="{84E32116-690F-4DFF-8B5A-96C134685462}" destId="{FCC77543-AF27-4BD0-AF60-CFD24CA1C66C}" srcOrd="0" destOrd="0" presId="urn:microsoft.com/office/officeart/2008/layout/RadialCluster"/>
     <dgm:cxn modelId="{7F67854A-B57D-411A-AB94-F2C1F25BE91A}" type="presOf" srcId="{C291C6C6-4911-4C16-AAD3-C052E73F3A85}" destId="{DEF58B8E-9CE6-4DA3-B6C3-33197198997D}" srcOrd="0" destOrd="0" presId="urn:microsoft.com/office/officeart/2008/layout/RadialCluster"/>
     <dgm:cxn modelId="{42AB827D-9260-490A-8908-1DFD1B995F18}" type="presOf" srcId="{15F2676F-B234-4317-838C-EDCFF44CDDD5}" destId="{BA1E4003-28A4-4E5D-ACA6-F09EBCFC5148}" srcOrd="0" destOrd="0" presId="urn:microsoft.com/office/officeart/2008/layout/RadialCluster"/>
@@ -5049,10 +6605,24 @@
     <dgm:pt modelId="{B47B599B-1878-439E-AF69-3E8BC9F7AC88}" type="pres">
       <dgm:prSet presAssocID="{C3C84C7A-AFF8-4AD4-9703-46154906D110}" presName="sibTrans" presStyleLbl="sibTrans2D1" presStyleIdx="0" presStyleCnt="2"/>
       <dgm:spPr/>
+      <dgm:t>
+        <a:bodyPr/>
+        <a:lstStyle/>
+        <a:p>
+          <a:endParaRPr lang="de-DE"/>
+        </a:p>
+      </dgm:t>
     </dgm:pt>
     <dgm:pt modelId="{81CEE06C-E5BF-484D-8F28-D1CCC3561EC0}" type="pres">
       <dgm:prSet presAssocID="{C3C84C7A-AFF8-4AD4-9703-46154906D110}" presName="connectorText" presStyleLbl="sibTrans2D1" presStyleIdx="0" presStyleCnt="2"/>
       <dgm:spPr/>
+      <dgm:t>
+        <a:bodyPr/>
+        <a:lstStyle/>
+        <a:p>
+          <a:endParaRPr lang="de-DE"/>
+        </a:p>
+      </dgm:t>
     </dgm:pt>
     <dgm:pt modelId="{6619D80D-F103-4BD4-9D27-183E0DB23544}" type="pres">
       <dgm:prSet presAssocID="{70742AB9-2775-4829-B267-24CB3A72E911}" presName="node" presStyleLbl="node1" presStyleIdx="1" presStyleCnt="3">
@@ -5061,14 +6631,35 @@
         </dgm:presLayoutVars>
       </dgm:prSet>
       <dgm:spPr/>
+      <dgm:t>
+        <a:bodyPr/>
+        <a:lstStyle/>
+        <a:p>
+          <a:endParaRPr lang="de-DE"/>
+        </a:p>
+      </dgm:t>
     </dgm:pt>
     <dgm:pt modelId="{7A5356FD-8A61-42A6-BFBF-7C73257FDE9A}" type="pres">
       <dgm:prSet presAssocID="{17798174-8377-4F65-A4AF-3B329A5EB47E}" presName="sibTrans" presStyleLbl="sibTrans2D1" presStyleIdx="1" presStyleCnt="2"/>
       <dgm:spPr/>
+      <dgm:t>
+        <a:bodyPr/>
+        <a:lstStyle/>
+        <a:p>
+          <a:endParaRPr lang="de-DE"/>
+        </a:p>
+      </dgm:t>
     </dgm:pt>
     <dgm:pt modelId="{AB71B5A9-F2A4-4E36-B48B-F08C0DAB002F}" type="pres">
       <dgm:prSet presAssocID="{17798174-8377-4F65-A4AF-3B329A5EB47E}" presName="connectorText" presStyleLbl="sibTrans2D1" presStyleIdx="1" presStyleCnt="2"/>
       <dgm:spPr/>
+      <dgm:t>
+        <a:bodyPr/>
+        <a:lstStyle/>
+        <a:p>
+          <a:endParaRPr lang="de-DE"/>
+        </a:p>
+      </dgm:t>
     </dgm:pt>
     <dgm:pt modelId="{8A5DB757-DEDE-4373-8C63-C11CA448C576}" type="pres">
       <dgm:prSet presAssocID="{D89EB225-37E5-419E-ABFC-CBD78506586B}" presName="node" presStyleLbl="node1" presStyleIdx="2" presStyleCnt="3">
@@ -5105,6 +6696,870 @@
     <dgm:cxn modelId="{9ED8709E-EE66-4505-9BE8-38919DA54D4B}" type="presParOf" srcId="{361E1681-A48E-4180-9D56-41B0EEF1E166}" destId="{7A5356FD-8A61-42A6-BFBF-7C73257FDE9A}" srcOrd="3" destOrd="0" presId="urn:microsoft.com/office/officeart/2005/8/layout/process1"/>
     <dgm:cxn modelId="{9CA32971-FABF-4051-9631-55B5A70EF41D}" type="presParOf" srcId="{7A5356FD-8A61-42A6-BFBF-7C73257FDE9A}" destId="{AB71B5A9-F2A4-4E36-B48B-F08C0DAB002F}" srcOrd="0" destOrd="0" presId="urn:microsoft.com/office/officeart/2005/8/layout/process1"/>
     <dgm:cxn modelId="{E81BFE94-E0B6-4984-A052-F2376E9B7DC9}" type="presParOf" srcId="{361E1681-A48E-4180-9D56-41B0EEF1E166}" destId="{8A5DB757-DEDE-4373-8C63-C11CA448C576}" srcOrd="4" destOrd="0" presId="urn:microsoft.com/office/officeart/2005/8/layout/process1"/>
+  </dgm:cxnLst>
+  <dgm:bg/>
+  <dgm:whole/>
+  <dgm:extLst>
+    <a:ext uri="http://schemas.microsoft.com/office/drawing/2008/diagram">
+      <dsp:dataModelExt xmlns:dsp="http://schemas.microsoft.com/office/drawing/2008/diagram" relId="rId7" minVer="http://schemas.openxmlformats.org/drawingml/2006/diagram"/>
+    </a:ext>
+  </dgm:extLst>
+</dgm:dataModel>
+</file>
+
+<file path=ppt/diagrams/data5.xml><?xml version="1.0" encoding="utf-8"?>
+<dgm:dataModel xmlns:dgm="http://schemas.openxmlformats.org/drawingml/2006/diagram" xmlns:a="http://schemas.openxmlformats.org/drawingml/2006/main">
+  <dgm:ptLst>
+    <dgm:pt modelId="{DDDBC715-4BC9-408F-9EDE-5381609EE203}" type="doc">
+      <dgm:prSet loTypeId="urn:microsoft.com/office/officeart/2005/8/layout/vList5" loCatId="list" qsTypeId="urn:microsoft.com/office/officeart/2005/8/quickstyle/simple1" qsCatId="simple" csTypeId="urn:microsoft.com/office/officeart/2005/8/colors/accent6_2" csCatId="accent6" phldr="1"/>
+      <dgm:spPr/>
+      <dgm:t>
+        <a:bodyPr/>
+        <a:lstStyle/>
+        <a:p>
+          <a:endParaRPr lang="de-DE"/>
+        </a:p>
+      </dgm:t>
+    </dgm:pt>
+    <dgm:pt modelId="{FB5A4340-E58B-4EDA-B18C-85FE8143C14A}">
+      <dgm:prSet phldrT="[Text]"/>
+      <dgm:spPr/>
+      <dgm:t>
+        <a:bodyPr/>
+        <a:lstStyle/>
+        <a:p>
+          <a:r>
+            <a:rPr lang="de-DE" dirty="0" smtClean="0">
+              <a:latin typeface="Times New Roman" panose="02020603050405020304" pitchFamily="18" charset="0"/>
+              <a:cs typeface="Times New Roman" panose="02020603050405020304" pitchFamily="18" charset="0"/>
+            </a:rPr>
+            <a:t>Anschaffung IT</a:t>
+          </a:r>
+          <a:endParaRPr lang="de-DE" dirty="0">
+            <a:latin typeface="Times New Roman" panose="02020603050405020304" pitchFamily="18" charset="0"/>
+            <a:cs typeface="Times New Roman" panose="02020603050405020304" pitchFamily="18" charset="0"/>
+          </a:endParaRPr>
+        </a:p>
+      </dgm:t>
+    </dgm:pt>
+    <dgm:pt modelId="{AD20E002-987B-41F5-9889-136FE36F7082}" type="parTrans" cxnId="{19B5505B-340B-456D-A543-0A92D4A08A0B}">
+      <dgm:prSet/>
+      <dgm:spPr/>
+      <dgm:t>
+        <a:bodyPr/>
+        <a:lstStyle/>
+        <a:p>
+          <a:endParaRPr lang="de-DE">
+            <a:latin typeface="Times New Roman" panose="02020603050405020304" pitchFamily="18" charset="0"/>
+            <a:cs typeface="Times New Roman" panose="02020603050405020304" pitchFamily="18" charset="0"/>
+          </a:endParaRPr>
+        </a:p>
+      </dgm:t>
+    </dgm:pt>
+    <dgm:pt modelId="{CAEDB209-02BB-433E-9527-3B2C47CBCAF0}" type="sibTrans" cxnId="{19B5505B-340B-456D-A543-0A92D4A08A0B}">
+      <dgm:prSet/>
+      <dgm:spPr/>
+      <dgm:t>
+        <a:bodyPr/>
+        <a:lstStyle/>
+        <a:p>
+          <a:endParaRPr lang="de-DE">
+            <a:latin typeface="Times New Roman" panose="02020603050405020304" pitchFamily="18" charset="0"/>
+            <a:cs typeface="Times New Roman" panose="02020603050405020304" pitchFamily="18" charset="0"/>
+          </a:endParaRPr>
+        </a:p>
+      </dgm:t>
+    </dgm:pt>
+    <dgm:pt modelId="{D07955E1-4750-465E-A7C9-0B2C92ACDDC0}">
+      <dgm:prSet phldrT="[Text]"/>
+      <dgm:spPr/>
+      <dgm:t>
+        <a:bodyPr/>
+        <a:lstStyle/>
+        <a:p>
+          <a:r>
+            <a:rPr lang="de-DE" dirty="0" smtClean="0">
+              <a:latin typeface="Times New Roman" panose="02020603050405020304" pitchFamily="18" charset="0"/>
+              <a:cs typeface="Times New Roman" panose="02020603050405020304" pitchFamily="18" charset="0"/>
+            </a:rPr>
+            <a:t>Kapital</a:t>
+          </a:r>
+          <a:endParaRPr lang="de-DE" dirty="0">
+            <a:latin typeface="Times New Roman" panose="02020603050405020304" pitchFamily="18" charset="0"/>
+            <a:cs typeface="Times New Roman" panose="02020603050405020304" pitchFamily="18" charset="0"/>
+          </a:endParaRPr>
+        </a:p>
+      </dgm:t>
+    </dgm:pt>
+    <dgm:pt modelId="{08AFCF73-8B1E-46D3-9333-67C6172A1B84}" type="parTrans" cxnId="{92615700-2A36-4A37-BF02-03DA6635F8C1}">
+      <dgm:prSet/>
+      <dgm:spPr/>
+      <dgm:t>
+        <a:bodyPr/>
+        <a:lstStyle/>
+        <a:p>
+          <a:endParaRPr lang="de-DE">
+            <a:latin typeface="Times New Roman" panose="02020603050405020304" pitchFamily="18" charset="0"/>
+            <a:cs typeface="Times New Roman" panose="02020603050405020304" pitchFamily="18" charset="0"/>
+          </a:endParaRPr>
+        </a:p>
+      </dgm:t>
+    </dgm:pt>
+    <dgm:pt modelId="{CF630D23-1D67-4B53-9C74-FEC2452D7751}" type="sibTrans" cxnId="{92615700-2A36-4A37-BF02-03DA6635F8C1}">
+      <dgm:prSet/>
+      <dgm:spPr/>
+      <dgm:t>
+        <a:bodyPr/>
+        <a:lstStyle/>
+        <a:p>
+          <a:endParaRPr lang="de-DE">
+            <a:latin typeface="Times New Roman" panose="02020603050405020304" pitchFamily="18" charset="0"/>
+            <a:cs typeface="Times New Roman" panose="02020603050405020304" pitchFamily="18" charset="0"/>
+          </a:endParaRPr>
+        </a:p>
+      </dgm:t>
+    </dgm:pt>
+    <dgm:pt modelId="{9E375458-A57D-434B-9DD5-5D00B6FA449D}">
+      <dgm:prSet phldrT="[Text]"/>
+      <dgm:spPr/>
+      <dgm:t>
+        <a:bodyPr/>
+        <a:lstStyle/>
+        <a:p>
+          <a:r>
+            <a:rPr lang="de-DE" dirty="0" smtClean="0">
+              <a:latin typeface="Times New Roman" panose="02020603050405020304" pitchFamily="18" charset="0"/>
+              <a:cs typeface="Times New Roman" panose="02020603050405020304" pitchFamily="18" charset="0"/>
+            </a:rPr>
+            <a:t>Personal</a:t>
+          </a:r>
+          <a:endParaRPr lang="de-DE" dirty="0">
+            <a:latin typeface="Times New Roman" panose="02020603050405020304" pitchFamily="18" charset="0"/>
+            <a:cs typeface="Times New Roman" panose="02020603050405020304" pitchFamily="18" charset="0"/>
+          </a:endParaRPr>
+        </a:p>
+      </dgm:t>
+    </dgm:pt>
+    <dgm:pt modelId="{49552F5B-2CB1-44C0-88BC-B9940546140F}" type="parTrans" cxnId="{416898C9-7254-4BA4-AED8-2882B4B9E905}">
+      <dgm:prSet/>
+      <dgm:spPr/>
+      <dgm:t>
+        <a:bodyPr/>
+        <a:lstStyle/>
+        <a:p>
+          <a:endParaRPr lang="de-DE">
+            <a:latin typeface="Times New Roman" panose="02020603050405020304" pitchFamily="18" charset="0"/>
+            <a:cs typeface="Times New Roman" panose="02020603050405020304" pitchFamily="18" charset="0"/>
+          </a:endParaRPr>
+        </a:p>
+      </dgm:t>
+    </dgm:pt>
+    <dgm:pt modelId="{1DEA6DAA-0306-4084-9C47-E80EBCB428EA}" type="sibTrans" cxnId="{416898C9-7254-4BA4-AED8-2882B4B9E905}">
+      <dgm:prSet/>
+      <dgm:spPr/>
+      <dgm:t>
+        <a:bodyPr/>
+        <a:lstStyle/>
+        <a:p>
+          <a:endParaRPr lang="de-DE">
+            <a:latin typeface="Times New Roman" panose="02020603050405020304" pitchFamily="18" charset="0"/>
+            <a:cs typeface="Times New Roman" panose="02020603050405020304" pitchFamily="18" charset="0"/>
+          </a:endParaRPr>
+        </a:p>
+      </dgm:t>
+    </dgm:pt>
+    <dgm:pt modelId="{EF4A7FC5-00EC-423A-966C-A28FD963ECC6}">
+      <dgm:prSet phldrT="[Text]"/>
+      <dgm:spPr/>
+      <dgm:t>
+        <a:bodyPr/>
+        <a:lstStyle/>
+        <a:p>
+          <a:r>
+            <a:rPr lang="de-DE" dirty="0" smtClean="0">
+              <a:latin typeface="Times New Roman" panose="02020603050405020304" pitchFamily="18" charset="0"/>
+              <a:cs typeface="Times New Roman" panose="02020603050405020304" pitchFamily="18" charset="0"/>
+            </a:rPr>
+            <a:t>Bestehende IT</a:t>
+          </a:r>
+          <a:endParaRPr lang="de-DE" dirty="0">
+            <a:latin typeface="Times New Roman" panose="02020603050405020304" pitchFamily="18" charset="0"/>
+            <a:cs typeface="Times New Roman" panose="02020603050405020304" pitchFamily="18" charset="0"/>
+          </a:endParaRPr>
+        </a:p>
+      </dgm:t>
+    </dgm:pt>
+    <dgm:pt modelId="{29374D99-3E68-470D-A910-054B0F9B1001}" type="parTrans" cxnId="{6531B068-B989-46EB-A2D0-19665E207B4D}">
+      <dgm:prSet/>
+      <dgm:spPr/>
+      <dgm:t>
+        <a:bodyPr/>
+        <a:lstStyle/>
+        <a:p>
+          <a:endParaRPr lang="de-DE">
+            <a:latin typeface="Times New Roman" panose="02020603050405020304" pitchFamily="18" charset="0"/>
+            <a:cs typeface="Times New Roman" panose="02020603050405020304" pitchFamily="18" charset="0"/>
+          </a:endParaRPr>
+        </a:p>
+      </dgm:t>
+    </dgm:pt>
+    <dgm:pt modelId="{427A7E6A-279F-4B5D-8A27-242FB1E02229}" type="sibTrans" cxnId="{6531B068-B989-46EB-A2D0-19665E207B4D}">
+      <dgm:prSet/>
+      <dgm:spPr/>
+      <dgm:t>
+        <a:bodyPr/>
+        <a:lstStyle/>
+        <a:p>
+          <a:endParaRPr lang="de-DE">
+            <a:latin typeface="Times New Roman" panose="02020603050405020304" pitchFamily="18" charset="0"/>
+            <a:cs typeface="Times New Roman" panose="02020603050405020304" pitchFamily="18" charset="0"/>
+          </a:endParaRPr>
+        </a:p>
+      </dgm:t>
+    </dgm:pt>
+    <dgm:pt modelId="{D8A32F9F-DBCD-429C-BAE9-01CD5943B0CE}">
+      <dgm:prSet phldrT="[Text]"/>
+      <dgm:spPr/>
+      <dgm:t>
+        <a:bodyPr/>
+        <a:lstStyle/>
+        <a:p>
+          <a:r>
+            <a:rPr lang="de-DE" dirty="0" smtClean="0">
+              <a:latin typeface="Times New Roman" panose="02020603050405020304" pitchFamily="18" charset="0"/>
+              <a:cs typeface="Times New Roman" panose="02020603050405020304" pitchFamily="18" charset="0"/>
+            </a:rPr>
+            <a:t>System-Management</a:t>
+          </a:r>
+          <a:endParaRPr lang="de-DE" dirty="0">
+            <a:latin typeface="Times New Roman" panose="02020603050405020304" pitchFamily="18" charset="0"/>
+            <a:cs typeface="Times New Roman" panose="02020603050405020304" pitchFamily="18" charset="0"/>
+          </a:endParaRPr>
+        </a:p>
+      </dgm:t>
+    </dgm:pt>
+    <dgm:pt modelId="{A7164B59-8FEB-4E3D-8248-812B20222AC6}" type="parTrans" cxnId="{7CEF7C69-DEC0-44FA-80F3-A8C387FEE6CD}">
+      <dgm:prSet/>
+      <dgm:spPr/>
+      <dgm:t>
+        <a:bodyPr/>
+        <a:lstStyle/>
+        <a:p>
+          <a:endParaRPr lang="de-DE">
+            <a:latin typeface="Times New Roman" panose="02020603050405020304" pitchFamily="18" charset="0"/>
+            <a:cs typeface="Times New Roman" panose="02020603050405020304" pitchFamily="18" charset="0"/>
+          </a:endParaRPr>
+        </a:p>
+      </dgm:t>
+    </dgm:pt>
+    <dgm:pt modelId="{1882BA44-D6DB-454E-AE6D-7DE456F5AB5D}" type="sibTrans" cxnId="{7CEF7C69-DEC0-44FA-80F3-A8C387FEE6CD}">
+      <dgm:prSet/>
+      <dgm:spPr/>
+      <dgm:t>
+        <a:bodyPr/>
+        <a:lstStyle/>
+        <a:p>
+          <a:endParaRPr lang="de-DE">
+            <a:latin typeface="Times New Roman" panose="02020603050405020304" pitchFamily="18" charset="0"/>
+            <a:cs typeface="Times New Roman" panose="02020603050405020304" pitchFamily="18" charset="0"/>
+          </a:endParaRPr>
+        </a:p>
+      </dgm:t>
+    </dgm:pt>
+    <dgm:pt modelId="{7EDB2074-4B7C-4673-9C93-700E4CE144FF}">
+      <dgm:prSet phldrT="[Text]"/>
+      <dgm:spPr/>
+      <dgm:t>
+        <a:bodyPr/>
+        <a:lstStyle/>
+        <a:p>
+          <a:r>
+            <a:rPr lang="de-DE" dirty="0" smtClean="0">
+              <a:latin typeface="Times New Roman" panose="02020603050405020304" pitchFamily="18" charset="0"/>
+              <a:cs typeface="Times New Roman" panose="02020603050405020304" pitchFamily="18" charset="0"/>
+            </a:rPr>
+            <a:t>Controlling im Wandel</a:t>
+          </a:r>
+          <a:endParaRPr lang="de-DE" dirty="0">
+            <a:latin typeface="Times New Roman" panose="02020603050405020304" pitchFamily="18" charset="0"/>
+            <a:cs typeface="Times New Roman" panose="02020603050405020304" pitchFamily="18" charset="0"/>
+          </a:endParaRPr>
+        </a:p>
+      </dgm:t>
+    </dgm:pt>
+    <dgm:pt modelId="{F7C4EC70-5A6F-4906-BE8E-B4F0673A1DCE}" type="parTrans" cxnId="{423842C0-395C-40E6-84AD-59BD6A5C8331}">
+      <dgm:prSet/>
+      <dgm:spPr/>
+      <dgm:t>
+        <a:bodyPr/>
+        <a:lstStyle/>
+        <a:p>
+          <a:endParaRPr lang="de-DE">
+            <a:latin typeface="Times New Roman" panose="02020603050405020304" pitchFamily="18" charset="0"/>
+            <a:cs typeface="Times New Roman" panose="02020603050405020304" pitchFamily="18" charset="0"/>
+          </a:endParaRPr>
+        </a:p>
+      </dgm:t>
+    </dgm:pt>
+    <dgm:pt modelId="{AFD8238A-4C4F-41DE-B12C-EE2DD511E17F}" type="sibTrans" cxnId="{423842C0-395C-40E6-84AD-59BD6A5C8331}">
+      <dgm:prSet/>
+      <dgm:spPr/>
+      <dgm:t>
+        <a:bodyPr/>
+        <a:lstStyle/>
+        <a:p>
+          <a:endParaRPr lang="de-DE">
+            <a:latin typeface="Times New Roman" panose="02020603050405020304" pitchFamily="18" charset="0"/>
+            <a:cs typeface="Times New Roman" panose="02020603050405020304" pitchFamily="18" charset="0"/>
+          </a:endParaRPr>
+        </a:p>
+      </dgm:t>
+    </dgm:pt>
+    <dgm:pt modelId="{F0F96D40-E737-4742-AC86-1FDE7814293E}">
+      <dgm:prSet phldrT="[Text]"/>
+      <dgm:spPr/>
+      <dgm:t>
+        <a:bodyPr/>
+        <a:lstStyle/>
+        <a:p>
+          <a:pPr marL="0" marR="0" indent="0" defTabSz="914400" eaLnBrk="1" fontAlgn="auto" latinLnBrk="0" hangingPunct="1">
+            <a:lnSpc>
+              <a:spcPct val="100000"/>
+            </a:lnSpc>
+            <a:spcBef>
+              <a:spcPts val="0"/>
+            </a:spcBef>
+            <a:spcAft>
+              <a:spcPts val="0"/>
+            </a:spcAft>
+            <a:buClrTx/>
+            <a:buSzTx/>
+            <a:buFontTx/>
+            <a:buNone/>
+            <a:tabLst/>
+            <a:defRPr/>
+          </a:pPr>
+          <a:r>
+            <a:rPr lang="de-DE" dirty="0" smtClean="0">
+              <a:latin typeface="Times New Roman" panose="02020603050405020304" pitchFamily="18" charset="0"/>
+              <a:cs typeface="Times New Roman" panose="02020603050405020304" pitchFamily="18" charset="0"/>
+            </a:rPr>
+            <a:t>Business Partner</a:t>
+          </a:r>
+        </a:p>
+      </dgm:t>
+    </dgm:pt>
+    <dgm:pt modelId="{3A0D02ED-D8E1-4A96-A1E5-4CB965FD409C}" type="parTrans" cxnId="{96DDC1D9-C2CC-43B9-86CC-6E8BD04C1635}">
+      <dgm:prSet/>
+      <dgm:spPr/>
+      <dgm:t>
+        <a:bodyPr/>
+        <a:lstStyle/>
+        <a:p>
+          <a:endParaRPr lang="de-DE">
+            <a:latin typeface="Times New Roman" panose="02020603050405020304" pitchFamily="18" charset="0"/>
+            <a:cs typeface="Times New Roman" panose="02020603050405020304" pitchFamily="18" charset="0"/>
+          </a:endParaRPr>
+        </a:p>
+      </dgm:t>
+    </dgm:pt>
+    <dgm:pt modelId="{25F39586-4DC5-464E-9E06-1E00C097CC48}" type="sibTrans" cxnId="{96DDC1D9-C2CC-43B9-86CC-6E8BD04C1635}">
+      <dgm:prSet/>
+      <dgm:spPr/>
+      <dgm:t>
+        <a:bodyPr/>
+        <a:lstStyle/>
+        <a:p>
+          <a:endParaRPr lang="de-DE">
+            <a:latin typeface="Times New Roman" panose="02020603050405020304" pitchFamily="18" charset="0"/>
+            <a:cs typeface="Times New Roman" panose="02020603050405020304" pitchFamily="18" charset="0"/>
+          </a:endParaRPr>
+        </a:p>
+      </dgm:t>
+    </dgm:pt>
+    <dgm:pt modelId="{62666BDF-03AF-47FC-9945-C531643A9F61}">
+      <dgm:prSet phldrT="[Text]"/>
+      <dgm:spPr/>
+      <dgm:t>
+        <a:bodyPr/>
+        <a:lstStyle/>
+        <a:p>
+          <a:r>
+            <a:rPr lang="de-DE" dirty="0" smtClean="0">
+              <a:latin typeface="Times New Roman" panose="02020603050405020304" pitchFamily="18" charset="0"/>
+              <a:cs typeface="Times New Roman" panose="02020603050405020304" pitchFamily="18" charset="0"/>
+            </a:rPr>
+            <a:t>Erhöhung </a:t>
+          </a:r>
+          <a:r>
+            <a:rPr lang="de-DE" dirty="0" err="1" smtClean="0">
+              <a:latin typeface="Times New Roman" panose="02020603050405020304" pitchFamily="18" charset="0"/>
+              <a:cs typeface="Times New Roman" panose="02020603050405020304" pitchFamily="18" charset="0"/>
+            </a:rPr>
+            <a:t>Slack</a:t>
+          </a:r>
+          <a:endParaRPr lang="de-DE" dirty="0">
+            <a:latin typeface="Times New Roman" panose="02020603050405020304" pitchFamily="18" charset="0"/>
+            <a:cs typeface="Times New Roman" panose="02020603050405020304" pitchFamily="18" charset="0"/>
+          </a:endParaRPr>
+        </a:p>
+      </dgm:t>
+    </dgm:pt>
+    <dgm:pt modelId="{C84F40B9-785D-453E-9BE1-BF4E48FF8A05}" type="parTrans" cxnId="{0D68E2DC-F7D0-4A66-8DA5-C036C218D4CF}">
+      <dgm:prSet/>
+      <dgm:spPr/>
+      <dgm:t>
+        <a:bodyPr/>
+        <a:lstStyle/>
+        <a:p>
+          <a:endParaRPr lang="de-DE">
+            <a:latin typeface="Times New Roman" panose="02020603050405020304" pitchFamily="18" charset="0"/>
+            <a:cs typeface="Times New Roman" panose="02020603050405020304" pitchFamily="18" charset="0"/>
+          </a:endParaRPr>
+        </a:p>
+      </dgm:t>
+    </dgm:pt>
+    <dgm:pt modelId="{372D5C48-52D2-4034-B9B4-6AC4FE1D81B6}" type="sibTrans" cxnId="{0D68E2DC-F7D0-4A66-8DA5-C036C218D4CF}">
+      <dgm:prSet/>
+      <dgm:spPr/>
+      <dgm:t>
+        <a:bodyPr/>
+        <a:lstStyle/>
+        <a:p>
+          <a:endParaRPr lang="de-DE">
+            <a:latin typeface="Times New Roman" panose="02020603050405020304" pitchFamily="18" charset="0"/>
+            <a:cs typeface="Times New Roman" panose="02020603050405020304" pitchFamily="18" charset="0"/>
+          </a:endParaRPr>
+        </a:p>
+      </dgm:t>
+    </dgm:pt>
+    <dgm:pt modelId="{2FB93FD0-B7B5-44FB-9F32-6025E816012D}">
+      <dgm:prSet phldrT="[Text]"/>
+      <dgm:spPr/>
+      <dgm:t>
+        <a:bodyPr/>
+        <a:lstStyle/>
+        <a:p>
+          <a:r>
+            <a:rPr lang="de-DE" dirty="0" smtClean="0">
+              <a:latin typeface="Times New Roman" panose="02020603050405020304" pitchFamily="18" charset="0"/>
+              <a:cs typeface="Times New Roman" panose="02020603050405020304" pitchFamily="18" charset="0"/>
+            </a:rPr>
+            <a:t>Meinungsverschiedenheit</a:t>
+          </a:r>
+          <a:endParaRPr lang="de-DE" dirty="0">
+            <a:latin typeface="Times New Roman" panose="02020603050405020304" pitchFamily="18" charset="0"/>
+            <a:cs typeface="Times New Roman" panose="02020603050405020304" pitchFamily="18" charset="0"/>
+          </a:endParaRPr>
+        </a:p>
+      </dgm:t>
+    </dgm:pt>
+    <dgm:pt modelId="{877D902E-8606-456C-8A30-95E82CFC33BD}" type="parTrans" cxnId="{FCEFA0F5-BC95-4B36-8F4C-EC4F604D6E1C}">
+      <dgm:prSet/>
+      <dgm:spPr/>
+      <dgm:t>
+        <a:bodyPr/>
+        <a:lstStyle/>
+        <a:p>
+          <a:endParaRPr lang="de-DE">
+            <a:latin typeface="Times New Roman" panose="02020603050405020304" pitchFamily="18" charset="0"/>
+            <a:cs typeface="Times New Roman" panose="02020603050405020304" pitchFamily="18" charset="0"/>
+          </a:endParaRPr>
+        </a:p>
+      </dgm:t>
+    </dgm:pt>
+    <dgm:pt modelId="{A5535207-64A4-4E70-9BE8-A8EB23EFE08A}" type="sibTrans" cxnId="{FCEFA0F5-BC95-4B36-8F4C-EC4F604D6E1C}">
+      <dgm:prSet/>
+      <dgm:spPr/>
+      <dgm:t>
+        <a:bodyPr/>
+        <a:lstStyle/>
+        <a:p>
+          <a:endParaRPr lang="de-DE">
+            <a:latin typeface="Times New Roman" panose="02020603050405020304" pitchFamily="18" charset="0"/>
+            <a:cs typeface="Times New Roman" panose="02020603050405020304" pitchFamily="18" charset="0"/>
+          </a:endParaRPr>
+        </a:p>
+      </dgm:t>
+    </dgm:pt>
+    <dgm:pt modelId="{DB15AAF8-D1F2-4492-AE55-030726706014}" type="pres">
+      <dgm:prSet presAssocID="{DDDBC715-4BC9-408F-9EDE-5381609EE203}" presName="Name0" presStyleCnt="0">
+        <dgm:presLayoutVars>
+          <dgm:dir/>
+          <dgm:animLvl val="lvl"/>
+          <dgm:resizeHandles val="exact"/>
+        </dgm:presLayoutVars>
+      </dgm:prSet>
+      <dgm:spPr/>
+    </dgm:pt>
+    <dgm:pt modelId="{5337913C-50ED-4825-AFDC-0FDC02984FCE}" type="pres">
+      <dgm:prSet presAssocID="{FB5A4340-E58B-4EDA-B18C-85FE8143C14A}" presName="linNode" presStyleCnt="0"/>
+      <dgm:spPr/>
+    </dgm:pt>
+    <dgm:pt modelId="{7731A3F6-937F-4F67-836B-10F307D1B55B}" type="pres">
+      <dgm:prSet presAssocID="{FB5A4340-E58B-4EDA-B18C-85FE8143C14A}" presName="parentText" presStyleLbl="node1" presStyleIdx="0" presStyleCnt="3">
+        <dgm:presLayoutVars>
+          <dgm:chMax val="1"/>
+          <dgm:bulletEnabled val="1"/>
+        </dgm:presLayoutVars>
+      </dgm:prSet>
+      <dgm:spPr/>
+      <dgm:t>
+        <a:bodyPr/>
+        <a:lstStyle/>
+        <a:p>
+          <a:endParaRPr lang="de-DE"/>
+        </a:p>
+      </dgm:t>
+    </dgm:pt>
+    <dgm:pt modelId="{2DC58751-22F7-43A8-B545-41A8CC06BC42}" type="pres">
+      <dgm:prSet presAssocID="{FB5A4340-E58B-4EDA-B18C-85FE8143C14A}" presName="descendantText" presStyleLbl="alignAccFollowNode1" presStyleIdx="0" presStyleCnt="3">
+        <dgm:presLayoutVars>
+          <dgm:bulletEnabled val="1"/>
+        </dgm:presLayoutVars>
+      </dgm:prSet>
+      <dgm:spPr/>
+      <dgm:t>
+        <a:bodyPr/>
+        <a:lstStyle/>
+        <a:p>
+          <a:endParaRPr lang="de-DE"/>
+        </a:p>
+      </dgm:t>
+    </dgm:pt>
+    <dgm:pt modelId="{B967C110-EC12-4DB7-A227-189D49033D5A}" type="pres">
+      <dgm:prSet presAssocID="{CAEDB209-02BB-433E-9527-3B2C47CBCAF0}" presName="sp" presStyleCnt="0"/>
+      <dgm:spPr/>
+    </dgm:pt>
+    <dgm:pt modelId="{E26CA5AE-D1BE-4079-90B0-4D48FD2EE50B}" type="pres">
+      <dgm:prSet presAssocID="{EF4A7FC5-00EC-423A-966C-A28FD963ECC6}" presName="linNode" presStyleCnt="0"/>
+      <dgm:spPr/>
+    </dgm:pt>
+    <dgm:pt modelId="{9735387F-7065-4AC2-B071-96EB8B19975E}" type="pres">
+      <dgm:prSet presAssocID="{EF4A7FC5-00EC-423A-966C-A28FD963ECC6}" presName="parentText" presStyleLbl="node1" presStyleIdx="1" presStyleCnt="3">
+        <dgm:presLayoutVars>
+          <dgm:chMax val="1"/>
+          <dgm:bulletEnabled val="1"/>
+        </dgm:presLayoutVars>
+      </dgm:prSet>
+      <dgm:spPr/>
+      <dgm:t>
+        <a:bodyPr/>
+        <a:lstStyle/>
+        <a:p>
+          <a:endParaRPr lang="de-DE"/>
+        </a:p>
+      </dgm:t>
+    </dgm:pt>
+    <dgm:pt modelId="{557F6329-474D-4980-BEA1-9CF33C6D0B43}" type="pres">
+      <dgm:prSet presAssocID="{EF4A7FC5-00EC-423A-966C-A28FD963ECC6}" presName="descendantText" presStyleLbl="alignAccFollowNode1" presStyleIdx="1" presStyleCnt="3">
+        <dgm:presLayoutVars>
+          <dgm:bulletEnabled val="1"/>
+        </dgm:presLayoutVars>
+      </dgm:prSet>
+      <dgm:spPr/>
+      <dgm:t>
+        <a:bodyPr/>
+        <a:lstStyle/>
+        <a:p>
+          <a:endParaRPr lang="de-DE"/>
+        </a:p>
+      </dgm:t>
+    </dgm:pt>
+    <dgm:pt modelId="{998E1A40-9A82-45E8-85C9-DE98959905AB}" type="pres">
+      <dgm:prSet presAssocID="{427A7E6A-279F-4B5D-8A27-242FB1E02229}" presName="sp" presStyleCnt="0"/>
+      <dgm:spPr/>
+    </dgm:pt>
+    <dgm:pt modelId="{1B6FADDD-8BB5-4C44-8F59-A02B8D66F8B3}" type="pres">
+      <dgm:prSet presAssocID="{F0F96D40-E737-4742-AC86-1FDE7814293E}" presName="linNode" presStyleCnt="0"/>
+      <dgm:spPr/>
+    </dgm:pt>
+    <dgm:pt modelId="{2DC17863-C582-4841-A378-60694BACF914}" type="pres">
+      <dgm:prSet presAssocID="{F0F96D40-E737-4742-AC86-1FDE7814293E}" presName="parentText" presStyleLbl="node1" presStyleIdx="2" presStyleCnt="3">
+        <dgm:presLayoutVars>
+          <dgm:chMax val="1"/>
+          <dgm:bulletEnabled val="1"/>
+        </dgm:presLayoutVars>
+      </dgm:prSet>
+      <dgm:spPr/>
+      <dgm:t>
+        <a:bodyPr/>
+        <a:lstStyle/>
+        <a:p>
+          <a:endParaRPr lang="de-DE"/>
+        </a:p>
+      </dgm:t>
+    </dgm:pt>
+    <dgm:pt modelId="{36586BA3-713E-40FA-B8B9-26B58553979B}" type="pres">
+      <dgm:prSet presAssocID="{F0F96D40-E737-4742-AC86-1FDE7814293E}" presName="descendantText" presStyleLbl="alignAccFollowNode1" presStyleIdx="2" presStyleCnt="3">
+        <dgm:presLayoutVars>
+          <dgm:bulletEnabled val="1"/>
+        </dgm:presLayoutVars>
+      </dgm:prSet>
+      <dgm:spPr/>
+    </dgm:pt>
+  </dgm:ptLst>
+  <dgm:cxnLst>
+    <dgm:cxn modelId="{6531B068-B989-46EB-A2D0-19665E207B4D}" srcId="{DDDBC715-4BC9-408F-9EDE-5381609EE203}" destId="{EF4A7FC5-00EC-423A-966C-A28FD963ECC6}" srcOrd="1" destOrd="0" parTransId="{29374D99-3E68-470D-A910-054B0F9B1001}" sibTransId="{427A7E6A-279F-4B5D-8A27-242FB1E02229}"/>
+    <dgm:cxn modelId="{96E3A2BE-C515-4297-A85B-F522755DA8D7}" type="presOf" srcId="{F0F96D40-E737-4742-AC86-1FDE7814293E}" destId="{2DC17863-C582-4841-A378-60694BACF914}" srcOrd="0" destOrd="0" presId="urn:microsoft.com/office/officeart/2005/8/layout/vList5"/>
+    <dgm:cxn modelId="{416898C9-7254-4BA4-AED8-2882B4B9E905}" srcId="{FB5A4340-E58B-4EDA-B18C-85FE8143C14A}" destId="{9E375458-A57D-434B-9DD5-5D00B6FA449D}" srcOrd="1" destOrd="0" parTransId="{49552F5B-2CB1-44C0-88BC-B9940546140F}" sibTransId="{1DEA6DAA-0306-4084-9C47-E80EBCB428EA}"/>
+    <dgm:cxn modelId="{9FA0FAC4-8B7B-40F5-83C9-8C0858A67139}" type="presOf" srcId="{7EDB2074-4B7C-4673-9C93-700E4CE144FF}" destId="{557F6329-474D-4980-BEA1-9CF33C6D0B43}" srcOrd="0" destOrd="1" presId="urn:microsoft.com/office/officeart/2005/8/layout/vList5"/>
+    <dgm:cxn modelId="{7ECF7CB5-78A7-4E20-A1E3-988FA80CB6AB}" type="presOf" srcId="{9E375458-A57D-434B-9DD5-5D00B6FA449D}" destId="{2DC58751-22F7-43A8-B545-41A8CC06BC42}" srcOrd="0" destOrd="1" presId="urn:microsoft.com/office/officeart/2005/8/layout/vList5"/>
+    <dgm:cxn modelId="{423842C0-395C-40E6-84AD-59BD6A5C8331}" srcId="{EF4A7FC5-00EC-423A-966C-A28FD963ECC6}" destId="{7EDB2074-4B7C-4673-9C93-700E4CE144FF}" srcOrd="1" destOrd="0" parTransId="{F7C4EC70-5A6F-4906-BE8E-B4F0673A1DCE}" sibTransId="{AFD8238A-4C4F-41DE-B12C-EE2DD511E17F}"/>
+    <dgm:cxn modelId="{B85DDFB9-805A-4880-901A-83EF57F4C454}" type="presOf" srcId="{62666BDF-03AF-47FC-9945-C531643A9F61}" destId="{36586BA3-713E-40FA-B8B9-26B58553979B}" srcOrd="0" destOrd="0" presId="urn:microsoft.com/office/officeart/2005/8/layout/vList5"/>
+    <dgm:cxn modelId="{BC919019-8990-4BDE-A2B2-99976805B0D5}" type="presOf" srcId="{DDDBC715-4BC9-408F-9EDE-5381609EE203}" destId="{DB15AAF8-D1F2-4492-AE55-030726706014}" srcOrd="0" destOrd="0" presId="urn:microsoft.com/office/officeart/2005/8/layout/vList5"/>
+    <dgm:cxn modelId="{8469B011-A3F9-48F4-B0EA-4A23D023FA13}" type="presOf" srcId="{2FB93FD0-B7B5-44FB-9F32-6025E816012D}" destId="{36586BA3-713E-40FA-B8B9-26B58553979B}" srcOrd="0" destOrd="1" presId="urn:microsoft.com/office/officeart/2005/8/layout/vList5"/>
+    <dgm:cxn modelId="{4EA9E47E-370C-4643-9848-2C8E02EEF9B8}" type="presOf" srcId="{D07955E1-4750-465E-A7C9-0B2C92ACDDC0}" destId="{2DC58751-22F7-43A8-B545-41A8CC06BC42}" srcOrd="0" destOrd="0" presId="urn:microsoft.com/office/officeart/2005/8/layout/vList5"/>
+    <dgm:cxn modelId="{19B5505B-340B-456D-A543-0A92D4A08A0B}" srcId="{DDDBC715-4BC9-408F-9EDE-5381609EE203}" destId="{FB5A4340-E58B-4EDA-B18C-85FE8143C14A}" srcOrd="0" destOrd="0" parTransId="{AD20E002-987B-41F5-9889-136FE36F7082}" sibTransId="{CAEDB209-02BB-433E-9527-3B2C47CBCAF0}"/>
+    <dgm:cxn modelId="{FCEFA0F5-BC95-4B36-8F4C-EC4F604D6E1C}" srcId="{F0F96D40-E737-4742-AC86-1FDE7814293E}" destId="{2FB93FD0-B7B5-44FB-9F32-6025E816012D}" srcOrd="1" destOrd="0" parTransId="{877D902E-8606-456C-8A30-95E82CFC33BD}" sibTransId="{A5535207-64A4-4E70-9BE8-A8EB23EFE08A}"/>
+    <dgm:cxn modelId="{C650CF47-BEAC-44BA-81F4-006403F31FB8}" type="presOf" srcId="{FB5A4340-E58B-4EDA-B18C-85FE8143C14A}" destId="{7731A3F6-937F-4F67-836B-10F307D1B55B}" srcOrd="0" destOrd="0" presId="urn:microsoft.com/office/officeart/2005/8/layout/vList5"/>
+    <dgm:cxn modelId="{6DB7124B-F9BC-4D66-B4DE-27972413AFDE}" type="presOf" srcId="{D8A32F9F-DBCD-429C-BAE9-01CD5943B0CE}" destId="{557F6329-474D-4980-BEA1-9CF33C6D0B43}" srcOrd="0" destOrd="0" presId="urn:microsoft.com/office/officeart/2005/8/layout/vList5"/>
+    <dgm:cxn modelId="{96DDC1D9-C2CC-43B9-86CC-6E8BD04C1635}" srcId="{DDDBC715-4BC9-408F-9EDE-5381609EE203}" destId="{F0F96D40-E737-4742-AC86-1FDE7814293E}" srcOrd="2" destOrd="0" parTransId="{3A0D02ED-D8E1-4A96-A1E5-4CB965FD409C}" sibTransId="{25F39586-4DC5-464E-9E06-1E00C097CC48}"/>
+    <dgm:cxn modelId="{92615700-2A36-4A37-BF02-03DA6635F8C1}" srcId="{FB5A4340-E58B-4EDA-B18C-85FE8143C14A}" destId="{D07955E1-4750-465E-A7C9-0B2C92ACDDC0}" srcOrd="0" destOrd="0" parTransId="{08AFCF73-8B1E-46D3-9333-67C6172A1B84}" sibTransId="{CF630D23-1D67-4B53-9C74-FEC2452D7751}"/>
+    <dgm:cxn modelId="{7CEF7C69-DEC0-44FA-80F3-A8C387FEE6CD}" srcId="{EF4A7FC5-00EC-423A-966C-A28FD963ECC6}" destId="{D8A32F9F-DBCD-429C-BAE9-01CD5943B0CE}" srcOrd="0" destOrd="0" parTransId="{A7164B59-8FEB-4E3D-8248-812B20222AC6}" sibTransId="{1882BA44-D6DB-454E-AE6D-7DE456F5AB5D}"/>
+    <dgm:cxn modelId="{0D68E2DC-F7D0-4A66-8DA5-C036C218D4CF}" srcId="{F0F96D40-E737-4742-AC86-1FDE7814293E}" destId="{62666BDF-03AF-47FC-9945-C531643A9F61}" srcOrd="0" destOrd="0" parTransId="{C84F40B9-785D-453E-9BE1-BF4E48FF8A05}" sibTransId="{372D5C48-52D2-4034-B9B4-6AC4FE1D81B6}"/>
+    <dgm:cxn modelId="{4E867DCD-1447-4B39-A69F-8C6F65A79234}" type="presOf" srcId="{EF4A7FC5-00EC-423A-966C-A28FD963ECC6}" destId="{9735387F-7065-4AC2-B071-96EB8B19975E}" srcOrd="0" destOrd="0" presId="urn:microsoft.com/office/officeart/2005/8/layout/vList5"/>
+    <dgm:cxn modelId="{B426E7E3-140C-49DC-9767-3F9C2A8E0D05}" type="presParOf" srcId="{DB15AAF8-D1F2-4492-AE55-030726706014}" destId="{5337913C-50ED-4825-AFDC-0FDC02984FCE}" srcOrd="0" destOrd="0" presId="urn:microsoft.com/office/officeart/2005/8/layout/vList5"/>
+    <dgm:cxn modelId="{0F33ADAF-EFA5-4AAF-878D-D995AD325BB0}" type="presParOf" srcId="{5337913C-50ED-4825-AFDC-0FDC02984FCE}" destId="{7731A3F6-937F-4F67-836B-10F307D1B55B}" srcOrd="0" destOrd="0" presId="urn:microsoft.com/office/officeart/2005/8/layout/vList5"/>
+    <dgm:cxn modelId="{575E2E9C-D673-4949-BD97-41D7C9511651}" type="presParOf" srcId="{5337913C-50ED-4825-AFDC-0FDC02984FCE}" destId="{2DC58751-22F7-43A8-B545-41A8CC06BC42}" srcOrd="1" destOrd="0" presId="urn:microsoft.com/office/officeart/2005/8/layout/vList5"/>
+    <dgm:cxn modelId="{3489BDC0-2814-4B11-980E-22FD91193A7F}" type="presParOf" srcId="{DB15AAF8-D1F2-4492-AE55-030726706014}" destId="{B967C110-EC12-4DB7-A227-189D49033D5A}" srcOrd="1" destOrd="0" presId="urn:microsoft.com/office/officeart/2005/8/layout/vList5"/>
+    <dgm:cxn modelId="{EFA6267D-CC39-4363-9FF8-2DF9B9F937C3}" type="presParOf" srcId="{DB15AAF8-D1F2-4492-AE55-030726706014}" destId="{E26CA5AE-D1BE-4079-90B0-4D48FD2EE50B}" srcOrd="2" destOrd="0" presId="urn:microsoft.com/office/officeart/2005/8/layout/vList5"/>
+    <dgm:cxn modelId="{8731438E-05B9-40B1-B8A0-03C384A409FF}" type="presParOf" srcId="{E26CA5AE-D1BE-4079-90B0-4D48FD2EE50B}" destId="{9735387F-7065-4AC2-B071-96EB8B19975E}" srcOrd="0" destOrd="0" presId="urn:microsoft.com/office/officeart/2005/8/layout/vList5"/>
+    <dgm:cxn modelId="{8EF5CD32-4CD4-4ED4-9AE0-F7DEB2F26C26}" type="presParOf" srcId="{E26CA5AE-D1BE-4079-90B0-4D48FD2EE50B}" destId="{557F6329-474D-4980-BEA1-9CF33C6D0B43}" srcOrd="1" destOrd="0" presId="urn:microsoft.com/office/officeart/2005/8/layout/vList5"/>
+    <dgm:cxn modelId="{2B9C3C8E-B584-44A8-AAC7-E7FC17CF09A6}" type="presParOf" srcId="{DB15AAF8-D1F2-4492-AE55-030726706014}" destId="{998E1A40-9A82-45E8-85C9-DE98959905AB}" srcOrd="3" destOrd="0" presId="urn:microsoft.com/office/officeart/2005/8/layout/vList5"/>
+    <dgm:cxn modelId="{42684A57-2794-45B0-9082-29E3D5B5FF74}" type="presParOf" srcId="{DB15AAF8-D1F2-4492-AE55-030726706014}" destId="{1B6FADDD-8BB5-4C44-8F59-A02B8D66F8B3}" srcOrd="4" destOrd="0" presId="urn:microsoft.com/office/officeart/2005/8/layout/vList5"/>
+    <dgm:cxn modelId="{1BEBFE2D-0E99-4245-BE05-19AF00B62B59}" type="presParOf" srcId="{1B6FADDD-8BB5-4C44-8F59-A02B8D66F8B3}" destId="{2DC17863-C582-4841-A378-60694BACF914}" srcOrd="0" destOrd="0" presId="urn:microsoft.com/office/officeart/2005/8/layout/vList5"/>
+    <dgm:cxn modelId="{DE4E0DC6-5D90-4356-B237-9C37510F60D9}" type="presParOf" srcId="{1B6FADDD-8BB5-4C44-8F59-A02B8D66F8B3}" destId="{36586BA3-713E-40FA-B8B9-26B58553979B}" srcOrd="1" destOrd="0" presId="urn:microsoft.com/office/officeart/2005/8/layout/vList5"/>
+  </dgm:cxnLst>
+  <dgm:bg/>
+  <dgm:whole/>
+  <dgm:extLst>
+    <a:ext uri="http://schemas.microsoft.com/office/drawing/2008/diagram">
+      <dsp:dataModelExt xmlns:dsp="http://schemas.microsoft.com/office/drawing/2008/diagram" relId="rId7" minVer="http://schemas.openxmlformats.org/drawingml/2006/diagram"/>
+    </a:ext>
+  </dgm:extLst>
+</dgm:dataModel>
+</file>
+
+<file path=ppt/diagrams/data6.xml><?xml version="1.0" encoding="utf-8"?>
+<dgm:dataModel xmlns:dgm="http://schemas.openxmlformats.org/drawingml/2006/diagram" xmlns:a="http://schemas.openxmlformats.org/drawingml/2006/main">
+  <dgm:ptLst>
+    <dgm:pt modelId="{E55CB562-FB67-4A85-AA9E-A448196808D2}" type="doc">
+      <dgm:prSet loTypeId="urn:microsoft.com/office/officeart/2009/3/layout/PlusandMinus" loCatId="relationship" qsTypeId="urn:microsoft.com/office/officeart/2005/8/quickstyle/simple1" qsCatId="simple" csTypeId="urn:microsoft.com/office/officeart/2005/8/colors/accent6_2" csCatId="accent6" phldr="1"/>
+      <dgm:spPr/>
+      <dgm:t>
+        <a:bodyPr/>
+        <a:lstStyle/>
+        <a:p>
+          <a:endParaRPr lang="de-DE"/>
+        </a:p>
+      </dgm:t>
+    </dgm:pt>
+    <dgm:pt modelId="{11DC101D-A519-449D-A081-8A77DE268924}">
+      <dgm:prSet phldrT="[Text]" custT="1"/>
+      <dgm:spPr/>
+      <dgm:t>
+        <a:bodyPr/>
+        <a:lstStyle/>
+        <a:p>
+          <a:r>
+            <a:rPr lang="de-DE" sz="2400" dirty="0" smtClean="0">
+              <a:latin typeface="Times New Roman" panose="02020603050405020304" pitchFamily="18" charset="0"/>
+              <a:cs typeface="Times New Roman" panose="02020603050405020304" pitchFamily="18" charset="0"/>
+              <a:sym typeface="Wingdings" panose="05000000000000000000" pitchFamily="2" charset="2"/>
+            </a:rPr>
+            <a:t>- Erschwingliche Systeme </a:t>
+          </a:r>
+        </a:p>
+        <a:p>
+          <a:r>
+            <a:rPr lang="de-DE" sz="2400" dirty="0" smtClean="0">
+              <a:latin typeface="Times New Roman" panose="02020603050405020304" pitchFamily="18" charset="0"/>
+              <a:cs typeface="Times New Roman" panose="02020603050405020304" pitchFamily="18" charset="0"/>
+              <a:sym typeface="Wingdings" panose="05000000000000000000" pitchFamily="2" charset="2"/>
+            </a:rPr>
+            <a:t>- Bessere Möglichkeiten zur Kapitalbeschaffung</a:t>
+          </a:r>
+        </a:p>
+        <a:p>
+          <a:r>
+            <a:rPr lang="de-DE" sz="2400" dirty="0" smtClean="0">
+              <a:latin typeface="Times New Roman" panose="02020603050405020304" pitchFamily="18" charset="0"/>
+              <a:cs typeface="Times New Roman" panose="02020603050405020304" pitchFamily="18" charset="0"/>
+              <a:sym typeface="Wingdings" panose="05000000000000000000" pitchFamily="2" charset="2"/>
+            </a:rPr>
+            <a:t>-Steigende/r Effizienz, Erfolg, Wettbewerbsfähigkeit</a:t>
+          </a:r>
+          <a:endParaRPr lang="de-DE" sz="2400" dirty="0">
+            <a:latin typeface="Times New Roman" panose="02020603050405020304" pitchFamily="18" charset="0"/>
+            <a:cs typeface="Times New Roman" panose="02020603050405020304" pitchFamily="18" charset="0"/>
+          </a:endParaRPr>
+        </a:p>
+      </dgm:t>
+    </dgm:pt>
+    <dgm:pt modelId="{D1E767F3-0F0A-41F9-B217-51313C4E7467}" type="parTrans" cxnId="{3717CC7D-A147-42BE-9368-54DCA35C150B}">
+      <dgm:prSet/>
+      <dgm:spPr/>
+      <dgm:t>
+        <a:bodyPr/>
+        <a:lstStyle/>
+        <a:p>
+          <a:endParaRPr lang="de-DE" sz="2400">
+            <a:latin typeface="Times New Roman" panose="02020603050405020304" pitchFamily="18" charset="0"/>
+            <a:cs typeface="Times New Roman" panose="02020603050405020304" pitchFamily="18" charset="0"/>
+          </a:endParaRPr>
+        </a:p>
+      </dgm:t>
+    </dgm:pt>
+    <dgm:pt modelId="{64B2524F-DCBF-409D-8B2E-5C153C37B7FC}" type="sibTrans" cxnId="{3717CC7D-A147-42BE-9368-54DCA35C150B}">
+      <dgm:prSet/>
+      <dgm:spPr/>
+      <dgm:t>
+        <a:bodyPr/>
+        <a:lstStyle/>
+        <a:p>
+          <a:endParaRPr lang="de-DE" sz="2400">
+            <a:latin typeface="Times New Roman" panose="02020603050405020304" pitchFamily="18" charset="0"/>
+            <a:cs typeface="Times New Roman" panose="02020603050405020304" pitchFamily="18" charset="0"/>
+          </a:endParaRPr>
+        </a:p>
+      </dgm:t>
+    </dgm:pt>
+    <dgm:pt modelId="{61E0B6A9-8EDE-4181-8974-BB42A51B32E4}">
+      <dgm:prSet phldrT="[Text]" custT="1"/>
+      <dgm:spPr/>
+      <dgm:t>
+        <a:bodyPr/>
+        <a:lstStyle/>
+        <a:p>
+          <a:r>
+            <a:rPr lang="de-DE" sz="2400" dirty="0" smtClean="0">
+              <a:latin typeface="Times New Roman" panose="02020603050405020304" pitchFamily="18" charset="0"/>
+              <a:cs typeface="Times New Roman" panose="02020603050405020304" pitchFamily="18" charset="0"/>
+            </a:rPr>
+            <a:t>- Keine allgemeingültige Antwort</a:t>
+          </a:r>
+        </a:p>
+        <a:p>
+          <a:r>
+            <a:rPr lang="de-DE" sz="2400" dirty="0" smtClean="0">
+              <a:latin typeface="Times New Roman" panose="02020603050405020304" pitchFamily="18" charset="0"/>
+              <a:cs typeface="Times New Roman" panose="02020603050405020304" pitchFamily="18" charset="0"/>
+            </a:rPr>
+            <a:t>- Herausforderungen</a:t>
+          </a:r>
+        </a:p>
+        <a:p>
+          <a:endParaRPr lang="de-DE" sz="2400" dirty="0">
+            <a:latin typeface="Times New Roman" panose="02020603050405020304" pitchFamily="18" charset="0"/>
+            <a:cs typeface="Times New Roman" panose="02020603050405020304" pitchFamily="18" charset="0"/>
+          </a:endParaRPr>
+        </a:p>
+      </dgm:t>
+    </dgm:pt>
+    <dgm:pt modelId="{5D33FB65-45F7-4E8C-9982-AD103F635B10}" type="parTrans" cxnId="{48C80AB3-4187-4170-A3C2-123C559275AA}">
+      <dgm:prSet/>
+      <dgm:spPr/>
+      <dgm:t>
+        <a:bodyPr/>
+        <a:lstStyle/>
+        <a:p>
+          <a:endParaRPr lang="de-DE" sz="2400">
+            <a:latin typeface="Times New Roman" panose="02020603050405020304" pitchFamily="18" charset="0"/>
+            <a:cs typeface="Times New Roman" panose="02020603050405020304" pitchFamily="18" charset="0"/>
+          </a:endParaRPr>
+        </a:p>
+      </dgm:t>
+    </dgm:pt>
+    <dgm:pt modelId="{D90B9191-E390-43BB-B51F-D88B97E9981D}" type="sibTrans" cxnId="{48C80AB3-4187-4170-A3C2-123C559275AA}">
+      <dgm:prSet/>
+      <dgm:spPr/>
+      <dgm:t>
+        <a:bodyPr/>
+        <a:lstStyle/>
+        <a:p>
+          <a:endParaRPr lang="de-DE" sz="2400">
+            <a:latin typeface="Times New Roman" panose="02020603050405020304" pitchFamily="18" charset="0"/>
+            <a:cs typeface="Times New Roman" panose="02020603050405020304" pitchFamily="18" charset="0"/>
+          </a:endParaRPr>
+        </a:p>
+      </dgm:t>
+    </dgm:pt>
+    <dgm:pt modelId="{82DAD7AD-9564-44FD-99CC-F6E29B923380}" type="pres">
+      <dgm:prSet presAssocID="{E55CB562-FB67-4A85-AA9E-A448196808D2}" presName="Name0" presStyleCnt="0">
+        <dgm:presLayoutVars>
+          <dgm:chMax val="2"/>
+          <dgm:chPref val="2"/>
+          <dgm:dir/>
+          <dgm:animOne/>
+          <dgm:resizeHandles val="exact"/>
+        </dgm:presLayoutVars>
+      </dgm:prSet>
+      <dgm:spPr/>
+    </dgm:pt>
+    <dgm:pt modelId="{49918C28-610D-43BD-9D29-6888378FC26D}" type="pres">
+      <dgm:prSet presAssocID="{E55CB562-FB67-4A85-AA9E-A448196808D2}" presName="Background" presStyleLbl="bgImgPlace1" presStyleIdx="0" presStyleCnt="1"/>
+      <dgm:spPr/>
+    </dgm:pt>
+    <dgm:pt modelId="{1E46CB25-2C22-4339-A048-601D5575F715}" type="pres">
+      <dgm:prSet presAssocID="{E55CB562-FB67-4A85-AA9E-A448196808D2}" presName="ParentText1" presStyleLbl="revTx" presStyleIdx="0" presStyleCnt="2">
+        <dgm:presLayoutVars>
+          <dgm:chMax val="0"/>
+          <dgm:chPref val="0"/>
+          <dgm:bulletEnabled val="1"/>
+        </dgm:presLayoutVars>
+      </dgm:prSet>
+      <dgm:spPr/>
+      <dgm:t>
+        <a:bodyPr/>
+        <a:lstStyle/>
+        <a:p>
+          <a:endParaRPr lang="de-DE"/>
+        </a:p>
+      </dgm:t>
+    </dgm:pt>
+    <dgm:pt modelId="{82257992-9A33-4AD3-A369-97D7AAAEF3FC}" type="pres">
+      <dgm:prSet presAssocID="{E55CB562-FB67-4A85-AA9E-A448196808D2}" presName="ParentText2" presStyleLbl="revTx" presStyleIdx="1" presStyleCnt="2">
+        <dgm:presLayoutVars>
+          <dgm:chMax val="0"/>
+          <dgm:chPref val="0"/>
+          <dgm:bulletEnabled val="1"/>
+        </dgm:presLayoutVars>
+      </dgm:prSet>
+      <dgm:spPr/>
+      <dgm:t>
+        <a:bodyPr/>
+        <a:lstStyle/>
+        <a:p>
+          <a:endParaRPr lang="de-DE"/>
+        </a:p>
+      </dgm:t>
+    </dgm:pt>
+    <dgm:pt modelId="{F191B136-7792-4F00-B357-D76AB21D073D}" type="pres">
+      <dgm:prSet presAssocID="{E55CB562-FB67-4A85-AA9E-A448196808D2}" presName="Plus" presStyleLbl="alignNode1" presStyleIdx="0" presStyleCnt="2"/>
+      <dgm:spPr/>
+    </dgm:pt>
+    <dgm:pt modelId="{3B2F775B-5836-4DDF-89B9-3F07925D2C41}" type="pres">
+      <dgm:prSet presAssocID="{E55CB562-FB67-4A85-AA9E-A448196808D2}" presName="Minus" presStyleLbl="alignNode1" presStyleIdx="1" presStyleCnt="2"/>
+      <dgm:spPr/>
+    </dgm:pt>
+    <dgm:pt modelId="{C5EBF0DA-2489-4A72-B0C3-AAF96A9738B7}" type="pres">
+      <dgm:prSet presAssocID="{E55CB562-FB67-4A85-AA9E-A448196808D2}" presName="Divider" presStyleLbl="parChTrans1D1" presStyleIdx="0" presStyleCnt="1"/>
+      <dgm:spPr/>
+    </dgm:pt>
+  </dgm:ptLst>
+  <dgm:cxnLst>
+    <dgm:cxn modelId="{7C7C972C-C3C3-467E-9CE6-5ECECA0267AC}" type="presOf" srcId="{E55CB562-FB67-4A85-AA9E-A448196808D2}" destId="{82DAD7AD-9564-44FD-99CC-F6E29B923380}" srcOrd="0" destOrd="0" presId="urn:microsoft.com/office/officeart/2009/3/layout/PlusandMinus"/>
+    <dgm:cxn modelId="{48C80AB3-4187-4170-A3C2-123C559275AA}" srcId="{E55CB562-FB67-4A85-AA9E-A448196808D2}" destId="{61E0B6A9-8EDE-4181-8974-BB42A51B32E4}" srcOrd="1" destOrd="0" parTransId="{5D33FB65-45F7-4E8C-9982-AD103F635B10}" sibTransId="{D90B9191-E390-43BB-B51F-D88B97E9981D}"/>
+    <dgm:cxn modelId="{9DE2A06C-B453-4E6C-8C48-66F3A5A45C69}" type="presOf" srcId="{11DC101D-A519-449D-A081-8A77DE268924}" destId="{1E46CB25-2C22-4339-A048-601D5575F715}" srcOrd="0" destOrd="0" presId="urn:microsoft.com/office/officeart/2009/3/layout/PlusandMinus"/>
+    <dgm:cxn modelId="{3717CC7D-A147-42BE-9368-54DCA35C150B}" srcId="{E55CB562-FB67-4A85-AA9E-A448196808D2}" destId="{11DC101D-A519-449D-A081-8A77DE268924}" srcOrd="0" destOrd="0" parTransId="{D1E767F3-0F0A-41F9-B217-51313C4E7467}" sibTransId="{64B2524F-DCBF-409D-8B2E-5C153C37B7FC}"/>
+    <dgm:cxn modelId="{E95C7401-FE6B-4888-A3B3-E9DB58DFA820}" type="presOf" srcId="{61E0B6A9-8EDE-4181-8974-BB42A51B32E4}" destId="{82257992-9A33-4AD3-A369-97D7AAAEF3FC}" srcOrd="0" destOrd="0" presId="urn:microsoft.com/office/officeart/2009/3/layout/PlusandMinus"/>
+    <dgm:cxn modelId="{A275FE87-CF02-4939-82A9-9C6FC98A43C7}" type="presParOf" srcId="{82DAD7AD-9564-44FD-99CC-F6E29B923380}" destId="{49918C28-610D-43BD-9D29-6888378FC26D}" srcOrd="0" destOrd="0" presId="urn:microsoft.com/office/officeart/2009/3/layout/PlusandMinus"/>
+    <dgm:cxn modelId="{DB5B1687-CEEF-46BD-BC50-6F39CF1D2C69}" type="presParOf" srcId="{82DAD7AD-9564-44FD-99CC-F6E29B923380}" destId="{1E46CB25-2C22-4339-A048-601D5575F715}" srcOrd="1" destOrd="0" presId="urn:microsoft.com/office/officeart/2009/3/layout/PlusandMinus"/>
+    <dgm:cxn modelId="{974F8431-3ABB-4C21-ABEA-E0CC08ABB783}" type="presParOf" srcId="{82DAD7AD-9564-44FD-99CC-F6E29B923380}" destId="{82257992-9A33-4AD3-A369-97D7AAAEF3FC}" srcOrd="2" destOrd="0" presId="urn:microsoft.com/office/officeart/2009/3/layout/PlusandMinus"/>
+    <dgm:cxn modelId="{472D387E-EF9D-4811-A778-C16A873A611F}" type="presParOf" srcId="{82DAD7AD-9564-44FD-99CC-F6E29B923380}" destId="{F191B136-7792-4F00-B357-D76AB21D073D}" srcOrd="3" destOrd="0" presId="urn:microsoft.com/office/officeart/2009/3/layout/PlusandMinus"/>
+    <dgm:cxn modelId="{286AB959-4832-46E0-A124-DFD5BEFD4617}" type="presParOf" srcId="{82DAD7AD-9564-44FD-99CC-F6E29B923380}" destId="{3B2F775B-5836-4DDF-89B9-3F07925D2C41}" srcOrd="4" destOrd="0" presId="urn:microsoft.com/office/officeart/2009/3/layout/PlusandMinus"/>
+    <dgm:cxn modelId="{4BC6CC16-2DBE-40EB-B759-05D86592D77A}" type="presParOf" srcId="{82DAD7AD-9564-44FD-99CC-F6E29B923380}" destId="{C5EBF0DA-2489-4A72-B0C3-AAF96A9738B7}" srcOrd="5" destOrd="0" presId="urn:microsoft.com/office/officeart/2009/3/layout/PlusandMinus"/>
   </dgm:cxnLst>
   <dgm:bg/>
   <dgm:whole/>
@@ -7846,6 +10301,1028 @@
         <a:off x="5728135" y="2026115"/>
         <a:ext cx="1959223" cy="1146987"/>
       </dsp:txXfrm>
+    </dsp:sp>
+  </dsp:spTree>
+</dsp:drawing>
+</file>
+
+<file path=ppt/diagrams/drawing5.xml><?xml version="1.0" encoding="utf-8"?>
+<dsp:drawing xmlns:dgm="http://schemas.openxmlformats.org/drawingml/2006/diagram" xmlns:dsp="http://schemas.microsoft.com/office/drawing/2008/diagram" xmlns:a="http://schemas.openxmlformats.org/drawingml/2006/main">
+  <dsp:spTree>
+    <dsp:nvGrpSpPr>
+      <dsp:cNvPr id="0" name=""/>
+      <dsp:cNvGrpSpPr/>
+    </dsp:nvGrpSpPr>
+    <dsp:grpSpPr/>
+    <dsp:sp modelId="{2DC58751-22F7-43A8-B545-41A8CC06BC42}">
+      <dsp:nvSpPr>
+        <dsp:cNvPr id="0" name=""/>
+        <dsp:cNvSpPr/>
+      </dsp:nvSpPr>
+      <dsp:spPr>
+        <a:xfrm rot="5400000">
+          <a:off x="4218301" y="-1560807"/>
+          <a:ext cx="1083441" cy="4480021"/>
+        </a:xfrm>
+        <a:prstGeom prst="round2SameRect">
+          <a:avLst/>
+        </a:prstGeom>
+        <a:solidFill>
+          <a:schemeClr val="accent6">
+            <a:alpha val="90000"/>
+            <a:tint val="40000"/>
+            <a:hueOff val="0"/>
+            <a:satOff val="0"/>
+            <a:lumOff val="0"/>
+            <a:alphaOff val="0"/>
+          </a:schemeClr>
+        </a:solidFill>
+        <a:ln w="12700" cap="flat" cmpd="sng" algn="ctr">
+          <a:solidFill>
+            <a:schemeClr val="accent6">
+              <a:alpha val="90000"/>
+              <a:tint val="40000"/>
+              <a:hueOff val="0"/>
+              <a:satOff val="0"/>
+              <a:lumOff val="0"/>
+              <a:alphaOff val="0"/>
+            </a:schemeClr>
+          </a:solidFill>
+          <a:prstDash val="solid"/>
+          <a:miter lim="800000"/>
+        </a:ln>
+        <a:effectLst/>
+      </dsp:spPr>
+      <dsp:style>
+        <a:lnRef idx="2">
+          <a:scrgbClr r="0" g="0" b="0"/>
+        </a:lnRef>
+        <a:fillRef idx="1">
+          <a:scrgbClr r="0" g="0" b="0"/>
+        </a:fillRef>
+        <a:effectRef idx="0">
+          <a:scrgbClr r="0" g="0" b="0"/>
+        </a:effectRef>
+        <a:fontRef idx="minor"/>
+      </dsp:style>
+      <dsp:txBody>
+        <a:bodyPr spcFirstLastPara="0" vert="horz" wrap="square" lIns="110490" tIns="55245" rIns="110490" bIns="55245" numCol="1" spcCol="1270" anchor="ctr" anchorCtr="0">
+          <a:noAutofit/>
+        </a:bodyPr>
+        <a:lstStyle/>
+        <a:p>
+          <a:pPr marL="285750" lvl="1" indent="-285750" algn="l" defTabSz="1289050">
+            <a:lnSpc>
+              <a:spcPct val="90000"/>
+            </a:lnSpc>
+            <a:spcBef>
+              <a:spcPct val="0"/>
+            </a:spcBef>
+            <a:spcAft>
+              <a:spcPct val="15000"/>
+            </a:spcAft>
+            <a:buChar char="••"/>
+          </a:pPr>
+          <a:r>
+            <a:rPr lang="de-DE" sz="2900" kern="1200" dirty="0" smtClean="0">
+              <a:latin typeface="Times New Roman" panose="02020603050405020304" pitchFamily="18" charset="0"/>
+              <a:cs typeface="Times New Roman" panose="02020603050405020304" pitchFamily="18" charset="0"/>
+            </a:rPr>
+            <a:t>Kapital</a:t>
+          </a:r>
+          <a:endParaRPr lang="de-DE" sz="2900" kern="1200" dirty="0">
+            <a:latin typeface="Times New Roman" panose="02020603050405020304" pitchFamily="18" charset="0"/>
+            <a:cs typeface="Times New Roman" panose="02020603050405020304" pitchFamily="18" charset="0"/>
+          </a:endParaRPr>
+        </a:p>
+        <a:p>
+          <a:pPr marL="285750" lvl="1" indent="-285750" algn="l" defTabSz="1289050">
+            <a:lnSpc>
+              <a:spcPct val="90000"/>
+            </a:lnSpc>
+            <a:spcBef>
+              <a:spcPct val="0"/>
+            </a:spcBef>
+            <a:spcAft>
+              <a:spcPct val="15000"/>
+            </a:spcAft>
+            <a:buChar char="••"/>
+          </a:pPr>
+          <a:r>
+            <a:rPr lang="de-DE" sz="2900" kern="1200" dirty="0" smtClean="0">
+              <a:latin typeface="Times New Roman" panose="02020603050405020304" pitchFamily="18" charset="0"/>
+              <a:cs typeface="Times New Roman" panose="02020603050405020304" pitchFamily="18" charset="0"/>
+            </a:rPr>
+            <a:t>Personal</a:t>
+          </a:r>
+          <a:endParaRPr lang="de-DE" sz="2900" kern="1200" dirty="0">
+            <a:latin typeface="Times New Roman" panose="02020603050405020304" pitchFamily="18" charset="0"/>
+            <a:cs typeface="Times New Roman" panose="02020603050405020304" pitchFamily="18" charset="0"/>
+          </a:endParaRPr>
+        </a:p>
+      </dsp:txBody>
+      <dsp:txXfrm rot="-5400000">
+        <a:off x="2520012" y="190371"/>
+        <a:ext cx="4427132" cy="977663"/>
+      </dsp:txXfrm>
+    </dsp:sp>
+    <dsp:sp modelId="{7731A3F6-937F-4F67-836B-10F307D1B55B}">
+      <dsp:nvSpPr>
+        <dsp:cNvPr id="0" name=""/>
+        <dsp:cNvSpPr/>
+      </dsp:nvSpPr>
+      <dsp:spPr>
+        <a:xfrm>
+          <a:off x="0" y="2051"/>
+          <a:ext cx="2520011" cy="1354302"/>
+        </a:xfrm>
+        <a:prstGeom prst="roundRect">
+          <a:avLst/>
+        </a:prstGeom>
+        <a:solidFill>
+          <a:schemeClr val="accent6">
+            <a:hueOff val="0"/>
+            <a:satOff val="0"/>
+            <a:lumOff val="0"/>
+            <a:alphaOff val="0"/>
+          </a:schemeClr>
+        </a:solidFill>
+        <a:ln w="12700" cap="flat" cmpd="sng" algn="ctr">
+          <a:solidFill>
+            <a:schemeClr val="lt1">
+              <a:hueOff val="0"/>
+              <a:satOff val="0"/>
+              <a:lumOff val="0"/>
+              <a:alphaOff val="0"/>
+            </a:schemeClr>
+          </a:solidFill>
+          <a:prstDash val="solid"/>
+          <a:miter lim="800000"/>
+        </a:ln>
+        <a:effectLst/>
+      </dsp:spPr>
+      <dsp:style>
+        <a:lnRef idx="2">
+          <a:scrgbClr r="0" g="0" b="0"/>
+        </a:lnRef>
+        <a:fillRef idx="1">
+          <a:scrgbClr r="0" g="0" b="0"/>
+        </a:fillRef>
+        <a:effectRef idx="0">
+          <a:scrgbClr r="0" g="0" b="0"/>
+        </a:effectRef>
+        <a:fontRef idx="minor">
+          <a:schemeClr val="lt1"/>
+        </a:fontRef>
+      </dsp:style>
+      <dsp:txBody>
+        <a:bodyPr spcFirstLastPara="0" vert="horz" wrap="square" lIns="118110" tIns="59055" rIns="118110" bIns="59055" numCol="1" spcCol="1270" anchor="ctr" anchorCtr="0">
+          <a:noAutofit/>
+        </a:bodyPr>
+        <a:lstStyle/>
+        <a:p>
+          <a:pPr lvl="0" algn="ctr" defTabSz="1377950">
+            <a:lnSpc>
+              <a:spcPct val="90000"/>
+            </a:lnSpc>
+            <a:spcBef>
+              <a:spcPct val="0"/>
+            </a:spcBef>
+            <a:spcAft>
+              <a:spcPct val="35000"/>
+            </a:spcAft>
+          </a:pPr>
+          <a:r>
+            <a:rPr lang="de-DE" sz="3100" kern="1200" dirty="0" smtClean="0">
+              <a:latin typeface="Times New Roman" panose="02020603050405020304" pitchFamily="18" charset="0"/>
+              <a:cs typeface="Times New Roman" panose="02020603050405020304" pitchFamily="18" charset="0"/>
+            </a:rPr>
+            <a:t>Anschaffung IT</a:t>
+          </a:r>
+          <a:endParaRPr lang="de-DE" sz="3100" kern="1200" dirty="0">
+            <a:latin typeface="Times New Roman" panose="02020603050405020304" pitchFamily="18" charset="0"/>
+            <a:cs typeface="Times New Roman" panose="02020603050405020304" pitchFamily="18" charset="0"/>
+          </a:endParaRPr>
+        </a:p>
+      </dsp:txBody>
+      <dsp:txXfrm>
+        <a:off x="66112" y="68163"/>
+        <a:ext cx="2387787" cy="1222078"/>
+      </dsp:txXfrm>
+    </dsp:sp>
+    <dsp:sp modelId="{557F6329-474D-4980-BEA1-9CF33C6D0B43}">
+      <dsp:nvSpPr>
+        <dsp:cNvPr id="0" name=""/>
+        <dsp:cNvSpPr/>
+      </dsp:nvSpPr>
+      <dsp:spPr>
+        <a:xfrm rot="5400000">
+          <a:off x="4218301" y="-138790"/>
+          <a:ext cx="1083441" cy="4480021"/>
+        </a:xfrm>
+        <a:prstGeom prst="round2SameRect">
+          <a:avLst/>
+        </a:prstGeom>
+        <a:solidFill>
+          <a:schemeClr val="accent6">
+            <a:alpha val="90000"/>
+            <a:tint val="40000"/>
+            <a:hueOff val="0"/>
+            <a:satOff val="0"/>
+            <a:lumOff val="0"/>
+            <a:alphaOff val="0"/>
+          </a:schemeClr>
+        </a:solidFill>
+        <a:ln w="12700" cap="flat" cmpd="sng" algn="ctr">
+          <a:solidFill>
+            <a:schemeClr val="accent6">
+              <a:alpha val="90000"/>
+              <a:tint val="40000"/>
+              <a:hueOff val="0"/>
+              <a:satOff val="0"/>
+              <a:lumOff val="0"/>
+              <a:alphaOff val="0"/>
+            </a:schemeClr>
+          </a:solidFill>
+          <a:prstDash val="solid"/>
+          <a:miter lim="800000"/>
+        </a:ln>
+        <a:effectLst/>
+      </dsp:spPr>
+      <dsp:style>
+        <a:lnRef idx="2">
+          <a:scrgbClr r="0" g="0" b="0"/>
+        </a:lnRef>
+        <a:fillRef idx="1">
+          <a:scrgbClr r="0" g="0" b="0"/>
+        </a:fillRef>
+        <a:effectRef idx="0">
+          <a:scrgbClr r="0" g="0" b="0"/>
+        </a:effectRef>
+        <a:fontRef idx="minor"/>
+      </dsp:style>
+      <dsp:txBody>
+        <a:bodyPr spcFirstLastPara="0" vert="horz" wrap="square" lIns="110490" tIns="55245" rIns="110490" bIns="55245" numCol="1" spcCol="1270" anchor="ctr" anchorCtr="0">
+          <a:noAutofit/>
+        </a:bodyPr>
+        <a:lstStyle/>
+        <a:p>
+          <a:pPr marL="285750" lvl="1" indent="-285750" algn="l" defTabSz="1289050">
+            <a:lnSpc>
+              <a:spcPct val="90000"/>
+            </a:lnSpc>
+            <a:spcBef>
+              <a:spcPct val="0"/>
+            </a:spcBef>
+            <a:spcAft>
+              <a:spcPct val="15000"/>
+            </a:spcAft>
+            <a:buChar char="••"/>
+          </a:pPr>
+          <a:r>
+            <a:rPr lang="de-DE" sz="2900" kern="1200" dirty="0" smtClean="0">
+              <a:latin typeface="Times New Roman" panose="02020603050405020304" pitchFamily="18" charset="0"/>
+              <a:cs typeface="Times New Roman" panose="02020603050405020304" pitchFamily="18" charset="0"/>
+            </a:rPr>
+            <a:t>System-Management</a:t>
+          </a:r>
+          <a:endParaRPr lang="de-DE" sz="2900" kern="1200" dirty="0">
+            <a:latin typeface="Times New Roman" panose="02020603050405020304" pitchFamily="18" charset="0"/>
+            <a:cs typeface="Times New Roman" panose="02020603050405020304" pitchFamily="18" charset="0"/>
+          </a:endParaRPr>
+        </a:p>
+        <a:p>
+          <a:pPr marL="285750" lvl="1" indent="-285750" algn="l" defTabSz="1289050">
+            <a:lnSpc>
+              <a:spcPct val="90000"/>
+            </a:lnSpc>
+            <a:spcBef>
+              <a:spcPct val="0"/>
+            </a:spcBef>
+            <a:spcAft>
+              <a:spcPct val="15000"/>
+            </a:spcAft>
+            <a:buChar char="••"/>
+          </a:pPr>
+          <a:r>
+            <a:rPr lang="de-DE" sz="2900" kern="1200" dirty="0" smtClean="0">
+              <a:latin typeface="Times New Roman" panose="02020603050405020304" pitchFamily="18" charset="0"/>
+              <a:cs typeface="Times New Roman" panose="02020603050405020304" pitchFamily="18" charset="0"/>
+            </a:rPr>
+            <a:t>Controlling im Wandel</a:t>
+          </a:r>
+          <a:endParaRPr lang="de-DE" sz="2900" kern="1200" dirty="0">
+            <a:latin typeface="Times New Roman" panose="02020603050405020304" pitchFamily="18" charset="0"/>
+            <a:cs typeface="Times New Roman" panose="02020603050405020304" pitchFamily="18" charset="0"/>
+          </a:endParaRPr>
+        </a:p>
+      </dsp:txBody>
+      <dsp:txXfrm rot="-5400000">
+        <a:off x="2520012" y="1612388"/>
+        <a:ext cx="4427132" cy="977663"/>
+      </dsp:txXfrm>
+    </dsp:sp>
+    <dsp:sp modelId="{9735387F-7065-4AC2-B071-96EB8B19975E}">
+      <dsp:nvSpPr>
+        <dsp:cNvPr id="0" name=""/>
+        <dsp:cNvSpPr/>
+      </dsp:nvSpPr>
+      <dsp:spPr>
+        <a:xfrm>
+          <a:off x="0" y="1424069"/>
+          <a:ext cx="2520011" cy="1354302"/>
+        </a:xfrm>
+        <a:prstGeom prst="roundRect">
+          <a:avLst/>
+        </a:prstGeom>
+        <a:solidFill>
+          <a:schemeClr val="accent6">
+            <a:hueOff val="0"/>
+            <a:satOff val="0"/>
+            <a:lumOff val="0"/>
+            <a:alphaOff val="0"/>
+          </a:schemeClr>
+        </a:solidFill>
+        <a:ln w="12700" cap="flat" cmpd="sng" algn="ctr">
+          <a:solidFill>
+            <a:schemeClr val="lt1">
+              <a:hueOff val="0"/>
+              <a:satOff val="0"/>
+              <a:lumOff val="0"/>
+              <a:alphaOff val="0"/>
+            </a:schemeClr>
+          </a:solidFill>
+          <a:prstDash val="solid"/>
+          <a:miter lim="800000"/>
+        </a:ln>
+        <a:effectLst/>
+      </dsp:spPr>
+      <dsp:style>
+        <a:lnRef idx="2">
+          <a:scrgbClr r="0" g="0" b="0"/>
+        </a:lnRef>
+        <a:fillRef idx="1">
+          <a:scrgbClr r="0" g="0" b="0"/>
+        </a:fillRef>
+        <a:effectRef idx="0">
+          <a:scrgbClr r="0" g="0" b="0"/>
+        </a:effectRef>
+        <a:fontRef idx="minor">
+          <a:schemeClr val="lt1"/>
+        </a:fontRef>
+      </dsp:style>
+      <dsp:txBody>
+        <a:bodyPr spcFirstLastPara="0" vert="horz" wrap="square" lIns="118110" tIns="59055" rIns="118110" bIns="59055" numCol="1" spcCol="1270" anchor="ctr" anchorCtr="0">
+          <a:noAutofit/>
+        </a:bodyPr>
+        <a:lstStyle/>
+        <a:p>
+          <a:pPr lvl="0" algn="ctr" defTabSz="1377950">
+            <a:lnSpc>
+              <a:spcPct val="90000"/>
+            </a:lnSpc>
+            <a:spcBef>
+              <a:spcPct val="0"/>
+            </a:spcBef>
+            <a:spcAft>
+              <a:spcPct val="35000"/>
+            </a:spcAft>
+          </a:pPr>
+          <a:r>
+            <a:rPr lang="de-DE" sz="3100" kern="1200" dirty="0" smtClean="0">
+              <a:latin typeface="Times New Roman" panose="02020603050405020304" pitchFamily="18" charset="0"/>
+              <a:cs typeface="Times New Roman" panose="02020603050405020304" pitchFamily="18" charset="0"/>
+            </a:rPr>
+            <a:t>Bestehende IT</a:t>
+          </a:r>
+          <a:endParaRPr lang="de-DE" sz="3100" kern="1200" dirty="0">
+            <a:latin typeface="Times New Roman" panose="02020603050405020304" pitchFamily="18" charset="0"/>
+            <a:cs typeface="Times New Roman" panose="02020603050405020304" pitchFamily="18" charset="0"/>
+          </a:endParaRPr>
+        </a:p>
+      </dsp:txBody>
+      <dsp:txXfrm>
+        <a:off x="66112" y="1490181"/>
+        <a:ext cx="2387787" cy="1222078"/>
+      </dsp:txXfrm>
+    </dsp:sp>
+    <dsp:sp modelId="{36586BA3-713E-40FA-B8B9-26B58553979B}">
+      <dsp:nvSpPr>
+        <dsp:cNvPr id="0" name=""/>
+        <dsp:cNvSpPr/>
+      </dsp:nvSpPr>
+      <dsp:spPr>
+        <a:xfrm rot="5400000">
+          <a:off x="4218301" y="1283227"/>
+          <a:ext cx="1083441" cy="4480021"/>
+        </a:xfrm>
+        <a:prstGeom prst="round2SameRect">
+          <a:avLst/>
+        </a:prstGeom>
+        <a:solidFill>
+          <a:schemeClr val="accent6">
+            <a:alpha val="90000"/>
+            <a:tint val="40000"/>
+            <a:hueOff val="0"/>
+            <a:satOff val="0"/>
+            <a:lumOff val="0"/>
+            <a:alphaOff val="0"/>
+          </a:schemeClr>
+        </a:solidFill>
+        <a:ln w="12700" cap="flat" cmpd="sng" algn="ctr">
+          <a:solidFill>
+            <a:schemeClr val="accent6">
+              <a:alpha val="90000"/>
+              <a:tint val="40000"/>
+              <a:hueOff val="0"/>
+              <a:satOff val="0"/>
+              <a:lumOff val="0"/>
+              <a:alphaOff val="0"/>
+            </a:schemeClr>
+          </a:solidFill>
+          <a:prstDash val="solid"/>
+          <a:miter lim="800000"/>
+        </a:ln>
+        <a:effectLst/>
+      </dsp:spPr>
+      <dsp:style>
+        <a:lnRef idx="2">
+          <a:scrgbClr r="0" g="0" b="0"/>
+        </a:lnRef>
+        <a:fillRef idx="1">
+          <a:scrgbClr r="0" g="0" b="0"/>
+        </a:fillRef>
+        <a:effectRef idx="0">
+          <a:scrgbClr r="0" g="0" b="0"/>
+        </a:effectRef>
+        <a:fontRef idx="minor"/>
+      </dsp:style>
+      <dsp:txBody>
+        <a:bodyPr spcFirstLastPara="0" vert="horz" wrap="square" lIns="110490" tIns="55245" rIns="110490" bIns="55245" numCol="1" spcCol="1270" anchor="ctr" anchorCtr="0">
+          <a:noAutofit/>
+        </a:bodyPr>
+        <a:lstStyle/>
+        <a:p>
+          <a:pPr marL="285750" lvl="1" indent="-285750" algn="l" defTabSz="1289050">
+            <a:lnSpc>
+              <a:spcPct val="90000"/>
+            </a:lnSpc>
+            <a:spcBef>
+              <a:spcPct val="0"/>
+            </a:spcBef>
+            <a:spcAft>
+              <a:spcPct val="15000"/>
+            </a:spcAft>
+            <a:buChar char="••"/>
+          </a:pPr>
+          <a:r>
+            <a:rPr lang="de-DE" sz="2900" kern="1200" dirty="0" smtClean="0">
+              <a:latin typeface="Times New Roman" panose="02020603050405020304" pitchFamily="18" charset="0"/>
+              <a:cs typeface="Times New Roman" panose="02020603050405020304" pitchFamily="18" charset="0"/>
+            </a:rPr>
+            <a:t>Erhöhung </a:t>
+          </a:r>
+          <a:r>
+            <a:rPr lang="de-DE" sz="2900" kern="1200" dirty="0" err="1" smtClean="0">
+              <a:latin typeface="Times New Roman" panose="02020603050405020304" pitchFamily="18" charset="0"/>
+              <a:cs typeface="Times New Roman" panose="02020603050405020304" pitchFamily="18" charset="0"/>
+            </a:rPr>
+            <a:t>Slack</a:t>
+          </a:r>
+          <a:endParaRPr lang="de-DE" sz="2900" kern="1200" dirty="0">
+            <a:latin typeface="Times New Roman" panose="02020603050405020304" pitchFamily="18" charset="0"/>
+            <a:cs typeface="Times New Roman" panose="02020603050405020304" pitchFamily="18" charset="0"/>
+          </a:endParaRPr>
+        </a:p>
+        <a:p>
+          <a:pPr marL="285750" lvl="1" indent="-285750" algn="l" defTabSz="1289050">
+            <a:lnSpc>
+              <a:spcPct val="90000"/>
+            </a:lnSpc>
+            <a:spcBef>
+              <a:spcPct val="0"/>
+            </a:spcBef>
+            <a:spcAft>
+              <a:spcPct val="15000"/>
+            </a:spcAft>
+            <a:buChar char="••"/>
+          </a:pPr>
+          <a:r>
+            <a:rPr lang="de-DE" sz="2900" kern="1200" dirty="0" smtClean="0">
+              <a:latin typeface="Times New Roman" panose="02020603050405020304" pitchFamily="18" charset="0"/>
+              <a:cs typeface="Times New Roman" panose="02020603050405020304" pitchFamily="18" charset="0"/>
+            </a:rPr>
+            <a:t>Meinungsverschiedenheit</a:t>
+          </a:r>
+          <a:endParaRPr lang="de-DE" sz="2900" kern="1200" dirty="0">
+            <a:latin typeface="Times New Roman" panose="02020603050405020304" pitchFamily="18" charset="0"/>
+            <a:cs typeface="Times New Roman" panose="02020603050405020304" pitchFamily="18" charset="0"/>
+          </a:endParaRPr>
+        </a:p>
+      </dsp:txBody>
+      <dsp:txXfrm rot="-5400000">
+        <a:off x="2520012" y="3034406"/>
+        <a:ext cx="4427132" cy="977663"/>
+      </dsp:txXfrm>
+    </dsp:sp>
+    <dsp:sp modelId="{2DC17863-C582-4841-A378-60694BACF914}">
+      <dsp:nvSpPr>
+        <dsp:cNvPr id="0" name=""/>
+        <dsp:cNvSpPr/>
+      </dsp:nvSpPr>
+      <dsp:spPr>
+        <a:xfrm>
+          <a:off x="0" y="2846086"/>
+          <a:ext cx="2520011" cy="1354302"/>
+        </a:xfrm>
+        <a:prstGeom prst="roundRect">
+          <a:avLst/>
+        </a:prstGeom>
+        <a:solidFill>
+          <a:schemeClr val="accent6">
+            <a:hueOff val="0"/>
+            <a:satOff val="0"/>
+            <a:lumOff val="0"/>
+            <a:alphaOff val="0"/>
+          </a:schemeClr>
+        </a:solidFill>
+        <a:ln w="12700" cap="flat" cmpd="sng" algn="ctr">
+          <a:solidFill>
+            <a:schemeClr val="lt1">
+              <a:hueOff val="0"/>
+              <a:satOff val="0"/>
+              <a:lumOff val="0"/>
+              <a:alphaOff val="0"/>
+            </a:schemeClr>
+          </a:solidFill>
+          <a:prstDash val="solid"/>
+          <a:miter lim="800000"/>
+        </a:ln>
+        <a:effectLst/>
+      </dsp:spPr>
+      <dsp:style>
+        <a:lnRef idx="2">
+          <a:scrgbClr r="0" g="0" b="0"/>
+        </a:lnRef>
+        <a:fillRef idx="1">
+          <a:scrgbClr r="0" g="0" b="0"/>
+        </a:fillRef>
+        <a:effectRef idx="0">
+          <a:scrgbClr r="0" g="0" b="0"/>
+        </a:effectRef>
+        <a:fontRef idx="minor">
+          <a:schemeClr val="lt1"/>
+        </a:fontRef>
+      </dsp:style>
+      <dsp:txBody>
+        <a:bodyPr spcFirstLastPara="0" vert="horz" wrap="square" lIns="118110" tIns="59055" rIns="118110" bIns="59055" numCol="1" spcCol="1270" anchor="ctr" anchorCtr="0">
+          <a:noAutofit/>
+        </a:bodyPr>
+        <a:lstStyle/>
+        <a:p>
+          <a:pPr marL="0" marR="0" lvl="0" indent="0" algn="ctr" defTabSz="914400" eaLnBrk="1" fontAlgn="auto" latinLnBrk="0" hangingPunct="1">
+            <a:lnSpc>
+              <a:spcPct val="100000"/>
+            </a:lnSpc>
+            <a:spcBef>
+              <a:spcPct val="0"/>
+            </a:spcBef>
+            <a:spcAft>
+              <a:spcPts val="0"/>
+            </a:spcAft>
+            <a:buClrTx/>
+            <a:buSzTx/>
+            <a:buFontTx/>
+            <a:buNone/>
+            <a:tabLst/>
+            <a:defRPr/>
+          </a:pPr>
+          <a:r>
+            <a:rPr lang="de-DE" sz="3100" kern="1200" dirty="0" smtClean="0">
+              <a:latin typeface="Times New Roman" panose="02020603050405020304" pitchFamily="18" charset="0"/>
+              <a:cs typeface="Times New Roman" panose="02020603050405020304" pitchFamily="18" charset="0"/>
+            </a:rPr>
+            <a:t>Business Partner</a:t>
+          </a:r>
+        </a:p>
+      </dsp:txBody>
+      <dsp:txXfrm>
+        <a:off x="66112" y="2912198"/>
+        <a:ext cx="2387787" cy="1222078"/>
+      </dsp:txXfrm>
+    </dsp:sp>
+  </dsp:spTree>
+</dsp:drawing>
+</file>
+
+<file path=ppt/diagrams/drawing6.xml><?xml version="1.0" encoding="utf-8"?>
+<dsp:drawing xmlns:dgm="http://schemas.openxmlformats.org/drawingml/2006/diagram" xmlns:dsp="http://schemas.microsoft.com/office/drawing/2008/diagram" xmlns:a="http://schemas.openxmlformats.org/drawingml/2006/main">
+  <dsp:spTree>
+    <dsp:nvGrpSpPr>
+      <dsp:cNvPr id="0" name=""/>
+      <dsp:cNvGrpSpPr/>
+    </dsp:nvGrpSpPr>
+    <dsp:grpSpPr/>
+    <dsp:sp modelId="{49918C28-610D-43BD-9D29-6888378FC26D}">
+      <dsp:nvSpPr>
+        <dsp:cNvPr id="0" name=""/>
+        <dsp:cNvSpPr/>
+      </dsp:nvSpPr>
+      <dsp:spPr>
+        <a:xfrm>
+          <a:off x="731520" y="1247782"/>
+          <a:ext cx="7071360" cy="3654435"/>
+        </a:xfrm>
+        <a:prstGeom prst="rect">
+          <a:avLst/>
+        </a:prstGeom>
+        <a:solidFill>
+          <a:schemeClr val="accent6">
+            <a:tint val="50000"/>
+            <a:hueOff val="0"/>
+            <a:satOff val="0"/>
+            <a:lumOff val="0"/>
+            <a:alphaOff val="0"/>
+          </a:schemeClr>
+        </a:solidFill>
+        <a:ln w="12700" cap="flat" cmpd="sng" algn="ctr">
+          <a:solidFill>
+            <a:schemeClr val="lt1">
+              <a:hueOff val="0"/>
+              <a:satOff val="0"/>
+              <a:lumOff val="0"/>
+              <a:alphaOff val="0"/>
+            </a:schemeClr>
+          </a:solidFill>
+          <a:prstDash val="solid"/>
+          <a:miter lim="800000"/>
+        </a:ln>
+        <a:effectLst/>
+      </dsp:spPr>
+      <dsp:style>
+        <a:lnRef idx="2">
+          <a:scrgbClr r="0" g="0" b="0"/>
+        </a:lnRef>
+        <a:fillRef idx="1">
+          <a:scrgbClr r="0" g="0" b="0"/>
+        </a:fillRef>
+        <a:effectRef idx="0">
+          <a:scrgbClr r="0" g="0" b="0"/>
+        </a:effectRef>
+        <a:fontRef idx="minor"/>
+      </dsp:style>
+    </dsp:sp>
+    <dsp:sp modelId="{1E46CB25-2C22-4339-A048-601D5575F715}">
+      <dsp:nvSpPr>
+        <dsp:cNvPr id="0" name=""/>
+        <dsp:cNvSpPr/>
+      </dsp:nvSpPr>
+      <dsp:spPr>
+        <a:xfrm>
+          <a:off x="942848" y="1675172"/>
+          <a:ext cx="3283712" cy="3126325"/>
+        </a:xfrm>
+        <a:prstGeom prst="rect">
+          <a:avLst/>
+        </a:prstGeom>
+        <a:noFill/>
+        <a:ln>
+          <a:noFill/>
+        </a:ln>
+        <a:effectLst/>
+      </dsp:spPr>
+      <dsp:style>
+        <a:lnRef idx="0">
+          <a:scrgbClr r="0" g="0" b="0"/>
+        </a:lnRef>
+        <a:fillRef idx="0">
+          <a:scrgbClr r="0" g="0" b="0"/>
+        </a:fillRef>
+        <a:effectRef idx="0">
+          <a:scrgbClr r="0" g="0" b="0"/>
+        </a:effectRef>
+        <a:fontRef idx="minor"/>
+      </dsp:style>
+      <dsp:txBody>
+        <a:bodyPr spcFirstLastPara="0" vert="horz" wrap="square" lIns="45720" tIns="45720" rIns="45720" bIns="45720" numCol="1" spcCol="1270" anchor="t" anchorCtr="0">
+          <a:noAutofit/>
+        </a:bodyPr>
+        <a:lstStyle/>
+        <a:p>
+          <a:pPr lvl="0" algn="l" defTabSz="1066800">
+            <a:lnSpc>
+              <a:spcPct val="90000"/>
+            </a:lnSpc>
+            <a:spcBef>
+              <a:spcPct val="0"/>
+            </a:spcBef>
+            <a:spcAft>
+              <a:spcPct val="35000"/>
+            </a:spcAft>
+          </a:pPr>
+          <a:r>
+            <a:rPr lang="de-DE" sz="2400" kern="1200" dirty="0" smtClean="0">
+              <a:latin typeface="Times New Roman" panose="02020603050405020304" pitchFamily="18" charset="0"/>
+              <a:cs typeface="Times New Roman" panose="02020603050405020304" pitchFamily="18" charset="0"/>
+              <a:sym typeface="Wingdings" panose="05000000000000000000" pitchFamily="2" charset="2"/>
+            </a:rPr>
+            <a:t>- Erschwingliche Systeme </a:t>
+          </a:r>
+        </a:p>
+        <a:p>
+          <a:pPr lvl="0" algn="l" defTabSz="1066800">
+            <a:lnSpc>
+              <a:spcPct val="90000"/>
+            </a:lnSpc>
+            <a:spcBef>
+              <a:spcPct val="0"/>
+            </a:spcBef>
+            <a:spcAft>
+              <a:spcPct val="35000"/>
+            </a:spcAft>
+          </a:pPr>
+          <a:r>
+            <a:rPr lang="de-DE" sz="2400" kern="1200" dirty="0" smtClean="0">
+              <a:latin typeface="Times New Roman" panose="02020603050405020304" pitchFamily="18" charset="0"/>
+              <a:cs typeface="Times New Roman" panose="02020603050405020304" pitchFamily="18" charset="0"/>
+              <a:sym typeface="Wingdings" panose="05000000000000000000" pitchFamily="2" charset="2"/>
+            </a:rPr>
+            <a:t>- Bessere Möglichkeiten zur Kapitalbeschaffung</a:t>
+          </a:r>
+        </a:p>
+        <a:p>
+          <a:pPr lvl="0" algn="l" defTabSz="1066800">
+            <a:lnSpc>
+              <a:spcPct val="90000"/>
+            </a:lnSpc>
+            <a:spcBef>
+              <a:spcPct val="0"/>
+            </a:spcBef>
+            <a:spcAft>
+              <a:spcPct val="35000"/>
+            </a:spcAft>
+          </a:pPr>
+          <a:r>
+            <a:rPr lang="de-DE" sz="2400" kern="1200" dirty="0" smtClean="0">
+              <a:latin typeface="Times New Roman" panose="02020603050405020304" pitchFamily="18" charset="0"/>
+              <a:cs typeface="Times New Roman" panose="02020603050405020304" pitchFamily="18" charset="0"/>
+              <a:sym typeface="Wingdings" panose="05000000000000000000" pitchFamily="2" charset="2"/>
+            </a:rPr>
+            <a:t>-Steigende/r Effizienz, Erfolg, Wettbewerbsfähigkeit</a:t>
+          </a:r>
+          <a:endParaRPr lang="de-DE" sz="2400" kern="1200" dirty="0">
+            <a:latin typeface="Times New Roman" panose="02020603050405020304" pitchFamily="18" charset="0"/>
+            <a:cs typeface="Times New Roman" panose="02020603050405020304" pitchFamily="18" charset="0"/>
+          </a:endParaRPr>
+        </a:p>
+      </dsp:txBody>
+      <dsp:txXfrm>
+        <a:off x="942848" y="1675172"/>
+        <a:ext cx="3283712" cy="3126325"/>
+      </dsp:txXfrm>
+    </dsp:sp>
+    <dsp:sp modelId="{82257992-9A33-4AD3-A369-97D7AAAEF3FC}">
+      <dsp:nvSpPr>
+        <dsp:cNvPr id="0" name=""/>
+        <dsp:cNvSpPr/>
+      </dsp:nvSpPr>
+      <dsp:spPr>
+        <a:xfrm>
+          <a:off x="4299712" y="1675172"/>
+          <a:ext cx="3283712" cy="3126325"/>
+        </a:xfrm>
+        <a:prstGeom prst="rect">
+          <a:avLst/>
+        </a:prstGeom>
+        <a:noFill/>
+        <a:ln>
+          <a:noFill/>
+        </a:ln>
+        <a:effectLst/>
+      </dsp:spPr>
+      <dsp:style>
+        <a:lnRef idx="0">
+          <a:scrgbClr r="0" g="0" b="0"/>
+        </a:lnRef>
+        <a:fillRef idx="0">
+          <a:scrgbClr r="0" g="0" b="0"/>
+        </a:fillRef>
+        <a:effectRef idx="0">
+          <a:scrgbClr r="0" g="0" b="0"/>
+        </a:effectRef>
+        <a:fontRef idx="minor"/>
+      </dsp:style>
+      <dsp:txBody>
+        <a:bodyPr spcFirstLastPara="0" vert="horz" wrap="square" lIns="45720" tIns="45720" rIns="45720" bIns="45720" numCol="1" spcCol="1270" anchor="t" anchorCtr="0">
+          <a:noAutofit/>
+        </a:bodyPr>
+        <a:lstStyle/>
+        <a:p>
+          <a:pPr lvl="0" algn="l" defTabSz="1066800">
+            <a:lnSpc>
+              <a:spcPct val="90000"/>
+            </a:lnSpc>
+            <a:spcBef>
+              <a:spcPct val="0"/>
+            </a:spcBef>
+            <a:spcAft>
+              <a:spcPct val="35000"/>
+            </a:spcAft>
+          </a:pPr>
+          <a:r>
+            <a:rPr lang="de-DE" sz="2400" kern="1200" dirty="0" smtClean="0">
+              <a:latin typeface="Times New Roman" panose="02020603050405020304" pitchFamily="18" charset="0"/>
+              <a:cs typeface="Times New Roman" panose="02020603050405020304" pitchFamily="18" charset="0"/>
+            </a:rPr>
+            <a:t>- Keine allgemeingültige Antwort</a:t>
+          </a:r>
+        </a:p>
+        <a:p>
+          <a:pPr lvl="0" algn="l" defTabSz="1066800">
+            <a:lnSpc>
+              <a:spcPct val="90000"/>
+            </a:lnSpc>
+            <a:spcBef>
+              <a:spcPct val="0"/>
+            </a:spcBef>
+            <a:spcAft>
+              <a:spcPct val="35000"/>
+            </a:spcAft>
+          </a:pPr>
+          <a:r>
+            <a:rPr lang="de-DE" sz="2400" kern="1200" dirty="0" smtClean="0">
+              <a:latin typeface="Times New Roman" panose="02020603050405020304" pitchFamily="18" charset="0"/>
+              <a:cs typeface="Times New Roman" panose="02020603050405020304" pitchFamily="18" charset="0"/>
+            </a:rPr>
+            <a:t>- Herausforderungen</a:t>
+          </a:r>
+        </a:p>
+        <a:p>
+          <a:pPr lvl="0" algn="l" defTabSz="1066800">
+            <a:lnSpc>
+              <a:spcPct val="90000"/>
+            </a:lnSpc>
+            <a:spcBef>
+              <a:spcPct val="0"/>
+            </a:spcBef>
+            <a:spcAft>
+              <a:spcPct val="35000"/>
+            </a:spcAft>
+          </a:pPr>
+          <a:endParaRPr lang="de-DE" sz="2400" kern="1200" dirty="0">
+            <a:latin typeface="Times New Roman" panose="02020603050405020304" pitchFamily="18" charset="0"/>
+            <a:cs typeface="Times New Roman" panose="02020603050405020304" pitchFamily="18" charset="0"/>
+          </a:endParaRPr>
+        </a:p>
+      </dsp:txBody>
+      <dsp:txXfrm>
+        <a:off x="4299712" y="1675172"/>
+        <a:ext cx="3283712" cy="3126325"/>
+      </dsp:txXfrm>
+    </dsp:sp>
+    <dsp:sp modelId="{F191B136-7792-4F00-B357-D76AB21D073D}">
+      <dsp:nvSpPr>
+        <dsp:cNvPr id="0" name=""/>
+        <dsp:cNvSpPr/>
+      </dsp:nvSpPr>
+      <dsp:spPr>
+        <a:xfrm>
+          <a:off x="0" y="516449"/>
+          <a:ext cx="1381760" cy="1381760"/>
+        </a:xfrm>
+        <a:prstGeom prst="plus">
+          <a:avLst>
+            <a:gd name="adj" fmla="val 32810"/>
+          </a:avLst>
+        </a:prstGeom>
+        <a:solidFill>
+          <a:schemeClr val="accent6">
+            <a:hueOff val="0"/>
+            <a:satOff val="0"/>
+            <a:lumOff val="0"/>
+            <a:alphaOff val="0"/>
+          </a:schemeClr>
+        </a:solidFill>
+        <a:ln w="12700" cap="flat" cmpd="sng" algn="ctr">
+          <a:solidFill>
+            <a:schemeClr val="accent6">
+              <a:hueOff val="0"/>
+              <a:satOff val="0"/>
+              <a:lumOff val="0"/>
+              <a:alphaOff val="0"/>
+            </a:schemeClr>
+          </a:solidFill>
+          <a:prstDash val="solid"/>
+          <a:miter lim="800000"/>
+        </a:ln>
+        <a:effectLst/>
+      </dsp:spPr>
+      <dsp:style>
+        <a:lnRef idx="2">
+          <a:scrgbClr r="0" g="0" b="0"/>
+        </a:lnRef>
+        <a:fillRef idx="1">
+          <a:scrgbClr r="0" g="0" b="0"/>
+        </a:fillRef>
+        <a:effectRef idx="0">
+          <a:scrgbClr r="0" g="0" b="0"/>
+        </a:effectRef>
+        <a:fontRef idx="minor">
+          <a:schemeClr val="lt1"/>
+        </a:fontRef>
+      </dsp:style>
+    </dsp:sp>
+    <dsp:sp modelId="{3B2F775B-5836-4DDF-89B9-3F07925D2C41}">
+      <dsp:nvSpPr>
+        <dsp:cNvPr id="0" name=""/>
+        <dsp:cNvSpPr/>
+      </dsp:nvSpPr>
+      <dsp:spPr>
+        <a:xfrm>
+          <a:off x="6827520" y="1013363"/>
+          <a:ext cx="1300480" cy="445662"/>
+        </a:xfrm>
+        <a:prstGeom prst="rect">
+          <a:avLst/>
+        </a:prstGeom>
+        <a:solidFill>
+          <a:schemeClr val="accent6">
+            <a:hueOff val="0"/>
+            <a:satOff val="0"/>
+            <a:lumOff val="0"/>
+            <a:alphaOff val="0"/>
+          </a:schemeClr>
+        </a:solidFill>
+        <a:ln w="12700" cap="flat" cmpd="sng" algn="ctr">
+          <a:solidFill>
+            <a:schemeClr val="accent6">
+              <a:hueOff val="0"/>
+              <a:satOff val="0"/>
+              <a:lumOff val="0"/>
+              <a:alphaOff val="0"/>
+            </a:schemeClr>
+          </a:solidFill>
+          <a:prstDash val="solid"/>
+          <a:miter lim="800000"/>
+        </a:ln>
+        <a:effectLst/>
+      </dsp:spPr>
+      <dsp:style>
+        <a:lnRef idx="2">
+          <a:scrgbClr r="0" g="0" b="0"/>
+        </a:lnRef>
+        <a:fillRef idx="1">
+          <a:scrgbClr r="0" g="0" b="0"/>
+        </a:fillRef>
+        <a:effectRef idx="0">
+          <a:scrgbClr r="0" g="0" b="0"/>
+        </a:effectRef>
+        <a:fontRef idx="minor">
+          <a:schemeClr val="lt1"/>
+        </a:fontRef>
+      </dsp:style>
+    </dsp:sp>
+    <dsp:sp modelId="{C5EBF0DA-2489-4A72-B0C3-AAF96A9738B7}">
+      <dsp:nvSpPr>
+        <dsp:cNvPr id="0" name=""/>
+        <dsp:cNvSpPr/>
+      </dsp:nvSpPr>
+      <dsp:spPr>
+        <a:xfrm>
+          <a:off x="4267200" y="1681857"/>
+          <a:ext cx="812" cy="2985941"/>
+        </a:xfrm>
+        <a:prstGeom prst="line">
+          <a:avLst/>
+        </a:prstGeom>
+        <a:noFill/>
+        <a:ln w="12700" cap="flat" cmpd="sng" algn="ctr">
+          <a:solidFill>
+            <a:schemeClr val="accent6">
+              <a:shade val="60000"/>
+              <a:hueOff val="0"/>
+              <a:satOff val="0"/>
+              <a:lumOff val="0"/>
+              <a:alphaOff val="0"/>
+            </a:schemeClr>
+          </a:solidFill>
+          <a:prstDash val="solid"/>
+          <a:miter lim="800000"/>
+        </a:ln>
+        <a:effectLst/>
+      </dsp:spPr>
+      <dsp:style>
+        <a:lnRef idx="2">
+          <a:scrgbClr r="0" g="0" b="0"/>
+        </a:lnRef>
+        <a:fillRef idx="0">
+          <a:scrgbClr r="0" g="0" b="0"/>
+        </a:fillRef>
+        <a:effectRef idx="0">
+          <a:scrgbClr r="0" g="0" b="0"/>
+        </a:effectRef>
+        <a:fontRef idx="minor"/>
+      </dsp:style>
     </dsp:sp>
   </dsp:spTree>
 </dsp:drawing>
@@ -13083,6 +16560,459 @@
 </dgm:layoutDef>
 </file>
 
+<file path=ppt/diagrams/layout5.xml><?xml version="1.0" encoding="utf-8"?>
+<dgm:layoutDef xmlns:dgm="http://schemas.openxmlformats.org/drawingml/2006/diagram" xmlns:a="http://schemas.openxmlformats.org/drawingml/2006/main" uniqueId="urn:microsoft.com/office/officeart/2005/8/layout/vList5">
+  <dgm:title val=""/>
+  <dgm:desc val=""/>
+  <dgm:catLst>
+    <dgm:cat type="list" pri="15000"/>
+    <dgm:cat type="convert" pri="2000"/>
+  </dgm:catLst>
+  <dgm:sampData>
+    <dgm:dataModel>
+      <dgm:ptLst>
+        <dgm:pt modelId="0" type="doc"/>
+        <dgm:pt modelId="1">
+          <dgm:prSet phldr="1"/>
+        </dgm:pt>
+        <dgm:pt modelId="11">
+          <dgm:prSet phldr="1"/>
+        </dgm:pt>
+        <dgm:pt modelId="12">
+          <dgm:prSet phldr="1"/>
+        </dgm:pt>
+        <dgm:pt modelId="2">
+          <dgm:prSet phldr="1"/>
+        </dgm:pt>
+        <dgm:pt modelId="21">
+          <dgm:prSet phldr="1"/>
+        </dgm:pt>
+        <dgm:pt modelId="22">
+          <dgm:prSet phldr="1"/>
+        </dgm:pt>
+        <dgm:pt modelId="3">
+          <dgm:prSet phldr="1"/>
+        </dgm:pt>
+        <dgm:pt modelId="31">
+          <dgm:prSet phldr="1"/>
+        </dgm:pt>
+        <dgm:pt modelId="32">
+          <dgm:prSet phldr="1"/>
+        </dgm:pt>
+      </dgm:ptLst>
+      <dgm:cxnLst>
+        <dgm:cxn modelId="4" srcId="0" destId="1" srcOrd="0" destOrd="0"/>
+        <dgm:cxn modelId="5" srcId="0" destId="2" srcOrd="1" destOrd="0"/>
+        <dgm:cxn modelId="6" srcId="0" destId="3" srcOrd="2" destOrd="0"/>
+        <dgm:cxn modelId="13" srcId="1" destId="11" srcOrd="0" destOrd="0"/>
+        <dgm:cxn modelId="14" srcId="1" destId="12" srcOrd="1" destOrd="0"/>
+        <dgm:cxn modelId="23" srcId="2" destId="21" srcOrd="0" destOrd="0"/>
+        <dgm:cxn modelId="24" srcId="2" destId="22" srcOrd="1" destOrd="0"/>
+        <dgm:cxn modelId="33" srcId="3" destId="31" srcOrd="0" destOrd="0"/>
+        <dgm:cxn modelId="34" srcId="3" destId="32" srcOrd="1" destOrd="0"/>
+      </dgm:cxnLst>
+      <dgm:bg/>
+      <dgm:whole/>
+    </dgm:dataModel>
+  </dgm:sampData>
+  <dgm:styleData>
+    <dgm:dataModel>
+      <dgm:ptLst>
+        <dgm:pt modelId="0" type="doc"/>
+        <dgm:pt modelId="1"/>
+        <dgm:pt modelId="11"/>
+        <dgm:pt modelId="2"/>
+        <dgm:pt modelId="21"/>
+      </dgm:ptLst>
+      <dgm:cxnLst>
+        <dgm:cxn modelId="4" srcId="0" destId="1" srcOrd="0" destOrd="0"/>
+        <dgm:cxn modelId="5" srcId="0" destId="2" srcOrd="1" destOrd="0"/>
+        <dgm:cxn modelId="13" srcId="1" destId="11" srcOrd="0" destOrd="0"/>
+        <dgm:cxn modelId="23" srcId="2" destId="21" srcOrd="0" destOrd="0"/>
+      </dgm:cxnLst>
+      <dgm:bg/>
+      <dgm:whole/>
+    </dgm:dataModel>
+  </dgm:styleData>
+  <dgm:clrData>
+    <dgm:dataModel>
+      <dgm:ptLst>
+        <dgm:pt modelId="0" type="doc"/>
+        <dgm:pt modelId="1"/>
+        <dgm:pt modelId="11"/>
+        <dgm:pt modelId="2"/>
+        <dgm:pt modelId="21"/>
+        <dgm:pt modelId="3"/>
+        <dgm:pt modelId="31"/>
+        <dgm:pt modelId="4"/>
+        <dgm:pt modelId="41"/>
+      </dgm:ptLst>
+      <dgm:cxnLst>
+        <dgm:cxn modelId="5" srcId="0" destId="1" srcOrd="0" destOrd="0"/>
+        <dgm:cxn modelId="6" srcId="0" destId="2" srcOrd="1" destOrd="0"/>
+        <dgm:cxn modelId="7" srcId="0" destId="3" srcOrd="2" destOrd="0"/>
+        <dgm:cxn modelId="8" srcId="0" destId="4" srcOrd="3" destOrd="0"/>
+        <dgm:cxn modelId="13" srcId="1" destId="11" srcOrd="0" destOrd="0"/>
+        <dgm:cxn modelId="23" srcId="2" destId="21" srcOrd="0" destOrd="0"/>
+        <dgm:cxn modelId="33" srcId="3" destId="31" srcOrd="0" destOrd="0"/>
+        <dgm:cxn modelId="43" srcId="4" destId="41" srcOrd="0" destOrd="0"/>
+      </dgm:cxnLst>
+      <dgm:bg/>
+      <dgm:whole/>
+    </dgm:dataModel>
+  </dgm:clrData>
+  <dgm:layoutNode name="Name0">
+    <dgm:varLst>
+      <dgm:dir/>
+      <dgm:animLvl val="lvl"/>
+      <dgm:resizeHandles val="exact"/>
+    </dgm:varLst>
+    <dgm:choose name="Name1">
+      <dgm:if name="Name2" func="var" arg="dir" op="equ" val="norm">
+        <dgm:alg type="lin">
+          <dgm:param type="linDir" val="fromT"/>
+          <dgm:param type="nodeHorzAlign" val="l"/>
+        </dgm:alg>
+      </dgm:if>
+      <dgm:else name="Name3">
+        <dgm:alg type="lin">
+          <dgm:param type="linDir" val="fromT"/>
+          <dgm:param type="nodeHorzAlign" val="r"/>
+        </dgm:alg>
+      </dgm:else>
+    </dgm:choose>
+    <dgm:shape xmlns:r="http://schemas.openxmlformats.org/officeDocument/2006/relationships" r:blip="">
+      <dgm:adjLst/>
+    </dgm:shape>
+    <dgm:presOf/>
+    <dgm:constrLst>
+      <dgm:constr type="h" for="ch" forName="linNode" refType="h"/>
+      <dgm:constr type="w" for="ch" forName="linNode" refType="w"/>
+      <dgm:constr type="h" for="ch" forName="sp" refType="h" fact="0.05"/>
+      <dgm:constr type="primFontSz" for="des" forName="parentText" op="equ" val="65"/>
+      <dgm:constr type="secFontSz" for="des" forName="descendantText" op="equ"/>
+    </dgm:constrLst>
+    <dgm:ruleLst/>
+    <dgm:forEach name="Name4" axis="ch" ptType="node">
+      <dgm:layoutNode name="linNode">
+        <dgm:choose name="Name5">
+          <dgm:if name="Name6" func="var" arg="dir" op="equ" val="norm">
+            <dgm:alg type="lin">
+              <dgm:param type="linDir" val="fromL"/>
+            </dgm:alg>
+          </dgm:if>
+          <dgm:else name="Name7">
+            <dgm:alg type="lin">
+              <dgm:param type="linDir" val="fromR"/>
+            </dgm:alg>
+          </dgm:else>
+        </dgm:choose>
+        <dgm:shape xmlns:r="http://schemas.openxmlformats.org/officeDocument/2006/relationships" r:blip="">
+          <dgm:adjLst/>
+        </dgm:shape>
+        <dgm:presOf/>
+        <dgm:constrLst>
+          <dgm:constr type="w" for="ch" forName="parentText" refType="w" fact="0.36"/>
+          <dgm:constr type="w" for="ch" forName="descendantText" refType="w" fact="0.64"/>
+          <dgm:constr type="h" for="ch" forName="parentText" refType="h"/>
+          <dgm:constr type="h" for="ch" forName="descendantText" refType="h" refFor="ch" refForName="parentText" fact="0.8"/>
+        </dgm:constrLst>
+        <dgm:ruleLst/>
+        <dgm:layoutNode name="parentText">
+          <dgm:varLst>
+            <dgm:chMax val="1"/>
+            <dgm:bulletEnabled val="1"/>
+          </dgm:varLst>
+          <dgm:alg type="tx"/>
+          <dgm:shape xmlns:r="http://schemas.openxmlformats.org/officeDocument/2006/relationships" type="roundRect" r:blip="" zOrderOff="3">
+            <dgm:adjLst/>
+          </dgm:shape>
+          <dgm:presOf axis="self" ptType="node"/>
+          <dgm:constrLst>
+            <dgm:constr type="tMarg" refType="primFontSz" fact="0.15"/>
+            <dgm:constr type="bMarg" refType="primFontSz" fact="0.15"/>
+            <dgm:constr type="lMarg" refType="primFontSz" fact="0.3"/>
+            <dgm:constr type="rMarg" refType="primFontSz" fact="0.3"/>
+          </dgm:constrLst>
+          <dgm:ruleLst>
+            <dgm:rule type="primFontSz" val="5" fact="NaN" max="NaN"/>
+          </dgm:ruleLst>
+        </dgm:layoutNode>
+        <dgm:choose name="Name8">
+          <dgm:if name="Name9" axis="ch" ptType="node" func="cnt" op="gte" val="1">
+            <dgm:layoutNode name="descendantText" styleLbl="alignAccFollowNode1">
+              <dgm:varLst>
+                <dgm:bulletEnabled val="1"/>
+              </dgm:varLst>
+              <dgm:alg type="tx">
+                <dgm:param type="stBulletLvl" val="1"/>
+                <dgm:param type="txAnchorVertCh" val="mid"/>
+              </dgm:alg>
+              <dgm:choose name="Name10">
+                <dgm:if name="Name11" func="var" arg="dir" op="equ" val="norm">
+                  <dgm:shape xmlns:r="http://schemas.openxmlformats.org/officeDocument/2006/relationships" rot="90" type="round2SameRect" r:blip="">
+                    <dgm:adjLst/>
+                  </dgm:shape>
+                </dgm:if>
+                <dgm:else name="Name12">
+                  <dgm:shape xmlns:r="http://schemas.openxmlformats.org/officeDocument/2006/relationships" rot="-90" type="round2SameRect" r:blip="">
+                    <dgm:adjLst/>
+                  </dgm:shape>
+                </dgm:else>
+              </dgm:choose>
+              <dgm:presOf axis="des" ptType="node"/>
+              <dgm:constrLst>
+                <dgm:constr type="secFontSz" val="65"/>
+                <dgm:constr type="primFontSz" refType="secFontSz"/>
+                <dgm:constr type="lMarg" refType="secFontSz" fact="0.3"/>
+                <dgm:constr type="rMarg" refType="secFontSz" fact="0.3"/>
+                <dgm:constr type="tMarg" refType="secFontSz" fact="0.15"/>
+                <dgm:constr type="bMarg" refType="secFontSz" fact="0.15"/>
+              </dgm:constrLst>
+              <dgm:ruleLst>
+                <dgm:rule type="secFontSz" val="5" fact="NaN" max="NaN"/>
+              </dgm:ruleLst>
+            </dgm:layoutNode>
+          </dgm:if>
+          <dgm:else name="Name13"/>
+        </dgm:choose>
+      </dgm:layoutNode>
+      <dgm:forEach name="Name14" axis="followSib" ptType="sibTrans" cnt="1">
+        <dgm:layoutNode name="sp">
+          <dgm:alg type="sp"/>
+          <dgm:shape xmlns:r="http://schemas.openxmlformats.org/officeDocument/2006/relationships" r:blip="">
+            <dgm:adjLst/>
+          </dgm:shape>
+          <dgm:presOf/>
+          <dgm:constrLst/>
+          <dgm:ruleLst/>
+        </dgm:layoutNode>
+      </dgm:forEach>
+    </dgm:forEach>
+  </dgm:layoutNode>
+</dgm:layoutDef>
+</file>
+
+<file path=ppt/diagrams/layout6.xml><?xml version="1.0" encoding="utf-8"?>
+<dgm:layoutDef xmlns:dgm="http://schemas.openxmlformats.org/drawingml/2006/diagram" xmlns:a="http://schemas.openxmlformats.org/drawingml/2006/main" uniqueId="urn:microsoft.com/office/officeart/2009/3/layout/PlusandMinus">
+  <dgm:title val=""/>
+  <dgm:desc val=""/>
+  <dgm:catLst>
+    <dgm:cat type="relationship" pri="3600"/>
+  </dgm:catLst>
+  <dgm:sampData>
+    <dgm:dataModel>
+      <dgm:ptLst>
+        <dgm:pt modelId="0" type="doc"/>
+        <dgm:pt modelId="10">
+          <dgm:prSet phldr="1"/>
+        </dgm:pt>
+        <dgm:pt modelId="20">
+          <dgm:prSet phldr="1"/>
+        </dgm:pt>
+      </dgm:ptLst>
+      <dgm:cxnLst>
+        <dgm:cxn modelId="30" srcId="0" destId="10" srcOrd="0" destOrd="0"/>
+        <dgm:cxn modelId="40" srcId="0" destId="20" srcOrd="1" destOrd="0"/>
+      </dgm:cxnLst>
+      <dgm:bg/>
+      <dgm:whole/>
+    </dgm:dataModel>
+  </dgm:sampData>
+  <dgm:styleData>
+    <dgm:dataModel>
+      <dgm:ptLst>
+        <dgm:pt modelId="0" type="doc"/>
+        <dgm:pt modelId="10">
+          <dgm:prSet phldr="1"/>
+        </dgm:pt>
+        <dgm:pt modelId="20">
+          <dgm:prSet phldr="1"/>
+        </dgm:pt>
+      </dgm:ptLst>
+      <dgm:cxnLst>
+        <dgm:cxn modelId="30" srcId="0" destId="10" srcOrd="0" destOrd="0"/>
+        <dgm:cxn modelId="40" srcId="0" destId="20" srcOrd="1" destOrd="0"/>
+      </dgm:cxnLst>
+      <dgm:bg/>
+      <dgm:whole/>
+    </dgm:dataModel>
+  </dgm:styleData>
+  <dgm:clrData>
+    <dgm:dataModel>
+      <dgm:ptLst>
+        <dgm:pt modelId="0" type="doc"/>
+        <dgm:pt modelId="10">
+          <dgm:prSet phldr="1"/>
+        </dgm:pt>
+        <dgm:pt modelId="20">
+          <dgm:prSet phldr="1"/>
+        </dgm:pt>
+      </dgm:ptLst>
+      <dgm:cxnLst>
+        <dgm:cxn modelId="30" srcId="0" destId="10" srcOrd="0" destOrd="0"/>
+        <dgm:cxn modelId="40" srcId="0" destId="20" srcOrd="1" destOrd="0"/>
+      </dgm:cxnLst>
+      <dgm:bg/>
+      <dgm:whole/>
+    </dgm:dataModel>
+  </dgm:clrData>
+  <dgm:layoutNode name="Name0">
+    <dgm:varLst>
+      <dgm:chMax val="2"/>
+      <dgm:chPref val="2"/>
+      <dgm:dir/>
+      <dgm:animOne/>
+      <dgm:resizeHandles val="exact"/>
+    </dgm:varLst>
+    <dgm:alg type="composite">
+      <dgm:param type="ar" val="1.8238"/>
+    </dgm:alg>
+    <dgm:shape xmlns:r="http://schemas.openxmlformats.org/officeDocument/2006/relationships" r:blip="">
+      <dgm:adjLst/>
+    </dgm:shape>
+    <dgm:choose name="Name1">
+      <dgm:if name="Name2" func="var" arg="dir" op="equ" val="norm">
+        <dgm:constrLst>
+          <dgm:constr type="primFontSz" for="des" ptType="node" op="equ" val="65"/>
+          <dgm:constr type="l" for="ch" forName="Background" refType="w" fact="0.09"/>
+          <dgm:constr type="t" for="ch" forName="Background" refType="h" fact="0.1641"/>
+          <dgm:constr type="w" for="ch" forName="Background" refType="w" fact="0.87"/>
+          <dgm:constr type="h" for="ch" forName="Background" refType="h" fact="0.82"/>
+          <dgm:constr type="l" for="ch" forName="ParentText1" refType="w" fact="0.116"/>
+          <dgm:constr type="t" for="ch" forName="ParentText1" refType="h" fact="0.26"/>
+          <dgm:constr type="w" for="ch" forName="ParentText1" refType="w" fact="0.404"/>
+          <dgm:constr type="h" for="ch" forName="ParentText1" refType="h" fact="0.7015"/>
+          <dgm:constr type="l" for="ch" forName="ParentText2" refType="w" fact="0.529"/>
+          <dgm:constr type="t" for="ch" forName="ParentText2" refType="h" fact="0.26"/>
+          <dgm:constr type="w" for="ch" forName="ParentText2" refType="w" fact="0.404"/>
+          <dgm:constr type="h" for="ch" forName="ParentText2" refType="h" fact="0.7015"/>
+          <dgm:constr type="l" for="ch" forName="Plus" refType="w" fact="0"/>
+          <dgm:constr type="t" for="ch" forName="Plus" refType="h" fact="0"/>
+          <dgm:constr type="w" for="ch" forName="Plus" refType="w" fact="0.17"/>
+          <dgm:constr type="h" for="ch" forName="Plus" refType="w" refFor="ch" refForName="Plus"/>
+          <dgm:constr type="l" for="ch" forName="Minus" refType="w" fact="0.84"/>
+          <dgm:constr type="t" for="ch" forName="Minus" refType="h" fact="0.1115"/>
+          <dgm:constr type="w" for="ch" forName="Minus" refType="w" fact="0.16"/>
+          <dgm:constr type="h" for="ch" forName="Minus" refType="h" fact="0.1"/>
+          <dgm:constr type="l" for="ch" forName="Divider" refType="w" fact="0.525"/>
+          <dgm:constr type="t" for="ch" forName="Divider" refType="h" fact="0.2615"/>
+          <dgm:constr type="w" for="ch" forName="Divider" refType="w" fact="0.0001"/>
+          <dgm:constr type="h" for="ch" forName="Divider" refType="h" fact="0.67"/>
+        </dgm:constrLst>
+      </dgm:if>
+      <dgm:else name="Name3">
+        <dgm:constrLst>
+          <dgm:constr type="primFontSz" for="des" ptType="node" op="equ" val="65"/>
+          <dgm:constr type="r" for="ch" forName="Background" refType="w" fact="-0.09"/>
+          <dgm:constr type="t" for="ch" forName="Background" refType="h" fact="0.1641"/>
+          <dgm:constr type="w" for="ch" forName="Background" refType="w" fact="0.87"/>
+          <dgm:constr type="h" for="ch" forName="Background" refType="h" fact="0.82"/>
+          <dgm:constr type="r" for="ch" forName="ParentText1" refType="w" fact="-0.116"/>
+          <dgm:constr type="t" for="ch" forName="ParentText1" refType="h" fact="0.26"/>
+          <dgm:constr type="w" for="ch" forName="ParentText1" refType="w" fact="0.404"/>
+          <dgm:constr type="h" for="ch" forName="ParentText1" refType="h" fact="0.7015"/>
+          <dgm:constr type="r" for="ch" forName="ParentText2" refType="w" fact="-0.529"/>
+          <dgm:constr type="t" for="ch" forName="ParentText2" refType="h" fact="0.26"/>
+          <dgm:constr type="w" for="ch" forName="ParentText2" refType="w" fact="0.404"/>
+          <dgm:constr type="h" for="ch" forName="ParentText2" refType="h" fact="0.7015"/>
+          <dgm:constr type="r" for="ch" forName="Plus" refType="w" fact="0"/>
+          <dgm:constr type="t" for="ch" forName="Plus" refType="h" fact="0"/>
+          <dgm:constr type="w" for="ch" forName="Plus" refType="w" fact="0.17"/>
+          <dgm:constr type="h" for="ch" forName="Plus" refType="w" refFor="ch" refForName="Plus"/>
+          <dgm:constr type="r" for="ch" forName="Minus" refType="w" fact="-0.84"/>
+          <dgm:constr type="t" for="ch" forName="Minus" refType="h" fact="0.1115"/>
+          <dgm:constr type="w" for="ch" forName="Minus" refType="w" fact="0.16"/>
+          <dgm:constr type="h" for="ch" forName="Minus" refType="h" fact="0.1"/>
+          <dgm:constr type="r" for="ch" forName="Divider" refType="w" fact="-0.525"/>
+          <dgm:constr type="t" for="ch" forName="Divider" refType="h" fact="0.2615"/>
+          <dgm:constr type="w" for="ch" forName="Divider" refType="w" fact="0.0001"/>
+          <dgm:constr type="h" for="ch" forName="Divider" refType="h" fact="0.67"/>
+        </dgm:constrLst>
+      </dgm:else>
+    </dgm:choose>
+    <dgm:layoutNode name="Background" styleLbl="bgImgPlace1">
+      <dgm:alg type="sp"/>
+      <dgm:shape xmlns:r="http://schemas.openxmlformats.org/officeDocument/2006/relationships" type="rect" r:blip="">
+        <dgm:adjLst/>
+      </dgm:shape>
+      <dgm:presOf/>
+    </dgm:layoutNode>
+    <dgm:layoutNode name="ParentText1" styleLbl="revTx">
+      <dgm:varLst>
+        <dgm:chMax val="0"/>
+        <dgm:chPref val="0"/>
+        <dgm:bulletEnabled val="1"/>
+      </dgm:varLst>
+      <dgm:alg type="tx">
+        <dgm:param type="parTxLTRAlign" val="l"/>
+        <dgm:param type="txAnchorVert" val="t"/>
+      </dgm:alg>
+      <dgm:shape xmlns:r="http://schemas.openxmlformats.org/officeDocument/2006/relationships" type="rect" r:blip="">
+        <dgm:adjLst/>
+      </dgm:shape>
+      <dgm:presOf axis="ch desOrSelf" ptType="node node" st="1 1" cnt="1 0"/>
+      <dgm:constrLst>
+        <dgm:constr type="lMarg" refType="primFontSz" fact="0.15"/>
+        <dgm:constr type="rMarg" refType="primFontSz" fact="0.15"/>
+        <dgm:constr type="tMarg" refType="primFontSz" fact="0.15"/>
+        <dgm:constr type="bMarg" refType="primFontSz" fact="0.15"/>
+      </dgm:constrLst>
+      <dgm:ruleLst>
+        <dgm:rule type="primFontSz" val="5" fact="NaN" max="NaN"/>
+      </dgm:ruleLst>
+    </dgm:layoutNode>
+    <dgm:layoutNode name="ParentText2" styleLbl="revTx">
+      <dgm:varLst>
+        <dgm:chMax val="0"/>
+        <dgm:chPref val="0"/>
+        <dgm:bulletEnabled val="1"/>
+      </dgm:varLst>
+      <dgm:alg type="tx">
+        <dgm:param type="parTxLTRAlign" val="l"/>
+        <dgm:param type="txAnchorVert" val="t"/>
+      </dgm:alg>
+      <dgm:shape xmlns:r="http://schemas.openxmlformats.org/officeDocument/2006/relationships" type="rect" r:blip="">
+        <dgm:adjLst/>
+      </dgm:shape>
+      <dgm:presOf axis="ch desOrSelf" ptType="node node" st="2 1" cnt="1 0"/>
+      <dgm:constrLst>
+        <dgm:constr type="lMarg" refType="primFontSz" fact="0.15"/>
+        <dgm:constr type="rMarg" refType="primFontSz" fact="0.15"/>
+        <dgm:constr type="tMarg" refType="primFontSz" fact="0.15"/>
+        <dgm:constr type="bMarg" refType="primFontSz" fact="0.15"/>
+      </dgm:constrLst>
+      <dgm:ruleLst>
+        <dgm:rule type="primFontSz" val="5" fact="NaN" max="NaN"/>
+      </dgm:ruleLst>
+    </dgm:layoutNode>
+    <dgm:layoutNode name="Plus" styleLbl="alignNode1">
+      <dgm:alg type="sp"/>
+      <dgm:shape xmlns:r="http://schemas.openxmlformats.org/officeDocument/2006/relationships" type="plus" r:blip="">
+        <dgm:adjLst>
+          <dgm:adj idx="1" val="0.3281"/>
+        </dgm:adjLst>
+      </dgm:shape>
+      <dgm:presOf/>
+    </dgm:layoutNode>
+    <dgm:layoutNode name="Minus" styleLbl="alignNode1">
+      <dgm:alg type="sp"/>
+      <dgm:shape xmlns:r="http://schemas.openxmlformats.org/officeDocument/2006/relationships" type="rect" r:blip="">
+        <dgm:adjLst/>
+      </dgm:shape>
+      <dgm:presOf/>
+    </dgm:layoutNode>
+    <dgm:layoutNode name="Divider" styleLbl="parChTrans1D1">
+      <dgm:alg type="sp"/>
+      <dgm:shape xmlns:r="http://schemas.openxmlformats.org/officeDocument/2006/relationships" type="line" r:blip="">
+        <dgm:adjLst/>
+      </dgm:shape>
+      <dgm:presOf/>
+    </dgm:layoutNode>
+  </dgm:layoutNode>
+</dgm:layoutDef>
+</file>
+
 <file path=ppt/diagrams/quickStyle1.xml><?xml version="1.0" encoding="utf-8"?>
 <dgm:styleDef xmlns:dgm="http://schemas.openxmlformats.org/drawingml/2006/diagram" xmlns:a="http://schemas.openxmlformats.org/drawingml/2006/main" uniqueId="urn:microsoft.com/office/officeart/2005/8/quickstyle/simple1">
   <dgm:title val=""/>
@@ -16186,6 +20116,2074 @@
 </file>
 
 <file path=ppt/diagrams/quickStyle4.xml><?xml version="1.0" encoding="utf-8"?>
+<dgm:styleDef xmlns:dgm="http://schemas.openxmlformats.org/drawingml/2006/diagram" xmlns:a="http://schemas.openxmlformats.org/drawingml/2006/main" uniqueId="urn:microsoft.com/office/officeart/2005/8/quickstyle/simple1">
+  <dgm:title val=""/>
+  <dgm:desc val=""/>
+  <dgm:catLst>
+    <dgm:cat type="simple" pri="10100"/>
+  </dgm:catLst>
+  <dgm:scene3d>
+    <a:camera prst="orthographicFront"/>
+    <a:lightRig rig="threePt" dir="t"/>
+  </dgm:scene3d>
+  <dgm:styleLbl name="node0">
+    <dgm:scene3d>
+      <a:camera prst="orthographicFront"/>
+      <a:lightRig rig="threePt" dir="t"/>
+    </dgm:scene3d>
+    <dgm:sp3d/>
+    <dgm:txPr/>
+    <dgm:style>
+      <a:lnRef idx="2">
+        <a:scrgbClr r="0" g="0" b="0"/>
+      </a:lnRef>
+      <a:fillRef idx="1">
+        <a:scrgbClr r="0" g="0" b="0"/>
+      </a:fillRef>
+      <a:effectRef idx="0">
+        <a:scrgbClr r="0" g="0" b="0"/>
+      </a:effectRef>
+      <a:fontRef idx="minor">
+        <a:schemeClr val="lt1"/>
+      </a:fontRef>
+    </dgm:style>
+  </dgm:styleLbl>
+  <dgm:styleLbl name="lnNode1">
+    <dgm:scene3d>
+      <a:camera prst="orthographicFront"/>
+      <a:lightRig rig="threePt" dir="t"/>
+    </dgm:scene3d>
+    <dgm:sp3d/>
+    <dgm:txPr/>
+    <dgm:style>
+      <a:lnRef idx="2">
+        <a:scrgbClr r="0" g="0" b="0"/>
+      </a:lnRef>
+      <a:fillRef idx="1">
+        <a:scrgbClr r="0" g="0" b="0"/>
+      </a:fillRef>
+      <a:effectRef idx="0">
+        <a:scrgbClr r="0" g="0" b="0"/>
+      </a:effectRef>
+      <a:fontRef idx="minor">
+        <a:schemeClr val="lt1"/>
+      </a:fontRef>
+    </dgm:style>
+  </dgm:styleLbl>
+  <dgm:styleLbl name="vennNode1">
+    <dgm:scene3d>
+      <a:camera prst="orthographicFront"/>
+      <a:lightRig rig="threePt" dir="t"/>
+    </dgm:scene3d>
+    <dgm:sp3d/>
+    <dgm:txPr/>
+    <dgm:style>
+      <a:lnRef idx="2">
+        <a:scrgbClr r="0" g="0" b="0"/>
+      </a:lnRef>
+      <a:fillRef idx="1">
+        <a:scrgbClr r="0" g="0" b="0"/>
+      </a:fillRef>
+      <a:effectRef idx="0">
+        <a:scrgbClr r="0" g="0" b="0"/>
+      </a:effectRef>
+      <a:fontRef idx="minor">
+        <a:schemeClr val="tx1"/>
+      </a:fontRef>
+    </dgm:style>
+  </dgm:styleLbl>
+  <dgm:styleLbl name="alignNode1">
+    <dgm:scene3d>
+      <a:camera prst="orthographicFront"/>
+      <a:lightRig rig="threePt" dir="t"/>
+    </dgm:scene3d>
+    <dgm:sp3d/>
+    <dgm:txPr/>
+    <dgm:style>
+      <a:lnRef idx="2">
+        <a:scrgbClr r="0" g="0" b="0"/>
+      </a:lnRef>
+      <a:fillRef idx="1">
+        <a:scrgbClr r="0" g="0" b="0"/>
+      </a:fillRef>
+      <a:effectRef idx="0">
+        <a:scrgbClr r="0" g="0" b="0"/>
+      </a:effectRef>
+      <a:fontRef idx="minor">
+        <a:schemeClr val="lt1"/>
+      </a:fontRef>
+    </dgm:style>
+  </dgm:styleLbl>
+  <dgm:styleLbl name="node1">
+    <dgm:scene3d>
+      <a:camera prst="orthographicFront"/>
+      <a:lightRig rig="threePt" dir="t"/>
+    </dgm:scene3d>
+    <dgm:sp3d/>
+    <dgm:txPr/>
+    <dgm:style>
+      <a:lnRef idx="2">
+        <a:scrgbClr r="0" g="0" b="0"/>
+      </a:lnRef>
+      <a:fillRef idx="1">
+        <a:scrgbClr r="0" g="0" b="0"/>
+      </a:fillRef>
+      <a:effectRef idx="0">
+        <a:scrgbClr r="0" g="0" b="0"/>
+      </a:effectRef>
+      <a:fontRef idx="minor">
+        <a:schemeClr val="lt1"/>
+      </a:fontRef>
+    </dgm:style>
+  </dgm:styleLbl>
+  <dgm:styleLbl name="node2">
+    <dgm:scene3d>
+      <a:camera prst="orthographicFront"/>
+      <a:lightRig rig="threePt" dir="t"/>
+    </dgm:scene3d>
+    <dgm:sp3d/>
+    <dgm:txPr/>
+    <dgm:style>
+      <a:lnRef idx="2">
+        <a:scrgbClr r="0" g="0" b="0"/>
+      </a:lnRef>
+      <a:fillRef idx="1">
+        <a:scrgbClr r="0" g="0" b="0"/>
+      </a:fillRef>
+      <a:effectRef idx="0">
+        <a:scrgbClr r="0" g="0" b="0"/>
+      </a:effectRef>
+      <a:fontRef idx="minor">
+        <a:schemeClr val="lt1"/>
+      </a:fontRef>
+    </dgm:style>
+  </dgm:styleLbl>
+  <dgm:styleLbl name="node3">
+    <dgm:scene3d>
+      <a:camera prst="orthographicFront"/>
+      <a:lightRig rig="threePt" dir="t"/>
+    </dgm:scene3d>
+    <dgm:sp3d/>
+    <dgm:txPr/>
+    <dgm:style>
+      <a:lnRef idx="2">
+        <a:scrgbClr r="0" g="0" b="0"/>
+      </a:lnRef>
+      <a:fillRef idx="1">
+        <a:scrgbClr r="0" g="0" b="0"/>
+      </a:fillRef>
+      <a:effectRef idx="0">
+        <a:scrgbClr r="0" g="0" b="0"/>
+      </a:effectRef>
+      <a:fontRef idx="minor">
+        <a:schemeClr val="lt1"/>
+      </a:fontRef>
+    </dgm:style>
+  </dgm:styleLbl>
+  <dgm:styleLbl name="node4">
+    <dgm:scene3d>
+      <a:camera prst="orthographicFront"/>
+      <a:lightRig rig="threePt" dir="t"/>
+    </dgm:scene3d>
+    <dgm:sp3d/>
+    <dgm:txPr/>
+    <dgm:style>
+      <a:lnRef idx="2">
+        <a:scrgbClr r="0" g="0" b="0"/>
+      </a:lnRef>
+      <a:fillRef idx="1">
+        <a:scrgbClr r="0" g="0" b="0"/>
+      </a:fillRef>
+      <a:effectRef idx="0">
+        <a:scrgbClr r="0" g="0" b="0"/>
+      </a:effectRef>
+      <a:fontRef idx="minor">
+        <a:schemeClr val="lt1"/>
+      </a:fontRef>
+    </dgm:style>
+  </dgm:styleLbl>
+  <dgm:styleLbl name="fgImgPlace1">
+    <dgm:scene3d>
+      <a:camera prst="orthographicFront"/>
+      <a:lightRig rig="threePt" dir="t"/>
+    </dgm:scene3d>
+    <dgm:sp3d/>
+    <dgm:txPr/>
+    <dgm:style>
+      <a:lnRef idx="2">
+        <a:scrgbClr r="0" g="0" b="0"/>
+      </a:lnRef>
+      <a:fillRef idx="1">
+        <a:scrgbClr r="0" g="0" b="0"/>
+      </a:fillRef>
+      <a:effectRef idx="0">
+        <a:scrgbClr r="0" g="0" b="0"/>
+      </a:effectRef>
+      <a:fontRef idx="minor"/>
+    </dgm:style>
+  </dgm:styleLbl>
+  <dgm:styleLbl name="alignImgPlace1">
+    <dgm:scene3d>
+      <a:camera prst="orthographicFront"/>
+      <a:lightRig rig="threePt" dir="t"/>
+    </dgm:scene3d>
+    <dgm:sp3d/>
+    <dgm:txPr/>
+    <dgm:style>
+      <a:lnRef idx="2">
+        <a:scrgbClr r="0" g="0" b="0"/>
+      </a:lnRef>
+      <a:fillRef idx="1">
+        <a:scrgbClr r="0" g="0" b="0"/>
+      </a:fillRef>
+      <a:effectRef idx="0">
+        <a:scrgbClr r="0" g="0" b="0"/>
+      </a:effectRef>
+      <a:fontRef idx="minor"/>
+    </dgm:style>
+  </dgm:styleLbl>
+  <dgm:styleLbl name="bgImgPlace1">
+    <dgm:scene3d>
+      <a:camera prst="orthographicFront"/>
+      <a:lightRig rig="threePt" dir="t"/>
+    </dgm:scene3d>
+    <dgm:sp3d/>
+    <dgm:txPr/>
+    <dgm:style>
+      <a:lnRef idx="2">
+        <a:scrgbClr r="0" g="0" b="0"/>
+      </a:lnRef>
+      <a:fillRef idx="1">
+        <a:scrgbClr r="0" g="0" b="0"/>
+      </a:fillRef>
+      <a:effectRef idx="0">
+        <a:scrgbClr r="0" g="0" b="0"/>
+      </a:effectRef>
+      <a:fontRef idx="minor"/>
+    </dgm:style>
+  </dgm:styleLbl>
+  <dgm:styleLbl name="sibTrans2D1">
+    <dgm:scene3d>
+      <a:camera prst="orthographicFront"/>
+      <a:lightRig rig="threePt" dir="t"/>
+    </dgm:scene3d>
+    <dgm:sp3d/>
+    <dgm:txPr/>
+    <dgm:style>
+      <a:lnRef idx="0">
+        <a:scrgbClr r="0" g="0" b="0"/>
+      </a:lnRef>
+      <a:fillRef idx="1">
+        <a:scrgbClr r="0" g="0" b="0"/>
+      </a:fillRef>
+      <a:effectRef idx="0">
+        <a:scrgbClr r="0" g="0" b="0"/>
+      </a:effectRef>
+      <a:fontRef idx="minor">
+        <a:schemeClr val="lt1"/>
+      </a:fontRef>
+    </dgm:style>
+  </dgm:styleLbl>
+  <dgm:styleLbl name="fgSibTrans2D1">
+    <dgm:scene3d>
+      <a:camera prst="orthographicFront"/>
+      <a:lightRig rig="threePt" dir="t"/>
+    </dgm:scene3d>
+    <dgm:sp3d/>
+    <dgm:txPr/>
+    <dgm:style>
+      <a:lnRef idx="0">
+        <a:scrgbClr r="0" g="0" b="0"/>
+      </a:lnRef>
+      <a:fillRef idx="1">
+        <a:scrgbClr r="0" g="0" b="0"/>
+      </a:fillRef>
+      <a:effectRef idx="0">
+        <a:scrgbClr r="0" g="0" b="0"/>
+      </a:effectRef>
+      <a:fontRef idx="minor">
+        <a:schemeClr val="lt1"/>
+      </a:fontRef>
+    </dgm:style>
+  </dgm:styleLbl>
+  <dgm:styleLbl name="bgSibTrans2D1">
+    <dgm:scene3d>
+      <a:camera prst="orthographicFront"/>
+      <a:lightRig rig="threePt" dir="t"/>
+    </dgm:scene3d>
+    <dgm:sp3d/>
+    <dgm:txPr/>
+    <dgm:style>
+      <a:lnRef idx="0">
+        <a:scrgbClr r="0" g="0" b="0"/>
+      </a:lnRef>
+      <a:fillRef idx="1">
+        <a:scrgbClr r="0" g="0" b="0"/>
+      </a:fillRef>
+      <a:effectRef idx="0">
+        <a:scrgbClr r="0" g="0" b="0"/>
+      </a:effectRef>
+      <a:fontRef idx="minor">
+        <a:schemeClr val="lt1"/>
+      </a:fontRef>
+    </dgm:style>
+  </dgm:styleLbl>
+  <dgm:styleLbl name="sibTrans1D1">
+    <dgm:scene3d>
+      <a:camera prst="orthographicFront"/>
+      <a:lightRig rig="threePt" dir="t"/>
+    </dgm:scene3d>
+    <dgm:sp3d/>
+    <dgm:txPr/>
+    <dgm:style>
+      <a:lnRef idx="1">
+        <a:scrgbClr r="0" g="0" b="0"/>
+      </a:lnRef>
+      <a:fillRef idx="0">
+        <a:scrgbClr r="0" g="0" b="0"/>
+      </a:fillRef>
+      <a:effectRef idx="0">
+        <a:scrgbClr r="0" g="0" b="0"/>
+      </a:effectRef>
+      <a:fontRef idx="minor"/>
+    </dgm:style>
+  </dgm:styleLbl>
+  <dgm:styleLbl name="callout">
+    <dgm:scene3d>
+      <a:camera prst="orthographicFront"/>
+      <a:lightRig rig="threePt" dir="t"/>
+    </dgm:scene3d>
+    <dgm:sp3d/>
+    <dgm:txPr/>
+    <dgm:style>
+      <a:lnRef idx="2">
+        <a:scrgbClr r="0" g="0" b="0"/>
+      </a:lnRef>
+      <a:fillRef idx="1">
+        <a:scrgbClr r="0" g="0" b="0"/>
+      </a:fillRef>
+      <a:effectRef idx="0">
+        <a:scrgbClr r="0" g="0" b="0"/>
+      </a:effectRef>
+      <a:fontRef idx="minor"/>
+    </dgm:style>
+  </dgm:styleLbl>
+  <dgm:styleLbl name="asst0">
+    <dgm:scene3d>
+      <a:camera prst="orthographicFront"/>
+      <a:lightRig rig="threePt" dir="t"/>
+    </dgm:scene3d>
+    <dgm:sp3d/>
+    <dgm:txPr/>
+    <dgm:style>
+      <a:lnRef idx="2">
+        <a:scrgbClr r="0" g="0" b="0"/>
+      </a:lnRef>
+      <a:fillRef idx="1">
+        <a:scrgbClr r="0" g="0" b="0"/>
+      </a:fillRef>
+      <a:effectRef idx="0">
+        <a:scrgbClr r="0" g="0" b="0"/>
+      </a:effectRef>
+      <a:fontRef idx="minor">
+        <a:schemeClr val="lt1"/>
+      </a:fontRef>
+    </dgm:style>
+  </dgm:styleLbl>
+  <dgm:styleLbl name="asst1">
+    <dgm:scene3d>
+      <a:camera prst="orthographicFront"/>
+      <a:lightRig rig="threePt" dir="t"/>
+    </dgm:scene3d>
+    <dgm:sp3d/>
+    <dgm:txPr/>
+    <dgm:style>
+      <a:lnRef idx="2">
+        <a:scrgbClr r="0" g="0" b="0"/>
+      </a:lnRef>
+      <a:fillRef idx="1">
+        <a:scrgbClr r="0" g="0" b="0"/>
+      </a:fillRef>
+      <a:effectRef idx="0">
+        <a:scrgbClr r="0" g="0" b="0"/>
+      </a:effectRef>
+      <a:fontRef idx="minor">
+        <a:schemeClr val="lt1"/>
+      </a:fontRef>
+    </dgm:style>
+  </dgm:styleLbl>
+  <dgm:styleLbl name="asst2">
+    <dgm:scene3d>
+      <a:camera prst="orthographicFront"/>
+      <a:lightRig rig="threePt" dir="t"/>
+    </dgm:scene3d>
+    <dgm:sp3d/>
+    <dgm:txPr/>
+    <dgm:style>
+      <a:lnRef idx="2">
+        <a:scrgbClr r="0" g="0" b="0"/>
+      </a:lnRef>
+      <a:fillRef idx="1">
+        <a:scrgbClr r="0" g="0" b="0"/>
+      </a:fillRef>
+      <a:effectRef idx="0">
+        <a:scrgbClr r="0" g="0" b="0"/>
+      </a:effectRef>
+      <a:fontRef idx="minor">
+        <a:schemeClr val="lt1"/>
+      </a:fontRef>
+    </dgm:style>
+  </dgm:styleLbl>
+  <dgm:styleLbl name="asst3">
+    <dgm:scene3d>
+      <a:camera prst="orthographicFront"/>
+      <a:lightRig rig="threePt" dir="t"/>
+    </dgm:scene3d>
+    <dgm:sp3d/>
+    <dgm:txPr/>
+    <dgm:style>
+      <a:lnRef idx="2">
+        <a:scrgbClr r="0" g="0" b="0"/>
+      </a:lnRef>
+      <a:fillRef idx="1">
+        <a:scrgbClr r="0" g="0" b="0"/>
+      </a:fillRef>
+      <a:effectRef idx="0">
+        <a:scrgbClr r="0" g="0" b="0"/>
+      </a:effectRef>
+      <a:fontRef idx="minor">
+        <a:schemeClr val="lt1"/>
+      </a:fontRef>
+    </dgm:style>
+  </dgm:styleLbl>
+  <dgm:styleLbl name="asst4">
+    <dgm:scene3d>
+      <a:camera prst="orthographicFront"/>
+      <a:lightRig rig="threePt" dir="t"/>
+    </dgm:scene3d>
+    <dgm:sp3d/>
+    <dgm:txPr/>
+    <dgm:style>
+      <a:lnRef idx="2">
+        <a:scrgbClr r="0" g="0" b="0"/>
+      </a:lnRef>
+      <a:fillRef idx="1">
+        <a:scrgbClr r="0" g="0" b="0"/>
+      </a:fillRef>
+      <a:effectRef idx="0">
+        <a:scrgbClr r="0" g="0" b="0"/>
+      </a:effectRef>
+      <a:fontRef idx="minor">
+        <a:schemeClr val="lt1"/>
+      </a:fontRef>
+    </dgm:style>
+  </dgm:styleLbl>
+  <dgm:styleLbl name="parChTrans2D1">
+    <dgm:scene3d>
+      <a:camera prst="orthographicFront"/>
+      <a:lightRig rig="threePt" dir="t"/>
+    </dgm:scene3d>
+    <dgm:sp3d/>
+    <dgm:txPr/>
+    <dgm:style>
+      <a:lnRef idx="2">
+        <a:scrgbClr r="0" g="0" b="0"/>
+      </a:lnRef>
+      <a:fillRef idx="1">
+        <a:scrgbClr r="0" g="0" b="0"/>
+      </a:fillRef>
+      <a:effectRef idx="0">
+        <a:scrgbClr r="0" g="0" b="0"/>
+      </a:effectRef>
+      <a:fontRef idx="minor">
+        <a:schemeClr val="lt1"/>
+      </a:fontRef>
+    </dgm:style>
+  </dgm:styleLbl>
+  <dgm:styleLbl name="parChTrans2D2">
+    <dgm:scene3d>
+      <a:camera prst="orthographicFront"/>
+      <a:lightRig rig="threePt" dir="t"/>
+    </dgm:scene3d>
+    <dgm:sp3d/>
+    <dgm:txPr/>
+    <dgm:style>
+      <a:lnRef idx="2">
+        <a:scrgbClr r="0" g="0" b="0"/>
+      </a:lnRef>
+      <a:fillRef idx="1">
+        <a:scrgbClr r="0" g="0" b="0"/>
+      </a:fillRef>
+      <a:effectRef idx="0">
+        <a:scrgbClr r="0" g="0" b="0"/>
+      </a:effectRef>
+      <a:fontRef idx="minor">
+        <a:schemeClr val="lt1"/>
+      </a:fontRef>
+    </dgm:style>
+  </dgm:styleLbl>
+  <dgm:styleLbl name="parChTrans2D3">
+    <dgm:scene3d>
+      <a:camera prst="orthographicFront"/>
+      <a:lightRig rig="threePt" dir="t"/>
+    </dgm:scene3d>
+    <dgm:sp3d/>
+    <dgm:txPr/>
+    <dgm:style>
+      <a:lnRef idx="2">
+        <a:scrgbClr r="0" g="0" b="0"/>
+      </a:lnRef>
+      <a:fillRef idx="1">
+        <a:scrgbClr r="0" g="0" b="0"/>
+      </a:fillRef>
+      <a:effectRef idx="0">
+        <a:scrgbClr r="0" g="0" b="0"/>
+      </a:effectRef>
+      <a:fontRef idx="minor">
+        <a:schemeClr val="lt1"/>
+      </a:fontRef>
+    </dgm:style>
+  </dgm:styleLbl>
+  <dgm:styleLbl name="parChTrans2D4">
+    <dgm:scene3d>
+      <a:camera prst="orthographicFront"/>
+      <a:lightRig rig="threePt" dir="t"/>
+    </dgm:scene3d>
+    <dgm:sp3d/>
+    <dgm:txPr/>
+    <dgm:style>
+      <a:lnRef idx="2">
+        <a:scrgbClr r="0" g="0" b="0"/>
+      </a:lnRef>
+      <a:fillRef idx="1">
+        <a:scrgbClr r="0" g="0" b="0"/>
+      </a:fillRef>
+      <a:effectRef idx="0">
+        <a:scrgbClr r="0" g="0" b="0"/>
+      </a:effectRef>
+      <a:fontRef idx="minor">
+        <a:schemeClr val="lt1"/>
+      </a:fontRef>
+    </dgm:style>
+  </dgm:styleLbl>
+  <dgm:styleLbl name="parChTrans1D1">
+    <dgm:scene3d>
+      <a:camera prst="orthographicFront"/>
+      <a:lightRig rig="threePt" dir="t"/>
+    </dgm:scene3d>
+    <dgm:sp3d/>
+    <dgm:txPr/>
+    <dgm:style>
+      <a:lnRef idx="2">
+        <a:scrgbClr r="0" g="0" b="0"/>
+      </a:lnRef>
+      <a:fillRef idx="0">
+        <a:scrgbClr r="0" g="0" b="0"/>
+      </a:fillRef>
+      <a:effectRef idx="0">
+        <a:scrgbClr r="0" g="0" b="0"/>
+      </a:effectRef>
+      <a:fontRef idx="minor"/>
+    </dgm:style>
+  </dgm:styleLbl>
+  <dgm:styleLbl name="parChTrans1D2">
+    <dgm:scene3d>
+      <a:camera prst="orthographicFront"/>
+      <a:lightRig rig="threePt" dir="t"/>
+    </dgm:scene3d>
+    <dgm:sp3d/>
+    <dgm:txPr/>
+    <dgm:style>
+      <a:lnRef idx="2">
+        <a:scrgbClr r="0" g="0" b="0"/>
+      </a:lnRef>
+      <a:fillRef idx="0">
+        <a:scrgbClr r="0" g="0" b="0"/>
+      </a:fillRef>
+      <a:effectRef idx="0">
+        <a:scrgbClr r="0" g="0" b="0"/>
+      </a:effectRef>
+      <a:fontRef idx="minor"/>
+    </dgm:style>
+  </dgm:styleLbl>
+  <dgm:styleLbl name="parChTrans1D3">
+    <dgm:scene3d>
+      <a:camera prst="orthographicFront"/>
+      <a:lightRig rig="threePt" dir="t"/>
+    </dgm:scene3d>
+    <dgm:sp3d/>
+    <dgm:txPr/>
+    <dgm:style>
+      <a:lnRef idx="2">
+        <a:scrgbClr r="0" g="0" b="0"/>
+      </a:lnRef>
+      <a:fillRef idx="0">
+        <a:scrgbClr r="0" g="0" b="0"/>
+      </a:fillRef>
+      <a:effectRef idx="0">
+        <a:scrgbClr r="0" g="0" b="0"/>
+      </a:effectRef>
+      <a:fontRef idx="minor"/>
+    </dgm:style>
+  </dgm:styleLbl>
+  <dgm:styleLbl name="parChTrans1D4">
+    <dgm:scene3d>
+      <a:camera prst="orthographicFront"/>
+      <a:lightRig rig="threePt" dir="t"/>
+    </dgm:scene3d>
+    <dgm:sp3d/>
+    <dgm:txPr/>
+    <dgm:style>
+      <a:lnRef idx="2">
+        <a:scrgbClr r="0" g="0" b="0"/>
+      </a:lnRef>
+      <a:fillRef idx="0">
+        <a:scrgbClr r="0" g="0" b="0"/>
+      </a:fillRef>
+      <a:effectRef idx="0">
+        <a:scrgbClr r="0" g="0" b="0"/>
+      </a:effectRef>
+      <a:fontRef idx="minor"/>
+    </dgm:style>
+  </dgm:styleLbl>
+  <dgm:styleLbl name="fgAcc1">
+    <dgm:scene3d>
+      <a:camera prst="orthographicFront"/>
+      <a:lightRig rig="threePt" dir="t"/>
+    </dgm:scene3d>
+    <dgm:sp3d/>
+    <dgm:txPr/>
+    <dgm:style>
+      <a:lnRef idx="2">
+        <a:scrgbClr r="0" g="0" b="0"/>
+      </a:lnRef>
+      <a:fillRef idx="1">
+        <a:scrgbClr r="0" g="0" b="0"/>
+      </a:fillRef>
+      <a:effectRef idx="0">
+        <a:scrgbClr r="0" g="0" b="0"/>
+      </a:effectRef>
+      <a:fontRef idx="minor"/>
+    </dgm:style>
+  </dgm:styleLbl>
+  <dgm:styleLbl name="conFgAcc1">
+    <dgm:scene3d>
+      <a:camera prst="orthographicFront"/>
+      <a:lightRig rig="threePt" dir="t"/>
+    </dgm:scene3d>
+    <dgm:sp3d/>
+    <dgm:txPr/>
+    <dgm:style>
+      <a:lnRef idx="2">
+        <a:scrgbClr r="0" g="0" b="0"/>
+      </a:lnRef>
+      <a:fillRef idx="1">
+        <a:scrgbClr r="0" g="0" b="0"/>
+      </a:fillRef>
+      <a:effectRef idx="0">
+        <a:scrgbClr r="0" g="0" b="0"/>
+      </a:effectRef>
+      <a:fontRef idx="minor"/>
+    </dgm:style>
+  </dgm:styleLbl>
+  <dgm:styleLbl name="alignAcc1">
+    <dgm:scene3d>
+      <a:camera prst="orthographicFront"/>
+      <a:lightRig rig="threePt" dir="t"/>
+    </dgm:scene3d>
+    <dgm:sp3d/>
+    <dgm:txPr/>
+    <dgm:style>
+      <a:lnRef idx="2">
+        <a:scrgbClr r="0" g="0" b="0"/>
+      </a:lnRef>
+      <a:fillRef idx="1">
+        <a:scrgbClr r="0" g="0" b="0"/>
+      </a:fillRef>
+      <a:effectRef idx="0">
+        <a:scrgbClr r="0" g="0" b="0"/>
+      </a:effectRef>
+      <a:fontRef idx="minor"/>
+    </dgm:style>
+  </dgm:styleLbl>
+  <dgm:styleLbl name="trAlignAcc1">
+    <dgm:scene3d>
+      <a:camera prst="orthographicFront"/>
+      <a:lightRig rig="threePt" dir="t"/>
+    </dgm:scene3d>
+    <dgm:sp3d/>
+    <dgm:txPr/>
+    <dgm:style>
+      <a:lnRef idx="1">
+        <a:scrgbClr r="0" g="0" b="0"/>
+      </a:lnRef>
+      <a:fillRef idx="1">
+        <a:scrgbClr r="0" g="0" b="0"/>
+      </a:fillRef>
+      <a:effectRef idx="0">
+        <a:scrgbClr r="0" g="0" b="0"/>
+      </a:effectRef>
+      <a:fontRef idx="minor"/>
+    </dgm:style>
+  </dgm:styleLbl>
+  <dgm:styleLbl name="bgAcc1">
+    <dgm:scene3d>
+      <a:camera prst="orthographicFront"/>
+      <a:lightRig rig="threePt" dir="t"/>
+    </dgm:scene3d>
+    <dgm:sp3d/>
+    <dgm:txPr/>
+    <dgm:style>
+      <a:lnRef idx="2">
+        <a:scrgbClr r="0" g="0" b="0"/>
+      </a:lnRef>
+      <a:fillRef idx="1">
+        <a:scrgbClr r="0" g="0" b="0"/>
+      </a:fillRef>
+      <a:effectRef idx="0">
+        <a:scrgbClr r="0" g="0" b="0"/>
+      </a:effectRef>
+      <a:fontRef idx="minor"/>
+    </dgm:style>
+  </dgm:styleLbl>
+  <dgm:styleLbl name="solidFgAcc1">
+    <dgm:scene3d>
+      <a:camera prst="orthographicFront"/>
+      <a:lightRig rig="threePt" dir="t"/>
+    </dgm:scene3d>
+    <dgm:sp3d/>
+    <dgm:txPr/>
+    <dgm:style>
+      <a:lnRef idx="2">
+        <a:scrgbClr r="0" g="0" b="0"/>
+      </a:lnRef>
+      <a:fillRef idx="1">
+        <a:scrgbClr r="0" g="0" b="0"/>
+      </a:fillRef>
+      <a:effectRef idx="0">
+        <a:scrgbClr r="0" g="0" b="0"/>
+      </a:effectRef>
+      <a:fontRef idx="minor"/>
+    </dgm:style>
+  </dgm:styleLbl>
+  <dgm:styleLbl name="solidAlignAcc1">
+    <dgm:scene3d>
+      <a:camera prst="orthographicFront"/>
+      <a:lightRig rig="threePt" dir="t"/>
+    </dgm:scene3d>
+    <dgm:sp3d/>
+    <dgm:txPr/>
+    <dgm:style>
+      <a:lnRef idx="2">
+        <a:scrgbClr r="0" g="0" b="0"/>
+      </a:lnRef>
+      <a:fillRef idx="1">
+        <a:scrgbClr r="0" g="0" b="0"/>
+      </a:fillRef>
+      <a:effectRef idx="0">
+        <a:scrgbClr r="0" g="0" b="0"/>
+      </a:effectRef>
+      <a:fontRef idx="minor"/>
+    </dgm:style>
+  </dgm:styleLbl>
+  <dgm:styleLbl name="solidBgAcc1">
+    <dgm:scene3d>
+      <a:camera prst="orthographicFront"/>
+      <a:lightRig rig="threePt" dir="t"/>
+    </dgm:scene3d>
+    <dgm:sp3d/>
+    <dgm:txPr/>
+    <dgm:style>
+      <a:lnRef idx="2">
+        <a:scrgbClr r="0" g="0" b="0"/>
+      </a:lnRef>
+      <a:fillRef idx="1">
+        <a:scrgbClr r="0" g="0" b="0"/>
+      </a:fillRef>
+      <a:effectRef idx="0">
+        <a:scrgbClr r="0" g="0" b="0"/>
+      </a:effectRef>
+      <a:fontRef idx="minor"/>
+    </dgm:style>
+  </dgm:styleLbl>
+  <dgm:styleLbl name="fgAccFollowNode1">
+    <dgm:scene3d>
+      <a:camera prst="orthographicFront"/>
+      <a:lightRig rig="threePt" dir="t"/>
+    </dgm:scene3d>
+    <dgm:sp3d/>
+    <dgm:txPr/>
+    <dgm:style>
+      <a:lnRef idx="2">
+        <a:scrgbClr r="0" g="0" b="0"/>
+      </a:lnRef>
+      <a:fillRef idx="1">
+        <a:scrgbClr r="0" g="0" b="0"/>
+      </a:fillRef>
+      <a:effectRef idx="0">
+        <a:scrgbClr r="0" g="0" b="0"/>
+      </a:effectRef>
+      <a:fontRef idx="minor"/>
+    </dgm:style>
+  </dgm:styleLbl>
+  <dgm:styleLbl name="alignAccFollowNode1">
+    <dgm:scene3d>
+      <a:camera prst="orthographicFront"/>
+      <a:lightRig rig="threePt" dir="t"/>
+    </dgm:scene3d>
+    <dgm:sp3d/>
+    <dgm:txPr/>
+    <dgm:style>
+      <a:lnRef idx="2">
+        <a:scrgbClr r="0" g="0" b="0"/>
+      </a:lnRef>
+      <a:fillRef idx="1">
+        <a:scrgbClr r="0" g="0" b="0"/>
+      </a:fillRef>
+      <a:effectRef idx="0">
+        <a:scrgbClr r="0" g="0" b="0"/>
+      </a:effectRef>
+      <a:fontRef idx="minor"/>
+    </dgm:style>
+  </dgm:styleLbl>
+  <dgm:styleLbl name="bgAccFollowNode1">
+    <dgm:scene3d>
+      <a:camera prst="orthographicFront"/>
+      <a:lightRig rig="threePt" dir="t"/>
+    </dgm:scene3d>
+    <dgm:sp3d/>
+    <dgm:txPr/>
+    <dgm:style>
+      <a:lnRef idx="2">
+        <a:scrgbClr r="0" g="0" b="0"/>
+      </a:lnRef>
+      <a:fillRef idx="1">
+        <a:scrgbClr r="0" g="0" b="0"/>
+      </a:fillRef>
+      <a:effectRef idx="0">
+        <a:scrgbClr r="0" g="0" b="0"/>
+      </a:effectRef>
+      <a:fontRef idx="minor"/>
+    </dgm:style>
+  </dgm:styleLbl>
+  <dgm:styleLbl name="fgAcc0">
+    <dgm:scene3d>
+      <a:camera prst="orthographicFront"/>
+      <a:lightRig rig="threePt" dir="t"/>
+    </dgm:scene3d>
+    <dgm:sp3d/>
+    <dgm:txPr/>
+    <dgm:style>
+      <a:lnRef idx="2">
+        <a:scrgbClr r="0" g="0" b="0"/>
+      </a:lnRef>
+      <a:fillRef idx="1">
+        <a:scrgbClr r="0" g="0" b="0"/>
+      </a:fillRef>
+      <a:effectRef idx="0">
+        <a:scrgbClr r="0" g="0" b="0"/>
+      </a:effectRef>
+      <a:fontRef idx="minor"/>
+    </dgm:style>
+  </dgm:styleLbl>
+  <dgm:styleLbl name="fgAcc2">
+    <dgm:scene3d>
+      <a:camera prst="orthographicFront"/>
+      <a:lightRig rig="threePt" dir="t"/>
+    </dgm:scene3d>
+    <dgm:sp3d/>
+    <dgm:txPr/>
+    <dgm:style>
+      <a:lnRef idx="2">
+        <a:scrgbClr r="0" g="0" b="0"/>
+      </a:lnRef>
+      <a:fillRef idx="1">
+        <a:scrgbClr r="0" g="0" b="0"/>
+      </a:fillRef>
+      <a:effectRef idx="0">
+        <a:scrgbClr r="0" g="0" b="0"/>
+      </a:effectRef>
+      <a:fontRef idx="minor"/>
+    </dgm:style>
+  </dgm:styleLbl>
+  <dgm:styleLbl name="fgAcc3">
+    <dgm:scene3d>
+      <a:camera prst="orthographicFront"/>
+      <a:lightRig rig="threePt" dir="t"/>
+    </dgm:scene3d>
+    <dgm:sp3d/>
+    <dgm:txPr/>
+    <dgm:style>
+      <a:lnRef idx="2">
+        <a:scrgbClr r="0" g="0" b="0"/>
+      </a:lnRef>
+      <a:fillRef idx="1">
+        <a:scrgbClr r="0" g="0" b="0"/>
+      </a:fillRef>
+      <a:effectRef idx="0">
+        <a:scrgbClr r="0" g="0" b="0"/>
+      </a:effectRef>
+      <a:fontRef idx="minor"/>
+    </dgm:style>
+  </dgm:styleLbl>
+  <dgm:styleLbl name="fgAcc4">
+    <dgm:scene3d>
+      <a:camera prst="orthographicFront"/>
+      <a:lightRig rig="threePt" dir="t"/>
+    </dgm:scene3d>
+    <dgm:sp3d/>
+    <dgm:txPr/>
+    <dgm:style>
+      <a:lnRef idx="2">
+        <a:scrgbClr r="0" g="0" b="0"/>
+      </a:lnRef>
+      <a:fillRef idx="1">
+        <a:scrgbClr r="0" g="0" b="0"/>
+      </a:fillRef>
+      <a:effectRef idx="0">
+        <a:scrgbClr r="0" g="0" b="0"/>
+      </a:effectRef>
+      <a:fontRef idx="minor"/>
+    </dgm:style>
+  </dgm:styleLbl>
+  <dgm:styleLbl name="bgShp">
+    <dgm:scene3d>
+      <a:camera prst="orthographicFront"/>
+      <a:lightRig rig="threePt" dir="t"/>
+    </dgm:scene3d>
+    <dgm:sp3d/>
+    <dgm:txPr/>
+    <dgm:style>
+      <a:lnRef idx="0">
+        <a:scrgbClr r="0" g="0" b="0"/>
+      </a:lnRef>
+      <a:fillRef idx="1">
+        <a:scrgbClr r="0" g="0" b="0"/>
+      </a:fillRef>
+      <a:effectRef idx="0">
+        <a:scrgbClr r="0" g="0" b="0"/>
+      </a:effectRef>
+      <a:fontRef idx="minor"/>
+    </dgm:style>
+  </dgm:styleLbl>
+  <dgm:styleLbl name="dkBgShp">
+    <dgm:scene3d>
+      <a:camera prst="orthographicFront"/>
+      <a:lightRig rig="threePt" dir="t"/>
+    </dgm:scene3d>
+    <dgm:sp3d/>
+    <dgm:txPr/>
+    <dgm:style>
+      <a:lnRef idx="0">
+        <a:scrgbClr r="0" g="0" b="0"/>
+      </a:lnRef>
+      <a:fillRef idx="1">
+        <a:scrgbClr r="0" g="0" b="0"/>
+      </a:fillRef>
+      <a:effectRef idx="0">
+        <a:scrgbClr r="0" g="0" b="0"/>
+      </a:effectRef>
+      <a:fontRef idx="minor"/>
+    </dgm:style>
+  </dgm:styleLbl>
+  <dgm:styleLbl name="trBgShp">
+    <dgm:scene3d>
+      <a:camera prst="orthographicFront"/>
+      <a:lightRig rig="threePt" dir="t"/>
+    </dgm:scene3d>
+    <dgm:sp3d/>
+    <dgm:txPr/>
+    <dgm:style>
+      <a:lnRef idx="0">
+        <a:scrgbClr r="0" g="0" b="0"/>
+      </a:lnRef>
+      <a:fillRef idx="1">
+        <a:scrgbClr r="0" g="0" b="0"/>
+      </a:fillRef>
+      <a:effectRef idx="0">
+        <a:scrgbClr r="0" g="0" b="0"/>
+      </a:effectRef>
+      <a:fontRef idx="minor"/>
+    </dgm:style>
+  </dgm:styleLbl>
+  <dgm:styleLbl name="fgShp">
+    <dgm:scene3d>
+      <a:camera prst="orthographicFront"/>
+      <a:lightRig rig="threePt" dir="t"/>
+    </dgm:scene3d>
+    <dgm:sp3d/>
+    <dgm:txPr/>
+    <dgm:style>
+      <a:lnRef idx="2">
+        <a:scrgbClr r="0" g="0" b="0"/>
+      </a:lnRef>
+      <a:fillRef idx="1">
+        <a:scrgbClr r="0" g="0" b="0"/>
+      </a:fillRef>
+      <a:effectRef idx="0">
+        <a:scrgbClr r="0" g="0" b="0"/>
+      </a:effectRef>
+      <a:fontRef idx="minor"/>
+    </dgm:style>
+  </dgm:styleLbl>
+  <dgm:styleLbl name="revTx">
+    <dgm:scene3d>
+      <a:camera prst="orthographicFront"/>
+      <a:lightRig rig="threePt" dir="t"/>
+    </dgm:scene3d>
+    <dgm:sp3d/>
+    <dgm:txPr/>
+    <dgm:style>
+      <a:lnRef idx="0">
+        <a:scrgbClr r="0" g="0" b="0"/>
+      </a:lnRef>
+      <a:fillRef idx="0">
+        <a:scrgbClr r="0" g="0" b="0"/>
+      </a:fillRef>
+      <a:effectRef idx="0">
+        <a:scrgbClr r="0" g="0" b="0"/>
+      </a:effectRef>
+      <a:fontRef idx="minor"/>
+    </dgm:style>
+  </dgm:styleLbl>
+</dgm:styleDef>
+</file>
+
+<file path=ppt/diagrams/quickStyle5.xml><?xml version="1.0" encoding="utf-8"?>
+<dgm:styleDef xmlns:dgm="http://schemas.openxmlformats.org/drawingml/2006/diagram" xmlns:a="http://schemas.openxmlformats.org/drawingml/2006/main" uniqueId="urn:microsoft.com/office/officeart/2005/8/quickstyle/simple1">
+  <dgm:title val=""/>
+  <dgm:desc val=""/>
+  <dgm:catLst>
+    <dgm:cat type="simple" pri="10100"/>
+  </dgm:catLst>
+  <dgm:scene3d>
+    <a:camera prst="orthographicFront"/>
+    <a:lightRig rig="threePt" dir="t"/>
+  </dgm:scene3d>
+  <dgm:styleLbl name="node0">
+    <dgm:scene3d>
+      <a:camera prst="orthographicFront"/>
+      <a:lightRig rig="threePt" dir="t"/>
+    </dgm:scene3d>
+    <dgm:sp3d/>
+    <dgm:txPr/>
+    <dgm:style>
+      <a:lnRef idx="2">
+        <a:scrgbClr r="0" g="0" b="0"/>
+      </a:lnRef>
+      <a:fillRef idx="1">
+        <a:scrgbClr r="0" g="0" b="0"/>
+      </a:fillRef>
+      <a:effectRef idx="0">
+        <a:scrgbClr r="0" g="0" b="0"/>
+      </a:effectRef>
+      <a:fontRef idx="minor">
+        <a:schemeClr val="lt1"/>
+      </a:fontRef>
+    </dgm:style>
+  </dgm:styleLbl>
+  <dgm:styleLbl name="lnNode1">
+    <dgm:scene3d>
+      <a:camera prst="orthographicFront"/>
+      <a:lightRig rig="threePt" dir="t"/>
+    </dgm:scene3d>
+    <dgm:sp3d/>
+    <dgm:txPr/>
+    <dgm:style>
+      <a:lnRef idx="2">
+        <a:scrgbClr r="0" g="0" b="0"/>
+      </a:lnRef>
+      <a:fillRef idx="1">
+        <a:scrgbClr r="0" g="0" b="0"/>
+      </a:fillRef>
+      <a:effectRef idx="0">
+        <a:scrgbClr r="0" g="0" b="0"/>
+      </a:effectRef>
+      <a:fontRef idx="minor">
+        <a:schemeClr val="lt1"/>
+      </a:fontRef>
+    </dgm:style>
+  </dgm:styleLbl>
+  <dgm:styleLbl name="vennNode1">
+    <dgm:scene3d>
+      <a:camera prst="orthographicFront"/>
+      <a:lightRig rig="threePt" dir="t"/>
+    </dgm:scene3d>
+    <dgm:sp3d/>
+    <dgm:txPr/>
+    <dgm:style>
+      <a:lnRef idx="2">
+        <a:scrgbClr r="0" g="0" b="0"/>
+      </a:lnRef>
+      <a:fillRef idx="1">
+        <a:scrgbClr r="0" g="0" b="0"/>
+      </a:fillRef>
+      <a:effectRef idx="0">
+        <a:scrgbClr r="0" g="0" b="0"/>
+      </a:effectRef>
+      <a:fontRef idx="minor">
+        <a:schemeClr val="tx1"/>
+      </a:fontRef>
+    </dgm:style>
+  </dgm:styleLbl>
+  <dgm:styleLbl name="alignNode1">
+    <dgm:scene3d>
+      <a:camera prst="orthographicFront"/>
+      <a:lightRig rig="threePt" dir="t"/>
+    </dgm:scene3d>
+    <dgm:sp3d/>
+    <dgm:txPr/>
+    <dgm:style>
+      <a:lnRef idx="2">
+        <a:scrgbClr r="0" g="0" b="0"/>
+      </a:lnRef>
+      <a:fillRef idx="1">
+        <a:scrgbClr r="0" g="0" b="0"/>
+      </a:fillRef>
+      <a:effectRef idx="0">
+        <a:scrgbClr r="0" g="0" b="0"/>
+      </a:effectRef>
+      <a:fontRef idx="minor">
+        <a:schemeClr val="lt1"/>
+      </a:fontRef>
+    </dgm:style>
+  </dgm:styleLbl>
+  <dgm:styleLbl name="node1">
+    <dgm:scene3d>
+      <a:camera prst="orthographicFront"/>
+      <a:lightRig rig="threePt" dir="t"/>
+    </dgm:scene3d>
+    <dgm:sp3d/>
+    <dgm:txPr/>
+    <dgm:style>
+      <a:lnRef idx="2">
+        <a:scrgbClr r="0" g="0" b="0"/>
+      </a:lnRef>
+      <a:fillRef idx="1">
+        <a:scrgbClr r="0" g="0" b="0"/>
+      </a:fillRef>
+      <a:effectRef idx="0">
+        <a:scrgbClr r="0" g="0" b="0"/>
+      </a:effectRef>
+      <a:fontRef idx="minor">
+        <a:schemeClr val="lt1"/>
+      </a:fontRef>
+    </dgm:style>
+  </dgm:styleLbl>
+  <dgm:styleLbl name="node2">
+    <dgm:scene3d>
+      <a:camera prst="orthographicFront"/>
+      <a:lightRig rig="threePt" dir="t"/>
+    </dgm:scene3d>
+    <dgm:sp3d/>
+    <dgm:txPr/>
+    <dgm:style>
+      <a:lnRef idx="2">
+        <a:scrgbClr r="0" g="0" b="0"/>
+      </a:lnRef>
+      <a:fillRef idx="1">
+        <a:scrgbClr r="0" g="0" b="0"/>
+      </a:fillRef>
+      <a:effectRef idx="0">
+        <a:scrgbClr r="0" g="0" b="0"/>
+      </a:effectRef>
+      <a:fontRef idx="minor">
+        <a:schemeClr val="lt1"/>
+      </a:fontRef>
+    </dgm:style>
+  </dgm:styleLbl>
+  <dgm:styleLbl name="node3">
+    <dgm:scene3d>
+      <a:camera prst="orthographicFront"/>
+      <a:lightRig rig="threePt" dir="t"/>
+    </dgm:scene3d>
+    <dgm:sp3d/>
+    <dgm:txPr/>
+    <dgm:style>
+      <a:lnRef idx="2">
+        <a:scrgbClr r="0" g="0" b="0"/>
+      </a:lnRef>
+      <a:fillRef idx="1">
+        <a:scrgbClr r="0" g="0" b="0"/>
+      </a:fillRef>
+      <a:effectRef idx="0">
+        <a:scrgbClr r="0" g="0" b="0"/>
+      </a:effectRef>
+      <a:fontRef idx="minor">
+        <a:schemeClr val="lt1"/>
+      </a:fontRef>
+    </dgm:style>
+  </dgm:styleLbl>
+  <dgm:styleLbl name="node4">
+    <dgm:scene3d>
+      <a:camera prst="orthographicFront"/>
+      <a:lightRig rig="threePt" dir="t"/>
+    </dgm:scene3d>
+    <dgm:sp3d/>
+    <dgm:txPr/>
+    <dgm:style>
+      <a:lnRef idx="2">
+        <a:scrgbClr r="0" g="0" b="0"/>
+      </a:lnRef>
+      <a:fillRef idx="1">
+        <a:scrgbClr r="0" g="0" b="0"/>
+      </a:fillRef>
+      <a:effectRef idx="0">
+        <a:scrgbClr r="0" g="0" b="0"/>
+      </a:effectRef>
+      <a:fontRef idx="minor">
+        <a:schemeClr val="lt1"/>
+      </a:fontRef>
+    </dgm:style>
+  </dgm:styleLbl>
+  <dgm:styleLbl name="fgImgPlace1">
+    <dgm:scene3d>
+      <a:camera prst="orthographicFront"/>
+      <a:lightRig rig="threePt" dir="t"/>
+    </dgm:scene3d>
+    <dgm:sp3d/>
+    <dgm:txPr/>
+    <dgm:style>
+      <a:lnRef idx="2">
+        <a:scrgbClr r="0" g="0" b="0"/>
+      </a:lnRef>
+      <a:fillRef idx="1">
+        <a:scrgbClr r="0" g="0" b="0"/>
+      </a:fillRef>
+      <a:effectRef idx="0">
+        <a:scrgbClr r="0" g="0" b="0"/>
+      </a:effectRef>
+      <a:fontRef idx="minor"/>
+    </dgm:style>
+  </dgm:styleLbl>
+  <dgm:styleLbl name="alignImgPlace1">
+    <dgm:scene3d>
+      <a:camera prst="orthographicFront"/>
+      <a:lightRig rig="threePt" dir="t"/>
+    </dgm:scene3d>
+    <dgm:sp3d/>
+    <dgm:txPr/>
+    <dgm:style>
+      <a:lnRef idx="2">
+        <a:scrgbClr r="0" g="0" b="0"/>
+      </a:lnRef>
+      <a:fillRef idx="1">
+        <a:scrgbClr r="0" g="0" b="0"/>
+      </a:fillRef>
+      <a:effectRef idx="0">
+        <a:scrgbClr r="0" g="0" b="0"/>
+      </a:effectRef>
+      <a:fontRef idx="minor"/>
+    </dgm:style>
+  </dgm:styleLbl>
+  <dgm:styleLbl name="bgImgPlace1">
+    <dgm:scene3d>
+      <a:camera prst="orthographicFront"/>
+      <a:lightRig rig="threePt" dir="t"/>
+    </dgm:scene3d>
+    <dgm:sp3d/>
+    <dgm:txPr/>
+    <dgm:style>
+      <a:lnRef idx="2">
+        <a:scrgbClr r="0" g="0" b="0"/>
+      </a:lnRef>
+      <a:fillRef idx="1">
+        <a:scrgbClr r="0" g="0" b="0"/>
+      </a:fillRef>
+      <a:effectRef idx="0">
+        <a:scrgbClr r="0" g="0" b="0"/>
+      </a:effectRef>
+      <a:fontRef idx="minor"/>
+    </dgm:style>
+  </dgm:styleLbl>
+  <dgm:styleLbl name="sibTrans2D1">
+    <dgm:scene3d>
+      <a:camera prst="orthographicFront"/>
+      <a:lightRig rig="threePt" dir="t"/>
+    </dgm:scene3d>
+    <dgm:sp3d/>
+    <dgm:txPr/>
+    <dgm:style>
+      <a:lnRef idx="0">
+        <a:scrgbClr r="0" g="0" b="0"/>
+      </a:lnRef>
+      <a:fillRef idx="1">
+        <a:scrgbClr r="0" g="0" b="0"/>
+      </a:fillRef>
+      <a:effectRef idx="0">
+        <a:scrgbClr r="0" g="0" b="0"/>
+      </a:effectRef>
+      <a:fontRef idx="minor">
+        <a:schemeClr val="lt1"/>
+      </a:fontRef>
+    </dgm:style>
+  </dgm:styleLbl>
+  <dgm:styleLbl name="fgSibTrans2D1">
+    <dgm:scene3d>
+      <a:camera prst="orthographicFront"/>
+      <a:lightRig rig="threePt" dir="t"/>
+    </dgm:scene3d>
+    <dgm:sp3d/>
+    <dgm:txPr/>
+    <dgm:style>
+      <a:lnRef idx="0">
+        <a:scrgbClr r="0" g="0" b="0"/>
+      </a:lnRef>
+      <a:fillRef idx="1">
+        <a:scrgbClr r="0" g="0" b="0"/>
+      </a:fillRef>
+      <a:effectRef idx="0">
+        <a:scrgbClr r="0" g="0" b="0"/>
+      </a:effectRef>
+      <a:fontRef idx="minor">
+        <a:schemeClr val="lt1"/>
+      </a:fontRef>
+    </dgm:style>
+  </dgm:styleLbl>
+  <dgm:styleLbl name="bgSibTrans2D1">
+    <dgm:scene3d>
+      <a:camera prst="orthographicFront"/>
+      <a:lightRig rig="threePt" dir="t"/>
+    </dgm:scene3d>
+    <dgm:sp3d/>
+    <dgm:txPr/>
+    <dgm:style>
+      <a:lnRef idx="0">
+        <a:scrgbClr r="0" g="0" b="0"/>
+      </a:lnRef>
+      <a:fillRef idx="1">
+        <a:scrgbClr r="0" g="0" b="0"/>
+      </a:fillRef>
+      <a:effectRef idx="0">
+        <a:scrgbClr r="0" g="0" b="0"/>
+      </a:effectRef>
+      <a:fontRef idx="minor">
+        <a:schemeClr val="lt1"/>
+      </a:fontRef>
+    </dgm:style>
+  </dgm:styleLbl>
+  <dgm:styleLbl name="sibTrans1D1">
+    <dgm:scene3d>
+      <a:camera prst="orthographicFront"/>
+      <a:lightRig rig="threePt" dir="t"/>
+    </dgm:scene3d>
+    <dgm:sp3d/>
+    <dgm:txPr/>
+    <dgm:style>
+      <a:lnRef idx="1">
+        <a:scrgbClr r="0" g="0" b="0"/>
+      </a:lnRef>
+      <a:fillRef idx="0">
+        <a:scrgbClr r="0" g="0" b="0"/>
+      </a:fillRef>
+      <a:effectRef idx="0">
+        <a:scrgbClr r="0" g="0" b="0"/>
+      </a:effectRef>
+      <a:fontRef idx="minor"/>
+    </dgm:style>
+  </dgm:styleLbl>
+  <dgm:styleLbl name="callout">
+    <dgm:scene3d>
+      <a:camera prst="orthographicFront"/>
+      <a:lightRig rig="threePt" dir="t"/>
+    </dgm:scene3d>
+    <dgm:sp3d/>
+    <dgm:txPr/>
+    <dgm:style>
+      <a:lnRef idx="2">
+        <a:scrgbClr r="0" g="0" b="0"/>
+      </a:lnRef>
+      <a:fillRef idx="1">
+        <a:scrgbClr r="0" g="0" b="0"/>
+      </a:fillRef>
+      <a:effectRef idx="0">
+        <a:scrgbClr r="0" g="0" b="0"/>
+      </a:effectRef>
+      <a:fontRef idx="minor"/>
+    </dgm:style>
+  </dgm:styleLbl>
+  <dgm:styleLbl name="asst0">
+    <dgm:scene3d>
+      <a:camera prst="orthographicFront"/>
+      <a:lightRig rig="threePt" dir="t"/>
+    </dgm:scene3d>
+    <dgm:sp3d/>
+    <dgm:txPr/>
+    <dgm:style>
+      <a:lnRef idx="2">
+        <a:scrgbClr r="0" g="0" b="0"/>
+      </a:lnRef>
+      <a:fillRef idx="1">
+        <a:scrgbClr r="0" g="0" b="0"/>
+      </a:fillRef>
+      <a:effectRef idx="0">
+        <a:scrgbClr r="0" g="0" b="0"/>
+      </a:effectRef>
+      <a:fontRef idx="minor">
+        <a:schemeClr val="lt1"/>
+      </a:fontRef>
+    </dgm:style>
+  </dgm:styleLbl>
+  <dgm:styleLbl name="asst1">
+    <dgm:scene3d>
+      <a:camera prst="orthographicFront"/>
+      <a:lightRig rig="threePt" dir="t"/>
+    </dgm:scene3d>
+    <dgm:sp3d/>
+    <dgm:txPr/>
+    <dgm:style>
+      <a:lnRef idx="2">
+        <a:scrgbClr r="0" g="0" b="0"/>
+      </a:lnRef>
+      <a:fillRef idx="1">
+        <a:scrgbClr r="0" g="0" b="0"/>
+      </a:fillRef>
+      <a:effectRef idx="0">
+        <a:scrgbClr r="0" g="0" b="0"/>
+      </a:effectRef>
+      <a:fontRef idx="minor">
+        <a:schemeClr val="lt1"/>
+      </a:fontRef>
+    </dgm:style>
+  </dgm:styleLbl>
+  <dgm:styleLbl name="asst2">
+    <dgm:scene3d>
+      <a:camera prst="orthographicFront"/>
+      <a:lightRig rig="threePt" dir="t"/>
+    </dgm:scene3d>
+    <dgm:sp3d/>
+    <dgm:txPr/>
+    <dgm:style>
+      <a:lnRef idx="2">
+        <a:scrgbClr r="0" g="0" b="0"/>
+      </a:lnRef>
+      <a:fillRef idx="1">
+        <a:scrgbClr r="0" g="0" b="0"/>
+      </a:fillRef>
+      <a:effectRef idx="0">
+        <a:scrgbClr r="0" g="0" b="0"/>
+      </a:effectRef>
+      <a:fontRef idx="minor">
+        <a:schemeClr val="lt1"/>
+      </a:fontRef>
+    </dgm:style>
+  </dgm:styleLbl>
+  <dgm:styleLbl name="asst3">
+    <dgm:scene3d>
+      <a:camera prst="orthographicFront"/>
+      <a:lightRig rig="threePt" dir="t"/>
+    </dgm:scene3d>
+    <dgm:sp3d/>
+    <dgm:txPr/>
+    <dgm:style>
+      <a:lnRef idx="2">
+        <a:scrgbClr r="0" g="0" b="0"/>
+      </a:lnRef>
+      <a:fillRef idx="1">
+        <a:scrgbClr r="0" g="0" b="0"/>
+      </a:fillRef>
+      <a:effectRef idx="0">
+        <a:scrgbClr r="0" g="0" b="0"/>
+      </a:effectRef>
+      <a:fontRef idx="minor">
+        <a:schemeClr val="lt1"/>
+      </a:fontRef>
+    </dgm:style>
+  </dgm:styleLbl>
+  <dgm:styleLbl name="asst4">
+    <dgm:scene3d>
+      <a:camera prst="orthographicFront"/>
+      <a:lightRig rig="threePt" dir="t"/>
+    </dgm:scene3d>
+    <dgm:sp3d/>
+    <dgm:txPr/>
+    <dgm:style>
+      <a:lnRef idx="2">
+        <a:scrgbClr r="0" g="0" b="0"/>
+      </a:lnRef>
+      <a:fillRef idx="1">
+        <a:scrgbClr r="0" g="0" b="0"/>
+      </a:fillRef>
+      <a:effectRef idx="0">
+        <a:scrgbClr r="0" g="0" b="0"/>
+      </a:effectRef>
+      <a:fontRef idx="minor">
+        <a:schemeClr val="lt1"/>
+      </a:fontRef>
+    </dgm:style>
+  </dgm:styleLbl>
+  <dgm:styleLbl name="parChTrans2D1">
+    <dgm:scene3d>
+      <a:camera prst="orthographicFront"/>
+      <a:lightRig rig="threePt" dir="t"/>
+    </dgm:scene3d>
+    <dgm:sp3d/>
+    <dgm:txPr/>
+    <dgm:style>
+      <a:lnRef idx="2">
+        <a:scrgbClr r="0" g="0" b="0"/>
+      </a:lnRef>
+      <a:fillRef idx="1">
+        <a:scrgbClr r="0" g="0" b="0"/>
+      </a:fillRef>
+      <a:effectRef idx="0">
+        <a:scrgbClr r="0" g="0" b="0"/>
+      </a:effectRef>
+      <a:fontRef idx="minor">
+        <a:schemeClr val="lt1"/>
+      </a:fontRef>
+    </dgm:style>
+  </dgm:styleLbl>
+  <dgm:styleLbl name="parChTrans2D2">
+    <dgm:scene3d>
+      <a:camera prst="orthographicFront"/>
+      <a:lightRig rig="threePt" dir="t"/>
+    </dgm:scene3d>
+    <dgm:sp3d/>
+    <dgm:txPr/>
+    <dgm:style>
+      <a:lnRef idx="2">
+        <a:scrgbClr r="0" g="0" b="0"/>
+      </a:lnRef>
+      <a:fillRef idx="1">
+        <a:scrgbClr r="0" g="0" b="0"/>
+      </a:fillRef>
+      <a:effectRef idx="0">
+        <a:scrgbClr r="0" g="0" b="0"/>
+      </a:effectRef>
+      <a:fontRef idx="minor">
+        <a:schemeClr val="lt1"/>
+      </a:fontRef>
+    </dgm:style>
+  </dgm:styleLbl>
+  <dgm:styleLbl name="parChTrans2D3">
+    <dgm:scene3d>
+      <a:camera prst="orthographicFront"/>
+      <a:lightRig rig="threePt" dir="t"/>
+    </dgm:scene3d>
+    <dgm:sp3d/>
+    <dgm:txPr/>
+    <dgm:style>
+      <a:lnRef idx="2">
+        <a:scrgbClr r="0" g="0" b="0"/>
+      </a:lnRef>
+      <a:fillRef idx="1">
+        <a:scrgbClr r="0" g="0" b="0"/>
+      </a:fillRef>
+      <a:effectRef idx="0">
+        <a:scrgbClr r="0" g="0" b="0"/>
+      </a:effectRef>
+      <a:fontRef idx="minor">
+        <a:schemeClr val="lt1"/>
+      </a:fontRef>
+    </dgm:style>
+  </dgm:styleLbl>
+  <dgm:styleLbl name="parChTrans2D4">
+    <dgm:scene3d>
+      <a:camera prst="orthographicFront"/>
+      <a:lightRig rig="threePt" dir="t"/>
+    </dgm:scene3d>
+    <dgm:sp3d/>
+    <dgm:txPr/>
+    <dgm:style>
+      <a:lnRef idx="2">
+        <a:scrgbClr r="0" g="0" b="0"/>
+      </a:lnRef>
+      <a:fillRef idx="1">
+        <a:scrgbClr r="0" g="0" b="0"/>
+      </a:fillRef>
+      <a:effectRef idx="0">
+        <a:scrgbClr r="0" g="0" b="0"/>
+      </a:effectRef>
+      <a:fontRef idx="minor">
+        <a:schemeClr val="lt1"/>
+      </a:fontRef>
+    </dgm:style>
+  </dgm:styleLbl>
+  <dgm:styleLbl name="parChTrans1D1">
+    <dgm:scene3d>
+      <a:camera prst="orthographicFront"/>
+      <a:lightRig rig="threePt" dir="t"/>
+    </dgm:scene3d>
+    <dgm:sp3d/>
+    <dgm:txPr/>
+    <dgm:style>
+      <a:lnRef idx="2">
+        <a:scrgbClr r="0" g="0" b="0"/>
+      </a:lnRef>
+      <a:fillRef idx="0">
+        <a:scrgbClr r="0" g="0" b="0"/>
+      </a:fillRef>
+      <a:effectRef idx="0">
+        <a:scrgbClr r="0" g="0" b="0"/>
+      </a:effectRef>
+      <a:fontRef idx="minor"/>
+    </dgm:style>
+  </dgm:styleLbl>
+  <dgm:styleLbl name="parChTrans1D2">
+    <dgm:scene3d>
+      <a:camera prst="orthographicFront"/>
+      <a:lightRig rig="threePt" dir="t"/>
+    </dgm:scene3d>
+    <dgm:sp3d/>
+    <dgm:txPr/>
+    <dgm:style>
+      <a:lnRef idx="2">
+        <a:scrgbClr r="0" g="0" b="0"/>
+      </a:lnRef>
+      <a:fillRef idx="0">
+        <a:scrgbClr r="0" g="0" b="0"/>
+      </a:fillRef>
+      <a:effectRef idx="0">
+        <a:scrgbClr r="0" g="0" b="0"/>
+      </a:effectRef>
+      <a:fontRef idx="minor"/>
+    </dgm:style>
+  </dgm:styleLbl>
+  <dgm:styleLbl name="parChTrans1D3">
+    <dgm:scene3d>
+      <a:camera prst="orthographicFront"/>
+      <a:lightRig rig="threePt" dir="t"/>
+    </dgm:scene3d>
+    <dgm:sp3d/>
+    <dgm:txPr/>
+    <dgm:style>
+      <a:lnRef idx="2">
+        <a:scrgbClr r="0" g="0" b="0"/>
+      </a:lnRef>
+      <a:fillRef idx="0">
+        <a:scrgbClr r="0" g="0" b="0"/>
+      </a:fillRef>
+      <a:effectRef idx="0">
+        <a:scrgbClr r="0" g="0" b="0"/>
+      </a:effectRef>
+      <a:fontRef idx="minor"/>
+    </dgm:style>
+  </dgm:styleLbl>
+  <dgm:styleLbl name="parChTrans1D4">
+    <dgm:scene3d>
+      <a:camera prst="orthographicFront"/>
+      <a:lightRig rig="threePt" dir="t"/>
+    </dgm:scene3d>
+    <dgm:sp3d/>
+    <dgm:txPr/>
+    <dgm:style>
+      <a:lnRef idx="2">
+        <a:scrgbClr r="0" g="0" b="0"/>
+      </a:lnRef>
+      <a:fillRef idx="0">
+        <a:scrgbClr r="0" g="0" b="0"/>
+      </a:fillRef>
+      <a:effectRef idx="0">
+        <a:scrgbClr r="0" g="0" b="0"/>
+      </a:effectRef>
+      <a:fontRef idx="minor"/>
+    </dgm:style>
+  </dgm:styleLbl>
+  <dgm:styleLbl name="fgAcc1">
+    <dgm:scene3d>
+      <a:camera prst="orthographicFront"/>
+      <a:lightRig rig="threePt" dir="t"/>
+    </dgm:scene3d>
+    <dgm:sp3d/>
+    <dgm:txPr/>
+    <dgm:style>
+      <a:lnRef idx="2">
+        <a:scrgbClr r="0" g="0" b="0"/>
+      </a:lnRef>
+      <a:fillRef idx="1">
+        <a:scrgbClr r="0" g="0" b="0"/>
+      </a:fillRef>
+      <a:effectRef idx="0">
+        <a:scrgbClr r="0" g="0" b="0"/>
+      </a:effectRef>
+      <a:fontRef idx="minor"/>
+    </dgm:style>
+  </dgm:styleLbl>
+  <dgm:styleLbl name="conFgAcc1">
+    <dgm:scene3d>
+      <a:camera prst="orthographicFront"/>
+      <a:lightRig rig="threePt" dir="t"/>
+    </dgm:scene3d>
+    <dgm:sp3d/>
+    <dgm:txPr/>
+    <dgm:style>
+      <a:lnRef idx="2">
+        <a:scrgbClr r="0" g="0" b="0"/>
+      </a:lnRef>
+      <a:fillRef idx="1">
+        <a:scrgbClr r="0" g="0" b="0"/>
+      </a:fillRef>
+      <a:effectRef idx="0">
+        <a:scrgbClr r="0" g="0" b="0"/>
+      </a:effectRef>
+      <a:fontRef idx="minor"/>
+    </dgm:style>
+  </dgm:styleLbl>
+  <dgm:styleLbl name="alignAcc1">
+    <dgm:scene3d>
+      <a:camera prst="orthographicFront"/>
+      <a:lightRig rig="threePt" dir="t"/>
+    </dgm:scene3d>
+    <dgm:sp3d/>
+    <dgm:txPr/>
+    <dgm:style>
+      <a:lnRef idx="2">
+        <a:scrgbClr r="0" g="0" b="0"/>
+      </a:lnRef>
+      <a:fillRef idx="1">
+        <a:scrgbClr r="0" g="0" b="0"/>
+      </a:fillRef>
+      <a:effectRef idx="0">
+        <a:scrgbClr r="0" g="0" b="0"/>
+      </a:effectRef>
+      <a:fontRef idx="minor"/>
+    </dgm:style>
+  </dgm:styleLbl>
+  <dgm:styleLbl name="trAlignAcc1">
+    <dgm:scene3d>
+      <a:camera prst="orthographicFront"/>
+      <a:lightRig rig="threePt" dir="t"/>
+    </dgm:scene3d>
+    <dgm:sp3d/>
+    <dgm:txPr/>
+    <dgm:style>
+      <a:lnRef idx="1">
+        <a:scrgbClr r="0" g="0" b="0"/>
+      </a:lnRef>
+      <a:fillRef idx="1">
+        <a:scrgbClr r="0" g="0" b="0"/>
+      </a:fillRef>
+      <a:effectRef idx="0">
+        <a:scrgbClr r="0" g="0" b="0"/>
+      </a:effectRef>
+      <a:fontRef idx="minor"/>
+    </dgm:style>
+  </dgm:styleLbl>
+  <dgm:styleLbl name="bgAcc1">
+    <dgm:scene3d>
+      <a:camera prst="orthographicFront"/>
+      <a:lightRig rig="threePt" dir="t"/>
+    </dgm:scene3d>
+    <dgm:sp3d/>
+    <dgm:txPr/>
+    <dgm:style>
+      <a:lnRef idx="2">
+        <a:scrgbClr r="0" g="0" b="0"/>
+      </a:lnRef>
+      <a:fillRef idx="1">
+        <a:scrgbClr r="0" g="0" b="0"/>
+      </a:fillRef>
+      <a:effectRef idx="0">
+        <a:scrgbClr r="0" g="0" b="0"/>
+      </a:effectRef>
+      <a:fontRef idx="minor"/>
+    </dgm:style>
+  </dgm:styleLbl>
+  <dgm:styleLbl name="solidFgAcc1">
+    <dgm:scene3d>
+      <a:camera prst="orthographicFront"/>
+      <a:lightRig rig="threePt" dir="t"/>
+    </dgm:scene3d>
+    <dgm:sp3d/>
+    <dgm:txPr/>
+    <dgm:style>
+      <a:lnRef idx="2">
+        <a:scrgbClr r="0" g="0" b="0"/>
+      </a:lnRef>
+      <a:fillRef idx="1">
+        <a:scrgbClr r="0" g="0" b="0"/>
+      </a:fillRef>
+      <a:effectRef idx="0">
+        <a:scrgbClr r="0" g="0" b="0"/>
+      </a:effectRef>
+      <a:fontRef idx="minor"/>
+    </dgm:style>
+  </dgm:styleLbl>
+  <dgm:styleLbl name="solidAlignAcc1">
+    <dgm:scene3d>
+      <a:camera prst="orthographicFront"/>
+      <a:lightRig rig="threePt" dir="t"/>
+    </dgm:scene3d>
+    <dgm:sp3d/>
+    <dgm:txPr/>
+    <dgm:style>
+      <a:lnRef idx="2">
+        <a:scrgbClr r="0" g="0" b="0"/>
+      </a:lnRef>
+      <a:fillRef idx="1">
+        <a:scrgbClr r="0" g="0" b="0"/>
+      </a:fillRef>
+      <a:effectRef idx="0">
+        <a:scrgbClr r="0" g="0" b="0"/>
+      </a:effectRef>
+      <a:fontRef idx="minor"/>
+    </dgm:style>
+  </dgm:styleLbl>
+  <dgm:styleLbl name="solidBgAcc1">
+    <dgm:scene3d>
+      <a:camera prst="orthographicFront"/>
+      <a:lightRig rig="threePt" dir="t"/>
+    </dgm:scene3d>
+    <dgm:sp3d/>
+    <dgm:txPr/>
+    <dgm:style>
+      <a:lnRef idx="2">
+        <a:scrgbClr r="0" g="0" b="0"/>
+      </a:lnRef>
+      <a:fillRef idx="1">
+        <a:scrgbClr r="0" g="0" b="0"/>
+      </a:fillRef>
+      <a:effectRef idx="0">
+        <a:scrgbClr r="0" g="0" b="0"/>
+      </a:effectRef>
+      <a:fontRef idx="minor"/>
+    </dgm:style>
+  </dgm:styleLbl>
+  <dgm:styleLbl name="fgAccFollowNode1">
+    <dgm:scene3d>
+      <a:camera prst="orthographicFront"/>
+      <a:lightRig rig="threePt" dir="t"/>
+    </dgm:scene3d>
+    <dgm:sp3d/>
+    <dgm:txPr/>
+    <dgm:style>
+      <a:lnRef idx="2">
+        <a:scrgbClr r="0" g="0" b="0"/>
+      </a:lnRef>
+      <a:fillRef idx="1">
+        <a:scrgbClr r="0" g="0" b="0"/>
+      </a:fillRef>
+      <a:effectRef idx="0">
+        <a:scrgbClr r="0" g="0" b="0"/>
+      </a:effectRef>
+      <a:fontRef idx="minor"/>
+    </dgm:style>
+  </dgm:styleLbl>
+  <dgm:styleLbl name="alignAccFollowNode1">
+    <dgm:scene3d>
+      <a:camera prst="orthographicFront"/>
+      <a:lightRig rig="threePt" dir="t"/>
+    </dgm:scene3d>
+    <dgm:sp3d/>
+    <dgm:txPr/>
+    <dgm:style>
+      <a:lnRef idx="2">
+        <a:scrgbClr r="0" g="0" b="0"/>
+      </a:lnRef>
+      <a:fillRef idx="1">
+        <a:scrgbClr r="0" g="0" b="0"/>
+      </a:fillRef>
+      <a:effectRef idx="0">
+        <a:scrgbClr r="0" g="0" b="0"/>
+      </a:effectRef>
+      <a:fontRef idx="minor"/>
+    </dgm:style>
+  </dgm:styleLbl>
+  <dgm:styleLbl name="bgAccFollowNode1">
+    <dgm:scene3d>
+      <a:camera prst="orthographicFront"/>
+      <a:lightRig rig="threePt" dir="t"/>
+    </dgm:scene3d>
+    <dgm:sp3d/>
+    <dgm:txPr/>
+    <dgm:style>
+      <a:lnRef idx="2">
+        <a:scrgbClr r="0" g="0" b="0"/>
+      </a:lnRef>
+      <a:fillRef idx="1">
+        <a:scrgbClr r="0" g="0" b="0"/>
+      </a:fillRef>
+      <a:effectRef idx="0">
+        <a:scrgbClr r="0" g="0" b="0"/>
+      </a:effectRef>
+      <a:fontRef idx="minor"/>
+    </dgm:style>
+  </dgm:styleLbl>
+  <dgm:styleLbl name="fgAcc0">
+    <dgm:scene3d>
+      <a:camera prst="orthographicFront"/>
+      <a:lightRig rig="threePt" dir="t"/>
+    </dgm:scene3d>
+    <dgm:sp3d/>
+    <dgm:txPr/>
+    <dgm:style>
+      <a:lnRef idx="2">
+        <a:scrgbClr r="0" g="0" b="0"/>
+      </a:lnRef>
+      <a:fillRef idx="1">
+        <a:scrgbClr r="0" g="0" b="0"/>
+      </a:fillRef>
+      <a:effectRef idx="0">
+        <a:scrgbClr r="0" g="0" b="0"/>
+      </a:effectRef>
+      <a:fontRef idx="minor"/>
+    </dgm:style>
+  </dgm:styleLbl>
+  <dgm:styleLbl name="fgAcc2">
+    <dgm:scene3d>
+      <a:camera prst="orthographicFront"/>
+      <a:lightRig rig="threePt" dir="t"/>
+    </dgm:scene3d>
+    <dgm:sp3d/>
+    <dgm:txPr/>
+    <dgm:style>
+      <a:lnRef idx="2">
+        <a:scrgbClr r="0" g="0" b="0"/>
+      </a:lnRef>
+      <a:fillRef idx="1">
+        <a:scrgbClr r="0" g="0" b="0"/>
+      </a:fillRef>
+      <a:effectRef idx="0">
+        <a:scrgbClr r="0" g="0" b="0"/>
+      </a:effectRef>
+      <a:fontRef idx="minor"/>
+    </dgm:style>
+  </dgm:styleLbl>
+  <dgm:styleLbl name="fgAcc3">
+    <dgm:scene3d>
+      <a:camera prst="orthographicFront"/>
+      <a:lightRig rig="threePt" dir="t"/>
+    </dgm:scene3d>
+    <dgm:sp3d/>
+    <dgm:txPr/>
+    <dgm:style>
+      <a:lnRef idx="2">
+        <a:scrgbClr r="0" g="0" b="0"/>
+      </a:lnRef>
+      <a:fillRef idx="1">
+        <a:scrgbClr r="0" g="0" b="0"/>
+      </a:fillRef>
+      <a:effectRef idx="0">
+        <a:scrgbClr r="0" g="0" b="0"/>
+      </a:effectRef>
+      <a:fontRef idx="minor"/>
+    </dgm:style>
+  </dgm:styleLbl>
+  <dgm:styleLbl name="fgAcc4">
+    <dgm:scene3d>
+      <a:camera prst="orthographicFront"/>
+      <a:lightRig rig="threePt" dir="t"/>
+    </dgm:scene3d>
+    <dgm:sp3d/>
+    <dgm:txPr/>
+    <dgm:style>
+      <a:lnRef idx="2">
+        <a:scrgbClr r="0" g="0" b="0"/>
+      </a:lnRef>
+      <a:fillRef idx="1">
+        <a:scrgbClr r="0" g="0" b="0"/>
+      </a:fillRef>
+      <a:effectRef idx="0">
+        <a:scrgbClr r="0" g="0" b="0"/>
+      </a:effectRef>
+      <a:fontRef idx="minor"/>
+    </dgm:style>
+  </dgm:styleLbl>
+  <dgm:styleLbl name="bgShp">
+    <dgm:scene3d>
+      <a:camera prst="orthographicFront"/>
+      <a:lightRig rig="threePt" dir="t"/>
+    </dgm:scene3d>
+    <dgm:sp3d/>
+    <dgm:txPr/>
+    <dgm:style>
+      <a:lnRef idx="0">
+        <a:scrgbClr r="0" g="0" b="0"/>
+      </a:lnRef>
+      <a:fillRef idx="1">
+        <a:scrgbClr r="0" g="0" b="0"/>
+      </a:fillRef>
+      <a:effectRef idx="0">
+        <a:scrgbClr r="0" g="0" b="0"/>
+      </a:effectRef>
+      <a:fontRef idx="minor"/>
+    </dgm:style>
+  </dgm:styleLbl>
+  <dgm:styleLbl name="dkBgShp">
+    <dgm:scene3d>
+      <a:camera prst="orthographicFront"/>
+      <a:lightRig rig="threePt" dir="t"/>
+    </dgm:scene3d>
+    <dgm:sp3d/>
+    <dgm:txPr/>
+    <dgm:style>
+      <a:lnRef idx="0">
+        <a:scrgbClr r="0" g="0" b="0"/>
+      </a:lnRef>
+      <a:fillRef idx="1">
+        <a:scrgbClr r="0" g="0" b="0"/>
+      </a:fillRef>
+      <a:effectRef idx="0">
+        <a:scrgbClr r="0" g="0" b="0"/>
+      </a:effectRef>
+      <a:fontRef idx="minor"/>
+    </dgm:style>
+  </dgm:styleLbl>
+  <dgm:styleLbl name="trBgShp">
+    <dgm:scene3d>
+      <a:camera prst="orthographicFront"/>
+      <a:lightRig rig="threePt" dir="t"/>
+    </dgm:scene3d>
+    <dgm:sp3d/>
+    <dgm:txPr/>
+    <dgm:style>
+      <a:lnRef idx="0">
+        <a:scrgbClr r="0" g="0" b="0"/>
+      </a:lnRef>
+      <a:fillRef idx="1">
+        <a:scrgbClr r="0" g="0" b="0"/>
+      </a:fillRef>
+      <a:effectRef idx="0">
+        <a:scrgbClr r="0" g="0" b="0"/>
+      </a:effectRef>
+      <a:fontRef idx="minor"/>
+    </dgm:style>
+  </dgm:styleLbl>
+  <dgm:styleLbl name="fgShp">
+    <dgm:scene3d>
+      <a:camera prst="orthographicFront"/>
+      <a:lightRig rig="threePt" dir="t"/>
+    </dgm:scene3d>
+    <dgm:sp3d/>
+    <dgm:txPr/>
+    <dgm:style>
+      <a:lnRef idx="2">
+        <a:scrgbClr r="0" g="0" b="0"/>
+      </a:lnRef>
+      <a:fillRef idx="1">
+        <a:scrgbClr r="0" g="0" b="0"/>
+      </a:fillRef>
+      <a:effectRef idx="0">
+        <a:scrgbClr r="0" g="0" b="0"/>
+      </a:effectRef>
+      <a:fontRef idx="minor"/>
+    </dgm:style>
+  </dgm:styleLbl>
+  <dgm:styleLbl name="revTx">
+    <dgm:scene3d>
+      <a:camera prst="orthographicFront"/>
+      <a:lightRig rig="threePt" dir="t"/>
+    </dgm:scene3d>
+    <dgm:sp3d/>
+    <dgm:txPr/>
+    <dgm:style>
+      <a:lnRef idx="0">
+        <a:scrgbClr r="0" g="0" b="0"/>
+      </a:lnRef>
+      <a:fillRef idx="0">
+        <a:scrgbClr r="0" g="0" b="0"/>
+      </a:fillRef>
+      <a:effectRef idx="0">
+        <a:scrgbClr r="0" g="0" b="0"/>
+      </a:effectRef>
+      <a:fontRef idx="minor"/>
+    </dgm:style>
+  </dgm:styleLbl>
+</dgm:styleDef>
+</file>
+
+<file path=ppt/diagrams/quickStyle6.xml><?xml version="1.0" encoding="utf-8"?>
 <dgm:styleDef xmlns:dgm="http://schemas.openxmlformats.org/drawingml/2006/diagram" xmlns:a="http://schemas.openxmlformats.org/drawingml/2006/main" uniqueId="urn:microsoft.com/office/officeart/2005/8/quickstyle/simple1">
   <dgm:title val=""/>
   <dgm:desc val=""/>
@@ -17350,7 +23348,7 @@
           <a:p>
             <a:fld id="{5CFFFF7F-6CF7-4DDB-8ECD-AF3ECDED6917}" type="datetimeFigureOut">
               <a:rPr lang="de-DE" smtClean="0"/>
-              <a:t>18.01.2023</a:t>
+              <a:t>19.01.2023</a:t>
             </a:fld>
             <a:endParaRPr lang="de-DE"/>
           </a:p>
@@ -17520,7 +23518,7 @@
           <a:p>
             <a:fld id="{5CFFFF7F-6CF7-4DDB-8ECD-AF3ECDED6917}" type="datetimeFigureOut">
               <a:rPr lang="de-DE" smtClean="0"/>
-              <a:t>18.01.2023</a:t>
+              <a:t>19.01.2023</a:t>
             </a:fld>
             <a:endParaRPr lang="de-DE"/>
           </a:p>
@@ -17700,7 +23698,7 @@
           <a:p>
             <a:fld id="{5CFFFF7F-6CF7-4DDB-8ECD-AF3ECDED6917}" type="datetimeFigureOut">
               <a:rPr lang="de-DE" smtClean="0"/>
-              <a:t>18.01.2023</a:t>
+              <a:t>19.01.2023</a:t>
             </a:fld>
             <a:endParaRPr lang="de-DE"/>
           </a:p>
@@ -17870,7 +23868,7 @@
           <a:p>
             <a:fld id="{5CFFFF7F-6CF7-4DDB-8ECD-AF3ECDED6917}" type="datetimeFigureOut">
               <a:rPr lang="de-DE" smtClean="0"/>
-              <a:t>18.01.2023</a:t>
+              <a:t>19.01.2023</a:t>
             </a:fld>
             <a:endParaRPr lang="de-DE"/>
           </a:p>
@@ -18116,7 +24114,7 @@
           <a:p>
             <a:fld id="{5CFFFF7F-6CF7-4DDB-8ECD-AF3ECDED6917}" type="datetimeFigureOut">
               <a:rPr lang="de-DE" smtClean="0"/>
-              <a:t>18.01.2023</a:t>
+              <a:t>19.01.2023</a:t>
             </a:fld>
             <a:endParaRPr lang="de-DE"/>
           </a:p>
@@ -18348,7 +24346,7 @@
           <a:p>
             <a:fld id="{5CFFFF7F-6CF7-4DDB-8ECD-AF3ECDED6917}" type="datetimeFigureOut">
               <a:rPr lang="de-DE" smtClean="0"/>
-              <a:t>18.01.2023</a:t>
+              <a:t>19.01.2023</a:t>
             </a:fld>
             <a:endParaRPr lang="de-DE"/>
           </a:p>
@@ -18715,7 +24713,7 @@
           <a:p>
             <a:fld id="{5CFFFF7F-6CF7-4DDB-8ECD-AF3ECDED6917}" type="datetimeFigureOut">
               <a:rPr lang="de-DE" smtClean="0"/>
-              <a:t>18.01.2023</a:t>
+              <a:t>19.01.2023</a:t>
             </a:fld>
             <a:endParaRPr lang="de-DE"/>
           </a:p>
@@ -18833,7 +24831,7 @@
           <a:p>
             <a:fld id="{5CFFFF7F-6CF7-4DDB-8ECD-AF3ECDED6917}" type="datetimeFigureOut">
               <a:rPr lang="de-DE" smtClean="0"/>
-              <a:t>18.01.2023</a:t>
+              <a:t>19.01.2023</a:t>
             </a:fld>
             <a:endParaRPr lang="de-DE"/>
           </a:p>
@@ -18928,7 +24926,7 @@
           <a:p>
             <a:fld id="{5CFFFF7F-6CF7-4DDB-8ECD-AF3ECDED6917}" type="datetimeFigureOut">
               <a:rPr lang="de-DE" smtClean="0"/>
-              <a:t>18.01.2023</a:t>
+              <a:t>19.01.2023</a:t>
             </a:fld>
             <a:endParaRPr lang="de-DE"/>
           </a:p>
@@ -19205,7 +25203,7 @@
           <a:p>
             <a:fld id="{5CFFFF7F-6CF7-4DDB-8ECD-AF3ECDED6917}" type="datetimeFigureOut">
               <a:rPr lang="de-DE" smtClean="0"/>
-              <a:t>18.01.2023</a:t>
+              <a:t>19.01.2023</a:t>
             </a:fld>
             <a:endParaRPr lang="de-DE"/>
           </a:p>
@@ -19458,7 +25456,7 @@
           <a:p>
             <a:fld id="{5CFFFF7F-6CF7-4DDB-8ECD-AF3ECDED6917}" type="datetimeFigureOut">
               <a:rPr lang="de-DE" smtClean="0"/>
-              <a:t>18.01.2023</a:t>
+              <a:t>19.01.2023</a:t>
             </a:fld>
             <a:endParaRPr lang="de-DE"/>
           </a:p>
@@ -19671,7 +25669,7 @@
           <a:p>
             <a:fld id="{5CFFFF7F-6CF7-4DDB-8ECD-AF3ECDED6917}" type="datetimeFigureOut">
               <a:rPr lang="de-DE" smtClean="0"/>
-              <a:t>18.01.2023</a:t>
+              <a:t>19.01.2023</a:t>
             </a:fld>
             <a:endParaRPr lang="de-DE"/>
           </a:p>
@@ -23013,91 +29011,6 @@
           <a:bodyPr/>
           <a:lstStyle/>
           <a:p>
-            <a:pPr marL="0" indent="0">
-              <a:lnSpc>
-                <a:spcPct val="150000"/>
-              </a:lnSpc>
-              <a:buNone/>
-            </a:pPr>
-            <a:r>
-              <a:rPr lang="de-DE" dirty="0" smtClean="0">
-                <a:latin typeface="Times New Roman" panose="02020603050405020304" pitchFamily="18" charset="0"/>
-                <a:cs typeface="Times New Roman" panose="02020603050405020304" pitchFamily="18" charset="0"/>
-                <a:sym typeface="Wingdings" panose="05000000000000000000" pitchFamily="2" charset="2"/>
-              </a:rPr>
-              <a:t>Controlling ohne die Privilegien:</a:t>
-            </a:r>
-          </a:p>
-          <a:p>
-            <a:pPr>
-              <a:lnSpc>
-                <a:spcPct val="150000"/>
-              </a:lnSpc>
-            </a:pPr>
-            <a:r>
-              <a:rPr lang="de-DE" dirty="0" smtClean="0">
-                <a:latin typeface="Times New Roman" panose="02020603050405020304" pitchFamily="18" charset="0"/>
-                <a:cs typeface="Times New Roman" panose="02020603050405020304" pitchFamily="18" charset="0"/>
-                <a:sym typeface="Wingdings" panose="05000000000000000000" pitchFamily="2" charset="2"/>
-              </a:rPr>
-              <a:t>Kontrolle der Business Partner</a:t>
-            </a:r>
-          </a:p>
-          <a:p>
-            <a:pPr>
-              <a:lnSpc>
-                <a:spcPct val="100000"/>
-              </a:lnSpc>
-            </a:pPr>
-            <a:endParaRPr lang="de-DE" dirty="0" smtClean="0">
-              <a:latin typeface="Times New Roman" panose="02020603050405020304" pitchFamily="18" charset="0"/>
-              <a:cs typeface="Times New Roman" panose="02020603050405020304" pitchFamily="18" charset="0"/>
-              <a:sym typeface="Wingdings" panose="05000000000000000000" pitchFamily="2" charset="2"/>
-            </a:endParaRPr>
-          </a:p>
-          <a:p>
-            <a:pPr>
-              <a:lnSpc>
-                <a:spcPct val="100000"/>
-              </a:lnSpc>
-            </a:pPr>
-            <a:r>
-              <a:rPr lang="de-DE" dirty="0" smtClean="0">
-                <a:latin typeface="Times New Roman" panose="02020603050405020304" pitchFamily="18" charset="0"/>
-                <a:cs typeface="Times New Roman" panose="02020603050405020304" pitchFamily="18" charset="0"/>
-                <a:sym typeface="Wingdings" panose="05000000000000000000" pitchFamily="2" charset="2"/>
-              </a:rPr>
-              <a:t>Flache Hierarchien in KMU</a:t>
-            </a:r>
-          </a:p>
-          <a:p>
-            <a:pPr>
-              <a:lnSpc>
-                <a:spcPct val="100000"/>
-              </a:lnSpc>
-            </a:pPr>
-            <a:endParaRPr lang="de-DE" dirty="0" smtClean="0">
-              <a:latin typeface="Times New Roman" panose="02020603050405020304" pitchFamily="18" charset="0"/>
-              <a:cs typeface="Times New Roman" panose="02020603050405020304" pitchFamily="18" charset="0"/>
-              <a:sym typeface="Wingdings" panose="05000000000000000000" pitchFamily="2" charset="2"/>
-            </a:endParaRPr>
-          </a:p>
-          <a:p>
-            <a:pPr>
-              <a:lnSpc>
-                <a:spcPct val="100000"/>
-              </a:lnSpc>
-            </a:pPr>
-            <a:r>
-              <a:rPr lang="de-DE" dirty="0" smtClean="0">
-                <a:latin typeface="Times New Roman" panose="02020603050405020304" pitchFamily="18" charset="0"/>
-                <a:cs typeface="Times New Roman" panose="02020603050405020304" pitchFamily="18" charset="0"/>
-                <a:sym typeface="Wingdings" panose="05000000000000000000" pitchFamily="2" charset="2"/>
-              </a:rPr>
-              <a:t>Kennzahlen helfen Kapital zu beschaffen</a:t>
-            </a:r>
-          </a:p>
-          <a:p>
             <a:pPr>
               <a:lnSpc>
                 <a:spcPct val="150000"/>
@@ -23444,10 +29357,2680 @@
           </a:prstGeom>
         </p:spPr>
       </p:pic>
+      <p:graphicFrame>
+        <p:nvGraphicFramePr>
+          <p:cNvPr id="16" name="Diagramm 15"/>
+          <p:cNvGraphicFramePr/>
+          <p:nvPr>
+            <p:extLst>
+              <p:ext uri="{D42A27DB-BD31-4B8C-83A1-F6EECF244321}">
+                <p14:modId xmlns:p14="http://schemas.microsoft.com/office/powerpoint/2010/main" val="4113360444"/>
+              </p:ext>
+            </p:extLst>
+          </p:nvPr>
+        </p:nvGraphicFramePr>
+        <p:xfrm>
+          <a:off x="1826054" y="2133600"/>
+          <a:ext cx="7000033" cy="4202441"/>
+        </p:xfrm>
+        <a:graphic>
+          <a:graphicData uri="http://schemas.openxmlformats.org/drawingml/2006/diagram">
+            <dgm:relIds xmlns:dgm="http://schemas.openxmlformats.org/drawingml/2006/diagram" xmlns:r="http://schemas.openxmlformats.org/officeDocument/2006/relationships" r:dm="rId3" r:lo="rId4" r:qs="rId5" r:cs="rId6"/>
+          </a:graphicData>
+        </a:graphic>
+      </p:graphicFrame>
     </p:spTree>
     <p:extLst>
       <p:ext uri="{BB962C8B-B14F-4D97-AF65-F5344CB8AC3E}">
         <p14:creationId xmlns:p14="http://schemas.microsoft.com/office/powerpoint/2010/main" val="3980583869"/>
+      </p:ext>
+    </p:extLst>
+  </p:cSld>
+  <p:clrMapOvr>
+    <a:masterClrMapping/>
+  </p:clrMapOvr>
+  <p:timing>
+    <p:tnLst>
+      <p:par>
+        <p:cTn id="1" dur="indefinite" restart="never" nodeType="tmRoot"/>
+      </p:par>
+    </p:tnLst>
+  </p:timing>
+</p:sld>
+</file>
+
+<file path=ppt/slides/slide13.xml><?xml version="1.0" encoding="utf-8"?>
+<p:sld xmlns:a="http://schemas.openxmlformats.org/drawingml/2006/main" xmlns:r="http://schemas.openxmlformats.org/officeDocument/2006/relationships" xmlns:p="http://schemas.openxmlformats.org/presentationml/2006/main">
+  <p:cSld>
+    <p:spTree>
+      <p:nvGrpSpPr>
+        <p:cNvPr id="1" name=""/>
+        <p:cNvGrpSpPr/>
+        <p:nvPr/>
+      </p:nvGrpSpPr>
+      <p:grpSpPr>
+        <a:xfrm>
+          <a:off x="0" y="0"/>
+          <a:ext cx="0" cy="0"/>
+          <a:chOff x="0" y="0"/>
+          <a:chExt cx="0" cy="0"/>
+        </a:xfrm>
+      </p:grpSpPr>
+      <p:sp>
+        <p:nvSpPr>
+          <p:cNvPr id="9" name="Diagonaler Streifen 8"/>
+          <p:cNvSpPr/>
+          <p:nvPr/>
+        </p:nvSpPr>
+        <p:spPr>
+          <a:xfrm>
+            <a:off x="1" y="0"/>
+            <a:ext cx="3458094" cy="3898668"/>
+          </a:xfrm>
+          <a:prstGeom prst="diagStripe">
+            <a:avLst/>
+          </a:prstGeom>
+          <a:solidFill>
+            <a:schemeClr val="accent6">
+              <a:lumMod val="20000"/>
+              <a:lumOff val="80000"/>
+            </a:schemeClr>
+          </a:solidFill>
+          <a:ln>
+            <a:solidFill>
+              <a:schemeClr val="accent6">
+                <a:lumMod val="20000"/>
+                <a:lumOff val="80000"/>
+              </a:schemeClr>
+            </a:solidFill>
+          </a:ln>
+        </p:spPr>
+        <p:style>
+          <a:lnRef idx="2">
+            <a:schemeClr val="accent1">
+              <a:shade val="50000"/>
+            </a:schemeClr>
+          </a:lnRef>
+          <a:fillRef idx="1">
+            <a:schemeClr val="accent1"/>
+          </a:fillRef>
+          <a:effectRef idx="0">
+            <a:schemeClr val="accent1"/>
+          </a:effectRef>
+          <a:fontRef idx="minor">
+            <a:schemeClr val="lt1"/>
+          </a:fontRef>
+        </p:style>
+        <p:txBody>
+          <a:bodyPr rtlCol="0" anchor="ctr"/>
+          <a:lstStyle/>
+          <a:p>
+            <a:pPr algn="ctr"/>
+            <a:endParaRPr lang="de-DE">
+              <a:solidFill>
+                <a:schemeClr val="tx1"/>
+              </a:solidFill>
+            </a:endParaRPr>
+          </a:p>
+        </p:txBody>
+      </p:sp>
+      <p:sp>
+        <p:nvSpPr>
+          <p:cNvPr id="8" name="Diagonaler Streifen 7"/>
+          <p:cNvSpPr/>
+          <p:nvPr/>
+        </p:nvSpPr>
+        <p:spPr>
+          <a:xfrm>
+            <a:off x="1" y="0"/>
+            <a:ext cx="2876204" cy="3117273"/>
+          </a:xfrm>
+          <a:prstGeom prst="diagStripe">
+            <a:avLst/>
+          </a:prstGeom>
+          <a:solidFill>
+            <a:schemeClr val="accent6">
+              <a:lumMod val="40000"/>
+              <a:lumOff val="60000"/>
+            </a:schemeClr>
+          </a:solidFill>
+          <a:ln>
+            <a:solidFill>
+              <a:schemeClr val="accent6">
+                <a:lumMod val="40000"/>
+                <a:lumOff val="60000"/>
+              </a:schemeClr>
+            </a:solidFill>
+          </a:ln>
+        </p:spPr>
+        <p:style>
+          <a:lnRef idx="2">
+            <a:schemeClr val="accent1">
+              <a:shade val="50000"/>
+            </a:schemeClr>
+          </a:lnRef>
+          <a:fillRef idx="1">
+            <a:schemeClr val="accent1"/>
+          </a:fillRef>
+          <a:effectRef idx="0">
+            <a:schemeClr val="accent1"/>
+          </a:effectRef>
+          <a:fontRef idx="minor">
+            <a:schemeClr val="lt1"/>
+          </a:fontRef>
+        </p:style>
+        <p:txBody>
+          <a:bodyPr rtlCol="0" anchor="ctr"/>
+          <a:lstStyle/>
+          <a:p>
+            <a:pPr algn="ctr"/>
+            <a:endParaRPr lang="de-DE">
+              <a:solidFill>
+                <a:schemeClr val="tx1"/>
+              </a:solidFill>
+            </a:endParaRPr>
+          </a:p>
+        </p:txBody>
+      </p:sp>
+      <p:sp>
+        <p:nvSpPr>
+          <p:cNvPr id="4" name="Diagonaler Streifen 3"/>
+          <p:cNvSpPr/>
+          <p:nvPr/>
+        </p:nvSpPr>
+        <p:spPr>
+          <a:xfrm>
+            <a:off x="0" y="0"/>
+            <a:ext cx="2219498" cy="2419004"/>
+          </a:xfrm>
+          <a:prstGeom prst="diagStripe">
+            <a:avLst/>
+          </a:prstGeom>
+          <a:solidFill>
+            <a:schemeClr val="accent6">
+              <a:lumMod val="60000"/>
+              <a:lumOff val="40000"/>
+            </a:schemeClr>
+          </a:solidFill>
+          <a:ln>
+            <a:solidFill>
+              <a:schemeClr val="accent6">
+                <a:lumMod val="60000"/>
+                <a:lumOff val="40000"/>
+              </a:schemeClr>
+            </a:solidFill>
+          </a:ln>
+        </p:spPr>
+        <p:style>
+          <a:lnRef idx="2">
+            <a:schemeClr val="accent1">
+              <a:shade val="50000"/>
+            </a:schemeClr>
+          </a:lnRef>
+          <a:fillRef idx="1">
+            <a:schemeClr val="accent1"/>
+          </a:fillRef>
+          <a:effectRef idx="0">
+            <a:schemeClr val="accent1"/>
+          </a:effectRef>
+          <a:fontRef idx="minor">
+            <a:schemeClr val="lt1"/>
+          </a:fontRef>
+        </p:style>
+        <p:txBody>
+          <a:bodyPr rtlCol="0" anchor="ctr"/>
+          <a:lstStyle/>
+          <a:p>
+            <a:pPr algn="ctr"/>
+            <a:endParaRPr lang="de-DE">
+              <a:solidFill>
+                <a:schemeClr val="tx1"/>
+              </a:solidFill>
+            </a:endParaRPr>
+          </a:p>
+        </p:txBody>
+      </p:sp>
+      <p:sp>
+        <p:nvSpPr>
+          <p:cNvPr id="6" name="Rechtwinkliges Dreieck 5"/>
+          <p:cNvSpPr/>
+          <p:nvPr/>
+        </p:nvSpPr>
+        <p:spPr>
+          <a:xfrm rot="5400000">
+            <a:off x="-33252" y="33250"/>
+            <a:ext cx="773084" cy="706582"/>
+          </a:xfrm>
+          <a:prstGeom prst="rtTriangle">
+            <a:avLst/>
+          </a:prstGeom>
+          <a:solidFill>
+            <a:schemeClr val="accent6">
+              <a:lumMod val="50000"/>
+            </a:schemeClr>
+          </a:solidFill>
+          <a:ln>
+            <a:solidFill>
+              <a:schemeClr val="accent6">
+                <a:lumMod val="50000"/>
+              </a:schemeClr>
+            </a:solidFill>
+          </a:ln>
+        </p:spPr>
+        <p:style>
+          <a:lnRef idx="2">
+            <a:schemeClr val="accent1">
+              <a:shade val="50000"/>
+            </a:schemeClr>
+          </a:lnRef>
+          <a:fillRef idx="1">
+            <a:schemeClr val="accent1"/>
+          </a:fillRef>
+          <a:effectRef idx="0">
+            <a:schemeClr val="accent1"/>
+          </a:effectRef>
+          <a:fontRef idx="minor">
+            <a:schemeClr val="lt1"/>
+          </a:fontRef>
+        </p:style>
+        <p:txBody>
+          <a:bodyPr rtlCol="0" anchor="ctr"/>
+          <a:lstStyle/>
+          <a:p>
+            <a:pPr algn="ctr"/>
+            <a:endParaRPr lang="de-DE"/>
+          </a:p>
+        </p:txBody>
+      </p:sp>
+      <p:sp>
+        <p:nvSpPr>
+          <p:cNvPr id="14" name="Diagonaler Streifen 13"/>
+          <p:cNvSpPr/>
+          <p:nvPr/>
+        </p:nvSpPr>
+        <p:spPr>
+          <a:xfrm rot="10800000">
+            <a:off x="8733905" y="2971800"/>
+            <a:ext cx="3458094" cy="3898668"/>
+          </a:xfrm>
+          <a:prstGeom prst="diagStripe">
+            <a:avLst/>
+          </a:prstGeom>
+          <a:solidFill>
+            <a:schemeClr val="accent6">
+              <a:lumMod val="20000"/>
+              <a:lumOff val="80000"/>
+            </a:schemeClr>
+          </a:solidFill>
+          <a:ln>
+            <a:solidFill>
+              <a:schemeClr val="accent6">
+                <a:lumMod val="20000"/>
+                <a:lumOff val="80000"/>
+              </a:schemeClr>
+            </a:solidFill>
+          </a:ln>
+        </p:spPr>
+        <p:style>
+          <a:lnRef idx="2">
+            <a:schemeClr val="accent1">
+              <a:shade val="50000"/>
+            </a:schemeClr>
+          </a:lnRef>
+          <a:fillRef idx="1">
+            <a:schemeClr val="accent1"/>
+          </a:fillRef>
+          <a:effectRef idx="0">
+            <a:schemeClr val="accent1"/>
+          </a:effectRef>
+          <a:fontRef idx="minor">
+            <a:schemeClr val="lt1"/>
+          </a:fontRef>
+        </p:style>
+        <p:txBody>
+          <a:bodyPr rtlCol="0" anchor="ctr"/>
+          <a:lstStyle/>
+          <a:p>
+            <a:pPr algn="ctr"/>
+            <a:endParaRPr lang="de-DE">
+              <a:solidFill>
+                <a:schemeClr val="tx1"/>
+              </a:solidFill>
+            </a:endParaRPr>
+          </a:p>
+        </p:txBody>
+      </p:sp>
+      <p:sp>
+        <p:nvSpPr>
+          <p:cNvPr id="2" name="Titel 1"/>
+          <p:cNvSpPr>
+            <a:spLocks noGrp="1"/>
+          </p:cNvSpPr>
+          <p:nvPr>
+            <p:ph type="title"/>
+          </p:nvPr>
+        </p:nvSpPr>
+        <p:spPr>
+          <a:xfrm>
+            <a:off x="3458094" y="365125"/>
+            <a:ext cx="7895705" cy="1325563"/>
+          </a:xfrm>
+        </p:spPr>
+        <p:txBody>
+          <a:bodyPr anchor="ctr">
+            <a:normAutofit/>
+          </a:bodyPr>
+          <a:lstStyle/>
+          <a:p>
+            <a:r>
+              <a:rPr lang="de-DE" dirty="0" smtClean="0">
+                <a:latin typeface="Times New Roman" panose="02020603050405020304" pitchFamily="18" charset="0"/>
+                <a:cs typeface="Times New Roman" panose="02020603050405020304" pitchFamily="18" charset="0"/>
+              </a:rPr>
+              <a:t>Fazit</a:t>
+            </a:r>
+            <a:endParaRPr lang="de-DE" dirty="0">
+              <a:latin typeface="Times New Roman" panose="02020603050405020304" pitchFamily="18" charset="0"/>
+              <a:cs typeface="Times New Roman" panose="02020603050405020304" pitchFamily="18" charset="0"/>
+            </a:endParaRPr>
+          </a:p>
+        </p:txBody>
+      </p:sp>
+      <p:sp>
+        <p:nvSpPr>
+          <p:cNvPr id="10" name="Rechtwinkliges Dreieck 9"/>
+          <p:cNvSpPr/>
+          <p:nvPr/>
+        </p:nvSpPr>
+        <p:spPr>
+          <a:xfrm rot="16200000">
+            <a:off x="11452167" y="6130635"/>
+            <a:ext cx="773084" cy="706582"/>
+          </a:xfrm>
+          <a:prstGeom prst="rtTriangle">
+            <a:avLst/>
+          </a:prstGeom>
+          <a:solidFill>
+            <a:schemeClr val="accent6">
+              <a:lumMod val="50000"/>
+            </a:schemeClr>
+          </a:solidFill>
+          <a:ln>
+            <a:solidFill>
+              <a:schemeClr val="accent6">
+                <a:lumMod val="50000"/>
+              </a:schemeClr>
+            </a:solidFill>
+          </a:ln>
+        </p:spPr>
+        <p:style>
+          <a:lnRef idx="2">
+            <a:schemeClr val="accent1">
+              <a:shade val="50000"/>
+            </a:schemeClr>
+          </a:lnRef>
+          <a:fillRef idx="1">
+            <a:schemeClr val="accent1"/>
+          </a:fillRef>
+          <a:effectRef idx="0">
+            <a:schemeClr val="accent1"/>
+          </a:effectRef>
+          <a:fontRef idx="minor">
+            <a:schemeClr val="lt1"/>
+          </a:fontRef>
+        </p:style>
+        <p:txBody>
+          <a:bodyPr rtlCol="0" anchor="ctr"/>
+          <a:lstStyle/>
+          <a:p>
+            <a:pPr algn="ctr"/>
+            <a:endParaRPr lang="de-DE"/>
+          </a:p>
+        </p:txBody>
+      </p:sp>
+      <p:sp>
+        <p:nvSpPr>
+          <p:cNvPr id="13" name="Diagonaler Streifen 12"/>
+          <p:cNvSpPr/>
+          <p:nvPr/>
+        </p:nvSpPr>
+        <p:spPr>
+          <a:xfrm rot="10800000">
+            <a:off x="9324108" y="3756587"/>
+            <a:ext cx="2876204" cy="3117273"/>
+          </a:xfrm>
+          <a:prstGeom prst="diagStripe">
+            <a:avLst/>
+          </a:prstGeom>
+          <a:solidFill>
+            <a:schemeClr val="accent6">
+              <a:lumMod val="40000"/>
+              <a:lumOff val="60000"/>
+            </a:schemeClr>
+          </a:solidFill>
+          <a:ln>
+            <a:solidFill>
+              <a:schemeClr val="accent6">
+                <a:lumMod val="40000"/>
+                <a:lumOff val="60000"/>
+              </a:schemeClr>
+            </a:solidFill>
+          </a:ln>
+        </p:spPr>
+        <p:style>
+          <a:lnRef idx="2">
+            <a:schemeClr val="accent1">
+              <a:shade val="50000"/>
+            </a:schemeClr>
+          </a:lnRef>
+          <a:fillRef idx="1">
+            <a:schemeClr val="accent1"/>
+          </a:fillRef>
+          <a:effectRef idx="0">
+            <a:schemeClr val="accent1"/>
+          </a:effectRef>
+          <a:fontRef idx="minor">
+            <a:schemeClr val="lt1"/>
+          </a:fontRef>
+        </p:style>
+        <p:txBody>
+          <a:bodyPr rtlCol="0" anchor="ctr"/>
+          <a:lstStyle/>
+          <a:p>
+            <a:pPr algn="ctr"/>
+            <a:endParaRPr lang="de-DE">
+              <a:solidFill>
+                <a:schemeClr val="tx1"/>
+              </a:solidFill>
+            </a:endParaRPr>
+          </a:p>
+        </p:txBody>
+      </p:sp>
+      <p:sp>
+        <p:nvSpPr>
+          <p:cNvPr id="12" name="Diagonaler Streifen 11"/>
+          <p:cNvSpPr/>
+          <p:nvPr/>
+        </p:nvSpPr>
+        <p:spPr>
+          <a:xfrm rot="10800000">
+            <a:off x="9972501" y="4429919"/>
+            <a:ext cx="2219498" cy="2419004"/>
+          </a:xfrm>
+          <a:prstGeom prst="diagStripe">
+            <a:avLst/>
+          </a:prstGeom>
+          <a:solidFill>
+            <a:schemeClr val="accent6">
+              <a:lumMod val="60000"/>
+              <a:lumOff val="40000"/>
+            </a:schemeClr>
+          </a:solidFill>
+          <a:ln>
+            <a:solidFill>
+              <a:schemeClr val="accent6">
+                <a:lumMod val="60000"/>
+                <a:lumOff val="40000"/>
+              </a:schemeClr>
+            </a:solidFill>
+          </a:ln>
+        </p:spPr>
+        <p:style>
+          <a:lnRef idx="2">
+            <a:schemeClr val="accent1">
+              <a:shade val="50000"/>
+            </a:schemeClr>
+          </a:lnRef>
+          <a:fillRef idx="1">
+            <a:schemeClr val="accent1"/>
+          </a:fillRef>
+          <a:effectRef idx="0">
+            <a:schemeClr val="accent1"/>
+          </a:effectRef>
+          <a:fontRef idx="minor">
+            <a:schemeClr val="lt1"/>
+          </a:fontRef>
+        </p:style>
+        <p:txBody>
+          <a:bodyPr rtlCol="0" anchor="ctr"/>
+          <a:lstStyle/>
+          <a:p>
+            <a:pPr algn="ctr"/>
+            <a:endParaRPr lang="de-DE">
+              <a:solidFill>
+                <a:schemeClr val="tx1"/>
+              </a:solidFill>
+            </a:endParaRPr>
+          </a:p>
+        </p:txBody>
+      </p:sp>
+      <p:sp>
+        <p:nvSpPr>
+          <p:cNvPr id="11" name="Diagonaler Streifen 10"/>
+          <p:cNvSpPr/>
+          <p:nvPr/>
+        </p:nvSpPr>
+        <p:spPr>
+          <a:xfrm rot="10800000">
+            <a:off x="10762210" y="5311833"/>
+            <a:ext cx="1429789" cy="1546167"/>
+          </a:xfrm>
+          <a:prstGeom prst="diagStripe">
+            <a:avLst/>
+          </a:prstGeom>
+          <a:solidFill>
+            <a:schemeClr val="accent6">
+              <a:lumMod val="75000"/>
+            </a:schemeClr>
+          </a:solidFill>
+          <a:ln>
+            <a:solidFill>
+              <a:schemeClr val="accent6">
+                <a:lumMod val="75000"/>
+              </a:schemeClr>
+            </a:solidFill>
+          </a:ln>
+        </p:spPr>
+        <p:style>
+          <a:lnRef idx="2">
+            <a:schemeClr val="accent1">
+              <a:shade val="50000"/>
+            </a:schemeClr>
+          </a:lnRef>
+          <a:fillRef idx="1">
+            <a:schemeClr val="accent1"/>
+          </a:fillRef>
+          <a:effectRef idx="0">
+            <a:schemeClr val="accent1"/>
+          </a:effectRef>
+          <a:fontRef idx="minor">
+            <a:schemeClr val="lt1"/>
+          </a:fontRef>
+        </p:style>
+        <p:txBody>
+          <a:bodyPr rtlCol="0" anchor="ctr"/>
+          <a:lstStyle/>
+          <a:p>
+            <a:pPr algn="ctr"/>
+            <a:endParaRPr lang="de-DE">
+              <a:solidFill>
+                <a:schemeClr val="tx1"/>
+              </a:solidFill>
+            </a:endParaRPr>
+          </a:p>
+        </p:txBody>
+      </p:sp>
+      <p:sp>
+        <p:nvSpPr>
+          <p:cNvPr id="5" name="Diagonaler Streifen 4"/>
+          <p:cNvSpPr/>
+          <p:nvPr/>
+        </p:nvSpPr>
+        <p:spPr>
+          <a:xfrm>
+            <a:off x="0" y="0"/>
+            <a:ext cx="1429789" cy="1546167"/>
+          </a:xfrm>
+          <a:prstGeom prst="diagStripe">
+            <a:avLst/>
+          </a:prstGeom>
+          <a:solidFill>
+            <a:schemeClr val="accent6">
+              <a:lumMod val="75000"/>
+            </a:schemeClr>
+          </a:solidFill>
+          <a:ln>
+            <a:solidFill>
+              <a:schemeClr val="accent6">
+                <a:lumMod val="75000"/>
+              </a:schemeClr>
+            </a:solidFill>
+          </a:ln>
+        </p:spPr>
+        <p:style>
+          <a:lnRef idx="2">
+            <a:schemeClr val="accent1">
+              <a:shade val="50000"/>
+            </a:schemeClr>
+          </a:lnRef>
+          <a:fillRef idx="1">
+            <a:schemeClr val="accent1"/>
+          </a:fillRef>
+          <a:effectRef idx="0">
+            <a:schemeClr val="accent1"/>
+          </a:effectRef>
+          <a:fontRef idx="minor">
+            <a:schemeClr val="lt1"/>
+          </a:fontRef>
+        </p:style>
+        <p:txBody>
+          <a:bodyPr rtlCol="0" anchor="ctr"/>
+          <a:lstStyle/>
+          <a:p>
+            <a:pPr algn="ctr"/>
+            <a:endParaRPr lang="de-DE">
+              <a:solidFill>
+                <a:schemeClr val="tx1"/>
+              </a:solidFill>
+            </a:endParaRPr>
+          </a:p>
+        </p:txBody>
+      </p:sp>
+      <p:pic>
+        <p:nvPicPr>
+          <p:cNvPr id="23" name="Grafik 22"/>
+          <p:cNvPicPr/>
+          <p:nvPr/>
+        </p:nvPicPr>
+        <p:blipFill rotWithShape="1">
+          <a:blip r:embed="rId2" cstate="print">
+            <a:extLst>
+              <a:ext uri="{28A0092B-C50C-407E-A947-70E740481C1C}">
+                <a14:useLocalDpi xmlns:a14="http://schemas.microsoft.com/office/drawing/2010/main" val="0"/>
+              </a:ext>
+            </a:extLst>
+          </a:blip>
+          <a:srcRect l="60394" t="3519" r="8253" b="-3519"/>
+          <a:stretch/>
+        </p:blipFill>
+        <p:spPr>
+          <a:xfrm>
+            <a:off x="9032033" y="24271"/>
+            <a:ext cx="2179065" cy="1181100"/>
+          </a:xfrm>
+          <a:prstGeom prst="rect">
+            <a:avLst/>
+          </a:prstGeom>
+        </p:spPr>
+      </p:pic>
+      <p:graphicFrame>
+        <p:nvGraphicFramePr>
+          <p:cNvPr id="3" name="Diagramm 2"/>
+          <p:cNvGraphicFramePr/>
+          <p:nvPr>
+            <p:extLst>
+              <p:ext uri="{D42A27DB-BD31-4B8C-83A1-F6EECF244321}">
+                <p14:modId xmlns:p14="http://schemas.microsoft.com/office/powerpoint/2010/main" val="2032890471"/>
+              </p:ext>
+            </p:extLst>
+          </p:nvPr>
+        </p:nvGraphicFramePr>
+        <p:xfrm>
+          <a:off x="1396450" y="1065258"/>
+          <a:ext cx="8128000" cy="5418667"/>
+        </p:xfrm>
+        <a:graphic>
+          <a:graphicData uri="http://schemas.openxmlformats.org/drawingml/2006/diagram">
+            <dgm:relIds xmlns:dgm="http://schemas.openxmlformats.org/drawingml/2006/diagram" xmlns:r="http://schemas.openxmlformats.org/officeDocument/2006/relationships" r:dm="rId3" r:lo="rId4" r:qs="rId5" r:cs="rId6"/>
+          </a:graphicData>
+        </a:graphic>
+      </p:graphicFrame>
+    </p:spTree>
+    <p:extLst>
+      <p:ext uri="{BB962C8B-B14F-4D97-AF65-F5344CB8AC3E}">
+        <p14:creationId xmlns:p14="http://schemas.microsoft.com/office/powerpoint/2010/main" val="222818255"/>
+      </p:ext>
+    </p:extLst>
+  </p:cSld>
+  <p:clrMapOvr>
+    <a:masterClrMapping/>
+  </p:clrMapOvr>
+  <p:timing>
+    <p:tnLst>
+      <p:par>
+        <p:cTn id="1" dur="indefinite" restart="never" nodeType="tmRoot"/>
+      </p:par>
+    </p:tnLst>
+  </p:timing>
+</p:sld>
+</file>
+
+<file path=ppt/slides/slide14.xml><?xml version="1.0" encoding="utf-8"?>
+<p:sld xmlns:a="http://schemas.openxmlformats.org/drawingml/2006/main" xmlns:r="http://schemas.openxmlformats.org/officeDocument/2006/relationships" xmlns:p="http://schemas.openxmlformats.org/presentationml/2006/main">
+  <p:cSld>
+    <p:spTree>
+      <p:nvGrpSpPr>
+        <p:cNvPr id="1" name=""/>
+        <p:cNvGrpSpPr/>
+        <p:nvPr/>
+      </p:nvGrpSpPr>
+      <p:grpSpPr>
+        <a:xfrm>
+          <a:off x="0" y="0"/>
+          <a:ext cx="0" cy="0"/>
+          <a:chOff x="0" y="0"/>
+          <a:chExt cx="0" cy="0"/>
+        </a:xfrm>
+      </p:grpSpPr>
+      <p:sp>
+        <p:nvSpPr>
+          <p:cNvPr id="9" name="Diagonaler Streifen 8"/>
+          <p:cNvSpPr/>
+          <p:nvPr/>
+        </p:nvSpPr>
+        <p:spPr>
+          <a:xfrm>
+            <a:off x="1" y="0"/>
+            <a:ext cx="3458094" cy="3898668"/>
+          </a:xfrm>
+          <a:prstGeom prst="diagStripe">
+            <a:avLst/>
+          </a:prstGeom>
+          <a:solidFill>
+            <a:schemeClr val="accent6">
+              <a:lumMod val="20000"/>
+              <a:lumOff val="80000"/>
+            </a:schemeClr>
+          </a:solidFill>
+          <a:ln>
+            <a:solidFill>
+              <a:schemeClr val="accent6">
+                <a:lumMod val="20000"/>
+                <a:lumOff val="80000"/>
+              </a:schemeClr>
+            </a:solidFill>
+          </a:ln>
+        </p:spPr>
+        <p:style>
+          <a:lnRef idx="2">
+            <a:schemeClr val="accent1">
+              <a:shade val="50000"/>
+            </a:schemeClr>
+          </a:lnRef>
+          <a:fillRef idx="1">
+            <a:schemeClr val="accent1"/>
+          </a:fillRef>
+          <a:effectRef idx="0">
+            <a:schemeClr val="accent1"/>
+          </a:effectRef>
+          <a:fontRef idx="minor">
+            <a:schemeClr val="lt1"/>
+          </a:fontRef>
+        </p:style>
+        <p:txBody>
+          <a:bodyPr rtlCol="0" anchor="ctr"/>
+          <a:lstStyle/>
+          <a:p>
+            <a:pPr algn="ctr"/>
+            <a:endParaRPr lang="de-DE">
+              <a:solidFill>
+                <a:schemeClr val="tx1"/>
+              </a:solidFill>
+            </a:endParaRPr>
+          </a:p>
+        </p:txBody>
+      </p:sp>
+      <p:sp>
+        <p:nvSpPr>
+          <p:cNvPr id="8" name="Diagonaler Streifen 7"/>
+          <p:cNvSpPr/>
+          <p:nvPr/>
+        </p:nvSpPr>
+        <p:spPr>
+          <a:xfrm>
+            <a:off x="1" y="0"/>
+            <a:ext cx="2876204" cy="3117273"/>
+          </a:xfrm>
+          <a:prstGeom prst="diagStripe">
+            <a:avLst/>
+          </a:prstGeom>
+          <a:solidFill>
+            <a:schemeClr val="accent6">
+              <a:lumMod val="40000"/>
+              <a:lumOff val="60000"/>
+            </a:schemeClr>
+          </a:solidFill>
+          <a:ln>
+            <a:solidFill>
+              <a:schemeClr val="accent6">
+                <a:lumMod val="40000"/>
+                <a:lumOff val="60000"/>
+              </a:schemeClr>
+            </a:solidFill>
+          </a:ln>
+        </p:spPr>
+        <p:style>
+          <a:lnRef idx="2">
+            <a:schemeClr val="accent1">
+              <a:shade val="50000"/>
+            </a:schemeClr>
+          </a:lnRef>
+          <a:fillRef idx="1">
+            <a:schemeClr val="accent1"/>
+          </a:fillRef>
+          <a:effectRef idx="0">
+            <a:schemeClr val="accent1"/>
+          </a:effectRef>
+          <a:fontRef idx="minor">
+            <a:schemeClr val="lt1"/>
+          </a:fontRef>
+        </p:style>
+        <p:txBody>
+          <a:bodyPr rtlCol="0" anchor="ctr"/>
+          <a:lstStyle/>
+          <a:p>
+            <a:pPr algn="ctr"/>
+            <a:endParaRPr lang="de-DE">
+              <a:solidFill>
+                <a:schemeClr val="tx1"/>
+              </a:solidFill>
+            </a:endParaRPr>
+          </a:p>
+        </p:txBody>
+      </p:sp>
+      <p:sp>
+        <p:nvSpPr>
+          <p:cNvPr id="4" name="Diagonaler Streifen 3"/>
+          <p:cNvSpPr/>
+          <p:nvPr/>
+        </p:nvSpPr>
+        <p:spPr>
+          <a:xfrm>
+            <a:off x="0" y="0"/>
+            <a:ext cx="2219498" cy="2419004"/>
+          </a:xfrm>
+          <a:prstGeom prst="diagStripe">
+            <a:avLst/>
+          </a:prstGeom>
+          <a:solidFill>
+            <a:schemeClr val="accent6">
+              <a:lumMod val="60000"/>
+              <a:lumOff val="40000"/>
+            </a:schemeClr>
+          </a:solidFill>
+          <a:ln>
+            <a:solidFill>
+              <a:schemeClr val="accent6">
+                <a:lumMod val="60000"/>
+                <a:lumOff val="40000"/>
+              </a:schemeClr>
+            </a:solidFill>
+          </a:ln>
+        </p:spPr>
+        <p:style>
+          <a:lnRef idx="2">
+            <a:schemeClr val="accent1">
+              <a:shade val="50000"/>
+            </a:schemeClr>
+          </a:lnRef>
+          <a:fillRef idx="1">
+            <a:schemeClr val="accent1"/>
+          </a:fillRef>
+          <a:effectRef idx="0">
+            <a:schemeClr val="accent1"/>
+          </a:effectRef>
+          <a:fontRef idx="minor">
+            <a:schemeClr val="lt1"/>
+          </a:fontRef>
+        </p:style>
+        <p:txBody>
+          <a:bodyPr rtlCol="0" anchor="ctr"/>
+          <a:lstStyle/>
+          <a:p>
+            <a:pPr algn="ctr"/>
+            <a:endParaRPr lang="de-DE">
+              <a:solidFill>
+                <a:schemeClr val="tx1"/>
+              </a:solidFill>
+            </a:endParaRPr>
+          </a:p>
+        </p:txBody>
+      </p:sp>
+      <p:sp>
+        <p:nvSpPr>
+          <p:cNvPr id="6" name="Rechtwinkliges Dreieck 5"/>
+          <p:cNvSpPr/>
+          <p:nvPr/>
+        </p:nvSpPr>
+        <p:spPr>
+          <a:xfrm rot="5400000">
+            <a:off x="-33252" y="33250"/>
+            <a:ext cx="773084" cy="706582"/>
+          </a:xfrm>
+          <a:prstGeom prst="rtTriangle">
+            <a:avLst/>
+          </a:prstGeom>
+          <a:solidFill>
+            <a:schemeClr val="accent6">
+              <a:lumMod val="50000"/>
+            </a:schemeClr>
+          </a:solidFill>
+          <a:ln>
+            <a:solidFill>
+              <a:schemeClr val="accent6">
+                <a:lumMod val="50000"/>
+              </a:schemeClr>
+            </a:solidFill>
+          </a:ln>
+        </p:spPr>
+        <p:style>
+          <a:lnRef idx="2">
+            <a:schemeClr val="accent1">
+              <a:shade val="50000"/>
+            </a:schemeClr>
+          </a:lnRef>
+          <a:fillRef idx="1">
+            <a:schemeClr val="accent1"/>
+          </a:fillRef>
+          <a:effectRef idx="0">
+            <a:schemeClr val="accent1"/>
+          </a:effectRef>
+          <a:fontRef idx="minor">
+            <a:schemeClr val="lt1"/>
+          </a:fontRef>
+        </p:style>
+        <p:txBody>
+          <a:bodyPr rtlCol="0" anchor="ctr"/>
+          <a:lstStyle/>
+          <a:p>
+            <a:pPr algn="ctr"/>
+            <a:endParaRPr lang="de-DE"/>
+          </a:p>
+        </p:txBody>
+      </p:sp>
+      <p:sp>
+        <p:nvSpPr>
+          <p:cNvPr id="14" name="Diagonaler Streifen 13"/>
+          <p:cNvSpPr/>
+          <p:nvPr/>
+        </p:nvSpPr>
+        <p:spPr>
+          <a:xfrm rot="10800000">
+            <a:off x="8733905" y="2971800"/>
+            <a:ext cx="3458094" cy="3898668"/>
+          </a:xfrm>
+          <a:prstGeom prst="diagStripe">
+            <a:avLst/>
+          </a:prstGeom>
+          <a:solidFill>
+            <a:schemeClr val="accent6">
+              <a:lumMod val="20000"/>
+              <a:lumOff val="80000"/>
+            </a:schemeClr>
+          </a:solidFill>
+          <a:ln>
+            <a:solidFill>
+              <a:schemeClr val="accent6">
+                <a:lumMod val="20000"/>
+                <a:lumOff val="80000"/>
+              </a:schemeClr>
+            </a:solidFill>
+          </a:ln>
+        </p:spPr>
+        <p:style>
+          <a:lnRef idx="2">
+            <a:schemeClr val="accent1">
+              <a:shade val="50000"/>
+            </a:schemeClr>
+          </a:lnRef>
+          <a:fillRef idx="1">
+            <a:schemeClr val="accent1"/>
+          </a:fillRef>
+          <a:effectRef idx="0">
+            <a:schemeClr val="accent1"/>
+          </a:effectRef>
+          <a:fontRef idx="minor">
+            <a:schemeClr val="lt1"/>
+          </a:fontRef>
+        </p:style>
+        <p:txBody>
+          <a:bodyPr rtlCol="0" anchor="ctr"/>
+          <a:lstStyle/>
+          <a:p>
+            <a:pPr algn="ctr"/>
+            <a:endParaRPr lang="de-DE">
+              <a:solidFill>
+                <a:schemeClr val="tx1"/>
+              </a:solidFill>
+            </a:endParaRPr>
+          </a:p>
+        </p:txBody>
+      </p:sp>
+      <p:sp>
+        <p:nvSpPr>
+          <p:cNvPr id="2" name="Titel 1"/>
+          <p:cNvSpPr>
+            <a:spLocks noGrp="1"/>
+          </p:cNvSpPr>
+          <p:nvPr>
+            <p:ph type="title"/>
+          </p:nvPr>
+        </p:nvSpPr>
+        <p:spPr>
+          <a:xfrm>
+            <a:off x="3458094" y="365125"/>
+            <a:ext cx="7895705" cy="1325563"/>
+          </a:xfrm>
+        </p:spPr>
+        <p:txBody>
+          <a:bodyPr anchor="ctr">
+            <a:normAutofit/>
+          </a:bodyPr>
+          <a:lstStyle/>
+          <a:p>
+            <a:r>
+              <a:rPr lang="de-DE" dirty="0" smtClean="0">
+                <a:latin typeface="Times New Roman" panose="02020603050405020304" pitchFamily="18" charset="0"/>
+                <a:cs typeface="Times New Roman" panose="02020603050405020304" pitchFamily="18" charset="0"/>
+              </a:rPr>
+              <a:t>Quellen</a:t>
+            </a:r>
+            <a:endParaRPr lang="de-DE" dirty="0">
+              <a:latin typeface="Times New Roman" panose="02020603050405020304" pitchFamily="18" charset="0"/>
+              <a:cs typeface="Times New Roman" panose="02020603050405020304" pitchFamily="18" charset="0"/>
+            </a:endParaRPr>
+          </a:p>
+        </p:txBody>
+      </p:sp>
+      <p:sp>
+        <p:nvSpPr>
+          <p:cNvPr id="17" name="Inhaltsplatzhalter 16"/>
+          <p:cNvSpPr>
+            <a:spLocks noGrp="1"/>
+          </p:cNvSpPr>
+          <p:nvPr>
+            <p:ph idx="1"/>
+          </p:nvPr>
+        </p:nvSpPr>
+        <p:spPr>
+          <a:xfrm>
+            <a:off x="1623527" y="1825625"/>
+            <a:ext cx="8770776" cy="4351338"/>
+          </a:xfrm>
+        </p:spPr>
+        <p:txBody>
+          <a:bodyPr>
+            <a:normAutofit fontScale="25000" lnSpcReduction="20000"/>
+          </a:bodyPr>
+          <a:lstStyle/>
+          <a:p>
+            <a:pPr marL="0" indent="0">
+              <a:lnSpc>
+                <a:spcPct val="100000"/>
+              </a:lnSpc>
+              <a:buNone/>
+            </a:pPr>
+            <a:r>
+              <a:rPr lang="de-DE" sz="5600" dirty="0">
+                <a:latin typeface="Times New Roman" panose="02020603050405020304" pitchFamily="18" charset="0"/>
+                <a:cs typeface="Times New Roman" panose="02020603050405020304" pitchFamily="18" charset="0"/>
+              </a:rPr>
+              <a:t>Eschenbach, Rolf (2019): Controlling professionell. Gut gerüstet für digitale </a:t>
+            </a:r>
+            <a:r>
+              <a:rPr lang="de-DE" sz="5600" dirty="0" smtClean="0">
+                <a:latin typeface="Times New Roman" panose="02020603050405020304" pitchFamily="18" charset="0"/>
+                <a:cs typeface="Times New Roman" panose="02020603050405020304" pitchFamily="18" charset="0"/>
+              </a:rPr>
+              <a:t>Herausforderungen</a:t>
+            </a:r>
+          </a:p>
+          <a:p>
+            <a:pPr marL="0" indent="0">
+              <a:lnSpc>
+                <a:spcPct val="100000"/>
+              </a:lnSpc>
+              <a:buNone/>
+            </a:pPr>
+            <a:r>
+              <a:rPr lang="de-DE" sz="5600" dirty="0" err="1" smtClean="0">
+                <a:latin typeface="Times New Roman" panose="02020603050405020304" pitchFamily="18" charset="0"/>
+                <a:cs typeface="Times New Roman" panose="02020603050405020304" pitchFamily="18" charset="0"/>
+              </a:rPr>
+              <a:t>Francsovics</a:t>
+            </a:r>
+            <a:r>
+              <a:rPr lang="de-DE" sz="5600" dirty="0">
+                <a:latin typeface="Times New Roman" panose="02020603050405020304" pitchFamily="18" charset="0"/>
+                <a:cs typeface="Times New Roman" panose="02020603050405020304" pitchFamily="18" charset="0"/>
+              </a:rPr>
+              <a:t>, Anna; </a:t>
+            </a:r>
+            <a:r>
+              <a:rPr lang="de-DE" sz="5600" dirty="0" err="1">
+                <a:latin typeface="Times New Roman" panose="02020603050405020304" pitchFamily="18" charset="0"/>
+                <a:cs typeface="Times New Roman" panose="02020603050405020304" pitchFamily="18" charset="0"/>
+              </a:rPr>
+              <a:t>Kadocsa</a:t>
+            </a:r>
+            <a:r>
+              <a:rPr lang="de-DE" sz="5600" dirty="0">
+                <a:latin typeface="Times New Roman" panose="02020603050405020304" pitchFamily="18" charset="0"/>
+                <a:cs typeface="Times New Roman" panose="02020603050405020304" pitchFamily="18" charset="0"/>
+              </a:rPr>
+              <a:t>, György (2009): Wettbewerbsfähigkeit und Controlling bei den </a:t>
+            </a:r>
+            <a:r>
+              <a:rPr lang="de-DE" sz="5600" dirty="0" smtClean="0">
+                <a:latin typeface="Times New Roman" panose="02020603050405020304" pitchFamily="18" charset="0"/>
+                <a:cs typeface="Times New Roman" panose="02020603050405020304" pitchFamily="18" charset="0"/>
+              </a:rPr>
+              <a:t>KMU</a:t>
+            </a:r>
+          </a:p>
+          <a:p>
+            <a:pPr marL="0" indent="0">
+              <a:lnSpc>
+                <a:spcPct val="100000"/>
+              </a:lnSpc>
+              <a:buNone/>
+            </a:pPr>
+            <a:r>
+              <a:rPr lang="de-DE" sz="5600" dirty="0" err="1" smtClean="0">
+                <a:latin typeface="Times New Roman" panose="02020603050405020304" pitchFamily="18" charset="0"/>
+                <a:cs typeface="Times New Roman" panose="02020603050405020304" pitchFamily="18" charset="0"/>
+              </a:rPr>
+              <a:t>Gadatsch</a:t>
+            </a:r>
+            <a:r>
+              <a:rPr lang="de-DE" sz="5600" dirty="0">
+                <a:latin typeface="Times New Roman" panose="02020603050405020304" pitchFamily="18" charset="0"/>
+                <a:cs typeface="Times New Roman" panose="02020603050405020304" pitchFamily="18" charset="0"/>
+              </a:rPr>
+              <a:t>, Andreas (2021): Möglichkeiten von Big Data im Controlling zielorientiert </a:t>
+            </a:r>
+            <a:r>
+              <a:rPr lang="de-DE" sz="5600" dirty="0" smtClean="0">
+                <a:latin typeface="Times New Roman" panose="02020603050405020304" pitchFamily="18" charset="0"/>
+                <a:cs typeface="Times New Roman" panose="02020603050405020304" pitchFamily="18" charset="0"/>
+              </a:rPr>
+              <a:t>nutzen</a:t>
+            </a:r>
+          </a:p>
+          <a:p>
+            <a:pPr marL="0" indent="0">
+              <a:lnSpc>
+                <a:spcPct val="100000"/>
+              </a:lnSpc>
+              <a:buNone/>
+            </a:pPr>
+            <a:r>
+              <a:rPr lang="de-DE" sz="5600" dirty="0" smtClean="0">
+                <a:latin typeface="Times New Roman" panose="02020603050405020304" pitchFamily="18" charset="0"/>
+                <a:cs typeface="Times New Roman" panose="02020603050405020304" pitchFamily="18" charset="0"/>
+              </a:rPr>
+              <a:t>Gärtner</a:t>
+            </a:r>
+            <a:r>
+              <a:rPr lang="de-DE" sz="5600" dirty="0">
+                <a:latin typeface="Times New Roman" panose="02020603050405020304" pitchFamily="18" charset="0"/>
+                <a:cs typeface="Times New Roman" panose="02020603050405020304" pitchFamily="18" charset="0"/>
+              </a:rPr>
+              <a:t>, Bernhard; </a:t>
+            </a:r>
+            <a:r>
+              <a:rPr lang="de-DE" sz="5600" dirty="0" err="1">
+                <a:latin typeface="Times New Roman" panose="02020603050405020304" pitchFamily="18" charset="0"/>
+                <a:cs typeface="Times New Roman" panose="02020603050405020304" pitchFamily="18" charset="0"/>
+              </a:rPr>
+              <a:t>Slacik</a:t>
+            </a:r>
+            <a:r>
+              <a:rPr lang="de-DE" sz="5600" dirty="0">
+                <a:latin typeface="Times New Roman" panose="02020603050405020304" pitchFamily="18" charset="0"/>
+                <a:cs typeface="Times New Roman" panose="02020603050405020304" pitchFamily="18" charset="0"/>
+              </a:rPr>
+              <a:t>, Johannes (2015): Die Rolle des Controllers bei der ERP-System-Nutzung - Qualitativ-empirische Ergebnisse aus deutschsprachigen Mittelunternehmen. </a:t>
+            </a:r>
+            <a:endParaRPr lang="de-DE" sz="5600" dirty="0" smtClean="0">
+              <a:latin typeface="Times New Roman" panose="02020603050405020304" pitchFamily="18" charset="0"/>
+              <a:cs typeface="Times New Roman" panose="02020603050405020304" pitchFamily="18" charset="0"/>
+            </a:endParaRPr>
+          </a:p>
+          <a:p>
+            <a:pPr marL="0" indent="0">
+              <a:lnSpc>
+                <a:spcPct val="100000"/>
+              </a:lnSpc>
+              <a:buNone/>
+            </a:pPr>
+            <a:r>
+              <a:rPr lang="de-DE" sz="5600" dirty="0" err="1" smtClean="0">
+                <a:latin typeface="Times New Roman" panose="02020603050405020304" pitchFamily="18" charset="0"/>
+                <a:cs typeface="Times New Roman" panose="02020603050405020304" pitchFamily="18" charset="0"/>
+              </a:rPr>
+              <a:t>Kricsfalussy</a:t>
+            </a:r>
+            <a:r>
+              <a:rPr lang="de-DE" sz="5600" dirty="0">
+                <a:latin typeface="Times New Roman" panose="02020603050405020304" pitchFamily="18" charset="0"/>
+                <a:cs typeface="Times New Roman" panose="02020603050405020304" pitchFamily="18" charset="0"/>
+              </a:rPr>
+              <a:t>, Andreas (2008): Unternehmensziele Die Etablierung neuartiger </a:t>
+            </a:r>
+            <a:r>
+              <a:rPr lang="de-DE" sz="5600" dirty="0" smtClean="0">
+                <a:latin typeface="Times New Roman" panose="02020603050405020304" pitchFamily="18" charset="0"/>
+                <a:cs typeface="Times New Roman" panose="02020603050405020304" pitchFamily="18" charset="0"/>
+              </a:rPr>
+              <a:t>Zielkategorien1</a:t>
+            </a:r>
+          </a:p>
+          <a:p>
+            <a:pPr marL="0" indent="0">
+              <a:lnSpc>
+                <a:spcPct val="100000"/>
+              </a:lnSpc>
+              <a:buNone/>
+            </a:pPr>
+            <a:r>
+              <a:rPr lang="de-DE" sz="5600" dirty="0" err="1" smtClean="0">
+                <a:latin typeface="Times New Roman" panose="02020603050405020304" pitchFamily="18" charset="0"/>
+                <a:cs typeface="Times New Roman" panose="02020603050405020304" pitchFamily="18" charset="0"/>
+              </a:rPr>
+              <a:t>Kristandl</a:t>
+            </a:r>
+            <a:r>
+              <a:rPr lang="de-DE" sz="5600" dirty="0">
+                <a:latin typeface="Times New Roman" panose="02020603050405020304" pitchFamily="18" charset="0"/>
+                <a:cs typeface="Times New Roman" panose="02020603050405020304" pitchFamily="18" charset="0"/>
+              </a:rPr>
+              <a:t>, Gerhard; Quinn, Martin; Strauß, Erik (2015): Controlling und Cloud Computing - Wie die Cloud den Informationsfluss in KMU </a:t>
+            </a:r>
+            <a:r>
+              <a:rPr lang="de-DE" sz="5600" dirty="0" smtClean="0">
+                <a:latin typeface="Times New Roman" panose="02020603050405020304" pitchFamily="18" charset="0"/>
+                <a:cs typeface="Times New Roman" panose="02020603050405020304" pitchFamily="18" charset="0"/>
+              </a:rPr>
+              <a:t>ändert</a:t>
+            </a:r>
+          </a:p>
+          <a:p>
+            <a:pPr marL="0" indent="0">
+              <a:lnSpc>
+                <a:spcPct val="100000"/>
+              </a:lnSpc>
+              <a:buNone/>
+            </a:pPr>
+            <a:r>
+              <a:rPr lang="de-DE" sz="5600" dirty="0" smtClean="0">
+                <a:latin typeface="Times New Roman" panose="02020603050405020304" pitchFamily="18" charset="0"/>
+                <a:cs typeface="Times New Roman" panose="02020603050405020304" pitchFamily="18" charset="0"/>
+              </a:rPr>
+              <a:t>Kunz</a:t>
+            </a:r>
+            <a:r>
+              <a:rPr lang="de-DE" sz="5600" dirty="0">
+                <a:latin typeface="Times New Roman" panose="02020603050405020304" pitchFamily="18" charset="0"/>
+                <a:cs typeface="Times New Roman" panose="02020603050405020304" pitchFamily="18" charset="0"/>
+              </a:rPr>
+              <a:t>, Jennifer; Mur, Alessandra (2022): Controlling als Business </a:t>
+            </a:r>
+            <a:r>
+              <a:rPr lang="de-DE" sz="5600" dirty="0" err="1">
+                <a:latin typeface="Times New Roman" panose="02020603050405020304" pitchFamily="18" charset="0"/>
+                <a:cs typeface="Times New Roman" panose="02020603050405020304" pitchFamily="18" charset="0"/>
+              </a:rPr>
+              <a:t>Partnering</a:t>
+            </a:r>
+            <a:r>
+              <a:rPr lang="de-DE" sz="5600" dirty="0">
+                <a:latin typeface="Times New Roman" panose="02020603050405020304" pitchFamily="18" charset="0"/>
+                <a:cs typeface="Times New Roman" panose="02020603050405020304" pitchFamily="18" charset="0"/>
+              </a:rPr>
+              <a:t> - Ein wichtiger Baustein organisationaler </a:t>
+            </a:r>
+            <a:r>
+              <a:rPr lang="de-DE" sz="5600" dirty="0" smtClean="0">
+                <a:latin typeface="Times New Roman" panose="02020603050405020304" pitchFamily="18" charset="0"/>
+                <a:cs typeface="Times New Roman" panose="02020603050405020304" pitchFamily="18" charset="0"/>
+              </a:rPr>
+              <a:t>Resilienz</a:t>
+            </a:r>
+          </a:p>
+          <a:p>
+            <a:pPr marL="0" indent="0">
+              <a:lnSpc>
+                <a:spcPct val="100000"/>
+              </a:lnSpc>
+              <a:buNone/>
+            </a:pPr>
+            <a:r>
+              <a:rPr lang="de-DE" sz="5600" dirty="0" smtClean="0">
+                <a:latin typeface="Times New Roman" panose="02020603050405020304" pitchFamily="18" charset="0"/>
+                <a:cs typeface="Times New Roman" panose="02020603050405020304" pitchFamily="18" charset="0"/>
+              </a:rPr>
+              <a:t>Küpper</a:t>
+            </a:r>
+            <a:r>
+              <a:rPr lang="de-DE" sz="5600" dirty="0">
+                <a:latin typeface="Times New Roman" panose="02020603050405020304" pitchFamily="18" charset="0"/>
+                <a:cs typeface="Times New Roman" panose="02020603050405020304" pitchFamily="18" charset="0"/>
+              </a:rPr>
+              <a:t>, Hans-Ulrich; Friedl, Gunther; Hofmann, Christian; Hofmann, Yvette; Pedell, Burkhard (2013): Controlling. Konzeption, Aufgaben, </a:t>
+            </a:r>
+            <a:r>
+              <a:rPr lang="de-DE" sz="5600" dirty="0" smtClean="0">
+                <a:latin typeface="Times New Roman" panose="02020603050405020304" pitchFamily="18" charset="0"/>
+                <a:cs typeface="Times New Roman" panose="02020603050405020304" pitchFamily="18" charset="0"/>
+              </a:rPr>
+              <a:t>Instrumente</a:t>
+            </a:r>
+          </a:p>
+          <a:p>
+            <a:pPr marL="0" indent="0">
+              <a:lnSpc>
+                <a:spcPct val="100000"/>
+              </a:lnSpc>
+              <a:buNone/>
+            </a:pPr>
+            <a:r>
+              <a:rPr lang="de-DE" sz="5600" dirty="0" smtClean="0">
+                <a:latin typeface="Times New Roman" panose="02020603050405020304" pitchFamily="18" charset="0"/>
+                <a:cs typeface="Times New Roman" panose="02020603050405020304" pitchFamily="18" charset="0"/>
+              </a:rPr>
+              <a:t>Lindner</a:t>
+            </a:r>
+            <a:r>
+              <a:rPr lang="de-DE" sz="5600" dirty="0">
+                <a:latin typeface="Times New Roman" panose="02020603050405020304" pitchFamily="18" charset="0"/>
+                <a:cs typeface="Times New Roman" panose="02020603050405020304" pitchFamily="18" charset="0"/>
+              </a:rPr>
+              <a:t>, Dominic (2019): KMU im digitalen Wandel. Ergebnisse empirischer Studien zu Arbeit, Führung und </a:t>
+            </a:r>
+            <a:r>
+              <a:rPr lang="de-DE" sz="5600" dirty="0" smtClean="0">
+                <a:latin typeface="Times New Roman" panose="02020603050405020304" pitchFamily="18" charset="0"/>
+                <a:cs typeface="Times New Roman" panose="02020603050405020304" pitchFamily="18" charset="0"/>
+              </a:rPr>
+              <a:t>Organisation</a:t>
+            </a:r>
+          </a:p>
+          <a:p>
+            <a:pPr marL="0" indent="0">
+              <a:lnSpc>
+                <a:spcPct val="100000"/>
+              </a:lnSpc>
+              <a:buNone/>
+            </a:pPr>
+            <a:r>
+              <a:rPr lang="de-DE" sz="5600" dirty="0" smtClean="0">
+                <a:latin typeface="Times New Roman" panose="02020603050405020304" pitchFamily="18" charset="0"/>
+                <a:cs typeface="Times New Roman" panose="02020603050405020304" pitchFamily="18" charset="0"/>
+              </a:rPr>
+              <a:t>Mayr</a:t>
+            </a:r>
+            <a:r>
+              <a:rPr lang="de-DE" sz="5600" dirty="0">
+                <a:latin typeface="Times New Roman" panose="02020603050405020304" pitchFamily="18" charset="0"/>
+                <a:cs typeface="Times New Roman" panose="02020603050405020304" pitchFamily="18" charset="0"/>
+              </a:rPr>
+              <a:t>, Albert (2015): Controlling in Klein- und Kleinstunternehmen durch </a:t>
+            </a:r>
+            <a:r>
+              <a:rPr lang="de-DE" sz="5600" dirty="0" smtClean="0">
+                <a:latin typeface="Times New Roman" panose="02020603050405020304" pitchFamily="18" charset="0"/>
+                <a:cs typeface="Times New Roman" panose="02020603050405020304" pitchFamily="18" charset="0"/>
+              </a:rPr>
+              <a:t>Steuerberater</a:t>
+            </a:r>
+          </a:p>
+          <a:p>
+            <a:pPr marL="0" indent="0">
+              <a:lnSpc>
+                <a:spcPct val="100000"/>
+              </a:lnSpc>
+              <a:buNone/>
+            </a:pPr>
+            <a:r>
+              <a:rPr lang="de-DE" sz="5600" dirty="0" err="1" smtClean="0">
+                <a:latin typeface="Times New Roman" panose="02020603050405020304" pitchFamily="18" charset="0"/>
+                <a:cs typeface="Times New Roman" panose="02020603050405020304" pitchFamily="18" charset="0"/>
+              </a:rPr>
+              <a:t>Rautenstrauch</a:t>
+            </a:r>
+            <a:r>
+              <a:rPr lang="de-DE" sz="5600" dirty="0">
+                <a:latin typeface="Times New Roman" panose="02020603050405020304" pitchFamily="18" charset="0"/>
+                <a:cs typeface="Times New Roman" panose="02020603050405020304" pitchFamily="18" charset="0"/>
+              </a:rPr>
+              <a:t>, Thomas; Müller, Christof (2005): Verständnis und Organisation des Controlling in kleinen und mittleren </a:t>
+            </a:r>
+            <a:r>
+              <a:rPr lang="de-DE" sz="5600" dirty="0" smtClean="0">
+                <a:latin typeface="Times New Roman" panose="02020603050405020304" pitchFamily="18" charset="0"/>
+                <a:cs typeface="Times New Roman" panose="02020603050405020304" pitchFamily="18" charset="0"/>
+              </a:rPr>
+              <a:t>Unternehmen</a:t>
+            </a:r>
+            <a:endParaRPr lang="de-DE" dirty="0" smtClean="0">
+              <a:latin typeface="Times New Roman" panose="02020603050405020304" pitchFamily="18" charset="0"/>
+              <a:cs typeface="Times New Roman" panose="02020603050405020304" pitchFamily="18" charset="0"/>
+              <a:sym typeface="Wingdings" panose="05000000000000000000" pitchFamily="2" charset="2"/>
+            </a:endParaRPr>
+          </a:p>
+          <a:p>
+            <a:pPr marL="0" indent="0">
+              <a:buNone/>
+            </a:pPr>
+            <a:endParaRPr lang="de-DE" dirty="0">
+              <a:latin typeface="Times New Roman" panose="02020603050405020304" pitchFamily="18" charset="0"/>
+              <a:cs typeface="Times New Roman" panose="02020603050405020304" pitchFamily="18" charset="0"/>
+            </a:endParaRPr>
+          </a:p>
+        </p:txBody>
+      </p:sp>
+      <p:sp>
+        <p:nvSpPr>
+          <p:cNvPr id="10" name="Rechtwinkliges Dreieck 9"/>
+          <p:cNvSpPr/>
+          <p:nvPr/>
+        </p:nvSpPr>
+        <p:spPr>
+          <a:xfrm rot="16200000">
+            <a:off x="11452167" y="6130635"/>
+            <a:ext cx="773084" cy="706582"/>
+          </a:xfrm>
+          <a:prstGeom prst="rtTriangle">
+            <a:avLst/>
+          </a:prstGeom>
+          <a:solidFill>
+            <a:schemeClr val="accent6">
+              <a:lumMod val="50000"/>
+            </a:schemeClr>
+          </a:solidFill>
+          <a:ln>
+            <a:solidFill>
+              <a:schemeClr val="accent6">
+                <a:lumMod val="50000"/>
+              </a:schemeClr>
+            </a:solidFill>
+          </a:ln>
+        </p:spPr>
+        <p:style>
+          <a:lnRef idx="2">
+            <a:schemeClr val="accent1">
+              <a:shade val="50000"/>
+            </a:schemeClr>
+          </a:lnRef>
+          <a:fillRef idx="1">
+            <a:schemeClr val="accent1"/>
+          </a:fillRef>
+          <a:effectRef idx="0">
+            <a:schemeClr val="accent1"/>
+          </a:effectRef>
+          <a:fontRef idx="minor">
+            <a:schemeClr val="lt1"/>
+          </a:fontRef>
+        </p:style>
+        <p:txBody>
+          <a:bodyPr rtlCol="0" anchor="ctr"/>
+          <a:lstStyle/>
+          <a:p>
+            <a:pPr algn="ctr"/>
+            <a:endParaRPr lang="de-DE"/>
+          </a:p>
+        </p:txBody>
+      </p:sp>
+      <p:sp>
+        <p:nvSpPr>
+          <p:cNvPr id="13" name="Diagonaler Streifen 12"/>
+          <p:cNvSpPr/>
+          <p:nvPr/>
+        </p:nvSpPr>
+        <p:spPr>
+          <a:xfrm rot="10800000">
+            <a:off x="9324108" y="3756587"/>
+            <a:ext cx="2876204" cy="3117273"/>
+          </a:xfrm>
+          <a:prstGeom prst="diagStripe">
+            <a:avLst/>
+          </a:prstGeom>
+          <a:solidFill>
+            <a:schemeClr val="accent6">
+              <a:lumMod val="40000"/>
+              <a:lumOff val="60000"/>
+            </a:schemeClr>
+          </a:solidFill>
+          <a:ln>
+            <a:solidFill>
+              <a:schemeClr val="accent6">
+                <a:lumMod val="40000"/>
+                <a:lumOff val="60000"/>
+              </a:schemeClr>
+            </a:solidFill>
+          </a:ln>
+        </p:spPr>
+        <p:style>
+          <a:lnRef idx="2">
+            <a:schemeClr val="accent1">
+              <a:shade val="50000"/>
+            </a:schemeClr>
+          </a:lnRef>
+          <a:fillRef idx="1">
+            <a:schemeClr val="accent1"/>
+          </a:fillRef>
+          <a:effectRef idx="0">
+            <a:schemeClr val="accent1"/>
+          </a:effectRef>
+          <a:fontRef idx="minor">
+            <a:schemeClr val="lt1"/>
+          </a:fontRef>
+        </p:style>
+        <p:txBody>
+          <a:bodyPr rtlCol="0" anchor="ctr"/>
+          <a:lstStyle/>
+          <a:p>
+            <a:pPr algn="ctr"/>
+            <a:endParaRPr lang="de-DE">
+              <a:solidFill>
+                <a:schemeClr val="tx1"/>
+              </a:solidFill>
+            </a:endParaRPr>
+          </a:p>
+        </p:txBody>
+      </p:sp>
+      <p:sp>
+        <p:nvSpPr>
+          <p:cNvPr id="12" name="Diagonaler Streifen 11"/>
+          <p:cNvSpPr/>
+          <p:nvPr/>
+        </p:nvSpPr>
+        <p:spPr>
+          <a:xfrm rot="10800000">
+            <a:off x="9972501" y="4429919"/>
+            <a:ext cx="2219498" cy="2419004"/>
+          </a:xfrm>
+          <a:prstGeom prst="diagStripe">
+            <a:avLst/>
+          </a:prstGeom>
+          <a:solidFill>
+            <a:schemeClr val="accent6">
+              <a:lumMod val="60000"/>
+              <a:lumOff val="40000"/>
+            </a:schemeClr>
+          </a:solidFill>
+          <a:ln>
+            <a:solidFill>
+              <a:schemeClr val="accent6">
+                <a:lumMod val="60000"/>
+                <a:lumOff val="40000"/>
+              </a:schemeClr>
+            </a:solidFill>
+          </a:ln>
+        </p:spPr>
+        <p:style>
+          <a:lnRef idx="2">
+            <a:schemeClr val="accent1">
+              <a:shade val="50000"/>
+            </a:schemeClr>
+          </a:lnRef>
+          <a:fillRef idx="1">
+            <a:schemeClr val="accent1"/>
+          </a:fillRef>
+          <a:effectRef idx="0">
+            <a:schemeClr val="accent1"/>
+          </a:effectRef>
+          <a:fontRef idx="minor">
+            <a:schemeClr val="lt1"/>
+          </a:fontRef>
+        </p:style>
+        <p:txBody>
+          <a:bodyPr rtlCol="0" anchor="ctr"/>
+          <a:lstStyle/>
+          <a:p>
+            <a:pPr algn="ctr"/>
+            <a:endParaRPr lang="de-DE">
+              <a:solidFill>
+                <a:schemeClr val="tx1"/>
+              </a:solidFill>
+            </a:endParaRPr>
+          </a:p>
+        </p:txBody>
+      </p:sp>
+      <p:sp>
+        <p:nvSpPr>
+          <p:cNvPr id="11" name="Diagonaler Streifen 10"/>
+          <p:cNvSpPr/>
+          <p:nvPr/>
+        </p:nvSpPr>
+        <p:spPr>
+          <a:xfrm rot="10800000">
+            <a:off x="10762210" y="5311833"/>
+            <a:ext cx="1429789" cy="1546167"/>
+          </a:xfrm>
+          <a:prstGeom prst="diagStripe">
+            <a:avLst/>
+          </a:prstGeom>
+          <a:solidFill>
+            <a:schemeClr val="accent6">
+              <a:lumMod val="75000"/>
+            </a:schemeClr>
+          </a:solidFill>
+          <a:ln>
+            <a:solidFill>
+              <a:schemeClr val="accent6">
+                <a:lumMod val="75000"/>
+              </a:schemeClr>
+            </a:solidFill>
+          </a:ln>
+        </p:spPr>
+        <p:style>
+          <a:lnRef idx="2">
+            <a:schemeClr val="accent1">
+              <a:shade val="50000"/>
+            </a:schemeClr>
+          </a:lnRef>
+          <a:fillRef idx="1">
+            <a:schemeClr val="accent1"/>
+          </a:fillRef>
+          <a:effectRef idx="0">
+            <a:schemeClr val="accent1"/>
+          </a:effectRef>
+          <a:fontRef idx="minor">
+            <a:schemeClr val="lt1"/>
+          </a:fontRef>
+        </p:style>
+        <p:txBody>
+          <a:bodyPr rtlCol="0" anchor="ctr"/>
+          <a:lstStyle/>
+          <a:p>
+            <a:pPr algn="ctr"/>
+            <a:endParaRPr lang="de-DE">
+              <a:solidFill>
+                <a:schemeClr val="tx1"/>
+              </a:solidFill>
+            </a:endParaRPr>
+          </a:p>
+        </p:txBody>
+      </p:sp>
+      <p:sp>
+        <p:nvSpPr>
+          <p:cNvPr id="5" name="Diagonaler Streifen 4"/>
+          <p:cNvSpPr/>
+          <p:nvPr/>
+        </p:nvSpPr>
+        <p:spPr>
+          <a:xfrm>
+            <a:off x="0" y="0"/>
+            <a:ext cx="1429789" cy="1546167"/>
+          </a:xfrm>
+          <a:prstGeom prst="diagStripe">
+            <a:avLst/>
+          </a:prstGeom>
+          <a:solidFill>
+            <a:schemeClr val="accent6">
+              <a:lumMod val="75000"/>
+            </a:schemeClr>
+          </a:solidFill>
+          <a:ln>
+            <a:solidFill>
+              <a:schemeClr val="accent6">
+                <a:lumMod val="75000"/>
+              </a:schemeClr>
+            </a:solidFill>
+          </a:ln>
+        </p:spPr>
+        <p:style>
+          <a:lnRef idx="2">
+            <a:schemeClr val="accent1">
+              <a:shade val="50000"/>
+            </a:schemeClr>
+          </a:lnRef>
+          <a:fillRef idx="1">
+            <a:schemeClr val="accent1"/>
+          </a:fillRef>
+          <a:effectRef idx="0">
+            <a:schemeClr val="accent1"/>
+          </a:effectRef>
+          <a:fontRef idx="minor">
+            <a:schemeClr val="lt1"/>
+          </a:fontRef>
+        </p:style>
+        <p:txBody>
+          <a:bodyPr rtlCol="0" anchor="ctr"/>
+          <a:lstStyle/>
+          <a:p>
+            <a:pPr algn="ctr"/>
+            <a:endParaRPr lang="de-DE">
+              <a:solidFill>
+                <a:schemeClr val="tx1"/>
+              </a:solidFill>
+            </a:endParaRPr>
+          </a:p>
+        </p:txBody>
+      </p:sp>
+      <p:pic>
+        <p:nvPicPr>
+          <p:cNvPr id="23" name="Grafik 22"/>
+          <p:cNvPicPr/>
+          <p:nvPr/>
+        </p:nvPicPr>
+        <p:blipFill rotWithShape="1">
+          <a:blip r:embed="rId2" cstate="print">
+            <a:extLst>
+              <a:ext uri="{28A0092B-C50C-407E-A947-70E740481C1C}">
+                <a14:useLocalDpi xmlns:a14="http://schemas.microsoft.com/office/drawing/2010/main" val="0"/>
+              </a:ext>
+            </a:extLst>
+          </a:blip>
+          <a:srcRect l="60394" t="3519" r="8253" b="-3519"/>
+          <a:stretch/>
+        </p:blipFill>
+        <p:spPr>
+          <a:xfrm>
+            <a:off x="9032033" y="24271"/>
+            <a:ext cx="2179065" cy="1181100"/>
+          </a:xfrm>
+          <a:prstGeom prst="rect">
+            <a:avLst/>
+          </a:prstGeom>
+        </p:spPr>
+      </p:pic>
+    </p:spTree>
+    <p:extLst>
+      <p:ext uri="{BB962C8B-B14F-4D97-AF65-F5344CB8AC3E}">
+        <p14:creationId xmlns:p14="http://schemas.microsoft.com/office/powerpoint/2010/main" val="69325391"/>
+      </p:ext>
+    </p:extLst>
+  </p:cSld>
+  <p:clrMapOvr>
+    <a:masterClrMapping/>
+  </p:clrMapOvr>
+  <p:timing>
+    <p:tnLst>
+      <p:par>
+        <p:cTn id="1" dur="indefinite" restart="never" nodeType="tmRoot"/>
+      </p:par>
+    </p:tnLst>
+  </p:timing>
+</p:sld>
+</file>
+
+<file path=ppt/slides/slide15.xml><?xml version="1.0" encoding="utf-8"?>
+<p:sld xmlns:a="http://schemas.openxmlformats.org/drawingml/2006/main" xmlns:r="http://schemas.openxmlformats.org/officeDocument/2006/relationships" xmlns:p="http://schemas.openxmlformats.org/presentationml/2006/main">
+  <p:cSld>
+    <p:spTree>
+      <p:nvGrpSpPr>
+        <p:cNvPr id="1" name=""/>
+        <p:cNvGrpSpPr/>
+        <p:nvPr/>
+      </p:nvGrpSpPr>
+      <p:grpSpPr>
+        <a:xfrm>
+          <a:off x="0" y="0"/>
+          <a:ext cx="0" cy="0"/>
+          <a:chOff x="0" y="0"/>
+          <a:chExt cx="0" cy="0"/>
+        </a:xfrm>
+      </p:grpSpPr>
+      <p:sp>
+        <p:nvSpPr>
+          <p:cNvPr id="9" name="Diagonaler Streifen 8"/>
+          <p:cNvSpPr/>
+          <p:nvPr/>
+        </p:nvSpPr>
+        <p:spPr>
+          <a:xfrm>
+            <a:off x="1" y="0"/>
+            <a:ext cx="3458094" cy="3898668"/>
+          </a:xfrm>
+          <a:prstGeom prst="diagStripe">
+            <a:avLst/>
+          </a:prstGeom>
+          <a:solidFill>
+            <a:schemeClr val="accent6">
+              <a:lumMod val="20000"/>
+              <a:lumOff val="80000"/>
+            </a:schemeClr>
+          </a:solidFill>
+          <a:ln>
+            <a:solidFill>
+              <a:schemeClr val="accent6">
+                <a:lumMod val="20000"/>
+                <a:lumOff val="80000"/>
+              </a:schemeClr>
+            </a:solidFill>
+          </a:ln>
+        </p:spPr>
+        <p:style>
+          <a:lnRef idx="2">
+            <a:schemeClr val="accent1">
+              <a:shade val="50000"/>
+            </a:schemeClr>
+          </a:lnRef>
+          <a:fillRef idx="1">
+            <a:schemeClr val="accent1"/>
+          </a:fillRef>
+          <a:effectRef idx="0">
+            <a:schemeClr val="accent1"/>
+          </a:effectRef>
+          <a:fontRef idx="minor">
+            <a:schemeClr val="lt1"/>
+          </a:fontRef>
+        </p:style>
+        <p:txBody>
+          <a:bodyPr rtlCol="0" anchor="ctr"/>
+          <a:lstStyle/>
+          <a:p>
+            <a:pPr algn="ctr"/>
+            <a:endParaRPr lang="de-DE">
+              <a:solidFill>
+                <a:schemeClr val="tx1"/>
+              </a:solidFill>
+            </a:endParaRPr>
+          </a:p>
+        </p:txBody>
+      </p:sp>
+      <p:sp>
+        <p:nvSpPr>
+          <p:cNvPr id="8" name="Diagonaler Streifen 7"/>
+          <p:cNvSpPr/>
+          <p:nvPr/>
+        </p:nvSpPr>
+        <p:spPr>
+          <a:xfrm>
+            <a:off x="1" y="0"/>
+            <a:ext cx="2876204" cy="3117273"/>
+          </a:xfrm>
+          <a:prstGeom prst="diagStripe">
+            <a:avLst/>
+          </a:prstGeom>
+          <a:solidFill>
+            <a:schemeClr val="accent6">
+              <a:lumMod val="40000"/>
+              <a:lumOff val="60000"/>
+            </a:schemeClr>
+          </a:solidFill>
+          <a:ln>
+            <a:solidFill>
+              <a:schemeClr val="accent6">
+                <a:lumMod val="40000"/>
+                <a:lumOff val="60000"/>
+              </a:schemeClr>
+            </a:solidFill>
+          </a:ln>
+        </p:spPr>
+        <p:style>
+          <a:lnRef idx="2">
+            <a:schemeClr val="accent1">
+              <a:shade val="50000"/>
+            </a:schemeClr>
+          </a:lnRef>
+          <a:fillRef idx="1">
+            <a:schemeClr val="accent1"/>
+          </a:fillRef>
+          <a:effectRef idx="0">
+            <a:schemeClr val="accent1"/>
+          </a:effectRef>
+          <a:fontRef idx="minor">
+            <a:schemeClr val="lt1"/>
+          </a:fontRef>
+        </p:style>
+        <p:txBody>
+          <a:bodyPr rtlCol="0" anchor="ctr"/>
+          <a:lstStyle/>
+          <a:p>
+            <a:pPr algn="ctr"/>
+            <a:endParaRPr lang="de-DE">
+              <a:solidFill>
+                <a:schemeClr val="tx1"/>
+              </a:solidFill>
+            </a:endParaRPr>
+          </a:p>
+        </p:txBody>
+      </p:sp>
+      <p:sp>
+        <p:nvSpPr>
+          <p:cNvPr id="4" name="Diagonaler Streifen 3"/>
+          <p:cNvSpPr/>
+          <p:nvPr/>
+        </p:nvSpPr>
+        <p:spPr>
+          <a:xfrm>
+            <a:off x="0" y="0"/>
+            <a:ext cx="2219498" cy="2419004"/>
+          </a:xfrm>
+          <a:prstGeom prst="diagStripe">
+            <a:avLst/>
+          </a:prstGeom>
+          <a:solidFill>
+            <a:schemeClr val="accent6">
+              <a:lumMod val="60000"/>
+              <a:lumOff val="40000"/>
+            </a:schemeClr>
+          </a:solidFill>
+          <a:ln>
+            <a:solidFill>
+              <a:schemeClr val="accent6">
+                <a:lumMod val="60000"/>
+                <a:lumOff val="40000"/>
+              </a:schemeClr>
+            </a:solidFill>
+          </a:ln>
+        </p:spPr>
+        <p:style>
+          <a:lnRef idx="2">
+            <a:schemeClr val="accent1">
+              <a:shade val="50000"/>
+            </a:schemeClr>
+          </a:lnRef>
+          <a:fillRef idx="1">
+            <a:schemeClr val="accent1"/>
+          </a:fillRef>
+          <a:effectRef idx="0">
+            <a:schemeClr val="accent1"/>
+          </a:effectRef>
+          <a:fontRef idx="minor">
+            <a:schemeClr val="lt1"/>
+          </a:fontRef>
+        </p:style>
+        <p:txBody>
+          <a:bodyPr rtlCol="0" anchor="ctr"/>
+          <a:lstStyle/>
+          <a:p>
+            <a:pPr algn="ctr"/>
+            <a:endParaRPr lang="de-DE">
+              <a:solidFill>
+                <a:schemeClr val="tx1"/>
+              </a:solidFill>
+            </a:endParaRPr>
+          </a:p>
+        </p:txBody>
+      </p:sp>
+      <p:sp>
+        <p:nvSpPr>
+          <p:cNvPr id="6" name="Rechtwinkliges Dreieck 5"/>
+          <p:cNvSpPr/>
+          <p:nvPr/>
+        </p:nvSpPr>
+        <p:spPr>
+          <a:xfrm rot="5400000">
+            <a:off x="-33252" y="33250"/>
+            <a:ext cx="773084" cy="706582"/>
+          </a:xfrm>
+          <a:prstGeom prst="rtTriangle">
+            <a:avLst/>
+          </a:prstGeom>
+          <a:solidFill>
+            <a:schemeClr val="accent6">
+              <a:lumMod val="50000"/>
+            </a:schemeClr>
+          </a:solidFill>
+          <a:ln>
+            <a:solidFill>
+              <a:schemeClr val="accent6">
+                <a:lumMod val="50000"/>
+              </a:schemeClr>
+            </a:solidFill>
+          </a:ln>
+        </p:spPr>
+        <p:style>
+          <a:lnRef idx="2">
+            <a:schemeClr val="accent1">
+              <a:shade val="50000"/>
+            </a:schemeClr>
+          </a:lnRef>
+          <a:fillRef idx="1">
+            <a:schemeClr val="accent1"/>
+          </a:fillRef>
+          <a:effectRef idx="0">
+            <a:schemeClr val="accent1"/>
+          </a:effectRef>
+          <a:fontRef idx="minor">
+            <a:schemeClr val="lt1"/>
+          </a:fontRef>
+        </p:style>
+        <p:txBody>
+          <a:bodyPr rtlCol="0" anchor="ctr"/>
+          <a:lstStyle/>
+          <a:p>
+            <a:pPr algn="ctr"/>
+            <a:endParaRPr lang="de-DE"/>
+          </a:p>
+        </p:txBody>
+      </p:sp>
+      <p:sp>
+        <p:nvSpPr>
+          <p:cNvPr id="14" name="Diagonaler Streifen 13"/>
+          <p:cNvSpPr/>
+          <p:nvPr/>
+        </p:nvSpPr>
+        <p:spPr>
+          <a:xfrm rot="10800000">
+            <a:off x="8733905" y="2971800"/>
+            <a:ext cx="3458094" cy="3898668"/>
+          </a:xfrm>
+          <a:prstGeom prst="diagStripe">
+            <a:avLst/>
+          </a:prstGeom>
+          <a:solidFill>
+            <a:schemeClr val="accent6">
+              <a:lumMod val="20000"/>
+              <a:lumOff val="80000"/>
+            </a:schemeClr>
+          </a:solidFill>
+          <a:ln>
+            <a:solidFill>
+              <a:schemeClr val="accent6">
+                <a:lumMod val="20000"/>
+                <a:lumOff val="80000"/>
+              </a:schemeClr>
+            </a:solidFill>
+          </a:ln>
+        </p:spPr>
+        <p:style>
+          <a:lnRef idx="2">
+            <a:schemeClr val="accent1">
+              <a:shade val="50000"/>
+            </a:schemeClr>
+          </a:lnRef>
+          <a:fillRef idx="1">
+            <a:schemeClr val="accent1"/>
+          </a:fillRef>
+          <a:effectRef idx="0">
+            <a:schemeClr val="accent1"/>
+          </a:effectRef>
+          <a:fontRef idx="minor">
+            <a:schemeClr val="lt1"/>
+          </a:fontRef>
+        </p:style>
+        <p:txBody>
+          <a:bodyPr rtlCol="0" anchor="ctr"/>
+          <a:lstStyle/>
+          <a:p>
+            <a:pPr algn="ctr"/>
+            <a:endParaRPr lang="de-DE">
+              <a:solidFill>
+                <a:schemeClr val="tx1"/>
+              </a:solidFill>
+            </a:endParaRPr>
+          </a:p>
+        </p:txBody>
+      </p:sp>
+      <p:sp>
+        <p:nvSpPr>
+          <p:cNvPr id="2" name="Titel 1"/>
+          <p:cNvSpPr>
+            <a:spLocks noGrp="1"/>
+          </p:cNvSpPr>
+          <p:nvPr>
+            <p:ph type="title"/>
+          </p:nvPr>
+        </p:nvSpPr>
+        <p:spPr>
+          <a:xfrm>
+            <a:off x="3458094" y="365125"/>
+            <a:ext cx="7895705" cy="1325563"/>
+          </a:xfrm>
+        </p:spPr>
+        <p:txBody>
+          <a:bodyPr anchor="ctr">
+            <a:normAutofit/>
+          </a:bodyPr>
+          <a:lstStyle/>
+          <a:p>
+            <a:r>
+              <a:rPr lang="de-DE" dirty="0" smtClean="0">
+                <a:latin typeface="Times New Roman" panose="02020603050405020304" pitchFamily="18" charset="0"/>
+                <a:cs typeface="Times New Roman" panose="02020603050405020304" pitchFamily="18" charset="0"/>
+              </a:rPr>
+              <a:t>Quellen</a:t>
+            </a:r>
+            <a:endParaRPr lang="de-DE" dirty="0">
+              <a:latin typeface="Times New Roman" panose="02020603050405020304" pitchFamily="18" charset="0"/>
+              <a:cs typeface="Times New Roman" panose="02020603050405020304" pitchFamily="18" charset="0"/>
+            </a:endParaRPr>
+          </a:p>
+        </p:txBody>
+      </p:sp>
+      <p:sp>
+        <p:nvSpPr>
+          <p:cNvPr id="17" name="Inhaltsplatzhalter 16"/>
+          <p:cNvSpPr>
+            <a:spLocks noGrp="1"/>
+          </p:cNvSpPr>
+          <p:nvPr>
+            <p:ph idx="1"/>
+          </p:nvPr>
+        </p:nvSpPr>
+        <p:spPr>
+          <a:xfrm>
+            <a:off x="1623527" y="1825625"/>
+            <a:ext cx="8770776" cy="4351338"/>
+          </a:xfrm>
+        </p:spPr>
+        <p:txBody>
+          <a:bodyPr>
+            <a:normAutofit/>
+          </a:bodyPr>
+          <a:lstStyle/>
+          <a:p>
+            <a:pPr marL="0" indent="0">
+              <a:lnSpc>
+                <a:spcPct val="100000"/>
+              </a:lnSpc>
+              <a:buNone/>
+            </a:pPr>
+            <a:r>
+              <a:rPr lang="de-DE" sz="1600" dirty="0">
+                <a:latin typeface="Times New Roman" panose="02020603050405020304" pitchFamily="18" charset="0"/>
+                <a:cs typeface="Times New Roman" panose="02020603050405020304" pitchFamily="18" charset="0"/>
+              </a:rPr>
+              <a:t>Strauß, Erik; Reuter, Christoph (2019): Die Rolle des Controllers – lokale Entwicklungen, globale Trends und Ausblick in die Zukunft</a:t>
+            </a:r>
+          </a:p>
+          <a:p>
+            <a:pPr marL="0" indent="0">
+              <a:lnSpc>
+                <a:spcPct val="100000"/>
+              </a:lnSpc>
+              <a:buNone/>
+            </a:pPr>
+            <a:r>
+              <a:rPr lang="de-DE" sz="1600" dirty="0">
+                <a:latin typeface="Times New Roman" panose="02020603050405020304" pitchFamily="18" charset="0"/>
+                <a:cs typeface="Times New Roman" panose="02020603050405020304" pitchFamily="18" charset="0"/>
+              </a:rPr>
+              <a:t>Weber, Jürgen; Strauß, Erik; </a:t>
+            </a:r>
+            <a:r>
+              <a:rPr lang="de-DE" sz="1600" dirty="0" err="1">
+                <a:latin typeface="Times New Roman" panose="02020603050405020304" pitchFamily="18" charset="0"/>
+                <a:cs typeface="Times New Roman" panose="02020603050405020304" pitchFamily="18" charset="0"/>
+              </a:rPr>
+              <a:t>Spittler</a:t>
+            </a:r>
+            <a:r>
+              <a:rPr lang="de-DE" sz="1600" dirty="0">
+                <a:latin typeface="Times New Roman" panose="02020603050405020304" pitchFamily="18" charset="0"/>
+                <a:cs typeface="Times New Roman" panose="02020603050405020304" pitchFamily="18" charset="0"/>
+              </a:rPr>
+              <a:t>, Sabine (2012): Controlling &amp; IT: Wie Trends und Herausforderungen der IT die </a:t>
+            </a:r>
+            <a:r>
+              <a:rPr lang="de-DE" sz="1600" dirty="0" err="1">
+                <a:latin typeface="Times New Roman" panose="02020603050405020304" pitchFamily="18" charset="0"/>
+                <a:cs typeface="Times New Roman" panose="02020603050405020304" pitchFamily="18" charset="0"/>
+              </a:rPr>
+              <a:t>Controllingfunktion</a:t>
+            </a:r>
+            <a:r>
+              <a:rPr lang="de-DE" sz="1600" dirty="0">
+                <a:latin typeface="Times New Roman" panose="02020603050405020304" pitchFamily="18" charset="0"/>
+                <a:cs typeface="Times New Roman" panose="02020603050405020304" pitchFamily="18" charset="0"/>
+              </a:rPr>
+              <a:t> verändern</a:t>
+            </a:r>
+          </a:p>
+          <a:p>
+            <a:pPr marL="0" indent="0">
+              <a:lnSpc>
+                <a:spcPct val="100000"/>
+              </a:lnSpc>
+              <a:buNone/>
+            </a:pPr>
+            <a:r>
+              <a:rPr lang="de-DE" sz="1600" dirty="0">
+                <a:latin typeface="Times New Roman" panose="02020603050405020304" pitchFamily="18" charset="0"/>
+                <a:cs typeface="Times New Roman" panose="02020603050405020304" pitchFamily="18" charset="0"/>
+              </a:rPr>
+              <a:t>Weißenberger, Barbara E.; Wolf, Sebastian; Neumann-Giesen, Axel; Elbers, Gunnar (2012): Controller als Business Partner: Ansatzpunkte für eine erfolgreiche Umsetzung des Rollenwandels</a:t>
+            </a:r>
+          </a:p>
+          <a:p>
+            <a:pPr marL="0" indent="0">
+              <a:lnSpc>
+                <a:spcPct val="100000"/>
+              </a:lnSpc>
+              <a:buNone/>
+            </a:pPr>
+            <a:r>
+              <a:rPr lang="de-DE" sz="1600" dirty="0">
+                <a:latin typeface="Times New Roman" panose="02020603050405020304" pitchFamily="18" charset="0"/>
+                <a:cs typeface="Times New Roman" panose="02020603050405020304" pitchFamily="18" charset="0"/>
+              </a:rPr>
+              <a:t>Wolf, Tanja; </a:t>
+            </a:r>
+            <a:r>
+              <a:rPr lang="de-DE" sz="1600" dirty="0" err="1">
+                <a:latin typeface="Times New Roman" panose="02020603050405020304" pitchFamily="18" charset="0"/>
+                <a:cs typeface="Times New Roman" panose="02020603050405020304" pitchFamily="18" charset="0"/>
+              </a:rPr>
+              <a:t>Heidlmayer</a:t>
+            </a:r>
+            <a:r>
+              <a:rPr lang="de-DE" sz="1600" dirty="0">
+                <a:latin typeface="Times New Roman" panose="02020603050405020304" pitchFamily="18" charset="0"/>
+                <a:cs typeface="Times New Roman" panose="02020603050405020304" pitchFamily="18" charset="0"/>
+              </a:rPr>
+              <a:t>, Melanie (2019): Die Auswirkungen der Digitalisierung auf die Rolle des Controllers</a:t>
+            </a:r>
+          </a:p>
+          <a:p>
+            <a:pPr marL="0" indent="0">
+              <a:lnSpc>
+                <a:spcPct val="100000"/>
+              </a:lnSpc>
+              <a:buNone/>
+            </a:pPr>
+            <a:r>
+              <a:rPr lang="de-DE" sz="1600" dirty="0">
+                <a:latin typeface="Times New Roman" panose="02020603050405020304" pitchFamily="18" charset="0"/>
+                <a:cs typeface="Times New Roman" panose="02020603050405020304" pitchFamily="18" charset="0"/>
+              </a:rPr>
+              <a:t>Wolf, Thomas; </a:t>
+            </a:r>
+            <a:r>
+              <a:rPr lang="de-DE" sz="1600" dirty="0" err="1">
+                <a:latin typeface="Times New Roman" panose="02020603050405020304" pitchFamily="18" charset="0"/>
+                <a:cs typeface="Times New Roman" panose="02020603050405020304" pitchFamily="18" charset="0"/>
+              </a:rPr>
+              <a:t>Strohschen</a:t>
+            </a:r>
+            <a:r>
+              <a:rPr lang="de-DE" sz="1600" dirty="0">
+                <a:latin typeface="Times New Roman" panose="02020603050405020304" pitchFamily="18" charset="0"/>
+                <a:cs typeface="Times New Roman" panose="02020603050405020304" pitchFamily="18" charset="0"/>
+              </a:rPr>
+              <a:t>, Jacqueline-Helena (2018): Digitalisierung: Definition und Reife</a:t>
+            </a:r>
+            <a:endParaRPr lang="de-DE" sz="1600" dirty="0">
+              <a:latin typeface="Times New Roman" panose="02020603050405020304" pitchFamily="18" charset="0"/>
+              <a:cs typeface="Times New Roman" panose="02020603050405020304" pitchFamily="18" charset="0"/>
+              <a:sym typeface="Wingdings" panose="05000000000000000000" pitchFamily="2" charset="2"/>
+            </a:endParaRPr>
+          </a:p>
+          <a:p>
+            <a:pPr marL="0" indent="0">
+              <a:buNone/>
+            </a:pPr>
+            <a:r>
+              <a:rPr lang="de-DE" sz="1500" dirty="0">
+                <a:latin typeface="Times New Roman" panose="02020603050405020304" pitchFamily="18" charset="0"/>
+                <a:cs typeface="Times New Roman" panose="02020603050405020304" pitchFamily="18" charset="0"/>
+              </a:rPr>
+              <a:t>Statistisches Bundesamt Deutschland - GENESIS-Online (2022</a:t>
+            </a:r>
+            <a:r>
+              <a:rPr lang="de-DE" sz="1500" dirty="0" smtClean="0">
+                <a:latin typeface="Times New Roman" panose="02020603050405020304" pitchFamily="18" charset="0"/>
+                <a:cs typeface="Times New Roman" panose="02020603050405020304" pitchFamily="18" charset="0"/>
+              </a:rPr>
+              <a:t>)</a:t>
+            </a:r>
+          </a:p>
+          <a:p>
+            <a:pPr marL="0" indent="0">
+              <a:buNone/>
+            </a:pPr>
+            <a:r>
+              <a:rPr lang="de-DE" sz="1500" dirty="0">
+                <a:latin typeface="Times New Roman" panose="02020603050405020304" pitchFamily="18" charset="0"/>
+                <a:cs typeface="Times New Roman" panose="02020603050405020304" pitchFamily="18" charset="0"/>
+              </a:rPr>
+              <a:t>Papen, Marie-Christin; </a:t>
+            </a:r>
+            <a:r>
+              <a:rPr lang="de-DE" sz="1500" dirty="0" err="1">
+                <a:latin typeface="Times New Roman" panose="02020603050405020304" pitchFamily="18" charset="0"/>
+                <a:cs typeface="Times New Roman" panose="02020603050405020304" pitchFamily="18" charset="0"/>
+              </a:rPr>
+              <a:t>Lundborg</a:t>
+            </a:r>
+            <a:r>
+              <a:rPr lang="de-DE" sz="1500" dirty="0">
+                <a:latin typeface="Times New Roman" panose="02020603050405020304" pitchFamily="18" charset="0"/>
+                <a:cs typeface="Times New Roman" panose="02020603050405020304" pitchFamily="18" charset="0"/>
+              </a:rPr>
+              <a:t>, Martin; </a:t>
+            </a:r>
+            <a:r>
+              <a:rPr lang="de-DE" sz="1500" dirty="0" err="1">
+                <a:latin typeface="Times New Roman" panose="02020603050405020304" pitchFamily="18" charset="0"/>
+                <a:cs typeface="Times New Roman" panose="02020603050405020304" pitchFamily="18" charset="0"/>
+              </a:rPr>
+              <a:t>Tenbrock</a:t>
+            </a:r>
+            <a:r>
+              <a:rPr lang="de-DE" sz="1500" dirty="0">
+                <a:latin typeface="Times New Roman" panose="02020603050405020304" pitchFamily="18" charset="0"/>
+                <a:cs typeface="Times New Roman" panose="02020603050405020304" pitchFamily="18" charset="0"/>
+              </a:rPr>
+              <a:t>, Sebastian (2021): 360-Grad-Überblick über den Digitalisierungsstand in KMU</a:t>
+            </a:r>
+          </a:p>
+          <a:p>
+            <a:pPr marL="0" indent="0">
+              <a:buNone/>
+            </a:pPr>
+            <a:endParaRPr lang="de-DE" dirty="0">
+              <a:latin typeface="Times New Roman" panose="02020603050405020304" pitchFamily="18" charset="0"/>
+              <a:cs typeface="Times New Roman" panose="02020603050405020304" pitchFamily="18" charset="0"/>
+            </a:endParaRPr>
+          </a:p>
+          <a:p>
+            <a:pPr marL="0" indent="0">
+              <a:buNone/>
+            </a:pPr>
+            <a:endParaRPr lang="de-DE" dirty="0" smtClean="0">
+              <a:latin typeface="Times New Roman" panose="02020603050405020304" pitchFamily="18" charset="0"/>
+              <a:cs typeface="Times New Roman" panose="02020603050405020304" pitchFamily="18" charset="0"/>
+              <a:sym typeface="Wingdings" panose="05000000000000000000" pitchFamily="2" charset="2"/>
+            </a:endParaRPr>
+          </a:p>
+          <a:p>
+            <a:pPr marL="0" indent="0">
+              <a:buNone/>
+            </a:pPr>
+            <a:endParaRPr lang="de-DE" dirty="0">
+              <a:latin typeface="Times New Roman" panose="02020603050405020304" pitchFamily="18" charset="0"/>
+              <a:cs typeface="Times New Roman" panose="02020603050405020304" pitchFamily="18" charset="0"/>
+            </a:endParaRPr>
+          </a:p>
+        </p:txBody>
+      </p:sp>
+      <p:sp>
+        <p:nvSpPr>
+          <p:cNvPr id="10" name="Rechtwinkliges Dreieck 9"/>
+          <p:cNvSpPr/>
+          <p:nvPr/>
+        </p:nvSpPr>
+        <p:spPr>
+          <a:xfrm rot="16200000">
+            <a:off x="11452167" y="6130635"/>
+            <a:ext cx="773084" cy="706582"/>
+          </a:xfrm>
+          <a:prstGeom prst="rtTriangle">
+            <a:avLst/>
+          </a:prstGeom>
+          <a:solidFill>
+            <a:schemeClr val="accent6">
+              <a:lumMod val="50000"/>
+            </a:schemeClr>
+          </a:solidFill>
+          <a:ln>
+            <a:solidFill>
+              <a:schemeClr val="accent6">
+                <a:lumMod val="50000"/>
+              </a:schemeClr>
+            </a:solidFill>
+          </a:ln>
+        </p:spPr>
+        <p:style>
+          <a:lnRef idx="2">
+            <a:schemeClr val="accent1">
+              <a:shade val="50000"/>
+            </a:schemeClr>
+          </a:lnRef>
+          <a:fillRef idx="1">
+            <a:schemeClr val="accent1"/>
+          </a:fillRef>
+          <a:effectRef idx="0">
+            <a:schemeClr val="accent1"/>
+          </a:effectRef>
+          <a:fontRef idx="minor">
+            <a:schemeClr val="lt1"/>
+          </a:fontRef>
+        </p:style>
+        <p:txBody>
+          <a:bodyPr rtlCol="0" anchor="ctr"/>
+          <a:lstStyle/>
+          <a:p>
+            <a:pPr algn="ctr"/>
+            <a:endParaRPr lang="de-DE"/>
+          </a:p>
+        </p:txBody>
+      </p:sp>
+      <p:sp>
+        <p:nvSpPr>
+          <p:cNvPr id="13" name="Diagonaler Streifen 12"/>
+          <p:cNvSpPr/>
+          <p:nvPr/>
+        </p:nvSpPr>
+        <p:spPr>
+          <a:xfrm rot="10800000">
+            <a:off x="9324108" y="3756587"/>
+            <a:ext cx="2876204" cy="3117273"/>
+          </a:xfrm>
+          <a:prstGeom prst="diagStripe">
+            <a:avLst/>
+          </a:prstGeom>
+          <a:solidFill>
+            <a:schemeClr val="accent6">
+              <a:lumMod val="40000"/>
+              <a:lumOff val="60000"/>
+            </a:schemeClr>
+          </a:solidFill>
+          <a:ln>
+            <a:solidFill>
+              <a:schemeClr val="accent6">
+                <a:lumMod val="40000"/>
+                <a:lumOff val="60000"/>
+              </a:schemeClr>
+            </a:solidFill>
+          </a:ln>
+        </p:spPr>
+        <p:style>
+          <a:lnRef idx="2">
+            <a:schemeClr val="accent1">
+              <a:shade val="50000"/>
+            </a:schemeClr>
+          </a:lnRef>
+          <a:fillRef idx="1">
+            <a:schemeClr val="accent1"/>
+          </a:fillRef>
+          <a:effectRef idx="0">
+            <a:schemeClr val="accent1"/>
+          </a:effectRef>
+          <a:fontRef idx="minor">
+            <a:schemeClr val="lt1"/>
+          </a:fontRef>
+        </p:style>
+        <p:txBody>
+          <a:bodyPr rtlCol="0" anchor="ctr"/>
+          <a:lstStyle/>
+          <a:p>
+            <a:pPr algn="ctr"/>
+            <a:endParaRPr lang="de-DE">
+              <a:solidFill>
+                <a:schemeClr val="tx1"/>
+              </a:solidFill>
+            </a:endParaRPr>
+          </a:p>
+        </p:txBody>
+      </p:sp>
+      <p:sp>
+        <p:nvSpPr>
+          <p:cNvPr id="12" name="Diagonaler Streifen 11"/>
+          <p:cNvSpPr/>
+          <p:nvPr/>
+        </p:nvSpPr>
+        <p:spPr>
+          <a:xfrm rot="10800000">
+            <a:off x="9972501" y="4429919"/>
+            <a:ext cx="2219498" cy="2419004"/>
+          </a:xfrm>
+          <a:prstGeom prst="diagStripe">
+            <a:avLst/>
+          </a:prstGeom>
+          <a:solidFill>
+            <a:schemeClr val="accent6">
+              <a:lumMod val="60000"/>
+              <a:lumOff val="40000"/>
+            </a:schemeClr>
+          </a:solidFill>
+          <a:ln>
+            <a:solidFill>
+              <a:schemeClr val="accent6">
+                <a:lumMod val="60000"/>
+                <a:lumOff val="40000"/>
+              </a:schemeClr>
+            </a:solidFill>
+          </a:ln>
+        </p:spPr>
+        <p:style>
+          <a:lnRef idx="2">
+            <a:schemeClr val="accent1">
+              <a:shade val="50000"/>
+            </a:schemeClr>
+          </a:lnRef>
+          <a:fillRef idx="1">
+            <a:schemeClr val="accent1"/>
+          </a:fillRef>
+          <a:effectRef idx="0">
+            <a:schemeClr val="accent1"/>
+          </a:effectRef>
+          <a:fontRef idx="minor">
+            <a:schemeClr val="lt1"/>
+          </a:fontRef>
+        </p:style>
+        <p:txBody>
+          <a:bodyPr rtlCol="0" anchor="ctr"/>
+          <a:lstStyle/>
+          <a:p>
+            <a:pPr algn="ctr"/>
+            <a:endParaRPr lang="de-DE">
+              <a:solidFill>
+                <a:schemeClr val="tx1"/>
+              </a:solidFill>
+            </a:endParaRPr>
+          </a:p>
+        </p:txBody>
+      </p:sp>
+      <p:sp>
+        <p:nvSpPr>
+          <p:cNvPr id="11" name="Diagonaler Streifen 10"/>
+          <p:cNvSpPr/>
+          <p:nvPr/>
+        </p:nvSpPr>
+        <p:spPr>
+          <a:xfrm rot="10800000">
+            <a:off x="10762210" y="5311833"/>
+            <a:ext cx="1429789" cy="1546167"/>
+          </a:xfrm>
+          <a:prstGeom prst="diagStripe">
+            <a:avLst/>
+          </a:prstGeom>
+          <a:solidFill>
+            <a:schemeClr val="accent6">
+              <a:lumMod val="75000"/>
+            </a:schemeClr>
+          </a:solidFill>
+          <a:ln>
+            <a:solidFill>
+              <a:schemeClr val="accent6">
+                <a:lumMod val="75000"/>
+              </a:schemeClr>
+            </a:solidFill>
+          </a:ln>
+        </p:spPr>
+        <p:style>
+          <a:lnRef idx="2">
+            <a:schemeClr val="accent1">
+              <a:shade val="50000"/>
+            </a:schemeClr>
+          </a:lnRef>
+          <a:fillRef idx="1">
+            <a:schemeClr val="accent1"/>
+          </a:fillRef>
+          <a:effectRef idx="0">
+            <a:schemeClr val="accent1"/>
+          </a:effectRef>
+          <a:fontRef idx="minor">
+            <a:schemeClr val="lt1"/>
+          </a:fontRef>
+        </p:style>
+        <p:txBody>
+          <a:bodyPr rtlCol="0" anchor="ctr"/>
+          <a:lstStyle/>
+          <a:p>
+            <a:pPr algn="ctr"/>
+            <a:endParaRPr lang="de-DE">
+              <a:solidFill>
+                <a:schemeClr val="tx1"/>
+              </a:solidFill>
+            </a:endParaRPr>
+          </a:p>
+        </p:txBody>
+      </p:sp>
+      <p:sp>
+        <p:nvSpPr>
+          <p:cNvPr id="5" name="Diagonaler Streifen 4"/>
+          <p:cNvSpPr/>
+          <p:nvPr/>
+        </p:nvSpPr>
+        <p:spPr>
+          <a:xfrm>
+            <a:off x="0" y="0"/>
+            <a:ext cx="1429789" cy="1546167"/>
+          </a:xfrm>
+          <a:prstGeom prst="diagStripe">
+            <a:avLst/>
+          </a:prstGeom>
+          <a:solidFill>
+            <a:schemeClr val="accent6">
+              <a:lumMod val="75000"/>
+            </a:schemeClr>
+          </a:solidFill>
+          <a:ln>
+            <a:solidFill>
+              <a:schemeClr val="accent6">
+                <a:lumMod val="75000"/>
+              </a:schemeClr>
+            </a:solidFill>
+          </a:ln>
+        </p:spPr>
+        <p:style>
+          <a:lnRef idx="2">
+            <a:schemeClr val="accent1">
+              <a:shade val="50000"/>
+            </a:schemeClr>
+          </a:lnRef>
+          <a:fillRef idx="1">
+            <a:schemeClr val="accent1"/>
+          </a:fillRef>
+          <a:effectRef idx="0">
+            <a:schemeClr val="accent1"/>
+          </a:effectRef>
+          <a:fontRef idx="minor">
+            <a:schemeClr val="lt1"/>
+          </a:fontRef>
+        </p:style>
+        <p:txBody>
+          <a:bodyPr rtlCol="0" anchor="ctr"/>
+          <a:lstStyle/>
+          <a:p>
+            <a:pPr algn="ctr"/>
+            <a:endParaRPr lang="de-DE">
+              <a:solidFill>
+                <a:schemeClr val="tx1"/>
+              </a:solidFill>
+            </a:endParaRPr>
+          </a:p>
+        </p:txBody>
+      </p:sp>
+      <p:pic>
+        <p:nvPicPr>
+          <p:cNvPr id="23" name="Grafik 22"/>
+          <p:cNvPicPr/>
+          <p:nvPr/>
+        </p:nvPicPr>
+        <p:blipFill rotWithShape="1">
+          <a:blip r:embed="rId2" cstate="print">
+            <a:extLst>
+              <a:ext uri="{28A0092B-C50C-407E-A947-70E740481C1C}">
+                <a14:useLocalDpi xmlns:a14="http://schemas.microsoft.com/office/drawing/2010/main" val="0"/>
+              </a:ext>
+            </a:extLst>
+          </a:blip>
+          <a:srcRect l="60394" t="3519" r="8253" b="-3519"/>
+          <a:stretch/>
+        </p:blipFill>
+        <p:spPr>
+          <a:xfrm>
+            <a:off x="9032033" y="24271"/>
+            <a:ext cx="2179065" cy="1181100"/>
+          </a:xfrm>
+          <a:prstGeom prst="rect">
+            <a:avLst/>
+          </a:prstGeom>
+        </p:spPr>
+      </p:pic>
+    </p:spTree>
+    <p:extLst>
+      <p:ext uri="{BB962C8B-B14F-4D97-AF65-F5344CB8AC3E}">
+        <p14:creationId xmlns:p14="http://schemas.microsoft.com/office/powerpoint/2010/main" val="274953446"/>
       </p:ext>
     </p:extLst>
   </p:cSld>
@@ -27757,28 +36340,28 @@
                 <a:gridCol w="2032000">
                   <a:extLst>
                     <a:ext uri="{9D8B030D-6E8A-4147-A177-3AD203B41FA5}">
-                      <a16:colId xmlns:a16="http://schemas.microsoft.com/office/drawing/2014/main" xmlns="" val="3321591218"/>
+                      <a16:colId xmlns="" xmlns:a16="http://schemas.microsoft.com/office/drawing/2014/main" val="3321591218"/>
                     </a:ext>
                   </a:extLst>
                 </a:gridCol>
                 <a:gridCol w="2032000">
                   <a:extLst>
                     <a:ext uri="{9D8B030D-6E8A-4147-A177-3AD203B41FA5}">
-                      <a16:colId xmlns:a16="http://schemas.microsoft.com/office/drawing/2014/main" xmlns="" val="3684059170"/>
+                      <a16:colId xmlns="" xmlns:a16="http://schemas.microsoft.com/office/drawing/2014/main" val="3684059170"/>
                     </a:ext>
                   </a:extLst>
                 </a:gridCol>
                 <a:gridCol w="2032000">
                   <a:extLst>
                     <a:ext uri="{9D8B030D-6E8A-4147-A177-3AD203B41FA5}">
-                      <a16:colId xmlns:a16="http://schemas.microsoft.com/office/drawing/2014/main" xmlns="" val="3456625026"/>
+                      <a16:colId xmlns="" xmlns:a16="http://schemas.microsoft.com/office/drawing/2014/main" val="3456625026"/>
                     </a:ext>
                   </a:extLst>
                 </a:gridCol>
                 <a:gridCol w="2032000">
                   <a:extLst>
                     <a:ext uri="{9D8B030D-6E8A-4147-A177-3AD203B41FA5}">
-                      <a16:colId xmlns:a16="http://schemas.microsoft.com/office/drawing/2014/main" xmlns="" val="813601742"/>
+                      <a16:colId xmlns="" xmlns:a16="http://schemas.microsoft.com/office/drawing/2014/main" val="813601742"/>
                     </a:ext>
                   </a:extLst>
                 </a:gridCol>
@@ -27884,7 +36467,7 @@
                 </a:tc>
                 <a:extLst>
                   <a:ext uri="{0D108BD9-81ED-4DB2-BD59-A6C34878D82A}">
-                    <a16:rowId xmlns:a16="http://schemas.microsoft.com/office/drawing/2014/main" xmlns="" val="3822178633"/>
+                    <a16:rowId xmlns="" xmlns:a16="http://schemas.microsoft.com/office/drawing/2014/main" val="3822178633"/>
                   </a:ext>
                 </a:extLst>
               </a:tr>
@@ -27967,7 +36550,7 @@
                 </a:tc>
                 <a:extLst>
                   <a:ext uri="{0D108BD9-81ED-4DB2-BD59-A6C34878D82A}">
-                    <a16:rowId xmlns:a16="http://schemas.microsoft.com/office/drawing/2014/main" xmlns="" val="3382510406"/>
+                    <a16:rowId xmlns="" xmlns:a16="http://schemas.microsoft.com/office/drawing/2014/main" val="3382510406"/>
                   </a:ext>
                 </a:extLst>
               </a:tr>
@@ -28050,7 +36633,7 @@
                 </a:tc>
                 <a:extLst>
                   <a:ext uri="{0D108BD9-81ED-4DB2-BD59-A6C34878D82A}">
-                    <a16:rowId xmlns:a16="http://schemas.microsoft.com/office/drawing/2014/main" xmlns="" val="3355992114"/>
+                    <a16:rowId xmlns="" xmlns:a16="http://schemas.microsoft.com/office/drawing/2014/main" val="3355992114"/>
                   </a:ext>
                 </a:extLst>
               </a:tr>
@@ -28133,7 +36716,7 @@
                 </a:tc>
                 <a:extLst>
                   <a:ext uri="{0D108BD9-81ED-4DB2-BD59-A6C34878D82A}">
-                    <a16:rowId xmlns:a16="http://schemas.microsoft.com/office/drawing/2014/main" xmlns="" val="3503118443"/>
+                    <a16:rowId xmlns="" xmlns:a16="http://schemas.microsoft.com/office/drawing/2014/main" val="3503118443"/>
                   </a:ext>
                 </a:extLst>
               </a:tr>
@@ -28216,7 +36799,7 @@
                 </a:tc>
                 <a:extLst>
                   <a:ext uri="{0D108BD9-81ED-4DB2-BD59-A6C34878D82A}">
-                    <a16:rowId xmlns:a16="http://schemas.microsoft.com/office/drawing/2014/main" xmlns="" val="1179356134"/>
+                    <a16:rowId xmlns="" xmlns:a16="http://schemas.microsoft.com/office/drawing/2014/main" val="1179356134"/>
                   </a:ext>
                 </a:extLst>
               </a:tr>
@@ -28299,7 +36882,7 @@
                 </a:tc>
                 <a:extLst>
                   <a:ext uri="{0D108BD9-81ED-4DB2-BD59-A6C34878D82A}">
-                    <a16:rowId xmlns:a16="http://schemas.microsoft.com/office/drawing/2014/main" xmlns="" val="1575643465"/>
+                    <a16:rowId xmlns="" xmlns:a16="http://schemas.microsoft.com/office/drawing/2014/main" val="1575643465"/>
                   </a:ext>
                 </a:extLst>
               </a:tr>

--- a/Seminar Management und Controlling/Controlling in kleinen und mittleren Unternehmen.pptx
+++ b/Seminar Management und Controlling/Controlling in kleinen und mittleren Unternehmen.pptx
@@ -9,17 +9,18 @@
     <p:sldId id="256" r:id="rId3"/>
     <p:sldId id="259" r:id="rId4"/>
     <p:sldId id="260" r:id="rId5"/>
-    <p:sldId id="262" r:id="rId6"/>
-    <p:sldId id="264" r:id="rId7"/>
-    <p:sldId id="263" r:id="rId8"/>
-    <p:sldId id="265" r:id="rId9"/>
-    <p:sldId id="267" r:id="rId10"/>
-    <p:sldId id="268" r:id="rId11"/>
-    <p:sldId id="269" r:id="rId12"/>
-    <p:sldId id="270" r:id="rId13"/>
-    <p:sldId id="271" r:id="rId14"/>
-    <p:sldId id="272" r:id="rId15"/>
-    <p:sldId id="273" r:id="rId16"/>
+    <p:sldId id="274" r:id="rId6"/>
+    <p:sldId id="262" r:id="rId7"/>
+    <p:sldId id="264" r:id="rId8"/>
+    <p:sldId id="263" r:id="rId9"/>
+    <p:sldId id="265" r:id="rId10"/>
+    <p:sldId id="267" r:id="rId11"/>
+    <p:sldId id="268" r:id="rId12"/>
+    <p:sldId id="269" r:id="rId13"/>
+    <p:sldId id="270" r:id="rId14"/>
+    <p:sldId id="271" r:id="rId15"/>
+    <p:sldId id="272" r:id="rId16"/>
+    <p:sldId id="273" r:id="rId17"/>
   </p:sldIdLst>
   <p:sldSz cx="12192000" cy="6858000"/>
   <p:notesSz cx="6858000" cy="9144000"/>
@@ -127,6 +128,7 @@
             <p14:sldId id="256"/>
             <p14:sldId id="259"/>
             <p14:sldId id="260"/>
+            <p14:sldId id="274"/>
             <p14:sldId id="262"/>
             <p14:sldId id="264"/>
             <p14:sldId id="263"/>
@@ -7191,6 +7193,13 @@
         </dgm:presLayoutVars>
       </dgm:prSet>
       <dgm:spPr/>
+      <dgm:t>
+        <a:bodyPr/>
+        <a:lstStyle/>
+        <a:p>
+          <a:endParaRPr lang="de-DE"/>
+        </a:p>
+      </dgm:t>
     </dgm:pt>
     <dgm:pt modelId="{5337913C-50ED-4825-AFDC-0FDC02984FCE}" type="pres">
       <dgm:prSet presAssocID="{FB5A4340-E58B-4EDA-B18C-85FE8143C14A}" presName="linNode" presStyleCnt="0"/>
@@ -7297,6 +7306,13 @@
         </dgm:presLayoutVars>
       </dgm:prSet>
       <dgm:spPr/>
+      <dgm:t>
+        <a:bodyPr/>
+        <a:lstStyle/>
+        <a:p>
+          <a:endParaRPr lang="de-DE"/>
+        </a:p>
+      </dgm:t>
     </dgm:pt>
   </dgm:ptLst>
   <dgm:cxnLst>
@@ -7496,6 +7512,13 @@
         </dgm:presLayoutVars>
       </dgm:prSet>
       <dgm:spPr/>
+      <dgm:t>
+        <a:bodyPr/>
+        <a:lstStyle/>
+        <a:p>
+          <a:endParaRPr lang="de-DE"/>
+        </a:p>
+      </dgm:t>
     </dgm:pt>
     <dgm:pt modelId="{49918C28-610D-43BD-9D29-6888378FC26D}" type="pres">
       <dgm:prSet presAssocID="{E55CB562-FB67-4A85-AA9E-A448196808D2}" presName="Background" presStyleLbl="bgImgPlace1" presStyleIdx="0" presStyleCnt="1"/>
@@ -7549,11 +7572,11 @@
     </dgm:pt>
   </dgm:ptLst>
   <dgm:cxnLst>
+    <dgm:cxn modelId="{E95C7401-FE6B-4888-A3B3-E9DB58DFA820}" type="presOf" srcId="{61E0B6A9-8EDE-4181-8974-BB42A51B32E4}" destId="{82257992-9A33-4AD3-A369-97D7AAAEF3FC}" srcOrd="0" destOrd="0" presId="urn:microsoft.com/office/officeart/2009/3/layout/PlusandMinus"/>
     <dgm:cxn modelId="{7C7C972C-C3C3-467E-9CE6-5ECECA0267AC}" type="presOf" srcId="{E55CB562-FB67-4A85-AA9E-A448196808D2}" destId="{82DAD7AD-9564-44FD-99CC-F6E29B923380}" srcOrd="0" destOrd="0" presId="urn:microsoft.com/office/officeart/2009/3/layout/PlusandMinus"/>
     <dgm:cxn modelId="{48C80AB3-4187-4170-A3C2-123C559275AA}" srcId="{E55CB562-FB67-4A85-AA9E-A448196808D2}" destId="{61E0B6A9-8EDE-4181-8974-BB42A51B32E4}" srcOrd="1" destOrd="0" parTransId="{5D33FB65-45F7-4E8C-9982-AD103F635B10}" sibTransId="{D90B9191-E390-43BB-B51F-D88B97E9981D}"/>
     <dgm:cxn modelId="{9DE2A06C-B453-4E6C-8C48-66F3A5A45C69}" type="presOf" srcId="{11DC101D-A519-449D-A081-8A77DE268924}" destId="{1E46CB25-2C22-4339-A048-601D5575F715}" srcOrd="0" destOrd="0" presId="urn:microsoft.com/office/officeart/2009/3/layout/PlusandMinus"/>
     <dgm:cxn modelId="{3717CC7D-A147-42BE-9368-54DCA35C150B}" srcId="{E55CB562-FB67-4A85-AA9E-A448196808D2}" destId="{11DC101D-A519-449D-A081-8A77DE268924}" srcOrd="0" destOrd="0" parTransId="{D1E767F3-0F0A-41F9-B217-51313C4E7467}" sibTransId="{64B2524F-DCBF-409D-8B2E-5C153C37B7FC}"/>
-    <dgm:cxn modelId="{E95C7401-FE6B-4888-A3B3-E9DB58DFA820}" type="presOf" srcId="{61E0B6A9-8EDE-4181-8974-BB42A51B32E4}" destId="{82257992-9A33-4AD3-A369-97D7AAAEF3FC}" srcOrd="0" destOrd="0" presId="urn:microsoft.com/office/officeart/2009/3/layout/PlusandMinus"/>
     <dgm:cxn modelId="{A275FE87-CF02-4939-82A9-9C6FC98A43C7}" type="presParOf" srcId="{82DAD7AD-9564-44FD-99CC-F6E29B923380}" destId="{49918C28-610D-43BD-9D29-6888378FC26D}" srcOrd="0" destOrd="0" presId="urn:microsoft.com/office/officeart/2009/3/layout/PlusandMinus"/>
     <dgm:cxn modelId="{DB5B1687-CEEF-46BD-BC50-6F39CF1D2C69}" type="presParOf" srcId="{82DAD7AD-9564-44FD-99CC-F6E29B923380}" destId="{1E46CB25-2C22-4339-A048-601D5575F715}" srcOrd="1" destOrd="0" presId="urn:microsoft.com/office/officeart/2009/3/layout/PlusandMinus"/>
     <dgm:cxn modelId="{974F8431-3ABB-4C21-ABEA-E0CC08ABB783}" type="presParOf" srcId="{82DAD7AD-9564-44FD-99CC-F6E29B923380}" destId="{82257992-9A33-4AD3-A369-97D7AAAEF3FC}" srcOrd="2" destOrd="0" presId="urn:microsoft.com/office/officeart/2009/3/layout/PlusandMinus"/>
@@ -7579,587 +7602,6 @@
       <dsp:cNvGrpSpPr/>
     </dsp:nvGrpSpPr>
     <dsp:grpSpPr/>
-    <dsp:sp modelId="{E39AE467-6BC3-4515-8200-1C54212E4F70}">
-      <dsp:nvSpPr>
-        <dsp:cNvPr id="0" name=""/>
-        <dsp:cNvSpPr/>
-      </dsp:nvSpPr>
-      <dsp:spPr>
-        <a:xfrm>
-          <a:off x="0" y="0"/>
-          <a:ext cx="5592364" cy="782508"/>
-        </a:xfrm>
-        <a:prstGeom prst="roundRect">
-          <a:avLst>
-            <a:gd name="adj" fmla="val 10000"/>
-          </a:avLst>
-        </a:prstGeom>
-        <a:solidFill>
-          <a:schemeClr val="accent6">
-            <a:hueOff val="0"/>
-            <a:satOff val="0"/>
-            <a:lumOff val="0"/>
-            <a:alphaOff val="0"/>
-          </a:schemeClr>
-        </a:solidFill>
-        <a:ln w="12700" cap="flat" cmpd="sng" algn="ctr">
-          <a:solidFill>
-            <a:schemeClr val="lt1">
-              <a:hueOff val="0"/>
-              <a:satOff val="0"/>
-              <a:lumOff val="0"/>
-              <a:alphaOff val="0"/>
-            </a:schemeClr>
-          </a:solidFill>
-          <a:prstDash val="solid"/>
-          <a:miter lim="800000"/>
-        </a:ln>
-        <a:effectLst/>
-      </dsp:spPr>
-      <dsp:style>
-        <a:lnRef idx="2">
-          <a:scrgbClr r="0" g="0" b="0"/>
-        </a:lnRef>
-        <a:fillRef idx="1">
-          <a:scrgbClr r="0" g="0" b="0"/>
-        </a:fillRef>
-        <a:effectRef idx="0">
-          <a:scrgbClr r="0" g="0" b="0"/>
-        </a:effectRef>
-        <a:fontRef idx="minor">
-          <a:schemeClr val="lt1"/>
-        </a:fontRef>
-      </dsp:style>
-      <dsp:txBody>
-        <a:bodyPr spcFirstLastPara="0" vert="horz" wrap="square" lIns="68580" tIns="68580" rIns="68580" bIns="68580" numCol="1" spcCol="1270" anchor="ctr" anchorCtr="0">
-          <a:noAutofit/>
-        </a:bodyPr>
-        <a:lstStyle/>
-        <a:p>
-          <a:pPr lvl="0" algn="l" defTabSz="800100">
-            <a:lnSpc>
-              <a:spcPct val="90000"/>
-            </a:lnSpc>
-            <a:spcBef>
-              <a:spcPct val="0"/>
-            </a:spcBef>
-            <a:spcAft>
-              <a:spcPct val="35000"/>
-            </a:spcAft>
-          </a:pPr>
-          <a:r>
-            <a:rPr lang="de-DE" sz="1800" kern="1200" dirty="0" smtClean="0">
-              <a:latin typeface="Times New Roman" panose="02020603050405020304" pitchFamily="18" charset="0"/>
-              <a:cs typeface="Times New Roman" panose="02020603050405020304" pitchFamily="18" charset="0"/>
-            </a:rPr>
-            <a:t>Globalisierung</a:t>
-          </a:r>
-          <a:endParaRPr lang="de-DE" sz="1800" kern="1200" dirty="0">
-            <a:latin typeface="Times New Roman" panose="02020603050405020304" pitchFamily="18" charset="0"/>
-            <a:cs typeface="Times New Roman" panose="02020603050405020304" pitchFamily="18" charset="0"/>
-          </a:endParaRPr>
-        </a:p>
-      </dsp:txBody>
-      <dsp:txXfrm>
-        <a:off x="22919" y="22919"/>
-        <a:ext cx="4681854" cy="736670"/>
-      </dsp:txXfrm>
-    </dsp:sp>
-    <dsp:sp modelId="{82E95264-739C-4A9B-9516-27A4B51CEEAA}">
-      <dsp:nvSpPr>
-        <dsp:cNvPr id="0" name=""/>
-        <dsp:cNvSpPr/>
-      </dsp:nvSpPr>
-      <dsp:spPr>
-        <a:xfrm>
-          <a:off x="468360" y="924782"/>
-          <a:ext cx="5592364" cy="782508"/>
-        </a:xfrm>
-        <a:prstGeom prst="roundRect">
-          <a:avLst>
-            <a:gd name="adj" fmla="val 10000"/>
-          </a:avLst>
-        </a:prstGeom>
-        <a:solidFill>
-          <a:schemeClr val="accent6">
-            <a:hueOff val="0"/>
-            <a:satOff val="0"/>
-            <a:lumOff val="0"/>
-            <a:alphaOff val="0"/>
-          </a:schemeClr>
-        </a:solidFill>
-        <a:ln w="12700" cap="flat" cmpd="sng" algn="ctr">
-          <a:solidFill>
-            <a:schemeClr val="lt1">
-              <a:hueOff val="0"/>
-              <a:satOff val="0"/>
-              <a:lumOff val="0"/>
-              <a:alphaOff val="0"/>
-            </a:schemeClr>
-          </a:solidFill>
-          <a:prstDash val="solid"/>
-          <a:miter lim="800000"/>
-        </a:ln>
-        <a:effectLst/>
-      </dsp:spPr>
-      <dsp:style>
-        <a:lnRef idx="2">
-          <a:scrgbClr r="0" g="0" b="0"/>
-        </a:lnRef>
-        <a:fillRef idx="1">
-          <a:scrgbClr r="0" g="0" b="0"/>
-        </a:fillRef>
-        <a:effectRef idx="0">
-          <a:scrgbClr r="0" g="0" b="0"/>
-        </a:effectRef>
-        <a:fontRef idx="minor">
-          <a:schemeClr val="lt1"/>
-        </a:fontRef>
-      </dsp:style>
-      <dsp:txBody>
-        <a:bodyPr spcFirstLastPara="0" vert="horz" wrap="square" lIns="68580" tIns="68580" rIns="68580" bIns="68580" numCol="1" spcCol="1270" anchor="ctr" anchorCtr="0">
-          <a:noAutofit/>
-        </a:bodyPr>
-        <a:lstStyle/>
-        <a:p>
-          <a:pPr lvl="0" algn="l" defTabSz="800100">
-            <a:lnSpc>
-              <a:spcPct val="90000"/>
-            </a:lnSpc>
-            <a:spcBef>
-              <a:spcPct val="0"/>
-            </a:spcBef>
-            <a:spcAft>
-              <a:spcPct val="35000"/>
-            </a:spcAft>
-          </a:pPr>
-          <a:r>
-            <a:rPr lang="de-DE" sz="1800" kern="1200" dirty="0" smtClean="0">
-              <a:latin typeface="Times New Roman" panose="02020603050405020304" pitchFamily="18" charset="0"/>
-              <a:cs typeface="Times New Roman" panose="02020603050405020304" pitchFamily="18" charset="0"/>
-            </a:rPr>
-            <a:t>Höhere Unsicherheit</a:t>
-          </a:r>
-          <a:endParaRPr lang="de-DE" sz="1800" kern="1200" dirty="0">
-            <a:latin typeface="Times New Roman" panose="02020603050405020304" pitchFamily="18" charset="0"/>
-            <a:cs typeface="Times New Roman" panose="02020603050405020304" pitchFamily="18" charset="0"/>
-          </a:endParaRPr>
-        </a:p>
-      </dsp:txBody>
-      <dsp:txXfrm>
-        <a:off x="491279" y="947701"/>
-        <a:ext cx="4569535" cy="736670"/>
-      </dsp:txXfrm>
-    </dsp:sp>
-    <dsp:sp modelId="{02B6CA69-6FDC-4D89-9BF1-0A5704413FB0}">
-      <dsp:nvSpPr>
-        <dsp:cNvPr id="0" name=""/>
-        <dsp:cNvSpPr/>
-      </dsp:nvSpPr>
-      <dsp:spPr>
-        <a:xfrm>
-          <a:off x="929730" y="1849565"/>
-          <a:ext cx="5592364" cy="782508"/>
-        </a:xfrm>
-        <a:prstGeom prst="roundRect">
-          <a:avLst>
-            <a:gd name="adj" fmla="val 10000"/>
-          </a:avLst>
-        </a:prstGeom>
-        <a:solidFill>
-          <a:schemeClr val="accent6">
-            <a:hueOff val="0"/>
-            <a:satOff val="0"/>
-            <a:lumOff val="0"/>
-            <a:alphaOff val="0"/>
-          </a:schemeClr>
-        </a:solidFill>
-        <a:ln w="12700" cap="flat" cmpd="sng" algn="ctr">
-          <a:solidFill>
-            <a:schemeClr val="lt1">
-              <a:hueOff val="0"/>
-              <a:satOff val="0"/>
-              <a:lumOff val="0"/>
-              <a:alphaOff val="0"/>
-            </a:schemeClr>
-          </a:solidFill>
-          <a:prstDash val="solid"/>
-          <a:miter lim="800000"/>
-        </a:ln>
-        <a:effectLst/>
-      </dsp:spPr>
-      <dsp:style>
-        <a:lnRef idx="2">
-          <a:scrgbClr r="0" g="0" b="0"/>
-        </a:lnRef>
-        <a:fillRef idx="1">
-          <a:scrgbClr r="0" g="0" b="0"/>
-        </a:fillRef>
-        <a:effectRef idx="0">
-          <a:scrgbClr r="0" g="0" b="0"/>
-        </a:effectRef>
-        <a:fontRef idx="minor">
-          <a:schemeClr val="lt1"/>
-        </a:fontRef>
-      </dsp:style>
-      <dsp:txBody>
-        <a:bodyPr spcFirstLastPara="0" vert="horz" wrap="square" lIns="68580" tIns="68580" rIns="68580" bIns="68580" numCol="1" spcCol="1270" anchor="ctr" anchorCtr="0">
-          <a:noAutofit/>
-        </a:bodyPr>
-        <a:lstStyle/>
-        <a:p>
-          <a:pPr lvl="0" algn="l" defTabSz="800100">
-            <a:lnSpc>
-              <a:spcPct val="90000"/>
-            </a:lnSpc>
-            <a:spcBef>
-              <a:spcPct val="0"/>
-            </a:spcBef>
-            <a:spcAft>
-              <a:spcPct val="35000"/>
-            </a:spcAft>
-          </a:pPr>
-          <a:r>
-            <a:rPr lang="de-DE" sz="1800" kern="1200" dirty="0" smtClean="0">
-              <a:latin typeface="Times New Roman" panose="02020603050405020304" pitchFamily="18" charset="0"/>
-              <a:cs typeface="Times New Roman" panose="02020603050405020304" pitchFamily="18" charset="0"/>
-            </a:rPr>
-            <a:t>Abhilfe Controlling</a:t>
-          </a:r>
-          <a:endParaRPr lang="de-DE" sz="1800" kern="1200" dirty="0">
-            <a:latin typeface="Times New Roman" panose="02020603050405020304" pitchFamily="18" charset="0"/>
-            <a:cs typeface="Times New Roman" panose="02020603050405020304" pitchFamily="18" charset="0"/>
-          </a:endParaRPr>
-        </a:p>
-      </dsp:txBody>
-      <dsp:txXfrm>
-        <a:off x="952649" y="1872484"/>
-        <a:ext cx="4576525" cy="736670"/>
-      </dsp:txXfrm>
-    </dsp:sp>
-    <dsp:sp modelId="{31F25C80-1807-4EFC-BB59-D3AEAE2F8FF8}">
-      <dsp:nvSpPr>
-        <dsp:cNvPr id="0" name=""/>
-        <dsp:cNvSpPr/>
-      </dsp:nvSpPr>
-      <dsp:spPr>
-        <a:xfrm>
-          <a:off x="1398090" y="2774347"/>
-          <a:ext cx="5592364" cy="782508"/>
-        </a:xfrm>
-        <a:prstGeom prst="roundRect">
-          <a:avLst>
-            <a:gd name="adj" fmla="val 10000"/>
-          </a:avLst>
-        </a:prstGeom>
-        <a:solidFill>
-          <a:schemeClr val="accent6">
-            <a:hueOff val="0"/>
-            <a:satOff val="0"/>
-            <a:lumOff val="0"/>
-            <a:alphaOff val="0"/>
-          </a:schemeClr>
-        </a:solidFill>
-        <a:ln w="12700" cap="flat" cmpd="sng" algn="ctr">
-          <a:solidFill>
-            <a:schemeClr val="lt1">
-              <a:hueOff val="0"/>
-              <a:satOff val="0"/>
-              <a:lumOff val="0"/>
-              <a:alphaOff val="0"/>
-            </a:schemeClr>
-          </a:solidFill>
-          <a:prstDash val="solid"/>
-          <a:miter lim="800000"/>
-        </a:ln>
-        <a:effectLst/>
-      </dsp:spPr>
-      <dsp:style>
-        <a:lnRef idx="2">
-          <a:scrgbClr r="0" g="0" b="0"/>
-        </a:lnRef>
-        <a:fillRef idx="1">
-          <a:scrgbClr r="0" g="0" b="0"/>
-        </a:fillRef>
-        <a:effectRef idx="0">
-          <a:scrgbClr r="0" g="0" b="0"/>
-        </a:effectRef>
-        <a:fontRef idx="minor">
-          <a:schemeClr val="lt1"/>
-        </a:fontRef>
-      </dsp:style>
-      <dsp:txBody>
-        <a:bodyPr spcFirstLastPara="0" vert="horz" wrap="square" lIns="68580" tIns="68580" rIns="68580" bIns="68580" numCol="1" spcCol="1270" anchor="ctr" anchorCtr="0">
-          <a:noAutofit/>
-        </a:bodyPr>
-        <a:lstStyle/>
-        <a:p>
-          <a:pPr lvl="0" algn="l" defTabSz="800100">
-            <a:lnSpc>
-              <a:spcPct val="90000"/>
-            </a:lnSpc>
-            <a:spcBef>
-              <a:spcPct val="0"/>
-            </a:spcBef>
-            <a:spcAft>
-              <a:spcPct val="35000"/>
-            </a:spcAft>
-          </a:pPr>
-          <a:r>
-            <a:rPr lang="de-DE" sz="1800" kern="1200" dirty="0" smtClean="0">
-              <a:latin typeface="Times New Roman" panose="02020603050405020304" pitchFamily="18" charset="0"/>
-              <a:cs typeface="Times New Roman" panose="02020603050405020304" pitchFamily="18" charset="0"/>
-            </a:rPr>
-            <a:t>„Welchen Mehrwert bietet das Controlling der kleinen und mittleren Unternehmen?“</a:t>
-          </a:r>
-          <a:endParaRPr lang="de-DE" sz="1800" kern="1200" dirty="0">
-            <a:latin typeface="Times New Roman" panose="02020603050405020304" pitchFamily="18" charset="0"/>
-            <a:cs typeface="Times New Roman" panose="02020603050405020304" pitchFamily="18" charset="0"/>
-          </a:endParaRPr>
-        </a:p>
-      </dsp:txBody>
-      <dsp:txXfrm>
-        <a:off x="1421009" y="2797266"/>
-        <a:ext cx="4569535" cy="736670"/>
-      </dsp:txXfrm>
-    </dsp:sp>
-    <dsp:sp modelId="{5F7E9577-A9A4-4FB2-B12A-14365A205D35}">
-      <dsp:nvSpPr>
-        <dsp:cNvPr id="0" name=""/>
-        <dsp:cNvSpPr/>
-      </dsp:nvSpPr>
-      <dsp:spPr>
-        <a:xfrm>
-          <a:off x="5083733" y="599330"/>
-          <a:ext cx="508630" cy="508630"/>
-        </a:xfrm>
-        <a:prstGeom prst="downArrow">
-          <a:avLst>
-            <a:gd name="adj1" fmla="val 55000"/>
-            <a:gd name="adj2" fmla="val 45000"/>
-          </a:avLst>
-        </a:prstGeom>
-        <a:solidFill>
-          <a:schemeClr val="accent6">
-            <a:alpha val="90000"/>
-            <a:tint val="40000"/>
-            <a:hueOff val="0"/>
-            <a:satOff val="0"/>
-            <a:lumOff val="0"/>
-            <a:alphaOff val="0"/>
-          </a:schemeClr>
-        </a:solidFill>
-        <a:ln w="12700" cap="flat" cmpd="sng" algn="ctr">
-          <a:solidFill>
-            <a:schemeClr val="accent6">
-              <a:alpha val="90000"/>
-              <a:tint val="40000"/>
-              <a:hueOff val="0"/>
-              <a:satOff val="0"/>
-              <a:lumOff val="0"/>
-              <a:alphaOff val="0"/>
-            </a:schemeClr>
-          </a:solidFill>
-          <a:prstDash val="solid"/>
-          <a:miter lim="800000"/>
-        </a:ln>
-        <a:effectLst/>
-      </dsp:spPr>
-      <dsp:style>
-        <a:lnRef idx="2">
-          <a:scrgbClr r="0" g="0" b="0"/>
-        </a:lnRef>
-        <a:fillRef idx="1">
-          <a:scrgbClr r="0" g="0" b="0"/>
-        </a:fillRef>
-        <a:effectRef idx="0">
-          <a:scrgbClr r="0" g="0" b="0"/>
-        </a:effectRef>
-        <a:fontRef idx="minor"/>
-      </dsp:style>
-      <dsp:txBody>
-        <a:bodyPr spcFirstLastPara="0" vert="horz" wrap="square" lIns="29210" tIns="29210" rIns="29210" bIns="29210" numCol="1" spcCol="1270" anchor="ctr" anchorCtr="0">
-          <a:noAutofit/>
-        </a:bodyPr>
-        <a:lstStyle/>
-        <a:p>
-          <a:pPr lvl="0" algn="ctr" defTabSz="1022350">
-            <a:lnSpc>
-              <a:spcPct val="90000"/>
-            </a:lnSpc>
-            <a:spcBef>
-              <a:spcPct val="0"/>
-            </a:spcBef>
-            <a:spcAft>
-              <a:spcPct val="35000"/>
-            </a:spcAft>
-          </a:pPr>
-          <a:endParaRPr lang="de-DE" sz="2300" kern="1200"/>
-        </a:p>
-      </dsp:txBody>
-      <dsp:txXfrm>
-        <a:off x="5198175" y="599330"/>
-        <a:ext cx="279746" cy="382744"/>
-      </dsp:txXfrm>
-    </dsp:sp>
-    <dsp:sp modelId="{D62AF9FA-BF80-4ADF-996D-2C80794FC106}">
-      <dsp:nvSpPr>
-        <dsp:cNvPr id="0" name=""/>
-        <dsp:cNvSpPr/>
-      </dsp:nvSpPr>
-      <dsp:spPr>
-        <a:xfrm>
-          <a:off x="5552094" y="1524112"/>
-          <a:ext cx="508630" cy="508630"/>
-        </a:xfrm>
-        <a:prstGeom prst="downArrow">
-          <a:avLst>
-            <a:gd name="adj1" fmla="val 55000"/>
-            <a:gd name="adj2" fmla="val 45000"/>
-          </a:avLst>
-        </a:prstGeom>
-        <a:solidFill>
-          <a:schemeClr val="accent6">
-            <a:alpha val="90000"/>
-            <a:tint val="40000"/>
-            <a:hueOff val="0"/>
-            <a:satOff val="0"/>
-            <a:lumOff val="0"/>
-            <a:alphaOff val="0"/>
-          </a:schemeClr>
-        </a:solidFill>
-        <a:ln w="12700" cap="flat" cmpd="sng" algn="ctr">
-          <a:solidFill>
-            <a:schemeClr val="accent6">
-              <a:alpha val="90000"/>
-              <a:tint val="40000"/>
-              <a:hueOff val="0"/>
-              <a:satOff val="0"/>
-              <a:lumOff val="0"/>
-              <a:alphaOff val="0"/>
-            </a:schemeClr>
-          </a:solidFill>
-          <a:prstDash val="solid"/>
-          <a:miter lim="800000"/>
-        </a:ln>
-        <a:effectLst/>
-      </dsp:spPr>
-      <dsp:style>
-        <a:lnRef idx="2">
-          <a:scrgbClr r="0" g="0" b="0"/>
-        </a:lnRef>
-        <a:fillRef idx="1">
-          <a:scrgbClr r="0" g="0" b="0"/>
-        </a:fillRef>
-        <a:effectRef idx="0">
-          <a:scrgbClr r="0" g="0" b="0"/>
-        </a:effectRef>
-        <a:fontRef idx="minor"/>
-      </dsp:style>
-      <dsp:txBody>
-        <a:bodyPr spcFirstLastPara="0" vert="horz" wrap="square" lIns="29210" tIns="29210" rIns="29210" bIns="29210" numCol="1" spcCol="1270" anchor="ctr" anchorCtr="0">
-          <a:noAutofit/>
-        </a:bodyPr>
-        <a:lstStyle/>
-        <a:p>
-          <a:pPr lvl="0" algn="ctr" defTabSz="1022350">
-            <a:lnSpc>
-              <a:spcPct val="90000"/>
-            </a:lnSpc>
-            <a:spcBef>
-              <a:spcPct val="0"/>
-            </a:spcBef>
-            <a:spcAft>
-              <a:spcPct val="35000"/>
-            </a:spcAft>
-          </a:pPr>
-          <a:endParaRPr lang="de-DE" sz="2300" kern="1200"/>
-        </a:p>
-      </dsp:txBody>
-      <dsp:txXfrm>
-        <a:off x="5666536" y="1524112"/>
-        <a:ext cx="279746" cy="382744"/>
-      </dsp:txXfrm>
-    </dsp:sp>
-    <dsp:sp modelId="{A156982F-686B-4D15-A449-78FAA79A5CB0}">
-      <dsp:nvSpPr>
-        <dsp:cNvPr id="0" name=""/>
-        <dsp:cNvSpPr/>
-      </dsp:nvSpPr>
-      <dsp:spPr>
-        <a:xfrm>
-          <a:off x="6013464" y="2448895"/>
-          <a:ext cx="508630" cy="508630"/>
-        </a:xfrm>
-        <a:prstGeom prst="downArrow">
-          <a:avLst>
-            <a:gd name="adj1" fmla="val 55000"/>
-            <a:gd name="adj2" fmla="val 45000"/>
-          </a:avLst>
-        </a:prstGeom>
-        <a:solidFill>
-          <a:schemeClr val="accent6">
-            <a:alpha val="90000"/>
-            <a:tint val="40000"/>
-            <a:hueOff val="0"/>
-            <a:satOff val="0"/>
-            <a:lumOff val="0"/>
-            <a:alphaOff val="0"/>
-          </a:schemeClr>
-        </a:solidFill>
-        <a:ln w="12700" cap="flat" cmpd="sng" algn="ctr">
-          <a:solidFill>
-            <a:schemeClr val="accent6">
-              <a:alpha val="90000"/>
-              <a:tint val="40000"/>
-              <a:hueOff val="0"/>
-              <a:satOff val="0"/>
-              <a:lumOff val="0"/>
-              <a:alphaOff val="0"/>
-            </a:schemeClr>
-          </a:solidFill>
-          <a:prstDash val="solid"/>
-          <a:miter lim="800000"/>
-        </a:ln>
-        <a:effectLst/>
-      </dsp:spPr>
-      <dsp:style>
-        <a:lnRef idx="2">
-          <a:scrgbClr r="0" g="0" b="0"/>
-        </a:lnRef>
-        <a:fillRef idx="1">
-          <a:scrgbClr r="0" g="0" b="0"/>
-        </a:fillRef>
-        <a:effectRef idx="0">
-          <a:scrgbClr r="0" g="0" b="0"/>
-        </a:effectRef>
-        <a:fontRef idx="minor"/>
-      </dsp:style>
-      <dsp:txBody>
-        <a:bodyPr spcFirstLastPara="0" vert="horz" wrap="square" lIns="29210" tIns="29210" rIns="29210" bIns="29210" numCol="1" spcCol="1270" anchor="ctr" anchorCtr="0">
-          <a:noAutofit/>
-        </a:bodyPr>
-        <a:lstStyle/>
-        <a:p>
-          <a:pPr lvl="0" algn="ctr" defTabSz="1022350">
-            <a:lnSpc>
-              <a:spcPct val="90000"/>
-            </a:lnSpc>
-            <a:spcBef>
-              <a:spcPct val="0"/>
-            </a:spcBef>
-            <a:spcAft>
-              <a:spcPct val="35000"/>
-            </a:spcAft>
-          </a:pPr>
-          <a:endParaRPr lang="de-DE" sz="2300" kern="1200"/>
-        </a:p>
-      </dsp:txBody>
-      <dsp:txXfrm>
-        <a:off x="6127906" y="2448895"/>
-        <a:ext cx="279746" cy="382744"/>
-      </dsp:txXfrm>
-    </dsp:sp>
   </dsp:spTree>
 </dsp:drawing>
 </file>
@@ -8961,930 +8403,6 @@
       <dsp:cNvGrpSpPr/>
     </dsp:nvGrpSpPr>
     <dsp:grpSpPr/>
-    <dsp:sp modelId="{DEF58B8E-9CE6-4DA3-B6C3-33197198997D}">
-      <dsp:nvSpPr>
-        <dsp:cNvPr id="0" name=""/>
-        <dsp:cNvSpPr/>
-      </dsp:nvSpPr>
-      <dsp:spPr>
-        <a:xfrm>
-          <a:off x="2978294" y="1684728"/>
-          <a:ext cx="2168664" cy="1444053"/>
-        </a:xfrm>
-        <a:prstGeom prst="roundRect">
-          <a:avLst/>
-        </a:prstGeom>
-        <a:solidFill>
-          <a:schemeClr val="accent6">
-            <a:hueOff val="0"/>
-            <a:satOff val="0"/>
-            <a:lumOff val="0"/>
-            <a:alphaOff val="0"/>
-          </a:schemeClr>
-        </a:solidFill>
-        <a:ln w="12700" cap="flat" cmpd="sng" algn="ctr">
-          <a:solidFill>
-            <a:schemeClr val="lt1">
-              <a:hueOff val="0"/>
-              <a:satOff val="0"/>
-              <a:lumOff val="0"/>
-              <a:alphaOff val="0"/>
-            </a:schemeClr>
-          </a:solidFill>
-          <a:prstDash val="solid"/>
-          <a:miter lim="800000"/>
-        </a:ln>
-        <a:effectLst/>
-      </dsp:spPr>
-      <dsp:style>
-        <a:lnRef idx="2">
-          <a:scrgbClr r="0" g="0" b="0"/>
-        </a:lnRef>
-        <a:fillRef idx="1">
-          <a:scrgbClr r="0" g="0" b="0"/>
-        </a:fillRef>
-        <a:effectRef idx="0">
-          <a:scrgbClr r="0" g="0" b="0"/>
-        </a:effectRef>
-        <a:fontRef idx="minor">
-          <a:schemeClr val="lt1"/>
-        </a:fontRef>
-      </dsp:style>
-      <dsp:txBody>
-        <a:bodyPr spcFirstLastPara="0" vert="horz" wrap="square" lIns="45720" tIns="45720" rIns="45720" bIns="45720" numCol="1" spcCol="1270" anchor="ctr" anchorCtr="0">
-          <a:noAutofit/>
-        </a:bodyPr>
-        <a:lstStyle/>
-        <a:p>
-          <a:pPr lvl="0" algn="ctr" defTabSz="800100">
-            <a:lnSpc>
-              <a:spcPct val="90000"/>
-            </a:lnSpc>
-            <a:spcBef>
-              <a:spcPct val="0"/>
-            </a:spcBef>
-            <a:spcAft>
-              <a:spcPct val="35000"/>
-            </a:spcAft>
-          </a:pPr>
-          <a:r>
-            <a:rPr lang="de-DE" sz="1800" b="1" kern="1200" dirty="0" smtClean="0">
-              <a:latin typeface="Times New Roman" panose="02020603050405020304" pitchFamily="18" charset="0"/>
-              <a:cs typeface="Times New Roman" panose="02020603050405020304" pitchFamily="18" charset="0"/>
-            </a:rPr>
-            <a:t>Unternehmensziele</a:t>
-          </a:r>
-          <a:endParaRPr lang="de-DE" sz="1800" b="1" kern="1200" dirty="0">
-            <a:latin typeface="Times New Roman" panose="02020603050405020304" pitchFamily="18" charset="0"/>
-            <a:cs typeface="Times New Roman" panose="02020603050405020304" pitchFamily="18" charset="0"/>
-          </a:endParaRPr>
-        </a:p>
-      </dsp:txBody>
-      <dsp:txXfrm>
-        <a:off x="3048787" y="1755221"/>
-        <a:ext cx="2027678" cy="1303067"/>
-      </dsp:txXfrm>
-    </dsp:sp>
-    <dsp:sp modelId="{438D0CD0-5303-4EAD-BAD7-21CF0FF3C06A}">
-      <dsp:nvSpPr>
-        <dsp:cNvPr id="0" name=""/>
-        <dsp:cNvSpPr/>
-      </dsp:nvSpPr>
-      <dsp:spPr>
-        <a:xfrm rot="5419656">
-          <a:off x="4033034" y="1718256"/>
-          <a:ext cx="67057" cy="0"/>
-        </a:xfrm>
-        <a:custGeom>
-          <a:avLst/>
-          <a:gdLst/>
-          <a:ahLst/>
-          <a:cxnLst/>
-          <a:rect l="0" t="0" r="0" b="0"/>
-          <a:pathLst>
-            <a:path>
-              <a:moveTo>
-                <a:pt x="0" y="0"/>
-              </a:moveTo>
-              <a:lnTo>
-                <a:pt x="67057" y="0"/>
-              </a:lnTo>
-            </a:path>
-          </a:pathLst>
-        </a:custGeom>
-        <a:noFill/>
-        <a:ln w="12700" cap="flat" cmpd="sng" algn="ctr">
-          <a:solidFill>
-            <a:schemeClr val="accent6">
-              <a:shade val="60000"/>
-              <a:hueOff val="0"/>
-              <a:satOff val="0"/>
-              <a:lumOff val="0"/>
-              <a:alphaOff val="0"/>
-            </a:schemeClr>
-          </a:solidFill>
-          <a:prstDash val="solid"/>
-          <a:miter lim="800000"/>
-        </a:ln>
-        <a:effectLst/>
-      </dsp:spPr>
-      <dsp:style>
-        <a:lnRef idx="2">
-          <a:scrgbClr r="0" g="0" b="0"/>
-        </a:lnRef>
-        <a:fillRef idx="0">
-          <a:scrgbClr r="0" g="0" b="0"/>
-        </a:fillRef>
-        <a:effectRef idx="0">
-          <a:scrgbClr r="0" g="0" b="0"/>
-        </a:effectRef>
-        <a:fontRef idx="minor"/>
-      </dsp:style>
-    </dsp:sp>
-    <dsp:sp modelId="{35D7A347-31AF-4844-A4C4-F932A9A173F3}">
-      <dsp:nvSpPr>
-        <dsp:cNvPr id="0" name=""/>
-        <dsp:cNvSpPr/>
-      </dsp:nvSpPr>
-      <dsp:spPr>
-        <a:xfrm>
-          <a:off x="3186110" y="784269"/>
-          <a:ext cx="1766054" cy="967515"/>
-        </a:xfrm>
-        <a:prstGeom prst="roundRect">
-          <a:avLst/>
-        </a:prstGeom>
-        <a:solidFill>
-          <a:schemeClr val="accent6">
-            <a:hueOff val="0"/>
-            <a:satOff val="0"/>
-            <a:lumOff val="0"/>
-            <a:alphaOff val="0"/>
-          </a:schemeClr>
-        </a:solidFill>
-        <a:ln w="12700" cap="flat" cmpd="sng" algn="ctr">
-          <a:solidFill>
-            <a:schemeClr val="lt1">
-              <a:hueOff val="0"/>
-              <a:satOff val="0"/>
-              <a:lumOff val="0"/>
-              <a:alphaOff val="0"/>
-            </a:schemeClr>
-          </a:solidFill>
-          <a:prstDash val="solid"/>
-          <a:miter lim="800000"/>
-        </a:ln>
-        <a:effectLst/>
-      </dsp:spPr>
-      <dsp:style>
-        <a:lnRef idx="2">
-          <a:scrgbClr r="0" g="0" b="0"/>
-        </a:lnRef>
-        <a:fillRef idx="1">
-          <a:scrgbClr r="0" g="0" b="0"/>
-        </a:fillRef>
-        <a:effectRef idx="0">
-          <a:scrgbClr r="0" g="0" b="0"/>
-        </a:effectRef>
-        <a:fontRef idx="minor">
-          <a:schemeClr val="lt1"/>
-        </a:fontRef>
-      </dsp:style>
-      <dsp:txBody>
-        <a:bodyPr spcFirstLastPara="0" vert="horz" wrap="square" lIns="35560" tIns="35560" rIns="35560" bIns="35560" numCol="1" spcCol="1270" anchor="ctr" anchorCtr="0">
-          <a:noAutofit/>
-        </a:bodyPr>
-        <a:lstStyle/>
-        <a:p>
-          <a:pPr lvl="0" algn="ctr" defTabSz="622300">
-            <a:lnSpc>
-              <a:spcPct val="90000"/>
-            </a:lnSpc>
-            <a:spcBef>
-              <a:spcPct val="0"/>
-            </a:spcBef>
-            <a:spcAft>
-              <a:spcPct val="35000"/>
-            </a:spcAft>
-          </a:pPr>
-          <a:r>
-            <a:rPr lang="de-DE" sz="1400" kern="1200" dirty="0" smtClean="0">
-              <a:latin typeface="Times New Roman" panose="02020603050405020304" pitchFamily="18" charset="0"/>
-              <a:cs typeface="Times New Roman" panose="02020603050405020304" pitchFamily="18" charset="0"/>
-            </a:rPr>
-            <a:t>Wachstum</a:t>
-          </a:r>
-          <a:endParaRPr lang="de-DE" sz="1400" kern="1200" dirty="0">
-            <a:latin typeface="Times New Roman" panose="02020603050405020304" pitchFamily="18" charset="0"/>
-            <a:cs typeface="Times New Roman" panose="02020603050405020304" pitchFamily="18" charset="0"/>
-          </a:endParaRPr>
-        </a:p>
-      </dsp:txBody>
-      <dsp:txXfrm>
-        <a:off x="3233340" y="831499"/>
-        <a:ext cx="1671594" cy="873055"/>
-      </dsp:txXfrm>
-    </dsp:sp>
-    <dsp:sp modelId="{535DA3CB-A0F1-4725-8789-B74D9FB1EE3D}">
-      <dsp:nvSpPr>
-        <dsp:cNvPr id="0" name=""/>
-        <dsp:cNvSpPr/>
-      </dsp:nvSpPr>
-      <dsp:spPr>
-        <a:xfrm rot="9432936">
-          <a:off x="4839862" y="2013169"/>
-          <a:ext cx="319564" cy="0"/>
-        </a:xfrm>
-        <a:custGeom>
-          <a:avLst/>
-          <a:gdLst/>
-          <a:ahLst/>
-          <a:cxnLst/>
-          <a:rect l="0" t="0" r="0" b="0"/>
-          <a:pathLst>
-            <a:path>
-              <a:moveTo>
-                <a:pt x="0" y="0"/>
-              </a:moveTo>
-              <a:lnTo>
-                <a:pt x="319564" y="0"/>
-              </a:lnTo>
-            </a:path>
-          </a:pathLst>
-        </a:custGeom>
-        <a:noFill/>
-        <a:ln w="12700" cap="flat" cmpd="sng" algn="ctr">
-          <a:solidFill>
-            <a:schemeClr val="accent6">
-              <a:shade val="60000"/>
-              <a:hueOff val="0"/>
-              <a:satOff val="0"/>
-              <a:lumOff val="0"/>
-              <a:alphaOff val="0"/>
-            </a:schemeClr>
-          </a:solidFill>
-          <a:prstDash val="solid"/>
-          <a:miter lim="800000"/>
-        </a:ln>
-        <a:effectLst/>
-      </dsp:spPr>
-      <dsp:style>
-        <a:lnRef idx="2">
-          <a:scrgbClr r="0" g="0" b="0"/>
-        </a:lnRef>
-        <a:fillRef idx="0">
-          <a:scrgbClr r="0" g="0" b="0"/>
-        </a:fillRef>
-        <a:effectRef idx="0">
-          <a:scrgbClr r="0" g="0" b="0"/>
-        </a:effectRef>
-        <a:fontRef idx="minor"/>
-      </dsp:style>
-    </dsp:sp>
-    <dsp:sp modelId="{4BDC6EE6-ADAE-493D-96EB-6C751F8B89EC}">
-      <dsp:nvSpPr>
-        <dsp:cNvPr id="0" name=""/>
-        <dsp:cNvSpPr/>
-      </dsp:nvSpPr>
-      <dsp:spPr>
-        <a:xfrm>
-          <a:off x="4852330" y="1220381"/>
-          <a:ext cx="1766054" cy="967515"/>
-        </a:xfrm>
-        <a:prstGeom prst="roundRect">
-          <a:avLst/>
-        </a:prstGeom>
-        <a:solidFill>
-          <a:schemeClr val="accent6">
-            <a:hueOff val="0"/>
-            <a:satOff val="0"/>
-            <a:lumOff val="0"/>
-            <a:alphaOff val="0"/>
-          </a:schemeClr>
-        </a:solidFill>
-        <a:ln w="12700" cap="flat" cmpd="sng" algn="ctr">
-          <a:solidFill>
-            <a:schemeClr val="lt1">
-              <a:hueOff val="0"/>
-              <a:satOff val="0"/>
-              <a:lumOff val="0"/>
-              <a:alphaOff val="0"/>
-            </a:schemeClr>
-          </a:solidFill>
-          <a:prstDash val="solid"/>
-          <a:miter lim="800000"/>
-        </a:ln>
-        <a:effectLst/>
-      </dsp:spPr>
-      <dsp:style>
-        <a:lnRef idx="2">
-          <a:scrgbClr r="0" g="0" b="0"/>
-        </a:lnRef>
-        <a:fillRef idx="1">
-          <a:scrgbClr r="0" g="0" b="0"/>
-        </a:fillRef>
-        <a:effectRef idx="0">
-          <a:scrgbClr r="0" g="0" b="0"/>
-        </a:effectRef>
-        <a:fontRef idx="minor">
-          <a:schemeClr val="lt1"/>
-        </a:fontRef>
-      </dsp:style>
-      <dsp:txBody>
-        <a:bodyPr spcFirstLastPara="0" vert="horz" wrap="square" lIns="35560" tIns="35560" rIns="35560" bIns="35560" numCol="1" spcCol="1270" anchor="ctr" anchorCtr="0">
-          <a:noAutofit/>
-        </a:bodyPr>
-        <a:lstStyle/>
-        <a:p>
-          <a:pPr lvl="0" algn="ctr" defTabSz="622300">
-            <a:lnSpc>
-              <a:spcPct val="90000"/>
-            </a:lnSpc>
-            <a:spcBef>
-              <a:spcPct val="0"/>
-            </a:spcBef>
-            <a:spcAft>
-              <a:spcPct val="35000"/>
-            </a:spcAft>
-          </a:pPr>
-          <a:r>
-            <a:rPr lang="de-DE" sz="1400" kern="1200" dirty="0" smtClean="0">
-              <a:latin typeface="Times New Roman" panose="02020603050405020304" pitchFamily="18" charset="0"/>
-              <a:cs typeface="Times New Roman" panose="02020603050405020304" pitchFamily="18" charset="0"/>
-            </a:rPr>
-            <a:t>Effizienz</a:t>
-          </a:r>
-          <a:endParaRPr lang="de-DE" sz="1400" kern="1200" dirty="0">
-            <a:latin typeface="Times New Roman" panose="02020603050405020304" pitchFamily="18" charset="0"/>
-            <a:cs typeface="Times New Roman" panose="02020603050405020304" pitchFamily="18" charset="0"/>
-          </a:endParaRPr>
-        </a:p>
-      </dsp:txBody>
-      <dsp:txXfrm>
-        <a:off x="4899560" y="1267611"/>
-        <a:ext cx="1671594" cy="873055"/>
-      </dsp:txXfrm>
-    </dsp:sp>
-    <dsp:sp modelId="{2E7BF77E-AC46-4069-B667-CB5D42459ED7}">
-      <dsp:nvSpPr>
-        <dsp:cNvPr id="0" name=""/>
-        <dsp:cNvSpPr/>
-      </dsp:nvSpPr>
-      <dsp:spPr>
-        <a:xfrm rot="12095478">
-          <a:off x="4841215" y="2777582"/>
-          <a:ext cx="316860" cy="0"/>
-        </a:xfrm>
-        <a:custGeom>
-          <a:avLst/>
-          <a:gdLst/>
-          <a:ahLst/>
-          <a:cxnLst/>
-          <a:rect l="0" t="0" r="0" b="0"/>
-          <a:pathLst>
-            <a:path>
-              <a:moveTo>
-                <a:pt x="0" y="0"/>
-              </a:moveTo>
-              <a:lnTo>
-                <a:pt x="316860" y="0"/>
-              </a:lnTo>
-            </a:path>
-          </a:pathLst>
-        </a:custGeom>
-        <a:noFill/>
-        <a:ln w="12700" cap="flat" cmpd="sng" algn="ctr">
-          <a:solidFill>
-            <a:schemeClr val="accent6">
-              <a:shade val="60000"/>
-              <a:hueOff val="0"/>
-              <a:satOff val="0"/>
-              <a:lumOff val="0"/>
-              <a:alphaOff val="0"/>
-            </a:schemeClr>
-          </a:solidFill>
-          <a:prstDash val="solid"/>
-          <a:miter lim="800000"/>
-        </a:ln>
-        <a:effectLst/>
-      </dsp:spPr>
-      <dsp:style>
-        <a:lnRef idx="2">
-          <a:scrgbClr r="0" g="0" b="0"/>
-        </a:lnRef>
-        <a:fillRef idx="0">
-          <a:scrgbClr r="0" g="0" b="0"/>
-        </a:fillRef>
-        <a:effectRef idx="0">
-          <a:scrgbClr r="0" g="0" b="0"/>
-        </a:effectRef>
-        <a:fontRef idx="minor"/>
-      </dsp:style>
-    </dsp:sp>
-    <dsp:sp modelId="{FEA92EAF-65DA-43CA-8665-A708910D5F6B}">
-      <dsp:nvSpPr>
-        <dsp:cNvPr id="0" name=""/>
-        <dsp:cNvSpPr/>
-      </dsp:nvSpPr>
-      <dsp:spPr>
-        <a:xfrm>
-          <a:off x="4852332" y="2584985"/>
-          <a:ext cx="1766054" cy="967515"/>
-        </a:xfrm>
-        <a:prstGeom prst="roundRect">
-          <a:avLst/>
-        </a:prstGeom>
-        <a:solidFill>
-          <a:schemeClr val="accent6">
-            <a:hueOff val="0"/>
-            <a:satOff val="0"/>
-            <a:lumOff val="0"/>
-            <a:alphaOff val="0"/>
-          </a:schemeClr>
-        </a:solidFill>
-        <a:ln w="12700" cap="flat" cmpd="sng" algn="ctr">
-          <a:solidFill>
-            <a:schemeClr val="lt1">
-              <a:hueOff val="0"/>
-              <a:satOff val="0"/>
-              <a:lumOff val="0"/>
-              <a:alphaOff val="0"/>
-            </a:schemeClr>
-          </a:solidFill>
-          <a:prstDash val="solid"/>
-          <a:miter lim="800000"/>
-        </a:ln>
-        <a:effectLst/>
-      </dsp:spPr>
-      <dsp:style>
-        <a:lnRef idx="2">
-          <a:scrgbClr r="0" g="0" b="0"/>
-        </a:lnRef>
-        <a:fillRef idx="1">
-          <a:scrgbClr r="0" g="0" b="0"/>
-        </a:fillRef>
-        <a:effectRef idx="0">
-          <a:scrgbClr r="0" g="0" b="0"/>
-        </a:effectRef>
-        <a:fontRef idx="minor">
-          <a:schemeClr val="lt1"/>
-        </a:fontRef>
-      </dsp:style>
-      <dsp:txBody>
-        <a:bodyPr spcFirstLastPara="0" vert="horz" wrap="square" lIns="35560" tIns="35560" rIns="35560" bIns="35560" numCol="1" spcCol="1270" anchor="ctr" anchorCtr="0">
-          <a:noAutofit/>
-        </a:bodyPr>
-        <a:lstStyle/>
-        <a:p>
-          <a:pPr lvl="0" algn="ctr" defTabSz="622300">
-            <a:lnSpc>
-              <a:spcPct val="90000"/>
-            </a:lnSpc>
-            <a:spcBef>
-              <a:spcPct val="0"/>
-            </a:spcBef>
-            <a:spcAft>
-              <a:spcPct val="35000"/>
-            </a:spcAft>
-          </a:pPr>
-          <a:r>
-            <a:rPr lang="de-DE" sz="1400" kern="1200" dirty="0" smtClean="0">
-              <a:latin typeface="Times New Roman" panose="02020603050405020304" pitchFamily="18" charset="0"/>
-              <a:cs typeface="Times New Roman" panose="02020603050405020304" pitchFamily="18" charset="0"/>
-            </a:rPr>
-            <a:t>Effektivität</a:t>
-          </a:r>
-          <a:endParaRPr lang="de-DE" sz="1400" kern="1200" dirty="0">
-            <a:latin typeface="Times New Roman" panose="02020603050405020304" pitchFamily="18" charset="0"/>
-            <a:cs typeface="Times New Roman" panose="02020603050405020304" pitchFamily="18" charset="0"/>
-          </a:endParaRPr>
-        </a:p>
-      </dsp:txBody>
-      <dsp:txXfrm>
-        <a:off x="4899562" y="2632215"/>
-        <a:ext cx="1671594" cy="873055"/>
-      </dsp:txXfrm>
-    </dsp:sp>
-    <dsp:sp modelId="{C2C6AF27-9EFD-4F66-8B8F-20BDF721C755}">
-      <dsp:nvSpPr>
-        <dsp:cNvPr id="0" name=""/>
-        <dsp:cNvSpPr/>
-      </dsp:nvSpPr>
-      <dsp:spPr>
-        <a:xfrm rot="16388730">
-          <a:off x="3968939" y="3071723"/>
-          <a:ext cx="114288" cy="0"/>
-        </a:xfrm>
-        <a:custGeom>
-          <a:avLst/>
-          <a:gdLst/>
-          <a:ahLst/>
-          <a:cxnLst/>
-          <a:rect l="0" t="0" r="0" b="0"/>
-          <a:pathLst>
-            <a:path>
-              <a:moveTo>
-                <a:pt x="0" y="0"/>
-              </a:moveTo>
-              <a:lnTo>
-                <a:pt x="114288" y="0"/>
-              </a:lnTo>
-            </a:path>
-          </a:pathLst>
-        </a:custGeom>
-        <a:noFill/>
-        <a:ln w="12700" cap="flat" cmpd="sng" algn="ctr">
-          <a:solidFill>
-            <a:schemeClr val="accent6">
-              <a:shade val="60000"/>
-              <a:hueOff val="0"/>
-              <a:satOff val="0"/>
-              <a:lumOff val="0"/>
-              <a:alphaOff val="0"/>
-            </a:schemeClr>
-          </a:solidFill>
-          <a:prstDash val="solid"/>
-          <a:miter lim="800000"/>
-        </a:ln>
-        <a:effectLst/>
-      </dsp:spPr>
-      <dsp:style>
-        <a:lnRef idx="2">
-          <a:scrgbClr r="0" g="0" b="0"/>
-        </a:lnRef>
-        <a:fillRef idx="0">
-          <a:scrgbClr r="0" g="0" b="0"/>
-        </a:fillRef>
-        <a:effectRef idx="0">
-          <a:scrgbClr r="0" g="0" b="0"/>
-        </a:effectRef>
-        <a:fontRef idx="minor"/>
-      </dsp:style>
-    </dsp:sp>
-    <dsp:sp modelId="{8D211490-9729-4745-87C5-724BDC44E9CE}">
-      <dsp:nvSpPr>
-        <dsp:cNvPr id="0" name=""/>
-        <dsp:cNvSpPr/>
-      </dsp:nvSpPr>
-      <dsp:spPr>
-        <a:xfrm>
-          <a:off x="3119607" y="3014665"/>
-          <a:ext cx="1766054" cy="967515"/>
-        </a:xfrm>
-        <a:prstGeom prst="roundRect">
-          <a:avLst/>
-        </a:prstGeom>
-        <a:solidFill>
-          <a:schemeClr val="accent6">
-            <a:hueOff val="0"/>
-            <a:satOff val="0"/>
-            <a:lumOff val="0"/>
-            <a:alphaOff val="0"/>
-          </a:schemeClr>
-        </a:solidFill>
-        <a:ln w="12700" cap="flat" cmpd="sng" algn="ctr">
-          <a:solidFill>
-            <a:schemeClr val="lt1">
-              <a:hueOff val="0"/>
-              <a:satOff val="0"/>
-              <a:lumOff val="0"/>
-              <a:alphaOff val="0"/>
-            </a:schemeClr>
-          </a:solidFill>
-          <a:prstDash val="solid"/>
-          <a:miter lim="800000"/>
-        </a:ln>
-        <a:effectLst/>
-      </dsp:spPr>
-      <dsp:style>
-        <a:lnRef idx="2">
-          <a:scrgbClr r="0" g="0" b="0"/>
-        </a:lnRef>
-        <a:fillRef idx="1">
-          <a:scrgbClr r="0" g="0" b="0"/>
-        </a:fillRef>
-        <a:effectRef idx="0">
-          <a:scrgbClr r="0" g="0" b="0"/>
-        </a:effectRef>
-        <a:fontRef idx="minor">
-          <a:schemeClr val="lt1"/>
-        </a:fontRef>
-      </dsp:style>
-      <dsp:txBody>
-        <a:bodyPr spcFirstLastPara="0" vert="horz" wrap="square" lIns="35560" tIns="35560" rIns="35560" bIns="35560" numCol="1" spcCol="1270" anchor="ctr" anchorCtr="0">
-          <a:noAutofit/>
-        </a:bodyPr>
-        <a:lstStyle/>
-        <a:p>
-          <a:pPr lvl="0" algn="ctr" defTabSz="622300">
-            <a:lnSpc>
-              <a:spcPct val="90000"/>
-            </a:lnSpc>
-            <a:spcBef>
-              <a:spcPct val="0"/>
-            </a:spcBef>
-            <a:spcAft>
-              <a:spcPct val="35000"/>
-            </a:spcAft>
-          </a:pPr>
-          <a:r>
-            <a:rPr lang="de-DE" sz="1400" kern="1200" dirty="0" smtClean="0">
-              <a:latin typeface="Times New Roman" panose="02020603050405020304" pitchFamily="18" charset="0"/>
-              <a:cs typeface="Times New Roman" panose="02020603050405020304" pitchFamily="18" charset="0"/>
-            </a:rPr>
-            <a:t>Zufriedenheit</a:t>
-          </a:r>
-          <a:endParaRPr lang="de-DE" sz="1400" kern="1200" dirty="0">
-            <a:latin typeface="Times New Roman" panose="02020603050405020304" pitchFamily="18" charset="0"/>
-            <a:cs typeface="Times New Roman" panose="02020603050405020304" pitchFamily="18" charset="0"/>
-          </a:endParaRPr>
-        </a:p>
-      </dsp:txBody>
-      <dsp:txXfrm>
-        <a:off x="3166837" y="3061895"/>
-        <a:ext cx="1671594" cy="873055"/>
-      </dsp:txXfrm>
-    </dsp:sp>
-    <dsp:sp modelId="{44710474-5C7B-4EAF-9AB8-24B0D60D0D47}">
-      <dsp:nvSpPr>
-        <dsp:cNvPr id="0" name=""/>
-        <dsp:cNvSpPr/>
-      </dsp:nvSpPr>
-      <dsp:spPr>
-        <a:xfrm rot="20249694">
-          <a:off x="2969729" y="2812962"/>
-          <a:ext cx="224944" cy="0"/>
-        </a:xfrm>
-        <a:custGeom>
-          <a:avLst/>
-          <a:gdLst/>
-          <a:ahLst/>
-          <a:cxnLst/>
-          <a:rect l="0" t="0" r="0" b="0"/>
-          <a:pathLst>
-            <a:path>
-              <a:moveTo>
-                <a:pt x="0" y="0"/>
-              </a:moveTo>
-              <a:lnTo>
-                <a:pt x="224944" y="0"/>
-              </a:lnTo>
-            </a:path>
-          </a:pathLst>
-        </a:custGeom>
-        <a:noFill/>
-        <a:ln w="12700" cap="flat" cmpd="sng" algn="ctr">
-          <a:solidFill>
-            <a:schemeClr val="accent6">
-              <a:shade val="60000"/>
-              <a:hueOff val="0"/>
-              <a:satOff val="0"/>
-              <a:lumOff val="0"/>
-              <a:alphaOff val="0"/>
-            </a:schemeClr>
-          </a:solidFill>
-          <a:prstDash val="solid"/>
-          <a:miter lim="800000"/>
-        </a:ln>
-        <a:effectLst/>
-      </dsp:spPr>
-      <dsp:style>
-        <a:lnRef idx="2">
-          <a:scrgbClr r="0" g="0" b="0"/>
-        </a:lnRef>
-        <a:fillRef idx="0">
-          <a:scrgbClr r="0" g="0" b="0"/>
-        </a:fillRef>
-        <a:effectRef idx="0">
-          <a:scrgbClr r="0" g="0" b="0"/>
-        </a:effectRef>
-        <a:fontRef idx="minor"/>
-      </dsp:style>
-    </dsp:sp>
-    <dsp:sp modelId="{BA1E4003-28A4-4E5D-ACA6-F09EBCFC5148}">
-      <dsp:nvSpPr>
-        <dsp:cNvPr id="0" name=""/>
-        <dsp:cNvSpPr/>
-      </dsp:nvSpPr>
-      <dsp:spPr>
-        <a:xfrm>
-          <a:off x="1420054" y="2652008"/>
-          <a:ext cx="1766054" cy="967515"/>
-        </a:xfrm>
-        <a:prstGeom prst="roundRect">
-          <a:avLst/>
-        </a:prstGeom>
-        <a:solidFill>
-          <a:schemeClr val="accent6">
-            <a:hueOff val="0"/>
-            <a:satOff val="0"/>
-            <a:lumOff val="0"/>
-            <a:alphaOff val="0"/>
-          </a:schemeClr>
-        </a:solidFill>
-        <a:ln w="12700" cap="flat" cmpd="sng" algn="ctr">
-          <a:solidFill>
-            <a:schemeClr val="lt1">
-              <a:hueOff val="0"/>
-              <a:satOff val="0"/>
-              <a:lumOff val="0"/>
-              <a:alphaOff val="0"/>
-            </a:schemeClr>
-          </a:solidFill>
-          <a:prstDash val="solid"/>
-          <a:miter lim="800000"/>
-        </a:ln>
-        <a:effectLst/>
-      </dsp:spPr>
-      <dsp:style>
-        <a:lnRef idx="2">
-          <a:scrgbClr r="0" g="0" b="0"/>
-        </a:lnRef>
-        <a:fillRef idx="1">
-          <a:scrgbClr r="0" g="0" b="0"/>
-        </a:fillRef>
-        <a:effectRef idx="0">
-          <a:scrgbClr r="0" g="0" b="0"/>
-        </a:effectRef>
-        <a:fontRef idx="minor">
-          <a:schemeClr val="lt1"/>
-        </a:fontRef>
-      </dsp:style>
-      <dsp:txBody>
-        <a:bodyPr spcFirstLastPara="0" vert="horz" wrap="square" lIns="35560" tIns="35560" rIns="35560" bIns="35560" numCol="1" spcCol="1270" anchor="ctr" anchorCtr="0">
-          <a:noAutofit/>
-        </a:bodyPr>
-        <a:lstStyle/>
-        <a:p>
-          <a:pPr lvl="0" algn="ctr" defTabSz="622300">
-            <a:lnSpc>
-              <a:spcPct val="90000"/>
-            </a:lnSpc>
-            <a:spcBef>
-              <a:spcPct val="0"/>
-            </a:spcBef>
-            <a:spcAft>
-              <a:spcPct val="35000"/>
-            </a:spcAft>
-          </a:pPr>
-          <a:r>
-            <a:rPr lang="de-DE" sz="1400" kern="1200" dirty="0" smtClean="0">
-              <a:latin typeface="Times New Roman" panose="02020603050405020304" pitchFamily="18" charset="0"/>
-              <a:cs typeface="Times New Roman" panose="02020603050405020304" pitchFamily="18" charset="0"/>
-            </a:rPr>
-            <a:t>Wettbewerbsfähigkeit</a:t>
-          </a:r>
-          <a:endParaRPr lang="de-DE" sz="1400" kern="1200" dirty="0">
-            <a:latin typeface="Times New Roman" panose="02020603050405020304" pitchFamily="18" charset="0"/>
-            <a:cs typeface="Times New Roman" panose="02020603050405020304" pitchFamily="18" charset="0"/>
-          </a:endParaRPr>
-        </a:p>
-      </dsp:txBody>
-      <dsp:txXfrm>
-        <a:off x="1467284" y="2699238"/>
-        <a:ext cx="1671594" cy="873055"/>
-      </dsp:txXfrm>
-    </dsp:sp>
-    <dsp:sp modelId="{FCC77543-AF27-4BD0-AF60-CFD24CA1C66C}">
-      <dsp:nvSpPr>
-        <dsp:cNvPr id="0" name=""/>
-        <dsp:cNvSpPr/>
-      </dsp:nvSpPr>
-      <dsp:spPr>
-        <a:xfrm rot="1324386">
-          <a:off x="2969013" y="2014630"/>
-          <a:ext cx="253248" cy="0"/>
-        </a:xfrm>
-        <a:custGeom>
-          <a:avLst/>
-          <a:gdLst/>
-          <a:ahLst/>
-          <a:cxnLst/>
-          <a:rect l="0" t="0" r="0" b="0"/>
-          <a:pathLst>
-            <a:path>
-              <a:moveTo>
-                <a:pt x="0" y="0"/>
-              </a:moveTo>
-              <a:lnTo>
-                <a:pt x="253248" y="0"/>
-              </a:lnTo>
-            </a:path>
-          </a:pathLst>
-        </a:custGeom>
-        <a:noFill/>
-        <a:ln w="12700" cap="flat" cmpd="sng" algn="ctr">
-          <a:solidFill>
-            <a:schemeClr val="accent6">
-              <a:shade val="60000"/>
-              <a:hueOff val="0"/>
-              <a:satOff val="0"/>
-              <a:lumOff val="0"/>
-              <a:alphaOff val="0"/>
-            </a:schemeClr>
-          </a:solidFill>
-          <a:prstDash val="solid"/>
-          <a:miter lim="800000"/>
-        </a:ln>
-        <a:effectLst/>
-      </dsp:spPr>
-      <dsp:style>
-        <a:lnRef idx="2">
-          <a:scrgbClr r="0" g="0" b="0"/>
-        </a:lnRef>
-        <a:fillRef idx="0">
-          <a:scrgbClr r="0" g="0" b="0"/>
-        </a:fillRef>
-        <a:effectRef idx="0">
-          <a:scrgbClr r="0" g="0" b="0"/>
-        </a:effectRef>
-        <a:fontRef idx="minor"/>
-      </dsp:style>
-    </dsp:sp>
-    <dsp:sp modelId="{C3DBEBAF-3D80-4F0A-B32F-0B6FF2DB5C44}">
-      <dsp:nvSpPr>
-        <dsp:cNvPr id="0" name=""/>
-        <dsp:cNvSpPr/>
-      </dsp:nvSpPr>
-      <dsp:spPr>
-        <a:xfrm>
-          <a:off x="1446927" y="1220379"/>
-          <a:ext cx="1766054" cy="967515"/>
-        </a:xfrm>
-        <a:prstGeom prst="roundRect">
-          <a:avLst/>
-        </a:prstGeom>
-        <a:solidFill>
-          <a:schemeClr val="accent6">
-            <a:hueOff val="0"/>
-            <a:satOff val="0"/>
-            <a:lumOff val="0"/>
-            <a:alphaOff val="0"/>
-          </a:schemeClr>
-        </a:solidFill>
-        <a:ln w="12700" cap="flat" cmpd="sng" algn="ctr">
-          <a:solidFill>
-            <a:schemeClr val="lt1">
-              <a:hueOff val="0"/>
-              <a:satOff val="0"/>
-              <a:lumOff val="0"/>
-              <a:alphaOff val="0"/>
-            </a:schemeClr>
-          </a:solidFill>
-          <a:prstDash val="solid"/>
-          <a:miter lim="800000"/>
-        </a:ln>
-        <a:effectLst/>
-      </dsp:spPr>
-      <dsp:style>
-        <a:lnRef idx="2">
-          <a:scrgbClr r="0" g="0" b="0"/>
-        </a:lnRef>
-        <a:fillRef idx="1">
-          <a:scrgbClr r="0" g="0" b="0"/>
-        </a:fillRef>
-        <a:effectRef idx="0">
-          <a:scrgbClr r="0" g="0" b="0"/>
-        </a:effectRef>
-        <a:fontRef idx="minor">
-          <a:schemeClr val="lt1"/>
-        </a:fontRef>
-      </dsp:style>
-      <dsp:txBody>
-        <a:bodyPr spcFirstLastPara="0" vert="horz" wrap="square" lIns="35560" tIns="35560" rIns="35560" bIns="35560" numCol="1" spcCol="1270" anchor="ctr" anchorCtr="0">
-          <a:noAutofit/>
-        </a:bodyPr>
-        <a:lstStyle/>
-        <a:p>
-          <a:pPr lvl="0" algn="ctr" defTabSz="622300">
-            <a:lnSpc>
-              <a:spcPct val="90000"/>
-            </a:lnSpc>
-            <a:spcBef>
-              <a:spcPct val="0"/>
-            </a:spcBef>
-            <a:spcAft>
-              <a:spcPct val="35000"/>
-            </a:spcAft>
-          </a:pPr>
-          <a:r>
-            <a:rPr lang="de-DE" sz="1400" kern="1200" dirty="0" smtClean="0">
-              <a:latin typeface="Times New Roman" panose="02020603050405020304" pitchFamily="18" charset="0"/>
-              <a:cs typeface="Times New Roman" panose="02020603050405020304" pitchFamily="18" charset="0"/>
-            </a:rPr>
-            <a:t>Renditeorientierte Ressourcenallokation</a:t>
-          </a:r>
-          <a:endParaRPr lang="de-DE" sz="1400" kern="1200" dirty="0">
-            <a:latin typeface="Times New Roman" panose="02020603050405020304" pitchFamily="18" charset="0"/>
-            <a:cs typeface="Times New Roman" panose="02020603050405020304" pitchFamily="18" charset="0"/>
-          </a:endParaRPr>
-        </a:p>
-      </dsp:txBody>
-      <dsp:txXfrm>
-        <a:off x="1494157" y="1267609"/>
-        <a:ext cx="1671594" cy="873055"/>
-      </dsp:txXfrm>
-    </dsp:sp>
   </dsp:spTree>
 </dsp:drawing>
 </file>
@@ -9897,411 +8415,6 @@
       <dsp:cNvGrpSpPr/>
     </dsp:nvGrpSpPr>
     <dsp:grpSpPr/>
-    <dsp:sp modelId="{5A52798E-AAFE-4147-86DB-64A61BAA72AB}">
-      <dsp:nvSpPr>
-        <dsp:cNvPr id="0" name=""/>
-        <dsp:cNvSpPr/>
-      </dsp:nvSpPr>
-      <dsp:spPr>
-        <a:xfrm>
-          <a:off x="6793" y="1990431"/>
-          <a:ext cx="2030591" cy="1218355"/>
-        </a:xfrm>
-        <a:prstGeom prst="roundRect">
-          <a:avLst>
-            <a:gd name="adj" fmla="val 10000"/>
-          </a:avLst>
-        </a:prstGeom>
-        <a:solidFill>
-          <a:schemeClr val="accent6">
-            <a:alpha val="90000"/>
-            <a:hueOff val="0"/>
-            <a:satOff val="0"/>
-            <a:lumOff val="0"/>
-            <a:alphaOff val="0"/>
-          </a:schemeClr>
-        </a:solidFill>
-        <a:ln w="12700" cap="flat" cmpd="sng" algn="ctr">
-          <a:solidFill>
-            <a:schemeClr val="lt1">
-              <a:hueOff val="0"/>
-              <a:satOff val="0"/>
-              <a:lumOff val="0"/>
-              <a:alphaOff val="0"/>
-            </a:schemeClr>
-          </a:solidFill>
-          <a:prstDash val="solid"/>
-          <a:miter lim="800000"/>
-        </a:ln>
-        <a:effectLst/>
-      </dsp:spPr>
-      <dsp:style>
-        <a:lnRef idx="2">
-          <a:scrgbClr r="0" g="0" b="0"/>
-        </a:lnRef>
-        <a:fillRef idx="1">
-          <a:scrgbClr r="0" g="0" b="0"/>
-        </a:fillRef>
-        <a:effectRef idx="0">
-          <a:scrgbClr r="0" g="0" b="0"/>
-        </a:effectRef>
-        <a:fontRef idx="minor">
-          <a:schemeClr val="lt1"/>
-        </a:fontRef>
-      </dsp:style>
-      <dsp:txBody>
-        <a:bodyPr spcFirstLastPara="0" vert="horz" wrap="square" lIns="91440" tIns="91440" rIns="91440" bIns="91440" numCol="1" spcCol="1270" anchor="ctr" anchorCtr="0">
-          <a:noAutofit/>
-        </a:bodyPr>
-        <a:lstStyle/>
-        <a:p>
-          <a:pPr lvl="0" algn="ctr" defTabSz="1066800">
-            <a:lnSpc>
-              <a:spcPct val="90000"/>
-            </a:lnSpc>
-            <a:spcBef>
-              <a:spcPct val="0"/>
-            </a:spcBef>
-            <a:spcAft>
-              <a:spcPct val="35000"/>
-            </a:spcAft>
-          </a:pPr>
-          <a:r>
-            <a:rPr lang="de-DE" sz="2400" kern="1200" dirty="0" smtClean="0">
-              <a:latin typeface="Times New Roman" panose="02020603050405020304" pitchFamily="18" charset="0"/>
-              <a:cs typeface="Times New Roman" panose="02020603050405020304" pitchFamily="18" charset="0"/>
-            </a:rPr>
-            <a:t>Reaktion vom Controlling</a:t>
-          </a:r>
-          <a:endParaRPr lang="de-DE" sz="2400" kern="1200" dirty="0">
-            <a:latin typeface="Times New Roman" panose="02020603050405020304" pitchFamily="18" charset="0"/>
-            <a:cs typeface="Times New Roman" panose="02020603050405020304" pitchFamily="18" charset="0"/>
-          </a:endParaRPr>
-        </a:p>
-      </dsp:txBody>
-      <dsp:txXfrm>
-        <a:off x="42477" y="2026115"/>
-        <a:ext cx="1959223" cy="1146987"/>
-      </dsp:txXfrm>
-    </dsp:sp>
-    <dsp:sp modelId="{B47B599B-1878-439E-AF69-3E8BC9F7AC88}">
-      <dsp:nvSpPr>
-        <dsp:cNvPr id="0" name=""/>
-        <dsp:cNvSpPr/>
-      </dsp:nvSpPr>
-      <dsp:spPr>
-        <a:xfrm>
-          <a:off x="2240444" y="2347816"/>
-          <a:ext cx="430485" cy="503586"/>
-        </a:xfrm>
-        <a:prstGeom prst="rightArrow">
-          <a:avLst>
-            <a:gd name="adj1" fmla="val 60000"/>
-            <a:gd name="adj2" fmla="val 50000"/>
-          </a:avLst>
-        </a:prstGeom>
-        <a:solidFill>
-          <a:schemeClr val="accent6">
-            <a:shade val="90000"/>
-            <a:hueOff val="0"/>
-            <a:satOff val="0"/>
-            <a:lumOff val="0"/>
-            <a:alphaOff val="0"/>
-          </a:schemeClr>
-        </a:solidFill>
-        <a:ln>
-          <a:noFill/>
-        </a:ln>
-        <a:effectLst/>
-      </dsp:spPr>
-      <dsp:style>
-        <a:lnRef idx="0">
-          <a:scrgbClr r="0" g="0" b="0"/>
-        </a:lnRef>
-        <a:fillRef idx="1">
-          <a:scrgbClr r="0" g="0" b="0"/>
-        </a:fillRef>
-        <a:effectRef idx="0">
-          <a:scrgbClr r="0" g="0" b="0"/>
-        </a:effectRef>
-        <a:fontRef idx="minor">
-          <a:schemeClr val="lt1"/>
-        </a:fontRef>
-      </dsp:style>
-      <dsp:txBody>
-        <a:bodyPr spcFirstLastPara="0" vert="horz" wrap="square" lIns="0" tIns="0" rIns="0" bIns="0" numCol="1" spcCol="1270" anchor="ctr" anchorCtr="0">
-          <a:noAutofit/>
-        </a:bodyPr>
-        <a:lstStyle/>
-        <a:p>
-          <a:pPr lvl="0" algn="ctr" defTabSz="1066800">
-            <a:lnSpc>
-              <a:spcPct val="90000"/>
-            </a:lnSpc>
-            <a:spcBef>
-              <a:spcPct val="0"/>
-            </a:spcBef>
-            <a:spcAft>
-              <a:spcPct val="35000"/>
-            </a:spcAft>
-          </a:pPr>
-          <a:endParaRPr lang="de-DE" sz="2400" kern="1200">
-            <a:latin typeface="Times New Roman" panose="02020603050405020304" pitchFamily="18" charset="0"/>
-            <a:cs typeface="Times New Roman" panose="02020603050405020304" pitchFamily="18" charset="0"/>
-          </a:endParaRPr>
-        </a:p>
-      </dsp:txBody>
-      <dsp:txXfrm>
-        <a:off x="2240444" y="2448533"/>
-        <a:ext cx="301340" cy="302152"/>
-      </dsp:txXfrm>
-    </dsp:sp>
-    <dsp:sp modelId="{6619D80D-F103-4BD4-9D27-183E0DB23544}">
-      <dsp:nvSpPr>
-        <dsp:cNvPr id="0" name=""/>
-        <dsp:cNvSpPr/>
-      </dsp:nvSpPr>
-      <dsp:spPr>
-        <a:xfrm>
-          <a:off x="2849622" y="1990431"/>
-          <a:ext cx="2030591" cy="1218355"/>
-        </a:xfrm>
-        <a:prstGeom prst="roundRect">
-          <a:avLst>
-            <a:gd name="adj" fmla="val 10000"/>
-          </a:avLst>
-        </a:prstGeom>
-        <a:solidFill>
-          <a:schemeClr val="accent6">
-            <a:alpha val="90000"/>
-            <a:hueOff val="0"/>
-            <a:satOff val="0"/>
-            <a:lumOff val="0"/>
-            <a:alphaOff val="-20000"/>
-          </a:schemeClr>
-        </a:solidFill>
-        <a:ln w="12700" cap="flat" cmpd="sng" algn="ctr">
-          <a:solidFill>
-            <a:schemeClr val="lt1">
-              <a:hueOff val="0"/>
-              <a:satOff val="0"/>
-              <a:lumOff val="0"/>
-              <a:alphaOff val="0"/>
-            </a:schemeClr>
-          </a:solidFill>
-          <a:prstDash val="solid"/>
-          <a:miter lim="800000"/>
-        </a:ln>
-        <a:effectLst/>
-      </dsp:spPr>
-      <dsp:style>
-        <a:lnRef idx="2">
-          <a:scrgbClr r="0" g="0" b="0"/>
-        </a:lnRef>
-        <a:fillRef idx="1">
-          <a:scrgbClr r="0" g="0" b="0"/>
-        </a:fillRef>
-        <a:effectRef idx="0">
-          <a:scrgbClr r="0" g="0" b="0"/>
-        </a:effectRef>
-        <a:fontRef idx="minor">
-          <a:schemeClr val="lt1"/>
-        </a:fontRef>
-      </dsp:style>
-      <dsp:txBody>
-        <a:bodyPr spcFirstLastPara="0" vert="horz" wrap="square" lIns="91440" tIns="91440" rIns="91440" bIns="91440" numCol="1" spcCol="1270" anchor="ctr" anchorCtr="0">
-          <a:noAutofit/>
-        </a:bodyPr>
-        <a:lstStyle/>
-        <a:p>
-          <a:pPr lvl="0" algn="ctr" defTabSz="1066800">
-            <a:lnSpc>
-              <a:spcPct val="90000"/>
-            </a:lnSpc>
-            <a:spcBef>
-              <a:spcPct val="0"/>
-            </a:spcBef>
-            <a:spcAft>
-              <a:spcPct val="35000"/>
-            </a:spcAft>
-          </a:pPr>
-          <a:r>
-            <a:rPr lang="de-DE" sz="2400" kern="1200" dirty="0" smtClean="0">
-              <a:latin typeface="Times New Roman" panose="02020603050405020304" pitchFamily="18" charset="0"/>
-              <a:cs typeface="Times New Roman" panose="02020603050405020304" pitchFamily="18" charset="0"/>
-            </a:rPr>
-            <a:t>Manager</a:t>
-          </a:r>
-          <a:endParaRPr lang="de-DE" sz="2400" kern="1200" dirty="0">
-            <a:latin typeface="Times New Roman" panose="02020603050405020304" pitchFamily="18" charset="0"/>
-            <a:cs typeface="Times New Roman" panose="02020603050405020304" pitchFamily="18" charset="0"/>
-          </a:endParaRPr>
-        </a:p>
-      </dsp:txBody>
-      <dsp:txXfrm>
-        <a:off x="2885306" y="2026115"/>
-        <a:ext cx="1959223" cy="1146987"/>
-      </dsp:txXfrm>
-    </dsp:sp>
-    <dsp:sp modelId="{7A5356FD-8A61-42A6-BFBF-7C73257FDE9A}">
-      <dsp:nvSpPr>
-        <dsp:cNvPr id="0" name=""/>
-        <dsp:cNvSpPr/>
-      </dsp:nvSpPr>
-      <dsp:spPr>
-        <a:xfrm>
-          <a:off x="5083273" y="2347816"/>
-          <a:ext cx="430485" cy="503586"/>
-        </a:xfrm>
-        <a:prstGeom prst="rightArrow">
-          <a:avLst>
-            <a:gd name="adj1" fmla="val 60000"/>
-            <a:gd name="adj2" fmla="val 50000"/>
-          </a:avLst>
-        </a:prstGeom>
-        <a:solidFill>
-          <a:schemeClr val="accent6">
-            <a:shade val="90000"/>
-            <a:hueOff val="379870"/>
-            <a:satOff val="-15173"/>
-            <a:lumOff val="35191"/>
-            <a:alphaOff val="0"/>
-          </a:schemeClr>
-        </a:solidFill>
-        <a:ln>
-          <a:noFill/>
-        </a:ln>
-        <a:effectLst/>
-      </dsp:spPr>
-      <dsp:style>
-        <a:lnRef idx="0">
-          <a:scrgbClr r="0" g="0" b="0"/>
-        </a:lnRef>
-        <a:fillRef idx="1">
-          <a:scrgbClr r="0" g="0" b="0"/>
-        </a:fillRef>
-        <a:effectRef idx="0">
-          <a:scrgbClr r="0" g="0" b="0"/>
-        </a:effectRef>
-        <a:fontRef idx="minor">
-          <a:schemeClr val="lt1"/>
-        </a:fontRef>
-      </dsp:style>
-      <dsp:txBody>
-        <a:bodyPr spcFirstLastPara="0" vert="horz" wrap="square" lIns="0" tIns="0" rIns="0" bIns="0" numCol="1" spcCol="1270" anchor="ctr" anchorCtr="0">
-          <a:noAutofit/>
-        </a:bodyPr>
-        <a:lstStyle/>
-        <a:p>
-          <a:pPr lvl="0" algn="ctr" defTabSz="1066800">
-            <a:lnSpc>
-              <a:spcPct val="90000"/>
-            </a:lnSpc>
-            <a:spcBef>
-              <a:spcPct val="0"/>
-            </a:spcBef>
-            <a:spcAft>
-              <a:spcPct val="35000"/>
-            </a:spcAft>
-          </a:pPr>
-          <a:endParaRPr lang="de-DE" sz="2400" kern="1200">
-            <a:latin typeface="Times New Roman" panose="02020603050405020304" pitchFamily="18" charset="0"/>
-            <a:cs typeface="Times New Roman" panose="02020603050405020304" pitchFamily="18" charset="0"/>
-          </a:endParaRPr>
-        </a:p>
-      </dsp:txBody>
-      <dsp:txXfrm>
-        <a:off x="5083273" y="2448533"/>
-        <a:ext cx="301340" cy="302152"/>
-      </dsp:txXfrm>
-    </dsp:sp>
-    <dsp:sp modelId="{8A5DB757-DEDE-4373-8C63-C11CA448C576}">
-      <dsp:nvSpPr>
-        <dsp:cNvPr id="0" name=""/>
-        <dsp:cNvSpPr/>
-      </dsp:nvSpPr>
-      <dsp:spPr>
-        <a:xfrm>
-          <a:off x="5692451" y="1990431"/>
-          <a:ext cx="2030591" cy="1218355"/>
-        </a:xfrm>
-        <a:prstGeom prst="roundRect">
-          <a:avLst>
-            <a:gd name="adj" fmla="val 10000"/>
-          </a:avLst>
-        </a:prstGeom>
-        <a:solidFill>
-          <a:schemeClr val="accent6">
-            <a:alpha val="90000"/>
-            <a:hueOff val="0"/>
-            <a:satOff val="0"/>
-            <a:lumOff val="0"/>
-            <a:alphaOff val="-40000"/>
-          </a:schemeClr>
-        </a:solidFill>
-        <a:ln w="12700" cap="flat" cmpd="sng" algn="ctr">
-          <a:solidFill>
-            <a:schemeClr val="lt1">
-              <a:hueOff val="0"/>
-              <a:satOff val="0"/>
-              <a:lumOff val="0"/>
-              <a:alphaOff val="0"/>
-            </a:schemeClr>
-          </a:solidFill>
-          <a:prstDash val="solid"/>
-          <a:miter lim="800000"/>
-        </a:ln>
-        <a:effectLst/>
-      </dsp:spPr>
-      <dsp:style>
-        <a:lnRef idx="2">
-          <a:scrgbClr r="0" g="0" b="0"/>
-        </a:lnRef>
-        <a:fillRef idx="1">
-          <a:scrgbClr r="0" g="0" b="0"/>
-        </a:fillRef>
-        <a:effectRef idx="0">
-          <a:scrgbClr r="0" g="0" b="0"/>
-        </a:effectRef>
-        <a:fontRef idx="minor">
-          <a:schemeClr val="lt1"/>
-        </a:fontRef>
-      </dsp:style>
-      <dsp:txBody>
-        <a:bodyPr spcFirstLastPara="0" vert="horz" wrap="square" lIns="91440" tIns="91440" rIns="91440" bIns="91440" numCol="1" spcCol="1270" anchor="ctr" anchorCtr="0">
-          <a:noAutofit/>
-        </a:bodyPr>
-        <a:lstStyle/>
-        <a:p>
-          <a:pPr lvl="0" algn="ctr" defTabSz="1066800">
-            <a:lnSpc>
-              <a:spcPct val="90000"/>
-            </a:lnSpc>
-            <a:spcBef>
-              <a:spcPct val="0"/>
-            </a:spcBef>
-            <a:spcAft>
-              <a:spcPct val="35000"/>
-            </a:spcAft>
-          </a:pPr>
-          <a:r>
-            <a:rPr lang="de-DE" sz="2400" kern="1200" dirty="0" smtClean="0">
-              <a:latin typeface="Times New Roman" panose="02020603050405020304" pitchFamily="18" charset="0"/>
-              <a:cs typeface="Times New Roman" panose="02020603050405020304" pitchFamily="18" charset="0"/>
-            </a:rPr>
-            <a:t>Durchführung Abwehraktion</a:t>
-          </a:r>
-          <a:endParaRPr lang="de-DE" sz="2400" kern="1200" dirty="0">
-            <a:latin typeface="Times New Roman" panose="02020603050405020304" pitchFamily="18" charset="0"/>
-            <a:cs typeface="Times New Roman" panose="02020603050405020304" pitchFamily="18" charset="0"/>
-          </a:endParaRPr>
-        </a:p>
-      </dsp:txBody>
-      <dsp:txXfrm>
-        <a:off x="5728135" y="2026115"/>
-        <a:ext cx="1959223" cy="1146987"/>
-      </dsp:txXfrm>
-    </dsp:sp>
   </dsp:spTree>
 </dsp:drawing>
 </file>
@@ -10314,603 +8427,6 @@
       <dsp:cNvGrpSpPr/>
     </dsp:nvGrpSpPr>
     <dsp:grpSpPr/>
-    <dsp:sp modelId="{2DC58751-22F7-43A8-B545-41A8CC06BC42}">
-      <dsp:nvSpPr>
-        <dsp:cNvPr id="0" name=""/>
-        <dsp:cNvSpPr/>
-      </dsp:nvSpPr>
-      <dsp:spPr>
-        <a:xfrm rot="5400000">
-          <a:off x="4218301" y="-1560807"/>
-          <a:ext cx="1083441" cy="4480021"/>
-        </a:xfrm>
-        <a:prstGeom prst="round2SameRect">
-          <a:avLst/>
-        </a:prstGeom>
-        <a:solidFill>
-          <a:schemeClr val="accent6">
-            <a:alpha val="90000"/>
-            <a:tint val="40000"/>
-            <a:hueOff val="0"/>
-            <a:satOff val="0"/>
-            <a:lumOff val="0"/>
-            <a:alphaOff val="0"/>
-          </a:schemeClr>
-        </a:solidFill>
-        <a:ln w="12700" cap="flat" cmpd="sng" algn="ctr">
-          <a:solidFill>
-            <a:schemeClr val="accent6">
-              <a:alpha val="90000"/>
-              <a:tint val="40000"/>
-              <a:hueOff val="0"/>
-              <a:satOff val="0"/>
-              <a:lumOff val="0"/>
-              <a:alphaOff val="0"/>
-            </a:schemeClr>
-          </a:solidFill>
-          <a:prstDash val="solid"/>
-          <a:miter lim="800000"/>
-        </a:ln>
-        <a:effectLst/>
-      </dsp:spPr>
-      <dsp:style>
-        <a:lnRef idx="2">
-          <a:scrgbClr r="0" g="0" b="0"/>
-        </a:lnRef>
-        <a:fillRef idx="1">
-          <a:scrgbClr r="0" g="0" b="0"/>
-        </a:fillRef>
-        <a:effectRef idx="0">
-          <a:scrgbClr r="0" g="0" b="0"/>
-        </a:effectRef>
-        <a:fontRef idx="minor"/>
-      </dsp:style>
-      <dsp:txBody>
-        <a:bodyPr spcFirstLastPara="0" vert="horz" wrap="square" lIns="110490" tIns="55245" rIns="110490" bIns="55245" numCol="1" spcCol="1270" anchor="ctr" anchorCtr="0">
-          <a:noAutofit/>
-        </a:bodyPr>
-        <a:lstStyle/>
-        <a:p>
-          <a:pPr marL="285750" lvl="1" indent="-285750" algn="l" defTabSz="1289050">
-            <a:lnSpc>
-              <a:spcPct val="90000"/>
-            </a:lnSpc>
-            <a:spcBef>
-              <a:spcPct val="0"/>
-            </a:spcBef>
-            <a:spcAft>
-              <a:spcPct val="15000"/>
-            </a:spcAft>
-            <a:buChar char="••"/>
-          </a:pPr>
-          <a:r>
-            <a:rPr lang="de-DE" sz="2900" kern="1200" dirty="0" smtClean="0">
-              <a:latin typeface="Times New Roman" panose="02020603050405020304" pitchFamily="18" charset="0"/>
-              <a:cs typeface="Times New Roman" panose="02020603050405020304" pitchFamily="18" charset="0"/>
-            </a:rPr>
-            <a:t>Kapital</a:t>
-          </a:r>
-          <a:endParaRPr lang="de-DE" sz="2900" kern="1200" dirty="0">
-            <a:latin typeface="Times New Roman" panose="02020603050405020304" pitchFamily="18" charset="0"/>
-            <a:cs typeface="Times New Roman" panose="02020603050405020304" pitchFamily="18" charset="0"/>
-          </a:endParaRPr>
-        </a:p>
-        <a:p>
-          <a:pPr marL="285750" lvl="1" indent="-285750" algn="l" defTabSz="1289050">
-            <a:lnSpc>
-              <a:spcPct val="90000"/>
-            </a:lnSpc>
-            <a:spcBef>
-              <a:spcPct val="0"/>
-            </a:spcBef>
-            <a:spcAft>
-              <a:spcPct val="15000"/>
-            </a:spcAft>
-            <a:buChar char="••"/>
-          </a:pPr>
-          <a:r>
-            <a:rPr lang="de-DE" sz="2900" kern="1200" dirty="0" smtClean="0">
-              <a:latin typeface="Times New Roman" panose="02020603050405020304" pitchFamily="18" charset="0"/>
-              <a:cs typeface="Times New Roman" panose="02020603050405020304" pitchFamily="18" charset="0"/>
-            </a:rPr>
-            <a:t>Personal</a:t>
-          </a:r>
-          <a:endParaRPr lang="de-DE" sz="2900" kern="1200" dirty="0">
-            <a:latin typeface="Times New Roman" panose="02020603050405020304" pitchFamily="18" charset="0"/>
-            <a:cs typeface="Times New Roman" panose="02020603050405020304" pitchFamily="18" charset="0"/>
-          </a:endParaRPr>
-        </a:p>
-      </dsp:txBody>
-      <dsp:txXfrm rot="-5400000">
-        <a:off x="2520012" y="190371"/>
-        <a:ext cx="4427132" cy="977663"/>
-      </dsp:txXfrm>
-    </dsp:sp>
-    <dsp:sp modelId="{7731A3F6-937F-4F67-836B-10F307D1B55B}">
-      <dsp:nvSpPr>
-        <dsp:cNvPr id="0" name=""/>
-        <dsp:cNvSpPr/>
-      </dsp:nvSpPr>
-      <dsp:spPr>
-        <a:xfrm>
-          <a:off x="0" y="2051"/>
-          <a:ext cx="2520011" cy="1354302"/>
-        </a:xfrm>
-        <a:prstGeom prst="roundRect">
-          <a:avLst/>
-        </a:prstGeom>
-        <a:solidFill>
-          <a:schemeClr val="accent6">
-            <a:hueOff val="0"/>
-            <a:satOff val="0"/>
-            <a:lumOff val="0"/>
-            <a:alphaOff val="0"/>
-          </a:schemeClr>
-        </a:solidFill>
-        <a:ln w="12700" cap="flat" cmpd="sng" algn="ctr">
-          <a:solidFill>
-            <a:schemeClr val="lt1">
-              <a:hueOff val="0"/>
-              <a:satOff val="0"/>
-              <a:lumOff val="0"/>
-              <a:alphaOff val="0"/>
-            </a:schemeClr>
-          </a:solidFill>
-          <a:prstDash val="solid"/>
-          <a:miter lim="800000"/>
-        </a:ln>
-        <a:effectLst/>
-      </dsp:spPr>
-      <dsp:style>
-        <a:lnRef idx="2">
-          <a:scrgbClr r="0" g="0" b="0"/>
-        </a:lnRef>
-        <a:fillRef idx="1">
-          <a:scrgbClr r="0" g="0" b="0"/>
-        </a:fillRef>
-        <a:effectRef idx="0">
-          <a:scrgbClr r="0" g="0" b="0"/>
-        </a:effectRef>
-        <a:fontRef idx="minor">
-          <a:schemeClr val="lt1"/>
-        </a:fontRef>
-      </dsp:style>
-      <dsp:txBody>
-        <a:bodyPr spcFirstLastPara="0" vert="horz" wrap="square" lIns="118110" tIns="59055" rIns="118110" bIns="59055" numCol="1" spcCol="1270" anchor="ctr" anchorCtr="0">
-          <a:noAutofit/>
-        </a:bodyPr>
-        <a:lstStyle/>
-        <a:p>
-          <a:pPr lvl="0" algn="ctr" defTabSz="1377950">
-            <a:lnSpc>
-              <a:spcPct val="90000"/>
-            </a:lnSpc>
-            <a:spcBef>
-              <a:spcPct val="0"/>
-            </a:spcBef>
-            <a:spcAft>
-              <a:spcPct val="35000"/>
-            </a:spcAft>
-          </a:pPr>
-          <a:r>
-            <a:rPr lang="de-DE" sz="3100" kern="1200" dirty="0" smtClean="0">
-              <a:latin typeface="Times New Roman" panose="02020603050405020304" pitchFamily="18" charset="0"/>
-              <a:cs typeface="Times New Roman" panose="02020603050405020304" pitchFamily="18" charset="0"/>
-            </a:rPr>
-            <a:t>Anschaffung IT</a:t>
-          </a:r>
-          <a:endParaRPr lang="de-DE" sz="3100" kern="1200" dirty="0">
-            <a:latin typeface="Times New Roman" panose="02020603050405020304" pitchFamily="18" charset="0"/>
-            <a:cs typeface="Times New Roman" panose="02020603050405020304" pitchFamily="18" charset="0"/>
-          </a:endParaRPr>
-        </a:p>
-      </dsp:txBody>
-      <dsp:txXfrm>
-        <a:off x="66112" y="68163"/>
-        <a:ext cx="2387787" cy="1222078"/>
-      </dsp:txXfrm>
-    </dsp:sp>
-    <dsp:sp modelId="{557F6329-474D-4980-BEA1-9CF33C6D0B43}">
-      <dsp:nvSpPr>
-        <dsp:cNvPr id="0" name=""/>
-        <dsp:cNvSpPr/>
-      </dsp:nvSpPr>
-      <dsp:spPr>
-        <a:xfrm rot="5400000">
-          <a:off x="4218301" y="-138790"/>
-          <a:ext cx="1083441" cy="4480021"/>
-        </a:xfrm>
-        <a:prstGeom prst="round2SameRect">
-          <a:avLst/>
-        </a:prstGeom>
-        <a:solidFill>
-          <a:schemeClr val="accent6">
-            <a:alpha val="90000"/>
-            <a:tint val="40000"/>
-            <a:hueOff val="0"/>
-            <a:satOff val="0"/>
-            <a:lumOff val="0"/>
-            <a:alphaOff val="0"/>
-          </a:schemeClr>
-        </a:solidFill>
-        <a:ln w="12700" cap="flat" cmpd="sng" algn="ctr">
-          <a:solidFill>
-            <a:schemeClr val="accent6">
-              <a:alpha val="90000"/>
-              <a:tint val="40000"/>
-              <a:hueOff val="0"/>
-              <a:satOff val="0"/>
-              <a:lumOff val="0"/>
-              <a:alphaOff val="0"/>
-            </a:schemeClr>
-          </a:solidFill>
-          <a:prstDash val="solid"/>
-          <a:miter lim="800000"/>
-        </a:ln>
-        <a:effectLst/>
-      </dsp:spPr>
-      <dsp:style>
-        <a:lnRef idx="2">
-          <a:scrgbClr r="0" g="0" b="0"/>
-        </a:lnRef>
-        <a:fillRef idx="1">
-          <a:scrgbClr r="0" g="0" b="0"/>
-        </a:fillRef>
-        <a:effectRef idx="0">
-          <a:scrgbClr r="0" g="0" b="0"/>
-        </a:effectRef>
-        <a:fontRef idx="minor"/>
-      </dsp:style>
-      <dsp:txBody>
-        <a:bodyPr spcFirstLastPara="0" vert="horz" wrap="square" lIns="110490" tIns="55245" rIns="110490" bIns="55245" numCol="1" spcCol="1270" anchor="ctr" anchorCtr="0">
-          <a:noAutofit/>
-        </a:bodyPr>
-        <a:lstStyle/>
-        <a:p>
-          <a:pPr marL="285750" lvl="1" indent="-285750" algn="l" defTabSz="1289050">
-            <a:lnSpc>
-              <a:spcPct val="90000"/>
-            </a:lnSpc>
-            <a:spcBef>
-              <a:spcPct val="0"/>
-            </a:spcBef>
-            <a:spcAft>
-              <a:spcPct val="15000"/>
-            </a:spcAft>
-            <a:buChar char="••"/>
-          </a:pPr>
-          <a:r>
-            <a:rPr lang="de-DE" sz="2900" kern="1200" dirty="0" smtClean="0">
-              <a:latin typeface="Times New Roman" panose="02020603050405020304" pitchFamily="18" charset="0"/>
-              <a:cs typeface="Times New Roman" panose="02020603050405020304" pitchFamily="18" charset="0"/>
-            </a:rPr>
-            <a:t>System-Management</a:t>
-          </a:r>
-          <a:endParaRPr lang="de-DE" sz="2900" kern="1200" dirty="0">
-            <a:latin typeface="Times New Roman" panose="02020603050405020304" pitchFamily="18" charset="0"/>
-            <a:cs typeface="Times New Roman" panose="02020603050405020304" pitchFamily="18" charset="0"/>
-          </a:endParaRPr>
-        </a:p>
-        <a:p>
-          <a:pPr marL="285750" lvl="1" indent="-285750" algn="l" defTabSz="1289050">
-            <a:lnSpc>
-              <a:spcPct val="90000"/>
-            </a:lnSpc>
-            <a:spcBef>
-              <a:spcPct val="0"/>
-            </a:spcBef>
-            <a:spcAft>
-              <a:spcPct val="15000"/>
-            </a:spcAft>
-            <a:buChar char="••"/>
-          </a:pPr>
-          <a:r>
-            <a:rPr lang="de-DE" sz="2900" kern="1200" dirty="0" smtClean="0">
-              <a:latin typeface="Times New Roman" panose="02020603050405020304" pitchFamily="18" charset="0"/>
-              <a:cs typeface="Times New Roman" panose="02020603050405020304" pitchFamily="18" charset="0"/>
-            </a:rPr>
-            <a:t>Controlling im Wandel</a:t>
-          </a:r>
-          <a:endParaRPr lang="de-DE" sz="2900" kern="1200" dirty="0">
-            <a:latin typeface="Times New Roman" panose="02020603050405020304" pitchFamily="18" charset="0"/>
-            <a:cs typeface="Times New Roman" panose="02020603050405020304" pitchFamily="18" charset="0"/>
-          </a:endParaRPr>
-        </a:p>
-      </dsp:txBody>
-      <dsp:txXfrm rot="-5400000">
-        <a:off x="2520012" y="1612388"/>
-        <a:ext cx="4427132" cy="977663"/>
-      </dsp:txXfrm>
-    </dsp:sp>
-    <dsp:sp modelId="{9735387F-7065-4AC2-B071-96EB8B19975E}">
-      <dsp:nvSpPr>
-        <dsp:cNvPr id="0" name=""/>
-        <dsp:cNvSpPr/>
-      </dsp:nvSpPr>
-      <dsp:spPr>
-        <a:xfrm>
-          <a:off x="0" y="1424069"/>
-          <a:ext cx="2520011" cy="1354302"/>
-        </a:xfrm>
-        <a:prstGeom prst="roundRect">
-          <a:avLst/>
-        </a:prstGeom>
-        <a:solidFill>
-          <a:schemeClr val="accent6">
-            <a:hueOff val="0"/>
-            <a:satOff val="0"/>
-            <a:lumOff val="0"/>
-            <a:alphaOff val="0"/>
-          </a:schemeClr>
-        </a:solidFill>
-        <a:ln w="12700" cap="flat" cmpd="sng" algn="ctr">
-          <a:solidFill>
-            <a:schemeClr val="lt1">
-              <a:hueOff val="0"/>
-              <a:satOff val="0"/>
-              <a:lumOff val="0"/>
-              <a:alphaOff val="0"/>
-            </a:schemeClr>
-          </a:solidFill>
-          <a:prstDash val="solid"/>
-          <a:miter lim="800000"/>
-        </a:ln>
-        <a:effectLst/>
-      </dsp:spPr>
-      <dsp:style>
-        <a:lnRef idx="2">
-          <a:scrgbClr r="0" g="0" b="0"/>
-        </a:lnRef>
-        <a:fillRef idx="1">
-          <a:scrgbClr r="0" g="0" b="0"/>
-        </a:fillRef>
-        <a:effectRef idx="0">
-          <a:scrgbClr r="0" g="0" b="0"/>
-        </a:effectRef>
-        <a:fontRef idx="minor">
-          <a:schemeClr val="lt1"/>
-        </a:fontRef>
-      </dsp:style>
-      <dsp:txBody>
-        <a:bodyPr spcFirstLastPara="0" vert="horz" wrap="square" lIns="118110" tIns="59055" rIns="118110" bIns="59055" numCol="1" spcCol="1270" anchor="ctr" anchorCtr="0">
-          <a:noAutofit/>
-        </a:bodyPr>
-        <a:lstStyle/>
-        <a:p>
-          <a:pPr lvl="0" algn="ctr" defTabSz="1377950">
-            <a:lnSpc>
-              <a:spcPct val="90000"/>
-            </a:lnSpc>
-            <a:spcBef>
-              <a:spcPct val="0"/>
-            </a:spcBef>
-            <a:spcAft>
-              <a:spcPct val="35000"/>
-            </a:spcAft>
-          </a:pPr>
-          <a:r>
-            <a:rPr lang="de-DE" sz="3100" kern="1200" dirty="0" smtClean="0">
-              <a:latin typeface="Times New Roman" panose="02020603050405020304" pitchFamily="18" charset="0"/>
-              <a:cs typeface="Times New Roman" panose="02020603050405020304" pitchFamily="18" charset="0"/>
-            </a:rPr>
-            <a:t>Bestehende IT</a:t>
-          </a:r>
-          <a:endParaRPr lang="de-DE" sz="3100" kern="1200" dirty="0">
-            <a:latin typeface="Times New Roman" panose="02020603050405020304" pitchFamily="18" charset="0"/>
-            <a:cs typeface="Times New Roman" panose="02020603050405020304" pitchFamily="18" charset="0"/>
-          </a:endParaRPr>
-        </a:p>
-      </dsp:txBody>
-      <dsp:txXfrm>
-        <a:off x="66112" y="1490181"/>
-        <a:ext cx="2387787" cy="1222078"/>
-      </dsp:txXfrm>
-    </dsp:sp>
-    <dsp:sp modelId="{36586BA3-713E-40FA-B8B9-26B58553979B}">
-      <dsp:nvSpPr>
-        <dsp:cNvPr id="0" name=""/>
-        <dsp:cNvSpPr/>
-      </dsp:nvSpPr>
-      <dsp:spPr>
-        <a:xfrm rot="5400000">
-          <a:off x="4218301" y="1283227"/>
-          <a:ext cx="1083441" cy="4480021"/>
-        </a:xfrm>
-        <a:prstGeom prst="round2SameRect">
-          <a:avLst/>
-        </a:prstGeom>
-        <a:solidFill>
-          <a:schemeClr val="accent6">
-            <a:alpha val="90000"/>
-            <a:tint val="40000"/>
-            <a:hueOff val="0"/>
-            <a:satOff val="0"/>
-            <a:lumOff val="0"/>
-            <a:alphaOff val="0"/>
-          </a:schemeClr>
-        </a:solidFill>
-        <a:ln w="12700" cap="flat" cmpd="sng" algn="ctr">
-          <a:solidFill>
-            <a:schemeClr val="accent6">
-              <a:alpha val="90000"/>
-              <a:tint val="40000"/>
-              <a:hueOff val="0"/>
-              <a:satOff val="0"/>
-              <a:lumOff val="0"/>
-              <a:alphaOff val="0"/>
-            </a:schemeClr>
-          </a:solidFill>
-          <a:prstDash val="solid"/>
-          <a:miter lim="800000"/>
-        </a:ln>
-        <a:effectLst/>
-      </dsp:spPr>
-      <dsp:style>
-        <a:lnRef idx="2">
-          <a:scrgbClr r="0" g="0" b="0"/>
-        </a:lnRef>
-        <a:fillRef idx="1">
-          <a:scrgbClr r="0" g="0" b="0"/>
-        </a:fillRef>
-        <a:effectRef idx="0">
-          <a:scrgbClr r="0" g="0" b="0"/>
-        </a:effectRef>
-        <a:fontRef idx="minor"/>
-      </dsp:style>
-      <dsp:txBody>
-        <a:bodyPr spcFirstLastPara="0" vert="horz" wrap="square" lIns="110490" tIns="55245" rIns="110490" bIns="55245" numCol="1" spcCol="1270" anchor="ctr" anchorCtr="0">
-          <a:noAutofit/>
-        </a:bodyPr>
-        <a:lstStyle/>
-        <a:p>
-          <a:pPr marL="285750" lvl="1" indent="-285750" algn="l" defTabSz="1289050">
-            <a:lnSpc>
-              <a:spcPct val="90000"/>
-            </a:lnSpc>
-            <a:spcBef>
-              <a:spcPct val="0"/>
-            </a:spcBef>
-            <a:spcAft>
-              <a:spcPct val="15000"/>
-            </a:spcAft>
-            <a:buChar char="••"/>
-          </a:pPr>
-          <a:r>
-            <a:rPr lang="de-DE" sz="2900" kern="1200" dirty="0" smtClean="0">
-              <a:latin typeface="Times New Roman" panose="02020603050405020304" pitchFamily="18" charset="0"/>
-              <a:cs typeface="Times New Roman" panose="02020603050405020304" pitchFamily="18" charset="0"/>
-            </a:rPr>
-            <a:t>Erhöhung </a:t>
-          </a:r>
-          <a:r>
-            <a:rPr lang="de-DE" sz="2900" kern="1200" dirty="0" err="1" smtClean="0">
-              <a:latin typeface="Times New Roman" panose="02020603050405020304" pitchFamily="18" charset="0"/>
-              <a:cs typeface="Times New Roman" panose="02020603050405020304" pitchFamily="18" charset="0"/>
-            </a:rPr>
-            <a:t>Slack</a:t>
-          </a:r>
-          <a:endParaRPr lang="de-DE" sz="2900" kern="1200" dirty="0">
-            <a:latin typeface="Times New Roman" panose="02020603050405020304" pitchFamily="18" charset="0"/>
-            <a:cs typeface="Times New Roman" panose="02020603050405020304" pitchFamily="18" charset="0"/>
-          </a:endParaRPr>
-        </a:p>
-        <a:p>
-          <a:pPr marL="285750" lvl="1" indent="-285750" algn="l" defTabSz="1289050">
-            <a:lnSpc>
-              <a:spcPct val="90000"/>
-            </a:lnSpc>
-            <a:spcBef>
-              <a:spcPct val="0"/>
-            </a:spcBef>
-            <a:spcAft>
-              <a:spcPct val="15000"/>
-            </a:spcAft>
-            <a:buChar char="••"/>
-          </a:pPr>
-          <a:r>
-            <a:rPr lang="de-DE" sz="2900" kern="1200" dirty="0" smtClean="0">
-              <a:latin typeface="Times New Roman" panose="02020603050405020304" pitchFamily="18" charset="0"/>
-              <a:cs typeface="Times New Roman" panose="02020603050405020304" pitchFamily="18" charset="0"/>
-            </a:rPr>
-            <a:t>Meinungsverschiedenheit</a:t>
-          </a:r>
-          <a:endParaRPr lang="de-DE" sz="2900" kern="1200" dirty="0">
-            <a:latin typeface="Times New Roman" panose="02020603050405020304" pitchFamily="18" charset="0"/>
-            <a:cs typeface="Times New Roman" panose="02020603050405020304" pitchFamily="18" charset="0"/>
-          </a:endParaRPr>
-        </a:p>
-      </dsp:txBody>
-      <dsp:txXfrm rot="-5400000">
-        <a:off x="2520012" y="3034406"/>
-        <a:ext cx="4427132" cy="977663"/>
-      </dsp:txXfrm>
-    </dsp:sp>
-    <dsp:sp modelId="{2DC17863-C582-4841-A378-60694BACF914}">
-      <dsp:nvSpPr>
-        <dsp:cNvPr id="0" name=""/>
-        <dsp:cNvSpPr/>
-      </dsp:nvSpPr>
-      <dsp:spPr>
-        <a:xfrm>
-          <a:off x="0" y="2846086"/>
-          <a:ext cx="2520011" cy="1354302"/>
-        </a:xfrm>
-        <a:prstGeom prst="roundRect">
-          <a:avLst/>
-        </a:prstGeom>
-        <a:solidFill>
-          <a:schemeClr val="accent6">
-            <a:hueOff val="0"/>
-            <a:satOff val="0"/>
-            <a:lumOff val="0"/>
-            <a:alphaOff val="0"/>
-          </a:schemeClr>
-        </a:solidFill>
-        <a:ln w="12700" cap="flat" cmpd="sng" algn="ctr">
-          <a:solidFill>
-            <a:schemeClr val="lt1">
-              <a:hueOff val="0"/>
-              <a:satOff val="0"/>
-              <a:lumOff val="0"/>
-              <a:alphaOff val="0"/>
-            </a:schemeClr>
-          </a:solidFill>
-          <a:prstDash val="solid"/>
-          <a:miter lim="800000"/>
-        </a:ln>
-        <a:effectLst/>
-      </dsp:spPr>
-      <dsp:style>
-        <a:lnRef idx="2">
-          <a:scrgbClr r="0" g="0" b="0"/>
-        </a:lnRef>
-        <a:fillRef idx="1">
-          <a:scrgbClr r="0" g="0" b="0"/>
-        </a:fillRef>
-        <a:effectRef idx="0">
-          <a:scrgbClr r="0" g="0" b="0"/>
-        </a:effectRef>
-        <a:fontRef idx="minor">
-          <a:schemeClr val="lt1"/>
-        </a:fontRef>
-      </dsp:style>
-      <dsp:txBody>
-        <a:bodyPr spcFirstLastPara="0" vert="horz" wrap="square" lIns="118110" tIns="59055" rIns="118110" bIns="59055" numCol="1" spcCol="1270" anchor="ctr" anchorCtr="0">
-          <a:noAutofit/>
-        </a:bodyPr>
-        <a:lstStyle/>
-        <a:p>
-          <a:pPr marL="0" marR="0" lvl="0" indent="0" algn="ctr" defTabSz="914400" eaLnBrk="1" fontAlgn="auto" latinLnBrk="0" hangingPunct="1">
-            <a:lnSpc>
-              <a:spcPct val="100000"/>
-            </a:lnSpc>
-            <a:spcBef>
-              <a:spcPct val="0"/>
-            </a:spcBef>
-            <a:spcAft>
-              <a:spcPts val="0"/>
-            </a:spcAft>
-            <a:buClrTx/>
-            <a:buSzTx/>
-            <a:buFontTx/>
-            <a:buNone/>
-            <a:tabLst/>
-            <a:defRPr/>
-          </a:pPr>
-          <a:r>
-            <a:rPr lang="de-DE" sz="3100" kern="1200" dirty="0" smtClean="0">
-              <a:latin typeface="Times New Roman" panose="02020603050405020304" pitchFamily="18" charset="0"/>
-              <a:cs typeface="Times New Roman" panose="02020603050405020304" pitchFamily="18" charset="0"/>
-            </a:rPr>
-            <a:t>Business Partner</a:t>
-          </a:r>
-        </a:p>
-      </dsp:txBody>
-      <dsp:txXfrm>
-        <a:off x="66112" y="2912198"/>
-        <a:ext cx="2387787" cy="1222078"/>
-      </dsp:txXfrm>
-    </dsp:sp>
   </dsp:spTree>
 </dsp:drawing>
 </file>
@@ -10923,407 +8439,6 @@
       <dsp:cNvGrpSpPr/>
     </dsp:nvGrpSpPr>
     <dsp:grpSpPr/>
-    <dsp:sp modelId="{49918C28-610D-43BD-9D29-6888378FC26D}">
-      <dsp:nvSpPr>
-        <dsp:cNvPr id="0" name=""/>
-        <dsp:cNvSpPr/>
-      </dsp:nvSpPr>
-      <dsp:spPr>
-        <a:xfrm>
-          <a:off x="731520" y="1247782"/>
-          <a:ext cx="7071360" cy="3654435"/>
-        </a:xfrm>
-        <a:prstGeom prst="rect">
-          <a:avLst/>
-        </a:prstGeom>
-        <a:solidFill>
-          <a:schemeClr val="accent6">
-            <a:tint val="50000"/>
-            <a:hueOff val="0"/>
-            <a:satOff val="0"/>
-            <a:lumOff val="0"/>
-            <a:alphaOff val="0"/>
-          </a:schemeClr>
-        </a:solidFill>
-        <a:ln w="12700" cap="flat" cmpd="sng" algn="ctr">
-          <a:solidFill>
-            <a:schemeClr val="lt1">
-              <a:hueOff val="0"/>
-              <a:satOff val="0"/>
-              <a:lumOff val="0"/>
-              <a:alphaOff val="0"/>
-            </a:schemeClr>
-          </a:solidFill>
-          <a:prstDash val="solid"/>
-          <a:miter lim="800000"/>
-        </a:ln>
-        <a:effectLst/>
-      </dsp:spPr>
-      <dsp:style>
-        <a:lnRef idx="2">
-          <a:scrgbClr r="0" g="0" b="0"/>
-        </a:lnRef>
-        <a:fillRef idx="1">
-          <a:scrgbClr r="0" g="0" b="0"/>
-        </a:fillRef>
-        <a:effectRef idx="0">
-          <a:scrgbClr r="0" g="0" b="0"/>
-        </a:effectRef>
-        <a:fontRef idx="minor"/>
-      </dsp:style>
-    </dsp:sp>
-    <dsp:sp modelId="{1E46CB25-2C22-4339-A048-601D5575F715}">
-      <dsp:nvSpPr>
-        <dsp:cNvPr id="0" name=""/>
-        <dsp:cNvSpPr/>
-      </dsp:nvSpPr>
-      <dsp:spPr>
-        <a:xfrm>
-          <a:off x="942848" y="1675172"/>
-          <a:ext cx="3283712" cy="3126325"/>
-        </a:xfrm>
-        <a:prstGeom prst="rect">
-          <a:avLst/>
-        </a:prstGeom>
-        <a:noFill/>
-        <a:ln>
-          <a:noFill/>
-        </a:ln>
-        <a:effectLst/>
-      </dsp:spPr>
-      <dsp:style>
-        <a:lnRef idx="0">
-          <a:scrgbClr r="0" g="0" b="0"/>
-        </a:lnRef>
-        <a:fillRef idx="0">
-          <a:scrgbClr r="0" g="0" b="0"/>
-        </a:fillRef>
-        <a:effectRef idx="0">
-          <a:scrgbClr r="0" g="0" b="0"/>
-        </a:effectRef>
-        <a:fontRef idx="minor"/>
-      </dsp:style>
-      <dsp:txBody>
-        <a:bodyPr spcFirstLastPara="0" vert="horz" wrap="square" lIns="45720" tIns="45720" rIns="45720" bIns="45720" numCol="1" spcCol="1270" anchor="t" anchorCtr="0">
-          <a:noAutofit/>
-        </a:bodyPr>
-        <a:lstStyle/>
-        <a:p>
-          <a:pPr lvl="0" algn="l" defTabSz="1066800">
-            <a:lnSpc>
-              <a:spcPct val="90000"/>
-            </a:lnSpc>
-            <a:spcBef>
-              <a:spcPct val="0"/>
-            </a:spcBef>
-            <a:spcAft>
-              <a:spcPct val="35000"/>
-            </a:spcAft>
-          </a:pPr>
-          <a:r>
-            <a:rPr lang="de-DE" sz="2400" kern="1200" dirty="0" smtClean="0">
-              <a:latin typeface="Times New Roman" panose="02020603050405020304" pitchFamily="18" charset="0"/>
-              <a:cs typeface="Times New Roman" panose="02020603050405020304" pitchFamily="18" charset="0"/>
-              <a:sym typeface="Wingdings" panose="05000000000000000000" pitchFamily="2" charset="2"/>
-            </a:rPr>
-            <a:t>- Erschwingliche Systeme </a:t>
-          </a:r>
-        </a:p>
-        <a:p>
-          <a:pPr lvl="0" algn="l" defTabSz="1066800">
-            <a:lnSpc>
-              <a:spcPct val="90000"/>
-            </a:lnSpc>
-            <a:spcBef>
-              <a:spcPct val="0"/>
-            </a:spcBef>
-            <a:spcAft>
-              <a:spcPct val="35000"/>
-            </a:spcAft>
-          </a:pPr>
-          <a:r>
-            <a:rPr lang="de-DE" sz="2400" kern="1200" dirty="0" smtClean="0">
-              <a:latin typeface="Times New Roman" panose="02020603050405020304" pitchFamily="18" charset="0"/>
-              <a:cs typeface="Times New Roman" panose="02020603050405020304" pitchFamily="18" charset="0"/>
-              <a:sym typeface="Wingdings" panose="05000000000000000000" pitchFamily="2" charset="2"/>
-            </a:rPr>
-            <a:t>- Bessere Möglichkeiten zur Kapitalbeschaffung</a:t>
-          </a:r>
-        </a:p>
-        <a:p>
-          <a:pPr lvl="0" algn="l" defTabSz="1066800">
-            <a:lnSpc>
-              <a:spcPct val="90000"/>
-            </a:lnSpc>
-            <a:spcBef>
-              <a:spcPct val="0"/>
-            </a:spcBef>
-            <a:spcAft>
-              <a:spcPct val="35000"/>
-            </a:spcAft>
-          </a:pPr>
-          <a:r>
-            <a:rPr lang="de-DE" sz="2400" kern="1200" dirty="0" smtClean="0">
-              <a:latin typeface="Times New Roman" panose="02020603050405020304" pitchFamily="18" charset="0"/>
-              <a:cs typeface="Times New Roman" panose="02020603050405020304" pitchFamily="18" charset="0"/>
-              <a:sym typeface="Wingdings" panose="05000000000000000000" pitchFamily="2" charset="2"/>
-            </a:rPr>
-            <a:t>-Steigende/r Effizienz, Erfolg, Wettbewerbsfähigkeit</a:t>
-          </a:r>
-          <a:endParaRPr lang="de-DE" sz="2400" kern="1200" dirty="0">
-            <a:latin typeface="Times New Roman" panose="02020603050405020304" pitchFamily="18" charset="0"/>
-            <a:cs typeface="Times New Roman" panose="02020603050405020304" pitchFamily="18" charset="0"/>
-          </a:endParaRPr>
-        </a:p>
-      </dsp:txBody>
-      <dsp:txXfrm>
-        <a:off x="942848" y="1675172"/>
-        <a:ext cx="3283712" cy="3126325"/>
-      </dsp:txXfrm>
-    </dsp:sp>
-    <dsp:sp modelId="{82257992-9A33-4AD3-A369-97D7AAAEF3FC}">
-      <dsp:nvSpPr>
-        <dsp:cNvPr id="0" name=""/>
-        <dsp:cNvSpPr/>
-      </dsp:nvSpPr>
-      <dsp:spPr>
-        <a:xfrm>
-          <a:off x="4299712" y="1675172"/>
-          <a:ext cx="3283712" cy="3126325"/>
-        </a:xfrm>
-        <a:prstGeom prst="rect">
-          <a:avLst/>
-        </a:prstGeom>
-        <a:noFill/>
-        <a:ln>
-          <a:noFill/>
-        </a:ln>
-        <a:effectLst/>
-      </dsp:spPr>
-      <dsp:style>
-        <a:lnRef idx="0">
-          <a:scrgbClr r="0" g="0" b="0"/>
-        </a:lnRef>
-        <a:fillRef idx="0">
-          <a:scrgbClr r="0" g="0" b="0"/>
-        </a:fillRef>
-        <a:effectRef idx="0">
-          <a:scrgbClr r="0" g="0" b="0"/>
-        </a:effectRef>
-        <a:fontRef idx="minor"/>
-      </dsp:style>
-      <dsp:txBody>
-        <a:bodyPr spcFirstLastPara="0" vert="horz" wrap="square" lIns="45720" tIns="45720" rIns="45720" bIns="45720" numCol="1" spcCol="1270" anchor="t" anchorCtr="0">
-          <a:noAutofit/>
-        </a:bodyPr>
-        <a:lstStyle/>
-        <a:p>
-          <a:pPr lvl="0" algn="l" defTabSz="1066800">
-            <a:lnSpc>
-              <a:spcPct val="90000"/>
-            </a:lnSpc>
-            <a:spcBef>
-              <a:spcPct val="0"/>
-            </a:spcBef>
-            <a:spcAft>
-              <a:spcPct val="35000"/>
-            </a:spcAft>
-          </a:pPr>
-          <a:r>
-            <a:rPr lang="de-DE" sz="2400" kern="1200" dirty="0" smtClean="0">
-              <a:latin typeface="Times New Roman" panose="02020603050405020304" pitchFamily="18" charset="0"/>
-              <a:cs typeface="Times New Roman" panose="02020603050405020304" pitchFamily="18" charset="0"/>
-            </a:rPr>
-            <a:t>- Keine allgemeingültige Antwort</a:t>
-          </a:r>
-        </a:p>
-        <a:p>
-          <a:pPr lvl="0" algn="l" defTabSz="1066800">
-            <a:lnSpc>
-              <a:spcPct val="90000"/>
-            </a:lnSpc>
-            <a:spcBef>
-              <a:spcPct val="0"/>
-            </a:spcBef>
-            <a:spcAft>
-              <a:spcPct val="35000"/>
-            </a:spcAft>
-          </a:pPr>
-          <a:r>
-            <a:rPr lang="de-DE" sz="2400" kern="1200" dirty="0" smtClean="0">
-              <a:latin typeface="Times New Roman" panose="02020603050405020304" pitchFamily="18" charset="0"/>
-              <a:cs typeface="Times New Roman" panose="02020603050405020304" pitchFamily="18" charset="0"/>
-            </a:rPr>
-            <a:t>- Herausforderungen</a:t>
-          </a:r>
-        </a:p>
-        <a:p>
-          <a:pPr lvl="0" algn="l" defTabSz="1066800">
-            <a:lnSpc>
-              <a:spcPct val="90000"/>
-            </a:lnSpc>
-            <a:spcBef>
-              <a:spcPct val="0"/>
-            </a:spcBef>
-            <a:spcAft>
-              <a:spcPct val="35000"/>
-            </a:spcAft>
-          </a:pPr>
-          <a:endParaRPr lang="de-DE" sz="2400" kern="1200" dirty="0">
-            <a:latin typeface="Times New Roman" panose="02020603050405020304" pitchFamily="18" charset="0"/>
-            <a:cs typeface="Times New Roman" panose="02020603050405020304" pitchFamily="18" charset="0"/>
-          </a:endParaRPr>
-        </a:p>
-      </dsp:txBody>
-      <dsp:txXfrm>
-        <a:off x="4299712" y="1675172"/>
-        <a:ext cx="3283712" cy="3126325"/>
-      </dsp:txXfrm>
-    </dsp:sp>
-    <dsp:sp modelId="{F191B136-7792-4F00-B357-D76AB21D073D}">
-      <dsp:nvSpPr>
-        <dsp:cNvPr id="0" name=""/>
-        <dsp:cNvSpPr/>
-      </dsp:nvSpPr>
-      <dsp:spPr>
-        <a:xfrm>
-          <a:off x="0" y="516449"/>
-          <a:ext cx="1381760" cy="1381760"/>
-        </a:xfrm>
-        <a:prstGeom prst="plus">
-          <a:avLst>
-            <a:gd name="adj" fmla="val 32810"/>
-          </a:avLst>
-        </a:prstGeom>
-        <a:solidFill>
-          <a:schemeClr val="accent6">
-            <a:hueOff val="0"/>
-            <a:satOff val="0"/>
-            <a:lumOff val="0"/>
-            <a:alphaOff val="0"/>
-          </a:schemeClr>
-        </a:solidFill>
-        <a:ln w="12700" cap="flat" cmpd="sng" algn="ctr">
-          <a:solidFill>
-            <a:schemeClr val="accent6">
-              <a:hueOff val="0"/>
-              <a:satOff val="0"/>
-              <a:lumOff val="0"/>
-              <a:alphaOff val="0"/>
-            </a:schemeClr>
-          </a:solidFill>
-          <a:prstDash val="solid"/>
-          <a:miter lim="800000"/>
-        </a:ln>
-        <a:effectLst/>
-      </dsp:spPr>
-      <dsp:style>
-        <a:lnRef idx="2">
-          <a:scrgbClr r="0" g="0" b="0"/>
-        </a:lnRef>
-        <a:fillRef idx="1">
-          <a:scrgbClr r="0" g="0" b="0"/>
-        </a:fillRef>
-        <a:effectRef idx="0">
-          <a:scrgbClr r="0" g="0" b="0"/>
-        </a:effectRef>
-        <a:fontRef idx="minor">
-          <a:schemeClr val="lt1"/>
-        </a:fontRef>
-      </dsp:style>
-    </dsp:sp>
-    <dsp:sp modelId="{3B2F775B-5836-4DDF-89B9-3F07925D2C41}">
-      <dsp:nvSpPr>
-        <dsp:cNvPr id="0" name=""/>
-        <dsp:cNvSpPr/>
-      </dsp:nvSpPr>
-      <dsp:spPr>
-        <a:xfrm>
-          <a:off x="6827520" y="1013363"/>
-          <a:ext cx="1300480" cy="445662"/>
-        </a:xfrm>
-        <a:prstGeom prst="rect">
-          <a:avLst/>
-        </a:prstGeom>
-        <a:solidFill>
-          <a:schemeClr val="accent6">
-            <a:hueOff val="0"/>
-            <a:satOff val="0"/>
-            <a:lumOff val="0"/>
-            <a:alphaOff val="0"/>
-          </a:schemeClr>
-        </a:solidFill>
-        <a:ln w="12700" cap="flat" cmpd="sng" algn="ctr">
-          <a:solidFill>
-            <a:schemeClr val="accent6">
-              <a:hueOff val="0"/>
-              <a:satOff val="0"/>
-              <a:lumOff val="0"/>
-              <a:alphaOff val="0"/>
-            </a:schemeClr>
-          </a:solidFill>
-          <a:prstDash val="solid"/>
-          <a:miter lim="800000"/>
-        </a:ln>
-        <a:effectLst/>
-      </dsp:spPr>
-      <dsp:style>
-        <a:lnRef idx="2">
-          <a:scrgbClr r="0" g="0" b="0"/>
-        </a:lnRef>
-        <a:fillRef idx="1">
-          <a:scrgbClr r="0" g="0" b="0"/>
-        </a:fillRef>
-        <a:effectRef idx="0">
-          <a:scrgbClr r="0" g="0" b="0"/>
-        </a:effectRef>
-        <a:fontRef idx="minor">
-          <a:schemeClr val="lt1"/>
-        </a:fontRef>
-      </dsp:style>
-    </dsp:sp>
-    <dsp:sp modelId="{C5EBF0DA-2489-4A72-B0C3-AAF96A9738B7}">
-      <dsp:nvSpPr>
-        <dsp:cNvPr id="0" name=""/>
-        <dsp:cNvSpPr/>
-      </dsp:nvSpPr>
-      <dsp:spPr>
-        <a:xfrm>
-          <a:off x="4267200" y="1681857"/>
-          <a:ext cx="812" cy="2985941"/>
-        </a:xfrm>
-        <a:prstGeom prst="line">
-          <a:avLst/>
-        </a:prstGeom>
-        <a:noFill/>
-        <a:ln w="12700" cap="flat" cmpd="sng" algn="ctr">
-          <a:solidFill>
-            <a:schemeClr val="accent6">
-              <a:shade val="60000"/>
-              <a:hueOff val="0"/>
-              <a:satOff val="0"/>
-              <a:lumOff val="0"/>
-              <a:alphaOff val="0"/>
-            </a:schemeClr>
-          </a:solidFill>
-          <a:prstDash val="solid"/>
-          <a:miter lim="800000"/>
-        </a:ln>
-        <a:effectLst/>
-      </dsp:spPr>
-      <dsp:style>
-        <a:lnRef idx="2">
-          <a:scrgbClr r="0" g="0" b="0"/>
-        </a:lnRef>
-        <a:fillRef idx="0">
-          <a:scrgbClr r="0" g="0" b="0"/>
-        </a:fillRef>
-        <a:effectRef idx="0">
-          <a:scrgbClr r="0" g="0" b="0"/>
-        </a:effectRef>
-        <a:fontRef idx="minor"/>
-      </dsp:style>
-    </dsp:sp>
   </dsp:spTree>
 </dsp:drawing>
 </file>
@@ -23348,7 +20463,7 @@
           <a:p>
             <a:fld id="{5CFFFF7F-6CF7-4DDB-8ECD-AF3ECDED6917}" type="datetimeFigureOut">
               <a:rPr lang="de-DE" smtClean="0"/>
-              <a:t>19.01.2023</a:t>
+              <a:t>24.01.2023</a:t>
             </a:fld>
             <a:endParaRPr lang="de-DE"/>
           </a:p>
@@ -23518,7 +20633,7 @@
           <a:p>
             <a:fld id="{5CFFFF7F-6CF7-4DDB-8ECD-AF3ECDED6917}" type="datetimeFigureOut">
               <a:rPr lang="de-DE" smtClean="0"/>
-              <a:t>19.01.2023</a:t>
+              <a:t>24.01.2023</a:t>
             </a:fld>
             <a:endParaRPr lang="de-DE"/>
           </a:p>
@@ -23698,7 +20813,7 @@
           <a:p>
             <a:fld id="{5CFFFF7F-6CF7-4DDB-8ECD-AF3ECDED6917}" type="datetimeFigureOut">
               <a:rPr lang="de-DE" smtClean="0"/>
-              <a:t>19.01.2023</a:t>
+              <a:t>24.01.2023</a:t>
             </a:fld>
             <a:endParaRPr lang="de-DE"/>
           </a:p>
@@ -23868,7 +20983,7 @@
           <a:p>
             <a:fld id="{5CFFFF7F-6CF7-4DDB-8ECD-AF3ECDED6917}" type="datetimeFigureOut">
               <a:rPr lang="de-DE" smtClean="0"/>
-              <a:t>19.01.2023</a:t>
+              <a:t>24.01.2023</a:t>
             </a:fld>
             <a:endParaRPr lang="de-DE"/>
           </a:p>
@@ -24114,7 +21229,7 @@
           <a:p>
             <a:fld id="{5CFFFF7F-6CF7-4DDB-8ECD-AF3ECDED6917}" type="datetimeFigureOut">
               <a:rPr lang="de-DE" smtClean="0"/>
-              <a:t>19.01.2023</a:t>
+              <a:t>24.01.2023</a:t>
             </a:fld>
             <a:endParaRPr lang="de-DE"/>
           </a:p>
@@ -24346,7 +21461,7 @@
           <a:p>
             <a:fld id="{5CFFFF7F-6CF7-4DDB-8ECD-AF3ECDED6917}" type="datetimeFigureOut">
               <a:rPr lang="de-DE" smtClean="0"/>
-              <a:t>19.01.2023</a:t>
+              <a:t>24.01.2023</a:t>
             </a:fld>
             <a:endParaRPr lang="de-DE"/>
           </a:p>
@@ -24713,7 +21828,7 @@
           <a:p>
             <a:fld id="{5CFFFF7F-6CF7-4DDB-8ECD-AF3ECDED6917}" type="datetimeFigureOut">
               <a:rPr lang="de-DE" smtClean="0"/>
-              <a:t>19.01.2023</a:t>
+              <a:t>24.01.2023</a:t>
             </a:fld>
             <a:endParaRPr lang="de-DE"/>
           </a:p>
@@ -24831,7 +21946,7 @@
           <a:p>
             <a:fld id="{5CFFFF7F-6CF7-4DDB-8ECD-AF3ECDED6917}" type="datetimeFigureOut">
               <a:rPr lang="de-DE" smtClean="0"/>
-              <a:t>19.01.2023</a:t>
+              <a:t>24.01.2023</a:t>
             </a:fld>
             <a:endParaRPr lang="de-DE"/>
           </a:p>
@@ -24926,7 +22041,7 @@
           <a:p>
             <a:fld id="{5CFFFF7F-6CF7-4DDB-8ECD-AF3ECDED6917}" type="datetimeFigureOut">
               <a:rPr lang="de-DE" smtClean="0"/>
-              <a:t>19.01.2023</a:t>
+              <a:t>24.01.2023</a:t>
             </a:fld>
             <a:endParaRPr lang="de-DE"/>
           </a:p>
@@ -25203,7 +22318,7 @@
           <a:p>
             <a:fld id="{5CFFFF7F-6CF7-4DDB-8ECD-AF3ECDED6917}" type="datetimeFigureOut">
               <a:rPr lang="de-DE" smtClean="0"/>
-              <a:t>19.01.2023</a:t>
+              <a:t>24.01.2023</a:t>
             </a:fld>
             <a:endParaRPr lang="de-DE"/>
           </a:p>
@@ -25456,7 +22571,7 @@
           <a:p>
             <a:fld id="{5CFFFF7F-6CF7-4DDB-8ECD-AF3ECDED6917}" type="datetimeFigureOut">
               <a:rPr lang="de-DE" smtClean="0"/>
-              <a:t>19.01.2023</a:t>
+              <a:t>24.01.2023</a:t>
             </a:fld>
             <a:endParaRPr lang="de-DE"/>
           </a:p>
@@ -25669,7 +22784,7 @@
           <a:p>
             <a:fld id="{5CFFFF7F-6CF7-4DDB-8ECD-AF3ECDED6917}" type="datetimeFigureOut">
               <a:rPr lang="de-DE" smtClean="0"/>
-              <a:t>19.01.2023</a:t>
+              <a:t>24.01.2023</a:t>
             </a:fld>
             <a:endParaRPr lang="de-DE"/>
           </a:p>
@@ -27467,6 +24582,752 @@
           <p:nvPr>
             <p:extLst>
               <p:ext uri="{D42A27DB-BD31-4B8C-83A1-F6EECF244321}">
+                <p14:modId xmlns:p14="http://schemas.microsoft.com/office/powerpoint/2010/main" val="1515588782"/>
+              </p:ext>
+            </p:extLst>
+          </p:nvPr>
+        </p:nvGraphicFramePr>
+        <p:xfrm>
+          <a:off x="1128196" y="1813403"/>
+          <a:ext cx="8125254" cy="4813510"/>
+        </p:xfrm>
+        <a:graphic>
+          <a:graphicData uri="http://schemas.openxmlformats.org/drawingml/2006/diagram">
+            <dgm:relIds xmlns:dgm="http://schemas.openxmlformats.org/drawingml/2006/diagram" xmlns:r="http://schemas.openxmlformats.org/officeDocument/2006/relationships" r:dm="rId3" r:lo="rId4" r:qs="rId5" r:cs="rId6"/>
+          </a:graphicData>
+        </a:graphic>
+      </p:graphicFrame>
+    </p:spTree>
+    <p:extLst>
+      <p:ext uri="{BB962C8B-B14F-4D97-AF65-F5344CB8AC3E}">
+        <p14:creationId xmlns:p14="http://schemas.microsoft.com/office/powerpoint/2010/main" val="3813607014"/>
+      </p:ext>
+    </p:extLst>
+  </p:cSld>
+  <p:clrMapOvr>
+    <a:masterClrMapping/>
+  </p:clrMapOvr>
+  <p:timing>
+    <p:tnLst>
+      <p:par>
+        <p:cTn id="1" dur="indefinite" restart="never" nodeType="tmRoot"/>
+      </p:par>
+    </p:tnLst>
+  </p:timing>
+</p:sld>
+</file>
+
+<file path=ppt/slides/slide11.xml><?xml version="1.0" encoding="utf-8"?>
+<p:sld xmlns:a="http://schemas.openxmlformats.org/drawingml/2006/main" xmlns:r="http://schemas.openxmlformats.org/officeDocument/2006/relationships" xmlns:p="http://schemas.openxmlformats.org/presentationml/2006/main">
+  <p:cSld>
+    <p:spTree>
+      <p:nvGrpSpPr>
+        <p:cNvPr id="1" name=""/>
+        <p:cNvGrpSpPr/>
+        <p:nvPr/>
+      </p:nvGrpSpPr>
+      <p:grpSpPr>
+        <a:xfrm>
+          <a:off x="0" y="0"/>
+          <a:ext cx="0" cy="0"/>
+          <a:chOff x="0" y="0"/>
+          <a:chExt cx="0" cy="0"/>
+        </a:xfrm>
+      </p:grpSpPr>
+      <p:sp>
+        <p:nvSpPr>
+          <p:cNvPr id="9" name="Diagonaler Streifen 8"/>
+          <p:cNvSpPr/>
+          <p:nvPr/>
+        </p:nvSpPr>
+        <p:spPr>
+          <a:xfrm>
+            <a:off x="1" y="0"/>
+            <a:ext cx="3458094" cy="3898668"/>
+          </a:xfrm>
+          <a:prstGeom prst="diagStripe">
+            <a:avLst/>
+          </a:prstGeom>
+          <a:solidFill>
+            <a:schemeClr val="accent6">
+              <a:lumMod val="20000"/>
+              <a:lumOff val="80000"/>
+            </a:schemeClr>
+          </a:solidFill>
+          <a:ln>
+            <a:solidFill>
+              <a:schemeClr val="accent6">
+                <a:lumMod val="20000"/>
+                <a:lumOff val="80000"/>
+              </a:schemeClr>
+            </a:solidFill>
+          </a:ln>
+        </p:spPr>
+        <p:style>
+          <a:lnRef idx="2">
+            <a:schemeClr val="accent1">
+              <a:shade val="50000"/>
+            </a:schemeClr>
+          </a:lnRef>
+          <a:fillRef idx="1">
+            <a:schemeClr val="accent1"/>
+          </a:fillRef>
+          <a:effectRef idx="0">
+            <a:schemeClr val="accent1"/>
+          </a:effectRef>
+          <a:fontRef idx="minor">
+            <a:schemeClr val="lt1"/>
+          </a:fontRef>
+        </p:style>
+        <p:txBody>
+          <a:bodyPr rtlCol="0" anchor="ctr"/>
+          <a:lstStyle/>
+          <a:p>
+            <a:pPr algn="ctr"/>
+            <a:endParaRPr lang="de-DE">
+              <a:solidFill>
+                <a:schemeClr val="tx1"/>
+              </a:solidFill>
+            </a:endParaRPr>
+          </a:p>
+        </p:txBody>
+      </p:sp>
+      <p:sp>
+        <p:nvSpPr>
+          <p:cNvPr id="8" name="Diagonaler Streifen 7"/>
+          <p:cNvSpPr/>
+          <p:nvPr/>
+        </p:nvSpPr>
+        <p:spPr>
+          <a:xfrm>
+            <a:off x="1" y="0"/>
+            <a:ext cx="2876204" cy="3117273"/>
+          </a:xfrm>
+          <a:prstGeom prst="diagStripe">
+            <a:avLst/>
+          </a:prstGeom>
+          <a:solidFill>
+            <a:schemeClr val="accent6">
+              <a:lumMod val="40000"/>
+              <a:lumOff val="60000"/>
+            </a:schemeClr>
+          </a:solidFill>
+          <a:ln>
+            <a:solidFill>
+              <a:schemeClr val="accent6">
+                <a:lumMod val="40000"/>
+                <a:lumOff val="60000"/>
+              </a:schemeClr>
+            </a:solidFill>
+          </a:ln>
+        </p:spPr>
+        <p:style>
+          <a:lnRef idx="2">
+            <a:schemeClr val="accent1">
+              <a:shade val="50000"/>
+            </a:schemeClr>
+          </a:lnRef>
+          <a:fillRef idx="1">
+            <a:schemeClr val="accent1"/>
+          </a:fillRef>
+          <a:effectRef idx="0">
+            <a:schemeClr val="accent1"/>
+          </a:effectRef>
+          <a:fontRef idx="minor">
+            <a:schemeClr val="lt1"/>
+          </a:fontRef>
+        </p:style>
+        <p:txBody>
+          <a:bodyPr rtlCol="0" anchor="ctr"/>
+          <a:lstStyle/>
+          <a:p>
+            <a:pPr algn="ctr"/>
+            <a:endParaRPr lang="de-DE">
+              <a:solidFill>
+                <a:schemeClr val="tx1"/>
+              </a:solidFill>
+            </a:endParaRPr>
+          </a:p>
+        </p:txBody>
+      </p:sp>
+      <p:sp>
+        <p:nvSpPr>
+          <p:cNvPr id="4" name="Diagonaler Streifen 3"/>
+          <p:cNvSpPr/>
+          <p:nvPr/>
+        </p:nvSpPr>
+        <p:spPr>
+          <a:xfrm>
+            <a:off x="0" y="0"/>
+            <a:ext cx="2219498" cy="2419004"/>
+          </a:xfrm>
+          <a:prstGeom prst="diagStripe">
+            <a:avLst/>
+          </a:prstGeom>
+          <a:solidFill>
+            <a:schemeClr val="accent6">
+              <a:lumMod val="60000"/>
+              <a:lumOff val="40000"/>
+            </a:schemeClr>
+          </a:solidFill>
+          <a:ln>
+            <a:solidFill>
+              <a:schemeClr val="accent6">
+                <a:lumMod val="60000"/>
+                <a:lumOff val="40000"/>
+              </a:schemeClr>
+            </a:solidFill>
+          </a:ln>
+        </p:spPr>
+        <p:style>
+          <a:lnRef idx="2">
+            <a:schemeClr val="accent1">
+              <a:shade val="50000"/>
+            </a:schemeClr>
+          </a:lnRef>
+          <a:fillRef idx="1">
+            <a:schemeClr val="accent1"/>
+          </a:fillRef>
+          <a:effectRef idx="0">
+            <a:schemeClr val="accent1"/>
+          </a:effectRef>
+          <a:fontRef idx="minor">
+            <a:schemeClr val="lt1"/>
+          </a:fontRef>
+        </p:style>
+        <p:txBody>
+          <a:bodyPr rtlCol="0" anchor="ctr"/>
+          <a:lstStyle/>
+          <a:p>
+            <a:pPr algn="ctr"/>
+            <a:endParaRPr lang="de-DE">
+              <a:solidFill>
+                <a:schemeClr val="tx1"/>
+              </a:solidFill>
+            </a:endParaRPr>
+          </a:p>
+        </p:txBody>
+      </p:sp>
+      <p:sp>
+        <p:nvSpPr>
+          <p:cNvPr id="6" name="Rechtwinkliges Dreieck 5"/>
+          <p:cNvSpPr/>
+          <p:nvPr/>
+        </p:nvSpPr>
+        <p:spPr>
+          <a:xfrm rot="5400000">
+            <a:off x="-33252" y="33250"/>
+            <a:ext cx="773084" cy="706582"/>
+          </a:xfrm>
+          <a:prstGeom prst="rtTriangle">
+            <a:avLst/>
+          </a:prstGeom>
+          <a:solidFill>
+            <a:schemeClr val="accent6">
+              <a:lumMod val="50000"/>
+            </a:schemeClr>
+          </a:solidFill>
+          <a:ln>
+            <a:solidFill>
+              <a:schemeClr val="accent6">
+                <a:lumMod val="50000"/>
+              </a:schemeClr>
+            </a:solidFill>
+          </a:ln>
+        </p:spPr>
+        <p:style>
+          <a:lnRef idx="2">
+            <a:schemeClr val="accent1">
+              <a:shade val="50000"/>
+            </a:schemeClr>
+          </a:lnRef>
+          <a:fillRef idx="1">
+            <a:schemeClr val="accent1"/>
+          </a:fillRef>
+          <a:effectRef idx="0">
+            <a:schemeClr val="accent1"/>
+          </a:effectRef>
+          <a:fontRef idx="minor">
+            <a:schemeClr val="lt1"/>
+          </a:fontRef>
+        </p:style>
+        <p:txBody>
+          <a:bodyPr rtlCol="0" anchor="ctr"/>
+          <a:lstStyle/>
+          <a:p>
+            <a:pPr algn="ctr"/>
+            <a:endParaRPr lang="de-DE"/>
+          </a:p>
+        </p:txBody>
+      </p:sp>
+      <p:sp>
+        <p:nvSpPr>
+          <p:cNvPr id="14" name="Diagonaler Streifen 13"/>
+          <p:cNvSpPr/>
+          <p:nvPr/>
+        </p:nvSpPr>
+        <p:spPr>
+          <a:xfrm rot="10800000">
+            <a:off x="8733905" y="2971800"/>
+            <a:ext cx="3458094" cy="3898668"/>
+          </a:xfrm>
+          <a:prstGeom prst="diagStripe">
+            <a:avLst/>
+          </a:prstGeom>
+          <a:solidFill>
+            <a:schemeClr val="accent6">
+              <a:lumMod val="20000"/>
+              <a:lumOff val="80000"/>
+            </a:schemeClr>
+          </a:solidFill>
+          <a:ln>
+            <a:solidFill>
+              <a:schemeClr val="accent6">
+                <a:lumMod val="20000"/>
+                <a:lumOff val="80000"/>
+              </a:schemeClr>
+            </a:solidFill>
+          </a:ln>
+        </p:spPr>
+        <p:style>
+          <a:lnRef idx="2">
+            <a:schemeClr val="accent1">
+              <a:shade val="50000"/>
+            </a:schemeClr>
+          </a:lnRef>
+          <a:fillRef idx="1">
+            <a:schemeClr val="accent1"/>
+          </a:fillRef>
+          <a:effectRef idx="0">
+            <a:schemeClr val="accent1"/>
+          </a:effectRef>
+          <a:fontRef idx="minor">
+            <a:schemeClr val="lt1"/>
+          </a:fontRef>
+        </p:style>
+        <p:txBody>
+          <a:bodyPr rtlCol="0" anchor="ctr"/>
+          <a:lstStyle/>
+          <a:p>
+            <a:pPr algn="ctr"/>
+            <a:endParaRPr lang="de-DE">
+              <a:solidFill>
+                <a:schemeClr val="tx1"/>
+              </a:solidFill>
+            </a:endParaRPr>
+          </a:p>
+        </p:txBody>
+      </p:sp>
+      <p:sp>
+        <p:nvSpPr>
+          <p:cNvPr id="2" name="Titel 1"/>
+          <p:cNvSpPr>
+            <a:spLocks noGrp="1"/>
+          </p:cNvSpPr>
+          <p:nvPr>
+            <p:ph type="title"/>
+          </p:nvPr>
+        </p:nvSpPr>
+        <p:spPr>
+          <a:xfrm>
+            <a:off x="3458094" y="365125"/>
+            <a:ext cx="7895705" cy="1325563"/>
+          </a:xfrm>
+        </p:spPr>
+        <p:txBody>
+          <a:bodyPr anchor="ctr">
+            <a:normAutofit/>
+          </a:bodyPr>
+          <a:lstStyle/>
+          <a:p>
+            <a:r>
+              <a:rPr lang="de-DE" dirty="0" smtClean="0">
+                <a:latin typeface="Times New Roman" panose="02020603050405020304" pitchFamily="18" charset="0"/>
+                <a:cs typeface="Times New Roman" panose="02020603050405020304" pitchFamily="18" charset="0"/>
+              </a:rPr>
+              <a:t>Mehrwert des </a:t>
+            </a:r>
+            <a:br>
+              <a:rPr lang="de-DE" dirty="0" smtClean="0">
+                <a:latin typeface="Times New Roman" panose="02020603050405020304" pitchFamily="18" charset="0"/>
+                <a:cs typeface="Times New Roman" panose="02020603050405020304" pitchFamily="18" charset="0"/>
+              </a:rPr>
+            </a:br>
+            <a:r>
+              <a:rPr lang="de-DE" dirty="0" smtClean="0">
+                <a:latin typeface="Times New Roman" panose="02020603050405020304" pitchFamily="18" charset="0"/>
+                <a:cs typeface="Times New Roman" panose="02020603050405020304" pitchFamily="18" charset="0"/>
+              </a:rPr>
+              <a:t> Controllings in KMU</a:t>
+            </a:r>
+            <a:endParaRPr lang="de-DE" dirty="0">
+              <a:latin typeface="Times New Roman" panose="02020603050405020304" pitchFamily="18" charset="0"/>
+              <a:cs typeface="Times New Roman" panose="02020603050405020304" pitchFamily="18" charset="0"/>
+            </a:endParaRPr>
+          </a:p>
+        </p:txBody>
+      </p:sp>
+      <p:sp>
+        <p:nvSpPr>
+          <p:cNvPr id="17" name="Inhaltsplatzhalter 16"/>
+          <p:cNvSpPr>
+            <a:spLocks noGrp="1"/>
+          </p:cNvSpPr>
+          <p:nvPr>
+            <p:ph idx="1"/>
+          </p:nvPr>
+        </p:nvSpPr>
+        <p:spPr>
+          <a:xfrm>
+            <a:off x="1623527" y="1825625"/>
+            <a:ext cx="8770776" cy="4351338"/>
+          </a:xfrm>
+        </p:spPr>
+        <p:txBody>
+          <a:bodyPr/>
+          <a:lstStyle/>
+          <a:p>
+            <a:endParaRPr lang="de-DE" dirty="0" smtClean="0">
+              <a:latin typeface="Times New Roman" panose="02020603050405020304" pitchFamily="18" charset="0"/>
+              <a:cs typeface="Times New Roman" panose="02020603050405020304" pitchFamily="18" charset="0"/>
+              <a:sym typeface="Wingdings" panose="05000000000000000000" pitchFamily="2" charset="2"/>
+            </a:endParaRPr>
+          </a:p>
+          <a:p>
+            <a:pPr marL="0" indent="0">
+              <a:buNone/>
+            </a:pPr>
+            <a:endParaRPr lang="de-DE" dirty="0" smtClean="0">
+              <a:latin typeface="Times New Roman" panose="02020603050405020304" pitchFamily="18" charset="0"/>
+              <a:cs typeface="Times New Roman" panose="02020603050405020304" pitchFamily="18" charset="0"/>
+              <a:sym typeface="Wingdings" panose="05000000000000000000" pitchFamily="2" charset="2"/>
+            </a:endParaRPr>
+          </a:p>
+          <a:p>
+            <a:pPr marL="0" indent="0">
+              <a:buNone/>
+            </a:pPr>
+            <a:endParaRPr lang="de-DE" dirty="0">
+              <a:latin typeface="Times New Roman" panose="02020603050405020304" pitchFamily="18" charset="0"/>
+              <a:cs typeface="Times New Roman" panose="02020603050405020304" pitchFamily="18" charset="0"/>
+            </a:endParaRPr>
+          </a:p>
+        </p:txBody>
+      </p:sp>
+      <p:sp>
+        <p:nvSpPr>
+          <p:cNvPr id="10" name="Rechtwinkliges Dreieck 9"/>
+          <p:cNvSpPr/>
+          <p:nvPr/>
+        </p:nvSpPr>
+        <p:spPr>
+          <a:xfrm rot="16200000">
+            <a:off x="11452167" y="6130635"/>
+            <a:ext cx="773084" cy="706582"/>
+          </a:xfrm>
+          <a:prstGeom prst="rtTriangle">
+            <a:avLst/>
+          </a:prstGeom>
+          <a:solidFill>
+            <a:schemeClr val="accent6">
+              <a:lumMod val="50000"/>
+            </a:schemeClr>
+          </a:solidFill>
+          <a:ln>
+            <a:solidFill>
+              <a:schemeClr val="accent6">
+                <a:lumMod val="50000"/>
+              </a:schemeClr>
+            </a:solidFill>
+          </a:ln>
+        </p:spPr>
+        <p:style>
+          <a:lnRef idx="2">
+            <a:schemeClr val="accent1">
+              <a:shade val="50000"/>
+            </a:schemeClr>
+          </a:lnRef>
+          <a:fillRef idx="1">
+            <a:schemeClr val="accent1"/>
+          </a:fillRef>
+          <a:effectRef idx="0">
+            <a:schemeClr val="accent1"/>
+          </a:effectRef>
+          <a:fontRef idx="minor">
+            <a:schemeClr val="lt1"/>
+          </a:fontRef>
+        </p:style>
+        <p:txBody>
+          <a:bodyPr rtlCol="0" anchor="ctr"/>
+          <a:lstStyle/>
+          <a:p>
+            <a:pPr algn="ctr"/>
+            <a:endParaRPr lang="de-DE"/>
+          </a:p>
+        </p:txBody>
+      </p:sp>
+      <p:sp>
+        <p:nvSpPr>
+          <p:cNvPr id="13" name="Diagonaler Streifen 12"/>
+          <p:cNvSpPr/>
+          <p:nvPr/>
+        </p:nvSpPr>
+        <p:spPr>
+          <a:xfrm rot="10800000">
+            <a:off x="9324108" y="3756587"/>
+            <a:ext cx="2876204" cy="3117273"/>
+          </a:xfrm>
+          <a:prstGeom prst="diagStripe">
+            <a:avLst/>
+          </a:prstGeom>
+          <a:solidFill>
+            <a:schemeClr val="accent6">
+              <a:lumMod val="40000"/>
+              <a:lumOff val="60000"/>
+            </a:schemeClr>
+          </a:solidFill>
+          <a:ln>
+            <a:solidFill>
+              <a:schemeClr val="accent6">
+                <a:lumMod val="40000"/>
+                <a:lumOff val="60000"/>
+              </a:schemeClr>
+            </a:solidFill>
+          </a:ln>
+        </p:spPr>
+        <p:style>
+          <a:lnRef idx="2">
+            <a:schemeClr val="accent1">
+              <a:shade val="50000"/>
+            </a:schemeClr>
+          </a:lnRef>
+          <a:fillRef idx="1">
+            <a:schemeClr val="accent1"/>
+          </a:fillRef>
+          <a:effectRef idx="0">
+            <a:schemeClr val="accent1"/>
+          </a:effectRef>
+          <a:fontRef idx="minor">
+            <a:schemeClr val="lt1"/>
+          </a:fontRef>
+        </p:style>
+        <p:txBody>
+          <a:bodyPr rtlCol="0" anchor="ctr"/>
+          <a:lstStyle/>
+          <a:p>
+            <a:pPr algn="ctr"/>
+            <a:endParaRPr lang="de-DE">
+              <a:solidFill>
+                <a:schemeClr val="tx1"/>
+              </a:solidFill>
+            </a:endParaRPr>
+          </a:p>
+        </p:txBody>
+      </p:sp>
+      <p:sp>
+        <p:nvSpPr>
+          <p:cNvPr id="12" name="Diagonaler Streifen 11"/>
+          <p:cNvSpPr/>
+          <p:nvPr/>
+        </p:nvSpPr>
+        <p:spPr>
+          <a:xfrm rot="10800000">
+            <a:off x="9972501" y="4429919"/>
+            <a:ext cx="2219498" cy="2419004"/>
+          </a:xfrm>
+          <a:prstGeom prst="diagStripe">
+            <a:avLst/>
+          </a:prstGeom>
+          <a:solidFill>
+            <a:schemeClr val="accent6">
+              <a:lumMod val="60000"/>
+              <a:lumOff val="40000"/>
+            </a:schemeClr>
+          </a:solidFill>
+          <a:ln>
+            <a:solidFill>
+              <a:schemeClr val="accent6">
+                <a:lumMod val="60000"/>
+                <a:lumOff val="40000"/>
+              </a:schemeClr>
+            </a:solidFill>
+          </a:ln>
+        </p:spPr>
+        <p:style>
+          <a:lnRef idx="2">
+            <a:schemeClr val="accent1">
+              <a:shade val="50000"/>
+            </a:schemeClr>
+          </a:lnRef>
+          <a:fillRef idx="1">
+            <a:schemeClr val="accent1"/>
+          </a:fillRef>
+          <a:effectRef idx="0">
+            <a:schemeClr val="accent1"/>
+          </a:effectRef>
+          <a:fontRef idx="minor">
+            <a:schemeClr val="lt1"/>
+          </a:fontRef>
+        </p:style>
+        <p:txBody>
+          <a:bodyPr rtlCol="0" anchor="ctr"/>
+          <a:lstStyle/>
+          <a:p>
+            <a:pPr algn="ctr"/>
+            <a:endParaRPr lang="de-DE">
+              <a:solidFill>
+                <a:schemeClr val="tx1"/>
+              </a:solidFill>
+            </a:endParaRPr>
+          </a:p>
+        </p:txBody>
+      </p:sp>
+      <p:sp>
+        <p:nvSpPr>
+          <p:cNvPr id="11" name="Diagonaler Streifen 10"/>
+          <p:cNvSpPr/>
+          <p:nvPr/>
+        </p:nvSpPr>
+        <p:spPr>
+          <a:xfrm rot="10800000">
+            <a:off x="10762210" y="5311833"/>
+            <a:ext cx="1429789" cy="1546167"/>
+          </a:xfrm>
+          <a:prstGeom prst="diagStripe">
+            <a:avLst/>
+          </a:prstGeom>
+          <a:solidFill>
+            <a:schemeClr val="accent6">
+              <a:lumMod val="75000"/>
+            </a:schemeClr>
+          </a:solidFill>
+          <a:ln>
+            <a:solidFill>
+              <a:schemeClr val="accent6">
+                <a:lumMod val="75000"/>
+              </a:schemeClr>
+            </a:solidFill>
+          </a:ln>
+        </p:spPr>
+        <p:style>
+          <a:lnRef idx="2">
+            <a:schemeClr val="accent1">
+              <a:shade val="50000"/>
+            </a:schemeClr>
+          </a:lnRef>
+          <a:fillRef idx="1">
+            <a:schemeClr val="accent1"/>
+          </a:fillRef>
+          <a:effectRef idx="0">
+            <a:schemeClr val="accent1"/>
+          </a:effectRef>
+          <a:fontRef idx="minor">
+            <a:schemeClr val="lt1"/>
+          </a:fontRef>
+        </p:style>
+        <p:txBody>
+          <a:bodyPr rtlCol="0" anchor="ctr"/>
+          <a:lstStyle/>
+          <a:p>
+            <a:pPr algn="ctr"/>
+            <a:endParaRPr lang="de-DE">
+              <a:solidFill>
+                <a:schemeClr val="tx1"/>
+              </a:solidFill>
+            </a:endParaRPr>
+          </a:p>
+        </p:txBody>
+      </p:sp>
+      <p:sp>
+        <p:nvSpPr>
+          <p:cNvPr id="5" name="Diagonaler Streifen 4"/>
+          <p:cNvSpPr/>
+          <p:nvPr/>
+        </p:nvSpPr>
+        <p:spPr>
+          <a:xfrm>
+            <a:off x="0" y="0"/>
+            <a:ext cx="1429789" cy="1546167"/>
+          </a:xfrm>
+          <a:prstGeom prst="diagStripe">
+            <a:avLst/>
+          </a:prstGeom>
+          <a:solidFill>
+            <a:schemeClr val="accent6">
+              <a:lumMod val="75000"/>
+            </a:schemeClr>
+          </a:solidFill>
+          <a:ln>
+            <a:solidFill>
+              <a:schemeClr val="accent6">
+                <a:lumMod val="75000"/>
+              </a:schemeClr>
+            </a:solidFill>
+          </a:ln>
+        </p:spPr>
+        <p:style>
+          <a:lnRef idx="2">
+            <a:schemeClr val="accent1">
+              <a:shade val="50000"/>
+            </a:schemeClr>
+          </a:lnRef>
+          <a:fillRef idx="1">
+            <a:schemeClr val="accent1"/>
+          </a:fillRef>
+          <a:effectRef idx="0">
+            <a:schemeClr val="accent1"/>
+          </a:effectRef>
+          <a:fontRef idx="minor">
+            <a:schemeClr val="lt1"/>
+          </a:fontRef>
+        </p:style>
+        <p:txBody>
+          <a:bodyPr rtlCol="0" anchor="ctr"/>
+          <a:lstStyle/>
+          <a:p>
+            <a:pPr algn="ctr"/>
+            <a:endParaRPr lang="de-DE">
+              <a:solidFill>
+                <a:schemeClr val="tx1"/>
+              </a:solidFill>
+            </a:endParaRPr>
+          </a:p>
+        </p:txBody>
+      </p:sp>
+      <p:pic>
+        <p:nvPicPr>
+          <p:cNvPr id="23" name="Grafik 22"/>
+          <p:cNvPicPr/>
+          <p:nvPr/>
+        </p:nvPicPr>
+        <p:blipFill rotWithShape="1">
+          <a:blip r:embed="rId2" cstate="print">
+            <a:extLst>
+              <a:ext uri="{28A0092B-C50C-407E-A947-70E740481C1C}">
+                <a14:useLocalDpi xmlns:a14="http://schemas.microsoft.com/office/drawing/2010/main" val="0"/>
+              </a:ext>
+            </a:extLst>
+          </a:blip>
+          <a:srcRect l="60394" t="3519" r="8253" b="-3519"/>
+          <a:stretch/>
+        </p:blipFill>
+        <p:spPr>
+          <a:xfrm>
+            <a:off x="9032033" y="24271"/>
+            <a:ext cx="2179065" cy="1181100"/>
+          </a:xfrm>
+          <a:prstGeom prst="rect">
+            <a:avLst/>
+          </a:prstGeom>
+        </p:spPr>
+      </p:pic>
+      <p:graphicFrame>
+        <p:nvGraphicFramePr>
+          <p:cNvPr id="7" name="Diagramm 6"/>
+          <p:cNvGraphicFramePr/>
+          <p:nvPr>
+            <p:extLst>
+              <p:ext uri="{D42A27DB-BD31-4B8C-83A1-F6EECF244321}">
                 <p14:modId xmlns:p14="http://schemas.microsoft.com/office/powerpoint/2010/main" val="2185617838"/>
               </p:ext>
             </p:extLst>
@@ -27820,7 +25681,7 @@
 </p:sld>
 </file>
 
-<file path=ppt/slides/slide11.xml><?xml version="1.0" encoding="utf-8"?>
+<file path=ppt/slides/slide12.xml><?xml version="1.0" encoding="utf-8"?>
 <p:sld xmlns:a="http://schemas.openxmlformats.org/drawingml/2006/main" xmlns:r="http://schemas.openxmlformats.org/officeDocument/2006/relationships" xmlns:p="http://schemas.openxmlformats.org/presentationml/2006/main">
   <p:cSld>
     <p:spTree>
@@ -28641,7 +26502,7 @@
 </p:sld>
 </file>
 
-<file path=ppt/slides/slide12.xml><?xml version="1.0" encoding="utf-8"?>
+<file path=ppt/slides/slide13.xml><?xml version="1.0" encoding="utf-8"?>
 <p:sld xmlns:a="http://schemas.openxmlformats.org/drawingml/2006/main" xmlns:r="http://schemas.openxmlformats.org/officeDocument/2006/relationships" xmlns:p="http://schemas.openxmlformats.org/presentationml/2006/main">
   <p:cSld>
     <p:spTree>
@@ -29399,7 +27260,7 @@
 </p:sld>
 </file>
 
-<file path=ppt/slides/slide13.xml><?xml version="1.0" encoding="utf-8"?>
+<file path=ppt/slides/slide14.xml><?xml version="1.0" encoding="utf-8"?>
 <p:sld xmlns:a="http://schemas.openxmlformats.org/drawingml/2006/main" xmlns:r="http://schemas.openxmlformats.org/officeDocument/2006/relationships" xmlns:p="http://schemas.openxmlformats.org/presentationml/2006/main">
   <p:cSld>
     <p:spTree>
@@ -30085,7 +27946,7 @@
 </p:sld>
 </file>
 
-<file path=ppt/slides/slide14.xml><?xml version="1.0" encoding="utf-8"?>
+<file path=ppt/slides/slide15.xml><?xml version="1.0" encoding="utf-8"?>
 <p:sld xmlns:a="http://schemas.openxmlformats.org/drawingml/2006/main" xmlns:r="http://schemas.openxmlformats.org/officeDocument/2006/relationships" xmlns:p="http://schemas.openxmlformats.org/presentationml/2006/main">
   <p:cSld>
     <p:spTree>
@@ -31137,7 +28998,7 @@
 </p:sld>
 </file>
 
-<file path=ppt/slides/slide15.xml><?xml version="1.0" encoding="utf-8"?>
+<file path=ppt/slides/slide16.xml><?xml version="1.0" encoding="utf-8"?>
 <p:sld xmlns:a="http://schemas.openxmlformats.org/drawingml/2006/main" xmlns:r="http://schemas.openxmlformats.org/officeDocument/2006/relationships" xmlns:p="http://schemas.openxmlformats.org/presentationml/2006/main">
   <p:cSld>
     <p:spTree>
@@ -34568,6 +32429,792 @@
                 <a:latin typeface="Times New Roman" panose="02020603050405020304" pitchFamily="18" charset="0"/>
                 <a:cs typeface="Times New Roman" panose="02020603050405020304" pitchFamily="18" charset="0"/>
               </a:rPr>
+              <a:t>Controlling</a:t>
+            </a:r>
+            <a:endParaRPr lang="de-DE" dirty="0">
+              <a:latin typeface="Times New Roman" panose="02020603050405020304" pitchFamily="18" charset="0"/>
+              <a:cs typeface="Times New Roman" panose="02020603050405020304" pitchFamily="18" charset="0"/>
+            </a:endParaRPr>
+          </a:p>
+        </p:txBody>
+      </p:sp>
+      <p:sp>
+        <p:nvSpPr>
+          <p:cNvPr id="10" name="Rechtwinkliges Dreieck 9"/>
+          <p:cNvSpPr/>
+          <p:nvPr/>
+        </p:nvSpPr>
+        <p:spPr>
+          <a:xfrm rot="16200000">
+            <a:off x="11452167" y="6130635"/>
+            <a:ext cx="773084" cy="706582"/>
+          </a:xfrm>
+          <a:prstGeom prst="rtTriangle">
+            <a:avLst/>
+          </a:prstGeom>
+          <a:solidFill>
+            <a:schemeClr val="accent6">
+              <a:lumMod val="50000"/>
+            </a:schemeClr>
+          </a:solidFill>
+          <a:ln>
+            <a:solidFill>
+              <a:schemeClr val="accent6">
+                <a:lumMod val="50000"/>
+              </a:schemeClr>
+            </a:solidFill>
+          </a:ln>
+        </p:spPr>
+        <p:style>
+          <a:lnRef idx="2">
+            <a:schemeClr val="accent1">
+              <a:shade val="50000"/>
+            </a:schemeClr>
+          </a:lnRef>
+          <a:fillRef idx="1">
+            <a:schemeClr val="accent1"/>
+          </a:fillRef>
+          <a:effectRef idx="0">
+            <a:schemeClr val="accent1"/>
+          </a:effectRef>
+          <a:fontRef idx="minor">
+            <a:schemeClr val="lt1"/>
+          </a:fontRef>
+        </p:style>
+        <p:txBody>
+          <a:bodyPr rtlCol="0" anchor="ctr"/>
+          <a:lstStyle/>
+          <a:p>
+            <a:pPr algn="ctr"/>
+            <a:endParaRPr lang="de-DE"/>
+          </a:p>
+        </p:txBody>
+      </p:sp>
+      <p:sp>
+        <p:nvSpPr>
+          <p:cNvPr id="13" name="Diagonaler Streifen 12"/>
+          <p:cNvSpPr/>
+          <p:nvPr/>
+        </p:nvSpPr>
+        <p:spPr>
+          <a:xfrm rot="10800000">
+            <a:off x="9324108" y="3756587"/>
+            <a:ext cx="2876204" cy="3117273"/>
+          </a:xfrm>
+          <a:prstGeom prst="diagStripe">
+            <a:avLst/>
+          </a:prstGeom>
+          <a:solidFill>
+            <a:schemeClr val="accent6">
+              <a:lumMod val="40000"/>
+              <a:lumOff val="60000"/>
+            </a:schemeClr>
+          </a:solidFill>
+          <a:ln>
+            <a:solidFill>
+              <a:schemeClr val="accent6">
+                <a:lumMod val="40000"/>
+                <a:lumOff val="60000"/>
+              </a:schemeClr>
+            </a:solidFill>
+          </a:ln>
+        </p:spPr>
+        <p:style>
+          <a:lnRef idx="2">
+            <a:schemeClr val="accent1">
+              <a:shade val="50000"/>
+            </a:schemeClr>
+          </a:lnRef>
+          <a:fillRef idx="1">
+            <a:schemeClr val="accent1"/>
+          </a:fillRef>
+          <a:effectRef idx="0">
+            <a:schemeClr val="accent1"/>
+          </a:effectRef>
+          <a:fontRef idx="minor">
+            <a:schemeClr val="lt1"/>
+          </a:fontRef>
+        </p:style>
+        <p:txBody>
+          <a:bodyPr rtlCol="0" anchor="ctr"/>
+          <a:lstStyle/>
+          <a:p>
+            <a:pPr algn="ctr"/>
+            <a:endParaRPr lang="de-DE">
+              <a:solidFill>
+                <a:schemeClr val="tx1"/>
+              </a:solidFill>
+            </a:endParaRPr>
+          </a:p>
+        </p:txBody>
+      </p:sp>
+      <p:sp>
+        <p:nvSpPr>
+          <p:cNvPr id="12" name="Diagonaler Streifen 11"/>
+          <p:cNvSpPr/>
+          <p:nvPr/>
+        </p:nvSpPr>
+        <p:spPr>
+          <a:xfrm rot="10800000">
+            <a:off x="9972501" y="4429919"/>
+            <a:ext cx="2219498" cy="2419004"/>
+          </a:xfrm>
+          <a:prstGeom prst="diagStripe">
+            <a:avLst/>
+          </a:prstGeom>
+          <a:solidFill>
+            <a:schemeClr val="accent6">
+              <a:lumMod val="60000"/>
+              <a:lumOff val="40000"/>
+            </a:schemeClr>
+          </a:solidFill>
+          <a:ln>
+            <a:solidFill>
+              <a:schemeClr val="accent6">
+                <a:lumMod val="60000"/>
+                <a:lumOff val="40000"/>
+              </a:schemeClr>
+            </a:solidFill>
+          </a:ln>
+        </p:spPr>
+        <p:style>
+          <a:lnRef idx="2">
+            <a:schemeClr val="accent1">
+              <a:shade val="50000"/>
+            </a:schemeClr>
+          </a:lnRef>
+          <a:fillRef idx="1">
+            <a:schemeClr val="accent1"/>
+          </a:fillRef>
+          <a:effectRef idx="0">
+            <a:schemeClr val="accent1"/>
+          </a:effectRef>
+          <a:fontRef idx="minor">
+            <a:schemeClr val="lt1"/>
+          </a:fontRef>
+        </p:style>
+        <p:txBody>
+          <a:bodyPr rtlCol="0" anchor="ctr"/>
+          <a:lstStyle/>
+          <a:p>
+            <a:pPr algn="ctr"/>
+            <a:endParaRPr lang="de-DE">
+              <a:solidFill>
+                <a:schemeClr val="tx1"/>
+              </a:solidFill>
+            </a:endParaRPr>
+          </a:p>
+        </p:txBody>
+      </p:sp>
+      <p:sp>
+        <p:nvSpPr>
+          <p:cNvPr id="11" name="Diagonaler Streifen 10"/>
+          <p:cNvSpPr/>
+          <p:nvPr/>
+        </p:nvSpPr>
+        <p:spPr>
+          <a:xfrm rot="10800000">
+            <a:off x="10762210" y="5311833"/>
+            <a:ext cx="1429789" cy="1546167"/>
+          </a:xfrm>
+          <a:prstGeom prst="diagStripe">
+            <a:avLst/>
+          </a:prstGeom>
+          <a:solidFill>
+            <a:schemeClr val="accent6">
+              <a:lumMod val="75000"/>
+            </a:schemeClr>
+          </a:solidFill>
+          <a:ln>
+            <a:solidFill>
+              <a:schemeClr val="accent6">
+                <a:lumMod val="75000"/>
+              </a:schemeClr>
+            </a:solidFill>
+          </a:ln>
+        </p:spPr>
+        <p:style>
+          <a:lnRef idx="2">
+            <a:schemeClr val="accent1">
+              <a:shade val="50000"/>
+            </a:schemeClr>
+          </a:lnRef>
+          <a:fillRef idx="1">
+            <a:schemeClr val="accent1"/>
+          </a:fillRef>
+          <a:effectRef idx="0">
+            <a:schemeClr val="accent1"/>
+          </a:effectRef>
+          <a:fontRef idx="minor">
+            <a:schemeClr val="lt1"/>
+          </a:fontRef>
+        </p:style>
+        <p:txBody>
+          <a:bodyPr rtlCol="0" anchor="ctr"/>
+          <a:lstStyle/>
+          <a:p>
+            <a:pPr algn="ctr"/>
+            <a:endParaRPr lang="de-DE">
+              <a:solidFill>
+                <a:schemeClr val="tx1"/>
+              </a:solidFill>
+            </a:endParaRPr>
+          </a:p>
+        </p:txBody>
+      </p:sp>
+      <p:sp>
+        <p:nvSpPr>
+          <p:cNvPr id="5" name="Diagonaler Streifen 4"/>
+          <p:cNvSpPr/>
+          <p:nvPr/>
+        </p:nvSpPr>
+        <p:spPr>
+          <a:xfrm>
+            <a:off x="0" y="0"/>
+            <a:ext cx="1429789" cy="1546167"/>
+          </a:xfrm>
+          <a:prstGeom prst="diagStripe">
+            <a:avLst/>
+          </a:prstGeom>
+          <a:solidFill>
+            <a:schemeClr val="accent6">
+              <a:lumMod val="75000"/>
+            </a:schemeClr>
+          </a:solidFill>
+          <a:ln>
+            <a:solidFill>
+              <a:schemeClr val="accent6">
+                <a:lumMod val="75000"/>
+              </a:schemeClr>
+            </a:solidFill>
+          </a:ln>
+        </p:spPr>
+        <p:style>
+          <a:lnRef idx="2">
+            <a:schemeClr val="accent1">
+              <a:shade val="50000"/>
+            </a:schemeClr>
+          </a:lnRef>
+          <a:fillRef idx="1">
+            <a:schemeClr val="accent1"/>
+          </a:fillRef>
+          <a:effectRef idx="0">
+            <a:schemeClr val="accent1"/>
+          </a:effectRef>
+          <a:fontRef idx="minor">
+            <a:schemeClr val="lt1"/>
+          </a:fontRef>
+        </p:style>
+        <p:txBody>
+          <a:bodyPr rtlCol="0" anchor="ctr"/>
+          <a:lstStyle/>
+          <a:p>
+            <a:pPr algn="ctr"/>
+            <a:endParaRPr lang="de-DE">
+              <a:solidFill>
+                <a:schemeClr val="tx1"/>
+              </a:solidFill>
+            </a:endParaRPr>
+          </a:p>
+        </p:txBody>
+      </p:sp>
+      <p:pic>
+        <p:nvPicPr>
+          <p:cNvPr id="15" name="Grafik 14"/>
+          <p:cNvPicPr/>
+          <p:nvPr/>
+        </p:nvPicPr>
+        <p:blipFill rotWithShape="1">
+          <a:blip r:embed="rId2" cstate="print">
+            <a:extLst>
+              <a:ext uri="{28A0092B-C50C-407E-A947-70E740481C1C}">
+                <a14:useLocalDpi xmlns:a14="http://schemas.microsoft.com/office/drawing/2010/main" val="0"/>
+              </a:ext>
+            </a:extLst>
+          </a:blip>
+          <a:srcRect l="40870" t="3519" r="8253" b="-3519"/>
+          <a:stretch/>
+        </p:blipFill>
+        <p:spPr>
+          <a:xfrm>
+            <a:off x="7675101" y="24271"/>
+            <a:ext cx="3535997" cy="1181100"/>
+          </a:xfrm>
+          <a:prstGeom prst="rect">
+            <a:avLst/>
+          </a:prstGeom>
+        </p:spPr>
+      </p:pic>
+      <p:sp>
+        <p:nvSpPr>
+          <p:cNvPr id="3" name="Inhaltsplatzhalter 2"/>
+          <p:cNvSpPr>
+            <a:spLocks noGrp="1"/>
+          </p:cNvSpPr>
+          <p:nvPr>
+            <p:ph idx="1"/>
+          </p:nvPr>
+        </p:nvSpPr>
+        <p:spPr>
+          <a:xfrm>
+            <a:off x="1878226" y="1878703"/>
+            <a:ext cx="9475573" cy="4298260"/>
+          </a:xfrm>
+        </p:spPr>
+        <p:txBody>
+          <a:bodyPr/>
+          <a:lstStyle/>
+          <a:p>
+            <a:r>
+              <a:rPr lang="de-DE" dirty="0" smtClean="0">
+                <a:latin typeface="Times New Roman" panose="02020603050405020304" pitchFamily="18" charset="0"/>
+                <a:cs typeface="Times New Roman" panose="02020603050405020304" pitchFamily="18" charset="0"/>
+              </a:rPr>
+              <a:t>G8 Ausbildung: </a:t>
+            </a:r>
+          </a:p>
+          <a:p>
+            <a:pPr marL="0" indent="0">
+              <a:buNone/>
+            </a:pPr>
+            <a:r>
+              <a:rPr lang="de-DE" dirty="0" smtClean="0">
+                <a:latin typeface="Times New Roman" panose="02020603050405020304" pitchFamily="18" charset="0"/>
+                <a:cs typeface="Times New Roman" panose="02020603050405020304" pitchFamily="18" charset="0"/>
+              </a:rPr>
+              <a:t>          Kanada </a:t>
+            </a:r>
+            <a:r>
+              <a:rPr lang="de-DE" dirty="0" smtClean="0">
+                <a:latin typeface="Times New Roman" panose="02020603050405020304" pitchFamily="18" charset="0"/>
+                <a:cs typeface="Times New Roman" panose="02020603050405020304" pitchFamily="18" charset="0"/>
+                <a:sym typeface="Wingdings" panose="05000000000000000000" pitchFamily="2" charset="2"/>
+              </a:rPr>
+              <a:t> Berufsvereinigung </a:t>
+            </a:r>
+          </a:p>
+          <a:p>
+            <a:pPr marL="0" indent="0">
+              <a:buNone/>
+            </a:pPr>
+            <a:r>
+              <a:rPr lang="de-DE" dirty="0" smtClean="0">
+                <a:latin typeface="Times New Roman" panose="02020603050405020304" pitchFamily="18" charset="0"/>
+                <a:cs typeface="Times New Roman" panose="02020603050405020304" pitchFamily="18" charset="0"/>
+                <a:sym typeface="Wingdings" panose="05000000000000000000" pitchFamily="2" charset="2"/>
+              </a:rPr>
+              <a:t>          Deutschland  Universitäten</a:t>
+            </a:r>
+          </a:p>
+          <a:p>
+            <a:pPr marL="0" indent="0">
+              <a:buNone/>
+            </a:pPr>
+            <a:r>
+              <a:rPr lang="de-DE" dirty="0">
+                <a:latin typeface="Times New Roman" panose="02020603050405020304" pitchFamily="18" charset="0"/>
+                <a:cs typeface="Times New Roman" panose="02020603050405020304" pitchFamily="18" charset="0"/>
+                <a:sym typeface="Wingdings" panose="05000000000000000000" pitchFamily="2" charset="2"/>
+              </a:rPr>
+              <a:t> </a:t>
+            </a:r>
+            <a:r>
+              <a:rPr lang="de-DE" dirty="0" smtClean="0">
+                <a:latin typeface="Times New Roman" panose="02020603050405020304" pitchFamily="18" charset="0"/>
+                <a:cs typeface="Times New Roman" panose="02020603050405020304" pitchFamily="18" charset="0"/>
+                <a:sym typeface="Wingdings" panose="05000000000000000000" pitchFamily="2" charset="2"/>
+              </a:rPr>
+              <a:t>         Japan  Unternehmen</a:t>
+            </a:r>
+          </a:p>
+          <a:p>
+            <a:pPr marL="0" indent="0">
+              <a:buNone/>
+            </a:pPr>
+            <a:endParaRPr lang="de-DE" dirty="0" smtClean="0">
+              <a:latin typeface="Times New Roman" panose="02020603050405020304" pitchFamily="18" charset="0"/>
+              <a:cs typeface="Times New Roman" panose="02020603050405020304" pitchFamily="18" charset="0"/>
+              <a:sym typeface="Wingdings" panose="05000000000000000000" pitchFamily="2" charset="2"/>
+            </a:endParaRPr>
+          </a:p>
+          <a:p>
+            <a:r>
+              <a:rPr lang="de-DE" dirty="0" smtClean="0">
+                <a:latin typeface="Times New Roman" panose="02020603050405020304" pitchFamily="18" charset="0"/>
+                <a:cs typeface="Times New Roman" panose="02020603050405020304" pitchFamily="18" charset="0"/>
+                <a:sym typeface="Wingdings" panose="05000000000000000000" pitchFamily="2" charset="2"/>
+              </a:rPr>
+              <a:t>Unterschiedliches Ansehen durch Aufgabenbereiche</a:t>
+            </a:r>
+          </a:p>
+          <a:p>
+            <a:endParaRPr lang="de-DE" dirty="0">
+              <a:latin typeface="Times New Roman" panose="02020603050405020304" pitchFamily="18" charset="0"/>
+              <a:cs typeface="Times New Roman" panose="02020603050405020304" pitchFamily="18" charset="0"/>
+              <a:sym typeface="Wingdings" panose="05000000000000000000" pitchFamily="2" charset="2"/>
+            </a:endParaRPr>
+          </a:p>
+          <a:p>
+            <a:r>
+              <a:rPr lang="de-DE" dirty="0" smtClean="0">
+                <a:latin typeface="Times New Roman" panose="02020603050405020304" pitchFamily="18" charset="0"/>
+                <a:cs typeface="Times New Roman" panose="02020603050405020304" pitchFamily="18" charset="0"/>
+              </a:rPr>
+              <a:t>Vormarsch des Controllers als Business Partner</a:t>
+            </a:r>
+            <a:endParaRPr lang="de-DE" dirty="0">
+              <a:latin typeface="Times New Roman" panose="02020603050405020304" pitchFamily="18" charset="0"/>
+              <a:cs typeface="Times New Roman" panose="02020603050405020304" pitchFamily="18" charset="0"/>
+            </a:endParaRPr>
+          </a:p>
+        </p:txBody>
+      </p:sp>
+    </p:spTree>
+    <p:extLst>
+      <p:ext uri="{BB962C8B-B14F-4D97-AF65-F5344CB8AC3E}">
+        <p14:creationId xmlns:p14="http://schemas.microsoft.com/office/powerpoint/2010/main" val="1371434033"/>
+      </p:ext>
+    </p:extLst>
+  </p:cSld>
+  <p:clrMapOvr>
+    <a:masterClrMapping/>
+  </p:clrMapOvr>
+  <p:timing>
+    <p:tnLst>
+      <p:par>
+        <p:cTn id="1" dur="indefinite" restart="never" nodeType="tmRoot"/>
+      </p:par>
+    </p:tnLst>
+  </p:timing>
+</p:sld>
+</file>
+
+<file path=ppt/slides/slide6.xml><?xml version="1.0" encoding="utf-8"?>
+<p:sld xmlns:a="http://schemas.openxmlformats.org/drawingml/2006/main" xmlns:r="http://schemas.openxmlformats.org/officeDocument/2006/relationships" xmlns:p="http://schemas.openxmlformats.org/presentationml/2006/main">
+  <p:cSld>
+    <p:spTree>
+      <p:nvGrpSpPr>
+        <p:cNvPr id="1" name=""/>
+        <p:cNvGrpSpPr/>
+        <p:nvPr/>
+      </p:nvGrpSpPr>
+      <p:grpSpPr>
+        <a:xfrm>
+          <a:off x="0" y="0"/>
+          <a:ext cx="0" cy="0"/>
+          <a:chOff x="0" y="0"/>
+          <a:chExt cx="0" cy="0"/>
+        </a:xfrm>
+      </p:grpSpPr>
+      <p:sp>
+        <p:nvSpPr>
+          <p:cNvPr id="9" name="Diagonaler Streifen 8"/>
+          <p:cNvSpPr/>
+          <p:nvPr/>
+        </p:nvSpPr>
+        <p:spPr>
+          <a:xfrm>
+            <a:off x="1" y="0"/>
+            <a:ext cx="3458094" cy="3898668"/>
+          </a:xfrm>
+          <a:prstGeom prst="diagStripe">
+            <a:avLst/>
+          </a:prstGeom>
+          <a:solidFill>
+            <a:schemeClr val="accent6">
+              <a:lumMod val="20000"/>
+              <a:lumOff val="80000"/>
+            </a:schemeClr>
+          </a:solidFill>
+          <a:ln>
+            <a:solidFill>
+              <a:schemeClr val="accent6">
+                <a:lumMod val="20000"/>
+                <a:lumOff val="80000"/>
+              </a:schemeClr>
+            </a:solidFill>
+          </a:ln>
+        </p:spPr>
+        <p:style>
+          <a:lnRef idx="2">
+            <a:schemeClr val="accent1">
+              <a:shade val="50000"/>
+            </a:schemeClr>
+          </a:lnRef>
+          <a:fillRef idx="1">
+            <a:schemeClr val="accent1"/>
+          </a:fillRef>
+          <a:effectRef idx="0">
+            <a:schemeClr val="accent1"/>
+          </a:effectRef>
+          <a:fontRef idx="minor">
+            <a:schemeClr val="lt1"/>
+          </a:fontRef>
+        </p:style>
+        <p:txBody>
+          <a:bodyPr rtlCol="0" anchor="ctr"/>
+          <a:lstStyle/>
+          <a:p>
+            <a:pPr algn="ctr"/>
+            <a:endParaRPr lang="de-DE">
+              <a:solidFill>
+                <a:schemeClr val="tx1"/>
+              </a:solidFill>
+            </a:endParaRPr>
+          </a:p>
+        </p:txBody>
+      </p:sp>
+      <p:sp>
+        <p:nvSpPr>
+          <p:cNvPr id="8" name="Diagonaler Streifen 7"/>
+          <p:cNvSpPr/>
+          <p:nvPr/>
+        </p:nvSpPr>
+        <p:spPr>
+          <a:xfrm>
+            <a:off x="1" y="0"/>
+            <a:ext cx="2876204" cy="3117273"/>
+          </a:xfrm>
+          <a:prstGeom prst="diagStripe">
+            <a:avLst/>
+          </a:prstGeom>
+          <a:solidFill>
+            <a:schemeClr val="accent6">
+              <a:lumMod val="40000"/>
+              <a:lumOff val="60000"/>
+            </a:schemeClr>
+          </a:solidFill>
+          <a:ln>
+            <a:solidFill>
+              <a:schemeClr val="accent6">
+                <a:lumMod val="40000"/>
+                <a:lumOff val="60000"/>
+              </a:schemeClr>
+            </a:solidFill>
+          </a:ln>
+        </p:spPr>
+        <p:style>
+          <a:lnRef idx="2">
+            <a:schemeClr val="accent1">
+              <a:shade val="50000"/>
+            </a:schemeClr>
+          </a:lnRef>
+          <a:fillRef idx="1">
+            <a:schemeClr val="accent1"/>
+          </a:fillRef>
+          <a:effectRef idx="0">
+            <a:schemeClr val="accent1"/>
+          </a:effectRef>
+          <a:fontRef idx="minor">
+            <a:schemeClr val="lt1"/>
+          </a:fontRef>
+        </p:style>
+        <p:txBody>
+          <a:bodyPr rtlCol="0" anchor="ctr"/>
+          <a:lstStyle/>
+          <a:p>
+            <a:pPr algn="ctr"/>
+            <a:endParaRPr lang="de-DE">
+              <a:solidFill>
+                <a:schemeClr val="tx1"/>
+              </a:solidFill>
+            </a:endParaRPr>
+          </a:p>
+        </p:txBody>
+      </p:sp>
+      <p:sp>
+        <p:nvSpPr>
+          <p:cNvPr id="4" name="Diagonaler Streifen 3"/>
+          <p:cNvSpPr/>
+          <p:nvPr/>
+        </p:nvSpPr>
+        <p:spPr>
+          <a:xfrm>
+            <a:off x="0" y="0"/>
+            <a:ext cx="2219498" cy="2419004"/>
+          </a:xfrm>
+          <a:prstGeom prst="diagStripe">
+            <a:avLst/>
+          </a:prstGeom>
+          <a:solidFill>
+            <a:schemeClr val="accent6">
+              <a:lumMod val="60000"/>
+              <a:lumOff val="40000"/>
+            </a:schemeClr>
+          </a:solidFill>
+          <a:ln>
+            <a:solidFill>
+              <a:schemeClr val="accent6">
+                <a:lumMod val="60000"/>
+                <a:lumOff val="40000"/>
+              </a:schemeClr>
+            </a:solidFill>
+          </a:ln>
+        </p:spPr>
+        <p:style>
+          <a:lnRef idx="2">
+            <a:schemeClr val="accent1">
+              <a:shade val="50000"/>
+            </a:schemeClr>
+          </a:lnRef>
+          <a:fillRef idx="1">
+            <a:schemeClr val="accent1"/>
+          </a:fillRef>
+          <a:effectRef idx="0">
+            <a:schemeClr val="accent1"/>
+          </a:effectRef>
+          <a:fontRef idx="minor">
+            <a:schemeClr val="lt1"/>
+          </a:fontRef>
+        </p:style>
+        <p:txBody>
+          <a:bodyPr rtlCol="0" anchor="ctr"/>
+          <a:lstStyle/>
+          <a:p>
+            <a:pPr algn="ctr"/>
+            <a:endParaRPr lang="de-DE">
+              <a:solidFill>
+                <a:schemeClr val="tx1"/>
+              </a:solidFill>
+            </a:endParaRPr>
+          </a:p>
+        </p:txBody>
+      </p:sp>
+      <p:sp>
+        <p:nvSpPr>
+          <p:cNvPr id="6" name="Rechtwinkliges Dreieck 5"/>
+          <p:cNvSpPr/>
+          <p:nvPr/>
+        </p:nvSpPr>
+        <p:spPr>
+          <a:xfrm rot="5400000">
+            <a:off x="-33252" y="33250"/>
+            <a:ext cx="773084" cy="706582"/>
+          </a:xfrm>
+          <a:prstGeom prst="rtTriangle">
+            <a:avLst/>
+          </a:prstGeom>
+          <a:solidFill>
+            <a:schemeClr val="accent6">
+              <a:lumMod val="50000"/>
+            </a:schemeClr>
+          </a:solidFill>
+          <a:ln>
+            <a:solidFill>
+              <a:schemeClr val="accent6">
+                <a:lumMod val="50000"/>
+              </a:schemeClr>
+            </a:solidFill>
+          </a:ln>
+        </p:spPr>
+        <p:style>
+          <a:lnRef idx="2">
+            <a:schemeClr val="accent1">
+              <a:shade val="50000"/>
+            </a:schemeClr>
+          </a:lnRef>
+          <a:fillRef idx="1">
+            <a:schemeClr val="accent1"/>
+          </a:fillRef>
+          <a:effectRef idx="0">
+            <a:schemeClr val="accent1"/>
+          </a:effectRef>
+          <a:fontRef idx="minor">
+            <a:schemeClr val="lt1"/>
+          </a:fontRef>
+        </p:style>
+        <p:txBody>
+          <a:bodyPr rtlCol="0" anchor="ctr"/>
+          <a:lstStyle/>
+          <a:p>
+            <a:pPr algn="ctr"/>
+            <a:endParaRPr lang="de-DE"/>
+          </a:p>
+        </p:txBody>
+      </p:sp>
+      <p:sp>
+        <p:nvSpPr>
+          <p:cNvPr id="14" name="Diagonaler Streifen 13"/>
+          <p:cNvSpPr/>
+          <p:nvPr/>
+        </p:nvSpPr>
+        <p:spPr>
+          <a:xfrm rot="10800000">
+            <a:off x="8733905" y="2971800"/>
+            <a:ext cx="3458094" cy="3898668"/>
+          </a:xfrm>
+          <a:prstGeom prst="diagStripe">
+            <a:avLst/>
+          </a:prstGeom>
+          <a:solidFill>
+            <a:schemeClr val="accent6">
+              <a:lumMod val="20000"/>
+              <a:lumOff val="80000"/>
+            </a:schemeClr>
+          </a:solidFill>
+          <a:ln>
+            <a:solidFill>
+              <a:schemeClr val="accent6">
+                <a:lumMod val="20000"/>
+                <a:lumOff val="80000"/>
+              </a:schemeClr>
+            </a:solidFill>
+          </a:ln>
+        </p:spPr>
+        <p:style>
+          <a:lnRef idx="2">
+            <a:schemeClr val="accent1">
+              <a:shade val="50000"/>
+            </a:schemeClr>
+          </a:lnRef>
+          <a:fillRef idx="1">
+            <a:schemeClr val="accent1"/>
+          </a:fillRef>
+          <a:effectRef idx="0">
+            <a:schemeClr val="accent1"/>
+          </a:effectRef>
+          <a:fontRef idx="minor">
+            <a:schemeClr val="lt1"/>
+          </a:fontRef>
+        </p:style>
+        <p:txBody>
+          <a:bodyPr rtlCol="0" anchor="ctr"/>
+          <a:lstStyle/>
+          <a:p>
+            <a:pPr algn="ctr"/>
+            <a:endParaRPr lang="de-DE">
+              <a:solidFill>
+                <a:schemeClr val="tx1"/>
+              </a:solidFill>
+            </a:endParaRPr>
+          </a:p>
+        </p:txBody>
+      </p:sp>
+      <p:sp>
+        <p:nvSpPr>
+          <p:cNvPr id="2" name="Titel 1"/>
+          <p:cNvSpPr>
+            <a:spLocks noGrp="1"/>
+          </p:cNvSpPr>
+          <p:nvPr>
+            <p:ph type="title"/>
+          </p:nvPr>
+        </p:nvSpPr>
+        <p:spPr>
+          <a:xfrm>
+            <a:off x="3956857" y="233073"/>
+            <a:ext cx="8116609" cy="1325563"/>
+          </a:xfrm>
+        </p:spPr>
+        <p:txBody>
+          <a:bodyPr anchor="ctr"/>
+          <a:lstStyle/>
+          <a:p>
+            <a:r>
+              <a:rPr lang="de-DE" dirty="0" smtClean="0">
+                <a:latin typeface="Times New Roman" panose="02020603050405020304" pitchFamily="18" charset="0"/>
+                <a:cs typeface="Times New Roman" panose="02020603050405020304" pitchFamily="18" charset="0"/>
+              </a:rPr>
               <a:t>KMU</a:t>
             </a:r>
             <a:endParaRPr lang="de-DE" dirty="0">
@@ -35670,7 +34317,7 @@
 </p:sld>
 </file>
 
-<file path=ppt/slides/slide6.xml><?xml version="1.0" encoding="utf-8"?>
+<file path=ppt/slides/slide7.xml><?xml version="1.0" encoding="utf-8"?>
 <p:sld xmlns:a="http://schemas.openxmlformats.org/drawingml/2006/main" xmlns:r="http://schemas.openxmlformats.org/officeDocument/2006/relationships" xmlns:p="http://schemas.openxmlformats.org/presentationml/2006/main">
   <p:cSld>
     <p:spTree>
@@ -36340,28 +34987,28 @@
                 <a:gridCol w="2032000">
                   <a:extLst>
                     <a:ext uri="{9D8B030D-6E8A-4147-A177-3AD203B41FA5}">
-                      <a16:colId xmlns="" xmlns:a16="http://schemas.microsoft.com/office/drawing/2014/main" val="3321591218"/>
+                      <a16:colId xmlns:a16="http://schemas.microsoft.com/office/drawing/2014/main" xmlns="" val="3321591218"/>
                     </a:ext>
                   </a:extLst>
                 </a:gridCol>
                 <a:gridCol w="2032000">
                   <a:extLst>
                     <a:ext uri="{9D8B030D-6E8A-4147-A177-3AD203B41FA5}">
-                      <a16:colId xmlns="" xmlns:a16="http://schemas.microsoft.com/office/drawing/2014/main" val="3684059170"/>
+                      <a16:colId xmlns:a16="http://schemas.microsoft.com/office/drawing/2014/main" xmlns="" val="3684059170"/>
                     </a:ext>
                   </a:extLst>
                 </a:gridCol>
                 <a:gridCol w="2032000">
                   <a:extLst>
                     <a:ext uri="{9D8B030D-6E8A-4147-A177-3AD203B41FA5}">
-                      <a16:colId xmlns="" xmlns:a16="http://schemas.microsoft.com/office/drawing/2014/main" val="3456625026"/>
+                      <a16:colId xmlns:a16="http://schemas.microsoft.com/office/drawing/2014/main" xmlns="" val="3456625026"/>
                     </a:ext>
                   </a:extLst>
                 </a:gridCol>
                 <a:gridCol w="2032000">
                   <a:extLst>
                     <a:ext uri="{9D8B030D-6E8A-4147-A177-3AD203B41FA5}">
-                      <a16:colId xmlns="" xmlns:a16="http://schemas.microsoft.com/office/drawing/2014/main" val="813601742"/>
+                      <a16:colId xmlns:a16="http://schemas.microsoft.com/office/drawing/2014/main" xmlns="" val="813601742"/>
                     </a:ext>
                   </a:extLst>
                 </a:gridCol>
@@ -36467,7 +35114,7 @@
                 </a:tc>
                 <a:extLst>
                   <a:ext uri="{0D108BD9-81ED-4DB2-BD59-A6C34878D82A}">
-                    <a16:rowId xmlns="" xmlns:a16="http://schemas.microsoft.com/office/drawing/2014/main" val="3822178633"/>
+                    <a16:rowId xmlns:a16="http://schemas.microsoft.com/office/drawing/2014/main" xmlns="" val="3822178633"/>
                   </a:ext>
                 </a:extLst>
               </a:tr>
@@ -36550,7 +35197,7 @@
                 </a:tc>
                 <a:extLst>
                   <a:ext uri="{0D108BD9-81ED-4DB2-BD59-A6C34878D82A}">
-                    <a16:rowId xmlns="" xmlns:a16="http://schemas.microsoft.com/office/drawing/2014/main" val="3382510406"/>
+                    <a16:rowId xmlns:a16="http://schemas.microsoft.com/office/drawing/2014/main" xmlns="" val="3382510406"/>
                   </a:ext>
                 </a:extLst>
               </a:tr>
@@ -36633,7 +35280,7 @@
                 </a:tc>
                 <a:extLst>
                   <a:ext uri="{0D108BD9-81ED-4DB2-BD59-A6C34878D82A}">
-                    <a16:rowId xmlns="" xmlns:a16="http://schemas.microsoft.com/office/drawing/2014/main" val="3355992114"/>
+                    <a16:rowId xmlns:a16="http://schemas.microsoft.com/office/drawing/2014/main" xmlns="" val="3355992114"/>
                   </a:ext>
                 </a:extLst>
               </a:tr>
@@ -36716,7 +35363,7 @@
                 </a:tc>
                 <a:extLst>
                   <a:ext uri="{0D108BD9-81ED-4DB2-BD59-A6C34878D82A}">
-                    <a16:rowId xmlns="" xmlns:a16="http://schemas.microsoft.com/office/drawing/2014/main" val="3503118443"/>
+                    <a16:rowId xmlns:a16="http://schemas.microsoft.com/office/drawing/2014/main" xmlns="" val="3503118443"/>
                   </a:ext>
                 </a:extLst>
               </a:tr>
@@ -36799,7 +35446,7 @@
                 </a:tc>
                 <a:extLst>
                   <a:ext uri="{0D108BD9-81ED-4DB2-BD59-A6C34878D82A}">
-                    <a16:rowId xmlns="" xmlns:a16="http://schemas.microsoft.com/office/drawing/2014/main" val="1179356134"/>
+                    <a16:rowId xmlns:a16="http://schemas.microsoft.com/office/drawing/2014/main" xmlns="" val="1179356134"/>
                   </a:ext>
                 </a:extLst>
               </a:tr>
@@ -36882,7 +35529,7 @@
                 </a:tc>
                 <a:extLst>
                   <a:ext uri="{0D108BD9-81ED-4DB2-BD59-A6C34878D82A}">
-                    <a16:rowId xmlns="" xmlns:a16="http://schemas.microsoft.com/office/drawing/2014/main" val="1575643465"/>
+                    <a16:rowId xmlns:a16="http://schemas.microsoft.com/office/drawing/2014/main" xmlns="" val="1575643465"/>
                   </a:ext>
                 </a:extLst>
               </a:tr>
@@ -36941,7 +35588,7 @@
 </p:sld>
 </file>
 
-<file path=ppt/slides/slide7.xml><?xml version="1.0" encoding="utf-8"?>
+<file path=ppt/slides/slide8.xml><?xml version="1.0" encoding="utf-8"?>
 <p:sld xmlns:a="http://schemas.openxmlformats.org/drawingml/2006/main" xmlns:r="http://schemas.openxmlformats.org/officeDocument/2006/relationships" xmlns:p="http://schemas.openxmlformats.org/presentationml/2006/main">
   <p:cSld>
     <p:spTree>
@@ -37737,7 +36384,7 @@
 </p:sld>
 </file>
 
-<file path=ppt/slides/slide8.xml><?xml version="1.0" encoding="utf-8"?>
+<file path=ppt/slides/slide9.xml><?xml version="1.0" encoding="utf-8"?>
 <p:sld xmlns:a="http://schemas.openxmlformats.org/drawingml/2006/main" xmlns:r="http://schemas.openxmlformats.org/officeDocument/2006/relationships" xmlns:p="http://schemas.openxmlformats.org/presentationml/2006/main">
   <p:cSld>
     <p:spTree>
@@ -38534,752 +37181,6 @@
 </p:sld>
 </file>
 
-<file path=ppt/slides/slide9.xml><?xml version="1.0" encoding="utf-8"?>
-<p:sld xmlns:a="http://schemas.openxmlformats.org/drawingml/2006/main" xmlns:r="http://schemas.openxmlformats.org/officeDocument/2006/relationships" xmlns:p="http://schemas.openxmlformats.org/presentationml/2006/main">
-  <p:cSld>
-    <p:spTree>
-      <p:nvGrpSpPr>
-        <p:cNvPr id="1" name=""/>
-        <p:cNvGrpSpPr/>
-        <p:nvPr/>
-      </p:nvGrpSpPr>
-      <p:grpSpPr>
-        <a:xfrm>
-          <a:off x="0" y="0"/>
-          <a:ext cx="0" cy="0"/>
-          <a:chOff x="0" y="0"/>
-          <a:chExt cx="0" cy="0"/>
-        </a:xfrm>
-      </p:grpSpPr>
-      <p:sp>
-        <p:nvSpPr>
-          <p:cNvPr id="9" name="Diagonaler Streifen 8"/>
-          <p:cNvSpPr/>
-          <p:nvPr/>
-        </p:nvSpPr>
-        <p:spPr>
-          <a:xfrm>
-            <a:off x="1" y="0"/>
-            <a:ext cx="3458094" cy="3898668"/>
-          </a:xfrm>
-          <a:prstGeom prst="diagStripe">
-            <a:avLst/>
-          </a:prstGeom>
-          <a:solidFill>
-            <a:schemeClr val="accent6">
-              <a:lumMod val="20000"/>
-              <a:lumOff val="80000"/>
-            </a:schemeClr>
-          </a:solidFill>
-          <a:ln>
-            <a:solidFill>
-              <a:schemeClr val="accent6">
-                <a:lumMod val="20000"/>
-                <a:lumOff val="80000"/>
-              </a:schemeClr>
-            </a:solidFill>
-          </a:ln>
-        </p:spPr>
-        <p:style>
-          <a:lnRef idx="2">
-            <a:schemeClr val="accent1">
-              <a:shade val="50000"/>
-            </a:schemeClr>
-          </a:lnRef>
-          <a:fillRef idx="1">
-            <a:schemeClr val="accent1"/>
-          </a:fillRef>
-          <a:effectRef idx="0">
-            <a:schemeClr val="accent1"/>
-          </a:effectRef>
-          <a:fontRef idx="minor">
-            <a:schemeClr val="lt1"/>
-          </a:fontRef>
-        </p:style>
-        <p:txBody>
-          <a:bodyPr rtlCol="0" anchor="ctr"/>
-          <a:lstStyle/>
-          <a:p>
-            <a:pPr algn="ctr"/>
-            <a:endParaRPr lang="de-DE">
-              <a:solidFill>
-                <a:schemeClr val="tx1"/>
-              </a:solidFill>
-            </a:endParaRPr>
-          </a:p>
-        </p:txBody>
-      </p:sp>
-      <p:sp>
-        <p:nvSpPr>
-          <p:cNvPr id="8" name="Diagonaler Streifen 7"/>
-          <p:cNvSpPr/>
-          <p:nvPr/>
-        </p:nvSpPr>
-        <p:spPr>
-          <a:xfrm>
-            <a:off x="1" y="0"/>
-            <a:ext cx="2876204" cy="3117273"/>
-          </a:xfrm>
-          <a:prstGeom prst="diagStripe">
-            <a:avLst/>
-          </a:prstGeom>
-          <a:solidFill>
-            <a:schemeClr val="accent6">
-              <a:lumMod val="40000"/>
-              <a:lumOff val="60000"/>
-            </a:schemeClr>
-          </a:solidFill>
-          <a:ln>
-            <a:solidFill>
-              <a:schemeClr val="accent6">
-                <a:lumMod val="40000"/>
-                <a:lumOff val="60000"/>
-              </a:schemeClr>
-            </a:solidFill>
-          </a:ln>
-        </p:spPr>
-        <p:style>
-          <a:lnRef idx="2">
-            <a:schemeClr val="accent1">
-              <a:shade val="50000"/>
-            </a:schemeClr>
-          </a:lnRef>
-          <a:fillRef idx="1">
-            <a:schemeClr val="accent1"/>
-          </a:fillRef>
-          <a:effectRef idx="0">
-            <a:schemeClr val="accent1"/>
-          </a:effectRef>
-          <a:fontRef idx="minor">
-            <a:schemeClr val="lt1"/>
-          </a:fontRef>
-        </p:style>
-        <p:txBody>
-          <a:bodyPr rtlCol="0" anchor="ctr"/>
-          <a:lstStyle/>
-          <a:p>
-            <a:pPr algn="ctr"/>
-            <a:endParaRPr lang="de-DE">
-              <a:solidFill>
-                <a:schemeClr val="tx1"/>
-              </a:solidFill>
-            </a:endParaRPr>
-          </a:p>
-        </p:txBody>
-      </p:sp>
-      <p:sp>
-        <p:nvSpPr>
-          <p:cNvPr id="4" name="Diagonaler Streifen 3"/>
-          <p:cNvSpPr/>
-          <p:nvPr/>
-        </p:nvSpPr>
-        <p:spPr>
-          <a:xfrm>
-            <a:off x="0" y="0"/>
-            <a:ext cx="2219498" cy="2419004"/>
-          </a:xfrm>
-          <a:prstGeom prst="diagStripe">
-            <a:avLst/>
-          </a:prstGeom>
-          <a:solidFill>
-            <a:schemeClr val="accent6">
-              <a:lumMod val="60000"/>
-              <a:lumOff val="40000"/>
-            </a:schemeClr>
-          </a:solidFill>
-          <a:ln>
-            <a:solidFill>
-              <a:schemeClr val="accent6">
-                <a:lumMod val="60000"/>
-                <a:lumOff val="40000"/>
-              </a:schemeClr>
-            </a:solidFill>
-          </a:ln>
-        </p:spPr>
-        <p:style>
-          <a:lnRef idx="2">
-            <a:schemeClr val="accent1">
-              <a:shade val="50000"/>
-            </a:schemeClr>
-          </a:lnRef>
-          <a:fillRef idx="1">
-            <a:schemeClr val="accent1"/>
-          </a:fillRef>
-          <a:effectRef idx="0">
-            <a:schemeClr val="accent1"/>
-          </a:effectRef>
-          <a:fontRef idx="minor">
-            <a:schemeClr val="lt1"/>
-          </a:fontRef>
-        </p:style>
-        <p:txBody>
-          <a:bodyPr rtlCol="0" anchor="ctr"/>
-          <a:lstStyle/>
-          <a:p>
-            <a:pPr algn="ctr"/>
-            <a:endParaRPr lang="de-DE">
-              <a:solidFill>
-                <a:schemeClr val="tx1"/>
-              </a:solidFill>
-            </a:endParaRPr>
-          </a:p>
-        </p:txBody>
-      </p:sp>
-      <p:sp>
-        <p:nvSpPr>
-          <p:cNvPr id="6" name="Rechtwinkliges Dreieck 5"/>
-          <p:cNvSpPr/>
-          <p:nvPr/>
-        </p:nvSpPr>
-        <p:spPr>
-          <a:xfrm rot="5400000">
-            <a:off x="-33252" y="33250"/>
-            <a:ext cx="773084" cy="706582"/>
-          </a:xfrm>
-          <a:prstGeom prst="rtTriangle">
-            <a:avLst/>
-          </a:prstGeom>
-          <a:solidFill>
-            <a:schemeClr val="accent6">
-              <a:lumMod val="50000"/>
-            </a:schemeClr>
-          </a:solidFill>
-          <a:ln>
-            <a:solidFill>
-              <a:schemeClr val="accent6">
-                <a:lumMod val="50000"/>
-              </a:schemeClr>
-            </a:solidFill>
-          </a:ln>
-        </p:spPr>
-        <p:style>
-          <a:lnRef idx="2">
-            <a:schemeClr val="accent1">
-              <a:shade val="50000"/>
-            </a:schemeClr>
-          </a:lnRef>
-          <a:fillRef idx="1">
-            <a:schemeClr val="accent1"/>
-          </a:fillRef>
-          <a:effectRef idx="0">
-            <a:schemeClr val="accent1"/>
-          </a:effectRef>
-          <a:fontRef idx="minor">
-            <a:schemeClr val="lt1"/>
-          </a:fontRef>
-        </p:style>
-        <p:txBody>
-          <a:bodyPr rtlCol="0" anchor="ctr"/>
-          <a:lstStyle/>
-          <a:p>
-            <a:pPr algn="ctr"/>
-            <a:endParaRPr lang="de-DE"/>
-          </a:p>
-        </p:txBody>
-      </p:sp>
-      <p:sp>
-        <p:nvSpPr>
-          <p:cNvPr id="14" name="Diagonaler Streifen 13"/>
-          <p:cNvSpPr/>
-          <p:nvPr/>
-        </p:nvSpPr>
-        <p:spPr>
-          <a:xfrm rot="10800000">
-            <a:off x="8733905" y="2971800"/>
-            <a:ext cx="3458094" cy="3898668"/>
-          </a:xfrm>
-          <a:prstGeom prst="diagStripe">
-            <a:avLst/>
-          </a:prstGeom>
-          <a:solidFill>
-            <a:schemeClr val="accent6">
-              <a:lumMod val="20000"/>
-              <a:lumOff val="80000"/>
-            </a:schemeClr>
-          </a:solidFill>
-          <a:ln>
-            <a:solidFill>
-              <a:schemeClr val="accent6">
-                <a:lumMod val="20000"/>
-                <a:lumOff val="80000"/>
-              </a:schemeClr>
-            </a:solidFill>
-          </a:ln>
-        </p:spPr>
-        <p:style>
-          <a:lnRef idx="2">
-            <a:schemeClr val="accent1">
-              <a:shade val="50000"/>
-            </a:schemeClr>
-          </a:lnRef>
-          <a:fillRef idx="1">
-            <a:schemeClr val="accent1"/>
-          </a:fillRef>
-          <a:effectRef idx="0">
-            <a:schemeClr val="accent1"/>
-          </a:effectRef>
-          <a:fontRef idx="minor">
-            <a:schemeClr val="lt1"/>
-          </a:fontRef>
-        </p:style>
-        <p:txBody>
-          <a:bodyPr rtlCol="0" anchor="ctr"/>
-          <a:lstStyle/>
-          <a:p>
-            <a:pPr algn="ctr"/>
-            <a:endParaRPr lang="de-DE">
-              <a:solidFill>
-                <a:schemeClr val="tx1"/>
-              </a:solidFill>
-            </a:endParaRPr>
-          </a:p>
-        </p:txBody>
-      </p:sp>
-      <p:sp>
-        <p:nvSpPr>
-          <p:cNvPr id="2" name="Titel 1"/>
-          <p:cNvSpPr>
-            <a:spLocks noGrp="1"/>
-          </p:cNvSpPr>
-          <p:nvPr>
-            <p:ph type="title"/>
-          </p:nvPr>
-        </p:nvSpPr>
-        <p:spPr>
-          <a:xfrm>
-            <a:off x="3458094" y="365125"/>
-            <a:ext cx="7895705" cy="1325563"/>
-          </a:xfrm>
-        </p:spPr>
-        <p:txBody>
-          <a:bodyPr anchor="ctr">
-            <a:normAutofit/>
-          </a:bodyPr>
-          <a:lstStyle/>
-          <a:p>
-            <a:r>
-              <a:rPr lang="de-DE" dirty="0" smtClean="0">
-                <a:latin typeface="Times New Roman" panose="02020603050405020304" pitchFamily="18" charset="0"/>
-                <a:cs typeface="Times New Roman" panose="02020603050405020304" pitchFamily="18" charset="0"/>
-              </a:rPr>
-              <a:t>Mehrwert des </a:t>
-            </a:r>
-            <a:br>
-              <a:rPr lang="de-DE" dirty="0" smtClean="0">
-                <a:latin typeface="Times New Roman" panose="02020603050405020304" pitchFamily="18" charset="0"/>
-                <a:cs typeface="Times New Roman" panose="02020603050405020304" pitchFamily="18" charset="0"/>
-              </a:rPr>
-            </a:br>
-            <a:r>
-              <a:rPr lang="de-DE" dirty="0" smtClean="0">
-                <a:latin typeface="Times New Roman" panose="02020603050405020304" pitchFamily="18" charset="0"/>
-                <a:cs typeface="Times New Roman" panose="02020603050405020304" pitchFamily="18" charset="0"/>
-              </a:rPr>
-              <a:t> Controllings in KMU</a:t>
-            </a:r>
-            <a:endParaRPr lang="de-DE" dirty="0">
-              <a:latin typeface="Times New Roman" panose="02020603050405020304" pitchFamily="18" charset="0"/>
-              <a:cs typeface="Times New Roman" panose="02020603050405020304" pitchFamily="18" charset="0"/>
-            </a:endParaRPr>
-          </a:p>
-        </p:txBody>
-      </p:sp>
-      <p:sp>
-        <p:nvSpPr>
-          <p:cNvPr id="17" name="Inhaltsplatzhalter 16"/>
-          <p:cNvSpPr>
-            <a:spLocks noGrp="1"/>
-          </p:cNvSpPr>
-          <p:nvPr>
-            <p:ph idx="1"/>
-          </p:nvPr>
-        </p:nvSpPr>
-        <p:spPr>
-          <a:xfrm>
-            <a:off x="1623527" y="1825625"/>
-            <a:ext cx="8770776" cy="4351338"/>
-          </a:xfrm>
-        </p:spPr>
-        <p:txBody>
-          <a:bodyPr/>
-          <a:lstStyle/>
-          <a:p>
-            <a:endParaRPr lang="de-DE" dirty="0" smtClean="0">
-              <a:latin typeface="Times New Roman" panose="02020603050405020304" pitchFamily="18" charset="0"/>
-              <a:cs typeface="Times New Roman" panose="02020603050405020304" pitchFamily="18" charset="0"/>
-              <a:sym typeface="Wingdings" panose="05000000000000000000" pitchFamily="2" charset="2"/>
-            </a:endParaRPr>
-          </a:p>
-          <a:p>
-            <a:pPr marL="0" indent="0">
-              <a:buNone/>
-            </a:pPr>
-            <a:endParaRPr lang="de-DE" dirty="0" smtClean="0">
-              <a:latin typeface="Times New Roman" panose="02020603050405020304" pitchFamily="18" charset="0"/>
-              <a:cs typeface="Times New Roman" panose="02020603050405020304" pitchFamily="18" charset="0"/>
-              <a:sym typeface="Wingdings" panose="05000000000000000000" pitchFamily="2" charset="2"/>
-            </a:endParaRPr>
-          </a:p>
-          <a:p>
-            <a:pPr marL="0" indent="0">
-              <a:buNone/>
-            </a:pPr>
-            <a:endParaRPr lang="de-DE" dirty="0">
-              <a:latin typeface="Times New Roman" panose="02020603050405020304" pitchFamily="18" charset="0"/>
-              <a:cs typeface="Times New Roman" panose="02020603050405020304" pitchFamily="18" charset="0"/>
-            </a:endParaRPr>
-          </a:p>
-        </p:txBody>
-      </p:sp>
-      <p:sp>
-        <p:nvSpPr>
-          <p:cNvPr id="10" name="Rechtwinkliges Dreieck 9"/>
-          <p:cNvSpPr/>
-          <p:nvPr/>
-        </p:nvSpPr>
-        <p:spPr>
-          <a:xfrm rot="16200000">
-            <a:off x="11452167" y="6130635"/>
-            <a:ext cx="773084" cy="706582"/>
-          </a:xfrm>
-          <a:prstGeom prst="rtTriangle">
-            <a:avLst/>
-          </a:prstGeom>
-          <a:solidFill>
-            <a:schemeClr val="accent6">
-              <a:lumMod val="50000"/>
-            </a:schemeClr>
-          </a:solidFill>
-          <a:ln>
-            <a:solidFill>
-              <a:schemeClr val="accent6">
-                <a:lumMod val="50000"/>
-              </a:schemeClr>
-            </a:solidFill>
-          </a:ln>
-        </p:spPr>
-        <p:style>
-          <a:lnRef idx="2">
-            <a:schemeClr val="accent1">
-              <a:shade val="50000"/>
-            </a:schemeClr>
-          </a:lnRef>
-          <a:fillRef idx="1">
-            <a:schemeClr val="accent1"/>
-          </a:fillRef>
-          <a:effectRef idx="0">
-            <a:schemeClr val="accent1"/>
-          </a:effectRef>
-          <a:fontRef idx="minor">
-            <a:schemeClr val="lt1"/>
-          </a:fontRef>
-        </p:style>
-        <p:txBody>
-          <a:bodyPr rtlCol="0" anchor="ctr"/>
-          <a:lstStyle/>
-          <a:p>
-            <a:pPr algn="ctr"/>
-            <a:endParaRPr lang="de-DE"/>
-          </a:p>
-        </p:txBody>
-      </p:sp>
-      <p:sp>
-        <p:nvSpPr>
-          <p:cNvPr id="13" name="Diagonaler Streifen 12"/>
-          <p:cNvSpPr/>
-          <p:nvPr/>
-        </p:nvSpPr>
-        <p:spPr>
-          <a:xfrm rot="10800000">
-            <a:off x="9324108" y="3756587"/>
-            <a:ext cx="2876204" cy="3117273"/>
-          </a:xfrm>
-          <a:prstGeom prst="diagStripe">
-            <a:avLst/>
-          </a:prstGeom>
-          <a:solidFill>
-            <a:schemeClr val="accent6">
-              <a:lumMod val="40000"/>
-              <a:lumOff val="60000"/>
-            </a:schemeClr>
-          </a:solidFill>
-          <a:ln>
-            <a:solidFill>
-              <a:schemeClr val="accent6">
-                <a:lumMod val="40000"/>
-                <a:lumOff val="60000"/>
-              </a:schemeClr>
-            </a:solidFill>
-          </a:ln>
-        </p:spPr>
-        <p:style>
-          <a:lnRef idx="2">
-            <a:schemeClr val="accent1">
-              <a:shade val="50000"/>
-            </a:schemeClr>
-          </a:lnRef>
-          <a:fillRef idx="1">
-            <a:schemeClr val="accent1"/>
-          </a:fillRef>
-          <a:effectRef idx="0">
-            <a:schemeClr val="accent1"/>
-          </a:effectRef>
-          <a:fontRef idx="minor">
-            <a:schemeClr val="lt1"/>
-          </a:fontRef>
-        </p:style>
-        <p:txBody>
-          <a:bodyPr rtlCol="0" anchor="ctr"/>
-          <a:lstStyle/>
-          <a:p>
-            <a:pPr algn="ctr"/>
-            <a:endParaRPr lang="de-DE">
-              <a:solidFill>
-                <a:schemeClr val="tx1"/>
-              </a:solidFill>
-            </a:endParaRPr>
-          </a:p>
-        </p:txBody>
-      </p:sp>
-      <p:sp>
-        <p:nvSpPr>
-          <p:cNvPr id="12" name="Diagonaler Streifen 11"/>
-          <p:cNvSpPr/>
-          <p:nvPr/>
-        </p:nvSpPr>
-        <p:spPr>
-          <a:xfrm rot="10800000">
-            <a:off x="9972501" y="4429919"/>
-            <a:ext cx="2219498" cy="2419004"/>
-          </a:xfrm>
-          <a:prstGeom prst="diagStripe">
-            <a:avLst/>
-          </a:prstGeom>
-          <a:solidFill>
-            <a:schemeClr val="accent6">
-              <a:lumMod val="60000"/>
-              <a:lumOff val="40000"/>
-            </a:schemeClr>
-          </a:solidFill>
-          <a:ln>
-            <a:solidFill>
-              <a:schemeClr val="accent6">
-                <a:lumMod val="60000"/>
-                <a:lumOff val="40000"/>
-              </a:schemeClr>
-            </a:solidFill>
-          </a:ln>
-        </p:spPr>
-        <p:style>
-          <a:lnRef idx="2">
-            <a:schemeClr val="accent1">
-              <a:shade val="50000"/>
-            </a:schemeClr>
-          </a:lnRef>
-          <a:fillRef idx="1">
-            <a:schemeClr val="accent1"/>
-          </a:fillRef>
-          <a:effectRef idx="0">
-            <a:schemeClr val="accent1"/>
-          </a:effectRef>
-          <a:fontRef idx="minor">
-            <a:schemeClr val="lt1"/>
-          </a:fontRef>
-        </p:style>
-        <p:txBody>
-          <a:bodyPr rtlCol="0" anchor="ctr"/>
-          <a:lstStyle/>
-          <a:p>
-            <a:pPr algn="ctr"/>
-            <a:endParaRPr lang="de-DE">
-              <a:solidFill>
-                <a:schemeClr val="tx1"/>
-              </a:solidFill>
-            </a:endParaRPr>
-          </a:p>
-        </p:txBody>
-      </p:sp>
-      <p:sp>
-        <p:nvSpPr>
-          <p:cNvPr id="11" name="Diagonaler Streifen 10"/>
-          <p:cNvSpPr/>
-          <p:nvPr/>
-        </p:nvSpPr>
-        <p:spPr>
-          <a:xfrm rot="10800000">
-            <a:off x="10762210" y="5311833"/>
-            <a:ext cx="1429789" cy="1546167"/>
-          </a:xfrm>
-          <a:prstGeom prst="diagStripe">
-            <a:avLst/>
-          </a:prstGeom>
-          <a:solidFill>
-            <a:schemeClr val="accent6">
-              <a:lumMod val="75000"/>
-            </a:schemeClr>
-          </a:solidFill>
-          <a:ln>
-            <a:solidFill>
-              <a:schemeClr val="accent6">
-                <a:lumMod val="75000"/>
-              </a:schemeClr>
-            </a:solidFill>
-          </a:ln>
-        </p:spPr>
-        <p:style>
-          <a:lnRef idx="2">
-            <a:schemeClr val="accent1">
-              <a:shade val="50000"/>
-            </a:schemeClr>
-          </a:lnRef>
-          <a:fillRef idx="1">
-            <a:schemeClr val="accent1"/>
-          </a:fillRef>
-          <a:effectRef idx="0">
-            <a:schemeClr val="accent1"/>
-          </a:effectRef>
-          <a:fontRef idx="minor">
-            <a:schemeClr val="lt1"/>
-          </a:fontRef>
-        </p:style>
-        <p:txBody>
-          <a:bodyPr rtlCol="0" anchor="ctr"/>
-          <a:lstStyle/>
-          <a:p>
-            <a:pPr algn="ctr"/>
-            <a:endParaRPr lang="de-DE">
-              <a:solidFill>
-                <a:schemeClr val="tx1"/>
-              </a:solidFill>
-            </a:endParaRPr>
-          </a:p>
-        </p:txBody>
-      </p:sp>
-      <p:sp>
-        <p:nvSpPr>
-          <p:cNvPr id="5" name="Diagonaler Streifen 4"/>
-          <p:cNvSpPr/>
-          <p:nvPr/>
-        </p:nvSpPr>
-        <p:spPr>
-          <a:xfrm>
-            <a:off x="0" y="0"/>
-            <a:ext cx="1429789" cy="1546167"/>
-          </a:xfrm>
-          <a:prstGeom prst="diagStripe">
-            <a:avLst/>
-          </a:prstGeom>
-          <a:solidFill>
-            <a:schemeClr val="accent6">
-              <a:lumMod val="75000"/>
-            </a:schemeClr>
-          </a:solidFill>
-          <a:ln>
-            <a:solidFill>
-              <a:schemeClr val="accent6">
-                <a:lumMod val="75000"/>
-              </a:schemeClr>
-            </a:solidFill>
-          </a:ln>
-        </p:spPr>
-        <p:style>
-          <a:lnRef idx="2">
-            <a:schemeClr val="accent1">
-              <a:shade val="50000"/>
-            </a:schemeClr>
-          </a:lnRef>
-          <a:fillRef idx="1">
-            <a:schemeClr val="accent1"/>
-          </a:fillRef>
-          <a:effectRef idx="0">
-            <a:schemeClr val="accent1"/>
-          </a:effectRef>
-          <a:fontRef idx="minor">
-            <a:schemeClr val="lt1"/>
-          </a:fontRef>
-        </p:style>
-        <p:txBody>
-          <a:bodyPr rtlCol="0" anchor="ctr"/>
-          <a:lstStyle/>
-          <a:p>
-            <a:pPr algn="ctr"/>
-            <a:endParaRPr lang="de-DE">
-              <a:solidFill>
-                <a:schemeClr val="tx1"/>
-              </a:solidFill>
-            </a:endParaRPr>
-          </a:p>
-        </p:txBody>
-      </p:sp>
-      <p:pic>
-        <p:nvPicPr>
-          <p:cNvPr id="23" name="Grafik 22"/>
-          <p:cNvPicPr/>
-          <p:nvPr/>
-        </p:nvPicPr>
-        <p:blipFill rotWithShape="1">
-          <a:blip r:embed="rId2" cstate="print">
-            <a:extLst>
-              <a:ext uri="{28A0092B-C50C-407E-A947-70E740481C1C}">
-                <a14:useLocalDpi xmlns:a14="http://schemas.microsoft.com/office/drawing/2010/main" val="0"/>
-              </a:ext>
-            </a:extLst>
-          </a:blip>
-          <a:srcRect l="60394" t="3519" r="8253" b="-3519"/>
-          <a:stretch/>
-        </p:blipFill>
-        <p:spPr>
-          <a:xfrm>
-            <a:off x="9032033" y="24271"/>
-            <a:ext cx="2179065" cy="1181100"/>
-          </a:xfrm>
-          <a:prstGeom prst="rect">
-            <a:avLst/>
-          </a:prstGeom>
-        </p:spPr>
-      </p:pic>
-      <p:graphicFrame>
-        <p:nvGraphicFramePr>
-          <p:cNvPr id="7" name="Diagramm 6"/>
-          <p:cNvGraphicFramePr/>
-          <p:nvPr>
-            <p:extLst>
-              <p:ext uri="{D42A27DB-BD31-4B8C-83A1-F6EECF244321}">
-                <p14:modId xmlns:p14="http://schemas.microsoft.com/office/powerpoint/2010/main" val="1515588782"/>
-              </p:ext>
-            </p:extLst>
-          </p:nvPr>
-        </p:nvGraphicFramePr>
-        <p:xfrm>
-          <a:off x="1128196" y="1813403"/>
-          <a:ext cx="8125254" cy="4813510"/>
-        </p:xfrm>
-        <a:graphic>
-          <a:graphicData uri="http://schemas.openxmlformats.org/drawingml/2006/diagram">
-            <dgm:relIds xmlns:dgm="http://schemas.openxmlformats.org/drawingml/2006/diagram" xmlns:r="http://schemas.openxmlformats.org/officeDocument/2006/relationships" r:dm="rId3" r:lo="rId4" r:qs="rId5" r:cs="rId6"/>
-          </a:graphicData>
-        </a:graphic>
-      </p:graphicFrame>
-    </p:spTree>
-    <p:extLst>
-      <p:ext uri="{BB962C8B-B14F-4D97-AF65-F5344CB8AC3E}">
-        <p14:creationId xmlns:p14="http://schemas.microsoft.com/office/powerpoint/2010/main" val="3813607014"/>
-      </p:ext>
-    </p:extLst>
-  </p:cSld>
-  <p:clrMapOvr>
-    <a:masterClrMapping/>
-  </p:clrMapOvr>
-  <p:timing>
-    <p:tnLst>
-      <p:par>
-        <p:cTn id="1" dur="indefinite" restart="never" nodeType="tmRoot"/>
-      </p:par>
-    </p:tnLst>
-  </p:timing>
-</p:sld>
-</file>
-
 <file path=ppt/theme/theme1.xml><?xml version="1.0" encoding="utf-8"?>
 <a:theme xmlns:a="http://schemas.openxmlformats.org/drawingml/2006/main" name="Office">
   <a:themeElements>

--- a/Seminar Management und Controlling/Controlling in kleinen und mittleren Unternehmen.pptx
+++ b/Seminar Management und Controlling/Controlling in kleinen und mittleren Unternehmen.pptx
@@ -7602,6 +7602,587 @@
       <dsp:cNvGrpSpPr/>
     </dsp:nvGrpSpPr>
     <dsp:grpSpPr/>
+    <dsp:sp modelId="{E39AE467-6BC3-4515-8200-1C54212E4F70}">
+      <dsp:nvSpPr>
+        <dsp:cNvPr id="0" name=""/>
+        <dsp:cNvSpPr/>
+      </dsp:nvSpPr>
+      <dsp:spPr>
+        <a:xfrm>
+          <a:off x="0" y="0"/>
+          <a:ext cx="5592364" cy="782508"/>
+        </a:xfrm>
+        <a:prstGeom prst="roundRect">
+          <a:avLst>
+            <a:gd name="adj" fmla="val 10000"/>
+          </a:avLst>
+        </a:prstGeom>
+        <a:solidFill>
+          <a:schemeClr val="accent6">
+            <a:hueOff val="0"/>
+            <a:satOff val="0"/>
+            <a:lumOff val="0"/>
+            <a:alphaOff val="0"/>
+          </a:schemeClr>
+        </a:solidFill>
+        <a:ln w="12700" cap="flat" cmpd="sng" algn="ctr">
+          <a:solidFill>
+            <a:schemeClr val="lt1">
+              <a:hueOff val="0"/>
+              <a:satOff val="0"/>
+              <a:lumOff val="0"/>
+              <a:alphaOff val="0"/>
+            </a:schemeClr>
+          </a:solidFill>
+          <a:prstDash val="solid"/>
+          <a:miter lim="800000"/>
+        </a:ln>
+        <a:effectLst/>
+      </dsp:spPr>
+      <dsp:style>
+        <a:lnRef idx="2">
+          <a:scrgbClr r="0" g="0" b="0"/>
+        </a:lnRef>
+        <a:fillRef idx="1">
+          <a:scrgbClr r="0" g="0" b="0"/>
+        </a:fillRef>
+        <a:effectRef idx="0">
+          <a:scrgbClr r="0" g="0" b="0"/>
+        </a:effectRef>
+        <a:fontRef idx="minor">
+          <a:schemeClr val="lt1"/>
+        </a:fontRef>
+      </dsp:style>
+      <dsp:txBody>
+        <a:bodyPr spcFirstLastPara="0" vert="horz" wrap="square" lIns="68580" tIns="68580" rIns="68580" bIns="68580" numCol="1" spcCol="1270" anchor="ctr" anchorCtr="0">
+          <a:noAutofit/>
+        </a:bodyPr>
+        <a:lstStyle/>
+        <a:p>
+          <a:pPr lvl="0" algn="l" defTabSz="800100">
+            <a:lnSpc>
+              <a:spcPct val="90000"/>
+            </a:lnSpc>
+            <a:spcBef>
+              <a:spcPct val="0"/>
+            </a:spcBef>
+            <a:spcAft>
+              <a:spcPct val="35000"/>
+            </a:spcAft>
+          </a:pPr>
+          <a:r>
+            <a:rPr lang="de-DE" sz="1800" kern="1200" dirty="0" smtClean="0">
+              <a:latin typeface="Times New Roman" panose="02020603050405020304" pitchFamily="18" charset="0"/>
+              <a:cs typeface="Times New Roman" panose="02020603050405020304" pitchFamily="18" charset="0"/>
+            </a:rPr>
+            <a:t>Globalisierung</a:t>
+          </a:r>
+          <a:endParaRPr lang="de-DE" sz="1800" kern="1200" dirty="0">
+            <a:latin typeface="Times New Roman" panose="02020603050405020304" pitchFamily="18" charset="0"/>
+            <a:cs typeface="Times New Roman" panose="02020603050405020304" pitchFamily="18" charset="0"/>
+          </a:endParaRPr>
+        </a:p>
+      </dsp:txBody>
+      <dsp:txXfrm>
+        <a:off x="22919" y="22919"/>
+        <a:ext cx="4681854" cy="736670"/>
+      </dsp:txXfrm>
+    </dsp:sp>
+    <dsp:sp modelId="{82E95264-739C-4A9B-9516-27A4B51CEEAA}">
+      <dsp:nvSpPr>
+        <dsp:cNvPr id="0" name=""/>
+        <dsp:cNvSpPr/>
+      </dsp:nvSpPr>
+      <dsp:spPr>
+        <a:xfrm>
+          <a:off x="468360" y="924782"/>
+          <a:ext cx="5592364" cy="782508"/>
+        </a:xfrm>
+        <a:prstGeom prst="roundRect">
+          <a:avLst>
+            <a:gd name="adj" fmla="val 10000"/>
+          </a:avLst>
+        </a:prstGeom>
+        <a:solidFill>
+          <a:schemeClr val="accent6">
+            <a:hueOff val="0"/>
+            <a:satOff val="0"/>
+            <a:lumOff val="0"/>
+            <a:alphaOff val="0"/>
+          </a:schemeClr>
+        </a:solidFill>
+        <a:ln w="12700" cap="flat" cmpd="sng" algn="ctr">
+          <a:solidFill>
+            <a:schemeClr val="lt1">
+              <a:hueOff val="0"/>
+              <a:satOff val="0"/>
+              <a:lumOff val="0"/>
+              <a:alphaOff val="0"/>
+            </a:schemeClr>
+          </a:solidFill>
+          <a:prstDash val="solid"/>
+          <a:miter lim="800000"/>
+        </a:ln>
+        <a:effectLst/>
+      </dsp:spPr>
+      <dsp:style>
+        <a:lnRef idx="2">
+          <a:scrgbClr r="0" g="0" b="0"/>
+        </a:lnRef>
+        <a:fillRef idx="1">
+          <a:scrgbClr r="0" g="0" b="0"/>
+        </a:fillRef>
+        <a:effectRef idx="0">
+          <a:scrgbClr r="0" g="0" b="0"/>
+        </a:effectRef>
+        <a:fontRef idx="minor">
+          <a:schemeClr val="lt1"/>
+        </a:fontRef>
+      </dsp:style>
+      <dsp:txBody>
+        <a:bodyPr spcFirstLastPara="0" vert="horz" wrap="square" lIns="68580" tIns="68580" rIns="68580" bIns="68580" numCol="1" spcCol="1270" anchor="ctr" anchorCtr="0">
+          <a:noAutofit/>
+        </a:bodyPr>
+        <a:lstStyle/>
+        <a:p>
+          <a:pPr lvl="0" algn="l" defTabSz="800100">
+            <a:lnSpc>
+              <a:spcPct val="90000"/>
+            </a:lnSpc>
+            <a:spcBef>
+              <a:spcPct val="0"/>
+            </a:spcBef>
+            <a:spcAft>
+              <a:spcPct val="35000"/>
+            </a:spcAft>
+          </a:pPr>
+          <a:r>
+            <a:rPr lang="de-DE" sz="1800" kern="1200" dirty="0" smtClean="0">
+              <a:latin typeface="Times New Roman" panose="02020603050405020304" pitchFamily="18" charset="0"/>
+              <a:cs typeface="Times New Roman" panose="02020603050405020304" pitchFamily="18" charset="0"/>
+            </a:rPr>
+            <a:t>Höhere Unsicherheit</a:t>
+          </a:r>
+          <a:endParaRPr lang="de-DE" sz="1800" kern="1200" dirty="0">
+            <a:latin typeface="Times New Roman" panose="02020603050405020304" pitchFamily="18" charset="0"/>
+            <a:cs typeface="Times New Roman" panose="02020603050405020304" pitchFamily="18" charset="0"/>
+          </a:endParaRPr>
+        </a:p>
+      </dsp:txBody>
+      <dsp:txXfrm>
+        <a:off x="491279" y="947701"/>
+        <a:ext cx="4569535" cy="736670"/>
+      </dsp:txXfrm>
+    </dsp:sp>
+    <dsp:sp modelId="{02B6CA69-6FDC-4D89-9BF1-0A5704413FB0}">
+      <dsp:nvSpPr>
+        <dsp:cNvPr id="0" name=""/>
+        <dsp:cNvSpPr/>
+      </dsp:nvSpPr>
+      <dsp:spPr>
+        <a:xfrm>
+          <a:off x="929730" y="1849565"/>
+          <a:ext cx="5592364" cy="782508"/>
+        </a:xfrm>
+        <a:prstGeom prst="roundRect">
+          <a:avLst>
+            <a:gd name="adj" fmla="val 10000"/>
+          </a:avLst>
+        </a:prstGeom>
+        <a:solidFill>
+          <a:schemeClr val="accent6">
+            <a:hueOff val="0"/>
+            <a:satOff val="0"/>
+            <a:lumOff val="0"/>
+            <a:alphaOff val="0"/>
+          </a:schemeClr>
+        </a:solidFill>
+        <a:ln w="12700" cap="flat" cmpd="sng" algn="ctr">
+          <a:solidFill>
+            <a:schemeClr val="lt1">
+              <a:hueOff val="0"/>
+              <a:satOff val="0"/>
+              <a:lumOff val="0"/>
+              <a:alphaOff val="0"/>
+            </a:schemeClr>
+          </a:solidFill>
+          <a:prstDash val="solid"/>
+          <a:miter lim="800000"/>
+        </a:ln>
+        <a:effectLst/>
+      </dsp:spPr>
+      <dsp:style>
+        <a:lnRef idx="2">
+          <a:scrgbClr r="0" g="0" b="0"/>
+        </a:lnRef>
+        <a:fillRef idx="1">
+          <a:scrgbClr r="0" g="0" b="0"/>
+        </a:fillRef>
+        <a:effectRef idx="0">
+          <a:scrgbClr r="0" g="0" b="0"/>
+        </a:effectRef>
+        <a:fontRef idx="minor">
+          <a:schemeClr val="lt1"/>
+        </a:fontRef>
+      </dsp:style>
+      <dsp:txBody>
+        <a:bodyPr spcFirstLastPara="0" vert="horz" wrap="square" lIns="68580" tIns="68580" rIns="68580" bIns="68580" numCol="1" spcCol="1270" anchor="ctr" anchorCtr="0">
+          <a:noAutofit/>
+        </a:bodyPr>
+        <a:lstStyle/>
+        <a:p>
+          <a:pPr lvl="0" algn="l" defTabSz="800100">
+            <a:lnSpc>
+              <a:spcPct val="90000"/>
+            </a:lnSpc>
+            <a:spcBef>
+              <a:spcPct val="0"/>
+            </a:spcBef>
+            <a:spcAft>
+              <a:spcPct val="35000"/>
+            </a:spcAft>
+          </a:pPr>
+          <a:r>
+            <a:rPr lang="de-DE" sz="1800" kern="1200" dirty="0" smtClean="0">
+              <a:latin typeface="Times New Roman" panose="02020603050405020304" pitchFamily="18" charset="0"/>
+              <a:cs typeface="Times New Roman" panose="02020603050405020304" pitchFamily="18" charset="0"/>
+            </a:rPr>
+            <a:t>Abhilfe Controlling</a:t>
+          </a:r>
+          <a:endParaRPr lang="de-DE" sz="1800" kern="1200" dirty="0">
+            <a:latin typeface="Times New Roman" panose="02020603050405020304" pitchFamily="18" charset="0"/>
+            <a:cs typeface="Times New Roman" panose="02020603050405020304" pitchFamily="18" charset="0"/>
+          </a:endParaRPr>
+        </a:p>
+      </dsp:txBody>
+      <dsp:txXfrm>
+        <a:off x="952649" y="1872484"/>
+        <a:ext cx="4576525" cy="736670"/>
+      </dsp:txXfrm>
+    </dsp:sp>
+    <dsp:sp modelId="{31F25C80-1807-4EFC-BB59-D3AEAE2F8FF8}">
+      <dsp:nvSpPr>
+        <dsp:cNvPr id="0" name=""/>
+        <dsp:cNvSpPr/>
+      </dsp:nvSpPr>
+      <dsp:spPr>
+        <a:xfrm>
+          <a:off x="1398090" y="2774347"/>
+          <a:ext cx="5592364" cy="782508"/>
+        </a:xfrm>
+        <a:prstGeom prst="roundRect">
+          <a:avLst>
+            <a:gd name="adj" fmla="val 10000"/>
+          </a:avLst>
+        </a:prstGeom>
+        <a:solidFill>
+          <a:schemeClr val="accent6">
+            <a:hueOff val="0"/>
+            <a:satOff val="0"/>
+            <a:lumOff val="0"/>
+            <a:alphaOff val="0"/>
+          </a:schemeClr>
+        </a:solidFill>
+        <a:ln w="12700" cap="flat" cmpd="sng" algn="ctr">
+          <a:solidFill>
+            <a:schemeClr val="lt1">
+              <a:hueOff val="0"/>
+              <a:satOff val="0"/>
+              <a:lumOff val="0"/>
+              <a:alphaOff val="0"/>
+            </a:schemeClr>
+          </a:solidFill>
+          <a:prstDash val="solid"/>
+          <a:miter lim="800000"/>
+        </a:ln>
+        <a:effectLst/>
+      </dsp:spPr>
+      <dsp:style>
+        <a:lnRef idx="2">
+          <a:scrgbClr r="0" g="0" b="0"/>
+        </a:lnRef>
+        <a:fillRef idx="1">
+          <a:scrgbClr r="0" g="0" b="0"/>
+        </a:fillRef>
+        <a:effectRef idx="0">
+          <a:scrgbClr r="0" g="0" b="0"/>
+        </a:effectRef>
+        <a:fontRef idx="minor">
+          <a:schemeClr val="lt1"/>
+        </a:fontRef>
+      </dsp:style>
+      <dsp:txBody>
+        <a:bodyPr spcFirstLastPara="0" vert="horz" wrap="square" lIns="68580" tIns="68580" rIns="68580" bIns="68580" numCol="1" spcCol="1270" anchor="ctr" anchorCtr="0">
+          <a:noAutofit/>
+        </a:bodyPr>
+        <a:lstStyle/>
+        <a:p>
+          <a:pPr lvl="0" algn="l" defTabSz="800100">
+            <a:lnSpc>
+              <a:spcPct val="90000"/>
+            </a:lnSpc>
+            <a:spcBef>
+              <a:spcPct val="0"/>
+            </a:spcBef>
+            <a:spcAft>
+              <a:spcPct val="35000"/>
+            </a:spcAft>
+          </a:pPr>
+          <a:r>
+            <a:rPr lang="de-DE" sz="1800" kern="1200" dirty="0" smtClean="0">
+              <a:latin typeface="Times New Roman" panose="02020603050405020304" pitchFamily="18" charset="0"/>
+              <a:cs typeface="Times New Roman" panose="02020603050405020304" pitchFamily="18" charset="0"/>
+            </a:rPr>
+            <a:t>„Welchen Mehrwert bietet das Controlling der kleinen und mittleren Unternehmen?“</a:t>
+          </a:r>
+          <a:endParaRPr lang="de-DE" sz="1800" kern="1200" dirty="0">
+            <a:latin typeface="Times New Roman" panose="02020603050405020304" pitchFamily="18" charset="0"/>
+            <a:cs typeface="Times New Roman" panose="02020603050405020304" pitchFamily="18" charset="0"/>
+          </a:endParaRPr>
+        </a:p>
+      </dsp:txBody>
+      <dsp:txXfrm>
+        <a:off x="1421009" y="2797266"/>
+        <a:ext cx="4569535" cy="736670"/>
+      </dsp:txXfrm>
+    </dsp:sp>
+    <dsp:sp modelId="{5F7E9577-A9A4-4FB2-B12A-14365A205D35}">
+      <dsp:nvSpPr>
+        <dsp:cNvPr id="0" name=""/>
+        <dsp:cNvSpPr/>
+      </dsp:nvSpPr>
+      <dsp:spPr>
+        <a:xfrm>
+          <a:off x="5083733" y="599330"/>
+          <a:ext cx="508630" cy="508630"/>
+        </a:xfrm>
+        <a:prstGeom prst="downArrow">
+          <a:avLst>
+            <a:gd name="adj1" fmla="val 55000"/>
+            <a:gd name="adj2" fmla="val 45000"/>
+          </a:avLst>
+        </a:prstGeom>
+        <a:solidFill>
+          <a:schemeClr val="accent6">
+            <a:alpha val="90000"/>
+            <a:tint val="40000"/>
+            <a:hueOff val="0"/>
+            <a:satOff val="0"/>
+            <a:lumOff val="0"/>
+            <a:alphaOff val="0"/>
+          </a:schemeClr>
+        </a:solidFill>
+        <a:ln w="12700" cap="flat" cmpd="sng" algn="ctr">
+          <a:solidFill>
+            <a:schemeClr val="accent6">
+              <a:alpha val="90000"/>
+              <a:tint val="40000"/>
+              <a:hueOff val="0"/>
+              <a:satOff val="0"/>
+              <a:lumOff val="0"/>
+              <a:alphaOff val="0"/>
+            </a:schemeClr>
+          </a:solidFill>
+          <a:prstDash val="solid"/>
+          <a:miter lim="800000"/>
+        </a:ln>
+        <a:effectLst/>
+      </dsp:spPr>
+      <dsp:style>
+        <a:lnRef idx="2">
+          <a:scrgbClr r="0" g="0" b="0"/>
+        </a:lnRef>
+        <a:fillRef idx="1">
+          <a:scrgbClr r="0" g="0" b="0"/>
+        </a:fillRef>
+        <a:effectRef idx="0">
+          <a:scrgbClr r="0" g="0" b="0"/>
+        </a:effectRef>
+        <a:fontRef idx="minor"/>
+      </dsp:style>
+      <dsp:txBody>
+        <a:bodyPr spcFirstLastPara="0" vert="horz" wrap="square" lIns="29210" tIns="29210" rIns="29210" bIns="29210" numCol="1" spcCol="1270" anchor="ctr" anchorCtr="0">
+          <a:noAutofit/>
+        </a:bodyPr>
+        <a:lstStyle/>
+        <a:p>
+          <a:pPr lvl="0" algn="ctr" defTabSz="1022350">
+            <a:lnSpc>
+              <a:spcPct val="90000"/>
+            </a:lnSpc>
+            <a:spcBef>
+              <a:spcPct val="0"/>
+            </a:spcBef>
+            <a:spcAft>
+              <a:spcPct val="35000"/>
+            </a:spcAft>
+          </a:pPr>
+          <a:endParaRPr lang="de-DE" sz="2300" kern="1200"/>
+        </a:p>
+      </dsp:txBody>
+      <dsp:txXfrm>
+        <a:off x="5198175" y="599330"/>
+        <a:ext cx="279746" cy="382744"/>
+      </dsp:txXfrm>
+    </dsp:sp>
+    <dsp:sp modelId="{D62AF9FA-BF80-4ADF-996D-2C80794FC106}">
+      <dsp:nvSpPr>
+        <dsp:cNvPr id="0" name=""/>
+        <dsp:cNvSpPr/>
+      </dsp:nvSpPr>
+      <dsp:spPr>
+        <a:xfrm>
+          <a:off x="5552094" y="1524112"/>
+          <a:ext cx="508630" cy="508630"/>
+        </a:xfrm>
+        <a:prstGeom prst="downArrow">
+          <a:avLst>
+            <a:gd name="adj1" fmla="val 55000"/>
+            <a:gd name="adj2" fmla="val 45000"/>
+          </a:avLst>
+        </a:prstGeom>
+        <a:solidFill>
+          <a:schemeClr val="accent6">
+            <a:alpha val="90000"/>
+            <a:tint val="40000"/>
+            <a:hueOff val="0"/>
+            <a:satOff val="0"/>
+            <a:lumOff val="0"/>
+            <a:alphaOff val="0"/>
+          </a:schemeClr>
+        </a:solidFill>
+        <a:ln w="12700" cap="flat" cmpd="sng" algn="ctr">
+          <a:solidFill>
+            <a:schemeClr val="accent6">
+              <a:alpha val="90000"/>
+              <a:tint val="40000"/>
+              <a:hueOff val="0"/>
+              <a:satOff val="0"/>
+              <a:lumOff val="0"/>
+              <a:alphaOff val="0"/>
+            </a:schemeClr>
+          </a:solidFill>
+          <a:prstDash val="solid"/>
+          <a:miter lim="800000"/>
+        </a:ln>
+        <a:effectLst/>
+      </dsp:spPr>
+      <dsp:style>
+        <a:lnRef idx="2">
+          <a:scrgbClr r="0" g="0" b="0"/>
+        </a:lnRef>
+        <a:fillRef idx="1">
+          <a:scrgbClr r="0" g="0" b="0"/>
+        </a:fillRef>
+        <a:effectRef idx="0">
+          <a:scrgbClr r="0" g="0" b="0"/>
+        </a:effectRef>
+        <a:fontRef idx="minor"/>
+      </dsp:style>
+      <dsp:txBody>
+        <a:bodyPr spcFirstLastPara="0" vert="horz" wrap="square" lIns="29210" tIns="29210" rIns="29210" bIns="29210" numCol="1" spcCol="1270" anchor="ctr" anchorCtr="0">
+          <a:noAutofit/>
+        </a:bodyPr>
+        <a:lstStyle/>
+        <a:p>
+          <a:pPr lvl="0" algn="ctr" defTabSz="1022350">
+            <a:lnSpc>
+              <a:spcPct val="90000"/>
+            </a:lnSpc>
+            <a:spcBef>
+              <a:spcPct val="0"/>
+            </a:spcBef>
+            <a:spcAft>
+              <a:spcPct val="35000"/>
+            </a:spcAft>
+          </a:pPr>
+          <a:endParaRPr lang="de-DE" sz="2300" kern="1200"/>
+        </a:p>
+      </dsp:txBody>
+      <dsp:txXfrm>
+        <a:off x="5666536" y="1524112"/>
+        <a:ext cx="279746" cy="382744"/>
+      </dsp:txXfrm>
+    </dsp:sp>
+    <dsp:sp modelId="{A156982F-686B-4D15-A449-78FAA79A5CB0}">
+      <dsp:nvSpPr>
+        <dsp:cNvPr id="0" name=""/>
+        <dsp:cNvSpPr/>
+      </dsp:nvSpPr>
+      <dsp:spPr>
+        <a:xfrm>
+          <a:off x="6013464" y="2448895"/>
+          <a:ext cx="508630" cy="508630"/>
+        </a:xfrm>
+        <a:prstGeom prst="downArrow">
+          <a:avLst>
+            <a:gd name="adj1" fmla="val 55000"/>
+            <a:gd name="adj2" fmla="val 45000"/>
+          </a:avLst>
+        </a:prstGeom>
+        <a:solidFill>
+          <a:schemeClr val="accent6">
+            <a:alpha val="90000"/>
+            <a:tint val="40000"/>
+            <a:hueOff val="0"/>
+            <a:satOff val="0"/>
+            <a:lumOff val="0"/>
+            <a:alphaOff val="0"/>
+          </a:schemeClr>
+        </a:solidFill>
+        <a:ln w="12700" cap="flat" cmpd="sng" algn="ctr">
+          <a:solidFill>
+            <a:schemeClr val="accent6">
+              <a:alpha val="90000"/>
+              <a:tint val="40000"/>
+              <a:hueOff val="0"/>
+              <a:satOff val="0"/>
+              <a:lumOff val="0"/>
+              <a:alphaOff val="0"/>
+            </a:schemeClr>
+          </a:solidFill>
+          <a:prstDash val="solid"/>
+          <a:miter lim="800000"/>
+        </a:ln>
+        <a:effectLst/>
+      </dsp:spPr>
+      <dsp:style>
+        <a:lnRef idx="2">
+          <a:scrgbClr r="0" g="0" b="0"/>
+        </a:lnRef>
+        <a:fillRef idx="1">
+          <a:scrgbClr r="0" g="0" b="0"/>
+        </a:fillRef>
+        <a:effectRef idx="0">
+          <a:scrgbClr r="0" g="0" b="0"/>
+        </a:effectRef>
+        <a:fontRef idx="minor"/>
+      </dsp:style>
+      <dsp:txBody>
+        <a:bodyPr spcFirstLastPara="0" vert="horz" wrap="square" lIns="29210" tIns="29210" rIns="29210" bIns="29210" numCol="1" spcCol="1270" anchor="ctr" anchorCtr="0">
+          <a:noAutofit/>
+        </a:bodyPr>
+        <a:lstStyle/>
+        <a:p>
+          <a:pPr lvl="0" algn="ctr" defTabSz="1022350">
+            <a:lnSpc>
+              <a:spcPct val="90000"/>
+            </a:lnSpc>
+            <a:spcBef>
+              <a:spcPct val="0"/>
+            </a:spcBef>
+            <a:spcAft>
+              <a:spcPct val="35000"/>
+            </a:spcAft>
+          </a:pPr>
+          <a:endParaRPr lang="de-DE" sz="2300" kern="1200"/>
+        </a:p>
+      </dsp:txBody>
+      <dsp:txXfrm>
+        <a:off x="6127906" y="2448895"/>
+        <a:ext cx="279746" cy="382744"/>
+      </dsp:txXfrm>
+    </dsp:sp>
   </dsp:spTree>
 </dsp:drawing>
 </file>
@@ -8403,6 +8984,930 @@
       <dsp:cNvGrpSpPr/>
     </dsp:nvGrpSpPr>
     <dsp:grpSpPr/>
+    <dsp:sp modelId="{DEF58B8E-9CE6-4DA3-B6C3-33197198997D}">
+      <dsp:nvSpPr>
+        <dsp:cNvPr id="0" name=""/>
+        <dsp:cNvSpPr/>
+      </dsp:nvSpPr>
+      <dsp:spPr>
+        <a:xfrm>
+          <a:off x="2978294" y="1684728"/>
+          <a:ext cx="2168664" cy="1444053"/>
+        </a:xfrm>
+        <a:prstGeom prst="roundRect">
+          <a:avLst/>
+        </a:prstGeom>
+        <a:solidFill>
+          <a:schemeClr val="accent6">
+            <a:hueOff val="0"/>
+            <a:satOff val="0"/>
+            <a:lumOff val="0"/>
+            <a:alphaOff val="0"/>
+          </a:schemeClr>
+        </a:solidFill>
+        <a:ln w="12700" cap="flat" cmpd="sng" algn="ctr">
+          <a:solidFill>
+            <a:schemeClr val="lt1">
+              <a:hueOff val="0"/>
+              <a:satOff val="0"/>
+              <a:lumOff val="0"/>
+              <a:alphaOff val="0"/>
+            </a:schemeClr>
+          </a:solidFill>
+          <a:prstDash val="solid"/>
+          <a:miter lim="800000"/>
+        </a:ln>
+        <a:effectLst/>
+      </dsp:spPr>
+      <dsp:style>
+        <a:lnRef idx="2">
+          <a:scrgbClr r="0" g="0" b="0"/>
+        </a:lnRef>
+        <a:fillRef idx="1">
+          <a:scrgbClr r="0" g="0" b="0"/>
+        </a:fillRef>
+        <a:effectRef idx="0">
+          <a:scrgbClr r="0" g="0" b="0"/>
+        </a:effectRef>
+        <a:fontRef idx="minor">
+          <a:schemeClr val="lt1"/>
+        </a:fontRef>
+      </dsp:style>
+      <dsp:txBody>
+        <a:bodyPr spcFirstLastPara="0" vert="horz" wrap="square" lIns="45720" tIns="45720" rIns="45720" bIns="45720" numCol="1" spcCol="1270" anchor="ctr" anchorCtr="0">
+          <a:noAutofit/>
+        </a:bodyPr>
+        <a:lstStyle/>
+        <a:p>
+          <a:pPr lvl="0" algn="ctr" defTabSz="800100">
+            <a:lnSpc>
+              <a:spcPct val="90000"/>
+            </a:lnSpc>
+            <a:spcBef>
+              <a:spcPct val="0"/>
+            </a:spcBef>
+            <a:spcAft>
+              <a:spcPct val="35000"/>
+            </a:spcAft>
+          </a:pPr>
+          <a:r>
+            <a:rPr lang="de-DE" sz="1800" b="1" kern="1200" dirty="0" smtClean="0">
+              <a:latin typeface="Times New Roman" panose="02020603050405020304" pitchFamily="18" charset="0"/>
+              <a:cs typeface="Times New Roman" panose="02020603050405020304" pitchFamily="18" charset="0"/>
+            </a:rPr>
+            <a:t>Unternehmensziele</a:t>
+          </a:r>
+          <a:endParaRPr lang="de-DE" sz="1800" b="1" kern="1200" dirty="0">
+            <a:latin typeface="Times New Roman" panose="02020603050405020304" pitchFamily="18" charset="0"/>
+            <a:cs typeface="Times New Roman" panose="02020603050405020304" pitchFamily="18" charset="0"/>
+          </a:endParaRPr>
+        </a:p>
+      </dsp:txBody>
+      <dsp:txXfrm>
+        <a:off x="3048787" y="1755221"/>
+        <a:ext cx="2027678" cy="1303067"/>
+      </dsp:txXfrm>
+    </dsp:sp>
+    <dsp:sp modelId="{438D0CD0-5303-4EAD-BAD7-21CF0FF3C06A}">
+      <dsp:nvSpPr>
+        <dsp:cNvPr id="0" name=""/>
+        <dsp:cNvSpPr/>
+      </dsp:nvSpPr>
+      <dsp:spPr>
+        <a:xfrm rot="5419656">
+          <a:off x="4033034" y="1718256"/>
+          <a:ext cx="67057" cy="0"/>
+        </a:xfrm>
+        <a:custGeom>
+          <a:avLst/>
+          <a:gdLst/>
+          <a:ahLst/>
+          <a:cxnLst/>
+          <a:rect l="0" t="0" r="0" b="0"/>
+          <a:pathLst>
+            <a:path>
+              <a:moveTo>
+                <a:pt x="0" y="0"/>
+              </a:moveTo>
+              <a:lnTo>
+                <a:pt x="67057" y="0"/>
+              </a:lnTo>
+            </a:path>
+          </a:pathLst>
+        </a:custGeom>
+        <a:noFill/>
+        <a:ln w="12700" cap="flat" cmpd="sng" algn="ctr">
+          <a:solidFill>
+            <a:schemeClr val="accent6">
+              <a:shade val="60000"/>
+              <a:hueOff val="0"/>
+              <a:satOff val="0"/>
+              <a:lumOff val="0"/>
+              <a:alphaOff val="0"/>
+            </a:schemeClr>
+          </a:solidFill>
+          <a:prstDash val="solid"/>
+          <a:miter lim="800000"/>
+        </a:ln>
+        <a:effectLst/>
+      </dsp:spPr>
+      <dsp:style>
+        <a:lnRef idx="2">
+          <a:scrgbClr r="0" g="0" b="0"/>
+        </a:lnRef>
+        <a:fillRef idx="0">
+          <a:scrgbClr r="0" g="0" b="0"/>
+        </a:fillRef>
+        <a:effectRef idx="0">
+          <a:scrgbClr r="0" g="0" b="0"/>
+        </a:effectRef>
+        <a:fontRef idx="minor"/>
+      </dsp:style>
+    </dsp:sp>
+    <dsp:sp modelId="{35D7A347-31AF-4844-A4C4-F932A9A173F3}">
+      <dsp:nvSpPr>
+        <dsp:cNvPr id="0" name=""/>
+        <dsp:cNvSpPr/>
+      </dsp:nvSpPr>
+      <dsp:spPr>
+        <a:xfrm>
+          <a:off x="3186110" y="784269"/>
+          <a:ext cx="1766054" cy="967515"/>
+        </a:xfrm>
+        <a:prstGeom prst="roundRect">
+          <a:avLst/>
+        </a:prstGeom>
+        <a:solidFill>
+          <a:schemeClr val="accent6">
+            <a:hueOff val="0"/>
+            <a:satOff val="0"/>
+            <a:lumOff val="0"/>
+            <a:alphaOff val="0"/>
+          </a:schemeClr>
+        </a:solidFill>
+        <a:ln w="12700" cap="flat" cmpd="sng" algn="ctr">
+          <a:solidFill>
+            <a:schemeClr val="lt1">
+              <a:hueOff val="0"/>
+              <a:satOff val="0"/>
+              <a:lumOff val="0"/>
+              <a:alphaOff val="0"/>
+            </a:schemeClr>
+          </a:solidFill>
+          <a:prstDash val="solid"/>
+          <a:miter lim="800000"/>
+        </a:ln>
+        <a:effectLst/>
+      </dsp:spPr>
+      <dsp:style>
+        <a:lnRef idx="2">
+          <a:scrgbClr r="0" g="0" b="0"/>
+        </a:lnRef>
+        <a:fillRef idx="1">
+          <a:scrgbClr r="0" g="0" b="0"/>
+        </a:fillRef>
+        <a:effectRef idx="0">
+          <a:scrgbClr r="0" g="0" b="0"/>
+        </a:effectRef>
+        <a:fontRef idx="minor">
+          <a:schemeClr val="lt1"/>
+        </a:fontRef>
+      </dsp:style>
+      <dsp:txBody>
+        <a:bodyPr spcFirstLastPara="0" vert="horz" wrap="square" lIns="35560" tIns="35560" rIns="35560" bIns="35560" numCol="1" spcCol="1270" anchor="ctr" anchorCtr="0">
+          <a:noAutofit/>
+        </a:bodyPr>
+        <a:lstStyle/>
+        <a:p>
+          <a:pPr lvl="0" algn="ctr" defTabSz="622300">
+            <a:lnSpc>
+              <a:spcPct val="90000"/>
+            </a:lnSpc>
+            <a:spcBef>
+              <a:spcPct val="0"/>
+            </a:spcBef>
+            <a:spcAft>
+              <a:spcPct val="35000"/>
+            </a:spcAft>
+          </a:pPr>
+          <a:r>
+            <a:rPr lang="de-DE" sz="1400" kern="1200" dirty="0" smtClean="0">
+              <a:latin typeface="Times New Roman" panose="02020603050405020304" pitchFamily="18" charset="0"/>
+              <a:cs typeface="Times New Roman" panose="02020603050405020304" pitchFamily="18" charset="0"/>
+            </a:rPr>
+            <a:t>Wachstum</a:t>
+          </a:r>
+          <a:endParaRPr lang="de-DE" sz="1400" kern="1200" dirty="0">
+            <a:latin typeface="Times New Roman" panose="02020603050405020304" pitchFamily="18" charset="0"/>
+            <a:cs typeface="Times New Roman" panose="02020603050405020304" pitchFamily="18" charset="0"/>
+          </a:endParaRPr>
+        </a:p>
+      </dsp:txBody>
+      <dsp:txXfrm>
+        <a:off x="3233340" y="831499"/>
+        <a:ext cx="1671594" cy="873055"/>
+      </dsp:txXfrm>
+    </dsp:sp>
+    <dsp:sp modelId="{535DA3CB-A0F1-4725-8789-B74D9FB1EE3D}">
+      <dsp:nvSpPr>
+        <dsp:cNvPr id="0" name=""/>
+        <dsp:cNvSpPr/>
+      </dsp:nvSpPr>
+      <dsp:spPr>
+        <a:xfrm rot="9432936">
+          <a:off x="4839862" y="2013169"/>
+          <a:ext cx="319564" cy="0"/>
+        </a:xfrm>
+        <a:custGeom>
+          <a:avLst/>
+          <a:gdLst/>
+          <a:ahLst/>
+          <a:cxnLst/>
+          <a:rect l="0" t="0" r="0" b="0"/>
+          <a:pathLst>
+            <a:path>
+              <a:moveTo>
+                <a:pt x="0" y="0"/>
+              </a:moveTo>
+              <a:lnTo>
+                <a:pt x="319564" y="0"/>
+              </a:lnTo>
+            </a:path>
+          </a:pathLst>
+        </a:custGeom>
+        <a:noFill/>
+        <a:ln w="12700" cap="flat" cmpd="sng" algn="ctr">
+          <a:solidFill>
+            <a:schemeClr val="accent6">
+              <a:shade val="60000"/>
+              <a:hueOff val="0"/>
+              <a:satOff val="0"/>
+              <a:lumOff val="0"/>
+              <a:alphaOff val="0"/>
+            </a:schemeClr>
+          </a:solidFill>
+          <a:prstDash val="solid"/>
+          <a:miter lim="800000"/>
+        </a:ln>
+        <a:effectLst/>
+      </dsp:spPr>
+      <dsp:style>
+        <a:lnRef idx="2">
+          <a:scrgbClr r="0" g="0" b="0"/>
+        </a:lnRef>
+        <a:fillRef idx="0">
+          <a:scrgbClr r="0" g="0" b="0"/>
+        </a:fillRef>
+        <a:effectRef idx="0">
+          <a:scrgbClr r="0" g="0" b="0"/>
+        </a:effectRef>
+        <a:fontRef idx="minor"/>
+      </dsp:style>
+    </dsp:sp>
+    <dsp:sp modelId="{4BDC6EE6-ADAE-493D-96EB-6C751F8B89EC}">
+      <dsp:nvSpPr>
+        <dsp:cNvPr id="0" name=""/>
+        <dsp:cNvSpPr/>
+      </dsp:nvSpPr>
+      <dsp:spPr>
+        <a:xfrm>
+          <a:off x="4852330" y="1220381"/>
+          <a:ext cx="1766054" cy="967515"/>
+        </a:xfrm>
+        <a:prstGeom prst="roundRect">
+          <a:avLst/>
+        </a:prstGeom>
+        <a:solidFill>
+          <a:schemeClr val="accent6">
+            <a:hueOff val="0"/>
+            <a:satOff val="0"/>
+            <a:lumOff val="0"/>
+            <a:alphaOff val="0"/>
+          </a:schemeClr>
+        </a:solidFill>
+        <a:ln w="12700" cap="flat" cmpd="sng" algn="ctr">
+          <a:solidFill>
+            <a:schemeClr val="lt1">
+              <a:hueOff val="0"/>
+              <a:satOff val="0"/>
+              <a:lumOff val="0"/>
+              <a:alphaOff val="0"/>
+            </a:schemeClr>
+          </a:solidFill>
+          <a:prstDash val="solid"/>
+          <a:miter lim="800000"/>
+        </a:ln>
+        <a:effectLst/>
+      </dsp:spPr>
+      <dsp:style>
+        <a:lnRef idx="2">
+          <a:scrgbClr r="0" g="0" b="0"/>
+        </a:lnRef>
+        <a:fillRef idx="1">
+          <a:scrgbClr r="0" g="0" b="0"/>
+        </a:fillRef>
+        <a:effectRef idx="0">
+          <a:scrgbClr r="0" g="0" b="0"/>
+        </a:effectRef>
+        <a:fontRef idx="minor">
+          <a:schemeClr val="lt1"/>
+        </a:fontRef>
+      </dsp:style>
+      <dsp:txBody>
+        <a:bodyPr spcFirstLastPara="0" vert="horz" wrap="square" lIns="35560" tIns="35560" rIns="35560" bIns="35560" numCol="1" spcCol="1270" anchor="ctr" anchorCtr="0">
+          <a:noAutofit/>
+        </a:bodyPr>
+        <a:lstStyle/>
+        <a:p>
+          <a:pPr lvl="0" algn="ctr" defTabSz="622300">
+            <a:lnSpc>
+              <a:spcPct val="90000"/>
+            </a:lnSpc>
+            <a:spcBef>
+              <a:spcPct val="0"/>
+            </a:spcBef>
+            <a:spcAft>
+              <a:spcPct val="35000"/>
+            </a:spcAft>
+          </a:pPr>
+          <a:r>
+            <a:rPr lang="de-DE" sz="1400" kern="1200" dirty="0" smtClean="0">
+              <a:latin typeface="Times New Roman" panose="02020603050405020304" pitchFamily="18" charset="0"/>
+              <a:cs typeface="Times New Roman" panose="02020603050405020304" pitchFamily="18" charset="0"/>
+            </a:rPr>
+            <a:t>Effizienz</a:t>
+          </a:r>
+          <a:endParaRPr lang="de-DE" sz="1400" kern="1200" dirty="0">
+            <a:latin typeface="Times New Roman" panose="02020603050405020304" pitchFamily="18" charset="0"/>
+            <a:cs typeface="Times New Roman" panose="02020603050405020304" pitchFamily="18" charset="0"/>
+          </a:endParaRPr>
+        </a:p>
+      </dsp:txBody>
+      <dsp:txXfrm>
+        <a:off x="4899560" y="1267611"/>
+        <a:ext cx="1671594" cy="873055"/>
+      </dsp:txXfrm>
+    </dsp:sp>
+    <dsp:sp modelId="{2E7BF77E-AC46-4069-B667-CB5D42459ED7}">
+      <dsp:nvSpPr>
+        <dsp:cNvPr id="0" name=""/>
+        <dsp:cNvSpPr/>
+      </dsp:nvSpPr>
+      <dsp:spPr>
+        <a:xfrm rot="12095478">
+          <a:off x="4841215" y="2777582"/>
+          <a:ext cx="316860" cy="0"/>
+        </a:xfrm>
+        <a:custGeom>
+          <a:avLst/>
+          <a:gdLst/>
+          <a:ahLst/>
+          <a:cxnLst/>
+          <a:rect l="0" t="0" r="0" b="0"/>
+          <a:pathLst>
+            <a:path>
+              <a:moveTo>
+                <a:pt x="0" y="0"/>
+              </a:moveTo>
+              <a:lnTo>
+                <a:pt x="316860" y="0"/>
+              </a:lnTo>
+            </a:path>
+          </a:pathLst>
+        </a:custGeom>
+        <a:noFill/>
+        <a:ln w="12700" cap="flat" cmpd="sng" algn="ctr">
+          <a:solidFill>
+            <a:schemeClr val="accent6">
+              <a:shade val="60000"/>
+              <a:hueOff val="0"/>
+              <a:satOff val="0"/>
+              <a:lumOff val="0"/>
+              <a:alphaOff val="0"/>
+            </a:schemeClr>
+          </a:solidFill>
+          <a:prstDash val="solid"/>
+          <a:miter lim="800000"/>
+        </a:ln>
+        <a:effectLst/>
+      </dsp:spPr>
+      <dsp:style>
+        <a:lnRef idx="2">
+          <a:scrgbClr r="0" g="0" b="0"/>
+        </a:lnRef>
+        <a:fillRef idx="0">
+          <a:scrgbClr r="0" g="0" b="0"/>
+        </a:fillRef>
+        <a:effectRef idx="0">
+          <a:scrgbClr r="0" g="0" b="0"/>
+        </a:effectRef>
+        <a:fontRef idx="minor"/>
+      </dsp:style>
+    </dsp:sp>
+    <dsp:sp modelId="{FEA92EAF-65DA-43CA-8665-A708910D5F6B}">
+      <dsp:nvSpPr>
+        <dsp:cNvPr id="0" name=""/>
+        <dsp:cNvSpPr/>
+      </dsp:nvSpPr>
+      <dsp:spPr>
+        <a:xfrm>
+          <a:off x="4852332" y="2584985"/>
+          <a:ext cx="1766054" cy="967515"/>
+        </a:xfrm>
+        <a:prstGeom prst="roundRect">
+          <a:avLst/>
+        </a:prstGeom>
+        <a:solidFill>
+          <a:schemeClr val="accent6">
+            <a:hueOff val="0"/>
+            <a:satOff val="0"/>
+            <a:lumOff val="0"/>
+            <a:alphaOff val="0"/>
+          </a:schemeClr>
+        </a:solidFill>
+        <a:ln w="12700" cap="flat" cmpd="sng" algn="ctr">
+          <a:solidFill>
+            <a:schemeClr val="lt1">
+              <a:hueOff val="0"/>
+              <a:satOff val="0"/>
+              <a:lumOff val="0"/>
+              <a:alphaOff val="0"/>
+            </a:schemeClr>
+          </a:solidFill>
+          <a:prstDash val="solid"/>
+          <a:miter lim="800000"/>
+        </a:ln>
+        <a:effectLst/>
+      </dsp:spPr>
+      <dsp:style>
+        <a:lnRef idx="2">
+          <a:scrgbClr r="0" g="0" b="0"/>
+        </a:lnRef>
+        <a:fillRef idx="1">
+          <a:scrgbClr r="0" g="0" b="0"/>
+        </a:fillRef>
+        <a:effectRef idx="0">
+          <a:scrgbClr r="0" g="0" b="0"/>
+        </a:effectRef>
+        <a:fontRef idx="minor">
+          <a:schemeClr val="lt1"/>
+        </a:fontRef>
+      </dsp:style>
+      <dsp:txBody>
+        <a:bodyPr spcFirstLastPara="0" vert="horz" wrap="square" lIns="35560" tIns="35560" rIns="35560" bIns="35560" numCol="1" spcCol="1270" anchor="ctr" anchorCtr="0">
+          <a:noAutofit/>
+        </a:bodyPr>
+        <a:lstStyle/>
+        <a:p>
+          <a:pPr lvl="0" algn="ctr" defTabSz="622300">
+            <a:lnSpc>
+              <a:spcPct val="90000"/>
+            </a:lnSpc>
+            <a:spcBef>
+              <a:spcPct val="0"/>
+            </a:spcBef>
+            <a:spcAft>
+              <a:spcPct val="35000"/>
+            </a:spcAft>
+          </a:pPr>
+          <a:r>
+            <a:rPr lang="de-DE" sz="1400" kern="1200" dirty="0" smtClean="0">
+              <a:latin typeface="Times New Roman" panose="02020603050405020304" pitchFamily="18" charset="0"/>
+              <a:cs typeface="Times New Roman" panose="02020603050405020304" pitchFamily="18" charset="0"/>
+            </a:rPr>
+            <a:t>Effektivität</a:t>
+          </a:r>
+          <a:endParaRPr lang="de-DE" sz="1400" kern="1200" dirty="0">
+            <a:latin typeface="Times New Roman" panose="02020603050405020304" pitchFamily="18" charset="0"/>
+            <a:cs typeface="Times New Roman" panose="02020603050405020304" pitchFamily="18" charset="0"/>
+          </a:endParaRPr>
+        </a:p>
+      </dsp:txBody>
+      <dsp:txXfrm>
+        <a:off x="4899562" y="2632215"/>
+        <a:ext cx="1671594" cy="873055"/>
+      </dsp:txXfrm>
+    </dsp:sp>
+    <dsp:sp modelId="{C2C6AF27-9EFD-4F66-8B8F-20BDF721C755}">
+      <dsp:nvSpPr>
+        <dsp:cNvPr id="0" name=""/>
+        <dsp:cNvSpPr/>
+      </dsp:nvSpPr>
+      <dsp:spPr>
+        <a:xfrm rot="16388730">
+          <a:off x="3968939" y="3071723"/>
+          <a:ext cx="114288" cy="0"/>
+        </a:xfrm>
+        <a:custGeom>
+          <a:avLst/>
+          <a:gdLst/>
+          <a:ahLst/>
+          <a:cxnLst/>
+          <a:rect l="0" t="0" r="0" b="0"/>
+          <a:pathLst>
+            <a:path>
+              <a:moveTo>
+                <a:pt x="0" y="0"/>
+              </a:moveTo>
+              <a:lnTo>
+                <a:pt x="114288" y="0"/>
+              </a:lnTo>
+            </a:path>
+          </a:pathLst>
+        </a:custGeom>
+        <a:noFill/>
+        <a:ln w="12700" cap="flat" cmpd="sng" algn="ctr">
+          <a:solidFill>
+            <a:schemeClr val="accent6">
+              <a:shade val="60000"/>
+              <a:hueOff val="0"/>
+              <a:satOff val="0"/>
+              <a:lumOff val="0"/>
+              <a:alphaOff val="0"/>
+            </a:schemeClr>
+          </a:solidFill>
+          <a:prstDash val="solid"/>
+          <a:miter lim="800000"/>
+        </a:ln>
+        <a:effectLst/>
+      </dsp:spPr>
+      <dsp:style>
+        <a:lnRef idx="2">
+          <a:scrgbClr r="0" g="0" b="0"/>
+        </a:lnRef>
+        <a:fillRef idx="0">
+          <a:scrgbClr r="0" g="0" b="0"/>
+        </a:fillRef>
+        <a:effectRef idx="0">
+          <a:scrgbClr r="0" g="0" b="0"/>
+        </a:effectRef>
+        <a:fontRef idx="minor"/>
+      </dsp:style>
+    </dsp:sp>
+    <dsp:sp modelId="{8D211490-9729-4745-87C5-724BDC44E9CE}">
+      <dsp:nvSpPr>
+        <dsp:cNvPr id="0" name=""/>
+        <dsp:cNvSpPr/>
+      </dsp:nvSpPr>
+      <dsp:spPr>
+        <a:xfrm>
+          <a:off x="3119607" y="3014665"/>
+          <a:ext cx="1766054" cy="967515"/>
+        </a:xfrm>
+        <a:prstGeom prst="roundRect">
+          <a:avLst/>
+        </a:prstGeom>
+        <a:solidFill>
+          <a:schemeClr val="accent6">
+            <a:hueOff val="0"/>
+            <a:satOff val="0"/>
+            <a:lumOff val="0"/>
+            <a:alphaOff val="0"/>
+          </a:schemeClr>
+        </a:solidFill>
+        <a:ln w="12700" cap="flat" cmpd="sng" algn="ctr">
+          <a:solidFill>
+            <a:schemeClr val="lt1">
+              <a:hueOff val="0"/>
+              <a:satOff val="0"/>
+              <a:lumOff val="0"/>
+              <a:alphaOff val="0"/>
+            </a:schemeClr>
+          </a:solidFill>
+          <a:prstDash val="solid"/>
+          <a:miter lim="800000"/>
+        </a:ln>
+        <a:effectLst/>
+      </dsp:spPr>
+      <dsp:style>
+        <a:lnRef idx="2">
+          <a:scrgbClr r="0" g="0" b="0"/>
+        </a:lnRef>
+        <a:fillRef idx="1">
+          <a:scrgbClr r="0" g="0" b="0"/>
+        </a:fillRef>
+        <a:effectRef idx="0">
+          <a:scrgbClr r="0" g="0" b="0"/>
+        </a:effectRef>
+        <a:fontRef idx="minor">
+          <a:schemeClr val="lt1"/>
+        </a:fontRef>
+      </dsp:style>
+      <dsp:txBody>
+        <a:bodyPr spcFirstLastPara="0" vert="horz" wrap="square" lIns="35560" tIns="35560" rIns="35560" bIns="35560" numCol="1" spcCol="1270" anchor="ctr" anchorCtr="0">
+          <a:noAutofit/>
+        </a:bodyPr>
+        <a:lstStyle/>
+        <a:p>
+          <a:pPr lvl="0" algn="ctr" defTabSz="622300">
+            <a:lnSpc>
+              <a:spcPct val="90000"/>
+            </a:lnSpc>
+            <a:spcBef>
+              <a:spcPct val="0"/>
+            </a:spcBef>
+            <a:spcAft>
+              <a:spcPct val="35000"/>
+            </a:spcAft>
+          </a:pPr>
+          <a:r>
+            <a:rPr lang="de-DE" sz="1400" kern="1200" dirty="0" smtClean="0">
+              <a:latin typeface="Times New Roman" panose="02020603050405020304" pitchFamily="18" charset="0"/>
+              <a:cs typeface="Times New Roman" panose="02020603050405020304" pitchFamily="18" charset="0"/>
+            </a:rPr>
+            <a:t>Zufriedenheit</a:t>
+          </a:r>
+          <a:endParaRPr lang="de-DE" sz="1400" kern="1200" dirty="0">
+            <a:latin typeface="Times New Roman" panose="02020603050405020304" pitchFamily="18" charset="0"/>
+            <a:cs typeface="Times New Roman" panose="02020603050405020304" pitchFamily="18" charset="0"/>
+          </a:endParaRPr>
+        </a:p>
+      </dsp:txBody>
+      <dsp:txXfrm>
+        <a:off x="3166837" y="3061895"/>
+        <a:ext cx="1671594" cy="873055"/>
+      </dsp:txXfrm>
+    </dsp:sp>
+    <dsp:sp modelId="{44710474-5C7B-4EAF-9AB8-24B0D60D0D47}">
+      <dsp:nvSpPr>
+        <dsp:cNvPr id="0" name=""/>
+        <dsp:cNvSpPr/>
+      </dsp:nvSpPr>
+      <dsp:spPr>
+        <a:xfrm rot="20249694">
+          <a:off x="2969729" y="2812962"/>
+          <a:ext cx="224944" cy="0"/>
+        </a:xfrm>
+        <a:custGeom>
+          <a:avLst/>
+          <a:gdLst/>
+          <a:ahLst/>
+          <a:cxnLst/>
+          <a:rect l="0" t="0" r="0" b="0"/>
+          <a:pathLst>
+            <a:path>
+              <a:moveTo>
+                <a:pt x="0" y="0"/>
+              </a:moveTo>
+              <a:lnTo>
+                <a:pt x="224944" y="0"/>
+              </a:lnTo>
+            </a:path>
+          </a:pathLst>
+        </a:custGeom>
+        <a:noFill/>
+        <a:ln w="12700" cap="flat" cmpd="sng" algn="ctr">
+          <a:solidFill>
+            <a:schemeClr val="accent6">
+              <a:shade val="60000"/>
+              <a:hueOff val="0"/>
+              <a:satOff val="0"/>
+              <a:lumOff val="0"/>
+              <a:alphaOff val="0"/>
+            </a:schemeClr>
+          </a:solidFill>
+          <a:prstDash val="solid"/>
+          <a:miter lim="800000"/>
+        </a:ln>
+        <a:effectLst/>
+      </dsp:spPr>
+      <dsp:style>
+        <a:lnRef idx="2">
+          <a:scrgbClr r="0" g="0" b="0"/>
+        </a:lnRef>
+        <a:fillRef idx="0">
+          <a:scrgbClr r="0" g="0" b="0"/>
+        </a:fillRef>
+        <a:effectRef idx="0">
+          <a:scrgbClr r="0" g="0" b="0"/>
+        </a:effectRef>
+        <a:fontRef idx="minor"/>
+      </dsp:style>
+    </dsp:sp>
+    <dsp:sp modelId="{BA1E4003-28A4-4E5D-ACA6-F09EBCFC5148}">
+      <dsp:nvSpPr>
+        <dsp:cNvPr id="0" name=""/>
+        <dsp:cNvSpPr/>
+      </dsp:nvSpPr>
+      <dsp:spPr>
+        <a:xfrm>
+          <a:off x="1420054" y="2652008"/>
+          <a:ext cx="1766054" cy="967515"/>
+        </a:xfrm>
+        <a:prstGeom prst="roundRect">
+          <a:avLst/>
+        </a:prstGeom>
+        <a:solidFill>
+          <a:schemeClr val="accent6">
+            <a:hueOff val="0"/>
+            <a:satOff val="0"/>
+            <a:lumOff val="0"/>
+            <a:alphaOff val="0"/>
+          </a:schemeClr>
+        </a:solidFill>
+        <a:ln w="12700" cap="flat" cmpd="sng" algn="ctr">
+          <a:solidFill>
+            <a:schemeClr val="lt1">
+              <a:hueOff val="0"/>
+              <a:satOff val="0"/>
+              <a:lumOff val="0"/>
+              <a:alphaOff val="0"/>
+            </a:schemeClr>
+          </a:solidFill>
+          <a:prstDash val="solid"/>
+          <a:miter lim="800000"/>
+        </a:ln>
+        <a:effectLst/>
+      </dsp:spPr>
+      <dsp:style>
+        <a:lnRef idx="2">
+          <a:scrgbClr r="0" g="0" b="0"/>
+        </a:lnRef>
+        <a:fillRef idx="1">
+          <a:scrgbClr r="0" g="0" b="0"/>
+        </a:fillRef>
+        <a:effectRef idx="0">
+          <a:scrgbClr r="0" g="0" b="0"/>
+        </a:effectRef>
+        <a:fontRef idx="minor">
+          <a:schemeClr val="lt1"/>
+        </a:fontRef>
+      </dsp:style>
+      <dsp:txBody>
+        <a:bodyPr spcFirstLastPara="0" vert="horz" wrap="square" lIns="35560" tIns="35560" rIns="35560" bIns="35560" numCol="1" spcCol="1270" anchor="ctr" anchorCtr="0">
+          <a:noAutofit/>
+        </a:bodyPr>
+        <a:lstStyle/>
+        <a:p>
+          <a:pPr lvl="0" algn="ctr" defTabSz="622300">
+            <a:lnSpc>
+              <a:spcPct val="90000"/>
+            </a:lnSpc>
+            <a:spcBef>
+              <a:spcPct val="0"/>
+            </a:spcBef>
+            <a:spcAft>
+              <a:spcPct val="35000"/>
+            </a:spcAft>
+          </a:pPr>
+          <a:r>
+            <a:rPr lang="de-DE" sz="1400" kern="1200" dirty="0" smtClean="0">
+              <a:latin typeface="Times New Roman" panose="02020603050405020304" pitchFamily="18" charset="0"/>
+              <a:cs typeface="Times New Roman" panose="02020603050405020304" pitchFamily="18" charset="0"/>
+            </a:rPr>
+            <a:t>Wettbewerbsfähigkeit</a:t>
+          </a:r>
+          <a:endParaRPr lang="de-DE" sz="1400" kern="1200" dirty="0">
+            <a:latin typeface="Times New Roman" panose="02020603050405020304" pitchFamily="18" charset="0"/>
+            <a:cs typeface="Times New Roman" panose="02020603050405020304" pitchFamily="18" charset="0"/>
+          </a:endParaRPr>
+        </a:p>
+      </dsp:txBody>
+      <dsp:txXfrm>
+        <a:off x="1467284" y="2699238"/>
+        <a:ext cx="1671594" cy="873055"/>
+      </dsp:txXfrm>
+    </dsp:sp>
+    <dsp:sp modelId="{FCC77543-AF27-4BD0-AF60-CFD24CA1C66C}">
+      <dsp:nvSpPr>
+        <dsp:cNvPr id="0" name=""/>
+        <dsp:cNvSpPr/>
+      </dsp:nvSpPr>
+      <dsp:spPr>
+        <a:xfrm rot="1324386">
+          <a:off x="2969013" y="2014630"/>
+          <a:ext cx="253248" cy="0"/>
+        </a:xfrm>
+        <a:custGeom>
+          <a:avLst/>
+          <a:gdLst/>
+          <a:ahLst/>
+          <a:cxnLst/>
+          <a:rect l="0" t="0" r="0" b="0"/>
+          <a:pathLst>
+            <a:path>
+              <a:moveTo>
+                <a:pt x="0" y="0"/>
+              </a:moveTo>
+              <a:lnTo>
+                <a:pt x="253248" y="0"/>
+              </a:lnTo>
+            </a:path>
+          </a:pathLst>
+        </a:custGeom>
+        <a:noFill/>
+        <a:ln w="12700" cap="flat" cmpd="sng" algn="ctr">
+          <a:solidFill>
+            <a:schemeClr val="accent6">
+              <a:shade val="60000"/>
+              <a:hueOff val="0"/>
+              <a:satOff val="0"/>
+              <a:lumOff val="0"/>
+              <a:alphaOff val="0"/>
+            </a:schemeClr>
+          </a:solidFill>
+          <a:prstDash val="solid"/>
+          <a:miter lim="800000"/>
+        </a:ln>
+        <a:effectLst/>
+      </dsp:spPr>
+      <dsp:style>
+        <a:lnRef idx="2">
+          <a:scrgbClr r="0" g="0" b="0"/>
+        </a:lnRef>
+        <a:fillRef idx="0">
+          <a:scrgbClr r="0" g="0" b="0"/>
+        </a:fillRef>
+        <a:effectRef idx="0">
+          <a:scrgbClr r="0" g="0" b="0"/>
+        </a:effectRef>
+        <a:fontRef idx="minor"/>
+      </dsp:style>
+    </dsp:sp>
+    <dsp:sp modelId="{C3DBEBAF-3D80-4F0A-B32F-0B6FF2DB5C44}">
+      <dsp:nvSpPr>
+        <dsp:cNvPr id="0" name=""/>
+        <dsp:cNvSpPr/>
+      </dsp:nvSpPr>
+      <dsp:spPr>
+        <a:xfrm>
+          <a:off x="1446927" y="1220379"/>
+          <a:ext cx="1766054" cy="967515"/>
+        </a:xfrm>
+        <a:prstGeom prst="roundRect">
+          <a:avLst/>
+        </a:prstGeom>
+        <a:solidFill>
+          <a:schemeClr val="accent6">
+            <a:hueOff val="0"/>
+            <a:satOff val="0"/>
+            <a:lumOff val="0"/>
+            <a:alphaOff val="0"/>
+          </a:schemeClr>
+        </a:solidFill>
+        <a:ln w="12700" cap="flat" cmpd="sng" algn="ctr">
+          <a:solidFill>
+            <a:schemeClr val="lt1">
+              <a:hueOff val="0"/>
+              <a:satOff val="0"/>
+              <a:lumOff val="0"/>
+              <a:alphaOff val="0"/>
+            </a:schemeClr>
+          </a:solidFill>
+          <a:prstDash val="solid"/>
+          <a:miter lim="800000"/>
+        </a:ln>
+        <a:effectLst/>
+      </dsp:spPr>
+      <dsp:style>
+        <a:lnRef idx="2">
+          <a:scrgbClr r="0" g="0" b="0"/>
+        </a:lnRef>
+        <a:fillRef idx="1">
+          <a:scrgbClr r="0" g="0" b="0"/>
+        </a:fillRef>
+        <a:effectRef idx="0">
+          <a:scrgbClr r="0" g="0" b="0"/>
+        </a:effectRef>
+        <a:fontRef idx="minor">
+          <a:schemeClr val="lt1"/>
+        </a:fontRef>
+      </dsp:style>
+      <dsp:txBody>
+        <a:bodyPr spcFirstLastPara="0" vert="horz" wrap="square" lIns="35560" tIns="35560" rIns="35560" bIns="35560" numCol="1" spcCol="1270" anchor="ctr" anchorCtr="0">
+          <a:noAutofit/>
+        </a:bodyPr>
+        <a:lstStyle/>
+        <a:p>
+          <a:pPr lvl="0" algn="ctr" defTabSz="622300">
+            <a:lnSpc>
+              <a:spcPct val="90000"/>
+            </a:lnSpc>
+            <a:spcBef>
+              <a:spcPct val="0"/>
+            </a:spcBef>
+            <a:spcAft>
+              <a:spcPct val="35000"/>
+            </a:spcAft>
+          </a:pPr>
+          <a:r>
+            <a:rPr lang="de-DE" sz="1400" kern="1200" dirty="0" smtClean="0">
+              <a:latin typeface="Times New Roman" panose="02020603050405020304" pitchFamily="18" charset="0"/>
+              <a:cs typeface="Times New Roman" panose="02020603050405020304" pitchFamily="18" charset="0"/>
+            </a:rPr>
+            <a:t>Renditeorientierte Ressourcenallokation</a:t>
+          </a:r>
+          <a:endParaRPr lang="de-DE" sz="1400" kern="1200" dirty="0">
+            <a:latin typeface="Times New Roman" panose="02020603050405020304" pitchFamily="18" charset="0"/>
+            <a:cs typeface="Times New Roman" panose="02020603050405020304" pitchFamily="18" charset="0"/>
+          </a:endParaRPr>
+        </a:p>
+      </dsp:txBody>
+      <dsp:txXfrm>
+        <a:off x="1494157" y="1267609"/>
+        <a:ext cx="1671594" cy="873055"/>
+      </dsp:txXfrm>
+    </dsp:sp>
   </dsp:spTree>
 </dsp:drawing>
 </file>
@@ -8415,6 +9920,411 @@
       <dsp:cNvGrpSpPr/>
     </dsp:nvGrpSpPr>
     <dsp:grpSpPr/>
+    <dsp:sp modelId="{5A52798E-AAFE-4147-86DB-64A61BAA72AB}">
+      <dsp:nvSpPr>
+        <dsp:cNvPr id="0" name=""/>
+        <dsp:cNvSpPr/>
+      </dsp:nvSpPr>
+      <dsp:spPr>
+        <a:xfrm>
+          <a:off x="6793" y="1990431"/>
+          <a:ext cx="2030591" cy="1218355"/>
+        </a:xfrm>
+        <a:prstGeom prst="roundRect">
+          <a:avLst>
+            <a:gd name="adj" fmla="val 10000"/>
+          </a:avLst>
+        </a:prstGeom>
+        <a:solidFill>
+          <a:schemeClr val="accent6">
+            <a:alpha val="90000"/>
+            <a:hueOff val="0"/>
+            <a:satOff val="0"/>
+            <a:lumOff val="0"/>
+            <a:alphaOff val="0"/>
+          </a:schemeClr>
+        </a:solidFill>
+        <a:ln w="12700" cap="flat" cmpd="sng" algn="ctr">
+          <a:solidFill>
+            <a:schemeClr val="lt1">
+              <a:hueOff val="0"/>
+              <a:satOff val="0"/>
+              <a:lumOff val="0"/>
+              <a:alphaOff val="0"/>
+            </a:schemeClr>
+          </a:solidFill>
+          <a:prstDash val="solid"/>
+          <a:miter lim="800000"/>
+        </a:ln>
+        <a:effectLst/>
+      </dsp:spPr>
+      <dsp:style>
+        <a:lnRef idx="2">
+          <a:scrgbClr r="0" g="0" b="0"/>
+        </a:lnRef>
+        <a:fillRef idx="1">
+          <a:scrgbClr r="0" g="0" b="0"/>
+        </a:fillRef>
+        <a:effectRef idx="0">
+          <a:scrgbClr r="0" g="0" b="0"/>
+        </a:effectRef>
+        <a:fontRef idx="minor">
+          <a:schemeClr val="lt1"/>
+        </a:fontRef>
+      </dsp:style>
+      <dsp:txBody>
+        <a:bodyPr spcFirstLastPara="0" vert="horz" wrap="square" lIns="91440" tIns="91440" rIns="91440" bIns="91440" numCol="1" spcCol="1270" anchor="ctr" anchorCtr="0">
+          <a:noAutofit/>
+        </a:bodyPr>
+        <a:lstStyle/>
+        <a:p>
+          <a:pPr lvl="0" algn="ctr" defTabSz="1066800">
+            <a:lnSpc>
+              <a:spcPct val="90000"/>
+            </a:lnSpc>
+            <a:spcBef>
+              <a:spcPct val="0"/>
+            </a:spcBef>
+            <a:spcAft>
+              <a:spcPct val="35000"/>
+            </a:spcAft>
+          </a:pPr>
+          <a:r>
+            <a:rPr lang="de-DE" sz="2400" kern="1200" dirty="0" smtClean="0">
+              <a:latin typeface="Times New Roman" panose="02020603050405020304" pitchFamily="18" charset="0"/>
+              <a:cs typeface="Times New Roman" panose="02020603050405020304" pitchFamily="18" charset="0"/>
+            </a:rPr>
+            <a:t>Reaktion vom Controlling</a:t>
+          </a:r>
+          <a:endParaRPr lang="de-DE" sz="2400" kern="1200" dirty="0">
+            <a:latin typeface="Times New Roman" panose="02020603050405020304" pitchFamily="18" charset="0"/>
+            <a:cs typeface="Times New Roman" panose="02020603050405020304" pitchFamily="18" charset="0"/>
+          </a:endParaRPr>
+        </a:p>
+      </dsp:txBody>
+      <dsp:txXfrm>
+        <a:off x="42477" y="2026115"/>
+        <a:ext cx="1959223" cy="1146987"/>
+      </dsp:txXfrm>
+    </dsp:sp>
+    <dsp:sp modelId="{B47B599B-1878-439E-AF69-3E8BC9F7AC88}">
+      <dsp:nvSpPr>
+        <dsp:cNvPr id="0" name=""/>
+        <dsp:cNvSpPr/>
+      </dsp:nvSpPr>
+      <dsp:spPr>
+        <a:xfrm>
+          <a:off x="2240444" y="2347816"/>
+          <a:ext cx="430485" cy="503586"/>
+        </a:xfrm>
+        <a:prstGeom prst="rightArrow">
+          <a:avLst>
+            <a:gd name="adj1" fmla="val 60000"/>
+            <a:gd name="adj2" fmla="val 50000"/>
+          </a:avLst>
+        </a:prstGeom>
+        <a:solidFill>
+          <a:schemeClr val="accent6">
+            <a:shade val="90000"/>
+            <a:hueOff val="0"/>
+            <a:satOff val="0"/>
+            <a:lumOff val="0"/>
+            <a:alphaOff val="0"/>
+          </a:schemeClr>
+        </a:solidFill>
+        <a:ln>
+          <a:noFill/>
+        </a:ln>
+        <a:effectLst/>
+      </dsp:spPr>
+      <dsp:style>
+        <a:lnRef idx="0">
+          <a:scrgbClr r="0" g="0" b="0"/>
+        </a:lnRef>
+        <a:fillRef idx="1">
+          <a:scrgbClr r="0" g="0" b="0"/>
+        </a:fillRef>
+        <a:effectRef idx="0">
+          <a:scrgbClr r="0" g="0" b="0"/>
+        </a:effectRef>
+        <a:fontRef idx="minor">
+          <a:schemeClr val="lt1"/>
+        </a:fontRef>
+      </dsp:style>
+      <dsp:txBody>
+        <a:bodyPr spcFirstLastPara="0" vert="horz" wrap="square" lIns="0" tIns="0" rIns="0" bIns="0" numCol="1" spcCol="1270" anchor="ctr" anchorCtr="0">
+          <a:noAutofit/>
+        </a:bodyPr>
+        <a:lstStyle/>
+        <a:p>
+          <a:pPr lvl="0" algn="ctr" defTabSz="1066800">
+            <a:lnSpc>
+              <a:spcPct val="90000"/>
+            </a:lnSpc>
+            <a:spcBef>
+              <a:spcPct val="0"/>
+            </a:spcBef>
+            <a:spcAft>
+              <a:spcPct val="35000"/>
+            </a:spcAft>
+          </a:pPr>
+          <a:endParaRPr lang="de-DE" sz="2400" kern="1200">
+            <a:latin typeface="Times New Roman" panose="02020603050405020304" pitchFamily="18" charset="0"/>
+            <a:cs typeface="Times New Roman" panose="02020603050405020304" pitchFamily="18" charset="0"/>
+          </a:endParaRPr>
+        </a:p>
+      </dsp:txBody>
+      <dsp:txXfrm>
+        <a:off x="2240444" y="2448533"/>
+        <a:ext cx="301340" cy="302152"/>
+      </dsp:txXfrm>
+    </dsp:sp>
+    <dsp:sp modelId="{6619D80D-F103-4BD4-9D27-183E0DB23544}">
+      <dsp:nvSpPr>
+        <dsp:cNvPr id="0" name=""/>
+        <dsp:cNvSpPr/>
+      </dsp:nvSpPr>
+      <dsp:spPr>
+        <a:xfrm>
+          <a:off x="2849622" y="1990431"/>
+          <a:ext cx="2030591" cy="1218355"/>
+        </a:xfrm>
+        <a:prstGeom prst="roundRect">
+          <a:avLst>
+            <a:gd name="adj" fmla="val 10000"/>
+          </a:avLst>
+        </a:prstGeom>
+        <a:solidFill>
+          <a:schemeClr val="accent6">
+            <a:alpha val="90000"/>
+            <a:hueOff val="0"/>
+            <a:satOff val="0"/>
+            <a:lumOff val="0"/>
+            <a:alphaOff val="-20000"/>
+          </a:schemeClr>
+        </a:solidFill>
+        <a:ln w="12700" cap="flat" cmpd="sng" algn="ctr">
+          <a:solidFill>
+            <a:schemeClr val="lt1">
+              <a:hueOff val="0"/>
+              <a:satOff val="0"/>
+              <a:lumOff val="0"/>
+              <a:alphaOff val="0"/>
+            </a:schemeClr>
+          </a:solidFill>
+          <a:prstDash val="solid"/>
+          <a:miter lim="800000"/>
+        </a:ln>
+        <a:effectLst/>
+      </dsp:spPr>
+      <dsp:style>
+        <a:lnRef idx="2">
+          <a:scrgbClr r="0" g="0" b="0"/>
+        </a:lnRef>
+        <a:fillRef idx="1">
+          <a:scrgbClr r="0" g="0" b="0"/>
+        </a:fillRef>
+        <a:effectRef idx="0">
+          <a:scrgbClr r="0" g="0" b="0"/>
+        </a:effectRef>
+        <a:fontRef idx="minor">
+          <a:schemeClr val="lt1"/>
+        </a:fontRef>
+      </dsp:style>
+      <dsp:txBody>
+        <a:bodyPr spcFirstLastPara="0" vert="horz" wrap="square" lIns="91440" tIns="91440" rIns="91440" bIns="91440" numCol="1" spcCol="1270" anchor="ctr" anchorCtr="0">
+          <a:noAutofit/>
+        </a:bodyPr>
+        <a:lstStyle/>
+        <a:p>
+          <a:pPr lvl="0" algn="ctr" defTabSz="1066800">
+            <a:lnSpc>
+              <a:spcPct val="90000"/>
+            </a:lnSpc>
+            <a:spcBef>
+              <a:spcPct val="0"/>
+            </a:spcBef>
+            <a:spcAft>
+              <a:spcPct val="35000"/>
+            </a:spcAft>
+          </a:pPr>
+          <a:r>
+            <a:rPr lang="de-DE" sz="2400" kern="1200" dirty="0" smtClean="0">
+              <a:latin typeface="Times New Roman" panose="02020603050405020304" pitchFamily="18" charset="0"/>
+              <a:cs typeface="Times New Roman" panose="02020603050405020304" pitchFamily="18" charset="0"/>
+            </a:rPr>
+            <a:t>Manager</a:t>
+          </a:r>
+          <a:endParaRPr lang="de-DE" sz="2400" kern="1200" dirty="0">
+            <a:latin typeface="Times New Roman" panose="02020603050405020304" pitchFamily="18" charset="0"/>
+            <a:cs typeface="Times New Roman" panose="02020603050405020304" pitchFamily="18" charset="0"/>
+          </a:endParaRPr>
+        </a:p>
+      </dsp:txBody>
+      <dsp:txXfrm>
+        <a:off x="2885306" y="2026115"/>
+        <a:ext cx="1959223" cy="1146987"/>
+      </dsp:txXfrm>
+    </dsp:sp>
+    <dsp:sp modelId="{7A5356FD-8A61-42A6-BFBF-7C73257FDE9A}">
+      <dsp:nvSpPr>
+        <dsp:cNvPr id="0" name=""/>
+        <dsp:cNvSpPr/>
+      </dsp:nvSpPr>
+      <dsp:spPr>
+        <a:xfrm>
+          <a:off x="5083273" y="2347816"/>
+          <a:ext cx="430485" cy="503586"/>
+        </a:xfrm>
+        <a:prstGeom prst="rightArrow">
+          <a:avLst>
+            <a:gd name="adj1" fmla="val 60000"/>
+            <a:gd name="adj2" fmla="val 50000"/>
+          </a:avLst>
+        </a:prstGeom>
+        <a:solidFill>
+          <a:schemeClr val="accent6">
+            <a:shade val="90000"/>
+            <a:hueOff val="379870"/>
+            <a:satOff val="-15173"/>
+            <a:lumOff val="35191"/>
+            <a:alphaOff val="0"/>
+          </a:schemeClr>
+        </a:solidFill>
+        <a:ln>
+          <a:noFill/>
+        </a:ln>
+        <a:effectLst/>
+      </dsp:spPr>
+      <dsp:style>
+        <a:lnRef idx="0">
+          <a:scrgbClr r="0" g="0" b="0"/>
+        </a:lnRef>
+        <a:fillRef idx="1">
+          <a:scrgbClr r="0" g="0" b="0"/>
+        </a:fillRef>
+        <a:effectRef idx="0">
+          <a:scrgbClr r="0" g="0" b="0"/>
+        </a:effectRef>
+        <a:fontRef idx="minor">
+          <a:schemeClr val="lt1"/>
+        </a:fontRef>
+      </dsp:style>
+      <dsp:txBody>
+        <a:bodyPr spcFirstLastPara="0" vert="horz" wrap="square" lIns="0" tIns="0" rIns="0" bIns="0" numCol="1" spcCol="1270" anchor="ctr" anchorCtr="0">
+          <a:noAutofit/>
+        </a:bodyPr>
+        <a:lstStyle/>
+        <a:p>
+          <a:pPr lvl="0" algn="ctr" defTabSz="1066800">
+            <a:lnSpc>
+              <a:spcPct val="90000"/>
+            </a:lnSpc>
+            <a:spcBef>
+              <a:spcPct val="0"/>
+            </a:spcBef>
+            <a:spcAft>
+              <a:spcPct val="35000"/>
+            </a:spcAft>
+          </a:pPr>
+          <a:endParaRPr lang="de-DE" sz="2400" kern="1200">
+            <a:latin typeface="Times New Roman" panose="02020603050405020304" pitchFamily="18" charset="0"/>
+            <a:cs typeface="Times New Roman" panose="02020603050405020304" pitchFamily="18" charset="0"/>
+          </a:endParaRPr>
+        </a:p>
+      </dsp:txBody>
+      <dsp:txXfrm>
+        <a:off x="5083273" y="2448533"/>
+        <a:ext cx="301340" cy="302152"/>
+      </dsp:txXfrm>
+    </dsp:sp>
+    <dsp:sp modelId="{8A5DB757-DEDE-4373-8C63-C11CA448C576}">
+      <dsp:nvSpPr>
+        <dsp:cNvPr id="0" name=""/>
+        <dsp:cNvSpPr/>
+      </dsp:nvSpPr>
+      <dsp:spPr>
+        <a:xfrm>
+          <a:off x="5692451" y="1990431"/>
+          <a:ext cx="2030591" cy="1218355"/>
+        </a:xfrm>
+        <a:prstGeom prst="roundRect">
+          <a:avLst>
+            <a:gd name="adj" fmla="val 10000"/>
+          </a:avLst>
+        </a:prstGeom>
+        <a:solidFill>
+          <a:schemeClr val="accent6">
+            <a:alpha val="90000"/>
+            <a:hueOff val="0"/>
+            <a:satOff val="0"/>
+            <a:lumOff val="0"/>
+            <a:alphaOff val="-40000"/>
+          </a:schemeClr>
+        </a:solidFill>
+        <a:ln w="12700" cap="flat" cmpd="sng" algn="ctr">
+          <a:solidFill>
+            <a:schemeClr val="lt1">
+              <a:hueOff val="0"/>
+              <a:satOff val="0"/>
+              <a:lumOff val="0"/>
+              <a:alphaOff val="0"/>
+            </a:schemeClr>
+          </a:solidFill>
+          <a:prstDash val="solid"/>
+          <a:miter lim="800000"/>
+        </a:ln>
+        <a:effectLst/>
+      </dsp:spPr>
+      <dsp:style>
+        <a:lnRef idx="2">
+          <a:scrgbClr r="0" g="0" b="0"/>
+        </a:lnRef>
+        <a:fillRef idx="1">
+          <a:scrgbClr r="0" g="0" b="0"/>
+        </a:fillRef>
+        <a:effectRef idx="0">
+          <a:scrgbClr r="0" g="0" b="0"/>
+        </a:effectRef>
+        <a:fontRef idx="minor">
+          <a:schemeClr val="lt1"/>
+        </a:fontRef>
+      </dsp:style>
+      <dsp:txBody>
+        <a:bodyPr spcFirstLastPara="0" vert="horz" wrap="square" lIns="91440" tIns="91440" rIns="91440" bIns="91440" numCol="1" spcCol="1270" anchor="ctr" anchorCtr="0">
+          <a:noAutofit/>
+        </a:bodyPr>
+        <a:lstStyle/>
+        <a:p>
+          <a:pPr lvl="0" algn="ctr" defTabSz="1066800">
+            <a:lnSpc>
+              <a:spcPct val="90000"/>
+            </a:lnSpc>
+            <a:spcBef>
+              <a:spcPct val="0"/>
+            </a:spcBef>
+            <a:spcAft>
+              <a:spcPct val="35000"/>
+            </a:spcAft>
+          </a:pPr>
+          <a:r>
+            <a:rPr lang="de-DE" sz="2400" kern="1200" dirty="0" smtClean="0">
+              <a:latin typeface="Times New Roman" panose="02020603050405020304" pitchFamily="18" charset="0"/>
+              <a:cs typeface="Times New Roman" panose="02020603050405020304" pitchFamily="18" charset="0"/>
+            </a:rPr>
+            <a:t>Durchführung Abwehraktion</a:t>
+          </a:r>
+          <a:endParaRPr lang="de-DE" sz="2400" kern="1200" dirty="0">
+            <a:latin typeface="Times New Roman" panose="02020603050405020304" pitchFamily="18" charset="0"/>
+            <a:cs typeface="Times New Roman" panose="02020603050405020304" pitchFamily="18" charset="0"/>
+          </a:endParaRPr>
+        </a:p>
+      </dsp:txBody>
+      <dsp:txXfrm>
+        <a:off x="5728135" y="2026115"/>
+        <a:ext cx="1959223" cy="1146987"/>
+      </dsp:txXfrm>
+    </dsp:sp>
   </dsp:spTree>
 </dsp:drawing>
 </file>
@@ -8427,6 +10337,603 @@
       <dsp:cNvGrpSpPr/>
     </dsp:nvGrpSpPr>
     <dsp:grpSpPr/>
+    <dsp:sp modelId="{2DC58751-22F7-43A8-B545-41A8CC06BC42}">
+      <dsp:nvSpPr>
+        <dsp:cNvPr id="0" name=""/>
+        <dsp:cNvSpPr/>
+      </dsp:nvSpPr>
+      <dsp:spPr>
+        <a:xfrm rot="5400000">
+          <a:off x="4218301" y="-1560807"/>
+          <a:ext cx="1083441" cy="4480021"/>
+        </a:xfrm>
+        <a:prstGeom prst="round2SameRect">
+          <a:avLst/>
+        </a:prstGeom>
+        <a:solidFill>
+          <a:schemeClr val="accent6">
+            <a:alpha val="90000"/>
+            <a:tint val="40000"/>
+            <a:hueOff val="0"/>
+            <a:satOff val="0"/>
+            <a:lumOff val="0"/>
+            <a:alphaOff val="0"/>
+          </a:schemeClr>
+        </a:solidFill>
+        <a:ln w="12700" cap="flat" cmpd="sng" algn="ctr">
+          <a:solidFill>
+            <a:schemeClr val="accent6">
+              <a:alpha val="90000"/>
+              <a:tint val="40000"/>
+              <a:hueOff val="0"/>
+              <a:satOff val="0"/>
+              <a:lumOff val="0"/>
+              <a:alphaOff val="0"/>
+            </a:schemeClr>
+          </a:solidFill>
+          <a:prstDash val="solid"/>
+          <a:miter lim="800000"/>
+        </a:ln>
+        <a:effectLst/>
+      </dsp:spPr>
+      <dsp:style>
+        <a:lnRef idx="2">
+          <a:scrgbClr r="0" g="0" b="0"/>
+        </a:lnRef>
+        <a:fillRef idx="1">
+          <a:scrgbClr r="0" g="0" b="0"/>
+        </a:fillRef>
+        <a:effectRef idx="0">
+          <a:scrgbClr r="0" g="0" b="0"/>
+        </a:effectRef>
+        <a:fontRef idx="minor"/>
+      </dsp:style>
+      <dsp:txBody>
+        <a:bodyPr spcFirstLastPara="0" vert="horz" wrap="square" lIns="110490" tIns="55245" rIns="110490" bIns="55245" numCol="1" spcCol="1270" anchor="ctr" anchorCtr="0">
+          <a:noAutofit/>
+        </a:bodyPr>
+        <a:lstStyle/>
+        <a:p>
+          <a:pPr marL="285750" lvl="1" indent="-285750" algn="l" defTabSz="1289050">
+            <a:lnSpc>
+              <a:spcPct val="90000"/>
+            </a:lnSpc>
+            <a:spcBef>
+              <a:spcPct val="0"/>
+            </a:spcBef>
+            <a:spcAft>
+              <a:spcPct val="15000"/>
+            </a:spcAft>
+            <a:buChar char="••"/>
+          </a:pPr>
+          <a:r>
+            <a:rPr lang="de-DE" sz="2900" kern="1200" dirty="0" smtClean="0">
+              <a:latin typeface="Times New Roman" panose="02020603050405020304" pitchFamily="18" charset="0"/>
+              <a:cs typeface="Times New Roman" panose="02020603050405020304" pitchFamily="18" charset="0"/>
+            </a:rPr>
+            <a:t>Kapital</a:t>
+          </a:r>
+          <a:endParaRPr lang="de-DE" sz="2900" kern="1200" dirty="0">
+            <a:latin typeface="Times New Roman" panose="02020603050405020304" pitchFamily="18" charset="0"/>
+            <a:cs typeface="Times New Roman" panose="02020603050405020304" pitchFamily="18" charset="0"/>
+          </a:endParaRPr>
+        </a:p>
+        <a:p>
+          <a:pPr marL="285750" lvl="1" indent="-285750" algn="l" defTabSz="1289050">
+            <a:lnSpc>
+              <a:spcPct val="90000"/>
+            </a:lnSpc>
+            <a:spcBef>
+              <a:spcPct val="0"/>
+            </a:spcBef>
+            <a:spcAft>
+              <a:spcPct val="15000"/>
+            </a:spcAft>
+            <a:buChar char="••"/>
+          </a:pPr>
+          <a:r>
+            <a:rPr lang="de-DE" sz="2900" kern="1200" dirty="0" smtClean="0">
+              <a:latin typeface="Times New Roman" panose="02020603050405020304" pitchFamily="18" charset="0"/>
+              <a:cs typeface="Times New Roman" panose="02020603050405020304" pitchFamily="18" charset="0"/>
+            </a:rPr>
+            <a:t>Personal</a:t>
+          </a:r>
+          <a:endParaRPr lang="de-DE" sz="2900" kern="1200" dirty="0">
+            <a:latin typeface="Times New Roman" panose="02020603050405020304" pitchFamily="18" charset="0"/>
+            <a:cs typeface="Times New Roman" panose="02020603050405020304" pitchFamily="18" charset="0"/>
+          </a:endParaRPr>
+        </a:p>
+      </dsp:txBody>
+      <dsp:txXfrm rot="-5400000">
+        <a:off x="2520012" y="190371"/>
+        <a:ext cx="4427132" cy="977663"/>
+      </dsp:txXfrm>
+    </dsp:sp>
+    <dsp:sp modelId="{7731A3F6-937F-4F67-836B-10F307D1B55B}">
+      <dsp:nvSpPr>
+        <dsp:cNvPr id="0" name=""/>
+        <dsp:cNvSpPr/>
+      </dsp:nvSpPr>
+      <dsp:spPr>
+        <a:xfrm>
+          <a:off x="0" y="2051"/>
+          <a:ext cx="2520011" cy="1354302"/>
+        </a:xfrm>
+        <a:prstGeom prst="roundRect">
+          <a:avLst/>
+        </a:prstGeom>
+        <a:solidFill>
+          <a:schemeClr val="accent6">
+            <a:hueOff val="0"/>
+            <a:satOff val="0"/>
+            <a:lumOff val="0"/>
+            <a:alphaOff val="0"/>
+          </a:schemeClr>
+        </a:solidFill>
+        <a:ln w="12700" cap="flat" cmpd="sng" algn="ctr">
+          <a:solidFill>
+            <a:schemeClr val="lt1">
+              <a:hueOff val="0"/>
+              <a:satOff val="0"/>
+              <a:lumOff val="0"/>
+              <a:alphaOff val="0"/>
+            </a:schemeClr>
+          </a:solidFill>
+          <a:prstDash val="solid"/>
+          <a:miter lim="800000"/>
+        </a:ln>
+        <a:effectLst/>
+      </dsp:spPr>
+      <dsp:style>
+        <a:lnRef idx="2">
+          <a:scrgbClr r="0" g="0" b="0"/>
+        </a:lnRef>
+        <a:fillRef idx="1">
+          <a:scrgbClr r="0" g="0" b="0"/>
+        </a:fillRef>
+        <a:effectRef idx="0">
+          <a:scrgbClr r="0" g="0" b="0"/>
+        </a:effectRef>
+        <a:fontRef idx="minor">
+          <a:schemeClr val="lt1"/>
+        </a:fontRef>
+      </dsp:style>
+      <dsp:txBody>
+        <a:bodyPr spcFirstLastPara="0" vert="horz" wrap="square" lIns="118110" tIns="59055" rIns="118110" bIns="59055" numCol="1" spcCol="1270" anchor="ctr" anchorCtr="0">
+          <a:noAutofit/>
+        </a:bodyPr>
+        <a:lstStyle/>
+        <a:p>
+          <a:pPr lvl="0" algn="ctr" defTabSz="1377950">
+            <a:lnSpc>
+              <a:spcPct val="90000"/>
+            </a:lnSpc>
+            <a:spcBef>
+              <a:spcPct val="0"/>
+            </a:spcBef>
+            <a:spcAft>
+              <a:spcPct val="35000"/>
+            </a:spcAft>
+          </a:pPr>
+          <a:r>
+            <a:rPr lang="de-DE" sz="3100" kern="1200" dirty="0" smtClean="0">
+              <a:latin typeface="Times New Roman" panose="02020603050405020304" pitchFamily="18" charset="0"/>
+              <a:cs typeface="Times New Roman" panose="02020603050405020304" pitchFamily="18" charset="0"/>
+            </a:rPr>
+            <a:t>Anschaffung IT</a:t>
+          </a:r>
+          <a:endParaRPr lang="de-DE" sz="3100" kern="1200" dirty="0">
+            <a:latin typeface="Times New Roman" panose="02020603050405020304" pitchFamily="18" charset="0"/>
+            <a:cs typeface="Times New Roman" panose="02020603050405020304" pitchFamily="18" charset="0"/>
+          </a:endParaRPr>
+        </a:p>
+      </dsp:txBody>
+      <dsp:txXfrm>
+        <a:off x="66112" y="68163"/>
+        <a:ext cx="2387787" cy="1222078"/>
+      </dsp:txXfrm>
+    </dsp:sp>
+    <dsp:sp modelId="{557F6329-474D-4980-BEA1-9CF33C6D0B43}">
+      <dsp:nvSpPr>
+        <dsp:cNvPr id="0" name=""/>
+        <dsp:cNvSpPr/>
+      </dsp:nvSpPr>
+      <dsp:spPr>
+        <a:xfrm rot="5400000">
+          <a:off x="4218301" y="-138790"/>
+          <a:ext cx="1083441" cy="4480021"/>
+        </a:xfrm>
+        <a:prstGeom prst="round2SameRect">
+          <a:avLst/>
+        </a:prstGeom>
+        <a:solidFill>
+          <a:schemeClr val="accent6">
+            <a:alpha val="90000"/>
+            <a:tint val="40000"/>
+            <a:hueOff val="0"/>
+            <a:satOff val="0"/>
+            <a:lumOff val="0"/>
+            <a:alphaOff val="0"/>
+          </a:schemeClr>
+        </a:solidFill>
+        <a:ln w="12700" cap="flat" cmpd="sng" algn="ctr">
+          <a:solidFill>
+            <a:schemeClr val="accent6">
+              <a:alpha val="90000"/>
+              <a:tint val="40000"/>
+              <a:hueOff val="0"/>
+              <a:satOff val="0"/>
+              <a:lumOff val="0"/>
+              <a:alphaOff val="0"/>
+            </a:schemeClr>
+          </a:solidFill>
+          <a:prstDash val="solid"/>
+          <a:miter lim="800000"/>
+        </a:ln>
+        <a:effectLst/>
+      </dsp:spPr>
+      <dsp:style>
+        <a:lnRef idx="2">
+          <a:scrgbClr r="0" g="0" b="0"/>
+        </a:lnRef>
+        <a:fillRef idx="1">
+          <a:scrgbClr r="0" g="0" b="0"/>
+        </a:fillRef>
+        <a:effectRef idx="0">
+          <a:scrgbClr r="0" g="0" b="0"/>
+        </a:effectRef>
+        <a:fontRef idx="minor"/>
+      </dsp:style>
+      <dsp:txBody>
+        <a:bodyPr spcFirstLastPara="0" vert="horz" wrap="square" lIns="110490" tIns="55245" rIns="110490" bIns="55245" numCol="1" spcCol="1270" anchor="ctr" anchorCtr="0">
+          <a:noAutofit/>
+        </a:bodyPr>
+        <a:lstStyle/>
+        <a:p>
+          <a:pPr marL="285750" lvl="1" indent="-285750" algn="l" defTabSz="1289050">
+            <a:lnSpc>
+              <a:spcPct val="90000"/>
+            </a:lnSpc>
+            <a:spcBef>
+              <a:spcPct val="0"/>
+            </a:spcBef>
+            <a:spcAft>
+              <a:spcPct val="15000"/>
+            </a:spcAft>
+            <a:buChar char="••"/>
+          </a:pPr>
+          <a:r>
+            <a:rPr lang="de-DE" sz="2900" kern="1200" dirty="0" smtClean="0">
+              <a:latin typeface="Times New Roman" panose="02020603050405020304" pitchFamily="18" charset="0"/>
+              <a:cs typeface="Times New Roman" panose="02020603050405020304" pitchFamily="18" charset="0"/>
+            </a:rPr>
+            <a:t>System-Management</a:t>
+          </a:r>
+          <a:endParaRPr lang="de-DE" sz="2900" kern="1200" dirty="0">
+            <a:latin typeface="Times New Roman" panose="02020603050405020304" pitchFamily="18" charset="0"/>
+            <a:cs typeface="Times New Roman" panose="02020603050405020304" pitchFamily="18" charset="0"/>
+          </a:endParaRPr>
+        </a:p>
+        <a:p>
+          <a:pPr marL="285750" lvl="1" indent="-285750" algn="l" defTabSz="1289050">
+            <a:lnSpc>
+              <a:spcPct val="90000"/>
+            </a:lnSpc>
+            <a:spcBef>
+              <a:spcPct val="0"/>
+            </a:spcBef>
+            <a:spcAft>
+              <a:spcPct val="15000"/>
+            </a:spcAft>
+            <a:buChar char="••"/>
+          </a:pPr>
+          <a:r>
+            <a:rPr lang="de-DE" sz="2900" kern="1200" dirty="0" smtClean="0">
+              <a:latin typeface="Times New Roman" panose="02020603050405020304" pitchFamily="18" charset="0"/>
+              <a:cs typeface="Times New Roman" panose="02020603050405020304" pitchFamily="18" charset="0"/>
+            </a:rPr>
+            <a:t>Controlling im Wandel</a:t>
+          </a:r>
+          <a:endParaRPr lang="de-DE" sz="2900" kern="1200" dirty="0">
+            <a:latin typeface="Times New Roman" panose="02020603050405020304" pitchFamily="18" charset="0"/>
+            <a:cs typeface="Times New Roman" panose="02020603050405020304" pitchFamily="18" charset="0"/>
+          </a:endParaRPr>
+        </a:p>
+      </dsp:txBody>
+      <dsp:txXfrm rot="-5400000">
+        <a:off x="2520012" y="1612388"/>
+        <a:ext cx="4427132" cy="977663"/>
+      </dsp:txXfrm>
+    </dsp:sp>
+    <dsp:sp modelId="{9735387F-7065-4AC2-B071-96EB8B19975E}">
+      <dsp:nvSpPr>
+        <dsp:cNvPr id="0" name=""/>
+        <dsp:cNvSpPr/>
+      </dsp:nvSpPr>
+      <dsp:spPr>
+        <a:xfrm>
+          <a:off x="0" y="1424069"/>
+          <a:ext cx="2520011" cy="1354302"/>
+        </a:xfrm>
+        <a:prstGeom prst="roundRect">
+          <a:avLst/>
+        </a:prstGeom>
+        <a:solidFill>
+          <a:schemeClr val="accent6">
+            <a:hueOff val="0"/>
+            <a:satOff val="0"/>
+            <a:lumOff val="0"/>
+            <a:alphaOff val="0"/>
+          </a:schemeClr>
+        </a:solidFill>
+        <a:ln w="12700" cap="flat" cmpd="sng" algn="ctr">
+          <a:solidFill>
+            <a:schemeClr val="lt1">
+              <a:hueOff val="0"/>
+              <a:satOff val="0"/>
+              <a:lumOff val="0"/>
+              <a:alphaOff val="0"/>
+            </a:schemeClr>
+          </a:solidFill>
+          <a:prstDash val="solid"/>
+          <a:miter lim="800000"/>
+        </a:ln>
+        <a:effectLst/>
+      </dsp:spPr>
+      <dsp:style>
+        <a:lnRef idx="2">
+          <a:scrgbClr r="0" g="0" b="0"/>
+        </a:lnRef>
+        <a:fillRef idx="1">
+          <a:scrgbClr r="0" g="0" b="0"/>
+        </a:fillRef>
+        <a:effectRef idx="0">
+          <a:scrgbClr r="0" g="0" b="0"/>
+        </a:effectRef>
+        <a:fontRef idx="minor">
+          <a:schemeClr val="lt1"/>
+        </a:fontRef>
+      </dsp:style>
+      <dsp:txBody>
+        <a:bodyPr spcFirstLastPara="0" vert="horz" wrap="square" lIns="118110" tIns="59055" rIns="118110" bIns="59055" numCol="1" spcCol="1270" anchor="ctr" anchorCtr="0">
+          <a:noAutofit/>
+        </a:bodyPr>
+        <a:lstStyle/>
+        <a:p>
+          <a:pPr lvl="0" algn="ctr" defTabSz="1377950">
+            <a:lnSpc>
+              <a:spcPct val="90000"/>
+            </a:lnSpc>
+            <a:spcBef>
+              <a:spcPct val="0"/>
+            </a:spcBef>
+            <a:spcAft>
+              <a:spcPct val="35000"/>
+            </a:spcAft>
+          </a:pPr>
+          <a:r>
+            <a:rPr lang="de-DE" sz="3100" kern="1200" dirty="0" smtClean="0">
+              <a:latin typeface="Times New Roman" panose="02020603050405020304" pitchFamily="18" charset="0"/>
+              <a:cs typeface="Times New Roman" panose="02020603050405020304" pitchFamily="18" charset="0"/>
+            </a:rPr>
+            <a:t>Bestehende IT</a:t>
+          </a:r>
+          <a:endParaRPr lang="de-DE" sz="3100" kern="1200" dirty="0">
+            <a:latin typeface="Times New Roman" panose="02020603050405020304" pitchFamily="18" charset="0"/>
+            <a:cs typeface="Times New Roman" panose="02020603050405020304" pitchFamily="18" charset="0"/>
+          </a:endParaRPr>
+        </a:p>
+      </dsp:txBody>
+      <dsp:txXfrm>
+        <a:off x="66112" y="1490181"/>
+        <a:ext cx="2387787" cy="1222078"/>
+      </dsp:txXfrm>
+    </dsp:sp>
+    <dsp:sp modelId="{36586BA3-713E-40FA-B8B9-26B58553979B}">
+      <dsp:nvSpPr>
+        <dsp:cNvPr id="0" name=""/>
+        <dsp:cNvSpPr/>
+      </dsp:nvSpPr>
+      <dsp:spPr>
+        <a:xfrm rot="5400000">
+          <a:off x="4218301" y="1283227"/>
+          <a:ext cx="1083441" cy="4480021"/>
+        </a:xfrm>
+        <a:prstGeom prst="round2SameRect">
+          <a:avLst/>
+        </a:prstGeom>
+        <a:solidFill>
+          <a:schemeClr val="accent6">
+            <a:alpha val="90000"/>
+            <a:tint val="40000"/>
+            <a:hueOff val="0"/>
+            <a:satOff val="0"/>
+            <a:lumOff val="0"/>
+            <a:alphaOff val="0"/>
+          </a:schemeClr>
+        </a:solidFill>
+        <a:ln w="12700" cap="flat" cmpd="sng" algn="ctr">
+          <a:solidFill>
+            <a:schemeClr val="accent6">
+              <a:alpha val="90000"/>
+              <a:tint val="40000"/>
+              <a:hueOff val="0"/>
+              <a:satOff val="0"/>
+              <a:lumOff val="0"/>
+              <a:alphaOff val="0"/>
+            </a:schemeClr>
+          </a:solidFill>
+          <a:prstDash val="solid"/>
+          <a:miter lim="800000"/>
+        </a:ln>
+        <a:effectLst/>
+      </dsp:spPr>
+      <dsp:style>
+        <a:lnRef idx="2">
+          <a:scrgbClr r="0" g="0" b="0"/>
+        </a:lnRef>
+        <a:fillRef idx="1">
+          <a:scrgbClr r="0" g="0" b="0"/>
+        </a:fillRef>
+        <a:effectRef idx="0">
+          <a:scrgbClr r="0" g="0" b="0"/>
+        </a:effectRef>
+        <a:fontRef idx="minor"/>
+      </dsp:style>
+      <dsp:txBody>
+        <a:bodyPr spcFirstLastPara="0" vert="horz" wrap="square" lIns="110490" tIns="55245" rIns="110490" bIns="55245" numCol="1" spcCol="1270" anchor="ctr" anchorCtr="0">
+          <a:noAutofit/>
+        </a:bodyPr>
+        <a:lstStyle/>
+        <a:p>
+          <a:pPr marL="285750" lvl="1" indent="-285750" algn="l" defTabSz="1289050">
+            <a:lnSpc>
+              <a:spcPct val="90000"/>
+            </a:lnSpc>
+            <a:spcBef>
+              <a:spcPct val="0"/>
+            </a:spcBef>
+            <a:spcAft>
+              <a:spcPct val="15000"/>
+            </a:spcAft>
+            <a:buChar char="••"/>
+          </a:pPr>
+          <a:r>
+            <a:rPr lang="de-DE" sz="2900" kern="1200" dirty="0" smtClean="0">
+              <a:latin typeface="Times New Roman" panose="02020603050405020304" pitchFamily="18" charset="0"/>
+              <a:cs typeface="Times New Roman" panose="02020603050405020304" pitchFamily="18" charset="0"/>
+            </a:rPr>
+            <a:t>Erhöhung </a:t>
+          </a:r>
+          <a:r>
+            <a:rPr lang="de-DE" sz="2900" kern="1200" dirty="0" err="1" smtClean="0">
+              <a:latin typeface="Times New Roman" panose="02020603050405020304" pitchFamily="18" charset="0"/>
+              <a:cs typeface="Times New Roman" panose="02020603050405020304" pitchFamily="18" charset="0"/>
+            </a:rPr>
+            <a:t>Slack</a:t>
+          </a:r>
+          <a:endParaRPr lang="de-DE" sz="2900" kern="1200" dirty="0">
+            <a:latin typeface="Times New Roman" panose="02020603050405020304" pitchFamily="18" charset="0"/>
+            <a:cs typeface="Times New Roman" panose="02020603050405020304" pitchFamily="18" charset="0"/>
+          </a:endParaRPr>
+        </a:p>
+        <a:p>
+          <a:pPr marL="285750" lvl="1" indent="-285750" algn="l" defTabSz="1289050">
+            <a:lnSpc>
+              <a:spcPct val="90000"/>
+            </a:lnSpc>
+            <a:spcBef>
+              <a:spcPct val="0"/>
+            </a:spcBef>
+            <a:spcAft>
+              <a:spcPct val="15000"/>
+            </a:spcAft>
+            <a:buChar char="••"/>
+          </a:pPr>
+          <a:r>
+            <a:rPr lang="de-DE" sz="2900" kern="1200" dirty="0" smtClean="0">
+              <a:latin typeface="Times New Roman" panose="02020603050405020304" pitchFamily="18" charset="0"/>
+              <a:cs typeface="Times New Roman" panose="02020603050405020304" pitchFamily="18" charset="0"/>
+            </a:rPr>
+            <a:t>Meinungsverschiedenheit</a:t>
+          </a:r>
+          <a:endParaRPr lang="de-DE" sz="2900" kern="1200" dirty="0">
+            <a:latin typeface="Times New Roman" panose="02020603050405020304" pitchFamily="18" charset="0"/>
+            <a:cs typeface="Times New Roman" panose="02020603050405020304" pitchFamily="18" charset="0"/>
+          </a:endParaRPr>
+        </a:p>
+      </dsp:txBody>
+      <dsp:txXfrm rot="-5400000">
+        <a:off x="2520012" y="3034406"/>
+        <a:ext cx="4427132" cy="977663"/>
+      </dsp:txXfrm>
+    </dsp:sp>
+    <dsp:sp modelId="{2DC17863-C582-4841-A378-60694BACF914}">
+      <dsp:nvSpPr>
+        <dsp:cNvPr id="0" name=""/>
+        <dsp:cNvSpPr/>
+      </dsp:nvSpPr>
+      <dsp:spPr>
+        <a:xfrm>
+          <a:off x="0" y="2846086"/>
+          <a:ext cx="2520011" cy="1354302"/>
+        </a:xfrm>
+        <a:prstGeom prst="roundRect">
+          <a:avLst/>
+        </a:prstGeom>
+        <a:solidFill>
+          <a:schemeClr val="accent6">
+            <a:hueOff val="0"/>
+            <a:satOff val="0"/>
+            <a:lumOff val="0"/>
+            <a:alphaOff val="0"/>
+          </a:schemeClr>
+        </a:solidFill>
+        <a:ln w="12700" cap="flat" cmpd="sng" algn="ctr">
+          <a:solidFill>
+            <a:schemeClr val="lt1">
+              <a:hueOff val="0"/>
+              <a:satOff val="0"/>
+              <a:lumOff val="0"/>
+              <a:alphaOff val="0"/>
+            </a:schemeClr>
+          </a:solidFill>
+          <a:prstDash val="solid"/>
+          <a:miter lim="800000"/>
+        </a:ln>
+        <a:effectLst/>
+      </dsp:spPr>
+      <dsp:style>
+        <a:lnRef idx="2">
+          <a:scrgbClr r="0" g="0" b="0"/>
+        </a:lnRef>
+        <a:fillRef idx="1">
+          <a:scrgbClr r="0" g="0" b="0"/>
+        </a:fillRef>
+        <a:effectRef idx="0">
+          <a:scrgbClr r="0" g="0" b="0"/>
+        </a:effectRef>
+        <a:fontRef idx="minor">
+          <a:schemeClr val="lt1"/>
+        </a:fontRef>
+      </dsp:style>
+      <dsp:txBody>
+        <a:bodyPr spcFirstLastPara="0" vert="horz" wrap="square" lIns="118110" tIns="59055" rIns="118110" bIns="59055" numCol="1" spcCol="1270" anchor="ctr" anchorCtr="0">
+          <a:noAutofit/>
+        </a:bodyPr>
+        <a:lstStyle/>
+        <a:p>
+          <a:pPr marL="0" marR="0" lvl="0" indent="0" algn="ctr" defTabSz="914400" eaLnBrk="1" fontAlgn="auto" latinLnBrk="0" hangingPunct="1">
+            <a:lnSpc>
+              <a:spcPct val="100000"/>
+            </a:lnSpc>
+            <a:spcBef>
+              <a:spcPct val="0"/>
+            </a:spcBef>
+            <a:spcAft>
+              <a:spcPts val="0"/>
+            </a:spcAft>
+            <a:buClrTx/>
+            <a:buSzTx/>
+            <a:buFontTx/>
+            <a:buNone/>
+            <a:tabLst/>
+            <a:defRPr/>
+          </a:pPr>
+          <a:r>
+            <a:rPr lang="de-DE" sz="3100" kern="1200" dirty="0" smtClean="0">
+              <a:latin typeface="Times New Roman" panose="02020603050405020304" pitchFamily="18" charset="0"/>
+              <a:cs typeface="Times New Roman" panose="02020603050405020304" pitchFamily="18" charset="0"/>
+            </a:rPr>
+            <a:t>Business Partner</a:t>
+          </a:r>
+        </a:p>
+      </dsp:txBody>
+      <dsp:txXfrm>
+        <a:off x="66112" y="2912198"/>
+        <a:ext cx="2387787" cy="1222078"/>
+      </dsp:txXfrm>
+    </dsp:sp>
   </dsp:spTree>
 </dsp:drawing>
 </file>
@@ -8439,6 +10946,407 @@
       <dsp:cNvGrpSpPr/>
     </dsp:nvGrpSpPr>
     <dsp:grpSpPr/>
+    <dsp:sp modelId="{49918C28-610D-43BD-9D29-6888378FC26D}">
+      <dsp:nvSpPr>
+        <dsp:cNvPr id="0" name=""/>
+        <dsp:cNvSpPr/>
+      </dsp:nvSpPr>
+      <dsp:spPr>
+        <a:xfrm>
+          <a:off x="731520" y="1247782"/>
+          <a:ext cx="7071360" cy="3654435"/>
+        </a:xfrm>
+        <a:prstGeom prst="rect">
+          <a:avLst/>
+        </a:prstGeom>
+        <a:solidFill>
+          <a:schemeClr val="accent6">
+            <a:tint val="50000"/>
+            <a:hueOff val="0"/>
+            <a:satOff val="0"/>
+            <a:lumOff val="0"/>
+            <a:alphaOff val="0"/>
+          </a:schemeClr>
+        </a:solidFill>
+        <a:ln w="12700" cap="flat" cmpd="sng" algn="ctr">
+          <a:solidFill>
+            <a:schemeClr val="lt1">
+              <a:hueOff val="0"/>
+              <a:satOff val="0"/>
+              <a:lumOff val="0"/>
+              <a:alphaOff val="0"/>
+            </a:schemeClr>
+          </a:solidFill>
+          <a:prstDash val="solid"/>
+          <a:miter lim="800000"/>
+        </a:ln>
+        <a:effectLst/>
+      </dsp:spPr>
+      <dsp:style>
+        <a:lnRef idx="2">
+          <a:scrgbClr r="0" g="0" b="0"/>
+        </a:lnRef>
+        <a:fillRef idx="1">
+          <a:scrgbClr r="0" g="0" b="0"/>
+        </a:fillRef>
+        <a:effectRef idx="0">
+          <a:scrgbClr r="0" g="0" b="0"/>
+        </a:effectRef>
+        <a:fontRef idx="minor"/>
+      </dsp:style>
+    </dsp:sp>
+    <dsp:sp modelId="{1E46CB25-2C22-4339-A048-601D5575F715}">
+      <dsp:nvSpPr>
+        <dsp:cNvPr id="0" name=""/>
+        <dsp:cNvSpPr/>
+      </dsp:nvSpPr>
+      <dsp:spPr>
+        <a:xfrm>
+          <a:off x="942848" y="1675172"/>
+          <a:ext cx="3283712" cy="3126325"/>
+        </a:xfrm>
+        <a:prstGeom prst="rect">
+          <a:avLst/>
+        </a:prstGeom>
+        <a:noFill/>
+        <a:ln>
+          <a:noFill/>
+        </a:ln>
+        <a:effectLst/>
+      </dsp:spPr>
+      <dsp:style>
+        <a:lnRef idx="0">
+          <a:scrgbClr r="0" g="0" b="0"/>
+        </a:lnRef>
+        <a:fillRef idx="0">
+          <a:scrgbClr r="0" g="0" b="0"/>
+        </a:fillRef>
+        <a:effectRef idx="0">
+          <a:scrgbClr r="0" g="0" b="0"/>
+        </a:effectRef>
+        <a:fontRef idx="minor"/>
+      </dsp:style>
+      <dsp:txBody>
+        <a:bodyPr spcFirstLastPara="0" vert="horz" wrap="square" lIns="45720" tIns="45720" rIns="45720" bIns="45720" numCol="1" spcCol="1270" anchor="t" anchorCtr="0">
+          <a:noAutofit/>
+        </a:bodyPr>
+        <a:lstStyle/>
+        <a:p>
+          <a:pPr lvl="0" algn="l" defTabSz="1066800">
+            <a:lnSpc>
+              <a:spcPct val="90000"/>
+            </a:lnSpc>
+            <a:spcBef>
+              <a:spcPct val="0"/>
+            </a:spcBef>
+            <a:spcAft>
+              <a:spcPct val="35000"/>
+            </a:spcAft>
+          </a:pPr>
+          <a:r>
+            <a:rPr lang="de-DE" sz="2400" kern="1200" dirty="0" smtClean="0">
+              <a:latin typeface="Times New Roman" panose="02020603050405020304" pitchFamily="18" charset="0"/>
+              <a:cs typeface="Times New Roman" panose="02020603050405020304" pitchFamily="18" charset="0"/>
+              <a:sym typeface="Wingdings" panose="05000000000000000000" pitchFamily="2" charset="2"/>
+            </a:rPr>
+            <a:t>- Erschwingliche Systeme </a:t>
+          </a:r>
+        </a:p>
+        <a:p>
+          <a:pPr lvl="0" algn="l" defTabSz="1066800">
+            <a:lnSpc>
+              <a:spcPct val="90000"/>
+            </a:lnSpc>
+            <a:spcBef>
+              <a:spcPct val="0"/>
+            </a:spcBef>
+            <a:spcAft>
+              <a:spcPct val="35000"/>
+            </a:spcAft>
+          </a:pPr>
+          <a:r>
+            <a:rPr lang="de-DE" sz="2400" kern="1200" dirty="0" smtClean="0">
+              <a:latin typeface="Times New Roman" panose="02020603050405020304" pitchFamily="18" charset="0"/>
+              <a:cs typeface="Times New Roman" panose="02020603050405020304" pitchFamily="18" charset="0"/>
+              <a:sym typeface="Wingdings" panose="05000000000000000000" pitchFamily="2" charset="2"/>
+            </a:rPr>
+            <a:t>- Bessere Möglichkeiten zur Kapitalbeschaffung</a:t>
+          </a:r>
+        </a:p>
+        <a:p>
+          <a:pPr lvl="0" algn="l" defTabSz="1066800">
+            <a:lnSpc>
+              <a:spcPct val="90000"/>
+            </a:lnSpc>
+            <a:spcBef>
+              <a:spcPct val="0"/>
+            </a:spcBef>
+            <a:spcAft>
+              <a:spcPct val="35000"/>
+            </a:spcAft>
+          </a:pPr>
+          <a:r>
+            <a:rPr lang="de-DE" sz="2400" kern="1200" dirty="0" smtClean="0">
+              <a:latin typeface="Times New Roman" panose="02020603050405020304" pitchFamily="18" charset="0"/>
+              <a:cs typeface="Times New Roman" panose="02020603050405020304" pitchFamily="18" charset="0"/>
+              <a:sym typeface="Wingdings" panose="05000000000000000000" pitchFamily="2" charset="2"/>
+            </a:rPr>
+            <a:t>-Steigende/r Effizienz, Erfolg, Wettbewerbsfähigkeit</a:t>
+          </a:r>
+          <a:endParaRPr lang="de-DE" sz="2400" kern="1200" dirty="0">
+            <a:latin typeface="Times New Roman" panose="02020603050405020304" pitchFamily="18" charset="0"/>
+            <a:cs typeface="Times New Roman" panose="02020603050405020304" pitchFamily="18" charset="0"/>
+          </a:endParaRPr>
+        </a:p>
+      </dsp:txBody>
+      <dsp:txXfrm>
+        <a:off x="942848" y="1675172"/>
+        <a:ext cx="3283712" cy="3126325"/>
+      </dsp:txXfrm>
+    </dsp:sp>
+    <dsp:sp modelId="{82257992-9A33-4AD3-A369-97D7AAAEF3FC}">
+      <dsp:nvSpPr>
+        <dsp:cNvPr id="0" name=""/>
+        <dsp:cNvSpPr/>
+      </dsp:nvSpPr>
+      <dsp:spPr>
+        <a:xfrm>
+          <a:off x="4299712" y="1675172"/>
+          <a:ext cx="3283712" cy="3126325"/>
+        </a:xfrm>
+        <a:prstGeom prst="rect">
+          <a:avLst/>
+        </a:prstGeom>
+        <a:noFill/>
+        <a:ln>
+          <a:noFill/>
+        </a:ln>
+        <a:effectLst/>
+      </dsp:spPr>
+      <dsp:style>
+        <a:lnRef idx="0">
+          <a:scrgbClr r="0" g="0" b="0"/>
+        </a:lnRef>
+        <a:fillRef idx="0">
+          <a:scrgbClr r="0" g="0" b="0"/>
+        </a:fillRef>
+        <a:effectRef idx="0">
+          <a:scrgbClr r="0" g="0" b="0"/>
+        </a:effectRef>
+        <a:fontRef idx="minor"/>
+      </dsp:style>
+      <dsp:txBody>
+        <a:bodyPr spcFirstLastPara="0" vert="horz" wrap="square" lIns="45720" tIns="45720" rIns="45720" bIns="45720" numCol="1" spcCol="1270" anchor="t" anchorCtr="0">
+          <a:noAutofit/>
+        </a:bodyPr>
+        <a:lstStyle/>
+        <a:p>
+          <a:pPr lvl="0" algn="l" defTabSz="1066800">
+            <a:lnSpc>
+              <a:spcPct val="90000"/>
+            </a:lnSpc>
+            <a:spcBef>
+              <a:spcPct val="0"/>
+            </a:spcBef>
+            <a:spcAft>
+              <a:spcPct val="35000"/>
+            </a:spcAft>
+          </a:pPr>
+          <a:r>
+            <a:rPr lang="de-DE" sz="2400" kern="1200" dirty="0" smtClean="0">
+              <a:latin typeface="Times New Roman" panose="02020603050405020304" pitchFamily="18" charset="0"/>
+              <a:cs typeface="Times New Roman" panose="02020603050405020304" pitchFamily="18" charset="0"/>
+            </a:rPr>
+            <a:t>- Keine allgemeingültige Antwort</a:t>
+          </a:r>
+        </a:p>
+        <a:p>
+          <a:pPr lvl="0" algn="l" defTabSz="1066800">
+            <a:lnSpc>
+              <a:spcPct val="90000"/>
+            </a:lnSpc>
+            <a:spcBef>
+              <a:spcPct val="0"/>
+            </a:spcBef>
+            <a:spcAft>
+              <a:spcPct val="35000"/>
+            </a:spcAft>
+          </a:pPr>
+          <a:r>
+            <a:rPr lang="de-DE" sz="2400" kern="1200" dirty="0" smtClean="0">
+              <a:latin typeface="Times New Roman" panose="02020603050405020304" pitchFamily="18" charset="0"/>
+              <a:cs typeface="Times New Roman" panose="02020603050405020304" pitchFamily="18" charset="0"/>
+            </a:rPr>
+            <a:t>- Herausforderungen</a:t>
+          </a:r>
+        </a:p>
+        <a:p>
+          <a:pPr lvl="0" algn="l" defTabSz="1066800">
+            <a:lnSpc>
+              <a:spcPct val="90000"/>
+            </a:lnSpc>
+            <a:spcBef>
+              <a:spcPct val="0"/>
+            </a:spcBef>
+            <a:spcAft>
+              <a:spcPct val="35000"/>
+            </a:spcAft>
+          </a:pPr>
+          <a:endParaRPr lang="de-DE" sz="2400" kern="1200" dirty="0">
+            <a:latin typeface="Times New Roman" panose="02020603050405020304" pitchFamily="18" charset="0"/>
+            <a:cs typeface="Times New Roman" panose="02020603050405020304" pitchFamily="18" charset="0"/>
+          </a:endParaRPr>
+        </a:p>
+      </dsp:txBody>
+      <dsp:txXfrm>
+        <a:off x="4299712" y="1675172"/>
+        <a:ext cx="3283712" cy="3126325"/>
+      </dsp:txXfrm>
+    </dsp:sp>
+    <dsp:sp modelId="{F191B136-7792-4F00-B357-D76AB21D073D}">
+      <dsp:nvSpPr>
+        <dsp:cNvPr id="0" name=""/>
+        <dsp:cNvSpPr/>
+      </dsp:nvSpPr>
+      <dsp:spPr>
+        <a:xfrm>
+          <a:off x="0" y="516449"/>
+          <a:ext cx="1381760" cy="1381760"/>
+        </a:xfrm>
+        <a:prstGeom prst="plus">
+          <a:avLst>
+            <a:gd name="adj" fmla="val 32810"/>
+          </a:avLst>
+        </a:prstGeom>
+        <a:solidFill>
+          <a:schemeClr val="accent6">
+            <a:hueOff val="0"/>
+            <a:satOff val="0"/>
+            <a:lumOff val="0"/>
+            <a:alphaOff val="0"/>
+          </a:schemeClr>
+        </a:solidFill>
+        <a:ln w="12700" cap="flat" cmpd="sng" algn="ctr">
+          <a:solidFill>
+            <a:schemeClr val="accent6">
+              <a:hueOff val="0"/>
+              <a:satOff val="0"/>
+              <a:lumOff val="0"/>
+              <a:alphaOff val="0"/>
+            </a:schemeClr>
+          </a:solidFill>
+          <a:prstDash val="solid"/>
+          <a:miter lim="800000"/>
+        </a:ln>
+        <a:effectLst/>
+      </dsp:spPr>
+      <dsp:style>
+        <a:lnRef idx="2">
+          <a:scrgbClr r="0" g="0" b="0"/>
+        </a:lnRef>
+        <a:fillRef idx="1">
+          <a:scrgbClr r="0" g="0" b="0"/>
+        </a:fillRef>
+        <a:effectRef idx="0">
+          <a:scrgbClr r="0" g="0" b="0"/>
+        </a:effectRef>
+        <a:fontRef idx="minor">
+          <a:schemeClr val="lt1"/>
+        </a:fontRef>
+      </dsp:style>
+    </dsp:sp>
+    <dsp:sp modelId="{3B2F775B-5836-4DDF-89B9-3F07925D2C41}">
+      <dsp:nvSpPr>
+        <dsp:cNvPr id="0" name=""/>
+        <dsp:cNvSpPr/>
+      </dsp:nvSpPr>
+      <dsp:spPr>
+        <a:xfrm>
+          <a:off x="6827520" y="1013363"/>
+          <a:ext cx="1300480" cy="445662"/>
+        </a:xfrm>
+        <a:prstGeom prst="rect">
+          <a:avLst/>
+        </a:prstGeom>
+        <a:solidFill>
+          <a:schemeClr val="accent6">
+            <a:hueOff val="0"/>
+            <a:satOff val="0"/>
+            <a:lumOff val="0"/>
+            <a:alphaOff val="0"/>
+          </a:schemeClr>
+        </a:solidFill>
+        <a:ln w="12700" cap="flat" cmpd="sng" algn="ctr">
+          <a:solidFill>
+            <a:schemeClr val="accent6">
+              <a:hueOff val="0"/>
+              <a:satOff val="0"/>
+              <a:lumOff val="0"/>
+              <a:alphaOff val="0"/>
+            </a:schemeClr>
+          </a:solidFill>
+          <a:prstDash val="solid"/>
+          <a:miter lim="800000"/>
+        </a:ln>
+        <a:effectLst/>
+      </dsp:spPr>
+      <dsp:style>
+        <a:lnRef idx="2">
+          <a:scrgbClr r="0" g="0" b="0"/>
+        </a:lnRef>
+        <a:fillRef idx="1">
+          <a:scrgbClr r="0" g="0" b="0"/>
+        </a:fillRef>
+        <a:effectRef idx="0">
+          <a:scrgbClr r="0" g="0" b="0"/>
+        </a:effectRef>
+        <a:fontRef idx="minor">
+          <a:schemeClr val="lt1"/>
+        </a:fontRef>
+      </dsp:style>
+    </dsp:sp>
+    <dsp:sp modelId="{C5EBF0DA-2489-4A72-B0C3-AAF96A9738B7}">
+      <dsp:nvSpPr>
+        <dsp:cNvPr id="0" name=""/>
+        <dsp:cNvSpPr/>
+      </dsp:nvSpPr>
+      <dsp:spPr>
+        <a:xfrm>
+          <a:off x="4267200" y="1681857"/>
+          <a:ext cx="812" cy="2985941"/>
+        </a:xfrm>
+        <a:prstGeom prst="line">
+          <a:avLst/>
+        </a:prstGeom>
+        <a:noFill/>
+        <a:ln w="12700" cap="flat" cmpd="sng" algn="ctr">
+          <a:solidFill>
+            <a:schemeClr val="accent6">
+              <a:shade val="60000"/>
+              <a:hueOff val="0"/>
+              <a:satOff val="0"/>
+              <a:lumOff val="0"/>
+              <a:alphaOff val="0"/>
+            </a:schemeClr>
+          </a:solidFill>
+          <a:prstDash val="solid"/>
+          <a:miter lim="800000"/>
+        </a:ln>
+        <a:effectLst/>
+      </dsp:spPr>
+      <dsp:style>
+        <a:lnRef idx="2">
+          <a:scrgbClr r="0" g="0" b="0"/>
+        </a:lnRef>
+        <a:fillRef idx="0">
+          <a:scrgbClr r="0" g="0" b="0"/>
+        </a:fillRef>
+        <a:effectRef idx="0">
+          <a:scrgbClr r="0" g="0" b="0"/>
+        </a:effectRef>
+        <a:fontRef idx="minor"/>
+      </dsp:style>
+    </dsp:sp>
   </dsp:spTree>
 </dsp:drawing>
 </file>
@@ -24199,7 +27107,14 @@
                 <a:latin typeface="Times New Roman" panose="02020603050405020304" pitchFamily="18" charset="0"/>
                 <a:cs typeface="Times New Roman" panose="02020603050405020304" pitchFamily="18" charset="0"/>
               </a:rPr>
-              <a:t>Mehrwert des </a:t>
+              <a:t>4. Mehrwert </a:t>
+            </a:r>
+            <a:r>
+              <a:rPr lang="de-DE" dirty="0" smtClean="0">
+                <a:latin typeface="Times New Roman" panose="02020603050405020304" pitchFamily="18" charset="0"/>
+                <a:cs typeface="Times New Roman" panose="02020603050405020304" pitchFamily="18" charset="0"/>
+              </a:rPr>
+              <a:t>des </a:t>
             </a:r>
             <a:br>
               <a:rPr lang="de-DE" dirty="0" smtClean="0">
@@ -24212,7 +27127,21 @@
                 <a:latin typeface="Times New Roman" panose="02020603050405020304" pitchFamily="18" charset="0"/>
                 <a:cs typeface="Times New Roman" panose="02020603050405020304" pitchFamily="18" charset="0"/>
               </a:rPr>
-              <a:t> Controllings in KMU</a:t>
+              <a:t> </a:t>
+            </a:r>
+            <a:r>
+              <a:rPr lang="de-DE" dirty="0" smtClean="0">
+                <a:latin typeface="Times New Roman" panose="02020603050405020304" pitchFamily="18" charset="0"/>
+                <a:cs typeface="Times New Roman" panose="02020603050405020304" pitchFamily="18" charset="0"/>
+              </a:rPr>
+              <a:t>    Controllings </a:t>
+            </a:r>
+            <a:r>
+              <a:rPr lang="de-DE" dirty="0" smtClean="0">
+                <a:latin typeface="Times New Roman" panose="02020603050405020304" pitchFamily="18" charset="0"/>
+                <a:cs typeface="Times New Roman" panose="02020603050405020304" pitchFamily="18" charset="0"/>
+              </a:rPr>
+              <a:t>in KMU</a:t>
             </a:r>
             <a:endParaRPr lang="de-DE" dirty="0">
               <a:latin typeface="Times New Roman" panose="02020603050405020304" pitchFamily="18" charset="0"/>
@@ -24945,7 +27874,14 @@
                 <a:latin typeface="Times New Roman" panose="02020603050405020304" pitchFamily="18" charset="0"/>
                 <a:cs typeface="Times New Roman" panose="02020603050405020304" pitchFamily="18" charset="0"/>
               </a:rPr>
-              <a:t>Mehrwert des </a:t>
+              <a:t>4. Mehrwert </a:t>
+            </a:r>
+            <a:r>
+              <a:rPr lang="de-DE" dirty="0" smtClean="0">
+                <a:latin typeface="Times New Roman" panose="02020603050405020304" pitchFamily="18" charset="0"/>
+                <a:cs typeface="Times New Roman" panose="02020603050405020304" pitchFamily="18" charset="0"/>
+              </a:rPr>
+              <a:t>des </a:t>
             </a:r>
             <a:br>
               <a:rPr lang="de-DE" dirty="0" smtClean="0">
@@ -24958,7 +27894,21 @@
                 <a:latin typeface="Times New Roman" panose="02020603050405020304" pitchFamily="18" charset="0"/>
                 <a:cs typeface="Times New Roman" panose="02020603050405020304" pitchFamily="18" charset="0"/>
               </a:rPr>
-              <a:t> Controllings in KMU</a:t>
+              <a:t> </a:t>
+            </a:r>
+            <a:r>
+              <a:rPr lang="de-DE" dirty="0" smtClean="0">
+                <a:latin typeface="Times New Roman" panose="02020603050405020304" pitchFamily="18" charset="0"/>
+                <a:cs typeface="Times New Roman" panose="02020603050405020304" pitchFamily="18" charset="0"/>
+              </a:rPr>
+              <a:t>    Controllings </a:t>
+            </a:r>
+            <a:r>
+              <a:rPr lang="de-DE" dirty="0" smtClean="0">
+                <a:latin typeface="Times New Roman" panose="02020603050405020304" pitchFamily="18" charset="0"/>
+                <a:cs typeface="Times New Roman" panose="02020603050405020304" pitchFamily="18" charset="0"/>
+              </a:rPr>
+              <a:t>in KMU</a:t>
             </a:r>
             <a:endParaRPr lang="de-DE" dirty="0">
               <a:latin typeface="Times New Roman" panose="02020603050405020304" pitchFamily="18" charset="0"/>
@@ -26009,7 +28959,14 @@
                 <a:latin typeface="Times New Roman" panose="02020603050405020304" pitchFamily="18" charset="0"/>
                 <a:cs typeface="Times New Roman" panose="02020603050405020304" pitchFamily="18" charset="0"/>
               </a:rPr>
-              <a:t>Mehrwert des </a:t>
+              <a:t>4. Mehrwert </a:t>
+            </a:r>
+            <a:r>
+              <a:rPr lang="de-DE" dirty="0" smtClean="0">
+                <a:latin typeface="Times New Roman" panose="02020603050405020304" pitchFamily="18" charset="0"/>
+                <a:cs typeface="Times New Roman" panose="02020603050405020304" pitchFamily="18" charset="0"/>
+              </a:rPr>
+              <a:t>des </a:t>
             </a:r>
             <a:br>
               <a:rPr lang="de-DE" dirty="0" smtClean="0">
@@ -26022,7 +28979,21 @@
                 <a:latin typeface="Times New Roman" panose="02020603050405020304" pitchFamily="18" charset="0"/>
                 <a:cs typeface="Times New Roman" panose="02020603050405020304" pitchFamily="18" charset="0"/>
               </a:rPr>
-              <a:t> Controllings in KMU</a:t>
+              <a:t> </a:t>
+            </a:r>
+            <a:r>
+              <a:rPr lang="de-DE" dirty="0" smtClean="0">
+                <a:latin typeface="Times New Roman" panose="02020603050405020304" pitchFamily="18" charset="0"/>
+                <a:cs typeface="Times New Roman" panose="02020603050405020304" pitchFamily="18" charset="0"/>
+              </a:rPr>
+              <a:t>    Controllings </a:t>
+            </a:r>
+            <a:r>
+              <a:rPr lang="de-DE" dirty="0" smtClean="0">
+                <a:latin typeface="Times New Roman" panose="02020603050405020304" pitchFamily="18" charset="0"/>
+                <a:cs typeface="Times New Roman" panose="02020603050405020304" pitchFamily="18" charset="0"/>
+              </a:rPr>
+              <a:t>in KMU</a:t>
             </a:r>
             <a:endParaRPr lang="de-DE" dirty="0">
               <a:latin typeface="Times New Roman" panose="02020603050405020304" pitchFamily="18" charset="0"/>
@@ -26830,7 +29801,14 @@
                 <a:latin typeface="Times New Roman" panose="02020603050405020304" pitchFamily="18" charset="0"/>
                 <a:cs typeface="Times New Roman" panose="02020603050405020304" pitchFamily="18" charset="0"/>
               </a:rPr>
-              <a:t>Mehrwert des </a:t>
+              <a:t>4. Mehrwert </a:t>
+            </a:r>
+            <a:r>
+              <a:rPr lang="de-DE" dirty="0" smtClean="0">
+                <a:latin typeface="Times New Roman" panose="02020603050405020304" pitchFamily="18" charset="0"/>
+                <a:cs typeface="Times New Roman" panose="02020603050405020304" pitchFamily="18" charset="0"/>
+              </a:rPr>
+              <a:t>des </a:t>
             </a:r>
             <a:br>
               <a:rPr lang="de-DE" dirty="0" smtClean="0">
@@ -26843,7 +29821,21 @@
                 <a:latin typeface="Times New Roman" panose="02020603050405020304" pitchFamily="18" charset="0"/>
                 <a:cs typeface="Times New Roman" panose="02020603050405020304" pitchFamily="18" charset="0"/>
               </a:rPr>
-              <a:t> Controllings in KMU</a:t>
+              <a:t> </a:t>
+            </a:r>
+            <a:r>
+              <a:rPr lang="de-DE" dirty="0" smtClean="0">
+                <a:latin typeface="Times New Roman" panose="02020603050405020304" pitchFamily="18" charset="0"/>
+                <a:cs typeface="Times New Roman" panose="02020603050405020304" pitchFamily="18" charset="0"/>
+              </a:rPr>
+              <a:t>    Controllings </a:t>
+            </a:r>
+            <a:r>
+              <a:rPr lang="de-DE" dirty="0" smtClean="0">
+                <a:latin typeface="Times New Roman" panose="02020603050405020304" pitchFamily="18" charset="0"/>
+                <a:cs typeface="Times New Roman" panose="02020603050405020304" pitchFamily="18" charset="0"/>
+              </a:rPr>
+              <a:t>in KMU</a:t>
             </a:r>
             <a:endParaRPr lang="de-DE" dirty="0">
               <a:latin typeface="Times New Roman" panose="02020603050405020304" pitchFamily="18" charset="0"/>
@@ -27588,7 +30580,7 @@
                 <a:latin typeface="Times New Roman" panose="02020603050405020304" pitchFamily="18" charset="0"/>
                 <a:cs typeface="Times New Roman" panose="02020603050405020304" pitchFamily="18" charset="0"/>
               </a:rPr>
-              <a:t>Fazit</a:t>
+              <a:t>5. Fazit</a:t>
             </a:r>
             <a:endParaRPr lang="de-DE" dirty="0">
               <a:latin typeface="Times New Roman" panose="02020603050405020304" pitchFamily="18" charset="0"/>
@@ -31013,7 +34005,7 @@
                 <a:latin typeface="Times New Roman" panose="02020603050405020304" pitchFamily="18" charset="0"/>
                 <a:cs typeface="Times New Roman" panose="02020603050405020304" pitchFamily="18" charset="0"/>
               </a:rPr>
-              <a:t>Einleitung</a:t>
+              <a:t>1. Einleitung</a:t>
             </a:r>
             <a:endParaRPr lang="de-DE" dirty="0">
               <a:latin typeface="Times New Roman" panose="02020603050405020304" pitchFamily="18" charset="0"/>
@@ -31742,7 +34734,7 @@
                 <a:latin typeface="Times New Roman" panose="02020603050405020304" pitchFamily="18" charset="0"/>
                 <a:cs typeface="Times New Roman" panose="02020603050405020304" pitchFamily="18" charset="0"/>
               </a:rPr>
-              <a:t>Controlling</a:t>
+              <a:t>2. Controlling</a:t>
             </a:r>
             <a:endParaRPr lang="de-DE" dirty="0">
               <a:latin typeface="Times New Roman" panose="02020603050405020304" pitchFamily="18" charset="0"/>
@@ -32429,7 +35421,7 @@
                 <a:latin typeface="Times New Roman" panose="02020603050405020304" pitchFamily="18" charset="0"/>
                 <a:cs typeface="Times New Roman" panose="02020603050405020304" pitchFamily="18" charset="0"/>
               </a:rPr>
-              <a:t>Controlling</a:t>
+              <a:t>2. Controlling</a:t>
             </a:r>
             <a:endParaRPr lang="de-DE" dirty="0">
               <a:latin typeface="Times New Roman" panose="02020603050405020304" pitchFamily="18" charset="0"/>
@@ -33215,7 +36207,7 @@
                 <a:latin typeface="Times New Roman" panose="02020603050405020304" pitchFamily="18" charset="0"/>
                 <a:cs typeface="Times New Roman" panose="02020603050405020304" pitchFamily="18" charset="0"/>
               </a:rPr>
-              <a:t>KMU</a:t>
+              <a:t>3. KMU</a:t>
             </a:r>
             <a:endParaRPr lang="de-DE" dirty="0">
               <a:latin typeface="Times New Roman" panose="02020603050405020304" pitchFamily="18" charset="0"/>
@@ -34643,7 +37635,7 @@
                 <a:latin typeface="Times New Roman" panose="02020603050405020304" pitchFamily="18" charset="0"/>
                 <a:cs typeface="Times New Roman" panose="02020603050405020304" pitchFamily="18" charset="0"/>
               </a:rPr>
-              <a:t>KMU</a:t>
+              <a:t>3. KMU</a:t>
             </a:r>
             <a:endParaRPr lang="de-DE" dirty="0">
               <a:latin typeface="Times New Roman" panose="02020603050405020304" pitchFamily="18" charset="0"/>
@@ -34987,28 +37979,28 @@
                 <a:gridCol w="2032000">
                   <a:extLst>
                     <a:ext uri="{9D8B030D-6E8A-4147-A177-3AD203B41FA5}">
-                      <a16:colId xmlns:a16="http://schemas.microsoft.com/office/drawing/2014/main" xmlns="" val="3321591218"/>
+                      <a16:colId xmlns:a16="http://schemas.microsoft.com/office/drawing/2014/main" val="3321591218"/>
                     </a:ext>
                   </a:extLst>
                 </a:gridCol>
                 <a:gridCol w="2032000">
                   <a:extLst>
                     <a:ext uri="{9D8B030D-6E8A-4147-A177-3AD203B41FA5}">
-                      <a16:colId xmlns:a16="http://schemas.microsoft.com/office/drawing/2014/main" xmlns="" val="3684059170"/>
+                      <a16:colId xmlns:a16="http://schemas.microsoft.com/office/drawing/2014/main" val="3684059170"/>
                     </a:ext>
                   </a:extLst>
                 </a:gridCol>
                 <a:gridCol w="2032000">
                   <a:extLst>
                     <a:ext uri="{9D8B030D-6E8A-4147-A177-3AD203B41FA5}">
-                      <a16:colId xmlns:a16="http://schemas.microsoft.com/office/drawing/2014/main" xmlns="" val="3456625026"/>
+                      <a16:colId xmlns:a16="http://schemas.microsoft.com/office/drawing/2014/main" val="3456625026"/>
                     </a:ext>
                   </a:extLst>
                 </a:gridCol>
                 <a:gridCol w="2032000">
                   <a:extLst>
                     <a:ext uri="{9D8B030D-6E8A-4147-A177-3AD203B41FA5}">
-                      <a16:colId xmlns:a16="http://schemas.microsoft.com/office/drawing/2014/main" xmlns="" val="813601742"/>
+                      <a16:colId xmlns:a16="http://schemas.microsoft.com/office/drawing/2014/main" val="813601742"/>
                     </a:ext>
                   </a:extLst>
                 </a:gridCol>
@@ -35114,7 +38106,7 @@
                 </a:tc>
                 <a:extLst>
                   <a:ext uri="{0D108BD9-81ED-4DB2-BD59-A6C34878D82A}">
-                    <a16:rowId xmlns:a16="http://schemas.microsoft.com/office/drawing/2014/main" xmlns="" val="3822178633"/>
+                    <a16:rowId xmlns:a16="http://schemas.microsoft.com/office/drawing/2014/main" val="3822178633"/>
                   </a:ext>
                 </a:extLst>
               </a:tr>
@@ -35197,7 +38189,7 @@
                 </a:tc>
                 <a:extLst>
                   <a:ext uri="{0D108BD9-81ED-4DB2-BD59-A6C34878D82A}">
-                    <a16:rowId xmlns:a16="http://schemas.microsoft.com/office/drawing/2014/main" xmlns="" val="3382510406"/>
+                    <a16:rowId xmlns:a16="http://schemas.microsoft.com/office/drawing/2014/main" val="3382510406"/>
                   </a:ext>
                 </a:extLst>
               </a:tr>
@@ -35280,7 +38272,7 @@
                 </a:tc>
                 <a:extLst>
                   <a:ext uri="{0D108BD9-81ED-4DB2-BD59-A6C34878D82A}">
-                    <a16:rowId xmlns:a16="http://schemas.microsoft.com/office/drawing/2014/main" xmlns="" val="3355992114"/>
+                    <a16:rowId xmlns:a16="http://schemas.microsoft.com/office/drawing/2014/main" val="3355992114"/>
                   </a:ext>
                 </a:extLst>
               </a:tr>
@@ -35363,7 +38355,7 @@
                 </a:tc>
                 <a:extLst>
                   <a:ext uri="{0D108BD9-81ED-4DB2-BD59-A6C34878D82A}">
-                    <a16:rowId xmlns:a16="http://schemas.microsoft.com/office/drawing/2014/main" xmlns="" val="3503118443"/>
+                    <a16:rowId xmlns:a16="http://schemas.microsoft.com/office/drawing/2014/main" val="3503118443"/>
                   </a:ext>
                 </a:extLst>
               </a:tr>
@@ -35446,7 +38438,7 @@
                 </a:tc>
                 <a:extLst>
                   <a:ext uri="{0D108BD9-81ED-4DB2-BD59-A6C34878D82A}">
-                    <a16:rowId xmlns:a16="http://schemas.microsoft.com/office/drawing/2014/main" xmlns="" val="1179356134"/>
+                    <a16:rowId xmlns:a16="http://schemas.microsoft.com/office/drawing/2014/main" val="1179356134"/>
                   </a:ext>
                 </a:extLst>
               </a:tr>
@@ -35529,7 +38521,7 @@
                 </a:tc>
                 <a:extLst>
                   <a:ext uri="{0D108BD9-81ED-4DB2-BD59-A6C34878D82A}">
-                    <a16:rowId xmlns:a16="http://schemas.microsoft.com/office/drawing/2014/main" xmlns="" val="1575643465"/>
+                    <a16:rowId xmlns:a16="http://schemas.microsoft.com/office/drawing/2014/main" val="1575643465"/>
                   </a:ext>
                 </a:extLst>
               </a:tr>
@@ -35916,7 +38908,14 @@
                 <a:latin typeface="Times New Roman" panose="02020603050405020304" pitchFamily="18" charset="0"/>
                 <a:cs typeface="Times New Roman" panose="02020603050405020304" pitchFamily="18" charset="0"/>
               </a:rPr>
-              <a:t>Mehrwert des </a:t>
+              <a:t>4. Mehrwert </a:t>
+            </a:r>
+            <a:r>
+              <a:rPr lang="de-DE" dirty="0" smtClean="0">
+                <a:latin typeface="Times New Roman" panose="02020603050405020304" pitchFamily="18" charset="0"/>
+                <a:cs typeface="Times New Roman" panose="02020603050405020304" pitchFamily="18" charset="0"/>
+              </a:rPr>
+              <a:t>des </a:t>
             </a:r>
             <a:br>
               <a:rPr lang="de-DE" dirty="0" smtClean="0">
@@ -35929,7 +38928,21 @@
                 <a:latin typeface="Times New Roman" panose="02020603050405020304" pitchFamily="18" charset="0"/>
                 <a:cs typeface="Times New Roman" panose="02020603050405020304" pitchFamily="18" charset="0"/>
               </a:rPr>
-              <a:t> Controllings in KMU</a:t>
+              <a:t> </a:t>
+            </a:r>
+            <a:r>
+              <a:rPr lang="de-DE" dirty="0" smtClean="0">
+                <a:latin typeface="Times New Roman" panose="02020603050405020304" pitchFamily="18" charset="0"/>
+                <a:cs typeface="Times New Roman" panose="02020603050405020304" pitchFamily="18" charset="0"/>
+              </a:rPr>
+              <a:t>    Controllings </a:t>
+            </a:r>
+            <a:r>
+              <a:rPr lang="de-DE" dirty="0" smtClean="0">
+                <a:latin typeface="Times New Roman" panose="02020603050405020304" pitchFamily="18" charset="0"/>
+                <a:cs typeface="Times New Roman" panose="02020603050405020304" pitchFamily="18" charset="0"/>
+              </a:rPr>
+              <a:t>in KMU</a:t>
             </a:r>
             <a:endParaRPr lang="de-DE" dirty="0">
               <a:latin typeface="Times New Roman" panose="02020603050405020304" pitchFamily="18" charset="0"/>
@@ -36712,7 +39725,14 @@
                 <a:latin typeface="Times New Roman" panose="02020603050405020304" pitchFamily="18" charset="0"/>
                 <a:cs typeface="Times New Roman" panose="02020603050405020304" pitchFamily="18" charset="0"/>
               </a:rPr>
-              <a:t>Mehrwert des </a:t>
+              <a:t>4. Mehrwert </a:t>
+            </a:r>
+            <a:r>
+              <a:rPr lang="de-DE" dirty="0" smtClean="0">
+                <a:latin typeface="Times New Roman" panose="02020603050405020304" pitchFamily="18" charset="0"/>
+                <a:cs typeface="Times New Roman" panose="02020603050405020304" pitchFamily="18" charset="0"/>
+              </a:rPr>
+              <a:t>des </a:t>
             </a:r>
             <a:br>
               <a:rPr lang="de-DE" dirty="0" smtClean="0">
@@ -36725,7 +39745,21 @@
                 <a:latin typeface="Times New Roman" panose="02020603050405020304" pitchFamily="18" charset="0"/>
                 <a:cs typeface="Times New Roman" panose="02020603050405020304" pitchFamily="18" charset="0"/>
               </a:rPr>
-              <a:t> Controllings in KMU</a:t>
+              <a:t> </a:t>
+            </a:r>
+            <a:r>
+              <a:rPr lang="de-DE" dirty="0" smtClean="0">
+                <a:latin typeface="Times New Roman" panose="02020603050405020304" pitchFamily="18" charset="0"/>
+                <a:cs typeface="Times New Roman" panose="02020603050405020304" pitchFamily="18" charset="0"/>
+              </a:rPr>
+              <a:t>    Controllings </a:t>
+            </a:r>
+            <a:r>
+              <a:rPr lang="de-DE" dirty="0" smtClean="0">
+                <a:latin typeface="Times New Roman" panose="02020603050405020304" pitchFamily="18" charset="0"/>
+                <a:cs typeface="Times New Roman" panose="02020603050405020304" pitchFamily="18" charset="0"/>
+              </a:rPr>
+              <a:t>in KMU</a:t>
             </a:r>
             <a:endParaRPr lang="de-DE" dirty="0">
               <a:latin typeface="Times New Roman" panose="02020603050405020304" pitchFamily="18" charset="0"/>

--- a/Seminar Management und Controlling/Controlling in kleinen und mittleren Unternehmen.pptx
+++ b/Seminar Management und Controlling/Controlling in kleinen und mittleren Unternehmen.pptx
@@ -21,6 +21,7 @@
     <p:sldId id="271" r:id="rId15"/>
     <p:sldId id="272" r:id="rId16"/>
     <p:sldId id="273" r:id="rId17"/>
+    <p:sldId id="275" r:id="rId18"/>
   </p:sldIdLst>
   <p:sldSz cx="12192000" cy="6858000"/>
   <p:notesSz cx="6858000" cy="9144000"/>
@@ -140,6 +141,7 @@
             <p14:sldId id="271"/>
             <p14:sldId id="272"/>
             <p14:sldId id="273"/>
+            <p14:sldId id="275"/>
           </p14:sldIdLst>
         </p14:section>
       </p14:sectionLst>
@@ -6494,7 +6496,7 @@
               <a:latin typeface="Times New Roman" panose="02020603050405020304" pitchFamily="18" charset="0"/>
               <a:cs typeface="Times New Roman" panose="02020603050405020304" pitchFamily="18" charset="0"/>
             </a:rPr>
-            <a:t>Manager</a:t>
+            <a:t>Management</a:t>
           </a:r>
           <a:endParaRPr lang="de-DE" sz="2400" dirty="0">
             <a:latin typeface="Times New Roman" panose="02020603050405020304" pitchFamily="18" charset="0"/>
@@ -6543,7 +6545,7 @@
               <a:latin typeface="Times New Roman" panose="02020603050405020304" pitchFamily="18" charset="0"/>
               <a:cs typeface="Times New Roman" panose="02020603050405020304" pitchFamily="18" charset="0"/>
             </a:rPr>
-            <a:t>Durchführung Abwehraktion</a:t>
+            <a:t>Reaktion des Unternehmens</a:t>
           </a:r>
           <a:endParaRPr lang="de-DE" sz="2400" dirty="0">
             <a:latin typeface="Times New Roman" panose="02020603050405020304" pitchFamily="18" charset="0"/>
@@ -6664,7 +6666,7 @@
       </dgm:t>
     </dgm:pt>
     <dgm:pt modelId="{8A5DB757-DEDE-4373-8C63-C11CA448C576}" type="pres">
-      <dgm:prSet presAssocID="{D89EB225-37E5-419E-ABFC-CBD78506586B}" presName="node" presStyleLbl="node1" presStyleIdx="2" presStyleCnt="3">
+      <dgm:prSet presAssocID="{D89EB225-37E5-419E-ABFC-CBD78506586B}" presName="node" presStyleLbl="node1" presStyleIdx="2" presStyleCnt="3" custScaleX="97253">
         <dgm:presLayoutVars>
           <dgm:bulletEnabled val="1"/>
         </dgm:presLayoutVars>
@@ -9927,8 +9929,8 @@
       </dsp:nvSpPr>
       <dsp:spPr>
         <a:xfrm>
-          <a:off x="6793" y="1990431"/>
-          <a:ext cx="2030591" cy="1218355"/>
+          <a:off x="6394" y="1956747"/>
+          <a:ext cx="2107552" cy="1264531"/>
         </a:xfrm>
         <a:prstGeom prst="roundRect">
           <a:avLst>
@@ -10003,8 +10005,8 @@
         </a:p>
       </dsp:txBody>
       <dsp:txXfrm>
-        <a:off x="42477" y="2026115"/>
-        <a:ext cx="1959223" cy="1146987"/>
+        <a:off x="43431" y="1993784"/>
+        <a:ext cx="2033478" cy="1190457"/>
       </dsp:txXfrm>
     </dsp:sp>
     <dsp:sp modelId="{B47B599B-1878-439E-AF69-3E8BC9F7AC88}">
@@ -10014,8 +10016,8 @@
       </dsp:nvSpPr>
       <dsp:spPr>
         <a:xfrm>
-          <a:off x="2240444" y="2347816"/>
-          <a:ext cx="430485" cy="503586"/>
+          <a:off x="2324701" y="2327676"/>
+          <a:ext cx="446801" cy="522672"/>
         </a:xfrm>
         <a:prstGeom prst="rightArrow">
           <a:avLst>
@@ -10075,8 +10077,8 @@
         </a:p>
       </dsp:txBody>
       <dsp:txXfrm>
-        <a:off x="2240444" y="2448533"/>
-        <a:ext cx="301340" cy="302152"/>
+        <a:off x="2324701" y="2432210"/>
+        <a:ext cx="312761" cy="313604"/>
       </dsp:txXfrm>
     </dsp:sp>
     <dsp:sp modelId="{6619D80D-F103-4BD4-9D27-183E0DB23544}">
@@ -10086,8 +10088,8 @@
       </dsp:nvSpPr>
       <dsp:spPr>
         <a:xfrm>
-          <a:off x="2849622" y="1990431"/>
-          <a:ext cx="2030591" cy="1218355"/>
+          <a:off x="2956967" y="1956747"/>
+          <a:ext cx="2107552" cy="1264531"/>
         </a:xfrm>
         <a:prstGeom prst="roundRect">
           <a:avLst>
@@ -10153,7 +10155,7 @@
               <a:latin typeface="Times New Roman" panose="02020603050405020304" pitchFamily="18" charset="0"/>
               <a:cs typeface="Times New Roman" panose="02020603050405020304" pitchFamily="18" charset="0"/>
             </a:rPr>
-            <a:t>Manager</a:t>
+            <a:t>Management</a:t>
           </a:r>
           <a:endParaRPr lang="de-DE" sz="2400" kern="1200" dirty="0">
             <a:latin typeface="Times New Roman" panose="02020603050405020304" pitchFamily="18" charset="0"/>
@@ -10162,8 +10164,8 @@
         </a:p>
       </dsp:txBody>
       <dsp:txXfrm>
-        <a:off x="2885306" y="2026115"/>
-        <a:ext cx="1959223" cy="1146987"/>
+        <a:off x="2994004" y="1993784"/>
+        <a:ext cx="2033478" cy="1190457"/>
       </dsp:txXfrm>
     </dsp:sp>
     <dsp:sp modelId="{7A5356FD-8A61-42A6-BFBF-7C73257FDE9A}">
@@ -10173,8 +10175,8 @@
       </dsp:nvSpPr>
       <dsp:spPr>
         <a:xfrm>
-          <a:off x="5083273" y="2347816"/>
-          <a:ext cx="430485" cy="503586"/>
+          <a:off x="5275274" y="2327676"/>
+          <a:ext cx="446801" cy="522672"/>
         </a:xfrm>
         <a:prstGeom prst="rightArrow">
           <a:avLst>
@@ -10234,8 +10236,8 @@
         </a:p>
       </dsp:txBody>
       <dsp:txXfrm>
-        <a:off x="5083273" y="2448533"/>
-        <a:ext cx="301340" cy="302152"/>
+        <a:off x="5275274" y="2432210"/>
+        <a:ext cx="312761" cy="313604"/>
       </dsp:txXfrm>
     </dsp:sp>
     <dsp:sp modelId="{8A5DB757-DEDE-4373-8C63-C11CA448C576}">
@@ -10245,8 +10247,8 @@
       </dsp:nvSpPr>
       <dsp:spPr>
         <a:xfrm>
-          <a:off x="5692451" y="1990431"/>
-          <a:ext cx="2030591" cy="1218355"/>
+          <a:off x="5907540" y="1956747"/>
+          <a:ext cx="2049657" cy="1264531"/>
         </a:xfrm>
         <a:prstGeom prst="roundRect">
           <a:avLst>
@@ -10312,7 +10314,7 @@
               <a:latin typeface="Times New Roman" panose="02020603050405020304" pitchFamily="18" charset="0"/>
               <a:cs typeface="Times New Roman" panose="02020603050405020304" pitchFamily="18" charset="0"/>
             </a:rPr>
-            <a:t>Durchführung Abwehraktion</a:t>
+            <a:t>Reaktion des Unternehmens</a:t>
           </a:r>
           <a:endParaRPr lang="de-DE" sz="2400" kern="1200" dirty="0">
             <a:latin typeface="Times New Roman" panose="02020603050405020304" pitchFamily="18" charset="0"/>
@@ -10321,8 +10323,8 @@
         </a:p>
       </dsp:txBody>
       <dsp:txXfrm>
-        <a:off x="5728135" y="2026115"/>
-        <a:ext cx="1959223" cy="1146987"/>
+        <a:off x="5944577" y="1993784"/>
+        <a:ext cx="1975583" cy="1190457"/>
       </dsp:txXfrm>
     </dsp:sp>
   </dsp:spTree>
@@ -23371,7 +23373,7 @@
           <a:p>
             <a:fld id="{5CFFFF7F-6CF7-4DDB-8ECD-AF3ECDED6917}" type="datetimeFigureOut">
               <a:rPr lang="de-DE" smtClean="0"/>
-              <a:t>24.01.2023</a:t>
+              <a:t>25.01.2023</a:t>
             </a:fld>
             <a:endParaRPr lang="de-DE"/>
           </a:p>
@@ -23541,7 +23543,7 @@
           <a:p>
             <a:fld id="{5CFFFF7F-6CF7-4DDB-8ECD-AF3ECDED6917}" type="datetimeFigureOut">
               <a:rPr lang="de-DE" smtClean="0"/>
-              <a:t>24.01.2023</a:t>
+              <a:t>25.01.2023</a:t>
             </a:fld>
             <a:endParaRPr lang="de-DE"/>
           </a:p>
@@ -23721,7 +23723,7 @@
           <a:p>
             <a:fld id="{5CFFFF7F-6CF7-4DDB-8ECD-AF3ECDED6917}" type="datetimeFigureOut">
               <a:rPr lang="de-DE" smtClean="0"/>
-              <a:t>24.01.2023</a:t>
+              <a:t>25.01.2023</a:t>
             </a:fld>
             <a:endParaRPr lang="de-DE"/>
           </a:p>
@@ -23891,7 +23893,7 @@
           <a:p>
             <a:fld id="{5CFFFF7F-6CF7-4DDB-8ECD-AF3ECDED6917}" type="datetimeFigureOut">
               <a:rPr lang="de-DE" smtClean="0"/>
-              <a:t>24.01.2023</a:t>
+              <a:t>25.01.2023</a:t>
             </a:fld>
             <a:endParaRPr lang="de-DE"/>
           </a:p>
@@ -24137,7 +24139,7 @@
           <a:p>
             <a:fld id="{5CFFFF7F-6CF7-4DDB-8ECD-AF3ECDED6917}" type="datetimeFigureOut">
               <a:rPr lang="de-DE" smtClean="0"/>
-              <a:t>24.01.2023</a:t>
+              <a:t>25.01.2023</a:t>
             </a:fld>
             <a:endParaRPr lang="de-DE"/>
           </a:p>
@@ -24369,7 +24371,7 @@
           <a:p>
             <a:fld id="{5CFFFF7F-6CF7-4DDB-8ECD-AF3ECDED6917}" type="datetimeFigureOut">
               <a:rPr lang="de-DE" smtClean="0"/>
-              <a:t>24.01.2023</a:t>
+              <a:t>25.01.2023</a:t>
             </a:fld>
             <a:endParaRPr lang="de-DE"/>
           </a:p>
@@ -24736,7 +24738,7 @@
           <a:p>
             <a:fld id="{5CFFFF7F-6CF7-4DDB-8ECD-AF3ECDED6917}" type="datetimeFigureOut">
               <a:rPr lang="de-DE" smtClean="0"/>
-              <a:t>24.01.2023</a:t>
+              <a:t>25.01.2023</a:t>
             </a:fld>
             <a:endParaRPr lang="de-DE"/>
           </a:p>
@@ -24854,7 +24856,7 @@
           <a:p>
             <a:fld id="{5CFFFF7F-6CF7-4DDB-8ECD-AF3ECDED6917}" type="datetimeFigureOut">
               <a:rPr lang="de-DE" smtClean="0"/>
-              <a:t>24.01.2023</a:t>
+              <a:t>25.01.2023</a:t>
             </a:fld>
             <a:endParaRPr lang="de-DE"/>
           </a:p>
@@ -24949,7 +24951,7 @@
           <a:p>
             <a:fld id="{5CFFFF7F-6CF7-4DDB-8ECD-AF3ECDED6917}" type="datetimeFigureOut">
               <a:rPr lang="de-DE" smtClean="0"/>
-              <a:t>24.01.2023</a:t>
+              <a:t>25.01.2023</a:t>
             </a:fld>
             <a:endParaRPr lang="de-DE"/>
           </a:p>
@@ -25226,7 +25228,7 @@
           <a:p>
             <a:fld id="{5CFFFF7F-6CF7-4DDB-8ECD-AF3ECDED6917}" type="datetimeFigureOut">
               <a:rPr lang="de-DE" smtClean="0"/>
-              <a:t>24.01.2023</a:t>
+              <a:t>25.01.2023</a:t>
             </a:fld>
             <a:endParaRPr lang="de-DE"/>
           </a:p>
@@ -25479,7 +25481,7 @@
           <a:p>
             <a:fld id="{5CFFFF7F-6CF7-4DDB-8ECD-AF3ECDED6917}" type="datetimeFigureOut">
               <a:rPr lang="de-DE" smtClean="0"/>
-              <a:t>24.01.2023</a:t>
+              <a:t>25.01.2023</a:t>
             </a:fld>
             <a:endParaRPr lang="de-DE"/>
           </a:p>
@@ -25692,7 +25694,7 @@
           <a:p>
             <a:fld id="{5CFFFF7F-6CF7-4DDB-8ECD-AF3ECDED6917}" type="datetimeFigureOut">
               <a:rPr lang="de-DE" smtClean="0"/>
-              <a:t>24.01.2023</a:t>
+              <a:t>25.01.2023</a:t>
             </a:fld>
             <a:endParaRPr lang="de-DE"/>
           </a:p>
@@ -27107,14 +27109,7 @@
                 <a:latin typeface="Times New Roman" panose="02020603050405020304" pitchFamily="18" charset="0"/>
                 <a:cs typeface="Times New Roman" panose="02020603050405020304" pitchFamily="18" charset="0"/>
               </a:rPr>
-              <a:t>4. Mehrwert </a:t>
-            </a:r>
-            <a:r>
-              <a:rPr lang="de-DE" dirty="0" smtClean="0">
-                <a:latin typeface="Times New Roman" panose="02020603050405020304" pitchFamily="18" charset="0"/>
-                <a:cs typeface="Times New Roman" panose="02020603050405020304" pitchFamily="18" charset="0"/>
-              </a:rPr>
-              <a:t>des </a:t>
+              <a:t>4. Mehrwert des </a:t>
             </a:r>
             <a:br>
               <a:rPr lang="de-DE" dirty="0" smtClean="0">
@@ -27127,21 +27122,7 @@
                 <a:latin typeface="Times New Roman" panose="02020603050405020304" pitchFamily="18" charset="0"/>
                 <a:cs typeface="Times New Roman" panose="02020603050405020304" pitchFamily="18" charset="0"/>
               </a:rPr>
-              <a:t> </a:t>
-            </a:r>
-            <a:r>
-              <a:rPr lang="de-DE" dirty="0" smtClean="0">
-                <a:latin typeface="Times New Roman" panose="02020603050405020304" pitchFamily="18" charset="0"/>
-                <a:cs typeface="Times New Roman" panose="02020603050405020304" pitchFamily="18" charset="0"/>
-              </a:rPr>
-              <a:t>    Controllings </a:t>
-            </a:r>
-            <a:r>
-              <a:rPr lang="de-DE" dirty="0" smtClean="0">
-                <a:latin typeface="Times New Roman" panose="02020603050405020304" pitchFamily="18" charset="0"/>
-                <a:cs typeface="Times New Roman" panose="02020603050405020304" pitchFamily="18" charset="0"/>
-              </a:rPr>
-              <a:t>in KMU</a:t>
+              <a:t>     Controllings in KMU</a:t>
             </a:r>
             <a:endParaRPr lang="de-DE" dirty="0">
               <a:latin typeface="Times New Roman" panose="02020603050405020304" pitchFamily="18" charset="0"/>
@@ -27874,14 +27855,7 @@
                 <a:latin typeface="Times New Roman" panose="02020603050405020304" pitchFamily="18" charset="0"/>
                 <a:cs typeface="Times New Roman" panose="02020603050405020304" pitchFamily="18" charset="0"/>
               </a:rPr>
-              <a:t>4. Mehrwert </a:t>
-            </a:r>
-            <a:r>
-              <a:rPr lang="de-DE" dirty="0" smtClean="0">
-                <a:latin typeface="Times New Roman" panose="02020603050405020304" pitchFamily="18" charset="0"/>
-                <a:cs typeface="Times New Roman" panose="02020603050405020304" pitchFamily="18" charset="0"/>
-              </a:rPr>
-              <a:t>des </a:t>
+              <a:t>4. Mehrwert des </a:t>
             </a:r>
             <a:br>
               <a:rPr lang="de-DE" dirty="0" smtClean="0">
@@ -27894,21 +27868,7 @@
                 <a:latin typeface="Times New Roman" panose="02020603050405020304" pitchFamily="18" charset="0"/>
                 <a:cs typeface="Times New Roman" panose="02020603050405020304" pitchFamily="18" charset="0"/>
               </a:rPr>
-              <a:t> </a:t>
-            </a:r>
-            <a:r>
-              <a:rPr lang="de-DE" dirty="0" smtClean="0">
-                <a:latin typeface="Times New Roman" panose="02020603050405020304" pitchFamily="18" charset="0"/>
-                <a:cs typeface="Times New Roman" panose="02020603050405020304" pitchFamily="18" charset="0"/>
-              </a:rPr>
-              <a:t>    Controllings </a:t>
-            </a:r>
-            <a:r>
-              <a:rPr lang="de-DE" dirty="0" smtClean="0">
-                <a:latin typeface="Times New Roman" panose="02020603050405020304" pitchFamily="18" charset="0"/>
-                <a:cs typeface="Times New Roman" panose="02020603050405020304" pitchFamily="18" charset="0"/>
-              </a:rPr>
-              <a:t>in KMU</a:t>
+              <a:t>     Controllings in KMU</a:t>
             </a:r>
             <a:endParaRPr lang="de-DE" dirty="0">
               <a:latin typeface="Times New Roman" panose="02020603050405020304" pitchFamily="18" charset="0"/>
@@ -28278,14 +28238,14 @@
           <p:nvPr>
             <p:extLst>
               <p:ext uri="{D42A27DB-BD31-4B8C-83A1-F6EECF244321}">
-                <p14:modId xmlns:p14="http://schemas.microsoft.com/office/powerpoint/2010/main" val="2185617838"/>
+                <p14:modId xmlns:p14="http://schemas.microsoft.com/office/powerpoint/2010/main" val="2487930361"/>
               </p:ext>
             </p:extLst>
           </p:nvPr>
         </p:nvGraphicFramePr>
         <p:xfrm>
-          <a:off x="1623527" y="2331309"/>
-          <a:ext cx="7729837" cy="5199219"/>
+          <a:off x="1521230" y="2352502"/>
+          <a:ext cx="7963592" cy="5178026"/>
         </p:xfrm>
         <a:graphic>
           <a:graphicData uri="http://schemas.openxmlformats.org/drawingml/2006/diagram">
@@ -28959,14 +28919,7 @@
                 <a:latin typeface="Times New Roman" panose="02020603050405020304" pitchFamily="18" charset="0"/>
                 <a:cs typeface="Times New Roman" panose="02020603050405020304" pitchFamily="18" charset="0"/>
               </a:rPr>
-              <a:t>4. Mehrwert </a:t>
-            </a:r>
-            <a:r>
-              <a:rPr lang="de-DE" dirty="0" smtClean="0">
-                <a:latin typeface="Times New Roman" panose="02020603050405020304" pitchFamily="18" charset="0"/>
-                <a:cs typeface="Times New Roman" panose="02020603050405020304" pitchFamily="18" charset="0"/>
-              </a:rPr>
-              <a:t>des </a:t>
+              <a:t>4. Mehrwert des </a:t>
             </a:r>
             <a:br>
               <a:rPr lang="de-DE" dirty="0" smtClean="0">
@@ -28979,21 +28932,7 @@
                 <a:latin typeface="Times New Roman" panose="02020603050405020304" pitchFamily="18" charset="0"/>
                 <a:cs typeface="Times New Roman" panose="02020603050405020304" pitchFamily="18" charset="0"/>
               </a:rPr>
-              <a:t> </a:t>
-            </a:r>
-            <a:r>
-              <a:rPr lang="de-DE" dirty="0" smtClean="0">
-                <a:latin typeface="Times New Roman" panose="02020603050405020304" pitchFamily="18" charset="0"/>
-                <a:cs typeface="Times New Roman" panose="02020603050405020304" pitchFamily="18" charset="0"/>
-              </a:rPr>
-              <a:t>    Controllings </a:t>
-            </a:r>
-            <a:r>
-              <a:rPr lang="de-DE" dirty="0" smtClean="0">
-                <a:latin typeface="Times New Roman" panose="02020603050405020304" pitchFamily="18" charset="0"/>
-                <a:cs typeface="Times New Roman" panose="02020603050405020304" pitchFamily="18" charset="0"/>
-              </a:rPr>
-              <a:t>in KMU</a:t>
+              <a:t>     Controllings in KMU</a:t>
             </a:r>
             <a:endParaRPr lang="de-DE" dirty="0">
               <a:latin typeface="Times New Roman" panose="02020603050405020304" pitchFamily="18" charset="0"/>
@@ -29801,14 +29740,7 @@
                 <a:latin typeface="Times New Roman" panose="02020603050405020304" pitchFamily="18" charset="0"/>
                 <a:cs typeface="Times New Roman" panose="02020603050405020304" pitchFamily="18" charset="0"/>
               </a:rPr>
-              <a:t>4. Mehrwert </a:t>
-            </a:r>
-            <a:r>
-              <a:rPr lang="de-DE" dirty="0" smtClean="0">
-                <a:latin typeface="Times New Roman" panose="02020603050405020304" pitchFamily="18" charset="0"/>
-                <a:cs typeface="Times New Roman" panose="02020603050405020304" pitchFamily="18" charset="0"/>
-              </a:rPr>
-              <a:t>des </a:t>
+              <a:t>4. Mehrwert des </a:t>
             </a:r>
             <a:br>
               <a:rPr lang="de-DE" dirty="0" smtClean="0">
@@ -29821,21 +29753,7 @@
                 <a:latin typeface="Times New Roman" panose="02020603050405020304" pitchFamily="18" charset="0"/>
                 <a:cs typeface="Times New Roman" panose="02020603050405020304" pitchFamily="18" charset="0"/>
               </a:rPr>
-              <a:t> </a:t>
-            </a:r>
-            <a:r>
-              <a:rPr lang="de-DE" dirty="0" smtClean="0">
-                <a:latin typeface="Times New Roman" panose="02020603050405020304" pitchFamily="18" charset="0"/>
-                <a:cs typeface="Times New Roman" panose="02020603050405020304" pitchFamily="18" charset="0"/>
-              </a:rPr>
-              <a:t>    Controllings </a:t>
-            </a:r>
-            <a:r>
-              <a:rPr lang="de-DE" dirty="0" smtClean="0">
-                <a:latin typeface="Times New Roman" panose="02020603050405020304" pitchFamily="18" charset="0"/>
-                <a:cs typeface="Times New Roman" panose="02020603050405020304" pitchFamily="18" charset="0"/>
-              </a:rPr>
-              <a:t>in KMU</a:t>
+              <a:t>     Controllings in KMU</a:t>
             </a:r>
             <a:endParaRPr lang="de-DE" dirty="0">
               <a:latin typeface="Times New Roman" panose="02020603050405020304" pitchFamily="18" charset="0"/>
@@ -32884,6 +32802,697 @@
     <p:extLst>
       <p:ext uri="{BB962C8B-B14F-4D97-AF65-F5344CB8AC3E}">
         <p14:creationId xmlns:p14="http://schemas.microsoft.com/office/powerpoint/2010/main" val="274953446"/>
+      </p:ext>
+    </p:extLst>
+  </p:cSld>
+  <p:clrMapOvr>
+    <a:masterClrMapping/>
+  </p:clrMapOvr>
+  <p:timing>
+    <p:tnLst>
+      <p:par>
+        <p:cTn id="1" dur="indefinite" restart="never" nodeType="tmRoot"/>
+      </p:par>
+    </p:tnLst>
+  </p:timing>
+</p:sld>
+</file>
+
+<file path=ppt/slides/slide17.xml><?xml version="1.0" encoding="utf-8"?>
+<p:sld xmlns:a="http://schemas.openxmlformats.org/drawingml/2006/main" xmlns:r="http://schemas.openxmlformats.org/officeDocument/2006/relationships" xmlns:p="http://schemas.openxmlformats.org/presentationml/2006/main">
+  <p:cSld>
+    <p:spTree>
+      <p:nvGrpSpPr>
+        <p:cNvPr id="1" name=""/>
+        <p:cNvGrpSpPr/>
+        <p:nvPr/>
+      </p:nvGrpSpPr>
+      <p:grpSpPr>
+        <a:xfrm>
+          <a:off x="0" y="0"/>
+          <a:ext cx="0" cy="0"/>
+          <a:chOff x="0" y="0"/>
+          <a:chExt cx="0" cy="0"/>
+        </a:xfrm>
+      </p:grpSpPr>
+      <p:sp>
+        <p:nvSpPr>
+          <p:cNvPr id="9" name="Diagonaler Streifen 8"/>
+          <p:cNvSpPr/>
+          <p:nvPr/>
+        </p:nvSpPr>
+        <p:spPr>
+          <a:xfrm>
+            <a:off x="1" y="0"/>
+            <a:ext cx="3458094" cy="3898668"/>
+          </a:xfrm>
+          <a:prstGeom prst="diagStripe">
+            <a:avLst/>
+          </a:prstGeom>
+          <a:solidFill>
+            <a:schemeClr val="accent6">
+              <a:lumMod val="20000"/>
+              <a:lumOff val="80000"/>
+            </a:schemeClr>
+          </a:solidFill>
+          <a:ln>
+            <a:solidFill>
+              <a:schemeClr val="accent6">
+                <a:lumMod val="20000"/>
+                <a:lumOff val="80000"/>
+              </a:schemeClr>
+            </a:solidFill>
+          </a:ln>
+        </p:spPr>
+        <p:style>
+          <a:lnRef idx="2">
+            <a:schemeClr val="accent1">
+              <a:shade val="50000"/>
+            </a:schemeClr>
+          </a:lnRef>
+          <a:fillRef idx="1">
+            <a:schemeClr val="accent1"/>
+          </a:fillRef>
+          <a:effectRef idx="0">
+            <a:schemeClr val="accent1"/>
+          </a:effectRef>
+          <a:fontRef idx="minor">
+            <a:schemeClr val="lt1"/>
+          </a:fontRef>
+        </p:style>
+        <p:txBody>
+          <a:bodyPr rtlCol="0" anchor="ctr"/>
+          <a:lstStyle/>
+          <a:p>
+            <a:pPr algn="ctr"/>
+            <a:endParaRPr lang="de-DE">
+              <a:solidFill>
+                <a:schemeClr val="tx1"/>
+              </a:solidFill>
+            </a:endParaRPr>
+          </a:p>
+        </p:txBody>
+      </p:sp>
+      <p:sp>
+        <p:nvSpPr>
+          <p:cNvPr id="8" name="Diagonaler Streifen 7"/>
+          <p:cNvSpPr/>
+          <p:nvPr/>
+        </p:nvSpPr>
+        <p:spPr>
+          <a:xfrm>
+            <a:off x="1" y="0"/>
+            <a:ext cx="2876204" cy="3117273"/>
+          </a:xfrm>
+          <a:prstGeom prst="diagStripe">
+            <a:avLst/>
+          </a:prstGeom>
+          <a:solidFill>
+            <a:schemeClr val="accent6">
+              <a:lumMod val="40000"/>
+              <a:lumOff val="60000"/>
+            </a:schemeClr>
+          </a:solidFill>
+          <a:ln>
+            <a:solidFill>
+              <a:schemeClr val="accent6">
+                <a:lumMod val="40000"/>
+                <a:lumOff val="60000"/>
+              </a:schemeClr>
+            </a:solidFill>
+          </a:ln>
+        </p:spPr>
+        <p:style>
+          <a:lnRef idx="2">
+            <a:schemeClr val="accent1">
+              <a:shade val="50000"/>
+            </a:schemeClr>
+          </a:lnRef>
+          <a:fillRef idx="1">
+            <a:schemeClr val="accent1"/>
+          </a:fillRef>
+          <a:effectRef idx="0">
+            <a:schemeClr val="accent1"/>
+          </a:effectRef>
+          <a:fontRef idx="minor">
+            <a:schemeClr val="lt1"/>
+          </a:fontRef>
+        </p:style>
+        <p:txBody>
+          <a:bodyPr rtlCol="0" anchor="ctr"/>
+          <a:lstStyle/>
+          <a:p>
+            <a:pPr algn="ctr"/>
+            <a:endParaRPr lang="de-DE">
+              <a:solidFill>
+                <a:schemeClr val="tx1"/>
+              </a:solidFill>
+            </a:endParaRPr>
+          </a:p>
+        </p:txBody>
+      </p:sp>
+      <p:sp>
+        <p:nvSpPr>
+          <p:cNvPr id="4" name="Diagonaler Streifen 3"/>
+          <p:cNvSpPr/>
+          <p:nvPr/>
+        </p:nvSpPr>
+        <p:spPr>
+          <a:xfrm>
+            <a:off x="0" y="0"/>
+            <a:ext cx="2219498" cy="2419004"/>
+          </a:xfrm>
+          <a:prstGeom prst="diagStripe">
+            <a:avLst/>
+          </a:prstGeom>
+          <a:solidFill>
+            <a:schemeClr val="accent6">
+              <a:lumMod val="60000"/>
+              <a:lumOff val="40000"/>
+            </a:schemeClr>
+          </a:solidFill>
+          <a:ln>
+            <a:solidFill>
+              <a:schemeClr val="accent6">
+                <a:lumMod val="60000"/>
+                <a:lumOff val="40000"/>
+              </a:schemeClr>
+            </a:solidFill>
+          </a:ln>
+        </p:spPr>
+        <p:style>
+          <a:lnRef idx="2">
+            <a:schemeClr val="accent1">
+              <a:shade val="50000"/>
+            </a:schemeClr>
+          </a:lnRef>
+          <a:fillRef idx="1">
+            <a:schemeClr val="accent1"/>
+          </a:fillRef>
+          <a:effectRef idx="0">
+            <a:schemeClr val="accent1"/>
+          </a:effectRef>
+          <a:fontRef idx="minor">
+            <a:schemeClr val="lt1"/>
+          </a:fontRef>
+        </p:style>
+        <p:txBody>
+          <a:bodyPr rtlCol="0" anchor="ctr"/>
+          <a:lstStyle/>
+          <a:p>
+            <a:pPr algn="ctr"/>
+            <a:endParaRPr lang="de-DE">
+              <a:solidFill>
+                <a:schemeClr val="tx1"/>
+              </a:solidFill>
+            </a:endParaRPr>
+          </a:p>
+        </p:txBody>
+      </p:sp>
+      <p:sp>
+        <p:nvSpPr>
+          <p:cNvPr id="6" name="Rechtwinkliges Dreieck 5"/>
+          <p:cNvSpPr/>
+          <p:nvPr/>
+        </p:nvSpPr>
+        <p:spPr>
+          <a:xfrm rot="5400000">
+            <a:off x="-33252" y="33250"/>
+            <a:ext cx="773084" cy="706582"/>
+          </a:xfrm>
+          <a:prstGeom prst="rtTriangle">
+            <a:avLst/>
+          </a:prstGeom>
+          <a:solidFill>
+            <a:schemeClr val="accent6">
+              <a:lumMod val="50000"/>
+            </a:schemeClr>
+          </a:solidFill>
+          <a:ln>
+            <a:solidFill>
+              <a:schemeClr val="accent6">
+                <a:lumMod val="50000"/>
+              </a:schemeClr>
+            </a:solidFill>
+          </a:ln>
+        </p:spPr>
+        <p:style>
+          <a:lnRef idx="2">
+            <a:schemeClr val="accent1">
+              <a:shade val="50000"/>
+            </a:schemeClr>
+          </a:lnRef>
+          <a:fillRef idx="1">
+            <a:schemeClr val="accent1"/>
+          </a:fillRef>
+          <a:effectRef idx="0">
+            <a:schemeClr val="accent1"/>
+          </a:effectRef>
+          <a:fontRef idx="minor">
+            <a:schemeClr val="lt1"/>
+          </a:fontRef>
+        </p:style>
+        <p:txBody>
+          <a:bodyPr rtlCol="0" anchor="ctr"/>
+          <a:lstStyle/>
+          <a:p>
+            <a:pPr algn="ctr"/>
+            <a:endParaRPr lang="de-DE"/>
+          </a:p>
+        </p:txBody>
+      </p:sp>
+      <p:sp>
+        <p:nvSpPr>
+          <p:cNvPr id="14" name="Diagonaler Streifen 13"/>
+          <p:cNvSpPr/>
+          <p:nvPr/>
+        </p:nvSpPr>
+        <p:spPr>
+          <a:xfrm rot="10800000">
+            <a:off x="8733905" y="2971800"/>
+            <a:ext cx="3458094" cy="3898668"/>
+          </a:xfrm>
+          <a:prstGeom prst="diagStripe">
+            <a:avLst/>
+          </a:prstGeom>
+          <a:solidFill>
+            <a:schemeClr val="accent6">
+              <a:lumMod val="20000"/>
+              <a:lumOff val="80000"/>
+            </a:schemeClr>
+          </a:solidFill>
+          <a:ln>
+            <a:solidFill>
+              <a:schemeClr val="accent6">
+                <a:lumMod val="20000"/>
+                <a:lumOff val="80000"/>
+              </a:schemeClr>
+            </a:solidFill>
+          </a:ln>
+        </p:spPr>
+        <p:style>
+          <a:lnRef idx="2">
+            <a:schemeClr val="accent1">
+              <a:shade val="50000"/>
+            </a:schemeClr>
+          </a:lnRef>
+          <a:fillRef idx="1">
+            <a:schemeClr val="accent1"/>
+          </a:fillRef>
+          <a:effectRef idx="0">
+            <a:schemeClr val="accent1"/>
+          </a:effectRef>
+          <a:fontRef idx="minor">
+            <a:schemeClr val="lt1"/>
+          </a:fontRef>
+        </p:style>
+        <p:txBody>
+          <a:bodyPr rtlCol="0" anchor="ctr"/>
+          <a:lstStyle/>
+          <a:p>
+            <a:pPr algn="ctr"/>
+            <a:endParaRPr lang="de-DE">
+              <a:solidFill>
+                <a:schemeClr val="tx1"/>
+              </a:solidFill>
+            </a:endParaRPr>
+          </a:p>
+        </p:txBody>
+      </p:sp>
+      <p:sp>
+        <p:nvSpPr>
+          <p:cNvPr id="10" name="Rechtwinkliges Dreieck 9"/>
+          <p:cNvSpPr/>
+          <p:nvPr/>
+        </p:nvSpPr>
+        <p:spPr>
+          <a:xfrm rot="16200000">
+            <a:off x="11452167" y="6130635"/>
+            <a:ext cx="773084" cy="706582"/>
+          </a:xfrm>
+          <a:prstGeom prst="rtTriangle">
+            <a:avLst/>
+          </a:prstGeom>
+          <a:solidFill>
+            <a:schemeClr val="accent6">
+              <a:lumMod val="50000"/>
+            </a:schemeClr>
+          </a:solidFill>
+          <a:ln>
+            <a:solidFill>
+              <a:schemeClr val="accent6">
+                <a:lumMod val="50000"/>
+              </a:schemeClr>
+            </a:solidFill>
+          </a:ln>
+        </p:spPr>
+        <p:style>
+          <a:lnRef idx="2">
+            <a:schemeClr val="accent1">
+              <a:shade val="50000"/>
+            </a:schemeClr>
+          </a:lnRef>
+          <a:fillRef idx="1">
+            <a:schemeClr val="accent1"/>
+          </a:fillRef>
+          <a:effectRef idx="0">
+            <a:schemeClr val="accent1"/>
+          </a:effectRef>
+          <a:fontRef idx="minor">
+            <a:schemeClr val="lt1"/>
+          </a:fontRef>
+        </p:style>
+        <p:txBody>
+          <a:bodyPr rtlCol="0" anchor="ctr"/>
+          <a:lstStyle/>
+          <a:p>
+            <a:pPr algn="ctr"/>
+            <a:endParaRPr lang="de-DE"/>
+          </a:p>
+        </p:txBody>
+      </p:sp>
+      <p:sp>
+        <p:nvSpPr>
+          <p:cNvPr id="13" name="Diagonaler Streifen 12"/>
+          <p:cNvSpPr/>
+          <p:nvPr/>
+        </p:nvSpPr>
+        <p:spPr>
+          <a:xfrm rot="10800000">
+            <a:off x="9324108" y="3756587"/>
+            <a:ext cx="2876204" cy="3117273"/>
+          </a:xfrm>
+          <a:prstGeom prst="diagStripe">
+            <a:avLst/>
+          </a:prstGeom>
+          <a:solidFill>
+            <a:schemeClr val="accent6">
+              <a:lumMod val="40000"/>
+              <a:lumOff val="60000"/>
+            </a:schemeClr>
+          </a:solidFill>
+          <a:ln>
+            <a:solidFill>
+              <a:schemeClr val="accent6">
+                <a:lumMod val="40000"/>
+                <a:lumOff val="60000"/>
+              </a:schemeClr>
+            </a:solidFill>
+          </a:ln>
+        </p:spPr>
+        <p:style>
+          <a:lnRef idx="2">
+            <a:schemeClr val="accent1">
+              <a:shade val="50000"/>
+            </a:schemeClr>
+          </a:lnRef>
+          <a:fillRef idx="1">
+            <a:schemeClr val="accent1"/>
+          </a:fillRef>
+          <a:effectRef idx="0">
+            <a:schemeClr val="accent1"/>
+          </a:effectRef>
+          <a:fontRef idx="minor">
+            <a:schemeClr val="lt1"/>
+          </a:fontRef>
+        </p:style>
+        <p:txBody>
+          <a:bodyPr rtlCol="0" anchor="ctr"/>
+          <a:lstStyle/>
+          <a:p>
+            <a:pPr algn="ctr"/>
+            <a:endParaRPr lang="de-DE">
+              <a:solidFill>
+                <a:schemeClr val="tx1"/>
+              </a:solidFill>
+            </a:endParaRPr>
+          </a:p>
+        </p:txBody>
+      </p:sp>
+      <p:sp>
+        <p:nvSpPr>
+          <p:cNvPr id="12" name="Diagonaler Streifen 11"/>
+          <p:cNvSpPr/>
+          <p:nvPr/>
+        </p:nvSpPr>
+        <p:spPr>
+          <a:xfrm rot="10800000">
+            <a:off x="9972501" y="4429919"/>
+            <a:ext cx="2219498" cy="2419004"/>
+          </a:xfrm>
+          <a:prstGeom prst="diagStripe">
+            <a:avLst/>
+          </a:prstGeom>
+          <a:solidFill>
+            <a:schemeClr val="accent6">
+              <a:lumMod val="60000"/>
+              <a:lumOff val="40000"/>
+            </a:schemeClr>
+          </a:solidFill>
+          <a:ln>
+            <a:solidFill>
+              <a:schemeClr val="accent6">
+                <a:lumMod val="60000"/>
+                <a:lumOff val="40000"/>
+              </a:schemeClr>
+            </a:solidFill>
+          </a:ln>
+        </p:spPr>
+        <p:style>
+          <a:lnRef idx="2">
+            <a:schemeClr val="accent1">
+              <a:shade val="50000"/>
+            </a:schemeClr>
+          </a:lnRef>
+          <a:fillRef idx="1">
+            <a:schemeClr val="accent1"/>
+          </a:fillRef>
+          <a:effectRef idx="0">
+            <a:schemeClr val="accent1"/>
+          </a:effectRef>
+          <a:fontRef idx="minor">
+            <a:schemeClr val="lt1"/>
+          </a:fontRef>
+        </p:style>
+        <p:txBody>
+          <a:bodyPr rtlCol="0" anchor="ctr"/>
+          <a:lstStyle/>
+          <a:p>
+            <a:pPr algn="ctr"/>
+            <a:endParaRPr lang="de-DE">
+              <a:solidFill>
+                <a:schemeClr val="tx1"/>
+              </a:solidFill>
+            </a:endParaRPr>
+          </a:p>
+        </p:txBody>
+      </p:sp>
+      <p:sp>
+        <p:nvSpPr>
+          <p:cNvPr id="11" name="Diagonaler Streifen 10"/>
+          <p:cNvSpPr/>
+          <p:nvPr/>
+        </p:nvSpPr>
+        <p:spPr>
+          <a:xfrm rot="10800000">
+            <a:off x="10762210" y="5311833"/>
+            <a:ext cx="1429789" cy="1546167"/>
+          </a:xfrm>
+          <a:prstGeom prst="diagStripe">
+            <a:avLst/>
+          </a:prstGeom>
+          <a:solidFill>
+            <a:schemeClr val="accent6">
+              <a:lumMod val="75000"/>
+            </a:schemeClr>
+          </a:solidFill>
+          <a:ln>
+            <a:solidFill>
+              <a:schemeClr val="accent6">
+                <a:lumMod val="75000"/>
+              </a:schemeClr>
+            </a:solidFill>
+          </a:ln>
+        </p:spPr>
+        <p:style>
+          <a:lnRef idx="2">
+            <a:schemeClr val="accent1">
+              <a:shade val="50000"/>
+            </a:schemeClr>
+          </a:lnRef>
+          <a:fillRef idx="1">
+            <a:schemeClr val="accent1"/>
+          </a:fillRef>
+          <a:effectRef idx="0">
+            <a:schemeClr val="accent1"/>
+          </a:effectRef>
+          <a:fontRef idx="minor">
+            <a:schemeClr val="lt1"/>
+          </a:fontRef>
+        </p:style>
+        <p:txBody>
+          <a:bodyPr rtlCol="0" anchor="ctr"/>
+          <a:lstStyle/>
+          <a:p>
+            <a:pPr algn="ctr"/>
+            <a:endParaRPr lang="de-DE">
+              <a:solidFill>
+                <a:schemeClr val="tx1"/>
+              </a:solidFill>
+            </a:endParaRPr>
+          </a:p>
+        </p:txBody>
+      </p:sp>
+      <p:sp>
+        <p:nvSpPr>
+          <p:cNvPr id="5" name="Diagonaler Streifen 4"/>
+          <p:cNvSpPr/>
+          <p:nvPr/>
+        </p:nvSpPr>
+        <p:spPr>
+          <a:xfrm>
+            <a:off x="0" y="0"/>
+            <a:ext cx="1429789" cy="1546167"/>
+          </a:xfrm>
+          <a:prstGeom prst="diagStripe">
+            <a:avLst/>
+          </a:prstGeom>
+          <a:solidFill>
+            <a:schemeClr val="accent6">
+              <a:lumMod val="75000"/>
+            </a:schemeClr>
+          </a:solidFill>
+          <a:ln>
+            <a:solidFill>
+              <a:schemeClr val="accent6">
+                <a:lumMod val="75000"/>
+              </a:schemeClr>
+            </a:solidFill>
+          </a:ln>
+        </p:spPr>
+        <p:style>
+          <a:lnRef idx="2">
+            <a:schemeClr val="accent1">
+              <a:shade val="50000"/>
+            </a:schemeClr>
+          </a:lnRef>
+          <a:fillRef idx="1">
+            <a:schemeClr val="accent1"/>
+          </a:fillRef>
+          <a:effectRef idx="0">
+            <a:schemeClr val="accent1"/>
+          </a:effectRef>
+          <a:fontRef idx="minor">
+            <a:schemeClr val="lt1"/>
+          </a:fontRef>
+        </p:style>
+        <p:txBody>
+          <a:bodyPr rtlCol="0" anchor="ctr"/>
+          <a:lstStyle/>
+          <a:p>
+            <a:pPr algn="ctr"/>
+            <a:endParaRPr lang="de-DE">
+              <a:solidFill>
+                <a:schemeClr val="tx1"/>
+              </a:solidFill>
+            </a:endParaRPr>
+          </a:p>
+        </p:txBody>
+      </p:sp>
+      <p:pic>
+        <p:nvPicPr>
+          <p:cNvPr id="23" name="Grafik 22"/>
+          <p:cNvPicPr/>
+          <p:nvPr/>
+        </p:nvPicPr>
+        <p:blipFill rotWithShape="1">
+          <a:blip r:embed="rId2" cstate="print">
+            <a:extLst>
+              <a:ext uri="{28A0092B-C50C-407E-A947-70E740481C1C}">
+                <a14:useLocalDpi xmlns:a14="http://schemas.microsoft.com/office/drawing/2010/main" val="0"/>
+              </a:ext>
+            </a:extLst>
+          </a:blip>
+          <a:srcRect l="60394" t="3519" r="8253" b="-3519"/>
+          <a:stretch/>
+        </p:blipFill>
+        <p:spPr>
+          <a:xfrm>
+            <a:off x="9032033" y="24271"/>
+            <a:ext cx="2179065" cy="1181100"/>
+          </a:xfrm>
+          <a:prstGeom prst="rect">
+            <a:avLst/>
+          </a:prstGeom>
+        </p:spPr>
+      </p:pic>
+      <p:sp>
+        <p:nvSpPr>
+          <p:cNvPr id="3" name="Inhaltsplatzhalter 2"/>
+          <p:cNvSpPr>
+            <a:spLocks noGrp="1"/>
+          </p:cNvSpPr>
+          <p:nvPr>
+            <p:ph idx="1"/>
+          </p:nvPr>
+        </p:nvSpPr>
+        <p:spPr>
+          <a:xfrm>
+            <a:off x="1593272" y="1496291"/>
+            <a:ext cx="7722523" cy="4023360"/>
+          </a:xfrm>
+        </p:spPr>
+        <p:txBody>
+          <a:bodyPr anchor="ctr">
+            <a:normAutofit/>
+          </a:bodyPr>
+          <a:lstStyle/>
+          <a:p>
+            <a:pPr marL="0" indent="0" algn="ctr">
+              <a:buNone/>
+            </a:pPr>
+            <a:r>
+              <a:rPr lang="de-DE" sz="4000" dirty="0" smtClean="0">
+                <a:latin typeface="Times New Roman" panose="02020603050405020304" pitchFamily="18" charset="0"/>
+                <a:cs typeface="Times New Roman" panose="02020603050405020304" pitchFamily="18" charset="0"/>
+              </a:rPr>
+              <a:t>Vielen Dank </a:t>
+            </a:r>
+          </a:p>
+          <a:p>
+            <a:pPr marL="0" indent="0" algn="ctr">
+              <a:buNone/>
+            </a:pPr>
+            <a:r>
+              <a:rPr lang="de-DE" sz="4000" dirty="0" smtClean="0">
+                <a:latin typeface="Times New Roman" panose="02020603050405020304" pitchFamily="18" charset="0"/>
+                <a:cs typeface="Times New Roman" panose="02020603050405020304" pitchFamily="18" charset="0"/>
+              </a:rPr>
+              <a:t>für </a:t>
+            </a:r>
+          </a:p>
+          <a:p>
+            <a:pPr marL="0" indent="0" algn="ctr">
+              <a:buNone/>
+            </a:pPr>
+            <a:r>
+              <a:rPr lang="de-DE" sz="4000" dirty="0" smtClean="0">
+                <a:latin typeface="Times New Roman" panose="02020603050405020304" pitchFamily="18" charset="0"/>
+                <a:cs typeface="Times New Roman" panose="02020603050405020304" pitchFamily="18" charset="0"/>
+              </a:rPr>
+              <a:t>die Aufmerksamkeit</a:t>
+            </a:r>
+            <a:endParaRPr lang="de-DE" sz="4000" dirty="0">
+              <a:latin typeface="Times New Roman" panose="02020603050405020304" pitchFamily="18" charset="0"/>
+              <a:cs typeface="Times New Roman" panose="02020603050405020304" pitchFamily="18" charset="0"/>
+            </a:endParaRPr>
+          </a:p>
+        </p:txBody>
+      </p:sp>
+    </p:spTree>
+    <p:extLst>
+      <p:ext uri="{BB962C8B-B14F-4D97-AF65-F5344CB8AC3E}">
+        <p14:creationId xmlns:p14="http://schemas.microsoft.com/office/powerpoint/2010/main" val="49280484"/>
       </p:ext>
     </p:extLst>
   </p:cSld>
@@ -37127,8 +37736,8 @@
           </p:sp>
         </mc:Fallback>
       </mc:AlternateContent>
-      <mc:AlternateContent xmlns:mc="http://schemas.openxmlformats.org/markup-compatibility/2006" xmlns:a14="http://schemas.microsoft.com/office/drawing/2010/main">
-        <mc:Choice Requires="a14">
+      <mc:AlternateContent xmlns:mc="http://schemas.openxmlformats.org/markup-compatibility/2006">
+        <mc:Choice xmlns:a14="http://schemas.microsoft.com/office/drawing/2010/main" Requires="a14">
           <p:sp>
             <p:nvSpPr>
               <p:cNvPr id="57" name="Textfeld 56"/>
@@ -37175,7 +37784,21 @@
                     <a:latin typeface="Times New Roman" panose="02020603050405020304" pitchFamily="18" charset="0"/>
                     <a:cs typeface="Times New Roman" panose="02020603050405020304" pitchFamily="18" charset="0"/>
                   </a:rPr>
-                  <a:t> 499 Mitarbeiter (299)</a:t>
+                  <a:t> 499 Mitarbeiter (</a:t>
+                </a:r>
+                <a:r>
+                  <a:rPr lang="de-DE" dirty="0" smtClean="0">
+                    <a:latin typeface="Times New Roman" panose="02020603050405020304" pitchFamily="18" charset="0"/>
+                    <a:cs typeface="Times New Roman" panose="02020603050405020304" pitchFamily="18" charset="0"/>
+                  </a:rPr>
+                  <a:t>249</a:t>
+                </a:r>
+                <a:r>
+                  <a:rPr lang="de-DE" dirty="0" smtClean="0">
+                    <a:latin typeface="Times New Roman" panose="02020603050405020304" pitchFamily="18" charset="0"/>
+                    <a:cs typeface="Times New Roman" panose="02020603050405020304" pitchFamily="18" charset="0"/>
+                  </a:rPr>
+                  <a:t>)</a:t>
                 </a:r>
               </a:p>
               <a:p>
@@ -37223,7 +37846,7 @@
             </p:txBody>
           </p:sp>
         </mc:Choice>
-        <mc:Fallback xmlns="">
+        <mc:Fallback>
           <p:sp>
             <p:nvSpPr>
               <p:cNvPr id="57" name="Textfeld 56"/>
@@ -38908,14 +39531,7 @@
                 <a:latin typeface="Times New Roman" panose="02020603050405020304" pitchFamily="18" charset="0"/>
                 <a:cs typeface="Times New Roman" panose="02020603050405020304" pitchFamily="18" charset="0"/>
               </a:rPr>
-              <a:t>4. Mehrwert </a:t>
-            </a:r>
-            <a:r>
-              <a:rPr lang="de-DE" dirty="0" smtClean="0">
-                <a:latin typeface="Times New Roman" panose="02020603050405020304" pitchFamily="18" charset="0"/>
-                <a:cs typeface="Times New Roman" panose="02020603050405020304" pitchFamily="18" charset="0"/>
-              </a:rPr>
-              <a:t>des </a:t>
+              <a:t>4. Mehrwert des </a:t>
             </a:r>
             <a:br>
               <a:rPr lang="de-DE" dirty="0" smtClean="0">
@@ -38928,21 +39544,7 @@
                 <a:latin typeface="Times New Roman" panose="02020603050405020304" pitchFamily="18" charset="0"/>
                 <a:cs typeface="Times New Roman" panose="02020603050405020304" pitchFamily="18" charset="0"/>
               </a:rPr>
-              <a:t> </a:t>
-            </a:r>
-            <a:r>
-              <a:rPr lang="de-DE" dirty="0" smtClean="0">
-                <a:latin typeface="Times New Roman" panose="02020603050405020304" pitchFamily="18" charset="0"/>
-                <a:cs typeface="Times New Roman" panose="02020603050405020304" pitchFamily="18" charset="0"/>
-              </a:rPr>
-              <a:t>    Controllings </a:t>
-            </a:r>
-            <a:r>
-              <a:rPr lang="de-DE" dirty="0" smtClean="0">
-                <a:latin typeface="Times New Roman" panose="02020603050405020304" pitchFamily="18" charset="0"/>
-                <a:cs typeface="Times New Roman" panose="02020603050405020304" pitchFamily="18" charset="0"/>
-              </a:rPr>
-              <a:t>in KMU</a:t>
+              <a:t>     Controllings in KMU</a:t>
             </a:r>
             <a:endParaRPr lang="de-DE" dirty="0">
               <a:latin typeface="Times New Roman" panose="02020603050405020304" pitchFamily="18" charset="0"/>
@@ -39725,14 +40327,7 @@
                 <a:latin typeface="Times New Roman" panose="02020603050405020304" pitchFamily="18" charset="0"/>
                 <a:cs typeface="Times New Roman" panose="02020603050405020304" pitchFamily="18" charset="0"/>
               </a:rPr>
-              <a:t>4. Mehrwert </a:t>
-            </a:r>
-            <a:r>
-              <a:rPr lang="de-DE" dirty="0" smtClean="0">
-                <a:latin typeface="Times New Roman" panose="02020603050405020304" pitchFamily="18" charset="0"/>
-                <a:cs typeface="Times New Roman" panose="02020603050405020304" pitchFamily="18" charset="0"/>
-              </a:rPr>
-              <a:t>des </a:t>
+              <a:t>4. Mehrwert des </a:t>
             </a:r>
             <a:br>
               <a:rPr lang="de-DE" dirty="0" smtClean="0">
@@ -39745,21 +40340,7 @@
                 <a:latin typeface="Times New Roman" panose="02020603050405020304" pitchFamily="18" charset="0"/>
                 <a:cs typeface="Times New Roman" panose="02020603050405020304" pitchFamily="18" charset="0"/>
               </a:rPr>
-              <a:t> </a:t>
-            </a:r>
-            <a:r>
-              <a:rPr lang="de-DE" dirty="0" smtClean="0">
-                <a:latin typeface="Times New Roman" panose="02020603050405020304" pitchFamily="18" charset="0"/>
-                <a:cs typeface="Times New Roman" panose="02020603050405020304" pitchFamily="18" charset="0"/>
-              </a:rPr>
-              <a:t>    Controllings </a:t>
-            </a:r>
-            <a:r>
-              <a:rPr lang="de-DE" dirty="0" smtClean="0">
-                <a:latin typeface="Times New Roman" panose="02020603050405020304" pitchFamily="18" charset="0"/>
-                <a:cs typeface="Times New Roman" panose="02020603050405020304" pitchFamily="18" charset="0"/>
-              </a:rPr>
-              <a:t>in KMU</a:t>
+              <a:t>     Controllings in KMU</a:t>
             </a:r>
             <a:endParaRPr lang="de-DE" dirty="0">
               <a:latin typeface="Times New Roman" panose="02020603050405020304" pitchFamily="18" charset="0"/>
